--- a/presentations/lecture_jwt.pptx
+++ b/presentations/lecture_jwt.pptx
@@ -5,29 +5,32 @@
     <p:sldMasterId id="2147483684" r:id="rId1"/>
   </p:sldMasterIdLst>
   <p:notesMasterIdLst>
-    <p:notesMasterId r:id="rId22"/>
+    <p:notesMasterId r:id="rId25"/>
   </p:notesMasterIdLst>
   <p:sldIdLst>
     <p:sldId id="256" r:id="rId2"/>
     <p:sldId id="267" r:id="rId3"/>
     <p:sldId id="257" r:id="rId4"/>
     <p:sldId id="309" r:id="rId5"/>
-    <p:sldId id="268" r:id="rId6"/>
-    <p:sldId id="323" r:id="rId7"/>
-    <p:sldId id="324" r:id="rId8"/>
-    <p:sldId id="325" r:id="rId9"/>
-    <p:sldId id="327" r:id="rId10"/>
-    <p:sldId id="326" r:id="rId11"/>
-    <p:sldId id="329" r:id="rId12"/>
-    <p:sldId id="330" r:id="rId13"/>
-    <p:sldId id="331" r:id="rId14"/>
-    <p:sldId id="332" r:id="rId15"/>
-    <p:sldId id="333" r:id="rId16"/>
-    <p:sldId id="334" r:id="rId17"/>
-    <p:sldId id="335" r:id="rId18"/>
-    <p:sldId id="336" r:id="rId19"/>
-    <p:sldId id="337" r:id="rId20"/>
-    <p:sldId id="260" r:id="rId21"/>
+    <p:sldId id="338" r:id="rId6"/>
+    <p:sldId id="268" r:id="rId7"/>
+    <p:sldId id="323" r:id="rId8"/>
+    <p:sldId id="324" r:id="rId9"/>
+    <p:sldId id="325" r:id="rId10"/>
+    <p:sldId id="327" r:id="rId11"/>
+    <p:sldId id="326" r:id="rId12"/>
+    <p:sldId id="329" r:id="rId13"/>
+    <p:sldId id="339" r:id="rId14"/>
+    <p:sldId id="330" r:id="rId15"/>
+    <p:sldId id="331" r:id="rId16"/>
+    <p:sldId id="332" r:id="rId17"/>
+    <p:sldId id="333" r:id="rId18"/>
+    <p:sldId id="334" r:id="rId19"/>
+    <p:sldId id="335" r:id="rId20"/>
+    <p:sldId id="336" r:id="rId21"/>
+    <p:sldId id="337" r:id="rId22"/>
+    <p:sldId id="340" r:id="rId23"/>
+    <p:sldId id="260" r:id="rId24"/>
   </p:sldIdLst>
   <p:sldSz cx="12192000" cy="6858000"/>
   <p:notesSz cx="6858000" cy="9144000"/>
@@ -216,7 +219,7 @@
           <a:p>
             <a:fld id="{4BAF5568-5764-3645-BA47-A2145F42072A}" type="datetimeFigureOut">
               <a:rPr lang="en-IL" smtClean="0"/>
-              <a:t>28/03/2021</a:t>
+              <a:t>25/05/2021</a:t>
             </a:fld>
             <a:endParaRPr lang="en-IL"/>
           </a:p>
@@ -613,30 +616,179 @@
           <a:bodyPr/>
           <a:lstStyle/>
           <a:p>
-            <a:r>
+            <a:pPr marL="171450" indent="-171450">
+              <a:buFont typeface="Arial" panose="020B0604020202020204" pitchFamily="34" charset="0"/>
+              <a:buChar char="•"/>
+            </a:pPr>
+            <a:r>
+              <a:rPr lang="en-US" sz="1200" b="0" i="0" kern="1200" dirty="0">
+                <a:solidFill>
+                  <a:schemeClr val="tx1"/>
+                </a:solidFill>
+                <a:effectLst/>
+                <a:latin typeface="+mn-lt"/>
+                <a:ea typeface="+mn-ea"/>
+                <a:cs typeface="+mn-cs"/>
+              </a:rPr>
+              <a:t>At the first access, a client needs to contact the </a:t>
+            </a:r>
+            <a:r>
+              <a:rPr lang="en-US" sz="1200" b="0" i="1" kern="1200" dirty="0">
+                <a:solidFill>
+                  <a:schemeClr val="tx1"/>
+                </a:solidFill>
+                <a:effectLst/>
+                <a:latin typeface="+mn-lt"/>
+                <a:ea typeface="+mn-ea"/>
+                <a:cs typeface="+mn-cs"/>
+              </a:rPr>
+              <a:t>authentication server </a:t>
+            </a:r>
+            <a:r>
+              <a:rPr lang="en-US" sz="1200" b="0" i="0" kern="1200" dirty="0">
+                <a:solidFill>
+                  <a:schemeClr val="tx1"/>
+                </a:solidFill>
+                <a:effectLst/>
+                <a:latin typeface="+mn-lt"/>
+                <a:ea typeface="+mn-ea"/>
+                <a:cs typeface="+mn-cs"/>
+              </a:rPr>
+              <a:t>(Amazon Cognito here, but Microsoft, Salesforce or any other provider should be pretty similar), sending username and password to it. If credentials are valid, a JWT token will be returned to the client that will use it to request an API (in this example Amazon API Gateway endpoint).</a:t>
+            </a:r>
+          </a:p>
+          <a:p>
+            <a:pPr marL="171450" indent="-171450">
+              <a:buFont typeface="Arial" panose="020B0604020202020204" pitchFamily="34" charset="0"/>
+              <a:buChar char="•"/>
+            </a:pPr>
+            <a:endParaRPr lang="en-US" sz="1200" b="0" i="0" kern="1200" dirty="0">
+              <a:solidFill>
+                <a:schemeClr val="tx1"/>
+              </a:solidFill>
+              <a:effectLst/>
+              <a:latin typeface="+mn-lt"/>
+              <a:ea typeface="+mn-ea"/>
+              <a:cs typeface="+mn-cs"/>
+            </a:endParaRPr>
+          </a:p>
+          <a:p>
+            <a:pPr marL="171450" indent="-171450">
+              <a:buFont typeface="Arial" panose="020B0604020202020204" pitchFamily="34" charset="0"/>
+              <a:buChar char="•"/>
+            </a:pPr>
+            <a:r>
+              <a:rPr lang="en-US" sz="1200" b="0" i="0" kern="1200" dirty="0">
+                <a:solidFill>
+                  <a:schemeClr val="tx1"/>
+                </a:solidFill>
+                <a:effectLst/>
+                <a:latin typeface="+mn-lt"/>
+                <a:ea typeface="+mn-ea"/>
+                <a:cs typeface="+mn-cs"/>
+              </a:rPr>
+              <a:t>In the above scenario (fig.5), API itself is the only responsible for token validation and it’s able to reject the request if the signature seems forged.</a:t>
+            </a:r>
+          </a:p>
+          <a:p>
+            <a:pPr marL="171450" indent="-171450">
+              <a:buFont typeface="Arial" panose="020B0604020202020204" pitchFamily="34" charset="0"/>
+              <a:buChar char="•"/>
+            </a:pPr>
+            <a:endParaRPr lang="en-US" sz="1200" b="0" i="0" kern="1200" dirty="0">
+              <a:solidFill>
+                <a:schemeClr val="tx1"/>
+              </a:solidFill>
+              <a:effectLst/>
+              <a:latin typeface="+mn-lt"/>
+              <a:ea typeface="+mn-ea"/>
+              <a:cs typeface="+mn-cs"/>
+            </a:endParaRPr>
+          </a:p>
+          <a:p>
+            <a:pPr marL="171450" indent="-171450">
+              <a:buFont typeface="Arial" panose="020B0604020202020204" pitchFamily="34" charset="0"/>
+              <a:buChar char="•"/>
+            </a:pPr>
+            <a:endParaRPr lang="en-US" sz="1200" b="0" i="0" kern="1200" dirty="0">
+              <a:solidFill>
+                <a:schemeClr val="tx1"/>
+              </a:solidFill>
+              <a:effectLst/>
+              <a:latin typeface="+mn-lt"/>
+              <a:ea typeface="+mn-ea"/>
+              <a:cs typeface="+mn-cs"/>
+            </a:endParaRPr>
+          </a:p>
+          <a:p>
+            <a:r>
+              <a:rPr lang="en-US" sz="1200" b="1" i="0" kern="1200" dirty="0">
+                <a:solidFill>
+                  <a:schemeClr val="tx1"/>
+                </a:solidFill>
+                <a:effectLst/>
+                <a:latin typeface="+mn-lt"/>
+                <a:ea typeface="+mn-ea"/>
+                <a:cs typeface="+mn-cs"/>
+              </a:rPr>
+              <a:t>Going further</a:t>
+            </a:r>
+            <a:br>
+              <a:rPr lang="en-US" sz="1200" b="1" i="0" kern="1200" dirty="0">
+                <a:solidFill>
+                  <a:schemeClr val="tx1"/>
+                </a:solidFill>
+                <a:effectLst/>
+                <a:latin typeface="+mn-lt"/>
+                <a:ea typeface="+mn-ea"/>
+                <a:cs typeface="+mn-cs"/>
+              </a:rPr>
+            </a:br>
+            <a:r>
+              <a:rPr lang="en-US" sz="1200" b="0" i="0" kern="1200" dirty="0">
+                <a:solidFill>
+                  <a:schemeClr val="tx1"/>
+                </a:solidFill>
+                <a:effectLst/>
+                <a:latin typeface="+mn-lt"/>
+                <a:ea typeface="+mn-ea"/>
+                <a:cs typeface="+mn-cs"/>
+              </a:rPr>
+              <a:t>Suppose a client wants to invoke a protected API to delete an order (e.g. DELETE /order/42) and this action should be only performed by administrators.</a:t>
+            </a:r>
+          </a:p>
+          <a:p>
+            <a:r>
+              <a:rPr lang="en-US" sz="1200" b="0" i="0" kern="1200" dirty="0">
+                <a:solidFill>
+                  <a:schemeClr val="tx1"/>
+                </a:solidFill>
+                <a:effectLst/>
+                <a:latin typeface="+mn-lt"/>
+                <a:ea typeface="+mn-ea"/>
+                <a:cs typeface="+mn-cs"/>
+              </a:rPr>
+              <a:t>With a JWT in place, this operation is hard as add a custom claim to the payload body (i.e. the admin: true claim of the example above). When invoked, the API will first verify the signature authenticity and afterwards, it’ll check if admin claim is true.</a:t>
+            </a:r>
+          </a:p>
+          <a:p>
+            <a:br>
               <a:rPr lang="en-US" dirty="0"/>
-              <a:t>https://</a:t>
-            </a:r>
-            <a:r>
-              <a:rPr lang="en-US" dirty="0" err="1"/>
-              <a:t>www.youtube.com</a:t>
-            </a:r>
-            <a:r>
+            </a:br>
+            <a:endParaRPr lang="en-US" sz="1200" b="0" i="0" kern="1200" dirty="0">
+              <a:solidFill>
+                <a:schemeClr val="tx1"/>
+              </a:solidFill>
+              <a:effectLst/>
+              <a:latin typeface="+mn-lt"/>
+              <a:ea typeface="+mn-ea"/>
+              <a:cs typeface="+mn-cs"/>
+            </a:endParaRPr>
+          </a:p>
+          <a:p>
+            <a:br>
               <a:rPr lang="en-US" dirty="0"/>
-              <a:t>/</a:t>
-            </a:r>
-            <a:r>
-              <a:rPr lang="en-US" dirty="0" err="1"/>
-              <a:t>watch?v</a:t>
-            </a:r>
-            <a:r>
-              <a:rPr lang="en-US" dirty="0"/>
-              <a:t>=7Q17ubqLfaM&amp;ab_channel=</a:t>
-            </a:r>
-            <a:r>
-              <a:rPr lang="en-US" dirty="0" err="1"/>
-              <a:t>WebDevSimplified</a:t>
-            </a:r>
+            </a:br>
             <a:endParaRPr lang="en-IL" dirty="0"/>
           </a:p>
         </p:txBody>
@@ -667,7 +819,7 @@
     </p:spTree>
     <p:extLst>
       <p:ext uri="{BB962C8B-B14F-4D97-AF65-F5344CB8AC3E}">
-        <p14:creationId xmlns:p14="http://schemas.microsoft.com/office/powerpoint/2010/main" val="2561722854"/>
+        <p14:creationId xmlns:p14="http://schemas.microsoft.com/office/powerpoint/2010/main" val="2027966840"/>
       </p:ext>
     </p:extLst>
   </p:cSld>
@@ -721,86 +873,44 @@
           <a:bodyPr/>
           <a:lstStyle/>
           <a:p>
-            <a:pPr algn="r" rtl="1"/>
-            <a:r>
-              <a:rPr lang="en-US" dirty="0"/>
-              <a:t>SHOW SEED 1. </a:t>
-            </a:r>
-          </a:p>
-          <a:p>
-            <a:pPr algn="r" rtl="1"/>
-            <a:r>
-              <a:rPr lang="en-US" dirty="0"/>
-              <a:t>SHOW GRAPHQL EXAMPLES 2.</a:t>
-            </a:r>
-          </a:p>
-          <a:p>
-            <a:pPr algn="r" rtl="1"/>
-            <a:r>
-              <a:rPr lang="en-US" dirty="0"/>
-              <a:t>SHOW NEW CODE . 3</a:t>
-            </a:r>
-          </a:p>
-          <a:p>
-            <a:pPr algn="r" rtl="1"/>
-            <a:r>
-              <a:rPr lang="en-US" dirty="0"/>
-              <a:t>.</a:t>
-            </a:r>
-          </a:p>
-          <a:p>
-            <a:pPr marL="171450" indent="-171450" algn="r" rtl="1">
-              <a:buFont typeface="Arial" panose="020B0604020202020204" pitchFamily="34" charset="0"/>
-              <a:buChar char="•"/>
-            </a:pPr>
-            <a:r>
-              <a:rPr lang="en-US" dirty="0"/>
-              <a:t>RESTAPI example</a:t>
-            </a:r>
-          </a:p>
-          <a:p>
-            <a:pPr marL="0" marR="0" lvl="0" indent="0" algn="r" defTabSz="914400" rtl="1" eaLnBrk="1" fontAlgn="auto" latinLnBrk="0" hangingPunct="1">
-              <a:lnSpc>
-                <a:spcPct val="100000"/>
-              </a:lnSpc>
-              <a:spcBef>
-                <a:spcPts val="0"/>
-              </a:spcBef>
-              <a:spcAft>
-                <a:spcPts val="0"/>
-              </a:spcAft>
-              <a:buClrTx/>
-              <a:buSzTx/>
-              <a:buFontTx/>
-              <a:buNone/>
-              <a:tabLst/>
-              <a:defRPr/>
-            </a:pPr>
-            <a:r>
-              <a:rPr lang="en-US" dirty="0">
-                <a:hlinkClick r:id="rId3"/>
+            <a:r>
+              <a:rPr lang="en-US" sz="1200" b="0" i="0" kern="1200" dirty="0">
+                <a:solidFill>
+                  <a:schemeClr val="tx1"/>
+                </a:solidFill>
+                <a:effectLst/>
+                <a:latin typeface="+mn-lt"/>
+                <a:ea typeface="+mn-ea"/>
+                <a:cs typeface="+mn-cs"/>
               </a:rPr>
-              <a:t>https://www.howtographql.com/basics/1-graphql-is-the-better-rest/</a:t>
-            </a:r>
-            <a:endParaRPr lang="en-US" dirty="0"/>
-          </a:p>
-          <a:p>
-            <a:pPr algn="r" rtl="1"/>
-            <a:endParaRPr lang="en-US" dirty="0"/>
-          </a:p>
-          <a:p>
-            <a:pPr algn="r" rtl="1"/>
-            <a:endParaRPr lang="en-US" dirty="0"/>
-          </a:p>
-          <a:p>
-            <a:pPr marL="171450" indent="-171450" algn="r" rtl="1">
-              <a:buFont typeface="Arial" panose="020B0604020202020204" pitchFamily="34" charset="0"/>
-              <a:buChar char="•"/>
-            </a:pPr>
-            <a:r>
-              <a:rPr lang="en-US" dirty="0"/>
-              <a:t>PERFORMANCE</a:t>
-            </a:r>
+              <a:t>A JWT is cryptographically signed (but </a:t>
+            </a:r>
+            <a:r>
+              <a:rPr lang="en-US" sz="1200" b="0" i="1" kern="1200" dirty="0">
+                <a:solidFill>
+                  <a:schemeClr val="tx1"/>
+                </a:solidFill>
+                <a:effectLst/>
+                <a:latin typeface="+mn-lt"/>
+                <a:ea typeface="+mn-ea"/>
+                <a:cs typeface="+mn-cs"/>
+              </a:rPr>
+              <a:t>not</a:t>
+            </a:r>
+            <a:r>
+              <a:rPr lang="en-US" sz="1200" b="0" i="0" kern="1200" dirty="0">
+                <a:solidFill>
+                  <a:schemeClr val="tx1"/>
+                </a:solidFill>
+                <a:effectLst/>
+                <a:latin typeface="+mn-lt"/>
+                <a:ea typeface="+mn-ea"/>
+                <a:cs typeface="+mn-cs"/>
+              </a:rPr>
+              <a:t> encrypted, hence using HTTPS is mandatory when storing user data in the JWT), so there is a guarantee we can trust it when we receive it, as no middleman can intercept and modify it, or the data it holds, without invalidating it.</a:t>
+            </a:r>
+          </a:p>
+          <a:p>
             <a:endParaRPr lang="en-US" sz="1200" b="0" i="0" kern="1200" dirty="0">
               <a:solidFill>
                 <a:schemeClr val="tx1"/>
@@ -812,23 +922,86 @@
             </a:endParaRPr>
           </a:p>
           <a:p>
-            <a:pPr algn="r" rtl="1"/>
-            <a:r>
-              <a:rPr lang="en-US" dirty="0">
-                <a:hlinkClick r:id="rId4"/>
+            <a:endParaRPr lang="en-US" sz="1200" b="0" i="0" kern="1200" dirty="0">
+              <a:solidFill>
+                <a:schemeClr val="tx1"/>
+              </a:solidFill>
+              <a:effectLst/>
+              <a:latin typeface="+mn-lt"/>
+              <a:ea typeface="+mn-ea"/>
+              <a:cs typeface="+mn-cs"/>
+            </a:endParaRPr>
+          </a:p>
+          <a:p>
+            <a:r>
+              <a:rPr lang="en-US" sz="1200" b="0" i="0" kern="1200" dirty="0">
+                <a:solidFill>
+                  <a:schemeClr val="tx1"/>
+                </a:solidFill>
+                <a:effectLst/>
+                <a:latin typeface="+mn-lt"/>
+                <a:ea typeface="+mn-ea"/>
+                <a:cs typeface="+mn-cs"/>
               </a:rPr>
-              <a:t>https://stackshare.io/stackups/expressjs-vs-nestjs</a:t>
-            </a:r>
-            <a:endParaRPr lang="en-US" dirty="0"/>
-          </a:p>
-          <a:p>
-            <a:pPr algn="r" rtl="1"/>
-            <a:r>
-              <a:rPr lang="en-US" dirty="0">
-                <a:hlinkClick r:id="rId5"/>
+              <a:t>The secret key must be saved on server, and if I want to use the same </a:t>
+            </a:r>
+            <a:r>
+              <a:rPr lang="en-US" sz="1200" b="0" i="0" kern="1200" dirty="0" err="1">
+                <a:solidFill>
+                  <a:schemeClr val="tx1"/>
+                </a:solidFill>
+                <a:effectLst/>
+                <a:latin typeface="+mn-lt"/>
+                <a:ea typeface="+mn-ea"/>
+                <a:cs typeface="+mn-cs"/>
               </a:rPr>
-              <a:t>https://docs.nestjs.com/techniques/performance</a:t>
-            </a:r>
+              <a:t>jwt</a:t>
+            </a:r>
+            <a:r>
+              <a:rPr lang="en-US" sz="1200" b="0" i="0" kern="1200" dirty="0">
+                <a:solidFill>
+                  <a:schemeClr val="tx1"/>
+                </a:solidFill>
+                <a:effectLst/>
+                <a:latin typeface="+mn-lt"/>
+                <a:ea typeface="+mn-ea"/>
+                <a:cs typeface="+mn-cs"/>
+              </a:rPr>
+              <a:t> to access two different servers, both servers should share the same private key between them</a:t>
+            </a:r>
+            <a:endParaRPr lang="en-US" sz="1200" b="0" i="1" kern="1200" dirty="0">
+              <a:solidFill>
+                <a:schemeClr val="tx1"/>
+              </a:solidFill>
+              <a:effectLst/>
+              <a:latin typeface="+mn-lt"/>
+              <a:ea typeface="+mn-ea"/>
+              <a:cs typeface="+mn-cs"/>
+            </a:endParaRPr>
+          </a:p>
+          <a:p>
+            <a:endParaRPr lang="en-US" sz="1200" b="0" i="1" kern="1200" dirty="0">
+              <a:solidFill>
+                <a:schemeClr val="tx1"/>
+              </a:solidFill>
+              <a:effectLst/>
+              <a:latin typeface="+mn-lt"/>
+              <a:ea typeface="+mn-ea"/>
+              <a:cs typeface="+mn-cs"/>
+            </a:endParaRPr>
+          </a:p>
+          <a:p>
+            <a:endParaRPr lang="en-US" sz="1200" b="0" i="1" kern="1200" dirty="0">
+              <a:solidFill>
+                <a:schemeClr val="tx1"/>
+              </a:solidFill>
+              <a:effectLst/>
+              <a:latin typeface="+mn-lt"/>
+              <a:ea typeface="+mn-ea"/>
+              <a:cs typeface="+mn-cs"/>
+            </a:endParaRPr>
+          </a:p>
+          <a:p>
             <a:endParaRPr lang="en-IL" dirty="0"/>
           </a:p>
         </p:txBody>
@@ -851,6 +1024,283 @@
             <a:fld id="{D2850163-67CE-1445-A832-1977356FC86B}" type="slidenum">
               <a:rPr lang="en-IL" smtClean="0"/>
               <a:t>20</a:t>
+            </a:fld>
+            <a:endParaRPr lang="en-IL"/>
+          </a:p>
+        </p:txBody>
+      </p:sp>
+    </p:spTree>
+    <p:extLst>
+      <p:ext uri="{BB962C8B-B14F-4D97-AF65-F5344CB8AC3E}">
+        <p14:creationId xmlns:p14="http://schemas.microsoft.com/office/powerpoint/2010/main" val="3943535028"/>
+      </p:ext>
+    </p:extLst>
+  </p:cSld>
+  <p:clrMapOvr>
+    <a:masterClrMapping/>
+  </p:clrMapOvr>
+</p:notes>
+</file>
+
+<file path=ppt/notesSlides/notesSlide12.xml><?xml version="1.0" encoding="utf-8"?>
+<p:notes xmlns:a="http://schemas.openxmlformats.org/drawingml/2006/main" xmlns:r="http://schemas.openxmlformats.org/officeDocument/2006/relationships" xmlns:p="http://schemas.openxmlformats.org/presentationml/2006/main">
+  <p:cSld>
+    <p:spTree>
+      <p:nvGrpSpPr>
+        <p:cNvPr id="1" name=""/>
+        <p:cNvGrpSpPr/>
+        <p:nvPr/>
+      </p:nvGrpSpPr>
+      <p:grpSpPr>
+        <a:xfrm>
+          <a:off x="0" y="0"/>
+          <a:ext cx="0" cy="0"/>
+          <a:chOff x="0" y="0"/>
+          <a:chExt cx="0" cy="0"/>
+        </a:xfrm>
+      </p:grpSpPr>
+      <p:sp>
+        <p:nvSpPr>
+          <p:cNvPr id="2" name="Slide Image Placeholder 1"/>
+          <p:cNvSpPr>
+            <a:spLocks noGrp="1" noRot="1" noChangeAspect="1"/>
+          </p:cNvSpPr>
+          <p:nvPr>
+            <p:ph type="sldImg"/>
+          </p:nvPr>
+        </p:nvSpPr>
+        <p:spPr/>
+      </p:sp>
+      <p:sp>
+        <p:nvSpPr>
+          <p:cNvPr id="3" name="Notes Placeholder 2"/>
+          <p:cNvSpPr>
+            <a:spLocks noGrp="1"/>
+          </p:cNvSpPr>
+          <p:nvPr>
+            <p:ph type="body" idx="1"/>
+          </p:nvPr>
+        </p:nvSpPr>
+        <p:spPr/>
+        <p:txBody>
+          <a:bodyPr/>
+          <a:lstStyle/>
+          <a:p>
+            <a:r>
+              <a:rPr lang="en-US" dirty="0"/>
+              <a:t>https://</a:t>
+            </a:r>
+            <a:r>
+              <a:rPr lang="en-US" dirty="0" err="1"/>
+              <a:t>www.youtube.com</a:t>
+            </a:r>
+            <a:r>
+              <a:rPr lang="en-US" dirty="0"/>
+              <a:t>/</a:t>
+            </a:r>
+            <a:r>
+              <a:rPr lang="en-US" dirty="0" err="1"/>
+              <a:t>watch?v</a:t>
+            </a:r>
+            <a:r>
+              <a:rPr lang="en-US" dirty="0"/>
+              <a:t>=7Q17ubqLfaM&amp;ab_channel=</a:t>
+            </a:r>
+            <a:r>
+              <a:rPr lang="en-US" dirty="0" err="1"/>
+              <a:t>WebDevSimplified</a:t>
+            </a:r>
+            <a:endParaRPr lang="en-IL" dirty="0"/>
+          </a:p>
+        </p:txBody>
+      </p:sp>
+      <p:sp>
+        <p:nvSpPr>
+          <p:cNvPr id="4" name="Slide Number Placeholder 3"/>
+          <p:cNvSpPr>
+            <a:spLocks noGrp="1"/>
+          </p:cNvSpPr>
+          <p:nvPr>
+            <p:ph type="sldNum" sz="quarter" idx="5"/>
+          </p:nvPr>
+        </p:nvSpPr>
+        <p:spPr/>
+        <p:txBody>
+          <a:bodyPr/>
+          <a:lstStyle/>
+          <a:p>
+            <a:fld id="{D2850163-67CE-1445-A832-1977356FC86B}" type="slidenum">
+              <a:rPr lang="en-IL" smtClean="0"/>
+              <a:t>21</a:t>
+            </a:fld>
+            <a:endParaRPr lang="en-IL"/>
+          </a:p>
+        </p:txBody>
+      </p:sp>
+    </p:spTree>
+    <p:extLst>
+      <p:ext uri="{BB962C8B-B14F-4D97-AF65-F5344CB8AC3E}">
+        <p14:creationId xmlns:p14="http://schemas.microsoft.com/office/powerpoint/2010/main" val="2561722854"/>
+      </p:ext>
+    </p:extLst>
+  </p:cSld>
+  <p:clrMapOvr>
+    <a:masterClrMapping/>
+  </p:clrMapOvr>
+</p:notes>
+</file>
+
+<file path=ppt/notesSlides/notesSlide13.xml><?xml version="1.0" encoding="utf-8"?>
+<p:notes xmlns:a="http://schemas.openxmlformats.org/drawingml/2006/main" xmlns:r="http://schemas.openxmlformats.org/officeDocument/2006/relationships" xmlns:p="http://schemas.openxmlformats.org/presentationml/2006/main">
+  <p:cSld>
+    <p:spTree>
+      <p:nvGrpSpPr>
+        <p:cNvPr id="1" name=""/>
+        <p:cNvGrpSpPr/>
+        <p:nvPr/>
+      </p:nvGrpSpPr>
+      <p:grpSpPr>
+        <a:xfrm>
+          <a:off x="0" y="0"/>
+          <a:ext cx="0" cy="0"/>
+          <a:chOff x="0" y="0"/>
+          <a:chExt cx="0" cy="0"/>
+        </a:xfrm>
+      </p:grpSpPr>
+      <p:sp>
+        <p:nvSpPr>
+          <p:cNvPr id="2" name="Slide Image Placeholder 1"/>
+          <p:cNvSpPr>
+            <a:spLocks noGrp="1" noRot="1" noChangeAspect="1"/>
+          </p:cNvSpPr>
+          <p:nvPr>
+            <p:ph type="sldImg"/>
+          </p:nvPr>
+        </p:nvSpPr>
+        <p:spPr/>
+      </p:sp>
+      <p:sp>
+        <p:nvSpPr>
+          <p:cNvPr id="3" name="Notes Placeholder 2"/>
+          <p:cNvSpPr>
+            <a:spLocks noGrp="1"/>
+          </p:cNvSpPr>
+          <p:nvPr>
+            <p:ph type="body" idx="1"/>
+          </p:nvPr>
+        </p:nvSpPr>
+        <p:spPr/>
+        <p:txBody>
+          <a:bodyPr/>
+          <a:lstStyle/>
+          <a:p>
+            <a:endParaRPr lang="en-IL" dirty="0"/>
+          </a:p>
+        </p:txBody>
+      </p:sp>
+      <p:sp>
+        <p:nvSpPr>
+          <p:cNvPr id="4" name="Slide Number Placeholder 3"/>
+          <p:cNvSpPr>
+            <a:spLocks noGrp="1"/>
+          </p:cNvSpPr>
+          <p:nvPr>
+            <p:ph type="sldNum" sz="quarter" idx="5"/>
+          </p:nvPr>
+        </p:nvSpPr>
+        <p:spPr/>
+        <p:txBody>
+          <a:bodyPr/>
+          <a:lstStyle/>
+          <a:p>
+            <a:fld id="{D2850163-67CE-1445-A832-1977356FC86B}" type="slidenum">
+              <a:rPr lang="en-IL" smtClean="0"/>
+              <a:t>22</a:t>
+            </a:fld>
+            <a:endParaRPr lang="en-IL"/>
+          </a:p>
+        </p:txBody>
+      </p:sp>
+    </p:spTree>
+    <p:extLst>
+      <p:ext uri="{BB962C8B-B14F-4D97-AF65-F5344CB8AC3E}">
+        <p14:creationId xmlns:p14="http://schemas.microsoft.com/office/powerpoint/2010/main" val="868668785"/>
+      </p:ext>
+    </p:extLst>
+  </p:cSld>
+  <p:clrMapOvr>
+    <a:masterClrMapping/>
+  </p:clrMapOvr>
+</p:notes>
+</file>
+
+<file path=ppt/notesSlides/notesSlide14.xml><?xml version="1.0" encoding="utf-8"?>
+<p:notes xmlns:a="http://schemas.openxmlformats.org/drawingml/2006/main" xmlns:r="http://schemas.openxmlformats.org/officeDocument/2006/relationships" xmlns:p="http://schemas.openxmlformats.org/presentationml/2006/main">
+  <p:cSld>
+    <p:spTree>
+      <p:nvGrpSpPr>
+        <p:cNvPr id="1" name=""/>
+        <p:cNvGrpSpPr/>
+        <p:nvPr/>
+      </p:nvGrpSpPr>
+      <p:grpSpPr>
+        <a:xfrm>
+          <a:off x="0" y="0"/>
+          <a:ext cx="0" cy="0"/>
+          <a:chOff x="0" y="0"/>
+          <a:chExt cx="0" cy="0"/>
+        </a:xfrm>
+      </p:grpSpPr>
+      <p:sp>
+        <p:nvSpPr>
+          <p:cNvPr id="2" name="Slide Image Placeholder 1"/>
+          <p:cNvSpPr>
+            <a:spLocks noGrp="1" noRot="1" noChangeAspect="1"/>
+          </p:cNvSpPr>
+          <p:nvPr>
+            <p:ph type="sldImg"/>
+          </p:nvPr>
+        </p:nvSpPr>
+        <p:spPr/>
+      </p:sp>
+      <p:sp>
+        <p:nvSpPr>
+          <p:cNvPr id="3" name="Notes Placeholder 2"/>
+          <p:cNvSpPr>
+            <a:spLocks noGrp="1"/>
+          </p:cNvSpPr>
+          <p:nvPr>
+            <p:ph type="body" idx="1"/>
+          </p:nvPr>
+        </p:nvSpPr>
+        <p:spPr/>
+        <p:txBody>
+          <a:bodyPr/>
+          <a:lstStyle/>
+          <a:p>
+            <a:pPr algn="r" rtl="1"/>
+            <a:endParaRPr lang="en-IL" dirty="0"/>
+          </a:p>
+        </p:txBody>
+      </p:sp>
+      <p:sp>
+        <p:nvSpPr>
+          <p:cNvPr id="4" name="Slide Number Placeholder 3"/>
+          <p:cNvSpPr>
+            <a:spLocks noGrp="1"/>
+          </p:cNvSpPr>
+          <p:nvPr>
+            <p:ph type="sldNum" sz="quarter" idx="5"/>
+          </p:nvPr>
+        </p:nvSpPr>
+        <p:spPr/>
+        <p:txBody>
+          <a:bodyPr/>
+          <a:lstStyle/>
+          <a:p>
+            <a:fld id="{D2850163-67CE-1445-A832-1977356FC86B}" type="slidenum">
+              <a:rPr lang="en-IL" smtClean="0"/>
+              <a:t>23</a:t>
             </a:fld>
             <a:endParaRPr lang="en-IL"/>
           </a:p>
@@ -999,13 +1449,6 @@
           <a:lstStyle/>
           <a:p>
             <a:pPr marL="0" algn="l" defTabSz="914400" rtl="0" eaLnBrk="1" latinLnBrk="0" hangingPunct="1"/>
-            <a:r>
-              <a:rPr lang="en-US" dirty="0"/>
-              <a:t>Due to the stateless nature of HTTP protocol, every new API request needs a complete authentication.</a:t>
-            </a:r>
-            <a:br>
-              <a:rPr lang="en-US" dirty="0"/>
-            </a:br>
             <a:endParaRPr lang="en-IL" dirty="0"/>
           </a:p>
         </p:txBody>
@@ -1027,7 +1470,7 @@
           <a:p>
             <a:fld id="{D2850163-67CE-1445-A832-1977356FC86B}" type="slidenum">
               <a:rPr lang="en-IL" smtClean="0"/>
-              <a:t>6</a:t>
+              <a:t>5</a:t>
             </a:fld>
             <a:endParaRPr lang="en-IL"/>
           </a:p>
@@ -1036,7 +1479,7 @@
     </p:spTree>
     <p:extLst>
       <p:ext uri="{BB962C8B-B14F-4D97-AF65-F5344CB8AC3E}">
-        <p14:creationId xmlns:p14="http://schemas.microsoft.com/office/powerpoint/2010/main" val="464794328"/>
+        <p14:creationId xmlns:p14="http://schemas.microsoft.com/office/powerpoint/2010/main" val="4070779130"/>
       </p:ext>
     </p:extLst>
   </p:cSld>
@@ -1090,40 +1533,43 @@
           <a:bodyPr/>
           <a:lstStyle/>
           <a:p>
-            <a:pPr marL="171450" indent="-171450">
-              <a:buFont typeface="Arial" panose="020B0604020202020204" pitchFamily="34" charset="0"/>
-              <a:buChar char="•"/>
-            </a:pPr>
-            <a:r>
-              <a:rPr lang="en-US" sz="1200" b="0" i="0" kern="1200" dirty="0">
-                <a:solidFill>
-                  <a:schemeClr val="tx1"/>
-                </a:solidFill>
-                <a:effectLst/>
-                <a:latin typeface="+mn-lt"/>
-                <a:ea typeface="+mn-ea"/>
-                <a:cs typeface="+mn-cs"/>
-              </a:rPr>
-              <a:t>Using SSS, we reduce the number of authentications towards the Credentials database.</a:t>
-            </a:r>
-          </a:p>
-          <a:p>
-            <a:pPr marL="171450" indent="-171450">
-              <a:buFont typeface="Arial" panose="020B0604020202020204" pitchFamily="34" charset="0"/>
-              <a:buChar char="•"/>
-            </a:pPr>
-            <a:r>
-              <a:rPr lang="en-US" dirty="0"/>
-              <a:t>This solution will fix a problem but it will create another one.</a:t>
+            <a:pPr marL="0" algn="r" defTabSz="914400" rtl="0" eaLnBrk="1" latinLnBrk="0" hangingPunct="1"/>
+            <a:r>
+              <a:rPr lang="he-IL" sz="2400" dirty="0"/>
+              <a:t>בגלל אופי ה</a:t>
             </a:r>
             <a:br>
-              <a:rPr lang="en-US" sz="1400" dirty="0"/>
+              <a:rPr lang="en-US" sz="2400" dirty="0"/>
             </a:br>
             <a:r>
-              <a:rPr lang="en-US" dirty="0"/>
-              <a:t>Probably bigger.</a:t>
-            </a:r>
-            <a:endParaRPr lang="en-IL" dirty="0"/>
+              <a:rPr lang="en-US" sz="2400" dirty="0"/>
+              <a:t>http protocol</a:t>
+            </a:r>
+            <a:br>
+              <a:rPr lang="en-US" sz="2400" dirty="0"/>
+            </a:br>
+            <a:r>
+              <a:rPr lang="he-IL" sz="2400" dirty="0"/>
+              <a:t>על כל בקשה נדרשת </a:t>
+            </a:r>
+            <a:br>
+              <a:rPr lang="en-US" sz="2400" dirty="0"/>
+            </a:br>
+            <a:r>
+              <a:rPr lang="en-US" sz="2400" dirty="0"/>
+              <a:t>authentication</a:t>
+            </a:r>
+            <a:br>
+              <a:rPr lang="en-US" sz="2400" dirty="0"/>
+            </a:br>
+            <a:r>
+              <a:rPr lang="he-IL" sz="2400" dirty="0"/>
+              <a:t>חדשה</a:t>
+            </a:r>
+            <a:br>
+              <a:rPr lang="en-US" sz="2400" dirty="0"/>
+            </a:br>
+            <a:endParaRPr lang="en-IL" sz="2400" dirty="0"/>
           </a:p>
         </p:txBody>
       </p:sp>
@@ -1144,7 +1590,7 @@
           <a:p>
             <a:fld id="{D2850163-67CE-1445-A832-1977356FC86B}" type="slidenum">
               <a:rPr lang="en-IL" smtClean="0"/>
-              <a:t>8</a:t>
+              <a:t>7</a:t>
             </a:fld>
             <a:endParaRPr lang="en-IL"/>
           </a:p>
@@ -1153,7 +1599,7 @@
     </p:spTree>
     <p:extLst>
       <p:ext uri="{BB962C8B-B14F-4D97-AF65-F5344CB8AC3E}">
-        <p14:creationId xmlns:p14="http://schemas.microsoft.com/office/powerpoint/2010/main" val="3713732377"/>
+        <p14:creationId xmlns:p14="http://schemas.microsoft.com/office/powerpoint/2010/main" val="464794328"/>
       </p:ext>
     </p:extLst>
   </p:cSld>
@@ -1207,181 +1653,11 @@
           <a:bodyPr/>
           <a:lstStyle/>
           <a:p>
-            <a:pPr marL="171450" indent="-171450">
-              <a:buFont typeface="Arial" panose="020B0604020202020204" pitchFamily="34" charset="0"/>
-              <a:buChar char="•"/>
-            </a:pPr>
-            <a:r>
-              <a:rPr lang="en-US" sz="1200" b="0" i="0" kern="1200" dirty="0">
-                <a:solidFill>
-                  <a:schemeClr val="tx1"/>
-                </a:solidFill>
-                <a:effectLst/>
-                <a:latin typeface="+mn-lt"/>
-                <a:ea typeface="+mn-ea"/>
-                <a:cs typeface="+mn-cs"/>
-              </a:rPr>
-              <a:t>In the initial scenario, behind the load balancer, there’s just one server. When a client performs a request, using session id </a:t>
-            </a:r>
-            <a:r>
-              <a:rPr lang="en-US" dirty="0" err="1"/>
-              <a:t>xyz</a:t>
-            </a:r>
-            <a:r>
-              <a:rPr lang="en-US" sz="1200" b="0" i="0" kern="1200" dirty="0">
-                <a:solidFill>
-                  <a:schemeClr val="tx1"/>
-                </a:solidFill>
-                <a:effectLst/>
-                <a:latin typeface="+mn-lt"/>
-                <a:ea typeface="+mn-ea"/>
-                <a:cs typeface="+mn-cs"/>
-              </a:rPr>
-              <a:t>, its record will surely be found in the server’s memory (fig.3).</a:t>
-            </a:r>
-          </a:p>
-          <a:p>
-            <a:pPr marL="171450" indent="-171450">
-              <a:buFont typeface="Arial" panose="020B0604020202020204" pitchFamily="34" charset="0"/>
-              <a:buChar char="•"/>
-            </a:pPr>
-            <a:endParaRPr lang="en-US" sz="1200" b="0" i="0" kern="1200" dirty="0">
-              <a:solidFill>
-                <a:schemeClr val="tx1"/>
-              </a:solidFill>
-              <a:effectLst/>
-              <a:latin typeface="+mn-lt"/>
-              <a:ea typeface="+mn-ea"/>
-              <a:cs typeface="+mn-cs"/>
-            </a:endParaRPr>
-          </a:p>
-          <a:p>
-            <a:pPr marL="171450" indent="-171450">
-              <a:buFont typeface="Arial" panose="020B0604020202020204" pitchFamily="34" charset="0"/>
-              <a:buChar char="•"/>
-            </a:pPr>
-            <a:r>
-              <a:rPr lang="en-US" sz="1200" b="0" i="0" kern="1200" dirty="0">
-                <a:solidFill>
-                  <a:schemeClr val="tx1"/>
-                </a:solidFill>
-                <a:effectLst/>
-                <a:latin typeface="+mn-lt"/>
-                <a:ea typeface="+mn-ea"/>
-                <a:cs typeface="+mn-cs"/>
-              </a:rPr>
-              <a:t>Now imagine that the above infrastructure needs to scale. A new server (i.e. </a:t>
-            </a:r>
-            <a:r>
-              <a:rPr lang="en-US" sz="1200" b="0" i="1" kern="1200" dirty="0">
-                <a:solidFill>
-                  <a:schemeClr val="tx1"/>
-                </a:solidFill>
-                <a:effectLst/>
-                <a:latin typeface="+mn-lt"/>
-                <a:ea typeface="+mn-ea"/>
-                <a:cs typeface="+mn-cs"/>
-              </a:rPr>
-              <a:t>Server 2:2</a:t>
-            </a:r>
-            <a:r>
-              <a:rPr lang="en-US" sz="1200" b="0" i="0" kern="1200" dirty="0">
-                <a:solidFill>
-                  <a:schemeClr val="tx1"/>
-                </a:solidFill>
-                <a:effectLst/>
-                <a:latin typeface="+mn-lt"/>
-                <a:ea typeface="+mn-ea"/>
-                <a:cs typeface="+mn-cs"/>
-              </a:rPr>
-              <a:t>) will be added behind the load balancer and this brand new server will handle the next request issued by </a:t>
-            </a:r>
-            <a:r>
-              <a:rPr lang="en-US" dirty="0" err="1"/>
-              <a:t>xyz</a:t>
-            </a:r>
-            <a:r>
-              <a:rPr lang="en-US" sz="1200" b="0" i="0" kern="1200" dirty="0">
-                <a:solidFill>
-                  <a:schemeClr val="tx1"/>
-                </a:solidFill>
-                <a:effectLst/>
-                <a:latin typeface="+mn-lt"/>
-                <a:ea typeface="+mn-ea"/>
-                <a:cs typeface="+mn-cs"/>
-              </a:rPr>
-              <a:t> client…</a:t>
-            </a:r>
-          </a:p>
-          <a:p>
-            <a:pPr marL="171450" indent="-171450">
-              <a:buFont typeface="Arial" panose="020B0604020202020204" pitchFamily="34" charset="0"/>
-              <a:buChar char="•"/>
-            </a:pPr>
-            <a:endParaRPr lang="en-US" sz="1200" b="0" i="0" kern="1200" dirty="0">
-              <a:solidFill>
-                <a:schemeClr val="tx1"/>
-              </a:solidFill>
-              <a:effectLst/>
-              <a:latin typeface="+mn-lt"/>
-              <a:ea typeface="+mn-ea"/>
-              <a:cs typeface="+mn-cs"/>
-            </a:endParaRPr>
-          </a:p>
-          <a:p>
-            <a:pPr marL="171450" indent="-171450">
-              <a:buFont typeface="Arial" panose="020B0604020202020204" pitchFamily="34" charset="0"/>
-              <a:buChar char="•"/>
-            </a:pPr>
-            <a:r>
-              <a:rPr lang="en-US" sz="1200" b="0" i="0" kern="1200" dirty="0">
-                <a:solidFill>
-                  <a:schemeClr val="tx1"/>
-                </a:solidFill>
-                <a:effectLst/>
-                <a:latin typeface="+mn-lt"/>
-                <a:ea typeface="+mn-ea"/>
-                <a:cs typeface="+mn-cs"/>
-              </a:rPr>
-              <a:t>Unauthenticated! The brand new server has no </a:t>
-            </a:r>
-            <a:r>
-              <a:rPr lang="en-US" dirty="0" err="1"/>
-              <a:t>xyz</a:t>
-            </a:r>
-            <a:r>
-              <a:rPr lang="en-US" sz="1200" b="0" i="0" kern="1200" dirty="0">
-                <a:solidFill>
-                  <a:schemeClr val="tx1"/>
-                </a:solidFill>
-                <a:effectLst/>
-                <a:latin typeface="+mn-lt"/>
-                <a:ea typeface="+mn-ea"/>
-                <a:cs typeface="+mn-cs"/>
-              </a:rPr>
-              <a:t> sessions in its memory, so the authentication process will fail.</a:t>
-            </a:r>
-          </a:p>
-          <a:p>
-            <a:pPr marL="171450" indent="-171450">
-              <a:buFont typeface="Arial" panose="020B0604020202020204" pitchFamily="34" charset="0"/>
-              <a:buChar char="•"/>
-            </a:pPr>
-            <a:endParaRPr lang="en-US" sz="1200" b="0" i="0" kern="1200" dirty="0">
-              <a:solidFill>
-                <a:schemeClr val="tx1"/>
-              </a:solidFill>
-              <a:effectLst/>
-              <a:latin typeface="+mn-lt"/>
-              <a:ea typeface="+mn-ea"/>
-              <a:cs typeface="+mn-cs"/>
-            </a:endParaRPr>
-          </a:p>
-          <a:p>
-            <a:pPr marL="171450" indent="-171450">
-              <a:buFont typeface="Arial" panose="020B0604020202020204" pitchFamily="34" charset="0"/>
-              <a:buChar char="•"/>
-            </a:pPr>
+            <a:pPr marL="0" algn="r" defTabSz="914400" rtl="1" eaLnBrk="1" latinLnBrk="0" hangingPunct="1"/>
+            <a:r>
+              <a:rPr lang="en-US" dirty="0"/>
+              <a:t>// TODO need to translate</a:t>
+            </a:r>
             <a:endParaRPr lang="en-IL" dirty="0"/>
           </a:p>
         </p:txBody>
@@ -1403,7 +1679,7 @@
           <a:p>
             <a:fld id="{D2850163-67CE-1445-A832-1977356FC86B}" type="slidenum">
               <a:rPr lang="en-IL" smtClean="0"/>
-              <a:t>9</a:t>
+              <a:t>8</a:t>
             </a:fld>
             <a:endParaRPr lang="en-IL"/>
           </a:p>
@@ -1412,7 +1688,7 @@
     </p:spTree>
     <p:extLst>
       <p:ext uri="{BB962C8B-B14F-4D97-AF65-F5344CB8AC3E}">
-        <p14:creationId xmlns:p14="http://schemas.microsoft.com/office/powerpoint/2010/main" val="2007733543"/>
+        <p14:creationId xmlns:p14="http://schemas.microsoft.com/office/powerpoint/2010/main" val="3040719757"/>
       </p:ext>
     </p:extLst>
   </p:cSld>
@@ -1466,24 +1742,25 @@
           <a:bodyPr/>
           <a:lstStyle/>
           <a:p>
+            <a:pPr marL="171450" indent="-171450" algn="r">
+              <a:buFont typeface="Arial" panose="020B0604020202020204" pitchFamily="34" charset="0"/>
+              <a:buChar char="•"/>
+            </a:pPr>
+            <a:endParaRPr lang="en-US" sz="1200" b="0" i="0" kern="1200" dirty="0">
+              <a:solidFill>
+                <a:schemeClr val="tx1"/>
+              </a:solidFill>
+              <a:effectLst/>
+              <a:latin typeface="+mn-lt"/>
+              <a:ea typeface="+mn-ea"/>
+              <a:cs typeface="+mn-cs"/>
+            </a:endParaRPr>
+          </a:p>
+          <a:p>
             <a:pPr marL="171450" indent="-171450">
               <a:buFont typeface="Arial" panose="020B0604020202020204" pitchFamily="34" charset="0"/>
               <a:buChar char="•"/>
             </a:pPr>
-            <a:r>
-              <a:rPr lang="en-US" dirty="0"/>
-              <a:t>Each token is </a:t>
-            </a:r>
-            <a:r>
-              <a:rPr lang="en-US" i="1" dirty="0">
-                <a:effectLst/>
-              </a:rPr>
-              <a:t>self-contained</a:t>
-            </a:r>
-            <a:r>
-              <a:rPr lang="en-US" dirty="0"/>
-              <a:t>, this means it contains all information needed to allow or deny any given requests to an API.</a:t>
-            </a:r>
             <a:r>
               <a:rPr lang="en-US" sz="1200" b="0" i="0" kern="1200" dirty="0">
                 <a:solidFill>
@@ -1494,7 +1771,42 @@
                 <a:ea typeface="+mn-ea"/>
                 <a:cs typeface="+mn-cs"/>
               </a:rPr>
-              <a:t> To understand how we can verify a token and how authorization happens, we need to take a step back and look into a JWT</a:t>
+              <a:t>// TODO translate</a:t>
+            </a:r>
+          </a:p>
+          <a:p>
+            <a:pPr marL="171450" indent="-171450">
+              <a:buFont typeface="Arial" panose="020B0604020202020204" pitchFamily="34" charset="0"/>
+              <a:buChar char="•"/>
+            </a:pPr>
+            <a:r>
+              <a:rPr lang="en-US" sz="1200" b="0" i="0" kern="1200" dirty="0">
+                <a:solidFill>
+                  <a:schemeClr val="tx1"/>
+                </a:solidFill>
+                <a:effectLst/>
+                <a:latin typeface="+mn-lt"/>
+                <a:ea typeface="+mn-ea"/>
+                <a:cs typeface="+mn-cs"/>
+              </a:rPr>
+              <a:t>Using SSS, we reduce the number of authentications towards the Credentials database.</a:t>
+            </a:r>
+          </a:p>
+          <a:p>
+            <a:pPr marL="171450" indent="-171450">
+              <a:buFont typeface="Arial" panose="020B0604020202020204" pitchFamily="34" charset="0"/>
+              <a:buChar char="•"/>
+            </a:pPr>
+            <a:r>
+              <a:rPr lang="en-US" dirty="0"/>
+              <a:t>This solution will fix a problem but it will create another one.</a:t>
+            </a:r>
+            <a:br>
+              <a:rPr lang="en-US" sz="1400" dirty="0"/>
+            </a:br>
+            <a:r>
+              <a:rPr lang="en-US" dirty="0"/>
+              <a:t>Probably bigger.</a:t>
             </a:r>
             <a:endParaRPr lang="en-IL" dirty="0"/>
           </a:p>
@@ -1517,7 +1829,7 @@
           <a:p>
             <a:fld id="{D2850163-67CE-1445-A832-1977356FC86B}" type="slidenum">
               <a:rPr lang="en-IL" smtClean="0"/>
-              <a:t>10</a:t>
+              <a:t>9</a:t>
             </a:fld>
             <a:endParaRPr lang="en-IL"/>
           </a:p>
@@ -1526,7 +1838,7 @@
     </p:spTree>
     <p:extLst>
       <p:ext uri="{BB962C8B-B14F-4D97-AF65-F5344CB8AC3E}">
-        <p14:creationId xmlns:p14="http://schemas.microsoft.com/office/powerpoint/2010/main" val="1893087652"/>
+        <p14:creationId xmlns:p14="http://schemas.microsoft.com/office/powerpoint/2010/main" val="3713732377"/>
       </p:ext>
     </p:extLst>
   </p:cSld>
@@ -1580,8 +1892,12 @@
           <a:bodyPr/>
           <a:lstStyle/>
           <a:p>
-            <a:r>
-              <a:rPr lang="en-US" sz="1200" b="1" i="1" kern="1200" dirty="0">
+            <a:pPr marL="171450" indent="-171450">
+              <a:buFont typeface="Arial" panose="020B0604020202020204" pitchFamily="34" charset="0"/>
+              <a:buChar char="•"/>
+            </a:pPr>
+            <a:r>
+              <a:rPr lang="en-US" sz="1200" b="0" i="0" kern="1200" dirty="0">
                 <a:solidFill>
                   <a:schemeClr val="tx1"/>
                 </a:solidFill>
@@ -1590,7 +1906,89 @@
                 <a:ea typeface="+mn-ea"/>
                 <a:cs typeface="+mn-cs"/>
               </a:rPr>
-              <a:t>Note:</a:t>
+              <a:t>// TODO translate</a:t>
+            </a:r>
+          </a:p>
+          <a:p>
+            <a:pPr marL="171450" indent="-171450">
+              <a:buFont typeface="Arial" panose="020B0604020202020204" pitchFamily="34" charset="0"/>
+              <a:buChar char="•"/>
+            </a:pPr>
+            <a:endParaRPr lang="en-US" sz="1200" b="0" i="0" kern="1200" dirty="0">
+              <a:solidFill>
+                <a:schemeClr val="tx1"/>
+              </a:solidFill>
+              <a:effectLst/>
+              <a:latin typeface="+mn-lt"/>
+              <a:ea typeface="+mn-ea"/>
+              <a:cs typeface="+mn-cs"/>
+            </a:endParaRPr>
+          </a:p>
+          <a:p>
+            <a:pPr marL="171450" indent="-171450">
+              <a:buFont typeface="Arial" panose="020B0604020202020204" pitchFamily="34" charset="0"/>
+              <a:buChar char="•"/>
+            </a:pPr>
+            <a:r>
+              <a:rPr lang="en-US" sz="1200" b="0" i="0" kern="1200" dirty="0">
+                <a:solidFill>
+                  <a:schemeClr val="tx1"/>
+                </a:solidFill>
+                <a:effectLst/>
+                <a:latin typeface="+mn-lt"/>
+                <a:ea typeface="+mn-ea"/>
+                <a:cs typeface="+mn-cs"/>
+              </a:rPr>
+              <a:t>In the initial scenario, behind the load balancer, there’s just one server. When a client performs a request, using session id </a:t>
+            </a:r>
+            <a:r>
+              <a:rPr lang="en-US" dirty="0" err="1"/>
+              <a:t>xyz</a:t>
+            </a:r>
+            <a:r>
+              <a:rPr lang="en-US" sz="1200" b="0" i="0" kern="1200" dirty="0">
+                <a:solidFill>
+                  <a:schemeClr val="tx1"/>
+                </a:solidFill>
+                <a:effectLst/>
+                <a:latin typeface="+mn-lt"/>
+                <a:ea typeface="+mn-ea"/>
+                <a:cs typeface="+mn-cs"/>
+              </a:rPr>
+              <a:t>, its record will surely be found in the server’s memory (fig.3).</a:t>
+            </a:r>
+          </a:p>
+          <a:p>
+            <a:pPr marL="171450" indent="-171450">
+              <a:buFont typeface="Arial" panose="020B0604020202020204" pitchFamily="34" charset="0"/>
+              <a:buChar char="•"/>
+            </a:pPr>
+            <a:endParaRPr lang="en-US" sz="1200" b="0" i="0" kern="1200" dirty="0">
+              <a:solidFill>
+                <a:schemeClr val="tx1"/>
+              </a:solidFill>
+              <a:effectLst/>
+              <a:latin typeface="+mn-lt"/>
+              <a:ea typeface="+mn-ea"/>
+              <a:cs typeface="+mn-cs"/>
+            </a:endParaRPr>
+          </a:p>
+          <a:p>
+            <a:pPr marL="171450" indent="-171450">
+              <a:buFont typeface="Arial" panose="020B0604020202020204" pitchFamily="34" charset="0"/>
+              <a:buChar char="•"/>
+            </a:pPr>
+            <a:r>
+              <a:rPr lang="en-US" sz="1200" b="0" i="0" kern="1200" dirty="0">
+                <a:solidFill>
+                  <a:schemeClr val="tx1"/>
+                </a:solidFill>
+                <a:effectLst/>
+                <a:latin typeface="+mn-lt"/>
+                <a:ea typeface="+mn-ea"/>
+                <a:cs typeface="+mn-cs"/>
+              </a:rPr>
+              <a:t>Now imagine that the above infrastructure needs to scale. A new server (i.e. </a:t>
             </a:r>
             <a:r>
               <a:rPr lang="en-US" sz="1200" b="0" i="1" kern="1200" dirty="0">
@@ -1602,13 +2000,10 @@
                 <a:ea typeface="+mn-ea"/>
                 <a:cs typeface="+mn-cs"/>
               </a:rPr>
-              <a:t> In asymmetric encryption, we all know that a public key is used to encrypt a message, whereas a private key is used to decrypt it.</a:t>
-            </a:r>
-            <a:br>
-              <a:rPr lang="en-US" dirty="0"/>
-            </a:br>
-            <a:r>
-              <a:rPr lang="en-US" sz="1200" b="0" i="1" kern="1200" dirty="0">
+              <a:t>Server 2:2</a:t>
+            </a:r>
+            <a:r>
+              <a:rPr lang="en-US" sz="1200" b="0" i="0" kern="1200" dirty="0">
                 <a:solidFill>
                   <a:schemeClr val="tx1"/>
                 </a:solidFill>
@@ -1617,16 +2012,14 @@
                 <a:ea typeface="+mn-ea"/>
                 <a:cs typeface="+mn-cs"/>
               </a:rPr>
-              <a:t>In a signing algorithm, this process is completely switched! Here the message (the </a:t>
-            </a:r>
-            <a:r>
-              <a:rPr lang="en-US" i="0" dirty="0">
-                <a:effectLst/>
-              </a:rPr>
-              <a:t>data</a:t>
-            </a:r>
-            <a:r>
-              <a:rPr lang="en-US" sz="1200" b="0" i="1" kern="1200" dirty="0">
+              <a:t>) will be added behind the load balancer and this brand new server will handle the next request issued by </a:t>
+            </a:r>
+            <a:r>
+              <a:rPr lang="en-US" dirty="0" err="1"/>
+              <a:t>xyz</a:t>
+            </a:r>
+            <a:r>
+              <a:rPr lang="en-US" sz="1200" b="0" i="0" kern="1200" dirty="0">
                 <a:solidFill>
                   <a:schemeClr val="tx1"/>
                 </a:solidFill>
@@ -1635,8 +2028,78 @@
                 <a:ea typeface="+mn-ea"/>
                 <a:cs typeface="+mn-cs"/>
               </a:rPr>
-              <a:t> in the pseudo-code above) is signed using the private key and the public key is used to verify that the signature is valid.</a:t>
-            </a:r>
+              <a:t> client…</a:t>
+            </a:r>
+          </a:p>
+          <a:p>
+            <a:pPr marL="171450" indent="-171450">
+              <a:buFont typeface="Arial" panose="020B0604020202020204" pitchFamily="34" charset="0"/>
+              <a:buChar char="•"/>
+            </a:pPr>
+            <a:endParaRPr lang="en-US" sz="1200" b="0" i="0" kern="1200" dirty="0">
+              <a:solidFill>
+                <a:schemeClr val="tx1"/>
+              </a:solidFill>
+              <a:effectLst/>
+              <a:latin typeface="+mn-lt"/>
+              <a:ea typeface="+mn-ea"/>
+              <a:cs typeface="+mn-cs"/>
+            </a:endParaRPr>
+          </a:p>
+          <a:p>
+            <a:pPr marL="171450" indent="-171450">
+              <a:buFont typeface="Arial" panose="020B0604020202020204" pitchFamily="34" charset="0"/>
+              <a:buChar char="•"/>
+            </a:pPr>
+            <a:r>
+              <a:rPr lang="en-US" sz="1200" b="0" i="0" kern="1200" dirty="0">
+                <a:solidFill>
+                  <a:schemeClr val="tx1"/>
+                </a:solidFill>
+                <a:effectLst/>
+                <a:latin typeface="+mn-lt"/>
+                <a:ea typeface="+mn-ea"/>
+                <a:cs typeface="+mn-cs"/>
+              </a:rPr>
+              <a:t>Unauthenticated! The brand new server has no </a:t>
+            </a:r>
+            <a:r>
+              <a:rPr lang="en-US" dirty="0" err="1"/>
+              <a:t>xyz</a:t>
+            </a:r>
+            <a:r>
+              <a:rPr lang="en-US" sz="1200" b="0" i="0" kern="1200" dirty="0">
+                <a:solidFill>
+                  <a:schemeClr val="tx1"/>
+                </a:solidFill>
+                <a:effectLst/>
+                <a:latin typeface="+mn-lt"/>
+                <a:ea typeface="+mn-ea"/>
+                <a:cs typeface="+mn-cs"/>
+              </a:rPr>
+              <a:t> sessions in its memory, so the authentication process will fail.</a:t>
+            </a:r>
+          </a:p>
+          <a:p>
+            <a:pPr marL="171450" indent="-171450">
+              <a:buFont typeface="Arial" panose="020B0604020202020204" pitchFamily="34" charset="0"/>
+              <a:buChar char="•"/>
+            </a:pPr>
+            <a:endParaRPr lang="en-US" sz="1200" b="0" i="0" kern="1200" dirty="0">
+              <a:solidFill>
+                <a:schemeClr val="tx1"/>
+              </a:solidFill>
+              <a:effectLst/>
+              <a:latin typeface="+mn-lt"/>
+              <a:ea typeface="+mn-ea"/>
+              <a:cs typeface="+mn-cs"/>
+            </a:endParaRPr>
+          </a:p>
+          <a:p>
+            <a:pPr marL="171450" indent="-171450">
+              <a:buFont typeface="Arial" panose="020B0604020202020204" pitchFamily="34" charset="0"/>
+              <a:buChar char="•"/>
+            </a:pPr>
             <a:endParaRPr lang="en-IL" dirty="0"/>
           </a:p>
         </p:txBody>
@@ -1658,7 +2121,7 @@
           <a:p>
             <a:fld id="{D2850163-67CE-1445-A832-1977356FC86B}" type="slidenum">
               <a:rPr lang="en-IL" smtClean="0"/>
-              <a:t>16</a:t>
+              <a:t>10</a:t>
             </a:fld>
             <a:endParaRPr lang="en-IL"/>
           </a:p>
@@ -1667,7 +2130,7 @@
     </p:spTree>
     <p:extLst>
       <p:ext uri="{BB962C8B-B14F-4D97-AF65-F5344CB8AC3E}">
-        <p14:creationId xmlns:p14="http://schemas.microsoft.com/office/powerpoint/2010/main" val="2347858746"/>
+        <p14:creationId xmlns:p14="http://schemas.microsoft.com/office/powerpoint/2010/main" val="2007733543"/>
       </p:ext>
     </p:extLst>
   </p:cSld>
@@ -1726,6 +2189,37 @@
               <a:buChar char="•"/>
             </a:pPr>
             <a:r>
+              <a:rPr lang="en-US" dirty="0"/>
+              <a:t>// TODO translate</a:t>
+            </a:r>
+          </a:p>
+          <a:p>
+            <a:pPr marL="171450" indent="-171450">
+              <a:buFont typeface="Arial" panose="020B0604020202020204" pitchFamily="34" charset="0"/>
+              <a:buChar char="•"/>
+            </a:pPr>
+            <a:endParaRPr lang="en-US" dirty="0"/>
+          </a:p>
+          <a:p>
+            <a:pPr marL="171450" indent="-171450">
+              <a:buFont typeface="Arial" panose="020B0604020202020204" pitchFamily="34" charset="0"/>
+              <a:buChar char="•"/>
+            </a:pPr>
+            <a:r>
+              <a:rPr lang="en-US" dirty="0"/>
+              <a:t>Each token is </a:t>
+            </a:r>
+            <a:r>
+              <a:rPr lang="en-US" i="1" dirty="0">
+                <a:effectLst/>
+              </a:rPr>
+              <a:t>self-contained</a:t>
+            </a:r>
+            <a:r>
+              <a:rPr lang="en-US" dirty="0"/>
+              <a:t>, this means it contains all information needed to allow or deny any given requests to an API.</a:t>
+            </a:r>
+            <a:r>
               <a:rPr lang="en-US" sz="1200" b="0" i="0" kern="1200" dirty="0">
                 <a:solidFill>
                   <a:schemeClr val="tx1"/>
@@ -1735,165 +2229,8 @@
                 <a:ea typeface="+mn-ea"/>
                 <a:cs typeface="+mn-cs"/>
               </a:rPr>
-              <a:t>At the first access, a client needs to contact the </a:t>
-            </a:r>
-            <a:r>
-              <a:rPr lang="en-US" sz="1200" b="0" i="1" kern="1200" dirty="0">
-                <a:solidFill>
-                  <a:schemeClr val="tx1"/>
-                </a:solidFill>
-                <a:effectLst/>
-                <a:latin typeface="+mn-lt"/>
-                <a:ea typeface="+mn-ea"/>
-                <a:cs typeface="+mn-cs"/>
-              </a:rPr>
-              <a:t>authentication server </a:t>
-            </a:r>
-            <a:r>
-              <a:rPr lang="en-US" sz="1200" b="0" i="0" kern="1200" dirty="0">
-                <a:solidFill>
-                  <a:schemeClr val="tx1"/>
-                </a:solidFill>
-                <a:effectLst/>
-                <a:latin typeface="+mn-lt"/>
-                <a:ea typeface="+mn-ea"/>
-                <a:cs typeface="+mn-cs"/>
-              </a:rPr>
-              <a:t>(Amazon Cognito here, but Microsoft, Salesforce or any other provider should be pretty similar), sending username and password to it. If credentials are valid, a JWT token will be returned to the client that will use it to request an API (in this example Amazon API Gateway endpoint).</a:t>
-            </a:r>
-          </a:p>
-          <a:p>
-            <a:pPr marL="171450" indent="-171450">
-              <a:buFont typeface="Arial" panose="020B0604020202020204" pitchFamily="34" charset="0"/>
-              <a:buChar char="•"/>
-            </a:pPr>
-            <a:endParaRPr lang="en-US" sz="1200" b="0" i="0" kern="1200" dirty="0">
-              <a:solidFill>
-                <a:schemeClr val="tx1"/>
-              </a:solidFill>
-              <a:effectLst/>
-              <a:latin typeface="+mn-lt"/>
-              <a:ea typeface="+mn-ea"/>
-              <a:cs typeface="+mn-cs"/>
-            </a:endParaRPr>
-          </a:p>
-          <a:p>
-            <a:pPr marL="171450" indent="-171450">
-              <a:buFont typeface="Arial" panose="020B0604020202020204" pitchFamily="34" charset="0"/>
-              <a:buChar char="•"/>
-            </a:pPr>
-            <a:r>
-              <a:rPr lang="en-US" sz="1200" b="0" i="0" kern="1200" dirty="0">
-                <a:solidFill>
-                  <a:schemeClr val="tx1"/>
-                </a:solidFill>
-                <a:effectLst/>
-                <a:latin typeface="+mn-lt"/>
-                <a:ea typeface="+mn-ea"/>
-                <a:cs typeface="+mn-cs"/>
-              </a:rPr>
-              <a:t>In the above scenario (fig.5), API itself is the only responsible for token validation and it’s able to reject the request if the signature seems forged.</a:t>
-            </a:r>
-          </a:p>
-          <a:p>
-            <a:pPr marL="171450" indent="-171450">
-              <a:buFont typeface="Arial" panose="020B0604020202020204" pitchFamily="34" charset="0"/>
-              <a:buChar char="•"/>
-            </a:pPr>
-            <a:endParaRPr lang="en-US" sz="1200" b="0" i="0" kern="1200" dirty="0">
-              <a:solidFill>
-                <a:schemeClr val="tx1"/>
-              </a:solidFill>
-              <a:effectLst/>
-              <a:latin typeface="+mn-lt"/>
-              <a:ea typeface="+mn-ea"/>
-              <a:cs typeface="+mn-cs"/>
-            </a:endParaRPr>
-          </a:p>
-          <a:p>
-            <a:pPr marL="171450" indent="-171450">
-              <a:buFont typeface="Arial" panose="020B0604020202020204" pitchFamily="34" charset="0"/>
-              <a:buChar char="•"/>
-            </a:pPr>
-            <a:endParaRPr lang="en-US" sz="1200" b="0" i="0" kern="1200" dirty="0">
-              <a:solidFill>
-                <a:schemeClr val="tx1"/>
-              </a:solidFill>
-              <a:effectLst/>
-              <a:latin typeface="+mn-lt"/>
-              <a:ea typeface="+mn-ea"/>
-              <a:cs typeface="+mn-cs"/>
-            </a:endParaRPr>
-          </a:p>
-          <a:p>
-            <a:r>
-              <a:rPr lang="en-US" sz="1200" b="1" i="0" kern="1200" dirty="0">
-                <a:solidFill>
-                  <a:schemeClr val="tx1"/>
-                </a:solidFill>
-                <a:effectLst/>
-                <a:latin typeface="+mn-lt"/>
-                <a:ea typeface="+mn-ea"/>
-                <a:cs typeface="+mn-cs"/>
-              </a:rPr>
-              <a:t>Going further</a:t>
-            </a:r>
-            <a:br>
-              <a:rPr lang="en-US" sz="1200" b="1" i="0" kern="1200" dirty="0">
-                <a:solidFill>
-                  <a:schemeClr val="tx1"/>
-                </a:solidFill>
-                <a:effectLst/>
-                <a:latin typeface="+mn-lt"/>
-                <a:ea typeface="+mn-ea"/>
-                <a:cs typeface="+mn-cs"/>
-              </a:rPr>
-            </a:br>
-            <a:r>
-              <a:rPr lang="en-US" sz="1200" b="0" i="0" kern="1200" dirty="0">
-                <a:solidFill>
-                  <a:schemeClr val="tx1"/>
-                </a:solidFill>
-                <a:effectLst/>
-                <a:latin typeface="+mn-lt"/>
-                <a:ea typeface="+mn-ea"/>
-                <a:cs typeface="+mn-cs"/>
-              </a:rPr>
-              <a:t>Suppose a client wants to invoke a protected API to delete an order (e.g. DELETE /order/42) and this action should be only performed by administrators.</a:t>
-            </a:r>
-          </a:p>
-          <a:p>
-            <a:r>
-              <a:rPr lang="en-US" sz="1200" b="0" i="0" kern="1200" dirty="0">
-                <a:solidFill>
-                  <a:schemeClr val="tx1"/>
-                </a:solidFill>
-                <a:effectLst/>
-                <a:latin typeface="+mn-lt"/>
-                <a:ea typeface="+mn-ea"/>
-                <a:cs typeface="+mn-cs"/>
-              </a:rPr>
-              <a:t>With a JWT in place, this operation is hard as add a custom claim to the payload body (i.e. the admin: true claim of the example above). When invoked, the API will first verify the signature authenticity and afterwards, it’ll check if admin claim is true.</a:t>
-            </a:r>
-          </a:p>
-          <a:p>
-            <a:br>
-              <a:rPr lang="en-US" dirty="0"/>
-            </a:br>
-            <a:endParaRPr lang="en-US" sz="1200" b="0" i="0" kern="1200" dirty="0">
-              <a:solidFill>
-                <a:schemeClr val="tx1"/>
-              </a:solidFill>
-              <a:effectLst/>
-              <a:latin typeface="+mn-lt"/>
-              <a:ea typeface="+mn-ea"/>
-              <a:cs typeface="+mn-cs"/>
-            </a:endParaRPr>
-          </a:p>
-          <a:p>
-            <a:br>
-              <a:rPr lang="en-US" dirty="0"/>
-            </a:br>
+              <a:t> To understand how we can verify a token and how authorization happens, we need to take a step back and look into a JWT</a:t>
+            </a:r>
             <a:endParaRPr lang="en-IL" dirty="0"/>
           </a:p>
         </p:txBody>
@@ -1915,7 +2252,7 @@
           <a:p>
             <a:fld id="{D2850163-67CE-1445-A832-1977356FC86B}" type="slidenum">
               <a:rPr lang="en-IL" smtClean="0"/>
-              <a:t>17</a:t>
+              <a:t>11</a:t>
             </a:fld>
             <a:endParaRPr lang="en-IL"/>
           </a:p>
@@ -1924,7 +2261,7 @@
     </p:spTree>
     <p:extLst>
       <p:ext uri="{BB962C8B-B14F-4D97-AF65-F5344CB8AC3E}">
-        <p14:creationId xmlns:p14="http://schemas.microsoft.com/office/powerpoint/2010/main" val="2027966840"/>
+        <p14:creationId xmlns:p14="http://schemas.microsoft.com/office/powerpoint/2010/main" val="1893087652"/>
       </p:ext>
     </p:extLst>
   </p:cSld>
@@ -1988,6 +2325,31 @@
                 <a:ea typeface="+mn-ea"/>
                 <a:cs typeface="+mn-cs"/>
               </a:rPr>
+              <a:t>// TODO translate</a:t>
+            </a:r>
+          </a:p>
+          <a:p>
+            <a:endParaRPr lang="en-US" sz="1200" b="1" i="1" kern="1200" dirty="0">
+              <a:solidFill>
+                <a:schemeClr val="tx1"/>
+              </a:solidFill>
+              <a:effectLst/>
+              <a:latin typeface="+mn-lt"/>
+              <a:ea typeface="+mn-ea"/>
+              <a:cs typeface="+mn-cs"/>
+            </a:endParaRPr>
+          </a:p>
+          <a:p>
+            <a:r>
+              <a:rPr lang="en-US" sz="1200" b="1" i="1" kern="1200" dirty="0">
+                <a:solidFill>
+                  <a:schemeClr val="tx1"/>
+                </a:solidFill>
+                <a:effectLst/>
+                <a:latin typeface="+mn-lt"/>
+                <a:ea typeface="+mn-ea"/>
+                <a:cs typeface="+mn-cs"/>
+              </a:rPr>
               <a:t>Note:</a:t>
             </a:r>
             <a:r>
@@ -2035,159 +2397,6 @@
               </a:rPr>
               <a:t> in the pseudo-code above) is signed using the private key and the public key is used to verify that the signature is valid.</a:t>
             </a:r>
-          </a:p>
-          <a:p>
-            <a:endParaRPr lang="en-US" sz="1200" b="0" i="1" kern="1200" dirty="0">
-              <a:solidFill>
-                <a:schemeClr val="tx1"/>
-              </a:solidFill>
-              <a:effectLst/>
-              <a:latin typeface="+mn-lt"/>
-              <a:ea typeface="+mn-ea"/>
-              <a:cs typeface="+mn-cs"/>
-            </a:endParaRPr>
-          </a:p>
-          <a:p>
-            <a:endParaRPr lang="en-US" sz="1200" b="0" i="1" kern="1200" dirty="0">
-              <a:solidFill>
-                <a:schemeClr val="tx1"/>
-              </a:solidFill>
-              <a:effectLst/>
-              <a:latin typeface="+mn-lt"/>
-              <a:ea typeface="+mn-ea"/>
-              <a:cs typeface="+mn-cs"/>
-            </a:endParaRPr>
-          </a:p>
-          <a:p>
-            <a:r>
-              <a:rPr lang="en-US" sz="1200" b="0" i="0" kern="1200" dirty="0">
-                <a:solidFill>
-                  <a:schemeClr val="tx1"/>
-                </a:solidFill>
-                <a:effectLst/>
-                <a:latin typeface="+mn-lt"/>
-                <a:ea typeface="+mn-ea"/>
-                <a:cs typeface="+mn-cs"/>
-              </a:rPr>
-              <a:t>A JWT is cryptographically signed (but </a:t>
-            </a:r>
-            <a:r>
-              <a:rPr lang="en-US" sz="1200" b="0" i="1" kern="1200" dirty="0">
-                <a:solidFill>
-                  <a:schemeClr val="tx1"/>
-                </a:solidFill>
-                <a:effectLst/>
-                <a:latin typeface="+mn-lt"/>
-                <a:ea typeface="+mn-ea"/>
-                <a:cs typeface="+mn-cs"/>
-              </a:rPr>
-              <a:t>not</a:t>
-            </a:r>
-            <a:r>
-              <a:rPr lang="en-US" sz="1200" b="0" i="0" kern="1200" dirty="0">
-                <a:solidFill>
-                  <a:schemeClr val="tx1"/>
-                </a:solidFill>
-                <a:effectLst/>
-                <a:latin typeface="+mn-lt"/>
-                <a:ea typeface="+mn-ea"/>
-                <a:cs typeface="+mn-cs"/>
-              </a:rPr>
-              <a:t> encrypted, hence using HTTPS is mandatory when storing user data in the JWT), so there is a guarantee we can trust it when we receive it, as no middleman can intercept and modify it, or the data it holds, without invalidating it.</a:t>
-            </a:r>
-          </a:p>
-          <a:p>
-            <a:endParaRPr lang="en-US" sz="1200" b="0" i="0" kern="1200" dirty="0">
-              <a:solidFill>
-                <a:schemeClr val="tx1"/>
-              </a:solidFill>
-              <a:effectLst/>
-              <a:latin typeface="+mn-lt"/>
-              <a:ea typeface="+mn-ea"/>
-              <a:cs typeface="+mn-cs"/>
-            </a:endParaRPr>
-          </a:p>
-          <a:p>
-            <a:endParaRPr lang="en-US" sz="1200" b="0" i="0" kern="1200" dirty="0">
-              <a:solidFill>
-                <a:schemeClr val="tx1"/>
-              </a:solidFill>
-              <a:effectLst/>
-              <a:latin typeface="+mn-lt"/>
-              <a:ea typeface="+mn-ea"/>
-              <a:cs typeface="+mn-cs"/>
-            </a:endParaRPr>
-          </a:p>
-          <a:p>
-            <a:r>
-              <a:rPr lang="en-US" sz="1200" b="0" i="0" kern="1200" dirty="0">
-                <a:solidFill>
-                  <a:schemeClr val="tx1"/>
-                </a:solidFill>
-                <a:effectLst/>
-                <a:latin typeface="+mn-lt"/>
-                <a:ea typeface="+mn-ea"/>
-                <a:cs typeface="+mn-cs"/>
-              </a:rPr>
-              <a:t>The secret key must be saved on server, and if I want to use the same </a:t>
-            </a:r>
-            <a:r>
-              <a:rPr lang="en-US" sz="1200" b="0" i="0" kern="1200" dirty="0" err="1">
-                <a:solidFill>
-                  <a:schemeClr val="tx1"/>
-                </a:solidFill>
-                <a:effectLst/>
-                <a:latin typeface="+mn-lt"/>
-                <a:ea typeface="+mn-ea"/>
-                <a:cs typeface="+mn-cs"/>
-              </a:rPr>
-              <a:t>jwt</a:t>
-            </a:r>
-            <a:r>
-              <a:rPr lang="en-US" sz="1200" b="0" i="0" kern="1200" dirty="0">
-                <a:solidFill>
-                  <a:schemeClr val="tx1"/>
-                </a:solidFill>
-                <a:effectLst/>
-                <a:latin typeface="+mn-lt"/>
-                <a:ea typeface="+mn-ea"/>
-                <a:cs typeface="+mn-cs"/>
-              </a:rPr>
-              <a:t> to access two different servers, both servers should share the same private key between them</a:t>
-            </a:r>
-            <a:endParaRPr lang="en-US" sz="1200" b="0" i="1" kern="1200" dirty="0">
-              <a:solidFill>
-                <a:schemeClr val="tx1"/>
-              </a:solidFill>
-              <a:effectLst/>
-              <a:latin typeface="+mn-lt"/>
-              <a:ea typeface="+mn-ea"/>
-              <a:cs typeface="+mn-cs"/>
-            </a:endParaRPr>
-          </a:p>
-          <a:p>
-            <a:endParaRPr lang="en-US" sz="1200" b="0" i="1" kern="1200" dirty="0">
-              <a:solidFill>
-                <a:schemeClr val="tx1"/>
-              </a:solidFill>
-              <a:effectLst/>
-              <a:latin typeface="+mn-lt"/>
-              <a:ea typeface="+mn-ea"/>
-              <a:cs typeface="+mn-cs"/>
-            </a:endParaRPr>
-          </a:p>
-          <a:p>
-            <a:endParaRPr lang="en-US" sz="1200" b="0" i="1" kern="1200" dirty="0">
-              <a:solidFill>
-                <a:schemeClr val="tx1"/>
-              </a:solidFill>
-              <a:effectLst/>
-              <a:latin typeface="+mn-lt"/>
-              <a:ea typeface="+mn-ea"/>
-              <a:cs typeface="+mn-cs"/>
-            </a:endParaRPr>
-          </a:p>
-          <a:p>
             <a:endParaRPr lang="en-IL" dirty="0"/>
           </a:p>
         </p:txBody>
@@ -2218,7 +2427,7 @@
     </p:spTree>
     <p:extLst>
       <p:ext uri="{BB962C8B-B14F-4D97-AF65-F5344CB8AC3E}">
-        <p14:creationId xmlns:p14="http://schemas.microsoft.com/office/powerpoint/2010/main" val="3943535028"/>
+        <p14:creationId xmlns:p14="http://schemas.microsoft.com/office/powerpoint/2010/main" val="2347858746"/>
       </p:ext>
     </p:extLst>
   </p:cSld>
@@ -2359,7 +2568,7 @@
           <a:p>
             <a:fld id="{FBD4AB29-D7CE-BF42-9604-B5027FE70E55}" type="datetimeFigureOut">
               <a:rPr lang="en-IL" smtClean="0"/>
-              <a:t>28/03/2021</a:t>
+              <a:t>25/05/2021</a:t>
             </a:fld>
             <a:endParaRPr lang="en-IL"/>
           </a:p>
@@ -2529,7 +2738,7 @@
           <a:p>
             <a:fld id="{FBD4AB29-D7CE-BF42-9604-B5027FE70E55}" type="datetimeFigureOut">
               <a:rPr lang="en-IL" smtClean="0"/>
-              <a:t>28/03/2021</a:t>
+              <a:t>25/05/2021</a:t>
             </a:fld>
             <a:endParaRPr lang="en-IL"/>
           </a:p>
@@ -2709,7 +2918,7 @@
           <a:p>
             <a:fld id="{FBD4AB29-D7CE-BF42-9604-B5027FE70E55}" type="datetimeFigureOut">
               <a:rPr lang="en-IL" smtClean="0"/>
-              <a:t>28/03/2021</a:t>
+              <a:t>25/05/2021</a:t>
             </a:fld>
             <a:endParaRPr lang="en-IL"/>
           </a:p>
@@ -2879,7 +3088,7 @@
           <a:p>
             <a:fld id="{FBD4AB29-D7CE-BF42-9604-B5027FE70E55}" type="datetimeFigureOut">
               <a:rPr lang="en-IL" smtClean="0"/>
-              <a:t>28/03/2021</a:t>
+              <a:t>25/05/2021</a:t>
             </a:fld>
             <a:endParaRPr lang="en-IL"/>
           </a:p>
@@ -3125,7 +3334,7 @@
           <a:p>
             <a:fld id="{FBD4AB29-D7CE-BF42-9604-B5027FE70E55}" type="datetimeFigureOut">
               <a:rPr lang="en-IL" smtClean="0"/>
-              <a:t>28/03/2021</a:t>
+              <a:t>25/05/2021</a:t>
             </a:fld>
             <a:endParaRPr lang="en-IL"/>
           </a:p>
@@ -3357,7 +3566,7 @@
           <a:p>
             <a:fld id="{FBD4AB29-D7CE-BF42-9604-B5027FE70E55}" type="datetimeFigureOut">
               <a:rPr lang="en-IL" smtClean="0"/>
-              <a:t>28/03/2021</a:t>
+              <a:t>25/05/2021</a:t>
             </a:fld>
             <a:endParaRPr lang="en-IL"/>
           </a:p>
@@ -3724,7 +3933,7 @@
           <a:p>
             <a:fld id="{FBD4AB29-D7CE-BF42-9604-B5027FE70E55}" type="datetimeFigureOut">
               <a:rPr lang="en-IL" smtClean="0"/>
-              <a:t>28/03/2021</a:t>
+              <a:t>25/05/2021</a:t>
             </a:fld>
             <a:endParaRPr lang="en-IL"/>
           </a:p>
@@ -3842,7 +4051,7 @@
           <a:p>
             <a:fld id="{FBD4AB29-D7CE-BF42-9604-B5027FE70E55}" type="datetimeFigureOut">
               <a:rPr lang="en-IL" smtClean="0"/>
-              <a:t>28/03/2021</a:t>
+              <a:t>25/05/2021</a:t>
             </a:fld>
             <a:endParaRPr lang="en-IL"/>
           </a:p>
@@ -3937,7 +4146,7 @@
           <a:p>
             <a:fld id="{FBD4AB29-D7CE-BF42-9604-B5027FE70E55}" type="datetimeFigureOut">
               <a:rPr lang="en-IL" smtClean="0"/>
-              <a:t>28/03/2021</a:t>
+              <a:t>25/05/2021</a:t>
             </a:fld>
             <a:endParaRPr lang="en-IL"/>
           </a:p>
@@ -4214,7 +4423,7 @@
           <a:p>
             <a:fld id="{FBD4AB29-D7CE-BF42-9604-B5027FE70E55}" type="datetimeFigureOut">
               <a:rPr lang="en-IL" smtClean="0"/>
-              <a:t>28/03/2021</a:t>
+              <a:t>25/05/2021</a:t>
             </a:fld>
             <a:endParaRPr lang="en-IL"/>
           </a:p>
@@ -4471,7 +4680,7 @@
           <a:p>
             <a:fld id="{FBD4AB29-D7CE-BF42-9604-B5027FE70E55}" type="datetimeFigureOut">
               <a:rPr lang="en-IL" smtClean="0"/>
-              <a:t>28/03/2021</a:t>
+              <a:t>25/05/2021</a:t>
             </a:fld>
             <a:endParaRPr lang="en-IL"/>
           </a:p>
@@ -4684,7 +4893,7 @@
           <a:p>
             <a:fld id="{FBD4AB29-D7CE-BF42-9604-B5027FE70E55}" type="datetimeFigureOut">
               <a:rPr lang="en-IL" smtClean="0"/>
-              <a:t>28/03/2021</a:t>
+              <a:t>25/05/2021</a:t>
             </a:fld>
             <a:endParaRPr lang="en-IL"/>
           </a:p>
@@ -5237,245 +5446,141 @@
       </p:grpSpPr>
       <p:sp>
         <p:nvSpPr>
-          <p:cNvPr id="4" name="TextBox 3">
+          <p:cNvPr id="4" name="Title 5">
             <a:extLst>
               <a:ext uri="{FF2B5EF4-FFF2-40B4-BE49-F238E27FC236}">
-                <a16:creationId xmlns:a16="http://schemas.microsoft.com/office/drawing/2014/main" id="{D5CDF428-848C-F741-A5D2-E5F5F117821A}"/>
+                <a16:creationId xmlns:a16="http://schemas.microsoft.com/office/drawing/2014/main" id="{A84E2FEF-74EA-9C4A-B7F8-D5AF9CC85439}"/>
               </a:ext>
             </a:extLst>
           </p:cNvPr>
-          <p:cNvSpPr txBox="1"/>
-          <p:nvPr/>
+          <p:cNvSpPr>
+            <a:spLocks noGrp="1"/>
+          </p:cNvSpPr>
+          <p:nvPr>
+            <p:ph type="title"/>
+          </p:nvPr>
         </p:nvSpPr>
         <p:spPr>
           <a:xfrm>
-            <a:off x="514398" y="408530"/>
-            <a:ext cx="10946081" cy="5778910"/>
+            <a:off x="607719" y="0"/>
+            <a:ext cx="10515600" cy="1325563"/>
+          </a:xfrm>
+        </p:spPr>
+        <p:txBody>
+          <a:bodyPr>
+            <a:normAutofit fontScale="90000"/>
+          </a:bodyPr>
+          <a:lstStyle/>
+          <a:p>
+            <a:r>
+              <a:rPr lang="en-US" dirty="0"/>
+              <a:t>A problem of scale</a:t>
+            </a:r>
+            <a:br>
+              <a:rPr lang="en-US" dirty="0"/>
+            </a:br>
+            <a:endParaRPr lang="en-IL" sz="4800" dirty="0"/>
+          </a:p>
+        </p:txBody>
+      </p:sp>
+      <p:pic>
+        <p:nvPicPr>
+          <p:cNvPr id="5122" name="Picture 2">
+            <a:extLst>
+              <a:ext uri="{FF2B5EF4-FFF2-40B4-BE49-F238E27FC236}">
+                <a16:creationId xmlns:a16="http://schemas.microsoft.com/office/drawing/2014/main" id="{EBF8D879-9D74-E045-A332-4F4CB659DF06}"/>
+              </a:ext>
+            </a:extLst>
+          </p:cNvPr>
+          <p:cNvPicPr>
+            <a:picLocks noChangeAspect="1" noChangeArrowheads="1"/>
+          </p:cNvPicPr>
+          <p:nvPr/>
+        </p:nvPicPr>
+        <p:blipFill>
+          <a:blip r:embed="rId3">
+            <a:extLst>
+              <a:ext uri="{28A0092B-C50C-407E-A947-70E740481C1C}">
+                <a14:useLocalDpi xmlns:a14="http://schemas.microsoft.com/office/drawing/2010/main" val="0"/>
+              </a:ext>
+            </a:extLst>
+          </a:blip>
+          <a:srcRect/>
+          <a:stretch>
+            <a:fillRect/>
+          </a:stretch>
+        </p:blipFill>
+        <p:spPr bwMode="auto">
+          <a:xfrm>
+            <a:off x="0" y="662781"/>
+            <a:ext cx="12192000" cy="2589213"/>
           </a:xfrm>
           <a:prstGeom prst="rect">
             <a:avLst/>
           </a:prstGeom>
+          <a:noFill/>
+          <a:extLst>
+            <a:ext uri="{909E8E84-426E-40DD-AFC4-6F175D3DCCD1}">
+              <a14:hiddenFill xmlns:a14="http://schemas.microsoft.com/office/drawing/2010/main">
+                <a:solidFill>
+                  <a:srgbClr val="FFFFFF"/>
+                </a:solidFill>
+              </a14:hiddenFill>
+            </a:ext>
+          </a:extLst>
         </p:spPr>
-        <p:txBody>
-          <a:bodyPr vert="horz" lIns="91440" tIns="45720" rIns="91440" bIns="45720" rtlCol="0">
-            <a:noAutofit/>
-          </a:bodyPr>
-          <a:lstStyle/>
-          <a:p>
-            <a:pPr defTabSz="914400">
-              <a:lnSpc>
-                <a:spcPct val="90000"/>
-              </a:lnSpc>
-              <a:spcAft>
-                <a:spcPts val="600"/>
-              </a:spcAft>
-            </a:pPr>
-            <a:r>
-              <a:rPr lang="en-US" sz="2800" dirty="0"/>
-              <a:t>To fix this, we have three main </a:t>
-            </a:r>
-            <a:r>
-              <a:rPr lang="en-US" sz="2800" i="1" dirty="0">
+      </p:pic>
+      <p:pic>
+        <p:nvPicPr>
+          <p:cNvPr id="5124" name="Picture 4">
+            <a:extLst>
+              <a:ext uri="{FF2B5EF4-FFF2-40B4-BE49-F238E27FC236}">
+                <a16:creationId xmlns:a16="http://schemas.microsoft.com/office/drawing/2014/main" id="{D463B94A-9452-284A-B330-9D913E1D1800}"/>
+              </a:ext>
+            </a:extLst>
+          </p:cNvPr>
+          <p:cNvPicPr>
+            <a:picLocks noChangeAspect="1" noChangeArrowheads="1"/>
+          </p:cNvPicPr>
+          <p:nvPr/>
+        </p:nvPicPr>
+        <p:blipFill>
+          <a:blip r:embed="rId4">
+            <a:extLst>
+              <a:ext uri="{28A0092B-C50C-407E-A947-70E740481C1C}">
+                <a14:useLocalDpi xmlns:a14="http://schemas.microsoft.com/office/drawing/2010/main" val="0"/>
+              </a:ext>
+            </a:extLst>
+          </a:blip>
+          <a:srcRect/>
+          <a:stretch>
+            <a:fillRect/>
+          </a:stretch>
+        </p:blipFill>
+        <p:spPr bwMode="auto">
+          <a:xfrm>
+            <a:off x="0" y="3429000"/>
+            <a:ext cx="12192000" cy="3878263"/>
+          </a:xfrm>
+          <a:prstGeom prst="rect">
+            <a:avLst/>
+          </a:prstGeom>
+          <a:noFill/>
+          <a:extLst>
+            <a:ext uri="{909E8E84-426E-40DD-AFC4-6F175D3DCCD1}">
+              <a14:hiddenFill xmlns:a14="http://schemas.microsoft.com/office/drawing/2010/main">
                 <a:solidFill>
-                  <a:srgbClr val="FF0000"/>
+                  <a:srgbClr val="FFFFFF"/>
                 </a:solidFill>
-              </a:rPr>
-              <a:t>workarounds</a:t>
-            </a:r>
-            <a:r>
-              <a:rPr lang="en-US" sz="2800" dirty="0"/>
-              <a:t> that can be used:</a:t>
-            </a:r>
-          </a:p>
-          <a:p>
-            <a:pPr defTabSz="914400">
-              <a:lnSpc>
-                <a:spcPct val="90000"/>
-              </a:lnSpc>
-              <a:spcAft>
-                <a:spcPts val="600"/>
-              </a:spcAft>
-            </a:pPr>
-            <a:endParaRPr lang="en-US" sz="2800" dirty="0"/>
-          </a:p>
-          <a:p>
-            <a:pPr marL="457200" indent="-457200" defTabSz="914400">
-              <a:lnSpc>
-                <a:spcPct val="90000"/>
-              </a:lnSpc>
-              <a:spcAft>
-                <a:spcPts val="600"/>
-              </a:spcAft>
-              <a:buFont typeface="Arial" panose="020B0604020202020204" pitchFamily="34" charset="0"/>
-              <a:buChar char="•"/>
-            </a:pPr>
-            <a:r>
-              <a:rPr lang="en-US" sz="2800" i="1" dirty="0">
-                <a:solidFill>
-                  <a:srgbClr val="FF0000"/>
-                </a:solidFill>
-              </a:rPr>
-              <a:t>Synchronize sessions between server</a:t>
-            </a:r>
-            <a:r>
-              <a:rPr lang="en-US" sz="2800" dirty="0">
-                <a:solidFill>
-                  <a:srgbClr val="FF0000"/>
-                </a:solidFill>
-              </a:rPr>
-              <a:t>s</a:t>
-            </a:r>
-            <a:r>
-              <a:rPr lang="en-US" sz="2800" dirty="0"/>
-              <a:t> — tricky and error-prone;</a:t>
-            </a:r>
-          </a:p>
-          <a:p>
-            <a:pPr marL="457200" indent="-457200" defTabSz="914400">
-              <a:lnSpc>
-                <a:spcPct val="90000"/>
-              </a:lnSpc>
-              <a:spcAft>
-                <a:spcPts val="600"/>
-              </a:spcAft>
-              <a:buFont typeface="Arial" panose="020B0604020202020204" pitchFamily="34" charset="0"/>
-              <a:buChar char="•"/>
-            </a:pPr>
-            <a:r>
-              <a:rPr lang="en-US" sz="2800" i="1" dirty="0">
-                <a:solidFill>
-                  <a:srgbClr val="FF0000"/>
-                </a:solidFill>
-              </a:rPr>
-              <a:t>Use an external in-memory database</a:t>
-            </a:r>
-            <a:r>
-              <a:rPr lang="en-US" sz="2800" dirty="0">
-                <a:solidFill>
-                  <a:srgbClr val="FF0000"/>
-                </a:solidFill>
-              </a:rPr>
-              <a:t> </a:t>
-            </a:r>
-            <a:r>
-              <a:rPr lang="en-US" sz="2800" dirty="0"/>
-              <a:t>— good solution, but it will add another component to the infrastructure;</a:t>
-            </a:r>
-          </a:p>
-          <a:p>
-            <a:pPr marL="457200" indent="-457200" defTabSz="914400">
-              <a:lnSpc>
-                <a:spcPct val="90000"/>
-              </a:lnSpc>
-              <a:spcAft>
-                <a:spcPts val="600"/>
-              </a:spcAft>
-              <a:buFont typeface="Arial" panose="020B0604020202020204" pitchFamily="34" charset="0"/>
-              <a:buChar char="•"/>
-            </a:pPr>
-            <a:r>
-              <a:rPr lang="en-US" sz="2800" dirty="0"/>
-              <a:t>Embrace the </a:t>
-            </a:r>
-            <a:r>
-              <a:rPr lang="en-US" sz="2800" dirty="0">
-                <a:solidFill>
-                  <a:srgbClr val="FF0000"/>
-                </a:solidFill>
-              </a:rPr>
-              <a:t>stateless</a:t>
-            </a:r>
-            <a:r>
-              <a:rPr lang="en-US" sz="2800" dirty="0"/>
-              <a:t> nature of HTTP and search for a better solution!</a:t>
-            </a:r>
-          </a:p>
-          <a:p>
-            <a:pPr marL="457200" indent="-457200" defTabSz="914400">
-              <a:lnSpc>
-                <a:spcPct val="90000"/>
-              </a:lnSpc>
-              <a:spcAft>
-                <a:spcPts val="600"/>
-              </a:spcAft>
-              <a:buFont typeface="Arial" panose="020B0604020202020204" pitchFamily="34" charset="0"/>
-              <a:buChar char="•"/>
-            </a:pPr>
-            <a:endParaRPr lang="en-US" sz="2800" dirty="0"/>
-          </a:p>
-          <a:p>
-            <a:pPr marL="457200" indent="-457200" defTabSz="914400">
-              <a:lnSpc>
-                <a:spcPct val="90000"/>
-              </a:lnSpc>
-              <a:spcAft>
-                <a:spcPts val="600"/>
-              </a:spcAft>
-              <a:buFont typeface="Arial" panose="020B0604020202020204" pitchFamily="34" charset="0"/>
-              <a:buChar char="•"/>
-            </a:pPr>
-            <a:endParaRPr lang="en-US" sz="2800" dirty="0"/>
-          </a:p>
-          <a:p>
-            <a:pPr defTabSz="914400">
-              <a:lnSpc>
-                <a:spcPct val="90000"/>
-              </a:lnSpc>
-              <a:spcAft>
-                <a:spcPts val="600"/>
-              </a:spcAft>
-            </a:pPr>
-            <a:r>
-              <a:rPr lang="en-US" sz="2800" dirty="0"/>
-              <a:t>JSON Web Token (JWT) is an open standard that defines a way for transmitting information –like </a:t>
-            </a:r>
-            <a:r>
-              <a:rPr lang="en-US" sz="2800" dirty="0">
-                <a:solidFill>
-                  <a:srgbClr val="FF0000"/>
-                </a:solidFill>
-              </a:rPr>
-              <a:t>authentication</a:t>
-            </a:r>
-            <a:r>
-              <a:rPr lang="en-US" sz="2800" dirty="0"/>
-              <a:t> and </a:t>
-            </a:r>
-            <a:r>
-              <a:rPr lang="en-US" sz="2800" dirty="0">
-                <a:solidFill>
-                  <a:srgbClr val="FF0000"/>
-                </a:solidFill>
-              </a:rPr>
-              <a:t>authorization</a:t>
-            </a:r>
-            <a:r>
-              <a:rPr lang="en-US" sz="2800" dirty="0"/>
-              <a:t> facts– between two parties: an </a:t>
-            </a:r>
-            <a:r>
-              <a:rPr lang="en-US" sz="2800" i="1" dirty="0"/>
-              <a:t>issuer</a:t>
-            </a:r>
-            <a:r>
-              <a:rPr lang="en-US" sz="2800" dirty="0"/>
-              <a:t> and an </a:t>
-            </a:r>
-            <a:r>
-              <a:rPr lang="en-US" sz="2800" i="1" dirty="0"/>
-              <a:t>audience</a:t>
-            </a:r>
-            <a:r>
-              <a:rPr lang="en-US" sz="2800" dirty="0"/>
-              <a:t>.</a:t>
-            </a:r>
-          </a:p>
-        </p:txBody>
-      </p:sp>
+              </a14:hiddenFill>
+            </a:ext>
+          </a:extLst>
+        </p:spPr>
+      </p:pic>
     </p:spTree>
     <p:extLst>
       <p:ext uri="{BB962C8B-B14F-4D97-AF65-F5344CB8AC3E}">
-        <p14:creationId xmlns:p14="http://schemas.microsoft.com/office/powerpoint/2010/main" val="303365250"/>
+        <p14:creationId xmlns:p14="http://schemas.microsoft.com/office/powerpoint/2010/main" val="3671751000"/>
       </p:ext>
     </p:extLst>
   </p:cSld>
@@ -5504,6 +5609,273 @@
       </p:grpSpPr>
       <p:sp>
         <p:nvSpPr>
+          <p:cNvPr id="4" name="TextBox 3">
+            <a:extLst>
+              <a:ext uri="{FF2B5EF4-FFF2-40B4-BE49-F238E27FC236}">
+                <a16:creationId xmlns:a16="http://schemas.microsoft.com/office/drawing/2014/main" id="{D5CDF428-848C-F741-A5D2-E5F5F117821A}"/>
+              </a:ext>
+            </a:extLst>
+          </p:cNvPr>
+          <p:cNvSpPr txBox="1"/>
+          <p:nvPr/>
+        </p:nvSpPr>
+        <p:spPr>
+          <a:xfrm>
+            <a:off x="514398" y="408530"/>
+            <a:ext cx="10946081" cy="5778910"/>
+          </a:xfrm>
+          <a:prstGeom prst="rect">
+            <a:avLst/>
+          </a:prstGeom>
+        </p:spPr>
+        <p:txBody>
+          <a:bodyPr vert="horz" lIns="91440" tIns="45720" rIns="91440" bIns="45720" rtlCol="0">
+            <a:noAutofit/>
+          </a:bodyPr>
+          <a:lstStyle/>
+          <a:p>
+            <a:pPr defTabSz="914400">
+              <a:lnSpc>
+                <a:spcPct val="90000"/>
+              </a:lnSpc>
+              <a:spcAft>
+                <a:spcPts val="600"/>
+              </a:spcAft>
+            </a:pPr>
+            <a:r>
+              <a:rPr lang="en-US" sz="2800" dirty="0"/>
+              <a:t>To fix this, we have three main </a:t>
+            </a:r>
+            <a:r>
+              <a:rPr lang="en-US" sz="2800" i="1" dirty="0">
+                <a:solidFill>
+                  <a:srgbClr val="FF0000"/>
+                </a:solidFill>
+              </a:rPr>
+              <a:t>workarounds</a:t>
+            </a:r>
+            <a:r>
+              <a:rPr lang="en-US" sz="2800" dirty="0"/>
+              <a:t> that can be used:</a:t>
+            </a:r>
+          </a:p>
+          <a:p>
+            <a:pPr defTabSz="914400">
+              <a:lnSpc>
+                <a:spcPct val="90000"/>
+              </a:lnSpc>
+              <a:spcAft>
+                <a:spcPts val="600"/>
+              </a:spcAft>
+            </a:pPr>
+            <a:endParaRPr lang="en-US" sz="2800" dirty="0"/>
+          </a:p>
+          <a:p>
+            <a:pPr marL="457200" indent="-457200" defTabSz="914400">
+              <a:lnSpc>
+                <a:spcPct val="90000"/>
+              </a:lnSpc>
+              <a:spcAft>
+                <a:spcPts val="600"/>
+              </a:spcAft>
+              <a:buFont typeface="Arial" panose="020B0604020202020204" pitchFamily="34" charset="0"/>
+              <a:buChar char="•"/>
+            </a:pPr>
+            <a:r>
+              <a:rPr lang="en-US" sz="2800" i="1" dirty="0">
+                <a:solidFill>
+                  <a:srgbClr val="FF0000"/>
+                </a:solidFill>
+              </a:rPr>
+              <a:t>Synchronize sessions between server</a:t>
+            </a:r>
+            <a:r>
+              <a:rPr lang="en-US" sz="2800" dirty="0">
+                <a:solidFill>
+                  <a:srgbClr val="FF0000"/>
+                </a:solidFill>
+              </a:rPr>
+              <a:t>s</a:t>
+            </a:r>
+            <a:r>
+              <a:rPr lang="en-US" sz="2800" dirty="0"/>
+              <a:t> — tricky and error-prone;</a:t>
+            </a:r>
+          </a:p>
+          <a:p>
+            <a:pPr marL="457200" indent="-457200" defTabSz="914400">
+              <a:lnSpc>
+                <a:spcPct val="90000"/>
+              </a:lnSpc>
+              <a:spcAft>
+                <a:spcPts val="600"/>
+              </a:spcAft>
+              <a:buFont typeface="Arial" panose="020B0604020202020204" pitchFamily="34" charset="0"/>
+              <a:buChar char="•"/>
+            </a:pPr>
+            <a:r>
+              <a:rPr lang="en-US" sz="2800" i="1" dirty="0">
+                <a:solidFill>
+                  <a:srgbClr val="FF0000"/>
+                </a:solidFill>
+              </a:rPr>
+              <a:t>Use an external in-memory database</a:t>
+            </a:r>
+            <a:r>
+              <a:rPr lang="en-US" sz="2800" dirty="0">
+                <a:solidFill>
+                  <a:srgbClr val="FF0000"/>
+                </a:solidFill>
+              </a:rPr>
+              <a:t> </a:t>
+            </a:r>
+            <a:r>
+              <a:rPr lang="en-US" sz="2800" dirty="0"/>
+              <a:t>— good solution, but it will add another component to the infrastructure;</a:t>
+            </a:r>
+          </a:p>
+          <a:p>
+            <a:pPr marL="457200" indent="-457200" defTabSz="914400">
+              <a:lnSpc>
+                <a:spcPct val="90000"/>
+              </a:lnSpc>
+              <a:spcAft>
+                <a:spcPts val="600"/>
+              </a:spcAft>
+              <a:buFont typeface="Arial" panose="020B0604020202020204" pitchFamily="34" charset="0"/>
+              <a:buChar char="•"/>
+            </a:pPr>
+            <a:r>
+              <a:rPr lang="en-US" sz="2800" dirty="0"/>
+              <a:t>Embrace the </a:t>
+            </a:r>
+            <a:r>
+              <a:rPr lang="en-US" sz="2800" dirty="0">
+                <a:solidFill>
+                  <a:srgbClr val="FF0000"/>
+                </a:solidFill>
+              </a:rPr>
+              <a:t>stateless</a:t>
+            </a:r>
+            <a:r>
+              <a:rPr lang="en-US" sz="2800" dirty="0"/>
+              <a:t> nature of HTTP and search for a better solution!</a:t>
+            </a:r>
+          </a:p>
+          <a:p>
+            <a:pPr marL="457200" indent="-457200" defTabSz="914400">
+              <a:lnSpc>
+                <a:spcPct val="90000"/>
+              </a:lnSpc>
+              <a:spcAft>
+                <a:spcPts val="600"/>
+              </a:spcAft>
+              <a:buFont typeface="Arial" panose="020B0604020202020204" pitchFamily="34" charset="0"/>
+              <a:buChar char="•"/>
+            </a:pPr>
+            <a:endParaRPr lang="en-US" sz="2800" dirty="0"/>
+          </a:p>
+          <a:p>
+            <a:pPr marL="457200" indent="-457200" defTabSz="914400">
+              <a:lnSpc>
+                <a:spcPct val="90000"/>
+              </a:lnSpc>
+              <a:spcAft>
+                <a:spcPts val="600"/>
+              </a:spcAft>
+              <a:buFont typeface="Arial" panose="020B0604020202020204" pitchFamily="34" charset="0"/>
+              <a:buChar char="•"/>
+            </a:pPr>
+            <a:endParaRPr lang="en-US" sz="2800" dirty="0"/>
+          </a:p>
+          <a:p>
+            <a:pPr defTabSz="914400">
+              <a:lnSpc>
+                <a:spcPct val="90000"/>
+              </a:lnSpc>
+              <a:spcAft>
+                <a:spcPts val="600"/>
+              </a:spcAft>
+            </a:pPr>
+            <a:r>
+              <a:rPr lang="en-US" sz="2800" dirty="0"/>
+              <a:t>JSON Web Token (JWT) is an open standard that defines a way for transmitting information –like </a:t>
+            </a:r>
+            <a:r>
+              <a:rPr lang="en-US" sz="2800" dirty="0">
+                <a:solidFill>
+                  <a:srgbClr val="FF0000"/>
+                </a:solidFill>
+              </a:rPr>
+              <a:t>authentication</a:t>
+            </a:r>
+            <a:r>
+              <a:rPr lang="en-US" sz="2800" dirty="0"/>
+              <a:t> and </a:t>
+            </a:r>
+            <a:r>
+              <a:rPr lang="en-US" sz="2800" dirty="0">
+                <a:solidFill>
+                  <a:srgbClr val="FF0000"/>
+                </a:solidFill>
+              </a:rPr>
+              <a:t>authorization</a:t>
+            </a:r>
+            <a:r>
+              <a:rPr lang="en-US" sz="2800" dirty="0"/>
+              <a:t> facts– between two parties: an </a:t>
+            </a:r>
+            <a:r>
+              <a:rPr lang="en-US" sz="2800" i="1" dirty="0"/>
+              <a:t>issuer</a:t>
+            </a:r>
+            <a:r>
+              <a:rPr lang="en-US" sz="2800" dirty="0"/>
+              <a:t> and an </a:t>
+            </a:r>
+            <a:r>
+              <a:rPr lang="en-US" sz="2800" i="1" dirty="0"/>
+              <a:t>audience</a:t>
+            </a:r>
+            <a:r>
+              <a:rPr lang="en-US" sz="2800" dirty="0"/>
+              <a:t>.</a:t>
+            </a:r>
+          </a:p>
+        </p:txBody>
+      </p:sp>
+    </p:spTree>
+    <p:extLst>
+      <p:ext uri="{BB962C8B-B14F-4D97-AF65-F5344CB8AC3E}">
+        <p14:creationId xmlns:p14="http://schemas.microsoft.com/office/powerpoint/2010/main" val="303365250"/>
+      </p:ext>
+    </p:extLst>
+  </p:cSld>
+  <p:clrMapOvr>
+    <a:masterClrMapping/>
+  </p:clrMapOvr>
+</p:sld>
+</file>
+
+<file path=ppt/slides/slide12.xml><?xml version="1.0" encoding="utf-8"?>
+<p:sld xmlns:a="http://schemas.openxmlformats.org/drawingml/2006/main" xmlns:r="http://schemas.openxmlformats.org/officeDocument/2006/relationships" xmlns:p="http://schemas.openxmlformats.org/presentationml/2006/main">
+  <p:cSld>
+    <p:spTree>
+      <p:nvGrpSpPr>
+        <p:cNvPr id="1" name=""/>
+        <p:cNvGrpSpPr/>
+        <p:nvPr/>
+      </p:nvGrpSpPr>
+      <p:grpSpPr>
+        <a:xfrm>
+          <a:off x="0" y="0"/>
+          <a:ext cx="0" cy="0"/>
+          <a:chOff x="0" y="0"/>
+          <a:chExt cx="0" cy="0"/>
+        </a:xfrm>
+      </p:grpSpPr>
+      <p:sp>
+        <p:nvSpPr>
           <p:cNvPr id="4" name="Title 5">
             <a:extLst>
               <a:ext uri="{FF2B5EF4-FFF2-40B4-BE49-F238E27FC236}">
@@ -5714,7 +6086,206 @@
 </p:sld>
 </file>
 
-<file path=ppt/slides/slide12.xml><?xml version="1.0" encoding="utf-8"?>
+<file path=ppt/slides/slide13.xml><?xml version="1.0" encoding="utf-8"?>
+<p:sld xmlns:a="http://schemas.openxmlformats.org/drawingml/2006/main" xmlns:r="http://schemas.openxmlformats.org/officeDocument/2006/relationships" xmlns:p="http://schemas.openxmlformats.org/presentationml/2006/main">
+  <p:cSld>
+    <p:spTree>
+      <p:nvGrpSpPr>
+        <p:cNvPr id="1" name=""/>
+        <p:cNvGrpSpPr/>
+        <p:nvPr/>
+      </p:nvGrpSpPr>
+      <p:grpSpPr>
+        <a:xfrm>
+          <a:off x="0" y="0"/>
+          <a:ext cx="0" cy="0"/>
+          <a:chOff x="0" y="0"/>
+          <a:chExt cx="0" cy="0"/>
+        </a:xfrm>
+      </p:grpSpPr>
+      <p:sp>
+        <p:nvSpPr>
+          <p:cNvPr id="4" name="Title 5">
+            <a:extLst>
+              <a:ext uri="{FF2B5EF4-FFF2-40B4-BE49-F238E27FC236}">
+                <a16:creationId xmlns:a16="http://schemas.microsoft.com/office/drawing/2014/main" id="{A84E2FEF-74EA-9C4A-B7F8-D5AF9CC85439}"/>
+              </a:ext>
+            </a:extLst>
+          </p:cNvPr>
+          <p:cNvSpPr>
+            <a:spLocks noGrp="1"/>
+          </p:cNvSpPr>
+          <p:nvPr>
+            <p:ph type="title"/>
+          </p:nvPr>
+        </p:nvSpPr>
+        <p:spPr>
+          <a:xfrm>
+            <a:off x="455319" y="177088"/>
+            <a:ext cx="10515600" cy="1325563"/>
+          </a:xfrm>
+        </p:spPr>
+        <p:txBody>
+          <a:bodyPr>
+            <a:normAutofit/>
+          </a:bodyPr>
+          <a:lstStyle/>
+          <a:p>
+            <a:r>
+              <a:rPr lang="en-US" sz="4800" dirty="0"/>
+              <a:t>S</a:t>
+            </a:r>
+            <a:r>
+              <a:rPr lang="en-IL" sz="4800" dirty="0"/>
+              <a:t>ome basics// TODO</a:t>
+            </a:r>
+          </a:p>
+        </p:txBody>
+      </p:sp>
+      <p:sp>
+        <p:nvSpPr>
+          <p:cNvPr id="7" name="TextBox 6">
+            <a:extLst>
+              <a:ext uri="{FF2B5EF4-FFF2-40B4-BE49-F238E27FC236}">
+                <a16:creationId xmlns:a16="http://schemas.microsoft.com/office/drawing/2014/main" id="{0D434488-5884-DC47-825F-DB289BAA0DD0}"/>
+              </a:ext>
+            </a:extLst>
+          </p:cNvPr>
+          <p:cNvSpPr txBox="1"/>
+          <p:nvPr/>
+        </p:nvSpPr>
+        <p:spPr>
+          <a:xfrm>
+            <a:off x="455319" y="1485187"/>
+            <a:ext cx="11281362" cy="4687013"/>
+          </a:xfrm>
+          <a:prstGeom prst="rect">
+            <a:avLst/>
+          </a:prstGeom>
+        </p:spPr>
+        <p:txBody>
+          <a:bodyPr vert="horz" lIns="91440" tIns="45720" rIns="91440" bIns="45720" rtlCol="0">
+            <a:normAutofit/>
+          </a:bodyPr>
+          <a:lstStyle/>
+          <a:p>
+            <a:r>
+              <a:rPr lang="en-US" sz="2400" dirty="0"/>
+              <a:t>Encoding:</a:t>
+            </a:r>
+          </a:p>
+          <a:p>
+            <a:endParaRPr lang="en-US" sz="2400" dirty="0"/>
+          </a:p>
+          <a:p>
+            <a:r>
+              <a:rPr lang="en-US" sz="2400" dirty="0"/>
+              <a:t>Encryption:</a:t>
+            </a:r>
+          </a:p>
+          <a:p>
+            <a:endParaRPr lang="en-US" sz="2400" dirty="0"/>
+          </a:p>
+          <a:p>
+            <a:r>
+              <a:rPr lang="en-US" sz="2400" dirty="0"/>
+              <a:t>Private key Vs Public key: </a:t>
+            </a:r>
+            <a:r>
+              <a:rPr lang="en-US" sz="2400" i="1" dirty="0"/>
+              <a:t> In asymmetric encryption, a </a:t>
+            </a:r>
+            <a:r>
+              <a:rPr lang="en-US" sz="2400" i="1" dirty="0">
+                <a:solidFill>
+                  <a:srgbClr val="FF0000"/>
+                </a:solidFill>
+              </a:rPr>
+              <a:t>public key </a:t>
+            </a:r>
+            <a:r>
+              <a:rPr lang="en-US" sz="2400" i="1" dirty="0"/>
+              <a:t>is used to </a:t>
+            </a:r>
+            <a:r>
+              <a:rPr lang="en-US" sz="2400" i="1" dirty="0">
+                <a:solidFill>
+                  <a:srgbClr val="FF0000"/>
+                </a:solidFill>
+              </a:rPr>
+              <a:t>encrypt</a:t>
+            </a:r>
+            <a:r>
+              <a:rPr lang="en-US" sz="2400" i="1" dirty="0"/>
+              <a:t> a message, whereas a </a:t>
+            </a:r>
+            <a:r>
+              <a:rPr lang="en-US" sz="2400" i="1" dirty="0">
+                <a:solidFill>
+                  <a:srgbClr val="92D050"/>
+                </a:solidFill>
+              </a:rPr>
+              <a:t>private key </a:t>
+            </a:r>
+            <a:r>
+              <a:rPr lang="en-US" sz="2400" i="1" dirty="0"/>
+              <a:t>is used to </a:t>
+            </a:r>
+            <a:r>
+              <a:rPr lang="en-US" sz="2400" i="1" dirty="0">
+                <a:solidFill>
+                  <a:srgbClr val="92D050"/>
+                </a:solidFill>
+              </a:rPr>
+              <a:t>decrypt</a:t>
+            </a:r>
+            <a:r>
+              <a:rPr lang="en-US" sz="2400" i="1" dirty="0"/>
+              <a:t> it.</a:t>
+            </a:r>
+            <a:r>
+              <a:rPr lang="en-US" sz="2400" dirty="0"/>
+              <a:t> </a:t>
+            </a:r>
+          </a:p>
+          <a:p>
+            <a:endParaRPr lang="en-US" sz="2400" dirty="0"/>
+          </a:p>
+          <a:p>
+            <a:r>
+              <a:rPr lang="en-US" sz="2400" dirty="0"/>
+              <a:t>Algorithm:</a:t>
+            </a:r>
+          </a:p>
+          <a:p>
+            <a:endParaRPr lang="en-US" sz="2400" dirty="0"/>
+          </a:p>
+          <a:p>
+            <a:r>
+              <a:rPr lang="en-US" sz="2400" dirty="0" err="1"/>
+              <a:t>signin</a:t>
+            </a:r>
+            <a:r>
+              <a:rPr lang="en-US" sz="2400" dirty="0"/>
+              <a:t> algorithm:</a:t>
+            </a:r>
+          </a:p>
+        </p:txBody>
+      </p:sp>
+    </p:spTree>
+    <p:extLst>
+      <p:ext uri="{BB962C8B-B14F-4D97-AF65-F5344CB8AC3E}">
+        <p14:creationId xmlns:p14="http://schemas.microsoft.com/office/powerpoint/2010/main" val="2589499381"/>
+      </p:ext>
+    </p:extLst>
+  </p:cSld>
+  <p:clrMapOvr>
+    <a:masterClrMapping/>
+  </p:clrMapOvr>
+</p:sld>
+</file>
+
+<file path=ppt/slides/slide14.xml><?xml version="1.0" encoding="utf-8"?>
 <p:sld xmlns:a="http://schemas.openxmlformats.org/drawingml/2006/main" xmlns:r="http://schemas.openxmlformats.org/officeDocument/2006/relationships" xmlns:p="http://schemas.openxmlformats.org/presentationml/2006/main">
   <p:cSld>
     <p:spTree>
@@ -5885,7 +6456,7 @@
 </p:sld>
 </file>
 
-<file path=ppt/slides/slide13.xml><?xml version="1.0" encoding="utf-8"?>
+<file path=ppt/slides/slide15.xml><?xml version="1.0" encoding="utf-8"?>
 <p:sld xmlns:a="http://schemas.openxmlformats.org/drawingml/2006/main" xmlns:r="http://schemas.openxmlformats.org/officeDocument/2006/relationships" xmlns:p="http://schemas.openxmlformats.org/presentationml/2006/main">
   <p:cSld>
     <p:spTree>
@@ -6036,7 +6607,7 @@
 </p:sld>
 </file>
 
-<file path=ppt/slides/slide14.xml><?xml version="1.0" encoding="utf-8"?>
+<file path=ppt/slides/slide16.xml><?xml version="1.0" encoding="utf-8"?>
 <p:sld xmlns:a="http://schemas.openxmlformats.org/drawingml/2006/main" xmlns:r="http://schemas.openxmlformats.org/officeDocument/2006/relationships" xmlns:p="http://schemas.openxmlformats.org/presentationml/2006/main">
   <p:cSld>
     <p:spTree>
@@ -6259,7 +6830,7 @@
 </p:sld>
 </file>
 
-<file path=ppt/slides/slide15.xml><?xml version="1.0" encoding="utf-8"?>
+<file path=ppt/slides/slide17.xml><?xml version="1.0" encoding="utf-8"?>
 <p:sld xmlns:a="http://schemas.openxmlformats.org/drawingml/2006/main" xmlns:r="http://schemas.openxmlformats.org/officeDocument/2006/relationships" xmlns:p="http://schemas.openxmlformats.org/presentationml/2006/main">
   <p:cSld>
     <p:spTree>
@@ -6476,7 +7047,7 @@
 </p:sld>
 </file>
 
-<file path=ppt/slides/slide16.xml><?xml version="1.0" encoding="utf-8"?>
+<file path=ppt/slides/slide18.xml><?xml version="1.0" encoding="utf-8"?>
 <p:sld xmlns:a="http://schemas.openxmlformats.org/drawingml/2006/main" xmlns:r="http://schemas.openxmlformats.org/officeDocument/2006/relationships" xmlns:p="http://schemas.openxmlformats.org/presentationml/2006/main">
   <p:cSld>
     <p:spTree>
@@ -6583,38 +7154,30 @@
           <a:p>
             <a:endParaRPr lang="en-US" sz="2800" dirty="0"/>
           </a:p>
-        </p:txBody>
-      </p:sp>
-      <p:pic>
-        <p:nvPicPr>
-          <p:cNvPr id="3" name="Picture 2">
-            <a:extLst>
-              <a:ext uri="{FF2B5EF4-FFF2-40B4-BE49-F238E27FC236}">
-                <a16:creationId xmlns:a16="http://schemas.microsoft.com/office/drawing/2014/main" id="{6B72AEA0-0671-B245-89E1-113F25024BCD}"/>
-              </a:ext>
-            </a:extLst>
-          </p:cNvPr>
-          <p:cNvPicPr>
-            <a:picLocks noChangeAspect="1"/>
-          </p:cNvPicPr>
-          <p:nvPr/>
-        </p:nvPicPr>
-        <p:blipFill>
-          <a:blip r:embed="rId3"/>
-          <a:stretch>
-            <a:fillRect/>
-          </a:stretch>
-        </p:blipFill>
-        <p:spPr>
-          <a:xfrm>
-            <a:off x="1645920" y="4564380"/>
-            <a:ext cx="7924800" cy="990600"/>
-          </a:xfrm>
-          <a:prstGeom prst="rect">
-            <a:avLst/>
-          </a:prstGeom>
-        </p:spPr>
-      </p:pic>
+          <a:p>
+            <a:r>
+              <a:rPr lang="en-US" sz="2800" dirty="0"/>
+              <a:t>//TODO add picture to explain </a:t>
+            </a:r>
+            <a:r>
+              <a:rPr lang="en-US" sz="2800" dirty="0" err="1"/>
+              <a:t>signin</a:t>
+            </a:r>
+            <a:r>
+              <a:rPr lang="en-US" sz="2800" dirty="0"/>
+              <a:t> </a:t>
+            </a:r>
+            <a:r>
+              <a:rPr lang="en-US" sz="2800" dirty="0" err="1"/>
+              <a:t>algotithm</a:t>
+            </a:r>
+            <a:endParaRPr lang="en-US" sz="2800" dirty="0"/>
+          </a:p>
+          <a:p>
+            <a:endParaRPr lang="en-US" sz="2800" dirty="0"/>
+          </a:p>
+        </p:txBody>
+      </p:sp>
     </p:spTree>
     <p:extLst>
       <p:ext uri="{BB962C8B-B14F-4D97-AF65-F5344CB8AC3E}">
@@ -6628,7 +7191,7 @@
 </p:sld>
 </file>
 
-<file path=ppt/slides/slide17.xml><?xml version="1.0" encoding="utf-8"?>
+<file path=ppt/slides/slide19.xml><?xml version="1.0" encoding="utf-8"?>
 <p:sld xmlns:a="http://schemas.openxmlformats.org/drawingml/2006/main" xmlns:r="http://schemas.openxmlformats.org/officeDocument/2006/relationships" xmlns:p="http://schemas.openxmlformats.org/presentationml/2006/main">
   <p:cSld>
     <p:spTree>
@@ -6740,7 +7303,7 @@
 </p:sld>
 </file>
 
-<file path=ppt/slides/slide18.xml><?xml version="1.0" encoding="utf-8"?>
+<file path=ppt/slides/slide2.xml><?xml version="1.0" encoding="utf-8"?>
 <p:sld xmlns:a="http://schemas.openxmlformats.org/drawingml/2006/main" xmlns:r="http://schemas.openxmlformats.org/officeDocument/2006/relationships" xmlns:p="http://schemas.openxmlformats.org/presentationml/2006/main">
   <p:cSld>
     <p:spTree>
@@ -6759,6 +7322,195 @@
       </p:grpSpPr>
       <p:sp>
         <p:nvSpPr>
+          <p:cNvPr id="5" name="TextBox 4">
+            <a:extLst>
+              <a:ext uri="{FF2B5EF4-FFF2-40B4-BE49-F238E27FC236}">
+                <a16:creationId xmlns:a16="http://schemas.microsoft.com/office/drawing/2014/main" id="{6B8A7D5E-9F04-F24E-8054-E46DF64920C5}"/>
+              </a:ext>
+            </a:extLst>
+          </p:cNvPr>
+          <p:cNvSpPr txBox="1"/>
+          <p:nvPr/>
+        </p:nvSpPr>
+        <p:spPr>
+          <a:xfrm>
+            <a:off x="620111" y="720651"/>
+            <a:ext cx="8124497" cy="461665"/>
+          </a:xfrm>
+          <a:prstGeom prst="rect">
+            <a:avLst/>
+          </a:prstGeom>
+          <a:noFill/>
+        </p:spPr>
+        <p:txBody>
+          <a:bodyPr wrap="square" rtlCol="0">
+            <a:spAutoFit/>
+          </a:bodyPr>
+          <a:lstStyle/>
+          <a:p>
+            <a:pPr marL="0" defTabSz="914400" rtl="1" eaLnBrk="1" latinLnBrk="0" hangingPunct="1"/>
+            <a:r>
+              <a:rPr lang="en-US" sz="2400" dirty="0"/>
+              <a:t>What are we going to learn?</a:t>
+            </a:r>
+            <a:endParaRPr lang="en-IL" sz="2400" dirty="0"/>
+          </a:p>
+        </p:txBody>
+      </p:sp>
+      <p:sp>
+        <p:nvSpPr>
+          <p:cNvPr id="6" name="TextBox 5">
+            <a:extLst>
+              <a:ext uri="{FF2B5EF4-FFF2-40B4-BE49-F238E27FC236}">
+                <a16:creationId xmlns:a16="http://schemas.microsoft.com/office/drawing/2014/main" id="{21922D83-93D2-624E-9929-E80190815DCB}"/>
+              </a:ext>
+            </a:extLst>
+          </p:cNvPr>
+          <p:cNvSpPr txBox="1"/>
+          <p:nvPr/>
+        </p:nvSpPr>
+        <p:spPr>
+          <a:xfrm>
+            <a:off x="1166648" y="1890032"/>
+            <a:ext cx="10405241" cy="2308324"/>
+          </a:xfrm>
+          <a:prstGeom prst="rect">
+            <a:avLst/>
+          </a:prstGeom>
+          <a:noFill/>
+        </p:spPr>
+        <p:txBody>
+          <a:bodyPr wrap="square" rtlCol="0">
+            <a:spAutoFit/>
+          </a:bodyPr>
+          <a:lstStyle/>
+          <a:p>
+            <a:pPr marL="285750" indent="-285750">
+              <a:buFont typeface="Wingdings" pitchFamily="2" charset="2"/>
+              <a:buChar char="q"/>
+            </a:pPr>
+            <a:r>
+              <a:rPr lang="en-US" sz="2400" dirty="0"/>
+              <a:t>1: JSON Web Token (JWT)</a:t>
+            </a:r>
+          </a:p>
+          <a:p>
+            <a:pPr marL="285750" indent="-285750">
+              <a:buFont typeface="Wingdings" pitchFamily="2" charset="2"/>
+              <a:buChar char="q"/>
+            </a:pPr>
+            <a:r>
+              <a:rPr lang="en-US" sz="2400" dirty="0"/>
+              <a:t>2: Fundamentals </a:t>
+            </a:r>
+          </a:p>
+          <a:p>
+            <a:pPr marL="742950" lvl="1" indent="-285750">
+              <a:buFont typeface="Wingdings" pitchFamily="2" charset="2"/>
+              <a:buChar char="q"/>
+            </a:pPr>
+            <a:r>
+              <a:rPr lang="en-US" sz="2400" dirty="0"/>
+              <a:t> General architecture (modules ,C</a:t>
+            </a:r>
+            <a:r>
+              <a:rPr lang="en-IL" sz="2400" dirty="0"/>
+              <a:t>ontrollers </a:t>
+            </a:r>
+            <a:r>
+              <a:rPr lang="en-US" sz="2400" dirty="0"/>
+              <a:t>P</a:t>
+            </a:r>
+            <a:r>
+              <a:rPr lang="en-IL" sz="2400" dirty="0"/>
+              <a:t>roviders </a:t>
+            </a:r>
+            <a:r>
+              <a:rPr lang="en-US" sz="2400" dirty="0"/>
+              <a:t>)</a:t>
+            </a:r>
+            <a:endParaRPr lang="en-IL" sz="2400" dirty="0"/>
+          </a:p>
+          <a:p>
+            <a:pPr marL="742950" lvl="1" indent="-285750">
+              <a:buFont typeface="Wingdings" pitchFamily="2" charset="2"/>
+              <a:buChar char="q"/>
+            </a:pPr>
+            <a:r>
+              <a:rPr lang="en-US" sz="2400" dirty="0"/>
+              <a:t> Main features (D</a:t>
+            </a:r>
+            <a:r>
+              <a:rPr lang="en-IL" sz="2400" dirty="0"/>
+              <a:t>ecorators ,</a:t>
+            </a:r>
+            <a:r>
+              <a:rPr lang="en-US" sz="2400" dirty="0"/>
+              <a:t>P</a:t>
+            </a:r>
+            <a:r>
+              <a:rPr lang="en-IL" sz="2400" dirty="0"/>
+              <a:t>ipes, </a:t>
+            </a:r>
+            <a:r>
+              <a:rPr lang="en-US" sz="2400" dirty="0"/>
+              <a:t>Exception, middleware)</a:t>
+            </a:r>
+          </a:p>
+          <a:p>
+            <a:pPr marL="285750" indent="-285750">
+              <a:buFont typeface="Wingdings" pitchFamily="2" charset="2"/>
+              <a:buChar char="q"/>
+            </a:pPr>
+            <a:r>
+              <a:rPr lang="en-US" sz="2400" dirty="0"/>
+              <a:t>3: Demo : simple CRUD</a:t>
+            </a:r>
+          </a:p>
+          <a:p>
+            <a:pPr marL="285750" indent="-285750">
+              <a:buFont typeface="Wingdings" pitchFamily="2" charset="2"/>
+              <a:buChar char="q"/>
+            </a:pPr>
+            <a:r>
+              <a:rPr lang="en-US" sz="2400" dirty="0"/>
+              <a:t>4: First walkthrough </a:t>
+            </a:r>
+          </a:p>
+        </p:txBody>
+      </p:sp>
+    </p:spTree>
+    <p:extLst>
+      <p:ext uri="{BB962C8B-B14F-4D97-AF65-F5344CB8AC3E}">
+        <p14:creationId xmlns:p14="http://schemas.microsoft.com/office/powerpoint/2010/main" val="2155928676"/>
+      </p:ext>
+    </p:extLst>
+  </p:cSld>
+  <p:clrMapOvr>
+    <a:masterClrMapping/>
+  </p:clrMapOvr>
+</p:sld>
+</file>
+
+<file path=ppt/slides/slide20.xml><?xml version="1.0" encoding="utf-8"?>
+<p:sld xmlns:a="http://schemas.openxmlformats.org/drawingml/2006/main" xmlns:r="http://schemas.openxmlformats.org/officeDocument/2006/relationships" xmlns:p="http://schemas.openxmlformats.org/presentationml/2006/main">
+  <p:cSld>
+    <p:spTree>
+      <p:nvGrpSpPr>
+        <p:cNvPr id="1" name=""/>
+        <p:cNvGrpSpPr/>
+        <p:nvPr/>
+      </p:nvGrpSpPr>
+      <p:grpSpPr>
+        <a:xfrm>
+          <a:off x="0" y="0"/>
+          <a:ext cx="0" cy="0"/>
+          <a:chOff x="0" y="0"/>
+          <a:chExt cx="0" cy="0"/>
+        </a:xfrm>
+      </p:grpSpPr>
+      <p:sp>
+        <p:nvSpPr>
           <p:cNvPr id="4" name="Title 5">
             <a:extLst>
               <a:ext uri="{FF2B5EF4-FFF2-40B4-BE49-F238E27FC236}">
@@ -6846,8 +7598,40 @@
               <a:buChar char="•"/>
             </a:pPr>
             <a:r>
+              <a:rPr lang="en-US" sz="2800" dirty="0">
+                <a:solidFill>
+                  <a:srgbClr val="FF0000"/>
+                </a:solidFill>
+              </a:rPr>
+              <a:t>S</a:t>
+            </a:r>
+            <a:r>
               <a:rPr lang="en-US" sz="2800" dirty="0"/>
-              <a:t>Server Side Sessions was a solution to the statelessness of HTTP, but these, in the long run, were a threat to our </a:t>
+              <a:t>erver </a:t>
+            </a:r>
+            <a:r>
+              <a:rPr lang="en-US" sz="2800" dirty="0">
+                <a:solidFill>
+                  <a:srgbClr val="FF0000"/>
+                </a:solidFill>
+              </a:rPr>
+              <a:t>S</a:t>
+            </a:r>
+            <a:r>
+              <a:rPr lang="en-US" sz="2800" dirty="0"/>
+              <a:t>ide </a:t>
+            </a:r>
+            <a:r>
+              <a:rPr lang="en-US" sz="2800" dirty="0">
+                <a:solidFill>
+                  <a:srgbClr val="FF0000"/>
+                </a:solidFill>
+              </a:rPr>
+              <a:t>S</a:t>
+            </a:r>
+            <a:r>
+              <a:rPr lang="en-US" sz="2800" dirty="0"/>
+              <a:t>essions was a solution to the statelessness of HTTP, but these, in the long run, were a threat to our </a:t>
             </a:r>
             <a:r>
               <a:rPr lang="en-US" sz="2800" dirty="0">
@@ -6972,7 +7756,7 @@
 </p:sld>
 </file>
 
-<file path=ppt/slides/slide19.xml><?xml version="1.0" encoding="utf-8"?>
+<file path=ppt/slides/slide21.xml><?xml version="1.0" encoding="utf-8"?>
 <p:sld xmlns:a="http://schemas.openxmlformats.org/drawingml/2006/main" xmlns:r="http://schemas.openxmlformats.org/officeDocument/2006/relationships" xmlns:p="http://schemas.openxmlformats.org/presentationml/2006/main">
   <p:cSld>
     <p:spTree>
@@ -7019,6 +7803,66 @@
           </a:prstGeom>
         </p:spPr>
       </p:pic>
+      <p:sp>
+        <p:nvSpPr>
+          <p:cNvPr id="2" name="Frame 1">
+            <a:extLst>
+              <a:ext uri="{FF2B5EF4-FFF2-40B4-BE49-F238E27FC236}">
+                <a16:creationId xmlns:a16="http://schemas.microsoft.com/office/drawing/2014/main" id="{A3210FA9-9A1E-9446-9D87-369E4FB74372}"/>
+              </a:ext>
+            </a:extLst>
+          </p:cNvPr>
+          <p:cNvSpPr/>
+          <p:nvPr/>
+        </p:nvSpPr>
+        <p:spPr>
+          <a:xfrm>
+            <a:off x="10698480" y="3855720"/>
+            <a:ext cx="1386840" cy="1203960"/>
+          </a:xfrm>
+          <a:prstGeom prst="frame">
+            <a:avLst>
+              <a:gd name="adj1" fmla="val 2155"/>
+            </a:avLst>
+          </a:prstGeom>
+          <a:solidFill>
+            <a:srgbClr val="FF0000"/>
+          </a:solidFill>
+          <a:ln w="3175">
+            <a:solidFill>
+              <a:srgbClr val="FF0000"/>
+            </a:solidFill>
+          </a:ln>
+        </p:spPr>
+        <p:style>
+          <a:lnRef idx="2">
+            <a:schemeClr val="accent1">
+              <a:shade val="50000"/>
+            </a:schemeClr>
+          </a:lnRef>
+          <a:fillRef idx="1">
+            <a:schemeClr val="accent1"/>
+          </a:fillRef>
+          <a:effectRef idx="0">
+            <a:schemeClr val="accent1"/>
+          </a:effectRef>
+          <a:fontRef idx="minor">
+            <a:schemeClr val="lt1"/>
+          </a:fontRef>
+        </p:style>
+        <p:txBody>
+          <a:bodyPr rtlCol="0" anchor="ctr"/>
+          <a:lstStyle/>
+          <a:p>
+            <a:pPr algn="ctr"/>
+            <a:endParaRPr lang="en-IL" dirty="0">
+              <a:solidFill>
+                <a:schemeClr val="tx1"/>
+              </a:solidFill>
+            </a:endParaRPr>
+          </a:p>
+        </p:txBody>
+      </p:sp>
     </p:spTree>
     <p:extLst>
       <p:ext uri="{BB962C8B-B14F-4D97-AF65-F5344CB8AC3E}">
@@ -7032,7 +7876,7 @@
 </p:sld>
 </file>
 
-<file path=ppt/slides/slide2.xml><?xml version="1.0" encoding="utf-8"?>
+<file path=ppt/slides/slide22.xml><?xml version="1.0" encoding="utf-8"?>
 <p:sld xmlns:a="http://schemas.openxmlformats.org/drawingml/2006/main" xmlns:r="http://schemas.openxmlformats.org/officeDocument/2006/relationships" xmlns:p="http://schemas.openxmlformats.org/presentationml/2006/main">
   <p:cSld>
     <p:spTree>
@@ -7051,227 +7895,76 @@
       </p:grpSpPr>
       <p:sp>
         <p:nvSpPr>
-          <p:cNvPr id="5" name="TextBox 4">
+          <p:cNvPr id="3" name="Rectangle 2">
             <a:extLst>
               <a:ext uri="{FF2B5EF4-FFF2-40B4-BE49-F238E27FC236}">
-                <a16:creationId xmlns:a16="http://schemas.microsoft.com/office/drawing/2014/main" id="{6B8A7D5E-9F04-F24E-8054-E46DF64920C5}"/>
+                <a16:creationId xmlns:a16="http://schemas.microsoft.com/office/drawing/2014/main" id="{9453FB70-2A4E-AB46-9E38-B698137D73CC}"/>
               </a:ext>
             </a:extLst>
           </p:cNvPr>
-          <p:cNvSpPr txBox="1"/>
+          <p:cNvSpPr/>
           <p:nvPr/>
         </p:nvSpPr>
         <p:spPr>
           <a:xfrm>
-            <a:off x="620111" y="720651"/>
-            <a:ext cx="8124497" cy="461665"/>
+            <a:off x="3634300" y="3244334"/>
+            <a:ext cx="4923399" cy="369332"/>
           </a:xfrm>
           <a:prstGeom prst="rect">
             <a:avLst/>
           </a:prstGeom>
-          <a:noFill/>
         </p:spPr>
         <p:txBody>
-          <a:bodyPr wrap="square" rtlCol="0">
+          <a:bodyPr wrap="none">
             <a:spAutoFit/>
           </a:bodyPr>
           <a:lstStyle/>
           <a:p>
-            <a:pPr marL="0" defTabSz="914400" rtl="1" eaLnBrk="1" latinLnBrk="0" hangingPunct="1"/>
-            <a:r>
-              <a:rPr lang="en-US" sz="2400" dirty="0">
-                <a:solidFill>
-                  <a:srgbClr val="C00000"/>
-                </a:solidFill>
+            <a:r>
+              <a:rPr lang="en-IL" dirty="0">
+                <a:hlinkClick r:id="rId3"/>
               </a:rPr>
-              <a:t>What are we going to learn?</a:t>
-            </a:r>
-            <a:endParaRPr lang="en-IL" sz="2400" dirty="0">
-              <a:solidFill>
-                <a:srgbClr val="C00000"/>
-              </a:solidFill>
-            </a:endParaRPr>
-          </a:p>
-        </p:txBody>
-      </p:sp>
-      <p:sp>
-        <p:nvSpPr>
-          <p:cNvPr id="6" name="TextBox 5">
+              <a:t>https://www.youtube.com/watch?v=K6pwjJ5h0Gg</a:t>
+            </a:r>
+            <a:endParaRPr lang="en-IL" dirty="0"/>
+          </a:p>
+        </p:txBody>
+      </p:sp>
+      <p:sp>
+        <p:nvSpPr>
+          <p:cNvPr id="5" name="Title 5">
             <a:extLst>
               <a:ext uri="{FF2B5EF4-FFF2-40B4-BE49-F238E27FC236}">
-                <a16:creationId xmlns:a16="http://schemas.microsoft.com/office/drawing/2014/main" id="{21922D83-93D2-624E-9929-E80190815DCB}"/>
+                <a16:creationId xmlns:a16="http://schemas.microsoft.com/office/drawing/2014/main" id="{DF65805E-6F94-8543-B58E-2E855593FC38}"/>
               </a:ext>
             </a:extLst>
           </p:cNvPr>
-          <p:cNvSpPr txBox="1"/>
-          <p:nvPr/>
+          <p:cNvSpPr>
+            <a:spLocks noGrp="1"/>
+          </p:cNvSpPr>
+          <p:nvPr>
+            <p:ph type="title"/>
+          </p:nvPr>
         </p:nvSpPr>
         <p:spPr>
           <a:xfrm>
-            <a:off x="1166648" y="1890032"/>
-            <a:ext cx="10405241" cy="2308324"/>
+            <a:off x="175260" y="279643"/>
+            <a:ext cx="11841480" cy="1325563"/>
           </a:xfrm>
-          <a:prstGeom prst="rect">
-            <a:avLst/>
-          </a:prstGeom>
-          <a:noFill/>
         </p:spPr>
         <p:txBody>
-          <a:bodyPr wrap="square" rtlCol="0">
-            <a:spAutoFit/>
+          <a:bodyPr>
+            <a:noAutofit/>
           </a:bodyPr>
           <a:lstStyle/>
           <a:p>
-            <a:pPr marL="285750" indent="-285750">
-              <a:buFont typeface="Wingdings" pitchFamily="2" charset="2"/>
-              <a:buChar char="q"/>
-            </a:pPr>
-            <a:r>
-              <a:rPr lang="en-US" sz="2400" dirty="0">
-                <a:solidFill>
-                  <a:srgbClr val="C00000"/>
-                </a:solidFill>
-              </a:rPr>
-              <a:t>1: JSON Web Token (JWT)</a:t>
-            </a:r>
-          </a:p>
-          <a:p>
-            <a:pPr marL="285750" indent="-285750">
-              <a:buFont typeface="Wingdings" pitchFamily="2" charset="2"/>
-              <a:buChar char="q"/>
-            </a:pPr>
-            <a:r>
-              <a:rPr lang="en-US" sz="2400" dirty="0">
-                <a:solidFill>
-                  <a:srgbClr val="C00000"/>
-                </a:solidFill>
-              </a:rPr>
-              <a:t>2: Fundamentals </a:t>
-            </a:r>
-          </a:p>
-          <a:p>
-            <a:pPr marL="742950" lvl="1" indent="-285750">
-              <a:buFont typeface="Wingdings" pitchFamily="2" charset="2"/>
-              <a:buChar char="q"/>
-            </a:pPr>
-            <a:r>
-              <a:rPr lang="en-US" sz="2400" dirty="0">
-                <a:solidFill>
-                  <a:srgbClr val="C00000"/>
-                </a:solidFill>
-              </a:rPr>
-              <a:t> General architecture (modules ,C</a:t>
-            </a:r>
-            <a:r>
-              <a:rPr lang="en-IL" sz="2400" dirty="0">
-                <a:solidFill>
-                  <a:srgbClr val="C00000"/>
-                </a:solidFill>
-              </a:rPr>
-              <a:t>ontrollers </a:t>
-            </a:r>
-            <a:r>
-              <a:rPr lang="en-US" sz="2400" dirty="0">
-                <a:solidFill>
-                  <a:srgbClr val="C00000"/>
-                </a:solidFill>
-              </a:rPr>
-              <a:t>P</a:t>
-            </a:r>
-            <a:r>
-              <a:rPr lang="en-IL" sz="2400" dirty="0">
-                <a:solidFill>
-                  <a:srgbClr val="C00000"/>
-                </a:solidFill>
-              </a:rPr>
-              <a:t>roviders </a:t>
-            </a:r>
-            <a:r>
-              <a:rPr lang="en-US" sz="2400" dirty="0">
-                <a:solidFill>
-                  <a:srgbClr val="C00000"/>
-                </a:solidFill>
-              </a:rPr>
-              <a:t>)</a:t>
-            </a:r>
-            <a:endParaRPr lang="en-IL" sz="2400" dirty="0">
-              <a:solidFill>
-                <a:srgbClr val="C00000"/>
-              </a:solidFill>
-            </a:endParaRPr>
-          </a:p>
-          <a:p>
-            <a:pPr marL="742950" lvl="1" indent="-285750">
-              <a:buFont typeface="Wingdings" pitchFamily="2" charset="2"/>
-              <a:buChar char="q"/>
-            </a:pPr>
-            <a:r>
-              <a:rPr lang="en-US" sz="2400" dirty="0">
-                <a:solidFill>
-                  <a:srgbClr val="C00000"/>
-                </a:solidFill>
-              </a:rPr>
-              <a:t> Main features (D</a:t>
-            </a:r>
-            <a:r>
-              <a:rPr lang="en-IL" sz="2400" dirty="0">
-                <a:solidFill>
-                  <a:srgbClr val="C00000"/>
-                </a:solidFill>
-              </a:rPr>
-              <a:t>ecorators ,</a:t>
-            </a:r>
-            <a:r>
-              <a:rPr lang="en-US" sz="2400" dirty="0">
-                <a:solidFill>
-                  <a:srgbClr val="C00000"/>
-                </a:solidFill>
-              </a:rPr>
-              <a:t>P</a:t>
-            </a:r>
-            <a:r>
-              <a:rPr lang="en-IL" sz="2400" dirty="0">
-                <a:solidFill>
-                  <a:srgbClr val="C00000"/>
-                </a:solidFill>
-              </a:rPr>
-              <a:t>ipes, </a:t>
-            </a:r>
-            <a:r>
-              <a:rPr lang="en-US" sz="2400" dirty="0">
-                <a:solidFill>
-                  <a:srgbClr val="C00000"/>
-                </a:solidFill>
-              </a:rPr>
-              <a:t>Exception, middleware)</a:t>
-            </a:r>
-          </a:p>
-          <a:p>
-            <a:pPr marL="285750" indent="-285750">
-              <a:buFont typeface="Wingdings" pitchFamily="2" charset="2"/>
-              <a:buChar char="q"/>
-            </a:pPr>
-            <a:r>
-              <a:rPr lang="en-US" sz="2400" dirty="0">
-                <a:solidFill>
-                  <a:srgbClr val="C00000"/>
-                </a:solidFill>
-              </a:rPr>
-              <a:t>3: Demo : simple CRUD</a:t>
-            </a:r>
-          </a:p>
-          <a:p>
-            <a:pPr marL="285750" indent="-285750">
-              <a:buFont typeface="Wingdings" pitchFamily="2" charset="2"/>
-              <a:buChar char="q"/>
-            </a:pPr>
-            <a:r>
-              <a:rPr lang="en-US" sz="2400" dirty="0">
-                <a:solidFill>
-                  <a:srgbClr val="C00000"/>
-                </a:solidFill>
-              </a:rPr>
-              <a:t>4: First walkthrough </a:t>
+            <a:r>
+              <a:rPr lang="en-US" sz="4800" dirty="0"/>
+              <a:t>O</a:t>
+            </a:r>
+            <a:r>
+              <a:rPr lang="en-IL" sz="4800" dirty="0"/>
+              <a:t>ne more time…and let’s start coding…</a:t>
             </a:r>
           </a:p>
         </p:txBody>
@@ -7279,7 +7972,7 @@
     </p:spTree>
     <p:extLst>
       <p:ext uri="{BB962C8B-B14F-4D97-AF65-F5344CB8AC3E}">
-        <p14:creationId xmlns:p14="http://schemas.microsoft.com/office/powerpoint/2010/main" val="2155928676"/>
+        <p14:creationId xmlns:p14="http://schemas.microsoft.com/office/powerpoint/2010/main" val="2658112365"/>
       </p:ext>
     </p:extLst>
   </p:cSld>
@@ -7289,7 +7982,7 @@
 </p:sld>
 </file>
 
-<file path=ppt/slides/slide20.xml><?xml version="1.0" encoding="utf-8"?>
+<file path=ppt/slides/slide23.xml><?xml version="1.0" encoding="utf-8"?>
 <p:sld xmlns:a="http://schemas.openxmlformats.org/drawingml/2006/main" xmlns:r="http://schemas.openxmlformats.org/officeDocument/2006/relationships" xmlns:p="http://schemas.openxmlformats.org/presentationml/2006/main">
   <p:cSld>
     <p:spTree>
@@ -8017,13 +8710,13 @@
         </p:nvSpPr>
         <p:spPr>
           <a:xfrm>
-            <a:off x="5080934" y="314048"/>
-            <a:ext cx="6586491" cy="772808"/>
+            <a:off x="4635592" y="314048"/>
+            <a:ext cx="7556388" cy="772808"/>
           </a:xfrm>
         </p:spPr>
         <p:txBody>
           <a:bodyPr vert="horz" lIns="91440" tIns="45720" rIns="91440" bIns="45720" rtlCol="0" anchor="b">
-            <a:normAutofit/>
+            <a:normAutofit fontScale="90000"/>
           </a:bodyPr>
           <a:lstStyle/>
           <a:p>
@@ -8033,8 +8726,21 @@
                   <a:srgbClr val="FF0000"/>
                 </a:solidFill>
               </a:rPr>
-              <a:t>Why do we need JWT?</a:t>
-            </a:r>
+              <a:t>Authentications vs </a:t>
+            </a:r>
+            <a:r>
+              <a:rPr lang="en-US" sz="4800" dirty="0" err="1">
+                <a:solidFill>
+                  <a:srgbClr val="FF0000"/>
+                </a:solidFill>
+              </a:rPr>
+              <a:t>Authorisation</a:t>
+            </a:r>
+            <a:endParaRPr lang="en-US" sz="4800" dirty="0">
+              <a:solidFill>
+                <a:srgbClr val="FF0000"/>
+              </a:solidFill>
+            </a:endParaRPr>
           </a:p>
         </p:txBody>
       </p:sp>
@@ -8075,7 +8781,7 @@
             </a:pPr>
             <a:r>
               <a:rPr lang="en-US" sz="2400" dirty="0"/>
-              <a:t>Once upon a time</a:t>
+              <a:t>To complete</a:t>
             </a:r>
           </a:p>
           <a:p>
@@ -8091,17 +8797,7 @@
             </a:pPr>
             <a:r>
               <a:rPr lang="en-US" sz="2400" dirty="0"/>
-              <a:t>Suppose you have a </a:t>
-            </a:r>
-            <a:r>
-              <a:rPr lang="en-US" sz="2400" u="sng" dirty="0">
-                <a:hlinkClick r:id="rId3"/>
-              </a:rPr>
-              <a:t>REST API</a:t>
-            </a:r>
-            <a:r>
-              <a:rPr lang="en-US" sz="2400" dirty="0"/>
-              <a:t> (e.g. GET /orders) and you want to restrict access to authorized users only.</a:t>
+              <a:t>Lorem ipsum</a:t>
             </a:r>
           </a:p>
           <a:p>
@@ -8128,18 +8824,7 @@
               <a:buFont typeface="Arial" panose="020B0604020202020204" pitchFamily="34" charset="0"/>
               <a:buChar char="•"/>
             </a:pPr>
-            <a:r>
-              <a:rPr lang="en-US" sz="2400" dirty="0"/>
-              <a:t>In the most naïve approach, the API would ask for a username and password; then it will be searched in a database for whether those credentials really exist. We check for </a:t>
-            </a:r>
-            <a:r>
-              <a:rPr lang="en-US" sz="2400" i="1" dirty="0"/>
-              <a:t>authenticity</a:t>
-            </a:r>
-            <a:r>
-              <a:rPr lang="en-US" sz="2400" dirty="0"/>
-              <a:t>. </a:t>
-            </a:r>
+            <a:endParaRPr lang="en-US" sz="2400" dirty="0"/>
           </a:p>
           <a:p>
             <a:pPr marL="457200" indent="-228600" defTabSz="914400">
@@ -8153,38 +8838,6 @@
               <a:buChar char="•"/>
             </a:pPr>
             <a:endParaRPr lang="en-US" sz="2400" dirty="0"/>
-          </a:p>
-          <a:p>
-            <a:pPr marL="457200" indent="-228600" defTabSz="914400">
-              <a:lnSpc>
-                <a:spcPct val="90000"/>
-              </a:lnSpc>
-              <a:spcAft>
-                <a:spcPts val="600"/>
-              </a:spcAft>
-              <a:buFont typeface="Arial" panose="020B0604020202020204" pitchFamily="34" charset="0"/>
-              <a:buChar char="•"/>
-            </a:pPr>
-            <a:r>
-              <a:rPr lang="en-US" sz="2400" dirty="0"/>
-              <a:t>Finally, it will be checked if the </a:t>
-            </a:r>
-            <a:r>
-              <a:rPr lang="en-US" sz="2400" i="1" dirty="0"/>
-              <a:t>authenticated</a:t>
-            </a:r>
-            <a:r>
-              <a:rPr lang="en-US" sz="2400" dirty="0"/>
-              <a:t> user is also </a:t>
-            </a:r>
-            <a:r>
-              <a:rPr lang="en-US" sz="2400" i="1" dirty="0"/>
-              <a:t>authorized</a:t>
-            </a:r>
-            <a:r>
-              <a:rPr lang="en-US" sz="2400" dirty="0"/>
-              <a:t> to perform that request. If both checks pass, the real API will be executed. It seems logical.</a:t>
-            </a:r>
           </a:p>
         </p:txBody>
       </p:sp>
@@ -8203,7 +8856,7 @@
           <p:nvPr/>
         </p:nvPicPr>
         <p:blipFill rotWithShape="1">
-          <a:blip r:embed="rId4"/>
+          <a:blip r:embed="rId3"/>
           <a:srcRect l="31791" r="30187"/>
           <a:stretch/>
         </p:blipFill>
@@ -8302,6 +8955,259 @@
       </p:grpSpPr>
       <p:sp>
         <p:nvSpPr>
+          <p:cNvPr id="2" name="Title 1">
+            <a:extLst>
+              <a:ext uri="{FF2B5EF4-FFF2-40B4-BE49-F238E27FC236}">
+                <a16:creationId xmlns:a16="http://schemas.microsoft.com/office/drawing/2014/main" id="{9CA31118-4697-7A43-B220-8A6BD1B74171}"/>
+              </a:ext>
+            </a:extLst>
+          </p:cNvPr>
+          <p:cNvSpPr>
+            <a:spLocks noGrp="1"/>
+          </p:cNvSpPr>
+          <p:nvPr>
+            <p:ph type="title"/>
+          </p:nvPr>
+        </p:nvSpPr>
+        <p:spPr>
+          <a:xfrm>
+            <a:off x="5080934" y="314048"/>
+            <a:ext cx="6586491" cy="772808"/>
+          </a:xfrm>
+        </p:spPr>
+        <p:txBody>
+          <a:bodyPr vert="horz" lIns="91440" tIns="45720" rIns="91440" bIns="45720" rtlCol="0" anchor="b">
+            <a:normAutofit/>
+          </a:bodyPr>
+          <a:lstStyle/>
+          <a:p>
+            <a:r>
+              <a:rPr lang="en-US" sz="4800" dirty="0"/>
+              <a:t>Why do we need </a:t>
+            </a:r>
+            <a:r>
+              <a:rPr lang="en-US" sz="4800" dirty="0">
+                <a:solidFill>
+                  <a:srgbClr val="FF0000"/>
+                </a:solidFill>
+              </a:rPr>
+              <a:t>JWT?</a:t>
+            </a:r>
+          </a:p>
+        </p:txBody>
+      </p:sp>
+      <p:sp>
+        <p:nvSpPr>
+          <p:cNvPr id="3" name="Rectangle 2">
+            <a:extLst>
+              <a:ext uri="{FF2B5EF4-FFF2-40B4-BE49-F238E27FC236}">
+                <a16:creationId xmlns:a16="http://schemas.microsoft.com/office/drawing/2014/main" id="{978E74D6-EAF4-A342-BA75-DD91D1764395}"/>
+              </a:ext>
+            </a:extLst>
+          </p:cNvPr>
+          <p:cNvSpPr/>
+          <p:nvPr/>
+        </p:nvSpPr>
+        <p:spPr>
+          <a:xfrm>
+            <a:off x="4952041" y="1687212"/>
+            <a:ext cx="6952248" cy="5170788"/>
+          </a:xfrm>
+          <a:prstGeom prst="rect">
+            <a:avLst/>
+          </a:prstGeom>
+        </p:spPr>
+        <p:txBody>
+          <a:bodyPr vert="horz" lIns="91440" tIns="45720" rIns="91440" bIns="45720" rtlCol="0">
+            <a:noAutofit/>
+          </a:bodyPr>
+          <a:lstStyle/>
+          <a:p>
+            <a:pPr defTabSz="914400">
+              <a:lnSpc>
+                <a:spcPct val="90000"/>
+              </a:lnSpc>
+              <a:spcAft>
+                <a:spcPts val="600"/>
+              </a:spcAft>
+            </a:pPr>
+            <a:r>
+              <a:rPr lang="en-US" sz="2400" dirty="0"/>
+              <a:t>Once upon a time</a:t>
+            </a:r>
+          </a:p>
+          <a:p>
+            <a:pPr marL="457200" indent="-228600" defTabSz="914400">
+              <a:lnSpc>
+                <a:spcPct val="90000"/>
+              </a:lnSpc>
+              <a:spcAft>
+                <a:spcPts val="600"/>
+              </a:spcAft>
+              <a:buFont typeface="Arial" panose="020B0604020202020204" pitchFamily="34" charset="0"/>
+              <a:buChar char="•"/>
+            </a:pPr>
+            <a:r>
+              <a:rPr lang="en-US" sz="2400" dirty="0"/>
+              <a:t>Suppose you have a </a:t>
+            </a:r>
+            <a:r>
+              <a:rPr lang="en-US" sz="2400" u="sng" dirty="0">
+                <a:hlinkClick r:id="rId3"/>
+              </a:rPr>
+              <a:t>REST API</a:t>
+            </a:r>
+            <a:r>
+              <a:rPr lang="en-US" sz="2400" dirty="0"/>
+              <a:t> (e.g. GET /orders) and you want to restrict access to authorized users only.</a:t>
+            </a:r>
+          </a:p>
+          <a:p>
+            <a:pPr marL="457200" indent="-228600" defTabSz="914400">
+              <a:lnSpc>
+                <a:spcPct val="90000"/>
+              </a:lnSpc>
+              <a:spcAft>
+                <a:spcPts val="600"/>
+              </a:spcAft>
+              <a:buFont typeface="Arial" panose="020B0604020202020204" pitchFamily="34" charset="0"/>
+              <a:buChar char="•"/>
+            </a:pPr>
+            <a:endParaRPr lang="en-US" sz="2400" dirty="0"/>
+          </a:p>
+          <a:p>
+            <a:pPr marL="457200" indent="-228600" defTabSz="914400">
+              <a:lnSpc>
+                <a:spcPct val="90000"/>
+              </a:lnSpc>
+              <a:spcAft>
+                <a:spcPts val="600"/>
+              </a:spcAft>
+              <a:buFont typeface="Arial" panose="020B0604020202020204" pitchFamily="34" charset="0"/>
+              <a:buChar char="•"/>
+            </a:pPr>
+            <a:r>
+              <a:rPr lang="en-US" sz="2400" dirty="0"/>
+              <a:t>In the most naïve approach, the API would ask for a username and password; then it will be searched in a database for whether those credentials really exist. We check for </a:t>
+            </a:r>
+            <a:r>
+              <a:rPr lang="en-US" sz="2400" i="1" dirty="0"/>
+              <a:t>authenticity</a:t>
+            </a:r>
+            <a:r>
+              <a:rPr lang="en-US" sz="2400" dirty="0"/>
+              <a:t>. </a:t>
+            </a:r>
+          </a:p>
+          <a:p>
+            <a:pPr marL="457200" indent="-228600" defTabSz="914400">
+              <a:lnSpc>
+                <a:spcPct val="90000"/>
+              </a:lnSpc>
+              <a:spcAft>
+                <a:spcPts val="600"/>
+              </a:spcAft>
+              <a:buFont typeface="Arial" panose="020B0604020202020204" pitchFamily="34" charset="0"/>
+              <a:buChar char="•"/>
+            </a:pPr>
+            <a:endParaRPr lang="en-US" sz="2400" dirty="0"/>
+          </a:p>
+          <a:p>
+            <a:pPr marL="457200" indent="-228600" defTabSz="914400">
+              <a:lnSpc>
+                <a:spcPct val="90000"/>
+              </a:lnSpc>
+              <a:spcAft>
+                <a:spcPts val="600"/>
+              </a:spcAft>
+              <a:buFont typeface="Arial" panose="020B0604020202020204" pitchFamily="34" charset="0"/>
+              <a:buChar char="•"/>
+            </a:pPr>
+            <a:r>
+              <a:rPr lang="en-US" sz="2400" dirty="0"/>
+              <a:t>Finally, it will be checked if the </a:t>
+            </a:r>
+            <a:r>
+              <a:rPr lang="en-US" sz="2400" i="1" dirty="0"/>
+              <a:t>authenticated</a:t>
+            </a:r>
+            <a:r>
+              <a:rPr lang="en-US" sz="2400" dirty="0"/>
+              <a:t> user is also </a:t>
+            </a:r>
+            <a:r>
+              <a:rPr lang="en-US" sz="2400" i="1" dirty="0"/>
+              <a:t>authorized</a:t>
+            </a:r>
+            <a:r>
+              <a:rPr lang="en-US" sz="2400" dirty="0"/>
+              <a:t> to perform that request. If both checks pass, the real API will be executed. It seems logical.</a:t>
+            </a:r>
+          </a:p>
+        </p:txBody>
+      </p:sp>
+      <p:pic>
+        <p:nvPicPr>
+          <p:cNvPr id="5" name="Picture 4" descr="White puzzle with one red piece">
+            <a:extLst>
+              <a:ext uri="{FF2B5EF4-FFF2-40B4-BE49-F238E27FC236}">
+                <a16:creationId xmlns:a16="http://schemas.microsoft.com/office/drawing/2014/main" id="{BC907DB6-6281-4F68-8255-1254E71F9354}"/>
+              </a:ext>
+            </a:extLst>
+          </p:cNvPr>
+          <p:cNvPicPr>
+            <a:picLocks noChangeAspect="1"/>
+          </p:cNvPicPr>
+          <p:nvPr/>
+        </p:nvPicPr>
+        <p:blipFill rotWithShape="1">
+          <a:blip r:embed="rId4"/>
+          <a:srcRect l="31791" r="30187"/>
+          <a:stretch/>
+        </p:blipFill>
+        <p:spPr>
+          <a:xfrm>
+            <a:off x="20" y="10"/>
+            <a:ext cx="4635571" cy="6857990"/>
+          </a:xfrm>
+          <a:prstGeom prst="rect">
+            <a:avLst/>
+          </a:prstGeom>
+          <a:effectLst/>
+        </p:spPr>
+      </p:pic>
+    </p:spTree>
+    <p:extLst>
+      <p:ext uri="{BB962C8B-B14F-4D97-AF65-F5344CB8AC3E}">
+        <p14:creationId xmlns:p14="http://schemas.microsoft.com/office/powerpoint/2010/main" val="3619408321"/>
+      </p:ext>
+    </p:extLst>
+  </p:cSld>
+  <p:clrMapOvr>
+    <a:masterClrMapping/>
+  </p:clrMapOvr>
+</p:sld>
+</file>
+
+<file path=ppt/slides/slide6.xml><?xml version="1.0" encoding="utf-8"?>
+<p:sld xmlns:a="http://schemas.openxmlformats.org/drawingml/2006/main" xmlns:r="http://schemas.openxmlformats.org/officeDocument/2006/relationships" xmlns:p="http://schemas.openxmlformats.org/presentationml/2006/main">
+  <p:cSld>
+    <p:spTree>
+      <p:nvGrpSpPr>
+        <p:cNvPr id="1" name=""/>
+        <p:cNvGrpSpPr/>
+        <p:nvPr/>
+      </p:nvGrpSpPr>
+      <p:grpSpPr>
+        <a:xfrm>
+          <a:off x="0" y="0"/>
+          <a:ext cx="0" cy="0"/>
+          <a:chOff x="0" y="0"/>
+          <a:chExt cx="0" cy="0"/>
+        </a:xfrm>
+      </p:grpSpPr>
+      <p:sp>
+        <p:nvSpPr>
           <p:cNvPr id="4" name="Title 5">
             <a:extLst>
               <a:ext uri="{FF2B5EF4-FFF2-40B4-BE49-F238E27FC236}">
@@ -8329,11 +9235,7 @@
           <a:lstStyle/>
           <a:p>
             <a:r>
-              <a:rPr lang="en-IL" sz="4800" dirty="0">
-                <a:solidFill>
-                  <a:srgbClr val="FF0000"/>
-                </a:solidFill>
-              </a:rPr>
+              <a:rPr lang="en-IL" sz="4800" dirty="0"/>
               <a:t>A problem of state…</a:t>
             </a:r>
           </a:p>
@@ -8442,7 +9344,7 @@
 </p:sld>
 </file>
 
-<file path=ppt/slides/slide6.xml><?xml version="1.0" encoding="utf-8"?>
+<file path=ppt/slides/slide7.xml><?xml version="1.0" encoding="utf-8"?>
 <p:sld xmlns:a="http://schemas.openxmlformats.org/drawingml/2006/main" xmlns:r="http://schemas.openxmlformats.org/officeDocument/2006/relationships" xmlns:p="http://schemas.openxmlformats.org/presentationml/2006/main">
   <p:cSld>
     <p:bg>
@@ -8604,7 +9506,7 @@
 </p:sld>
 </file>
 
-<file path=ppt/slides/slide7.xml><?xml version="1.0" encoding="utf-8"?>
+<file path=ppt/slides/slide8.xml><?xml version="1.0" encoding="utf-8"?>
 <p:sld xmlns:a="http://schemas.openxmlformats.org/drawingml/2006/main" xmlns:r="http://schemas.openxmlformats.org/officeDocument/2006/relationships" xmlns:p="http://schemas.openxmlformats.org/presentationml/2006/main">
   <p:cSld>
     <p:spTree>
@@ -8639,7 +9541,7 @@
         </p:nvSpPr>
         <p:spPr>
           <a:xfrm>
-            <a:off x="838200" y="159625"/>
+            <a:off x="655321" y="210727"/>
             <a:ext cx="10515600" cy="1325563"/>
           </a:xfrm>
         </p:spPr>
@@ -8649,7 +9551,18 @@
           </a:bodyPr>
           <a:lstStyle/>
           <a:p>
-            <a:endParaRPr lang="en-IL" sz="4800" dirty="0"/>
+            <a:r>
+              <a:rPr lang="en-IL" sz="4800" dirty="0"/>
+              <a:t>A </a:t>
+            </a:r>
+            <a:r>
+              <a:rPr lang="en-US" sz="4800" dirty="0"/>
+              <a:t>solution</a:t>
+            </a:r>
+            <a:r>
+              <a:rPr lang="en-IL" sz="4800" dirty="0"/>
+              <a:t>…</a:t>
+            </a:r>
           </a:p>
         </p:txBody>
       </p:sp>
@@ -8776,7 +9689,7 @@
             </a:r>
             <a:r>
               <a:rPr lang="en-US" sz="2800" dirty="0"/>
-              <a:t>to be recognized (fig.2</a:t>
+              <a:t>to be recognized (fig.2)</a:t>
             </a:r>
           </a:p>
         </p:txBody>
@@ -8794,7 +9707,7 @@
 </p:sld>
 </file>
 
-<file path=ppt/slides/slide8.xml><?xml version="1.0" encoding="utf-8"?>
+<file path=ppt/slides/slide9.xml><?xml version="1.0" encoding="utf-8"?>
 <p:sld xmlns:a="http://schemas.openxmlformats.org/drawingml/2006/main" xmlns:r="http://schemas.openxmlformats.org/officeDocument/2006/relationships" xmlns:p="http://schemas.openxmlformats.org/presentationml/2006/main">
   <p:cSld>
     <p:spTree>
@@ -8862,169 +9775,6 @@
     <p:extLst>
       <p:ext uri="{BB962C8B-B14F-4D97-AF65-F5344CB8AC3E}">
         <p14:creationId xmlns:p14="http://schemas.microsoft.com/office/powerpoint/2010/main" val="4148602125"/>
-      </p:ext>
-    </p:extLst>
-  </p:cSld>
-  <p:clrMapOvr>
-    <a:masterClrMapping/>
-  </p:clrMapOvr>
-</p:sld>
-</file>
-
-<file path=ppt/slides/slide9.xml><?xml version="1.0" encoding="utf-8"?>
-<p:sld xmlns:a="http://schemas.openxmlformats.org/drawingml/2006/main" xmlns:r="http://schemas.openxmlformats.org/officeDocument/2006/relationships" xmlns:p="http://schemas.openxmlformats.org/presentationml/2006/main">
-  <p:cSld>
-    <p:spTree>
-      <p:nvGrpSpPr>
-        <p:cNvPr id="1" name=""/>
-        <p:cNvGrpSpPr/>
-        <p:nvPr/>
-      </p:nvGrpSpPr>
-      <p:grpSpPr>
-        <a:xfrm>
-          <a:off x="0" y="0"/>
-          <a:ext cx="0" cy="0"/>
-          <a:chOff x="0" y="0"/>
-          <a:chExt cx="0" cy="0"/>
-        </a:xfrm>
-      </p:grpSpPr>
-      <p:sp>
-        <p:nvSpPr>
-          <p:cNvPr id="4" name="Title 5">
-            <a:extLst>
-              <a:ext uri="{FF2B5EF4-FFF2-40B4-BE49-F238E27FC236}">
-                <a16:creationId xmlns:a16="http://schemas.microsoft.com/office/drawing/2014/main" id="{A84E2FEF-74EA-9C4A-B7F8-D5AF9CC85439}"/>
-              </a:ext>
-            </a:extLst>
-          </p:cNvPr>
-          <p:cNvSpPr>
-            <a:spLocks noGrp="1"/>
-          </p:cNvSpPr>
-          <p:nvPr>
-            <p:ph type="title"/>
-          </p:nvPr>
-        </p:nvSpPr>
-        <p:spPr>
-          <a:xfrm>
-            <a:off x="607719" y="0"/>
-            <a:ext cx="10515600" cy="1325563"/>
-          </a:xfrm>
-        </p:spPr>
-        <p:txBody>
-          <a:bodyPr>
-            <a:normAutofit fontScale="90000"/>
-          </a:bodyPr>
-          <a:lstStyle/>
-          <a:p>
-            <a:r>
-              <a:rPr lang="en-US" dirty="0"/>
-              <a:t>A problem of scale</a:t>
-            </a:r>
-            <a:br>
-              <a:rPr lang="en-US" dirty="0"/>
-            </a:br>
-            <a:endParaRPr lang="en-IL" sz="4800" dirty="0"/>
-          </a:p>
-        </p:txBody>
-      </p:sp>
-      <p:pic>
-        <p:nvPicPr>
-          <p:cNvPr id="5122" name="Picture 2">
-            <a:extLst>
-              <a:ext uri="{FF2B5EF4-FFF2-40B4-BE49-F238E27FC236}">
-                <a16:creationId xmlns:a16="http://schemas.microsoft.com/office/drawing/2014/main" id="{EBF8D879-9D74-E045-A332-4F4CB659DF06}"/>
-              </a:ext>
-            </a:extLst>
-          </p:cNvPr>
-          <p:cNvPicPr>
-            <a:picLocks noChangeAspect="1" noChangeArrowheads="1"/>
-          </p:cNvPicPr>
-          <p:nvPr/>
-        </p:nvPicPr>
-        <p:blipFill>
-          <a:blip r:embed="rId3">
-            <a:extLst>
-              <a:ext uri="{28A0092B-C50C-407E-A947-70E740481C1C}">
-                <a14:useLocalDpi xmlns:a14="http://schemas.microsoft.com/office/drawing/2010/main" val="0"/>
-              </a:ext>
-            </a:extLst>
-          </a:blip>
-          <a:srcRect/>
-          <a:stretch>
-            <a:fillRect/>
-          </a:stretch>
-        </p:blipFill>
-        <p:spPr bwMode="auto">
-          <a:xfrm>
-            <a:off x="0" y="662781"/>
-            <a:ext cx="12192000" cy="2589213"/>
-          </a:xfrm>
-          <a:prstGeom prst="rect">
-            <a:avLst/>
-          </a:prstGeom>
-          <a:noFill/>
-          <a:extLst>
-            <a:ext uri="{909E8E84-426E-40DD-AFC4-6F175D3DCCD1}">
-              <a14:hiddenFill xmlns:a14="http://schemas.microsoft.com/office/drawing/2010/main">
-                <a:solidFill>
-                  <a:srgbClr val="FFFFFF"/>
-                </a:solidFill>
-              </a14:hiddenFill>
-            </a:ext>
-          </a:extLst>
-        </p:spPr>
-      </p:pic>
-      <p:pic>
-        <p:nvPicPr>
-          <p:cNvPr id="5124" name="Picture 4">
-            <a:extLst>
-              <a:ext uri="{FF2B5EF4-FFF2-40B4-BE49-F238E27FC236}">
-                <a16:creationId xmlns:a16="http://schemas.microsoft.com/office/drawing/2014/main" id="{D463B94A-9452-284A-B330-9D913E1D1800}"/>
-              </a:ext>
-            </a:extLst>
-          </p:cNvPr>
-          <p:cNvPicPr>
-            <a:picLocks noChangeAspect="1" noChangeArrowheads="1"/>
-          </p:cNvPicPr>
-          <p:nvPr/>
-        </p:nvPicPr>
-        <p:blipFill>
-          <a:blip r:embed="rId4">
-            <a:extLst>
-              <a:ext uri="{28A0092B-C50C-407E-A947-70E740481C1C}">
-                <a14:useLocalDpi xmlns:a14="http://schemas.microsoft.com/office/drawing/2010/main" val="0"/>
-              </a:ext>
-            </a:extLst>
-          </a:blip>
-          <a:srcRect/>
-          <a:stretch>
-            <a:fillRect/>
-          </a:stretch>
-        </p:blipFill>
-        <p:spPr bwMode="auto">
-          <a:xfrm>
-            <a:off x="0" y="3429000"/>
-            <a:ext cx="12192000" cy="3878263"/>
-          </a:xfrm>
-          <a:prstGeom prst="rect">
-            <a:avLst/>
-          </a:prstGeom>
-          <a:noFill/>
-          <a:extLst>
-            <a:ext uri="{909E8E84-426E-40DD-AFC4-6F175D3DCCD1}">
-              <a14:hiddenFill xmlns:a14="http://schemas.microsoft.com/office/drawing/2010/main">
-                <a:solidFill>
-                  <a:srgbClr val="FFFFFF"/>
-                </a:solidFill>
-              </a14:hiddenFill>
-            </a:ext>
-          </a:extLst>
-        </p:spPr>
-      </p:pic>
-    </p:spTree>
-    <p:extLst>
-      <p:ext uri="{BB962C8B-B14F-4D97-AF65-F5344CB8AC3E}">
-        <p14:creationId xmlns:p14="http://schemas.microsoft.com/office/powerpoint/2010/main" val="3671751000"/>
       </p:ext>
     </p:extLst>
   </p:cSld>

--- a/presentations/lecture_jwt.pptx
+++ b/presentations/lecture_jwt.pptx
@@ -5,32 +5,36 @@
     <p:sldMasterId id="2147483684" r:id="rId1"/>
   </p:sldMasterIdLst>
   <p:notesMasterIdLst>
-    <p:notesMasterId r:id="rId25"/>
+    <p:notesMasterId r:id="rId29"/>
   </p:notesMasterIdLst>
   <p:sldIdLst>
     <p:sldId id="256" r:id="rId2"/>
     <p:sldId id="267" r:id="rId3"/>
     <p:sldId id="257" r:id="rId4"/>
-    <p:sldId id="309" r:id="rId5"/>
-    <p:sldId id="338" r:id="rId6"/>
-    <p:sldId id="268" r:id="rId7"/>
-    <p:sldId id="323" r:id="rId8"/>
-    <p:sldId id="324" r:id="rId9"/>
-    <p:sldId id="325" r:id="rId10"/>
-    <p:sldId id="327" r:id="rId11"/>
-    <p:sldId id="326" r:id="rId12"/>
-    <p:sldId id="329" r:id="rId13"/>
-    <p:sldId id="339" r:id="rId14"/>
-    <p:sldId id="330" r:id="rId15"/>
-    <p:sldId id="331" r:id="rId16"/>
-    <p:sldId id="332" r:id="rId17"/>
-    <p:sldId id="333" r:id="rId18"/>
-    <p:sldId id="334" r:id="rId19"/>
-    <p:sldId id="335" r:id="rId20"/>
-    <p:sldId id="336" r:id="rId21"/>
-    <p:sldId id="337" r:id="rId22"/>
-    <p:sldId id="340" r:id="rId23"/>
-    <p:sldId id="260" r:id="rId24"/>
+    <p:sldId id="268" r:id="rId5"/>
+    <p:sldId id="343" r:id="rId6"/>
+    <p:sldId id="344" r:id="rId7"/>
+    <p:sldId id="341" r:id="rId8"/>
+    <p:sldId id="309" r:id="rId9"/>
+    <p:sldId id="338" r:id="rId10"/>
+    <p:sldId id="342" r:id="rId11"/>
+    <p:sldId id="323" r:id="rId12"/>
+    <p:sldId id="324" r:id="rId13"/>
+    <p:sldId id="325" r:id="rId14"/>
+    <p:sldId id="327" r:id="rId15"/>
+    <p:sldId id="326" r:id="rId16"/>
+    <p:sldId id="329" r:id="rId17"/>
+    <p:sldId id="339" r:id="rId18"/>
+    <p:sldId id="330" r:id="rId19"/>
+    <p:sldId id="331" r:id="rId20"/>
+    <p:sldId id="332" r:id="rId21"/>
+    <p:sldId id="333" r:id="rId22"/>
+    <p:sldId id="334" r:id="rId23"/>
+    <p:sldId id="335" r:id="rId24"/>
+    <p:sldId id="336" r:id="rId25"/>
+    <p:sldId id="337" r:id="rId26"/>
+    <p:sldId id="340" r:id="rId27"/>
+    <p:sldId id="260" r:id="rId28"/>
   </p:sldIdLst>
   <p:sldSz cx="12192000" cy="6858000"/>
   <p:notesSz cx="6858000" cy="9144000"/>
@@ -137,6 +141,2452 @@
 </p:presentation>
 </file>
 
+<file path=ppt/diagrams/colors1.xml><?xml version="1.0" encoding="utf-8"?>
+<dgm:colorsDef xmlns:dgm="http://schemas.openxmlformats.org/drawingml/2006/diagram" xmlns:a="http://schemas.openxmlformats.org/drawingml/2006/main" uniqueId="urn:microsoft.com/office/officeart/2005/8/colors/colorful2">
+  <dgm:title val=""/>
+  <dgm:desc val=""/>
+  <dgm:catLst>
+    <dgm:cat type="colorful" pri="10200"/>
+  </dgm:catLst>
+  <dgm:styleLbl name="node0">
+    <dgm:fillClrLst meth="repeat">
+      <a:schemeClr val="accent1"/>
+    </dgm:fillClrLst>
+    <dgm:linClrLst meth="repeat">
+      <a:schemeClr val="lt1"/>
+    </dgm:linClrLst>
+    <dgm:effectClrLst/>
+    <dgm:txLinClrLst/>
+    <dgm:txFillClrLst/>
+    <dgm:txEffectClrLst/>
+  </dgm:styleLbl>
+  <dgm:styleLbl name="node1">
+    <dgm:fillClrLst>
+      <a:schemeClr val="accent2"/>
+      <a:schemeClr val="accent3"/>
+    </dgm:fillClrLst>
+    <dgm:linClrLst meth="repeat">
+      <a:schemeClr val="lt1"/>
+    </dgm:linClrLst>
+    <dgm:effectClrLst/>
+    <dgm:txLinClrLst/>
+    <dgm:txFillClrLst/>
+    <dgm:txEffectClrLst/>
+  </dgm:styleLbl>
+  <dgm:styleLbl name="alignNode1">
+    <dgm:fillClrLst>
+      <a:schemeClr val="accent2"/>
+      <a:schemeClr val="accent3"/>
+    </dgm:fillClrLst>
+    <dgm:linClrLst>
+      <a:schemeClr val="accent2"/>
+      <a:schemeClr val="accent3"/>
+    </dgm:linClrLst>
+    <dgm:effectClrLst/>
+    <dgm:txLinClrLst/>
+    <dgm:txFillClrLst/>
+    <dgm:txEffectClrLst/>
+  </dgm:styleLbl>
+  <dgm:styleLbl name="lnNode1">
+    <dgm:fillClrLst>
+      <a:schemeClr val="accent2"/>
+      <a:schemeClr val="accent3"/>
+    </dgm:fillClrLst>
+    <dgm:linClrLst meth="repeat">
+      <a:schemeClr val="lt1"/>
+    </dgm:linClrLst>
+    <dgm:effectClrLst/>
+    <dgm:txLinClrLst/>
+    <dgm:txFillClrLst/>
+    <dgm:txEffectClrLst/>
+  </dgm:styleLbl>
+  <dgm:styleLbl name="vennNode1">
+    <dgm:fillClrLst>
+      <a:schemeClr val="accent2">
+        <a:alpha val="50000"/>
+      </a:schemeClr>
+      <a:schemeClr val="accent3">
+        <a:alpha val="50000"/>
+      </a:schemeClr>
+    </dgm:fillClrLst>
+    <dgm:linClrLst meth="repeat">
+      <a:schemeClr val="lt1"/>
+    </dgm:linClrLst>
+    <dgm:effectClrLst/>
+    <dgm:txLinClrLst/>
+    <dgm:txFillClrLst/>
+    <dgm:txEffectClrLst/>
+  </dgm:styleLbl>
+  <dgm:styleLbl name="node2">
+    <dgm:fillClrLst>
+      <a:schemeClr val="accent3"/>
+    </dgm:fillClrLst>
+    <dgm:linClrLst meth="repeat">
+      <a:schemeClr val="lt1"/>
+    </dgm:linClrLst>
+    <dgm:effectClrLst/>
+    <dgm:txLinClrLst/>
+    <dgm:txFillClrLst/>
+    <dgm:txEffectClrLst/>
+  </dgm:styleLbl>
+  <dgm:styleLbl name="node3">
+    <dgm:fillClrLst>
+      <a:schemeClr val="accent4"/>
+    </dgm:fillClrLst>
+    <dgm:linClrLst meth="repeat">
+      <a:schemeClr val="lt1"/>
+    </dgm:linClrLst>
+    <dgm:effectClrLst/>
+    <dgm:txLinClrLst/>
+    <dgm:txFillClrLst/>
+    <dgm:txEffectClrLst/>
+  </dgm:styleLbl>
+  <dgm:styleLbl name="node4">
+    <dgm:fillClrLst>
+      <a:schemeClr val="accent5"/>
+    </dgm:fillClrLst>
+    <dgm:linClrLst meth="repeat">
+      <a:schemeClr val="lt1"/>
+    </dgm:linClrLst>
+    <dgm:effectClrLst/>
+    <dgm:txLinClrLst/>
+    <dgm:txFillClrLst/>
+    <dgm:txEffectClrLst/>
+  </dgm:styleLbl>
+  <dgm:styleLbl name="fgImgPlace1">
+    <dgm:fillClrLst>
+      <a:schemeClr val="accent2">
+        <a:tint val="50000"/>
+      </a:schemeClr>
+      <a:schemeClr val="accent3">
+        <a:tint val="50000"/>
+      </a:schemeClr>
+    </dgm:fillClrLst>
+    <dgm:linClrLst meth="repeat">
+      <a:schemeClr val="lt1"/>
+    </dgm:linClrLst>
+    <dgm:effectClrLst/>
+    <dgm:txLinClrLst/>
+    <dgm:txFillClrLst meth="repeat">
+      <a:schemeClr val="lt1"/>
+    </dgm:txFillClrLst>
+    <dgm:txEffectClrLst/>
+  </dgm:styleLbl>
+  <dgm:styleLbl name="alignImgPlace1">
+    <dgm:fillClrLst>
+      <a:schemeClr val="accent2">
+        <a:tint val="50000"/>
+      </a:schemeClr>
+      <a:schemeClr val="accent3">
+        <a:tint val="20000"/>
+      </a:schemeClr>
+    </dgm:fillClrLst>
+    <dgm:linClrLst meth="repeat">
+      <a:schemeClr val="lt1"/>
+    </dgm:linClrLst>
+    <dgm:effectClrLst/>
+    <dgm:txLinClrLst/>
+    <dgm:txFillClrLst meth="repeat">
+      <a:schemeClr val="lt1"/>
+    </dgm:txFillClrLst>
+    <dgm:txEffectClrLst/>
+  </dgm:styleLbl>
+  <dgm:styleLbl name="bgImgPlace1">
+    <dgm:fillClrLst>
+      <a:schemeClr val="accent2">
+        <a:tint val="50000"/>
+      </a:schemeClr>
+      <a:schemeClr val="accent3">
+        <a:tint val="20000"/>
+      </a:schemeClr>
+    </dgm:fillClrLst>
+    <dgm:linClrLst meth="repeat">
+      <a:schemeClr val="lt1"/>
+    </dgm:linClrLst>
+    <dgm:effectClrLst/>
+    <dgm:txLinClrLst/>
+    <dgm:txFillClrLst meth="repeat">
+      <a:schemeClr val="lt1"/>
+    </dgm:txFillClrLst>
+    <dgm:txEffectClrLst/>
+  </dgm:styleLbl>
+  <dgm:styleLbl name="sibTrans2D1">
+    <dgm:fillClrLst>
+      <a:schemeClr val="accent2"/>
+      <a:schemeClr val="accent3"/>
+    </dgm:fillClrLst>
+    <dgm:linClrLst meth="repeat">
+      <a:schemeClr val="lt1"/>
+    </dgm:linClrLst>
+    <dgm:effectClrLst/>
+    <dgm:txLinClrLst/>
+    <dgm:txFillClrLst/>
+    <dgm:txEffectClrLst/>
+  </dgm:styleLbl>
+  <dgm:styleLbl name="fgSibTrans2D1">
+    <dgm:fillClrLst>
+      <a:schemeClr val="accent2"/>
+      <a:schemeClr val="accent3"/>
+    </dgm:fillClrLst>
+    <dgm:linClrLst meth="repeat">
+      <a:schemeClr val="lt1"/>
+    </dgm:linClrLst>
+    <dgm:effectClrLst/>
+    <dgm:txLinClrLst/>
+    <dgm:txFillClrLst meth="repeat">
+      <a:schemeClr val="lt1"/>
+    </dgm:txFillClrLst>
+    <dgm:txEffectClrLst/>
+  </dgm:styleLbl>
+  <dgm:styleLbl name="bgSibTrans2D1">
+    <dgm:fillClrLst>
+      <a:schemeClr val="accent2"/>
+      <a:schemeClr val="accent3"/>
+    </dgm:fillClrLst>
+    <dgm:linClrLst meth="repeat">
+      <a:schemeClr val="lt1"/>
+    </dgm:linClrLst>
+    <dgm:effectClrLst/>
+    <dgm:txLinClrLst/>
+    <dgm:txFillClrLst meth="repeat">
+      <a:schemeClr val="lt1"/>
+    </dgm:txFillClrLst>
+    <dgm:txEffectClrLst/>
+  </dgm:styleLbl>
+  <dgm:styleLbl name="sibTrans1D1">
+    <dgm:fillClrLst/>
+    <dgm:linClrLst>
+      <a:schemeClr val="accent2"/>
+      <a:schemeClr val="accent3"/>
+    </dgm:linClrLst>
+    <dgm:effectClrLst/>
+    <dgm:txLinClrLst/>
+    <dgm:txFillClrLst meth="repeat">
+      <a:schemeClr val="tx1"/>
+    </dgm:txFillClrLst>
+    <dgm:txEffectClrLst/>
+  </dgm:styleLbl>
+  <dgm:styleLbl name="callout">
+    <dgm:fillClrLst meth="repeat">
+      <a:schemeClr val="accent2"/>
+    </dgm:fillClrLst>
+    <dgm:linClrLst meth="repeat">
+      <a:schemeClr val="accent2">
+        <a:tint val="50000"/>
+      </a:schemeClr>
+    </dgm:linClrLst>
+    <dgm:effectClrLst/>
+    <dgm:txLinClrLst/>
+    <dgm:txFillClrLst meth="repeat">
+      <a:schemeClr val="tx1"/>
+    </dgm:txFillClrLst>
+    <dgm:txEffectClrLst/>
+  </dgm:styleLbl>
+  <dgm:styleLbl name="asst0">
+    <dgm:fillClrLst meth="repeat">
+      <a:schemeClr val="accent2"/>
+    </dgm:fillClrLst>
+    <dgm:linClrLst meth="repeat">
+      <a:schemeClr val="lt1">
+        <a:shade val="80000"/>
+      </a:schemeClr>
+    </dgm:linClrLst>
+    <dgm:effectClrLst/>
+    <dgm:txLinClrLst/>
+    <dgm:txFillClrLst/>
+    <dgm:txEffectClrLst/>
+  </dgm:styleLbl>
+  <dgm:styleLbl name="asst1">
+    <dgm:fillClrLst meth="repeat">
+      <a:schemeClr val="accent3"/>
+    </dgm:fillClrLst>
+    <dgm:linClrLst meth="repeat">
+      <a:schemeClr val="lt1">
+        <a:shade val="80000"/>
+      </a:schemeClr>
+    </dgm:linClrLst>
+    <dgm:effectClrLst/>
+    <dgm:txLinClrLst/>
+    <dgm:txFillClrLst/>
+    <dgm:txEffectClrLst/>
+  </dgm:styleLbl>
+  <dgm:styleLbl name="asst2">
+    <dgm:fillClrLst>
+      <a:schemeClr val="accent4"/>
+    </dgm:fillClrLst>
+    <dgm:linClrLst meth="repeat">
+      <a:schemeClr val="lt1"/>
+    </dgm:linClrLst>
+    <dgm:effectClrLst/>
+    <dgm:txLinClrLst/>
+    <dgm:txFillClrLst/>
+    <dgm:txEffectClrLst/>
+  </dgm:styleLbl>
+  <dgm:styleLbl name="asst3">
+    <dgm:fillClrLst>
+      <a:schemeClr val="accent5"/>
+    </dgm:fillClrLst>
+    <dgm:linClrLst meth="repeat">
+      <a:schemeClr val="lt1"/>
+    </dgm:linClrLst>
+    <dgm:effectClrLst/>
+    <dgm:txLinClrLst/>
+    <dgm:txFillClrLst/>
+    <dgm:txEffectClrLst/>
+  </dgm:styleLbl>
+  <dgm:styleLbl name="asst4">
+    <dgm:fillClrLst>
+      <a:schemeClr val="accent6"/>
+    </dgm:fillClrLst>
+    <dgm:linClrLst meth="repeat">
+      <a:schemeClr val="lt1"/>
+    </dgm:linClrLst>
+    <dgm:effectClrLst/>
+    <dgm:txLinClrLst/>
+    <dgm:txFillClrLst/>
+    <dgm:txEffectClrLst/>
+  </dgm:styleLbl>
+  <dgm:styleLbl name="parChTrans2D1">
+    <dgm:fillClrLst meth="repeat">
+      <a:schemeClr val="accent2"/>
+    </dgm:fillClrLst>
+    <dgm:linClrLst meth="repeat">
+      <a:schemeClr val="lt1"/>
+    </dgm:linClrLst>
+    <dgm:effectClrLst/>
+    <dgm:txLinClrLst/>
+    <dgm:txFillClrLst meth="repeat">
+      <a:schemeClr val="lt1"/>
+    </dgm:txFillClrLst>
+    <dgm:txEffectClrLst/>
+  </dgm:styleLbl>
+  <dgm:styleLbl name="parChTrans2D2">
+    <dgm:fillClrLst meth="repeat">
+      <a:schemeClr val="accent3"/>
+    </dgm:fillClrLst>
+    <dgm:linClrLst meth="repeat">
+      <a:schemeClr val="lt1"/>
+    </dgm:linClrLst>
+    <dgm:effectClrLst/>
+    <dgm:txLinClrLst/>
+    <dgm:txFillClrLst/>
+    <dgm:txEffectClrLst/>
+  </dgm:styleLbl>
+  <dgm:styleLbl name="parChTrans2D3">
+    <dgm:fillClrLst meth="repeat">
+      <a:schemeClr val="accent4"/>
+    </dgm:fillClrLst>
+    <dgm:linClrLst meth="repeat">
+      <a:schemeClr val="lt1"/>
+    </dgm:linClrLst>
+    <dgm:effectClrLst/>
+    <dgm:txLinClrLst/>
+    <dgm:txFillClrLst/>
+    <dgm:txEffectClrLst/>
+  </dgm:styleLbl>
+  <dgm:styleLbl name="parChTrans2D4">
+    <dgm:fillClrLst meth="repeat">
+      <a:schemeClr val="accent5"/>
+    </dgm:fillClrLst>
+    <dgm:linClrLst meth="repeat">
+      <a:schemeClr val="lt1"/>
+    </dgm:linClrLst>
+    <dgm:effectClrLst/>
+    <dgm:txLinClrLst/>
+    <dgm:txFillClrLst meth="repeat">
+      <a:schemeClr val="lt1"/>
+    </dgm:txFillClrLst>
+    <dgm:txEffectClrLst/>
+  </dgm:styleLbl>
+  <dgm:styleLbl name="parChTrans1D1">
+    <dgm:fillClrLst meth="repeat">
+      <a:schemeClr val="accent2"/>
+    </dgm:fillClrLst>
+    <dgm:linClrLst meth="repeat">
+      <a:schemeClr val="accent2"/>
+    </dgm:linClrLst>
+    <dgm:effectClrLst/>
+    <dgm:txLinClrLst/>
+    <dgm:txFillClrLst meth="repeat">
+      <a:schemeClr val="tx1"/>
+    </dgm:txFillClrLst>
+    <dgm:txEffectClrLst/>
+  </dgm:styleLbl>
+  <dgm:styleLbl name="parChTrans1D2">
+    <dgm:fillClrLst meth="repeat">
+      <a:schemeClr val="accent2">
+        <a:tint val="90000"/>
+      </a:schemeClr>
+    </dgm:fillClrLst>
+    <dgm:linClrLst meth="repeat">
+      <a:schemeClr val="accent3"/>
+    </dgm:linClrLst>
+    <dgm:effectClrLst/>
+    <dgm:txLinClrLst/>
+    <dgm:txFillClrLst meth="repeat">
+      <a:schemeClr val="tx1"/>
+    </dgm:txFillClrLst>
+    <dgm:txEffectClrLst/>
+  </dgm:styleLbl>
+  <dgm:styleLbl name="parChTrans1D3">
+    <dgm:fillClrLst meth="repeat">
+      <a:schemeClr val="accent2">
+        <a:tint val="70000"/>
+      </a:schemeClr>
+    </dgm:fillClrLst>
+    <dgm:linClrLst meth="repeat">
+      <a:schemeClr val="accent4"/>
+    </dgm:linClrLst>
+    <dgm:effectClrLst/>
+    <dgm:txLinClrLst/>
+    <dgm:txFillClrLst meth="repeat">
+      <a:schemeClr val="tx1"/>
+    </dgm:txFillClrLst>
+    <dgm:txEffectClrLst/>
+  </dgm:styleLbl>
+  <dgm:styleLbl name="parChTrans1D4">
+    <dgm:fillClrLst meth="repeat">
+      <a:schemeClr val="accent2">
+        <a:tint val="50000"/>
+      </a:schemeClr>
+    </dgm:fillClrLst>
+    <dgm:linClrLst meth="repeat">
+      <a:schemeClr val="accent5"/>
+    </dgm:linClrLst>
+    <dgm:effectClrLst/>
+    <dgm:txLinClrLst/>
+    <dgm:txFillClrLst meth="repeat">
+      <a:schemeClr val="tx1"/>
+    </dgm:txFillClrLst>
+    <dgm:txEffectClrLst/>
+  </dgm:styleLbl>
+  <dgm:styleLbl name="fgAcc1">
+    <dgm:fillClrLst meth="repeat">
+      <a:schemeClr val="lt1">
+        <a:alpha val="90000"/>
+      </a:schemeClr>
+    </dgm:fillClrLst>
+    <dgm:linClrLst>
+      <a:schemeClr val="accent2"/>
+      <a:schemeClr val="accent3"/>
+    </dgm:linClrLst>
+    <dgm:effectClrLst/>
+    <dgm:txLinClrLst/>
+    <dgm:txFillClrLst meth="repeat">
+      <a:schemeClr val="dk1"/>
+    </dgm:txFillClrLst>
+    <dgm:txEffectClrLst/>
+  </dgm:styleLbl>
+  <dgm:styleLbl name="conFgAcc1">
+    <dgm:fillClrLst meth="repeat">
+      <a:schemeClr val="lt1">
+        <a:alpha val="90000"/>
+      </a:schemeClr>
+    </dgm:fillClrLst>
+    <dgm:linClrLst>
+      <a:schemeClr val="accent2"/>
+      <a:schemeClr val="accent3"/>
+    </dgm:linClrLst>
+    <dgm:effectClrLst/>
+    <dgm:txLinClrLst/>
+    <dgm:txFillClrLst meth="repeat">
+      <a:schemeClr val="dk1"/>
+    </dgm:txFillClrLst>
+    <dgm:txEffectClrLst/>
+  </dgm:styleLbl>
+  <dgm:styleLbl name="alignAcc1">
+    <dgm:fillClrLst meth="repeat">
+      <a:schemeClr val="lt1">
+        <a:alpha val="90000"/>
+      </a:schemeClr>
+    </dgm:fillClrLst>
+    <dgm:linClrLst>
+      <a:schemeClr val="accent2"/>
+      <a:schemeClr val="accent3"/>
+    </dgm:linClrLst>
+    <dgm:effectClrLst/>
+    <dgm:txLinClrLst/>
+    <dgm:txFillClrLst meth="repeat">
+      <a:schemeClr val="dk1"/>
+    </dgm:txFillClrLst>
+    <dgm:txEffectClrLst/>
+  </dgm:styleLbl>
+  <dgm:styleLbl name="trAlignAcc1">
+    <dgm:fillClrLst meth="repeat">
+      <a:schemeClr val="lt1">
+        <a:alpha val="40000"/>
+      </a:schemeClr>
+    </dgm:fillClrLst>
+    <dgm:linClrLst meth="repeat">
+      <a:schemeClr val="accent2"/>
+    </dgm:linClrLst>
+    <dgm:effectClrLst/>
+    <dgm:txLinClrLst/>
+    <dgm:txFillClrLst meth="repeat">
+      <a:schemeClr val="dk1"/>
+    </dgm:txFillClrLst>
+    <dgm:txEffectClrLst/>
+  </dgm:styleLbl>
+  <dgm:styleLbl name="bgAcc1">
+    <dgm:fillClrLst meth="repeat">
+      <a:schemeClr val="lt1">
+        <a:alpha val="90000"/>
+      </a:schemeClr>
+    </dgm:fillClrLst>
+    <dgm:linClrLst>
+      <a:schemeClr val="accent2"/>
+      <a:schemeClr val="accent3"/>
+    </dgm:linClrLst>
+    <dgm:effectClrLst/>
+    <dgm:txLinClrLst/>
+    <dgm:txFillClrLst meth="repeat">
+      <a:schemeClr val="dk1"/>
+    </dgm:txFillClrLst>
+    <dgm:txEffectClrLst/>
+  </dgm:styleLbl>
+  <dgm:styleLbl name="solidFgAcc1">
+    <dgm:fillClrLst meth="repeat">
+      <a:schemeClr val="lt1"/>
+    </dgm:fillClrLst>
+    <dgm:linClrLst>
+      <a:schemeClr val="accent2"/>
+      <a:schemeClr val="accent3"/>
+    </dgm:linClrLst>
+    <dgm:effectClrLst/>
+    <dgm:txLinClrLst/>
+    <dgm:txFillClrLst meth="repeat">
+      <a:schemeClr val="dk1"/>
+    </dgm:txFillClrLst>
+    <dgm:txEffectClrLst/>
+  </dgm:styleLbl>
+  <dgm:styleLbl name="solidAlignAcc1">
+    <dgm:fillClrLst meth="repeat">
+      <a:schemeClr val="lt1"/>
+    </dgm:fillClrLst>
+    <dgm:linClrLst>
+      <a:schemeClr val="accent2"/>
+      <a:schemeClr val="accent3"/>
+    </dgm:linClrLst>
+    <dgm:effectClrLst/>
+    <dgm:txLinClrLst/>
+    <dgm:txFillClrLst meth="repeat">
+      <a:schemeClr val="dk1"/>
+    </dgm:txFillClrLst>
+    <dgm:txEffectClrLst/>
+  </dgm:styleLbl>
+  <dgm:styleLbl name="solidBgAcc1">
+    <dgm:fillClrLst meth="repeat">
+      <a:schemeClr val="lt1"/>
+    </dgm:fillClrLst>
+    <dgm:linClrLst>
+      <a:schemeClr val="accent2"/>
+      <a:schemeClr val="accent3"/>
+    </dgm:linClrLst>
+    <dgm:effectClrLst/>
+    <dgm:txLinClrLst/>
+    <dgm:txFillClrLst meth="repeat">
+      <a:schemeClr val="dk1"/>
+    </dgm:txFillClrLst>
+    <dgm:txEffectClrLst/>
+  </dgm:styleLbl>
+  <dgm:styleLbl name="fgAccFollowNode1">
+    <dgm:fillClrLst>
+      <a:schemeClr val="accent2">
+        <a:tint val="40000"/>
+        <a:alpha val="90000"/>
+      </a:schemeClr>
+      <a:schemeClr val="accent3">
+        <a:tint val="40000"/>
+        <a:alpha val="90000"/>
+      </a:schemeClr>
+    </dgm:fillClrLst>
+    <dgm:linClrLst>
+      <a:schemeClr val="accent2">
+        <a:tint val="40000"/>
+        <a:alpha val="90000"/>
+      </a:schemeClr>
+      <a:schemeClr val="accent3">
+        <a:tint val="40000"/>
+        <a:alpha val="90000"/>
+      </a:schemeClr>
+    </dgm:linClrLst>
+    <dgm:effectClrLst/>
+    <dgm:txLinClrLst/>
+    <dgm:txFillClrLst meth="repeat">
+      <a:schemeClr val="dk1"/>
+    </dgm:txFillClrLst>
+    <dgm:txEffectClrLst/>
+  </dgm:styleLbl>
+  <dgm:styleLbl name="alignAccFollowNode1">
+    <dgm:fillClrLst>
+      <a:schemeClr val="accent2">
+        <a:tint val="40000"/>
+        <a:alpha val="90000"/>
+      </a:schemeClr>
+      <a:schemeClr val="accent3">
+        <a:tint val="40000"/>
+        <a:alpha val="90000"/>
+      </a:schemeClr>
+    </dgm:fillClrLst>
+    <dgm:linClrLst>
+      <a:schemeClr val="accent2">
+        <a:tint val="40000"/>
+        <a:alpha val="90000"/>
+      </a:schemeClr>
+      <a:schemeClr val="accent3">
+        <a:tint val="40000"/>
+        <a:alpha val="90000"/>
+      </a:schemeClr>
+    </dgm:linClrLst>
+    <dgm:effectClrLst/>
+    <dgm:txLinClrLst/>
+    <dgm:txFillClrLst meth="repeat">
+      <a:schemeClr val="dk1"/>
+    </dgm:txFillClrLst>
+    <dgm:txEffectClrLst/>
+  </dgm:styleLbl>
+  <dgm:styleLbl name="bgAccFollowNode1">
+    <dgm:fillClrLst>
+      <a:schemeClr val="accent2">
+        <a:tint val="40000"/>
+        <a:alpha val="90000"/>
+      </a:schemeClr>
+      <a:schemeClr val="accent3">
+        <a:tint val="40000"/>
+        <a:alpha val="90000"/>
+      </a:schemeClr>
+    </dgm:fillClrLst>
+    <dgm:linClrLst>
+      <a:schemeClr val="accent2">
+        <a:tint val="40000"/>
+        <a:alpha val="90000"/>
+      </a:schemeClr>
+      <a:schemeClr val="accent3">
+        <a:tint val="40000"/>
+        <a:alpha val="90000"/>
+      </a:schemeClr>
+    </dgm:linClrLst>
+    <dgm:effectClrLst/>
+    <dgm:txLinClrLst/>
+    <dgm:txFillClrLst meth="repeat">
+      <a:schemeClr val="dk1"/>
+    </dgm:txFillClrLst>
+    <dgm:txEffectClrLst/>
+  </dgm:styleLbl>
+  <dgm:styleLbl name="fgAcc0">
+    <dgm:fillClrLst meth="repeat">
+      <a:schemeClr val="lt1">
+        <a:alpha val="90000"/>
+      </a:schemeClr>
+    </dgm:fillClrLst>
+    <dgm:linClrLst>
+      <a:schemeClr val="accent1"/>
+    </dgm:linClrLst>
+    <dgm:effectClrLst/>
+    <dgm:txLinClrLst/>
+    <dgm:txFillClrLst meth="repeat">
+      <a:schemeClr val="dk1"/>
+    </dgm:txFillClrLst>
+    <dgm:txEffectClrLst/>
+  </dgm:styleLbl>
+  <dgm:styleLbl name="fgAcc2">
+    <dgm:fillClrLst meth="repeat">
+      <a:schemeClr val="lt1">
+        <a:alpha val="90000"/>
+      </a:schemeClr>
+    </dgm:fillClrLst>
+    <dgm:linClrLst>
+      <a:schemeClr val="accent3"/>
+    </dgm:linClrLst>
+    <dgm:effectClrLst/>
+    <dgm:txLinClrLst/>
+    <dgm:txFillClrLst meth="repeat">
+      <a:schemeClr val="dk1"/>
+    </dgm:txFillClrLst>
+    <dgm:txEffectClrLst/>
+  </dgm:styleLbl>
+  <dgm:styleLbl name="fgAcc3">
+    <dgm:fillClrLst meth="repeat">
+      <a:schemeClr val="lt1">
+        <a:alpha val="90000"/>
+      </a:schemeClr>
+    </dgm:fillClrLst>
+    <dgm:linClrLst>
+      <a:schemeClr val="accent4"/>
+    </dgm:linClrLst>
+    <dgm:effectClrLst/>
+    <dgm:txLinClrLst/>
+    <dgm:txFillClrLst meth="repeat">
+      <a:schemeClr val="dk1"/>
+    </dgm:txFillClrLst>
+    <dgm:txEffectClrLst/>
+  </dgm:styleLbl>
+  <dgm:styleLbl name="fgAcc4">
+    <dgm:fillClrLst meth="repeat">
+      <a:schemeClr val="lt1">
+        <a:alpha val="90000"/>
+      </a:schemeClr>
+    </dgm:fillClrLst>
+    <dgm:linClrLst>
+      <a:schemeClr val="accent5"/>
+    </dgm:linClrLst>
+    <dgm:effectClrLst/>
+    <dgm:txLinClrLst/>
+    <dgm:txFillClrLst meth="repeat">
+      <a:schemeClr val="dk1"/>
+    </dgm:txFillClrLst>
+    <dgm:txEffectClrLst/>
+  </dgm:styleLbl>
+  <dgm:styleLbl name="bgShp">
+    <dgm:fillClrLst meth="repeat">
+      <a:schemeClr val="accent2">
+        <a:tint val="40000"/>
+      </a:schemeClr>
+    </dgm:fillClrLst>
+    <dgm:linClrLst meth="repeat">
+      <a:schemeClr val="dk1"/>
+    </dgm:linClrLst>
+    <dgm:effectClrLst/>
+    <dgm:txLinClrLst/>
+    <dgm:txFillClrLst meth="repeat">
+      <a:schemeClr val="dk1"/>
+    </dgm:txFillClrLst>
+    <dgm:txEffectClrLst/>
+  </dgm:styleLbl>
+  <dgm:styleLbl name="dkBgShp">
+    <dgm:fillClrLst meth="repeat">
+      <a:schemeClr val="accent2">
+        <a:shade val="90000"/>
+      </a:schemeClr>
+    </dgm:fillClrLst>
+    <dgm:linClrLst meth="repeat">
+      <a:schemeClr val="dk1"/>
+    </dgm:linClrLst>
+    <dgm:effectClrLst/>
+    <dgm:txLinClrLst/>
+    <dgm:txFillClrLst meth="repeat">
+      <a:schemeClr val="lt1"/>
+    </dgm:txFillClrLst>
+    <dgm:txEffectClrLst/>
+  </dgm:styleLbl>
+  <dgm:styleLbl name="trBgShp">
+    <dgm:fillClrLst meth="repeat">
+      <a:schemeClr val="accent2">
+        <a:tint val="50000"/>
+        <a:alpha val="40000"/>
+      </a:schemeClr>
+    </dgm:fillClrLst>
+    <dgm:linClrLst meth="repeat">
+      <a:schemeClr val="accent2"/>
+    </dgm:linClrLst>
+    <dgm:effectClrLst/>
+    <dgm:txLinClrLst/>
+    <dgm:txFillClrLst meth="repeat">
+      <a:schemeClr val="lt1"/>
+    </dgm:txFillClrLst>
+    <dgm:txEffectClrLst/>
+  </dgm:styleLbl>
+  <dgm:styleLbl name="fgShp">
+    <dgm:fillClrLst meth="repeat">
+      <a:schemeClr val="accent2">
+        <a:tint val="40000"/>
+      </a:schemeClr>
+    </dgm:fillClrLst>
+    <dgm:linClrLst meth="repeat">
+      <a:schemeClr val="lt1"/>
+    </dgm:linClrLst>
+    <dgm:effectClrLst/>
+    <dgm:txLinClrLst/>
+    <dgm:txFillClrLst meth="repeat">
+      <a:schemeClr val="dk1"/>
+    </dgm:txFillClrLst>
+    <dgm:txEffectClrLst/>
+  </dgm:styleLbl>
+  <dgm:styleLbl name="revTx">
+    <dgm:fillClrLst meth="repeat">
+      <a:schemeClr val="lt1">
+        <a:alpha val="0"/>
+      </a:schemeClr>
+    </dgm:fillClrLst>
+    <dgm:linClrLst meth="repeat">
+      <a:schemeClr val="dk1">
+        <a:alpha val="0"/>
+      </a:schemeClr>
+    </dgm:linClrLst>
+    <dgm:effectClrLst/>
+    <dgm:txLinClrLst/>
+    <dgm:txFillClrLst meth="repeat">
+      <a:schemeClr val="tx1"/>
+    </dgm:txFillClrLst>
+    <dgm:txEffectClrLst/>
+  </dgm:styleLbl>
+</dgm:colorsDef>
+</file>
+
+<file path=ppt/diagrams/data1.xml><?xml version="1.0" encoding="utf-8"?>
+<dgm:dataModel xmlns:dgm="http://schemas.openxmlformats.org/drawingml/2006/diagram" xmlns:a="http://schemas.openxmlformats.org/drawingml/2006/main">
+  <dgm:ptLst>
+    <dgm:pt modelId="{6FE7091D-43B8-4ACB-A7A7-049D3D7AECC6}" type="doc">
+      <dgm:prSet loTypeId="urn:microsoft.com/office/officeart/2005/8/layout/vList2" loCatId="list" qsTypeId="urn:microsoft.com/office/officeart/2005/8/quickstyle/simple1" qsCatId="simple" csTypeId="urn:microsoft.com/office/officeart/2005/8/colors/colorful2" csCatId="colorful"/>
+      <dgm:spPr/>
+      <dgm:t>
+        <a:bodyPr/>
+        <a:lstStyle/>
+        <a:p>
+          <a:endParaRPr lang="en-US"/>
+        </a:p>
+      </dgm:t>
+    </dgm:pt>
+    <dgm:pt modelId="{FC67B9E6-C384-496C-BB4B-17DD03CF4AEE}">
+      <dgm:prSet/>
+      <dgm:spPr/>
+      <dgm:t>
+        <a:bodyPr/>
+        <a:lstStyle/>
+        <a:p>
+          <a:r>
+            <a:rPr lang="en-US" b="1"/>
+            <a:t>clients will start by authenticating with a username and password</a:t>
+          </a:r>
+          <a:endParaRPr lang="en-US"/>
+        </a:p>
+      </dgm:t>
+    </dgm:pt>
+    <dgm:pt modelId="{04FA6B6E-6B42-4946-8DF8-3227D99F8CCC}" type="parTrans" cxnId="{4E1327AE-6E37-491E-A2E2-F091A67F218C}">
+      <dgm:prSet/>
+      <dgm:spPr/>
+      <dgm:t>
+        <a:bodyPr/>
+        <a:lstStyle/>
+        <a:p>
+          <a:endParaRPr lang="en-US"/>
+        </a:p>
+      </dgm:t>
+    </dgm:pt>
+    <dgm:pt modelId="{AC388A39-5834-4187-8C33-E84E5400962D}" type="sibTrans" cxnId="{4E1327AE-6E37-491E-A2E2-F091A67F218C}">
+      <dgm:prSet/>
+      <dgm:spPr/>
+      <dgm:t>
+        <a:bodyPr/>
+        <a:lstStyle/>
+        <a:p>
+          <a:endParaRPr lang="en-US"/>
+        </a:p>
+      </dgm:t>
+    </dgm:pt>
+    <dgm:pt modelId="{F3B148B9-5ED5-4922-802F-C60DD0083710}">
+      <dgm:prSet/>
+      <dgm:spPr/>
+      <dgm:t>
+        <a:bodyPr/>
+        <a:lstStyle/>
+        <a:p>
+          <a:r>
+            <a:rPr lang="en-US" b="1"/>
+            <a:t>Once authenticated, the server will issue a JWT that can be sent as a </a:t>
+          </a:r>
+          <a:r>
+            <a:rPr lang="en-US" b="1">
+              <a:hlinkClick xmlns:r="http://schemas.openxmlformats.org/officeDocument/2006/relationships" r:id="rId1"/>
+            </a:rPr>
+            <a:t>bearer token in an authorization header</a:t>
+          </a:r>
+          <a:r>
+            <a:rPr lang="en-US" b="1"/>
+            <a:t> on subsequent requests to prove authentication</a:t>
+          </a:r>
+          <a:endParaRPr lang="en-US"/>
+        </a:p>
+      </dgm:t>
+    </dgm:pt>
+    <dgm:pt modelId="{91AE3B1F-96A6-44C6-9A41-992963C3405A}" type="parTrans" cxnId="{668C5EBE-681C-4BEB-A32A-44E0788DD490}">
+      <dgm:prSet/>
+      <dgm:spPr/>
+      <dgm:t>
+        <a:bodyPr/>
+        <a:lstStyle/>
+        <a:p>
+          <a:endParaRPr lang="en-US"/>
+        </a:p>
+      </dgm:t>
+    </dgm:pt>
+    <dgm:pt modelId="{2F395CCF-402E-4347-9FD0-499C4CB9245D}" type="sibTrans" cxnId="{668C5EBE-681C-4BEB-A32A-44E0788DD490}">
+      <dgm:prSet/>
+      <dgm:spPr/>
+      <dgm:t>
+        <a:bodyPr/>
+        <a:lstStyle/>
+        <a:p>
+          <a:endParaRPr lang="en-US"/>
+        </a:p>
+      </dgm:t>
+    </dgm:pt>
+    <dgm:pt modelId="{0C7FDD1C-8515-4BF2-B5C3-5F0AE78A7059}">
+      <dgm:prSet/>
+      <dgm:spPr/>
+      <dgm:t>
+        <a:bodyPr/>
+        <a:lstStyle/>
+        <a:p>
+          <a:r>
+            <a:rPr lang="en-US" b="1"/>
+            <a:t>We'll also create a protected route that is accessible only to requests that contain a valid JWT.</a:t>
+          </a:r>
+          <a:endParaRPr lang="en-US"/>
+        </a:p>
+      </dgm:t>
+    </dgm:pt>
+    <dgm:pt modelId="{46138106-4738-4963-B45C-0BB20845D384}" type="parTrans" cxnId="{70BFD387-F922-4E7C-B61E-12733AF1239E}">
+      <dgm:prSet/>
+      <dgm:spPr/>
+      <dgm:t>
+        <a:bodyPr/>
+        <a:lstStyle/>
+        <a:p>
+          <a:endParaRPr lang="en-US"/>
+        </a:p>
+      </dgm:t>
+    </dgm:pt>
+    <dgm:pt modelId="{100ABFD3-0683-46EC-88B5-34599E3E1B58}" type="sibTrans" cxnId="{70BFD387-F922-4E7C-B61E-12733AF1239E}">
+      <dgm:prSet/>
+      <dgm:spPr/>
+      <dgm:t>
+        <a:bodyPr/>
+        <a:lstStyle/>
+        <a:p>
+          <a:endParaRPr lang="en-US"/>
+        </a:p>
+      </dgm:t>
+    </dgm:pt>
+    <dgm:pt modelId="{4B4ECECF-F7F9-8640-A186-9A9107F65155}" type="pres">
+      <dgm:prSet presAssocID="{6FE7091D-43B8-4ACB-A7A7-049D3D7AECC6}" presName="linear" presStyleCnt="0">
+        <dgm:presLayoutVars>
+          <dgm:animLvl val="lvl"/>
+          <dgm:resizeHandles val="exact"/>
+        </dgm:presLayoutVars>
+      </dgm:prSet>
+      <dgm:spPr/>
+    </dgm:pt>
+    <dgm:pt modelId="{F090E8EF-5E2F-BC4F-9A1C-67A66A4B07ED}" type="pres">
+      <dgm:prSet presAssocID="{FC67B9E6-C384-496C-BB4B-17DD03CF4AEE}" presName="parentText" presStyleLbl="node1" presStyleIdx="0" presStyleCnt="3">
+        <dgm:presLayoutVars>
+          <dgm:chMax val="0"/>
+          <dgm:bulletEnabled val="1"/>
+        </dgm:presLayoutVars>
+      </dgm:prSet>
+      <dgm:spPr/>
+    </dgm:pt>
+    <dgm:pt modelId="{97876685-0B8B-A54C-B7EF-F195E2BEA1C1}" type="pres">
+      <dgm:prSet presAssocID="{AC388A39-5834-4187-8C33-E84E5400962D}" presName="spacer" presStyleCnt="0"/>
+      <dgm:spPr/>
+    </dgm:pt>
+    <dgm:pt modelId="{7C50BC2E-B73F-964E-92B3-307801CFE716}" type="pres">
+      <dgm:prSet presAssocID="{F3B148B9-5ED5-4922-802F-C60DD0083710}" presName="parentText" presStyleLbl="node1" presStyleIdx="1" presStyleCnt="3">
+        <dgm:presLayoutVars>
+          <dgm:chMax val="0"/>
+          <dgm:bulletEnabled val="1"/>
+        </dgm:presLayoutVars>
+      </dgm:prSet>
+      <dgm:spPr/>
+    </dgm:pt>
+    <dgm:pt modelId="{A6AE64D6-63C3-0B49-A0C3-8BDC341722E7}" type="pres">
+      <dgm:prSet presAssocID="{2F395CCF-402E-4347-9FD0-499C4CB9245D}" presName="spacer" presStyleCnt="0"/>
+      <dgm:spPr/>
+    </dgm:pt>
+    <dgm:pt modelId="{C2BC3035-4A1F-8E43-8368-451CB52F8017}" type="pres">
+      <dgm:prSet presAssocID="{0C7FDD1C-8515-4BF2-B5C3-5F0AE78A7059}" presName="parentText" presStyleLbl="node1" presStyleIdx="2" presStyleCnt="3">
+        <dgm:presLayoutVars>
+          <dgm:chMax val="0"/>
+          <dgm:bulletEnabled val="1"/>
+        </dgm:presLayoutVars>
+      </dgm:prSet>
+      <dgm:spPr/>
+    </dgm:pt>
+  </dgm:ptLst>
+  <dgm:cxnLst>
+    <dgm:cxn modelId="{14B8A237-E0EF-F84B-B65D-D24B98859B44}" type="presOf" srcId="{F3B148B9-5ED5-4922-802F-C60DD0083710}" destId="{7C50BC2E-B73F-964E-92B3-307801CFE716}" srcOrd="0" destOrd="0" presId="urn:microsoft.com/office/officeart/2005/8/layout/vList2"/>
+    <dgm:cxn modelId="{8DCECF48-C67D-494B-97D6-EE97BD8CA10A}" type="presOf" srcId="{6FE7091D-43B8-4ACB-A7A7-049D3D7AECC6}" destId="{4B4ECECF-F7F9-8640-A186-9A9107F65155}" srcOrd="0" destOrd="0" presId="urn:microsoft.com/office/officeart/2005/8/layout/vList2"/>
+    <dgm:cxn modelId="{70BFD387-F922-4E7C-B61E-12733AF1239E}" srcId="{6FE7091D-43B8-4ACB-A7A7-049D3D7AECC6}" destId="{0C7FDD1C-8515-4BF2-B5C3-5F0AE78A7059}" srcOrd="2" destOrd="0" parTransId="{46138106-4738-4963-B45C-0BB20845D384}" sibTransId="{100ABFD3-0683-46EC-88B5-34599E3E1B58}"/>
+    <dgm:cxn modelId="{4E1327AE-6E37-491E-A2E2-F091A67F218C}" srcId="{6FE7091D-43B8-4ACB-A7A7-049D3D7AECC6}" destId="{FC67B9E6-C384-496C-BB4B-17DD03CF4AEE}" srcOrd="0" destOrd="0" parTransId="{04FA6B6E-6B42-4946-8DF8-3227D99F8CCC}" sibTransId="{AC388A39-5834-4187-8C33-E84E5400962D}"/>
+    <dgm:cxn modelId="{668C5EBE-681C-4BEB-A32A-44E0788DD490}" srcId="{6FE7091D-43B8-4ACB-A7A7-049D3D7AECC6}" destId="{F3B148B9-5ED5-4922-802F-C60DD0083710}" srcOrd="1" destOrd="0" parTransId="{91AE3B1F-96A6-44C6-9A41-992963C3405A}" sibTransId="{2F395CCF-402E-4347-9FD0-499C4CB9245D}"/>
+    <dgm:cxn modelId="{74ECA2C1-2991-0042-8A26-8AC467F0205F}" type="presOf" srcId="{0C7FDD1C-8515-4BF2-B5C3-5F0AE78A7059}" destId="{C2BC3035-4A1F-8E43-8368-451CB52F8017}" srcOrd="0" destOrd="0" presId="urn:microsoft.com/office/officeart/2005/8/layout/vList2"/>
+    <dgm:cxn modelId="{6F7C46E5-DB21-F94D-9FEE-353981DC8506}" type="presOf" srcId="{FC67B9E6-C384-496C-BB4B-17DD03CF4AEE}" destId="{F090E8EF-5E2F-BC4F-9A1C-67A66A4B07ED}" srcOrd="0" destOrd="0" presId="urn:microsoft.com/office/officeart/2005/8/layout/vList2"/>
+    <dgm:cxn modelId="{40930187-FE91-544A-B1C9-8AE16C503A77}" type="presParOf" srcId="{4B4ECECF-F7F9-8640-A186-9A9107F65155}" destId="{F090E8EF-5E2F-BC4F-9A1C-67A66A4B07ED}" srcOrd="0" destOrd="0" presId="urn:microsoft.com/office/officeart/2005/8/layout/vList2"/>
+    <dgm:cxn modelId="{5197F25F-C56B-C141-8B6D-73F20C757286}" type="presParOf" srcId="{4B4ECECF-F7F9-8640-A186-9A9107F65155}" destId="{97876685-0B8B-A54C-B7EF-F195E2BEA1C1}" srcOrd="1" destOrd="0" presId="urn:microsoft.com/office/officeart/2005/8/layout/vList2"/>
+    <dgm:cxn modelId="{0FACFFBA-8028-8C42-B7D3-6C749873E110}" type="presParOf" srcId="{4B4ECECF-F7F9-8640-A186-9A9107F65155}" destId="{7C50BC2E-B73F-964E-92B3-307801CFE716}" srcOrd="2" destOrd="0" presId="urn:microsoft.com/office/officeart/2005/8/layout/vList2"/>
+    <dgm:cxn modelId="{50C2CE1C-8797-D045-B955-1D2782773CD6}" type="presParOf" srcId="{4B4ECECF-F7F9-8640-A186-9A9107F65155}" destId="{A6AE64D6-63C3-0B49-A0C3-8BDC341722E7}" srcOrd="3" destOrd="0" presId="urn:microsoft.com/office/officeart/2005/8/layout/vList2"/>
+    <dgm:cxn modelId="{AAC891E1-C41A-AA43-A2D0-259261096D5C}" type="presParOf" srcId="{4B4ECECF-F7F9-8640-A186-9A9107F65155}" destId="{C2BC3035-4A1F-8E43-8368-451CB52F8017}" srcOrd="4" destOrd="0" presId="urn:microsoft.com/office/officeart/2005/8/layout/vList2"/>
+  </dgm:cxnLst>
+  <dgm:bg/>
+  <dgm:whole/>
+  <dgm:extLst>
+    <a:ext uri="http://schemas.microsoft.com/office/drawing/2008/diagram">
+      <dsp:dataModelExt xmlns:dsp="http://schemas.microsoft.com/office/drawing/2008/diagram" relId="rId7" minVer="http://schemas.openxmlformats.org/drawingml/2006/diagram"/>
+    </a:ext>
+  </dgm:extLst>
+</dgm:dataModel>
+</file>
+
+<file path=ppt/diagrams/drawing1.xml><?xml version="1.0" encoding="utf-8"?>
+<dsp:drawing xmlns:dgm="http://schemas.openxmlformats.org/drawingml/2006/diagram" xmlns:dsp="http://schemas.microsoft.com/office/drawing/2008/diagram" xmlns:a="http://schemas.openxmlformats.org/drawingml/2006/main">
+  <dsp:spTree>
+    <dsp:nvGrpSpPr>
+      <dsp:cNvPr id="0" name=""/>
+      <dsp:cNvGrpSpPr/>
+    </dsp:nvGrpSpPr>
+    <dsp:grpSpPr/>
+    <dsp:sp modelId="{F090E8EF-5E2F-BC4F-9A1C-67A66A4B07ED}">
+      <dsp:nvSpPr>
+        <dsp:cNvPr id="0" name=""/>
+        <dsp:cNvSpPr/>
+      </dsp:nvSpPr>
+      <dsp:spPr>
+        <a:xfrm>
+          <a:off x="0" y="23164"/>
+          <a:ext cx="6263640" cy="1771453"/>
+        </a:xfrm>
+        <a:prstGeom prst="roundRect">
+          <a:avLst/>
+        </a:prstGeom>
+        <a:solidFill>
+          <a:schemeClr val="accent2">
+            <a:hueOff val="0"/>
+            <a:satOff val="0"/>
+            <a:lumOff val="0"/>
+            <a:alphaOff val="0"/>
+          </a:schemeClr>
+        </a:solidFill>
+        <a:ln w="12700" cap="flat" cmpd="sng" algn="ctr">
+          <a:solidFill>
+            <a:schemeClr val="lt1">
+              <a:hueOff val="0"/>
+              <a:satOff val="0"/>
+              <a:lumOff val="0"/>
+              <a:alphaOff val="0"/>
+            </a:schemeClr>
+          </a:solidFill>
+          <a:prstDash val="solid"/>
+          <a:miter lim="800000"/>
+        </a:ln>
+        <a:effectLst/>
+      </dsp:spPr>
+      <dsp:style>
+        <a:lnRef idx="2">
+          <a:scrgbClr r="0" g="0" b="0"/>
+        </a:lnRef>
+        <a:fillRef idx="1">
+          <a:scrgbClr r="0" g="0" b="0"/>
+        </a:fillRef>
+        <a:effectRef idx="0">
+          <a:scrgbClr r="0" g="0" b="0"/>
+        </a:effectRef>
+        <a:fontRef idx="minor">
+          <a:schemeClr val="lt1"/>
+        </a:fontRef>
+      </dsp:style>
+      <dsp:txBody>
+        <a:bodyPr spcFirstLastPara="0" vert="horz" wrap="square" lIns="95250" tIns="95250" rIns="95250" bIns="95250" numCol="1" spcCol="1270" anchor="ctr" anchorCtr="0">
+          <a:noAutofit/>
+        </a:bodyPr>
+        <a:lstStyle/>
+        <a:p>
+          <a:pPr marL="0" lvl="0" indent="0" algn="l" defTabSz="1111250">
+            <a:lnSpc>
+              <a:spcPct val="90000"/>
+            </a:lnSpc>
+            <a:spcBef>
+              <a:spcPct val="0"/>
+            </a:spcBef>
+            <a:spcAft>
+              <a:spcPct val="35000"/>
+            </a:spcAft>
+            <a:buNone/>
+          </a:pPr>
+          <a:r>
+            <a:rPr lang="en-US" sz="2500" b="1" kern="1200"/>
+            <a:t>clients will start by authenticating with a username and password</a:t>
+          </a:r>
+          <a:endParaRPr lang="en-US" sz="2500" kern="1200"/>
+        </a:p>
+      </dsp:txBody>
+      <dsp:txXfrm>
+        <a:off x="86475" y="109639"/>
+        <a:ext cx="6090690" cy="1598503"/>
+      </dsp:txXfrm>
+    </dsp:sp>
+    <dsp:sp modelId="{7C50BC2E-B73F-964E-92B3-307801CFE716}">
+      <dsp:nvSpPr>
+        <dsp:cNvPr id="0" name=""/>
+        <dsp:cNvSpPr/>
+      </dsp:nvSpPr>
+      <dsp:spPr>
+        <a:xfrm>
+          <a:off x="0" y="1866617"/>
+          <a:ext cx="6263640" cy="1771453"/>
+        </a:xfrm>
+        <a:prstGeom prst="roundRect">
+          <a:avLst/>
+        </a:prstGeom>
+        <a:solidFill>
+          <a:schemeClr val="accent2">
+            <a:hueOff val="-727682"/>
+            <a:satOff val="-41964"/>
+            <a:lumOff val="4314"/>
+            <a:alphaOff val="0"/>
+          </a:schemeClr>
+        </a:solidFill>
+        <a:ln w="12700" cap="flat" cmpd="sng" algn="ctr">
+          <a:solidFill>
+            <a:schemeClr val="lt1">
+              <a:hueOff val="0"/>
+              <a:satOff val="0"/>
+              <a:lumOff val="0"/>
+              <a:alphaOff val="0"/>
+            </a:schemeClr>
+          </a:solidFill>
+          <a:prstDash val="solid"/>
+          <a:miter lim="800000"/>
+        </a:ln>
+        <a:effectLst/>
+      </dsp:spPr>
+      <dsp:style>
+        <a:lnRef idx="2">
+          <a:scrgbClr r="0" g="0" b="0"/>
+        </a:lnRef>
+        <a:fillRef idx="1">
+          <a:scrgbClr r="0" g="0" b="0"/>
+        </a:fillRef>
+        <a:effectRef idx="0">
+          <a:scrgbClr r="0" g="0" b="0"/>
+        </a:effectRef>
+        <a:fontRef idx="minor">
+          <a:schemeClr val="lt1"/>
+        </a:fontRef>
+      </dsp:style>
+      <dsp:txBody>
+        <a:bodyPr spcFirstLastPara="0" vert="horz" wrap="square" lIns="95250" tIns="95250" rIns="95250" bIns="95250" numCol="1" spcCol="1270" anchor="ctr" anchorCtr="0">
+          <a:noAutofit/>
+        </a:bodyPr>
+        <a:lstStyle/>
+        <a:p>
+          <a:pPr marL="0" lvl="0" indent="0" algn="l" defTabSz="1111250">
+            <a:lnSpc>
+              <a:spcPct val="90000"/>
+            </a:lnSpc>
+            <a:spcBef>
+              <a:spcPct val="0"/>
+            </a:spcBef>
+            <a:spcAft>
+              <a:spcPct val="35000"/>
+            </a:spcAft>
+            <a:buNone/>
+          </a:pPr>
+          <a:r>
+            <a:rPr lang="en-US" sz="2500" b="1" kern="1200"/>
+            <a:t>Once authenticated, the server will issue a JWT that can be sent as a </a:t>
+          </a:r>
+          <a:r>
+            <a:rPr lang="en-US" sz="2500" b="1" kern="1200">
+              <a:hlinkClick xmlns:r="http://schemas.openxmlformats.org/officeDocument/2006/relationships" r:id="rId1"/>
+            </a:rPr>
+            <a:t>bearer token in an authorization header</a:t>
+          </a:r>
+          <a:r>
+            <a:rPr lang="en-US" sz="2500" b="1" kern="1200"/>
+            <a:t> on subsequent requests to prove authentication</a:t>
+          </a:r>
+          <a:endParaRPr lang="en-US" sz="2500" kern="1200"/>
+        </a:p>
+      </dsp:txBody>
+      <dsp:txXfrm>
+        <a:off x="86475" y="1953092"/>
+        <a:ext cx="6090690" cy="1598503"/>
+      </dsp:txXfrm>
+    </dsp:sp>
+    <dsp:sp modelId="{C2BC3035-4A1F-8E43-8368-451CB52F8017}">
+      <dsp:nvSpPr>
+        <dsp:cNvPr id="0" name=""/>
+        <dsp:cNvSpPr/>
+      </dsp:nvSpPr>
+      <dsp:spPr>
+        <a:xfrm>
+          <a:off x="0" y="3710070"/>
+          <a:ext cx="6263640" cy="1771453"/>
+        </a:xfrm>
+        <a:prstGeom prst="roundRect">
+          <a:avLst/>
+        </a:prstGeom>
+        <a:solidFill>
+          <a:schemeClr val="accent2">
+            <a:hueOff val="-1455363"/>
+            <a:satOff val="-83928"/>
+            <a:lumOff val="8628"/>
+            <a:alphaOff val="0"/>
+          </a:schemeClr>
+        </a:solidFill>
+        <a:ln w="12700" cap="flat" cmpd="sng" algn="ctr">
+          <a:solidFill>
+            <a:schemeClr val="lt1">
+              <a:hueOff val="0"/>
+              <a:satOff val="0"/>
+              <a:lumOff val="0"/>
+              <a:alphaOff val="0"/>
+            </a:schemeClr>
+          </a:solidFill>
+          <a:prstDash val="solid"/>
+          <a:miter lim="800000"/>
+        </a:ln>
+        <a:effectLst/>
+      </dsp:spPr>
+      <dsp:style>
+        <a:lnRef idx="2">
+          <a:scrgbClr r="0" g="0" b="0"/>
+        </a:lnRef>
+        <a:fillRef idx="1">
+          <a:scrgbClr r="0" g="0" b="0"/>
+        </a:fillRef>
+        <a:effectRef idx="0">
+          <a:scrgbClr r="0" g="0" b="0"/>
+        </a:effectRef>
+        <a:fontRef idx="minor">
+          <a:schemeClr val="lt1"/>
+        </a:fontRef>
+      </dsp:style>
+      <dsp:txBody>
+        <a:bodyPr spcFirstLastPara="0" vert="horz" wrap="square" lIns="95250" tIns="95250" rIns="95250" bIns="95250" numCol="1" spcCol="1270" anchor="ctr" anchorCtr="0">
+          <a:noAutofit/>
+        </a:bodyPr>
+        <a:lstStyle/>
+        <a:p>
+          <a:pPr marL="0" lvl="0" indent="0" algn="l" defTabSz="1111250">
+            <a:lnSpc>
+              <a:spcPct val="90000"/>
+            </a:lnSpc>
+            <a:spcBef>
+              <a:spcPct val="0"/>
+            </a:spcBef>
+            <a:spcAft>
+              <a:spcPct val="35000"/>
+            </a:spcAft>
+            <a:buNone/>
+          </a:pPr>
+          <a:r>
+            <a:rPr lang="en-US" sz="2500" b="1" kern="1200"/>
+            <a:t>We'll also create a protected route that is accessible only to requests that contain a valid JWT.</a:t>
+          </a:r>
+          <a:endParaRPr lang="en-US" sz="2500" kern="1200"/>
+        </a:p>
+      </dsp:txBody>
+      <dsp:txXfrm>
+        <a:off x="86475" y="3796545"/>
+        <a:ext cx="6090690" cy="1598503"/>
+      </dsp:txXfrm>
+    </dsp:sp>
+  </dsp:spTree>
+</dsp:drawing>
+</file>
+
+<file path=ppt/diagrams/layout1.xml><?xml version="1.0" encoding="utf-8"?>
+<dgm:layoutDef xmlns:dgm="http://schemas.openxmlformats.org/drawingml/2006/diagram" xmlns:a="http://schemas.openxmlformats.org/drawingml/2006/main" uniqueId="urn:microsoft.com/office/officeart/2005/8/layout/vList2">
+  <dgm:title val=""/>
+  <dgm:desc val=""/>
+  <dgm:catLst>
+    <dgm:cat type="list" pri="3000"/>
+    <dgm:cat type="convert" pri="1000"/>
+  </dgm:catLst>
+  <dgm:sampData>
+    <dgm:dataModel>
+      <dgm:ptLst>
+        <dgm:pt modelId="0" type="doc"/>
+        <dgm:pt modelId="1">
+          <dgm:prSet phldr="1"/>
+        </dgm:pt>
+        <dgm:pt modelId="11">
+          <dgm:prSet phldr="1"/>
+        </dgm:pt>
+        <dgm:pt modelId="2">
+          <dgm:prSet phldr="1"/>
+        </dgm:pt>
+        <dgm:pt modelId="21">
+          <dgm:prSet phldr="1"/>
+        </dgm:pt>
+      </dgm:ptLst>
+      <dgm:cxnLst>
+        <dgm:cxn modelId="4" srcId="0" destId="1" srcOrd="0" destOrd="0"/>
+        <dgm:cxn modelId="5" srcId="0" destId="2" srcOrd="1" destOrd="0"/>
+        <dgm:cxn modelId="12" srcId="1" destId="11" srcOrd="0" destOrd="0"/>
+        <dgm:cxn modelId="23" srcId="2" destId="21" srcOrd="0" destOrd="0"/>
+      </dgm:cxnLst>
+      <dgm:bg/>
+      <dgm:whole/>
+    </dgm:dataModel>
+  </dgm:sampData>
+  <dgm:styleData>
+    <dgm:dataModel>
+      <dgm:ptLst>
+        <dgm:pt modelId="0" type="doc"/>
+        <dgm:pt modelId="1"/>
+        <dgm:pt modelId="2"/>
+      </dgm:ptLst>
+      <dgm:cxnLst>
+        <dgm:cxn modelId="3" srcId="0" destId="1" srcOrd="0" destOrd="0"/>
+        <dgm:cxn modelId="4" srcId="0" destId="2" srcOrd="1" destOrd="0"/>
+      </dgm:cxnLst>
+      <dgm:bg/>
+      <dgm:whole/>
+    </dgm:dataModel>
+  </dgm:styleData>
+  <dgm:clrData>
+    <dgm:dataModel>
+      <dgm:ptLst>
+        <dgm:pt modelId="0" type="doc"/>
+        <dgm:pt modelId="1"/>
+        <dgm:pt modelId="2"/>
+        <dgm:pt modelId="3"/>
+        <dgm:pt modelId="4"/>
+      </dgm:ptLst>
+      <dgm:cxnLst>
+        <dgm:cxn modelId="5" srcId="0" destId="1" srcOrd="0" destOrd="0"/>
+        <dgm:cxn modelId="6" srcId="0" destId="2" srcOrd="1" destOrd="0"/>
+        <dgm:cxn modelId="7" srcId="0" destId="3" srcOrd="2" destOrd="0"/>
+        <dgm:cxn modelId="8" srcId="0" destId="4" srcOrd="3" destOrd="0"/>
+      </dgm:cxnLst>
+      <dgm:bg/>
+      <dgm:whole/>
+    </dgm:dataModel>
+  </dgm:clrData>
+  <dgm:layoutNode name="linear">
+    <dgm:varLst>
+      <dgm:animLvl val="lvl"/>
+      <dgm:resizeHandles val="exact"/>
+    </dgm:varLst>
+    <dgm:alg type="lin">
+      <dgm:param type="linDir" val="fromT"/>
+      <dgm:param type="vertAlign" val="mid"/>
+    </dgm:alg>
+    <dgm:shape xmlns:r="http://schemas.openxmlformats.org/officeDocument/2006/relationships" r:blip="">
+      <dgm:adjLst/>
+    </dgm:shape>
+    <dgm:presOf/>
+    <dgm:constrLst>
+      <dgm:constr type="w" for="ch" forName="parentText" refType="w"/>
+      <dgm:constr type="h" for="ch" forName="parentText" refType="primFontSz" refFor="ch" refForName="parentText" fact="0.52"/>
+      <dgm:constr type="w" for="ch" forName="childText" refType="w"/>
+      <dgm:constr type="h" for="ch" forName="childText" refType="primFontSz" refFor="ch" refForName="parentText" fact="0.46"/>
+      <dgm:constr type="h" for="ch" forName="parentText" op="equ"/>
+      <dgm:constr type="primFontSz" for="ch" forName="parentText" op="equ" val="65"/>
+      <dgm:constr type="primFontSz" for="ch" forName="childText" refType="primFontSz" refFor="ch" refForName="parentText" op="equ"/>
+      <dgm:constr type="h" for="ch" forName="spacer" refType="primFontSz" refFor="ch" refForName="parentText" fact="0.08"/>
+    </dgm:constrLst>
+    <dgm:ruleLst>
+      <dgm:rule type="primFontSz" for="ch" forName="parentText" val="5" fact="NaN" max="NaN"/>
+    </dgm:ruleLst>
+    <dgm:forEach name="Name0" axis="ch" ptType="node">
+      <dgm:layoutNode name="parentText" styleLbl="node1">
+        <dgm:varLst>
+          <dgm:chMax val="0"/>
+          <dgm:bulletEnabled val="1"/>
+        </dgm:varLst>
+        <dgm:alg type="tx">
+          <dgm:param type="parTxLTRAlign" val="l"/>
+          <dgm:param type="parTxRTLAlign" val="r"/>
+        </dgm:alg>
+        <dgm:shape xmlns:r="http://schemas.openxmlformats.org/officeDocument/2006/relationships" type="roundRect" r:blip="">
+          <dgm:adjLst/>
+        </dgm:shape>
+        <dgm:presOf axis="self"/>
+        <dgm:constrLst>
+          <dgm:constr type="tMarg" refType="primFontSz" fact="0.3"/>
+          <dgm:constr type="bMarg" refType="primFontSz" fact="0.3"/>
+          <dgm:constr type="lMarg" refType="primFontSz" fact="0.3"/>
+          <dgm:constr type="rMarg" refType="primFontSz" fact="0.3"/>
+        </dgm:constrLst>
+        <dgm:ruleLst>
+          <dgm:rule type="h" val="INF" fact="NaN" max="NaN"/>
+        </dgm:ruleLst>
+      </dgm:layoutNode>
+      <dgm:choose name="Name1">
+        <dgm:if name="Name2" axis="ch" ptType="node" func="cnt" op="gte" val="1">
+          <dgm:layoutNode name="childText" styleLbl="revTx">
+            <dgm:varLst>
+              <dgm:bulletEnabled val="1"/>
+            </dgm:varLst>
+            <dgm:alg type="tx">
+              <dgm:param type="stBulletLvl" val="1"/>
+              <dgm:param type="lnSpAfChP" val="20"/>
+            </dgm:alg>
+            <dgm:shape xmlns:r="http://schemas.openxmlformats.org/officeDocument/2006/relationships" type="rect" r:blip="">
+              <dgm:adjLst/>
+            </dgm:shape>
+            <dgm:presOf axis="des" ptType="node"/>
+            <dgm:constrLst>
+              <dgm:constr type="tMarg" refType="primFontSz" fact="0.1"/>
+              <dgm:constr type="bMarg" refType="primFontSz" fact="0.1"/>
+              <dgm:constr type="lMarg" refType="w" fact="0.09"/>
+            </dgm:constrLst>
+            <dgm:ruleLst>
+              <dgm:rule type="h" val="INF" fact="NaN" max="NaN"/>
+            </dgm:ruleLst>
+          </dgm:layoutNode>
+        </dgm:if>
+        <dgm:else name="Name3">
+          <dgm:choose name="Name4">
+            <dgm:if name="Name5" axis="par ch" ptType="doc node" func="cnt" op="gte" val="2">
+              <dgm:forEach name="Name6" axis="followSib" ptType="sibTrans" cnt="1">
+                <dgm:layoutNode name="spacer">
+                  <dgm:alg type="sp"/>
+                  <dgm:shape xmlns:r="http://schemas.openxmlformats.org/officeDocument/2006/relationships" r:blip="">
+                    <dgm:adjLst/>
+                  </dgm:shape>
+                  <dgm:presOf/>
+                  <dgm:constrLst/>
+                  <dgm:ruleLst/>
+                </dgm:layoutNode>
+              </dgm:forEach>
+            </dgm:if>
+            <dgm:else name="Name7"/>
+          </dgm:choose>
+        </dgm:else>
+      </dgm:choose>
+    </dgm:forEach>
+  </dgm:layoutNode>
+</dgm:layoutDef>
+</file>
+
+<file path=ppt/diagrams/quickStyle1.xml><?xml version="1.0" encoding="utf-8"?>
+<dgm:styleDef xmlns:dgm="http://schemas.openxmlformats.org/drawingml/2006/diagram" xmlns:a="http://schemas.openxmlformats.org/drawingml/2006/main" uniqueId="urn:microsoft.com/office/officeart/2005/8/quickstyle/simple1">
+  <dgm:title val=""/>
+  <dgm:desc val=""/>
+  <dgm:catLst>
+    <dgm:cat type="simple" pri="10100"/>
+  </dgm:catLst>
+  <dgm:scene3d>
+    <a:camera prst="orthographicFront"/>
+    <a:lightRig rig="threePt" dir="t"/>
+  </dgm:scene3d>
+  <dgm:styleLbl name="node0">
+    <dgm:scene3d>
+      <a:camera prst="orthographicFront"/>
+      <a:lightRig rig="threePt" dir="t"/>
+    </dgm:scene3d>
+    <dgm:sp3d/>
+    <dgm:txPr/>
+    <dgm:style>
+      <a:lnRef idx="2">
+        <a:scrgbClr r="0" g="0" b="0"/>
+      </a:lnRef>
+      <a:fillRef idx="1">
+        <a:scrgbClr r="0" g="0" b="0"/>
+      </a:fillRef>
+      <a:effectRef idx="0">
+        <a:scrgbClr r="0" g="0" b="0"/>
+      </a:effectRef>
+      <a:fontRef idx="minor">
+        <a:schemeClr val="lt1"/>
+      </a:fontRef>
+    </dgm:style>
+  </dgm:styleLbl>
+  <dgm:styleLbl name="lnNode1">
+    <dgm:scene3d>
+      <a:camera prst="orthographicFront"/>
+      <a:lightRig rig="threePt" dir="t"/>
+    </dgm:scene3d>
+    <dgm:sp3d/>
+    <dgm:txPr/>
+    <dgm:style>
+      <a:lnRef idx="2">
+        <a:scrgbClr r="0" g="0" b="0"/>
+      </a:lnRef>
+      <a:fillRef idx="1">
+        <a:scrgbClr r="0" g="0" b="0"/>
+      </a:fillRef>
+      <a:effectRef idx="0">
+        <a:scrgbClr r="0" g="0" b="0"/>
+      </a:effectRef>
+      <a:fontRef idx="minor">
+        <a:schemeClr val="lt1"/>
+      </a:fontRef>
+    </dgm:style>
+  </dgm:styleLbl>
+  <dgm:styleLbl name="vennNode1">
+    <dgm:scene3d>
+      <a:camera prst="orthographicFront"/>
+      <a:lightRig rig="threePt" dir="t"/>
+    </dgm:scene3d>
+    <dgm:sp3d/>
+    <dgm:txPr/>
+    <dgm:style>
+      <a:lnRef idx="2">
+        <a:scrgbClr r="0" g="0" b="0"/>
+      </a:lnRef>
+      <a:fillRef idx="1">
+        <a:scrgbClr r="0" g="0" b="0"/>
+      </a:fillRef>
+      <a:effectRef idx="0">
+        <a:scrgbClr r="0" g="0" b="0"/>
+      </a:effectRef>
+      <a:fontRef idx="minor">
+        <a:schemeClr val="tx1"/>
+      </a:fontRef>
+    </dgm:style>
+  </dgm:styleLbl>
+  <dgm:styleLbl name="alignNode1">
+    <dgm:scene3d>
+      <a:camera prst="orthographicFront"/>
+      <a:lightRig rig="threePt" dir="t"/>
+    </dgm:scene3d>
+    <dgm:sp3d/>
+    <dgm:txPr/>
+    <dgm:style>
+      <a:lnRef idx="2">
+        <a:scrgbClr r="0" g="0" b="0"/>
+      </a:lnRef>
+      <a:fillRef idx="1">
+        <a:scrgbClr r="0" g="0" b="0"/>
+      </a:fillRef>
+      <a:effectRef idx="0">
+        <a:scrgbClr r="0" g="0" b="0"/>
+      </a:effectRef>
+      <a:fontRef idx="minor">
+        <a:schemeClr val="lt1"/>
+      </a:fontRef>
+    </dgm:style>
+  </dgm:styleLbl>
+  <dgm:styleLbl name="node1">
+    <dgm:scene3d>
+      <a:camera prst="orthographicFront"/>
+      <a:lightRig rig="threePt" dir="t"/>
+    </dgm:scene3d>
+    <dgm:sp3d/>
+    <dgm:txPr/>
+    <dgm:style>
+      <a:lnRef idx="2">
+        <a:scrgbClr r="0" g="0" b="0"/>
+      </a:lnRef>
+      <a:fillRef idx="1">
+        <a:scrgbClr r="0" g="0" b="0"/>
+      </a:fillRef>
+      <a:effectRef idx="0">
+        <a:scrgbClr r="0" g="0" b="0"/>
+      </a:effectRef>
+      <a:fontRef idx="minor">
+        <a:schemeClr val="lt1"/>
+      </a:fontRef>
+    </dgm:style>
+  </dgm:styleLbl>
+  <dgm:styleLbl name="node2">
+    <dgm:scene3d>
+      <a:camera prst="orthographicFront"/>
+      <a:lightRig rig="threePt" dir="t"/>
+    </dgm:scene3d>
+    <dgm:sp3d/>
+    <dgm:txPr/>
+    <dgm:style>
+      <a:lnRef idx="2">
+        <a:scrgbClr r="0" g="0" b="0"/>
+      </a:lnRef>
+      <a:fillRef idx="1">
+        <a:scrgbClr r="0" g="0" b="0"/>
+      </a:fillRef>
+      <a:effectRef idx="0">
+        <a:scrgbClr r="0" g="0" b="0"/>
+      </a:effectRef>
+      <a:fontRef idx="minor">
+        <a:schemeClr val="lt1"/>
+      </a:fontRef>
+    </dgm:style>
+  </dgm:styleLbl>
+  <dgm:styleLbl name="node3">
+    <dgm:scene3d>
+      <a:camera prst="orthographicFront"/>
+      <a:lightRig rig="threePt" dir="t"/>
+    </dgm:scene3d>
+    <dgm:sp3d/>
+    <dgm:txPr/>
+    <dgm:style>
+      <a:lnRef idx="2">
+        <a:scrgbClr r="0" g="0" b="0"/>
+      </a:lnRef>
+      <a:fillRef idx="1">
+        <a:scrgbClr r="0" g="0" b="0"/>
+      </a:fillRef>
+      <a:effectRef idx="0">
+        <a:scrgbClr r="0" g="0" b="0"/>
+      </a:effectRef>
+      <a:fontRef idx="minor">
+        <a:schemeClr val="lt1"/>
+      </a:fontRef>
+    </dgm:style>
+  </dgm:styleLbl>
+  <dgm:styleLbl name="node4">
+    <dgm:scene3d>
+      <a:camera prst="orthographicFront"/>
+      <a:lightRig rig="threePt" dir="t"/>
+    </dgm:scene3d>
+    <dgm:sp3d/>
+    <dgm:txPr/>
+    <dgm:style>
+      <a:lnRef idx="2">
+        <a:scrgbClr r="0" g="0" b="0"/>
+      </a:lnRef>
+      <a:fillRef idx="1">
+        <a:scrgbClr r="0" g="0" b="0"/>
+      </a:fillRef>
+      <a:effectRef idx="0">
+        <a:scrgbClr r="0" g="0" b="0"/>
+      </a:effectRef>
+      <a:fontRef idx="minor">
+        <a:schemeClr val="lt1"/>
+      </a:fontRef>
+    </dgm:style>
+  </dgm:styleLbl>
+  <dgm:styleLbl name="fgImgPlace1">
+    <dgm:scene3d>
+      <a:camera prst="orthographicFront"/>
+      <a:lightRig rig="threePt" dir="t"/>
+    </dgm:scene3d>
+    <dgm:sp3d/>
+    <dgm:txPr/>
+    <dgm:style>
+      <a:lnRef idx="2">
+        <a:scrgbClr r="0" g="0" b="0"/>
+      </a:lnRef>
+      <a:fillRef idx="1">
+        <a:scrgbClr r="0" g="0" b="0"/>
+      </a:fillRef>
+      <a:effectRef idx="0">
+        <a:scrgbClr r="0" g="0" b="0"/>
+      </a:effectRef>
+      <a:fontRef idx="minor"/>
+    </dgm:style>
+  </dgm:styleLbl>
+  <dgm:styleLbl name="alignImgPlace1">
+    <dgm:scene3d>
+      <a:camera prst="orthographicFront"/>
+      <a:lightRig rig="threePt" dir="t"/>
+    </dgm:scene3d>
+    <dgm:sp3d/>
+    <dgm:txPr/>
+    <dgm:style>
+      <a:lnRef idx="2">
+        <a:scrgbClr r="0" g="0" b="0"/>
+      </a:lnRef>
+      <a:fillRef idx="1">
+        <a:scrgbClr r="0" g="0" b="0"/>
+      </a:fillRef>
+      <a:effectRef idx="0">
+        <a:scrgbClr r="0" g="0" b="0"/>
+      </a:effectRef>
+      <a:fontRef idx="minor"/>
+    </dgm:style>
+  </dgm:styleLbl>
+  <dgm:styleLbl name="bgImgPlace1">
+    <dgm:scene3d>
+      <a:camera prst="orthographicFront"/>
+      <a:lightRig rig="threePt" dir="t"/>
+    </dgm:scene3d>
+    <dgm:sp3d/>
+    <dgm:txPr/>
+    <dgm:style>
+      <a:lnRef idx="2">
+        <a:scrgbClr r="0" g="0" b="0"/>
+      </a:lnRef>
+      <a:fillRef idx="1">
+        <a:scrgbClr r="0" g="0" b="0"/>
+      </a:fillRef>
+      <a:effectRef idx="0">
+        <a:scrgbClr r="0" g="0" b="0"/>
+      </a:effectRef>
+      <a:fontRef idx="minor"/>
+    </dgm:style>
+  </dgm:styleLbl>
+  <dgm:styleLbl name="sibTrans2D1">
+    <dgm:scene3d>
+      <a:camera prst="orthographicFront"/>
+      <a:lightRig rig="threePt" dir="t"/>
+    </dgm:scene3d>
+    <dgm:sp3d/>
+    <dgm:txPr/>
+    <dgm:style>
+      <a:lnRef idx="0">
+        <a:scrgbClr r="0" g="0" b="0"/>
+      </a:lnRef>
+      <a:fillRef idx="1">
+        <a:scrgbClr r="0" g="0" b="0"/>
+      </a:fillRef>
+      <a:effectRef idx="0">
+        <a:scrgbClr r="0" g="0" b="0"/>
+      </a:effectRef>
+      <a:fontRef idx="minor">
+        <a:schemeClr val="lt1"/>
+      </a:fontRef>
+    </dgm:style>
+  </dgm:styleLbl>
+  <dgm:styleLbl name="fgSibTrans2D1">
+    <dgm:scene3d>
+      <a:camera prst="orthographicFront"/>
+      <a:lightRig rig="threePt" dir="t"/>
+    </dgm:scene3d>
+    <dgm:sp3d/>
+    <dgm:txPr/>
+    <dgm:style>
+      <a:lnRef idx="0">
+        <a:scrgbClr r="0" g="0" b="0"/>
+      </a:lnRef>
+      <a:fillRef idx="1">
+        <a:scrgbClr r="0" g="0" b="0"/>
+      </a:fillRef>
+      <a:effectRef idx="0">
+        <a:scrgbClr r="0" g="0" b="0"/>
+      </a:effectRef>
+      <a:fontRef idx="minor">
+        <a:schemeClr val="lt1"/>
+      </a:fontRef>
+    </dgm:style>
+  </dgm:styleLbl>
+  <dgm:styleLbl name="bgSibTrans2D1">
+    <dgm:scene3d>
+      <a:camera prst="orthographicFront"/>
+      <a:lightRig rig="threePt" dir="t"/>
+    </dgm:scene3d>
+    <dgm:sp3d/>
+    <dgm:txPr/>
+    <dgm:style>
+      <a:lnRef idx="0">
+        <a:scrgbClr r="0" g="0" b="0"/>
+      </a:lnRef>
+      <a:fillRef idx="1">
+        <a:scrgbClr r="0" g="0" b="0"/>
+      </a:fillRef>
+      <a:effectRef idx="0">
+        <a:scrgbClr r="0" g="0" b="0"/>
+      </a:effectRef>
+      <a:fontRef idx="minor">
+        <a:schemeClr val="lt1"/>
+      </a:fontRef>
+    </dgm:style>
+  </dgm:styleLbl>
+  <dgm:styleLbl name="sibTrans1D1">
+    <dgm:scene3d>
+      <a:camera prst="orthographicFront"/>
+      <a:lightRig rig="threePt" dir="t"/>
+    </dgm:scene3d>
+    <dgm:sp3d/>
+    <dgm:txPr/>
+    <dgm:style>
+      <a:lnRef idx="1">
+        <a:scrgbClr r="0" g="0" b="0"/>
+      </a:lnRef>
+      <a:fillRef idx="0">
+        <a:scrgbClr r="0" g="0" b="0"/>
+      </a:fillRef>
+      <a:effectRef idx="0">
+        <a:scrgbClr r="0" g="0" b="0"/>
+      </a:effectRef>
+      <a:fontRef idx="minor"/>
+    </dgm:style>
+  </dgm:styleLbl>
+  <dgm:styleLbl name="callout">
+    <dgm:scene3d>
+      <a:camera prst="orthographicFront"/>
+      <a:lightRig rig="threePt" dir="t"/>
+    </dgm:scene3d>
+    <dgm:sp3d/>
+    <dgm:txPr/>
+    <dgm:style>
+      <a:lnRef idx="2">
+        <a:scrgbClr r="0" g="0" b="0"/>
+      </a:lnRef>
+      <a:fillRef idx="1">
+        <a:scrgbClr r="0" g="0" b="0"/>
+      </a:fillRef>
+      <a:effectRef idx="0">
+        <a:scrgbClr r="0" g="0" b="0"/>
+      </a:effectRef>
+      <a:fontRef idx="minor"/>
+    </dgm:style>
+  </dgm:styleLbl>
+  <dgm:styleLbl name="asst0">
+    <dgm:scene3d>
+      <a:camera prst="orthographicFront"/>
+      <a:lightRig rig="threePt" dir="t"/>
+    </dgm:scene3d>
+    <dgm:sp3d/>
+    <dgm:txPr/>
+    <dgm:style>
+      <a:lnRef idx="2">
+        <a:scrgbClr r="0" g="0" b="0"/>
+      </a:lnRef>
+      <a:fillRef idx="1">
+        <a:scrgbClr r="0" g="0" b="0"/>
+      </a:fillRef>
+      <a:effectRef idx="0">
+        <a:scrgbClr r="0" g="0" b="0"/>
+      </a:effectRef>
+      <a:fontRef idx="minor">
+        <a:schemeClr val="lt1"/>
+      </a:fontRef>
+    </dgm:style>
+  </dgm:styleLbl>
+  <dgm:styleLbl name="asst1">
+    <dgm:scene3d>
+      <a:camera prst="orthographicFront"/>
+      <a:lightRig rig="threePt" dir="t"/>
+    </dgm:scene3d>
+    <dgm:sp3d/>
+    <dgm:txPr/>
+    <dgm:style>
+      <a:lnRef idx="2">
+        <a:scrgbClr r="0" g="0" b="0"/>
+      </a:lnRef>
+      <a:fillRef idx="1">
+        <a:scrgbClr r="0" g="0" b="0"/>
+      </a:fillRef>
+      <a:effectRef idx="0">
+        <a:scrgbClr r="0" g="0" b="0"/>
+      </a:effectRef>
+      <a:fontRef idx="minor">
+        <a:schemeClr val="lt1"/>
+      </a:fontRef>
+    </dgm:style>
+  </dgm:styleLbl>
+  <dgm:styleLbl name="asst2">
+    <dgm:scene3d>
+      <a:camera prst="orthographicFront"/>
+      <a:lightRig rig="threePt" dir="t"/>
+    </dgm:scene3d>
+    <dgm:sp3d/>
+    <dgm:txPr/>
+    <dgm:style>
+      <a:lnRef idx="2">
+        <a:scrgbClr r="0" g="0" b="0"/>
+      </a:lnRef>
+      <a:fillRef idx="1">
+        <a:scrgbClr r="0" g="0" b="0"/>
+      </a:fillRef>
+      <a:effectRef idx="0">
+        <a:scrgbClr r="0" g="0" b="0"/>
+      </a:effectRef>
+      <a:fontRef idx="minor">
+        <a:schemeClr val="lt1"/>
+      </a:fontRef>
+    </dgm:style>
+  </dgm:styleLbl>
+  <dgm:styleLbl name="asst3">
+    <dgm:scene3d>
+      <a:camera prst="orthographicFront"/>
+      <a:lightRig rig="threePt" dir="t"/>
+    </dgm:scene3d>
+    <dgm:sp3d/>
+    <dgm:txPr/>
+    <dgm:style>
+      <a:lnRef idx="2">
+        <a:scrgbClr r="0" g="0" b="0"/>
+      </a:lnRef>
+      <a:fillRef idx="1">
+        <a:scrgbClr r="0" g="0" b="0"/>
+      </a:fillRef>
+      <a:effectRef idx="0">
+        <a:scrgbClr r="0" g="0" b="0"/>
+      </a:effectRef>
+      <a:fontRef idx="minor">
+        <a:schemeClr val="lt1"/>
+      </a:fontRef>
+    </dgm:style>
+  </dgm:styleLbl>
+  <dgm:styleLbl name="asst4">
+    <dgm:scene3d>
+      <a:camera prst="orthographicFront"/>
+      <a:lightRig rig="threePt" dir="t"/>
+    </dgm:scene3d>
+    <dgm:sp3d/>
+    <dgm:txPr/>
+    <dgm:style>
+      <a:lnRef idx="2">
+        <a:scrgbClr r="0" g="0" b="0"/>
+      </a:lnRef>
+      <a:fillRef idx="1">
+        <a:scrgbClr r="0" g="0" b="0"/>
+      </a:fillRef>
+      <a:effectRef idx="0">
+        <a:scrgbClr r="0" g="0" b="0"/>
+      </a:effectRef>
+      <a:fontRef idx="minor">
+        <a:schemeClr val="lt1"/>
+      </a:fontRef>
+    </dgm:style>
+  </dgm:styleLbl>
+  <dgm:styleLbl name="parChTrans2D1">
+    <dgm:scene3d>
+      <a:camera prst="orthographicFront"/>
+      <a:lightRig rig="threePt" dir="t"/>
+    </dgm:scene3d>
+    <dgm:sp3d/>
+    <dgm:txPr/>
+    <dgm:style>
+      <a:lnRef idx="2">
+        <a:scrgbClr r="0" g="0" b="0"/>
+      </a:lnRef>
+      <a:fillRef idx="1">
+        <a:scrgbClr r="0" g="0" b="0"/>
+      </a:fillRef>
+      <a:effectRef idx="0">
+        <a:scrgbClr r="0" g="0" b="0"/>
+      </a:effectRef>
+      <a:fontRef idx="minor">
+        <a:schemeClr val="lt1"/>
+      </a:fontRef>
+    </dgm:style>
+  </dgm:styleLbl>
+  <dgm:styleLbl name="parChTrans2D2">
+    <dgm:scene3d>
+      <a:camera prst="orthographicFront"/>
+      <a:lightRig rig="threePt" dir="t"/>
+    </dgm:scene3d>
+    <dgm:sp3d/>
+    <dgm:txPr/>
+    <dgm:style>
+      <a:lnRef idx="2">
+        <a:scrgbClr r="0" g="0" b="0"/>
+      </a:lnRef>
+      <a:fillRef idx="1">
+        <a:scrgbClr r="0" g="0" b="0"/>
+      </a:fillRef>
+      <a:effectRef idx="0">
+        <a:scrgbClr r="0" g="0" b="0"/>
+      </a:effectRef>
+      <a:fontRef idx="minor">
+        <a:schemeClr val="lt1"/>
+      </a:fontRef>
+    </dgm:style>
+  </dgm:styleLbl>
+  <dgm:styleLbl name="parChTrans2D3">
+    <dgm:scene3d>
+      <a:camera prst="orthographicFront"/>
+      <a:lightRig rig="threePt" dir="t"/>
+    </dgm:scene3d>
+    <dgm:sp3d/>
+    <dgm:txPr/>
+    <dgm:style>
+      <a:lnRef idx="2">
+        <a:scrgbClr r="0" g="0" b="0"/>
+      </a:lnRef>
+      <a:fillRef idx="1">
+        <a:scrgbClr r="0" g="0" b="0"/>
+      </a:fillRef>
+      <a:effectRef idx="0">
+        <a:scrgbClr r="0" g="0" b="0"/>
+      </a:effectRef>
+      <a:fontRef idx="minor">
+        <a:schemeClr val="lt1"/>
+      </a:fontRef>
+    </dgm:style>
+  </dgm:styleLbl>
+  <dgm:styleLbl name="parChTrans2D4">
+    <dgm:scene3d>
+      <a:camera prst="orthographicFront"/>
+      <a:lightRig rig="threePt" dir="t"/>
+    </dgm:scene3d>
+    <dgm:sp3d/>
+    <dgm:txPr/>
+    <dgm:style>
+      <a:lnRef idx="2">
+        <a:scrgbClr r="0" g="0" b="0"/>
+      </a:lnRef>
+      <a:fillRef idx="1">
+        <a:scrgbClr r="0" g="0" b="0"/>
+      </a:fillRef>
+      <a:effectRef idx="0">
+        <a:scrgbClr r="0" g="0" b="0"/>
+      </a:effectRef>
+      <a:fontRef idx="minor">
+        <a:schemeClr val="lt1"/>
+      </a:fontRef>
+    </dgm:style>
+  </dgm:styleLbl>
+  <dgm:styleLbl name="parChTrans1D1">
+    <dgm:scene3d>
+      <a:camera prst="orthographicFront"/>
+      <a:lightRig rig="threePt" dir="t"/>
+    </dgm:scene3d>
+    <dgm:sp3d/>
+    <dgm:txPr/>
+    <dgm:style>
+      <a:lnRef idx="2">
+        <a:scrgbClr r="0" g="0" b="0"/>
+      </a:lnRef>
+      <a:fillRef idx="0">
+        <a:scrgbClr r="0" g="0" b="0"/>
+      </a:fillRef>
+      <a:effectRef idx="0">
+        <a:scrgbClr r="0" g="0" b="0"/>
+      </a:effectRef>
+      <a:fontRef idx="minor"/>
+    </dgm:style>
+  </dgm:styleLbl>
+  <dgm:styleLbl name="parChTrans1D2">
+    <dgm:scene3d>
+      <a:camera prst="orthographicFront"/>
+      <a:lightRig rig="threePt" dir="t"/>
+    </dgm:scene3d>
+    <dgm:sp3d/>
+    <dgm:txPr/>
+    <dgm:style>
+      <a:lnRef idx="2">
+        <a:scrgbClr r="0" g="0" b="0"/>
+      </a:lnRef>
+      <a:fillRef idx="0">
+        <a:scrgbClr r="0" g="0" b="0"/>
+      </a:fillRef>
+      <a:effectRef idx="0">
+        <a:scrgbClr r="0" g="0" b="0"/>
+      </a:effectRef>
+      <a:fontRef idx="minor"/>
+    </dgm:style>
+  </dgm:styleLbl>
+  <dgm:styleLbl name="parChTrans1D3">
+    <dgm:scene3d>
+      <a:camera prst="orthographicFront"/>
+      <a:lightRig rig="threePt" dir="t"/>
+    </dgm:scene3d>
+    <dgm:sp3d/>
+    <dgm:txPr/>
+    <dgm:style>
+      <a:lnRef idx="2">
+        <a:scrgbClr r="0" g="0" b="0"/>
+      </a:lnRef>
+      <a:fillRef idx="0">
+        <a:scrgbClr r="0" g="0" b="0"/>
+      </a:fillRef>
+      <a:effectRef idx="0">
+        <a:scrgbClr r="0" g="0" b="0"/>
+      </a:effectRef>
+      <a:fontRef idx="minor"/>
+    </dgm:style>
+  </dgm:styleLbl>
+  <dgm:styleLbl name="parChTrans1D4">
+    <dgm:scene3d>
+      <a:camera prst="orthographicFront"/>
+      <a:lightRig rig="threePt" dir="t"/>
+    </dgm:scene3d>
+    <dgm:sp3d/>
+    <dgm:txPr/>
+    <dgm:style>
+      <a:lnRef idx="2">
+        <a:scrgbClr r="0" g="0" b="0"/>
+      </a:lnRef>
+      <a:fillRef idx="0">
+        <a:scrgbClr r="0" g="0" b="0"/>
+      </a:fillRef>
+      <a:effectRef idx="0">
+        <a:scrgbClr r="0" g="0" b="0"/>
+      </a:effectRef>
+      <a:fontRef idx="minor"/>
+    </dgm:style>
+  </dgm:styleLbl>
+  <dgm:styleLbl name="fgAcc1">
+    <dgm:scene3d>
+      <a:camera prst="orthographicFront"/>
+      <a:lightRig rig="threePt" dir="t"/>
+    </dgm:scene3d>
+    <dgm:sp3d/>
+    <dgm:txPr/>
+    <dgm:style>
+      <a:lnRef idx="2">
+        <a:scrgbClr r="0" g="0" b="0"/>
+      </a:lnRef>
+      <a:fillRef idx="1">
+        <a:scrgbClr r="0" g="0" b="0"/>
+      </a:fillRef>
+      <a:effectRef idx="0">
+        <a:scrgbClr r="0" g="0" b="0"/>
+      </a:effectRef>
+      <a:fontRef idx="minor"/>
+    </dgm:style>
+  </dgm:styleLbl>
+  <dgm:styleLbl name="conFgAcc1">
+    <dgm:scene3d>
+      <a:camera prst="orthographicFront"/>
+      <a:lightRig rig="threePt" dir="t"/>
+    </dgm:scene3d>
+    <dgm:sp3d/>
+    <dgm:txPr/>
+    <dgm:style>
+      <a:lnRef idx="2">
+        <a:scrgbClr r="0" g="0" b="0"/>
+      </a:lnRef>
+      <a:fillRef idx="1">
+        <a:scrgbClr r="0" g="0" b="0"/>
+      </a:fillRef>
+      <a:effectRef idx="0">
+        <a:scrgbClr r="0" g="0" b="0"/>
+      </a:effectRef>
+      <a:fontRef idx="minor"/>
+    </dgm:style>
+  </dgm:styleLbl>
+  <dgm:styleLbl name="alignAcc1">
+    <dgm:scene3d>
+      <a:camera prst="orthographicFront"/>
+      <a:lightRig rig="threePt" dir="t"/>
+    </dgm:scene3d>
+    <dgm:sp3d/>
+    <dgm:txPr/>
+    <dgm:style>
+      <a:lnRef idx="2">
+        <a:scrgbClr r="0" g="0" b="0"/>
+      </a:lnRef>
+      <a:fillRef idx="1">
+        <a:scrgbClr r="0" g="0" b="0"/>
+      </a:fillRef>
+      <a:effectRef idx="0">
+        <a:scrgbClr r="0" g="0" b="0"/>
+      </a:effectRef>
+      <a:fontRef idx="minor"/>
+    </dgm:style>
+  </dgm:styleLbl>
+  <dgm:styleLbl name="trAlignAcc1">
+    <dgm:scene3d>
+      <a:camera prst="orthographicFront"/>
+      <a:lightRig rig="threePt" dir="t"/>
+    </dgm:scene3d>
+    <dgm:sp3d/>
+    <dgm:txPr/>
+    <dgm:style>
+      <a:lnRef idx="1">
+        <a:scrgbClr r="0" g="0" b="0"/>
+      </a:lnRef>
+      <a:fillRef idx="1">
+        <a:scrgbClr r="0" g="0" b="0"/>
+      </a:fillRef>
+      <a:effectRef idx="0">
+        <a:scrgbClr r="0" g="0" b="0"/>
+      </a:effectRef>
+      <a:fontRef idx="minor"/>
+    </dgm:style>
+  </dgm:styleLbl>
+  <dgm:styleLbl name="bgAcc1">
+    <dgm:scene3d>
+      <a:camera prst="orthographicFront"/>
+      <a:lightRig rig="threePt" dir="t"/>
+    </dgm:scene3d>
+    <dgm:sp3d/>
+    <dgm:txPr/>
+    <dgm:style>
+      <a:lnRef idx="2">
+        <a:scrgbClr r="0" g="0" b="0"/>
+      </a:lnRef>
+      <a:fillRef idx="1">
+        <a:scrgbClr r="0" g="0" b="0"/>
+      </a:fillRef>
+      <a:effectRef idx="0">
+        <a:scrgbClr r="0" g="0" b="0"/>
+      </a:effectRef>
+      <a:fontRef idx="minor"/>
+    </dgm:style>
+  </dgm:styleLbl>
+  <dgm:styleLbl name="solidFgAcc1">
+    <dgm:scene3d>
+      <a:camera prst="orthographicFront"/>
+      <a:lightRig rig="threePt" dir="t"/>
+    </dgm:scene3d>
+    <dgm:sp3d/>
+    <dgm:txPr/>
+    <dgm:style>
+      <a:lnRef idx="2">
+        <a:scrgbClr r="0" g="0" b="0"/>
+      </a:lnRef>
+      <a:fillRef idx="1">
+        <a:scrgbClr r="0" g="0" b="0"/>
+      </a:fillRef>
+      <a:effectRef idx="0">
+        <a:scrgbClr r="0" g="0" b="0"/>
+      </a:effectRef>
+      <a:fontRef idx="minor"/>
+    </dgm:style>
+  </dgm:styleLbl>
+  <dgm:styleLbl name="solidAlignAcc1">
+    <dgm:scene3d>
+      <a:camera prst="orthographicFront"/>
+      <a:lightRig rig="threePt" dir="t"/>
+    </dgm:scene3d>
+    <dgm:sp3d/>
+    <dgm:txPr/>
+    <dgm:style>
+      <a:lnRef idx="2">
+        <a:scrgbClr r="0" g="0" b="0"/>
+      </a:lnRef>
+      <a:fillRef idx="1">
+        <a:scrgbClr r="0" g="0" b="0"/>
+      </a:fillRef>
+      <a:effectRef idx="0">
+        <a:scrgbClr r="0" g="0" b="0"/>
+      </a:effectRef>
+      <a:fontRef idx="minor"/>
+    </dgm:style>
+  </dgm:styleLbl>
+  <dgm:styleLbl name="solidBgAcc1">
+    <dgm:scene3d>
+      <a:camera prst="orthographicFront"/>
+      <a:lightRig rig="threePt" dir="t"/>
+    </dgm:scene3d>
+    <dgm:sp3d/>
+    <dgm:txPr/>
+    <dgm:style>
+      <a:lnRef idx="2">
+        <a:scrgbClr r="0" g="0" b="0"/>
+      </a:lnRef>
+      <a:fillRef idx="1">
+        <a:scrgbClr r="0" g="0" b="0"/>
+      </a:fillRef>
+      <a:effectRef idx="0">
+        <a:scrgbClr r="0" g="0" b="0"/>
+      </a:effectRef>
+      <a:fontRef idx="minor"/>
+    </dgm:style>
+  </dgm:styleLbl>
+  <dgm:styleLbl name="fgAccFollowNode1">
+    <dgm:scene3d>
+      <a:camera prst="orthographicFront"/>
+      <a:lightRig rig="threePt" dir="t"/>
+    </dgm:scene3d>
+    <dgm:sp3d/>
+    <dgm:txPr/>
+    <dgm:style>
+      <a:lnRef idx="2">
+        <a:scrgbClr r="0" g="0" b="0"/>
+      </a:lnRef>
+      <a:fillRef idx="1">
+        <a:scrgbClr r="0" g="0" b="0"/>
+      </a:fillRef>
+      <a:effectRef idx="0">
+        <a:scrgbClr r="0" g="0" b="0"/>
+      </a:effectRef>
+      <a:fontRef idx="minor"/>
+    </dgm:style>
+  </dgm:styleLbl>
+  <dgm:styleLbl name="alignAccFollowNode1">
+    <dgm:scene3d>
+      <a:camera prst="orthographicFront"/>
+      <a:lightRig rig="threePt" dir="t"/>
+    </dgm:scene3d>
+    <dgm:sp3d/>
+    <dgm:txPr/>
+    <dgm:style>
+      <a:lnRef idx="2">
+        <a:scrgbClr r="0" g="0" b="0"/>
+      </a:lnRef>
+      <a:fillRef idx="1">
+        <a:scrgbClr r="0" g="0" b="0"/>
+      </a:fillRef>
+      <a:effectRef idx="0">
+        <a:scrgbClr r="0" g="0" b="0"/>
+      </a:effectRef>
+      <a:fontRef idx="minor"/>
+    </dgm:style>
+  </dgm:styleLbl>
+  <dgm:styleLbl name="bgAccFollowNode1">
+    <dgm:scene3d>
+      <a:camera prst="orthographicFront"/>
+      <a:lightRig rig="threePt" dir="t"/>
+    </dgm:scene3d>
+    <dgm:sp3d/>
+    <dgm:txPr/>
+    <dgm:style>
+      <a:lnRef idx="2">
+        <a:scrgbClr r="0" g="0" b="0"/>
+      </a:lnRef>
+      <a:fillRef idx="1">
+        <a:scrgbClr r="0" g="0" b="0"/>
+      </a:fillRef>
+      <a:effectRef idx="0">
+        <a:scrgbClr r="0" g="0" b="0"/>
+      </a:effectRef>
+      <a:fontRef idx="minor"/>
+    </dgm:style>
+  </dgm:styleLbl>
+  <dgm:styleLbl name="fgAcc0">
+    <dgm:scene3d>
+      <a:camera prst="orthographicFront"/>
+      <a:lightRig rig="threePt" dir="t"/>
+    </dgm:scene3d>
+    <dgm:sp3d/>
+    <dgm:txPr/>
+    <dgm:style>
+      <a:lnRef idx="2">
+        <a:scrgbClr r="0" g="0" b="0"/>
+      </a:lnRef>
+      <a:fillRef idx="1">
+        <a:scrgbClr r="0" g="0" b="0"/>
+      </a:fillRef>
+      <a:effectRef idx="0">
+        <a:scrgbClr r="0" g="0" b="0"/>
+      </a:effectRef>
+      <a:fontRef idx="minor"/>
+    </dgm:style>
+  </dgm:styleLbl>
+  <dgm:styleLbl name="fgAcc2">
+    <dgm:scene3d>
+      <a:camera prst="orthographicFront"/>
+      <a:lightRig rig="threePt" dir="t"/>
+    </dgm:scene3d>
+    <dgm:sp3d/>
+    <dgm:txPr/>
+    <dgm:style>
+      <a:lnRef idx="2">
+        <a:scrgbClr r="0" g="0" b="0"/>
+      </a:lnRef>
+      <a:fillRef idx="1">
+        <a:scrgbClr r="0" g="0" b="0"/>
+      </a:fillRef>
+      <a:effectRef idx="0">
+        <a:scrgbClr r="0" g="0" b="0"/>
+      </a:effectRef>
+      <a:fontRef idx="minor"/>
+    </dgm:style>
+  </dgm:styleLbl>
+  <dgm:styleLbl name="fgAcc3">
+    <dgm:scene3d>
+      <a:camera prst="orthographicFront"/>
+      <a:lightRig rig="threePt" dir="t"/>
+    </dgm:scene3d>
+    <dgm:sp3d/>
+    <dgm:txPr/>
+    <dgm:style>
+      <a:lnRef idx="2">
+        <a:scrgbClr r="0" g="0" b="0"/>
+      </a:lnRef>
+      <a:fillRef idx="1">
+        <a:scrgbClr r="0" g="0" b="0"/>
+      </a:fillRef>
+      <a:effectRef idx="0">
+        <a:scrgbClr r="0" g="0" b="0"/>
+      </a:effectRef>
+      <a:fontRef idx="minor"/>
+    </dgm:style>
+  </dgm:styleLbl>
+  <dgm:styleLbl name="fgAcc4">
+    <dgm:scene3d>
+      <a:camera prst="orthographicFront"/>
+      <a:lightRig rig="threePt" dir="t"/>
+    </dgm:scene3d>
+    <dgm:sp3d/>
+    <dgm:txPr/>
+    <dgm:style>
+      <a:lnRef idx="2">
+        <a:scrgbClr r="0" g="0" b="0"/>
+      </a:lnRef>
+      <a:fillRef idx="1">
+        <a:scrgbClr r="0" g="0" b="0"/>
+      </a:fillRef>
+      <a:effectRef idx="0">
+        <a:scrgbClr r="0" g="0" b="0"/>
+      </a:effectRef>
+      <a:fontRef idx="minor"/>
+    </dgm:style>
+  </dgm:styleLbl>
+  <dgm:styleLbl name="bgShp">
+    <dgm:scene3d>
+      <a:camera prst="orthographicFront"/>
+      <a:lightRig rig="threePt" dir="t"/>
+    </dgm:scene3d>
+    <dgm:sp3d/>
+    <dgm:txPr/>
+    <dgm:style>
+      <a:lnRef idx="0">
+        <a:scrgbClr r="0" g="0" b="0"/>
+      </a:lnRef>
+      <a:fillRef idx="1">
+        <a:scrgbClr r="0" g="0" b="0"/>
+      </a:fillRef>
+      <a:effectRef idx="0">
+        <a:scrgbClr r="0" g="0" b="0"/>
+      </a:effectRef>
+      <a:fontRef idx="minor"/>
+    </dgm:style>
+  </dgm:styleLbl>
+  <dgm:styleLbl name="dkBgShp">
+    <dgm:scene3d>
+      <a:camera prst="orthographicFront"/>
+      <a:lightRig rig="threePt" dir="t"/>
+    </dgm:scene3d>
+    <dgm:sp3d/>
+    <dgm:txPr/>
+    <dgm:style>
+      <a:lnRef idx="0">
+        <a:scrgbClr r="0" g="0" b="0"/>
+      </a:lnRef>
+      <a:fillRef idx="1">
+        <a:scrgbClr r="0" g="0" b="0"/>
+      </a:fillRef>
+      <a:effectRef idx="0">
+        <a:scrgbClr r="0" g="0" b="0"/>
+      </a:effectRef>
+      <a:fontRef idx="minor"/>
+    </dgm:style>
+  </dgm:styleLbl>
+  <dgm:styleLbl name="trBgShp">
+    <dgm:scene3d>
+      <a:camera prst="orthographicFront"/>
+      <a:lightRig rig="threePt" dir="t"/>
+    </dgm:scene3d>
+    <dgm:sp3d/>
+    <dgm:txPr/>
+    <dgm:style>
+      <a:lnRef idx="0">
+        <a:scrgbClr r="0" g="0" b="0"/>
+      </a:lnRef>
+      <a:fillRef idx="1">
+        <a:scrgbClr r="0" g="0" b="0"/>
+      </a:fillRef>
+      <a:effectRef idx="0">
+        <a:scrgbClr r="0" g="0" b="0"/>
+      </a:effectRef>
+      <a:fontRef idx="minor"/>
+    </dgm:style>
+  </dgm:styleLbl>
+  <dgm:styleLbl name="fgShp">
+    <dgm:scene3d>
+      <a:camera prst="orthographicFront"/>
+      <a:lightRig rig="threePt" dir="t"/>
+    </dgm:scene3d>
+    <dgm:sp3d/>
+    <dgm:txPr/>
+    <dgm:style>
+      <a:lnRef idx="2">
+        <a:scrgbClr r="0" g="0" b="0"/>
+      </a:lnRef>
+      <a:fillRef idx="1">
+        <a:scrgbClr r="0" g="0" b="0"/>
+      </a:fillRef>
+      <a:effectRef idx="0">
+        <a:scrgbClr r="0" g="0" b="0"/>
+      </a:effectRef>
+      <a:fontRef idx="minor"/>
+    </dgm:style>
+  </dgm:styleLbl>
+  <dgm:styleLbl name="revTx">
+    <dgm:scene3d>
+      <a:camera prst="orthographicFront"/>
+      <a:lightRig rig="threePt" dir="t"/>
+    </dgm:scene3d>
+    <dgm:sp3d/>
+    <dgm:txPr/>
+    <dgm:style>
+      <a:lnRef idx="0">
+        <a:scrgbClr r="0" g="0" b="0"/>
+      </a:lnRef>
+      <a:fillRef idx="0">
+        <a:scrgbClr r="0" g="0" b="0"/>
+      </a:fillRef>
+      <a:effectRef idx="0">
+        <a:scrgbClr r="0" g="0" b="0"/>
+      </a:effectRef>
+      <a:fontRef idx="minor"/>
+    </dgm:style>
+  </dgm:styleLbl>
+</dgm:styleDef>
+</file>
+
 <file path=ppt/notesMasters/notesMaster1.xml><?xml version="1.0" encoding="utf-8"?>
 <p:notesMaster xmlns:a="http://schemas.openxmlformats.org/drawingml/2006/main" xmlns:r="http://schemas.openxmlformats.org/officeDocument/2006/relationships" xmlns:p="http://schemas.openxmlformats.org/presentationml/2006/main">
   <p:cSld>
@@ -219,7 +2669,7 @@
           <a:p>
             <a:fld id="{4BAF5568-5764-3645-BA47-A2145F42072A}" type="datetimeFigureOut">
               <a:rPr lang="en-IL" smtClean="0"/>
-              <a:t>25/05/2021</a:t>
+              <a:t>07/06/2021</a:t>
             </a:fld>
             <a:endParaRPr lang="en-IL"/>
           </a:p>
@@ -531,7 +2981,41 @@
           <a:bodyPr/>
           <a:lstStyle/>
           <a:p>
-            <a:pPr marL="0" algn="r" defTabSz="914400" rtl="1" eaLnBrk="1" latinLnBrk="0" hangingPunct="1"/>
+            <a:pPr marL="171450" marR="0" lvl="0" indent="-171450" algn="l" defTabSz="914400" rtl="0" eaLnBrk="1" fontAlgn="auto" latinLnBrk="0" hangingPunct="1">
+              <a:lnSpc>
+                <a:spcPct val="100000"/>
+              </a:lnSpc>
+              <a:spcBef>
+                <a:spcPts val="0"/>
+              </a:spcBef>
+              <a:spcAft>
+                <a:spcPts val="0"/>
+              </a:spcAft>
+              <a:buClrTx/>
+              <a:buSzTx/>
+              <a:buFont typeface="Arial" panose="020B0604020202020204" pitchFamily="34" charset="0"/>
+              <a:buChar char="•"/>
+              <a:tabLst/>
+              <a:defRPr/>
+            </a:pPr>
+            <a:r>
+              <a:rPr lang="en-US" sz="1200" b="1" i="0" kern="1200" dirty="0">
+                <a:solidFill>
+                  <a:schemeClr val="tx1"/>
+                </a:solidFill>
+                <a:effectLst/>
+                <a:latin typeface="+mn-lt"/>
+                <a:ea typeface="+mn-ea"/>
+                <a:cs typeface="+mn-cs"/>
+              </a:rPr>
+              <a:t>Authentication and authorization go hand-in-hand</a:t>
+            </a:r>
+          </a:p>
+          <a:p>
+            <a:pPr marL="171450" indent="-171450" algn="l" defTabSz="914400" rtl="0" eaLnBrk="1" latinLnBrk="0" hangingPunct="1">
+              <a:buFont typeface="Arial" panose="020B0604020202020204" pitchFamily="34" charset="0"/>
+              <a:buChar char="•"/>
+            </a:pPr>
             <a:endParaRPr lang="en-US" dirty="0"/>
           </a:p>
         </p:txBody>
@@ -616,49 +3100,7 @@
           <a:bodyPr/>
           <a:lstStyle/>
           <a:p>
-            <a:pPr marL="171450" indent="-171450">
-              <a:buFont typeface="Arial" panose="020B0604020202020204" pitchFamily="34" charset="0"/>
-              <a:buChar char="•"/>
-            </a:pPr>
-            <a:r>
-              <a:rPr lang="en-US" sz="1200" b="0" i="0" kern="1200" dirty="0">
-                <a:solidFill>
-                  <a:schemeClr val="tx1"/>
-                </a:solidFill>
-                <a:effectLst/>
-                <a:latin typeface="+mn-lt"/>
-                <a:ea typeface="+mn-ea"/>
-                <a:cs typeface="+mn-cs"/>
-              </a:rPr>
-              <a:t>At the first access, a client needs to contact the </a:t>
-            </a:r>
-            <a:r>
-              <a:rPr lang="en-US" sz="1200" b="0" i="1" kern="1200" dirty="0">
-                <a:solidFill>
-                  <a:schemeClr val="tx1"/>
-                </a:solidFill>
-                <a:effectLst/>
-                <a:latin typeface="+mn-lt"/>
-                <a:ea typeface="+mn-ea"/>
-                <a:cs typeface="+mn-cs"/>
-              </a:rPr>
-              <a:t>authentication server </a:t>
-            </a:r>
-            <a:r>
-              <a:rPr lang="en-US" sz="1200" b="0" i="0" kern="1200" dirty="0">
-                <a:solidFill>
-                  <a:schemeClr val="tx1"/>
-                </a:solidFill>
-                <a:effectLst/>
-                <a:latin typeface="+mn-lt"/>
-                <a:ea typeface="+mn-ea"/>
-                <a:cs typeface="+mn-cs"/>
-              </a:rPr>
-              <a:t>(Amazon Cognito here, but Microsoft, Salesforce or any other provider should be pretty similar), sending username and password to it. If credentials are valid, a JWT token will be returned to the client that will use it to request an API (in this example Amazon API Gateway endpoint).</a:t>
-            </a:r>
-          </a:p>
-          <a:p>
-            <a:pPr marL="171450" indent="-171450">
+            <a:pPr marL="171450" indent="-171450" algn="r">
               <a:buFont typeface="Arial" panose="020B0604020202020204" pitchFamily="34" charset="0"/>
               <a:buChar char="•"/>
             </a:pPr>
@@ -687,7 +3129,7 @@
                 <a:ea typeface="+mn-ea"/>
                 <a:cs typeface="+mn-cs"/>
               </a:rPr>
-              <a:t>In the above scenario (fig.5), API itself is the only responsible for token validation and it’s able to reject the request if the signature seems forged.</a:t>
+              <a:t>// TODO translate</a:t>
             </a:r>
           </a:p>
           <a:p>
@@ -695,55 +3137,6 @@
               <a:buFont typeface="Arial" panose="020B0604020202020204" pitchFamily="34" charset="0"/>
               <a:buChar char="•"/>
             </a:pPr>
-            <a:endParaRPr lang="en-US" sz="1200" b="0" i="0" kern="1200" dirty="0">
-              <a:solidFill>
-                <a:schemeClr val="tx1"/>
-              </a:solidFill>
-              <a:effectLst/>
-              <a:latin typeface="+mn-lt"/>
-              <a:ea typeface="+mn-ea"/>
-              <a:cs typeface="+mn-cs"/>
-            </a:endParaRPr>
-          </a:p>
-          <a:p>
-            <a:pPr marL="171450" indent="-171450">
-              <a:buFont typeface="Arial" panose="020B0604020202020204" pitchFamily="34" charset="0"/>
-              <a:buChar char="•"/>
-            </a:pPr>
-            <a:endParaRPr lang="en-US" sz="1200" b="0" i="0" kern="1200" dirty="0">
-              <a:solidFill>
-                <a:schemeClr val="tx1"/>
-              </a:solidFill>
-              <a:effectLst/>
-              <a:latin typeface="+mn-lt"/>
-              <a:ea typeface="+mn-ea"/>
-              <a:cs typeface="+mn-cs"/>
-            </a:endParaRPr>
-          </a:p>
-          <a:p>
-            <a:r>
-              <a:rPr lang="en-US" sz="1200" b="1" i="0" kern="1200" dirty="0">
-                <a:solidFill>
-                  <a:schemeClr val="tx1"/>
-                </a:solidFill>
-                <a:effectLst/>
-                <a:latin typeface="+mn-lt"/>
-                <a:ea typeface="+mn-ea"/>
-                <a:cs typeface="+mn-cs"/>
-              </a:rPr>
-              <a:t>Going further</a:t>
-            </a:r>
-            <a:br>
-              <a:rPr lang="en-US" sz="1200" b="1" i="0" kern="1200" dirty="0">
-                <a:solidFill>
-                  <a:schemeClr val="tx1"/>
-                </a:solidFill>
-                <a:effectLst/>
-                <a:latin typeface="+mn-lt"/>
-                <a:ea typeface="+mn-ea"/>
-                <a:cs typeface="+mn-cs"/>
-              </a:rPr>
-            </a:br>
             <a:r>
               <a:rPr lang="en-US" sz="1200" b="0" i="0" kern="1200" dirty="0">
                 <a:solidFill>
@@ -754,41 +3147,25 @@
                 <a:ea typeface="+mn-ea"/>
                 <a:cs typeface="+mn-cs"/>
               </a:rPr>
-              <a:t>Suppose a client wants to invoke a protected API to delete an order (e.g. DELETE /order/42) and this action should be only performed by administrators.</a:t>
-            </a:r>
-          </a:p>
-          <a:p>
-            <a:r>
-              <a:rPr lang="en-US" sz="1200" b="0" i="0" kern="1200" dirty="0">
-                <a:solidFill>
-                  <a:schemeClr val="tx1"/>
-                </a:solidFill>
-                <a:effectLst/>
-                <a:latin typeface="+mn-lt"/>
-                <a:ea typeface="+mn-ea"/>
-                <a:cs typeface="+mn-cs"/>
-              </a:rPr>
-              <a:t>With a JWT in place, this operation is hard as add a custom claim to the payload body (i.e. the admin: true claim of the example above). When invoked, the API will first verify the signature authenticity and afterwards, it’ll check if admin claim is true.</a:t>
-            </a:r>
-          </a:p>
-          <a:p>
+              <a:t>Using SSS, we reduce the number of authentications towards the Credentials database.</a:t>
+            </a:r>
+          </a:p>
+          <a:p>
+            <a:pPr marL="171450" indent="-171450">
+              <a:buFont typeface="Arial" panose="020B0604020202020204" pitchFamily="34" charset="0"/>
+              <a:buChar char="•"/>
+            </a:pPr>
+            <a:r>
+              <a:rPr lang="en-US" dirty="0"/>
+              <a:t>This solution will fix a problem but it will create another one.</a:t>
+            </a:r>
             <a:br>
+              <a:rPr lang="en-US" sz="1400" dirty="0"/>
+            </a:br>
+            <a:r>
               <a:rPr lang="en-US" dirty="0"/>
-            </a:br>
-            <a:endParaRPr lang="en-US" sz="1200" b="0" i="0" kern="1200" dirty="0">
-              <a:solidFill>
-                <a:schemeClr val="tx1"/>
-              </a:solidFill>
-              <a:effectLst/>
-              <a:latin typeface="+mn-lt"/>
-              <a:ea typeface="+mn-ea"/>
-              <a:cs typeface="+mn-cs"/>
-            </a:endParaRPr>
-          </a:p>
-          <a:p>
-            <a:br>
-              <a:rPr lang="en-US" dirty="0"/>
-            </a:br>
+              <a:t>Probably bigger.</a:t>
+            </a:r>
             <a:endParaRPr lang="en-IL" dirty="0"/>
           </a:p>
         </p:txBody>
@@ -810,7 +3187,7 @@
           <a:p>
             <a:fld id="{D2850163-67CE-1445-A832-1977356FC86B}" type="slidenum">
               <a:rPr lang="en-IL" smtClean="0"/>
-              <a:t>19</a:t>
+              <a:t>13</a:t>
             </a:fld>
             <a:endParaRPr lang="en-IL"/>
           </a:p>
@@ -819,7 +3196,7 @@
     </p:spTree>
     <p:extLst>
       <p:ext uri="{BB962C8B-B14F-4D97-AF65-F5344CB8AC3E}">
-        <p14:creationId xmlns:p14="http://schemas.microsoft.com/office/powerpoint/2010/main" val="2027966840"/>
+        <p14:creationId xmlns:p14="http://schemas.microsoft.com/office/powerpoint/2010/main" val="3713732377"/>
       </p:ext>
     </p:extLst>
   </p:cSld>
@@ -873,6 +3250,10 @@
           <a:bodyPr/>
           <a:lstStyle/>
           <a:p>
+            <a:pPr marL="171450" indent="-171450">
+              <a:buFont typeface="Arial" panose="020B0604020202020204" pitchFamily="34" charset="0"/>
+              <a:buChar char="•"/>
+            </a:pPr>
             <a:r>
               <a:rPr lang="en-US" sz="1200" b="0" i="0" kern="1200" dirty="0">
                 <a:solidFill>
@@ -883,7 +3264,89 @@
                 <a:ea typeface="+mn-ea"/>
                 <a:cs typeface="+mn-cs"/>
               </a:rPr>
-              <a:t>A JWT is cryptographically signed (but </a:t>
+              <a:t>// TODO translate</a:t>
+            </a:r>
+          </a:p>
+          <a:p>
+            <a:pPr marL="171450" indent="-171450">
+              <a:buFont typeface="Arial" panose="020B0604020202020204" pitchFamily="34" charset="0"/>
+              <a:buChar char="•"/>
+            </a:pPr>
+            <a:endParaRPr lang="en-US" sz="1200" b="0" i="0" kern="1200" dirty="0">
+              <a:solidFill>
+                <a:schemeClr val="tx1"/>
+              </a:solidFill>
+              <a:effectLst/>
+              <a:latin typeface="+mn-lt"/>
+              <a:ea typeface="+mn-ea"/>
+              <a:cs typeface="+mn-cs"/>
+            </a:endParaRPr>
+          </a:p>
+          <a:p>
+            <a:pPr marL="171450" indent="-171450">
+              <a:buFont typeface="Arial" panose="020B0604020202020204" pitchFamily="34" charset="0"/>
+              <a:buChar char="•"/>
+            </a:pPr>
+            <a:r>
+              <a:rPr lang="en-US" sz="1200" b="0" i="0" kern="1200" dirty="0">
+                <a:solidFill>
+                  <a:schemeClr val="tx1"/>
+                </a:solidFill>
+                <a:effectLst/>
+                <a:latin typeface="+mn-lt"/>
+                <a:ea typeface="+mn-ea"/>
+                <a:cs typeface="+mn-cs"/>
+              </a:rPr>
+              <a:t>In the initial scenario, behind the load balancer, there’s just one server. When a client performs a request, using session id </a:t>
+            </a:r>
+            <a:r>
+              <a:rPr lang="en-US" dirty="0" err="1"/>
+              <a:t>xyz</a:t>
+            </a:r>
+            <a:r>
+              <a:rPr lang="en-US" sz="1200" b="0" i="0" kern="1200" dirty="0">
+                <a:solidFill>
+                  <a:schemeClr val="tx1"/>
+                </a:solidFill>
+                <a:effectLst/>
+                <a:latin typeface="+mn-lt"/>
+                <a:ea typeface="+mn-ea"/>
+                <a:cs typeface="+mn-cs"/>
+              </a:rPr>
+              <a:t>, its record will surely be found in the server’s memory (fig.3).</a:t>
+            </a:r>
+          </a:p>
+          <a:p>
+            <a:pPr marL="171450" indent="-171450">
+              <a:buFont typeface="Arial" panose="020B0604020202020204" pitchFamily="34" charset="0"/>
+              <a:buChar char="•"/>
+            </a:pPr>
+            <a:endParaRPr lang="en-US" sz="1200" b="0" i="0" kern="1200" dirty="0">
+              <a:solidFill>
+                <a:schemeClr val="tx1"/>
+              </a:solidFill>
+              <a:effectLst/>
+              <a:latin typeface="+mn-lt"/>
+              <a:ea typeface="+mn-ea"/>
+              <a:cs typeface="+mn-cs"/>
+            </a:endParaRPr>
+          </a:p>
+          <a:p>
+            <a:pPr marL="171450" indent="-171450">
+              <a:buFont typeface="Arial" panose="020B0604020202020204" pitchFamily="34" charset="0"/>
+              <a:buChar char="•"/>
+            </a:pPr>
+            <a:r>
+              <a:rPr lang="en-US" sz="1200" b="0" i="0" kern="1200" dirty="0">
+                <a:solidFill>
+                  <a:schemeClr val="tx1"/>
+                </a:solidFill>
+                <a:effectLst/>
+                <a:latin typeface="+mn-lt"/>
+                <a:ea typeface="+mn-ea"/>
+                <a:cs typeface="+mn-cs"/>
+              </a:rPr>
+              <a:t>Now imagine that the above infrastructure needs to scale. A new server (i.e. </a:t>
             </a:r>
             <a:r>
               <a:rPr lang="en-US" sz="1200" b="0" i="1" kern="1200" dirty="0">
@@ -895,7 +3358,7 @@
                 <a:ea typeface="+mn-ea"/>
                 <a:cs typeface="+mn-cs"/>
               </a:rPr>
-              <a:t>not</a:t>
+              <a:t>Server 2:2</a:t>
             </a:r>
             <a:r>
               <a:rPr lang="en-US" sz="1200" b="0" i="0" kern="1200" dirty="0">
@@ -907,10 +3370,30 @@
                 <a:ea typeface="+mn-ea"/>
                 <a:cs typeface="+mn-cs"/>
               </a:rPr>
-              <a:t> encrypted, hence using HTTPS is mandatory when storing user data in the JWT), so there is a guarantee we can trust it when we receive it, as no middleman can intercept and modify it, or the data it holds, without invalidating it.</a:t>
-            </a:r>
-          </a:p>
-          <a:p>
+              <a:t>) will be added behind the load balancer and this brand new server will handle the next request issued by </a:t>
+            </a:r>
+            <a:r>
+              <a:rPr lang="en-US" dirty="0" err="1"/>
+              <a:t>xyz</a:t>
+            </a:r>
+            <a:r>
+              <a:rPr lang="en-US" sz="1200" b="0" i="0" kern="1200" dirty="0">
+                <a:solidFill>
+                  <a:schemeClr val="tx1"/>
+                </a:solidFill>
+                <a:effectLst/>
+                <a:latin typeface="+mn-lt"/>
+                <a:ea typeface="+mn-ea"/>
+                <a:cs typeface="+mn-cs"/>
+              </a:rPr>
+              <a:t> client…</a:t>
+            </a:r>
+          </a:p>
+          <a:p>
+            <a:pPr marL="171450" indent="-171450">
+              <a:buFont typeface="Arial" panose="020B0604020202020204" pitchFamily="34" charset="0"/>
+              <a:buChar char="•"/>
+            </a:pPr>
             <a:endParaRPr lang="en-US" sz="1200" b="0" i="0" kern="1200" dirty="0">
               <a:solidFill>
                 <a:schemeClr val="tx1"/>
@@ -922,6 +3405,44 @@
             </a:endParaRPr>
           </a:p>
           <a:p>
+            <a:pPr marL="171450" indent="-171450">
+              <a:buFont typeface="Arial" panose="020B0604020202020204" pitchFamily="34" charset="0"/>
+              <a:buChar char="•"/>
+            </a:pPr>
+            <a:r>
+              <a:rPr lang="en-US" sz="1200" b="0" i="0" kern="1200" dirty="0">
+                <a:solidFill>
+                  <a:schemeClr val="tx1"/>
+                </a:solidFill>
+                <a:effectLst/>
+                <a:latin typeface="+mn-lt"/>
+                <a:ea typeface="+mn-ea"/>
+                <a:cs typeface="+mn-cs"/>
+              </a:rPr>
+              <a:t>Unauthenticated! The brand new server has no </a:t>
+            </a:r>
+            <a:r>
+              <a:rPr lang="en-US" dirty="0" err="1"/>
+              <a:t>xyz</a:t>
+            </a:r>
+            <a:r>
+              <a:rPr lang="en-US" sz="1200" b="0" i="0" kern="1200" dirty="0">
+                <a:solidFill>
+                  <a:schemeClr val="tx1"/>
+                </a:solidFill>
+                <a:effectLst/>
+                <a:latin typeface="+mn-lt"/>
+                <a:ea typeface="+mn-ea"/>
+                <a:cs typeface="+mn-cs"/>
+              </a:rPr>
+              <a:t> sessions in its memory, so the authentication process will fail.</a:t>
+            </a:r>
+          </a:p>
+          <a:p>
+            <a:pPr marL="171450" indent="-171450">
+              <a:buFont typeface="Arial" panose="020B0604020202020204" pitchFamily="34" charset="0"/>
+              <a:buChar char="•"/>
+            </a:pPr>
             <a:endParaRPr lang="en-US" sz="1200" b="0" i="0" kern="1200" dirty="0">
               <a:solidFill>
                 <a:schemeClr val="tx1"/>
@@ -933,75 +3454,10 @@
             </a:endParaRPr>
           </a:p>
           <a:p>
-            <a:r>
-              <a:rPr lang="en-US" sz="1200" b="0" i="0" kern="1200" dirty="0">
-                <a:solidFill>
-                  <a:schemeClr val="tx1"/>
-                </a:solidFill>
-                <a:effectLst/>
-                <a:latin typeface="+mn-lt"/>
-                <a:ea typeface="+mn-ea"/>
-                <a:cs typeface="+mn-cs"/>
-              </a:rPr>
-              <a:t>The secret key must be saved on server, and if I want to use the same </a:t>
-            </a:r>
-            <a:r>
-              <a:rPr lang="en-US" sz="1200" b="0" i="0" kern="1200" dirty="0" err="1">
-                <a:solidFill>
-                  <a:schemeClr val="tx1"/>
-                </a:solidFill>
-                <a:effectLst/>
-                <a:latin typeface="+mn-lt"/>
-                <a:ea typeface="+mn-ea"/>
-                <a:cs typeface="+mn-cs"/>
-              </a:rPr>
-              <a:t>jwt</a:t>
-            </a:r>
-            <a:r>
-              <a:rPr lang="en-US" sz="1200" b="0" i="0" kern="1200" dirty="0">
-                <a:solidFill>
-                  <a:schemeClr val="tx1"/>
-                </a:solidFill>
-                <a:effectLst/>
-                <a:latin typeface="+mn-lt"/>
-                <a:ea typeface="+mn-ea"/>
-                <a:cs typeface="+mn-cs"/>
-              </a:rPr>
-              <a:t> to access two different servers, both servers should share the same private key between them</a:t>
-            </a:r>
-            <a:endParaRPr lang="en-US" sz="1200" b="0" i="1" kern="1200" dirty="0">
-              <a:solidFill>
-                <a:schemeClr val="tx1"/>
-              </a:solidFill>
-              <a:effectLst/>
-              <a:latin typeface="+mn-lt"/>
-              <a:ea typeface="+mn-ea"/>
-              <a:cs typeface="+mn-cs"/>
-            </a:endParaRPr>
-          </a:p>
-          <a:p>
-            <a:endParaRPr lang="en-US" sz="1200" b="0" i="1" kern="1200" dirty="0">
-              <a:solidFill>
-                <a:schemeClr val="tx1"/>
-              </a:solidFill>
-              <a:effectLst/>
-              <a:latin typeface="+mn-lt"/>
-              <a:ea typeface="+mn-ea"/>
-              <a:cs typeface="+mn-cs"/>
-            </a:endParaRPr>
-          </a:p>
-          <a:p>
-            <a:endParaRPr lang="en-US" sz="1200" b="0" i="1" kern="1200" dirty="0">
-              <a:solidFill>
-                <a:schemeClr val="tx1"/>
-              </a:solidFill>
-              <a:effectLst/>
-              <a:latin typeface="+mn-lt"/>
-              <a:ea typeface="+mn-ea"/>
-              <a:cs typeface="+mn-cs"/>
-            </a:endParaRPr>
-          </a:p>
-          <a:p>
+            <a:pPr marL="171450" indent="-171450">
+              <a:buFont typeface="Arial" panose="020B0604020202020204" pitchFamily="34" charset="0"/>
+              <a:buChar char="•"/>
+            </a:pPr>
             <a:endParaRPr lang="en-IL" dirty="0"/>
           </a:p>
         </p:txBody>
@@ -1023,7 +3479,7 @@
           <a:p>
             <a:fld id="{D2850163-67CE-1445-A832-1977356FC86B}" type="slidenum">
               <a:rPr lang="en-IL" smtClean="0"/>
-              <a:t>20</a:t>
+              <a:t>14</a:t>
             </a:fld>
             <a:endParaRPr lang="en-IL"/>
           </a:p>
@@ -1032,7 +3488,7 @@
     </p:spTree>
     <p:extLst>
       <p:ext uri="{BB962C8B-B14F-4D97-AF65-F5344CB8AC3E}">
-        <p14:creationId xmlns:p14="http://schemas.microsoft.com/office/powerpoint/2010/main" val="3943535028"/>
+        <p14:creationId xmlns:p14="http://schemas.microsoft.com/office/powerpoint/2010/main" val="2007733543"/>
       </p:ext>
     </p:extLst>
   </p:cSld>
@@ -1086,29 +3542,52 @@
           <a:bodyPr/>
           <a:lstStyle/>
           <a:p>
+            <a:pPr marL="171450" indent="-171450">
+              <a:buFont typeface="Arial" panose="020B0604020202020204" pitchFamily="34" charset="0"/>
+              <a:buChar char="•"/>
+            </a:pPr>
             <a:r>
               <a:rPr lang="en-US" dirty="0"/>
-              <a:t>https://</a:t>
-            </a:r>
-            <a:r>
-              <a:rPr lang="en-US" dirty="0" err="1"/>
-              <a:t>www.youtube.com</a:t>
-            </a:r>
+              <a:t>// TODO translate</a:t>
+            </a:r>
+          </a:p>
+          <a:p>
+            <a:pPr marL="171450" indent="-171450">
+              <a:buFont typeface="Arial" panose="020B0604020202020204" pitchFamily="34" charset="0"/>
+              <a:buChar char="•"/>
+            </a:pPr>
+            <a:endParaRPr lang="en-US" dirty="0"/>
+          </a:p>
+          <a:p>
+            <a:pPr marL="171450" indent="-171450">
+              <a:buFont typeface="Arial" panose="020B0604020202020204" pitchFamily="34" charset="0"/>
+              <a:buChar char="•"/>
+            </a:pPr>
             <a:r>
               <a:rPr lang="en-US" dirty="0"/>
-              <a:t>/</a:t>
-            </a:r>
-            <a:r>
-              <a:rPr lang="en-US" dirty="0" err="1"/>
-              <a:t>watch?v</a:t>
+              <a:t>Each token is </a:t>
+            </a:r>
+            <a:r>
+              <a:rPr lang="en-US" i="1" dirty="0">
+                <a:effectLst/>
+              </a:rPr>
+              <a:t>self-contained</a:t>
             </a:r>
             <a:r>
               <a:rPr lang="en-US" dirty="0"/>
-              <a:t>=7Q17ubqLfaM&amp;ab_channel=</a:t>
-            </a:r>
-            <a:r>
-              <a:rPr lang="en-US" dirty="0" err="1"/>
-              <a:t>WebDevSimplified</a:t>
+              <a:t>, this means it contains all information needed to allow or deny any given requests to an API.</a:t>
+            </a:r>
+            <a:r>
+              <a:rPr lang="en-US" sz="1200" b="0" i="0" kern="1200" dirty="0">
+                <a:solidFill>
+                  <a:schemeClr val="tx1"/>
+                </a:solidFill>
+                <a:effectLst/>
+                <a:latin typeface="+mn-lt"/>
+                <a:ea typeface="+mn-ea"/>
+                <a:cs typeface="+mn-cs"/>
+              </a:rPr>
+              <a:t> To understand how we can verify a token and how authorization happens, we need to take a step back and look into a JWT</a:t>
             </a:r>
             <a:endParaRPr lang="en-IL" dirty="0"/>
           </a:p>
@@ -1131,7 +3610,7 @@
           <a:p>
             <a:fld id="{D2850163-67CE-1445-A832-1977356FC86B}" type="slidenum">
               <a:rPr lang="en-IL" smtClean="0"/>
-              <a:t>21</a:t>
+              <a:t>15</a:t>
             </a:fld>
             <a:endParaRPr lang="en-IL"/>
           </a:p>
@@ -1140,7 +3619,7 @@
     </p:spTree>
     <p:extLst>
       <p:ext uri="{BB962C8B-B14F-4D97-AF65-F5344CB8AC3E}">
-        <p14:creationId xmlns:p14="http://schemas.microsoft.com/office/powerpoint/2010/main" val="2561722854"/>
+        <p14:creationId xmlns:p14="http://schemas.microsoft.com/office/powerpoint/2010/main" val="1893087652"/>
       </p:ext>
     </p:extLst>
   </p:cSld>
@@ -1194,6 +3673,88 @@
           <a:bodyPr/>
           <a:lstStyle/>
           <a:p>
+            <a:r>
+              <a:rPr lang="en-US" sz="1200" b="1" i="1" kern="1200" dirty="0">
+                <a:solidFill>
+                  <a:schemeClr val="tx1"/>
+                </a:solidFill>
+                <a:effectLst/>
+                <a:latin typeface="+mn-lt"/>
+                <a:ea typeface="+mn-ea"/>
+                <a:cs typeface="+mn-cs"/>
+              </a:rPr>
+              <a:t>// TODO translate</a:t>
+            </a:r>
+          </a:p>
+          <a:p>
+            <a:endParaRPr lang="en-US" sz="1200" b="1" i="1" kern="1200" dirty="0">
+              <a:solidFill>
+                <a:schemeClr val="tx1"/>
+              </a:solidFill>
+              <a:effectLst/>
+              <a:latin typeface="+mn-lt"/>
+              <a:ea typeface="+mn-ea"/>
+              <a:cs typeface="+mn-cs"/>
+            </a:endParaRPr>
+          </a:p>
+          <a:p>
+            <a:r>
+              <a:rPr lang="en-US" sz="1200" b="1" i="1" kern="1200" dirty="0">
+                <a:solidFill>
+                  <a:schemeClr val="tx1"/>
+                </a:solidFill>
+                <a:effectLst/>
+                <a:latin typeface="+mn-lt"/>
+                <a:ea typeface="+mn-ea"/>
+                <a:cs typeface="+mn-cs"/>
+              </a:rPr>
+              <a:t>Note:</a:t>
+            </a:r>
+            <a:r>
+              <a:rPr lang="en-US" sz="1200" b="0" i="1" kern="1200" dirty="0">
+                <a:solidFill>
+                  <a:schemeClr val="tx1"/>
+                </a:solidFill>
+                <a:effectLst/>
+                <a:latin typeface="+mn-lt"/>
+                <a:ea typeface="+mn-ea"/>
+                <a:cs typeface="+mn-cs"/>
+              </a:rPr>
+              <a:t> In asymmetric encryption, we all know that a public key is used to encrypt a message, whereas a private key is used to decrypt it.</a:t>
+            </a:r>
+            <a:br>
+              <a:rPr lang="en-US" dirty="0"/>
+            </a:br>
+            <a:r>
+              <a:rPr lang="en-US" sz="1200" b="0" i="1" kern="1200" dirty="0">
+                <a:solidFill>
+                  <a:schemeClr val="tx1"/>
+                </a:solidFill>
+                <a:effectLst/>
+                <a:latin typeface="+mn-lt"/>
+                <a:ea typeface="+mn-ea"/>
+                <a:cs typeface="+mn-cs"/>
+              </a:rPr>
+              <a:t>In a signing algorithm, this process is completely switched! Here the message (the </a:t>
+            </a:r>
+            <a:r>
+              <a:rPr lang="en-US" i="0" dirty="0">
+                <a:effectLst/>
+              </a:rPr>
+              <a:t>data</a:t>
+            </a:r>
+            <a:r>
+              <a:rPr lang="en-US" sz="1200" b="0" i="1" kern="1200" dirty="0">
+                <a:solidFill>
+                  <a:schemeClr val="tx1"/>
+                </a:solidFill>
+                <a:effectLst/>
+                <a:latin typeface="+mn-lt"/>
+                <a:ea typeface="+mn-ea"/>
+                <a:cs typeface="+mn-cs"/>
+              </a:rPr>
+              <a:t> in the pseudo-code above) is signed using the private key and the public key is used to verify that the signature is valid.</a:t>
+            </a:r>
             <a:endParaRPr lang="en-IL" dirty="0"/>
           </a:p>
         </p:txBody>
@@ -1224,7 +3785,7 @@
     </p:spTree>
     <p:extLst>
       <p:ext uri="{BB962C8B-B14F-4D97-AF65-F5344CB8AC3E}">
-        <p14:creationId xmlns:p14="http://schemas.microsoft.com/office/powerpoint/2010/main" val="868668785"/>
+        <p14:creationId xmlns:p14="http://schemas.microsoft.com/office/powerpoint/2010/main" val="2347858746"/>
       </p:ext>
     </p:extLst>
   </p:cSld>
@@ -1278,7 +3839,179 @@
           <a:bodyPr/>
           <a:lstStyle/>
           <a:p>
-            <a:pPr algn="r" rtl="1"/>
+            <a:pPr marL="171450" indent="-171450">
+              <a:buFont typeface="Arial" panose="020B0604020202020204" pitchFamily="34" charset="0"/>
+              <a:buChar char="•"/>
+            </a:pPr>
+            <a:r>
+              <a:rPr lang="en-US" sz="1200" b="0" i="0" kern="1200" dirty="0">
+                <a:solidFill>
+                  <a:schemeClr val="tx1"/>
+                </a:solidFill>
+                <a:effectLst/>
+                <a:latin typeface="+mn-lt"/>
+                <a:ea typeface="+mn-ea"/>
+                <a:cs typeface="+mn-cs"/>
+              </a:rPr>
+              <a:t>At the first access, a client needs to contact the </a:t>
+            </a:r>
+            <a:r>
+              <a:rPr lang="en-US" sz="1200" b="0" i="1" kern="1200" dirty="0">
+                <a:solidFill>
+                  <a:schemeClr val="tx1"/>
+                </a:solidFill>
+                <a:effectLst/>
+                <a:latin typeface="+mn-lt"/>
+                <a:ea typeface="+mn-ea"/>
+                <a:cs typeface="+mn-cs"/>
+              </a:rPr>
+              <a:t>authentication server </a:t>
+            </a:r>
+            <a:r>
+              <a:rPr lang="en-US" sz="1200" b="0" i="0" kern="1200" dirty="0">
+                <a:solidFill>
+                  <a:schemeClr val="tx1"/>
+                </a:solidFill>
+                <a:effectLst/>
+                <a:latin typeface="+mn-lt"/>
+                <a:ea typeface="+mn-ea"/>
+                <a:cs typeface="+mn-cs"/>
+              </a:rPr>
+              <a:t>(Amazon Cognito here, but Microsoft, Salesforce or any other provider should be pretty similar), sending username and password to it. If credentials are valid, a JWT token will be returned to the client that will use it to request an API (in this example Amazon API Gateway endpoint).</a:t>
+            </a:r>
+          </a:p>
+          <a:p>
+            <a:pPr marL="171450" indent="-171450">
+              <a:buFont typeface="Arial" panose="020B0604020202020204" pitchFamily="34" charset="0"/>
+              <a:buChar char="•"/>
+            </a:pPr>
+            <a:endParaRPr lang="en-US" sz="1200" b="0" i="0" kern="1200" dirty="0">
+              <a:solidFill>
+                <a:schemeClr val="tx1"/>
+              </a:solidFill>
+              <a:effectLst/>
+              <a:latin typeface="+mn-lt"/>
+              <a:ea typeface="+mn-ea"/>
+              <a:cs typeface="+mn-cs"/>
+            </a:endParaRPr>
+          </a:p>
+          <a:p>
+            <a:pPr marL="171450" indent="-171450">
+              <a:buFont typeface="Arial" panose="020B0604020202020204" pitchFamily="34" charset="0"/>
+              <a:buChar char="•"/>
+            </a:pPr>
+            <a:r>
+              <a:rPr lang="en-US" sz="1200" b="0" i="0" kern="1200" dirty="0">
+                <a:solidFill>
+                  <a:schemeClr val="tx1"/>
+                </a:solidFill>
+                <a:effectLst/>
+                <a:latin typeface="+mn-lt"/>
+                <a:ea typeface="+mn-ea"/>
+                <a:cs typeface="+mn-cs"/>
+              </a:rPr>
+              <a:t>In the above scenario (fig.5), API itself is the only responsible for token validation and it’s able to reject the request if the signature seems forged.</a:t>
+            </a:r>
+          </a:p>
+          <a:p>
+            <a:pPr marL="171450" indent="-171450">
+              <a:buFont typeface="Arial" panose="020B0604020202020204" pitchFamily="34" charset="0"/>
+              <a:buChar char="•"/>
+            </a:pPr>
+            <a:endParaRPr lang="en-US" sz="1200" b="0" i="0" kern="1200" dirty="0">
+              <a:solidFill>
+                <a:schemeClr val="tx1"/>
+              </a:solidFill>
+              <a:effectLst/>
+              <a:latin typeface="+mn-lt"/>
+              <a:ea typeface="+mn-ea"/>
+              <a:cs typeface="+mn-cs"/>
+            </a:endParaRPr>
+          </a:p>
+          <a:p>
+            <a:pPr marL="171450" indent="-171450">
+              <a:buFont typeface="Arial" panose="020B0604020202020204" pitchFamily="34" charset="0"/>
+              <a:buChar char="•"/>
+            </a:pPr>
+            <a:endParaRPr lang="en-US" sz="1200" b="0" i="0" kern="1200" dirty="0">
+              <a:solidFill>
+                <a:schemeClr val="tx1"/>
+              </a:solidFill>
+              <a:effectLst/>
+              <a:latin typeface="+mn-lt"/>
+              <a:ea typeface="+mn-ea"/>
+              <a:cs typeface="+mn-cs"/>
+            </a:endParaRPr>
+          </a:p>
+          <a:p>
+            <a:r>
+              <a:rPr lang="en-US" sz="1200" b="1" i="0" kern="1200" dirty="0">
+                <a:solidFill>
+                  <a:schemeClr val="tx1"/>
+                </a:solidFill>
+                <a:effectLst/>
+                <a:latin typeface="+mn-lt"/>
+                <a:ea typeface="+mn-ea"/>
+                <a:cs typeface="+mn-cs"/>
+              </a:rPr>
+              <a:t>Going further</a:t>
+            </a:r>
+            <a:br>
+              <a:rPr lang="en-US" sz="1200" b="1" i="0" kern="1200" dirty="0">
+                <a:solidFill>
+                  <a:schemeClr val="tx1"/>
+                </a:solidFill>
+                <a:effectLst/>
+                <a:latin typeface="+mn-lt"/>
+                <a:ea typeface="+mn-ea"/>
+                <a:cs typeface="+mn-cs"/>
+              </a:rPr>
+            </a:br>
+            <a:r>
+              <a:rPr lang="en-US" sz="1200" b="0" i="0" kern="1200" dirty="0">
+                <a:solidFill>
+                  <a:schemeClr val="tx1"/>
+                </a:solidFill>
+                <a:effectLst/>
+                <a:latin typeface="+mn-lt"/>
+                <a:ea typeface="+mn-ea"/>
+                <a:cs typeface="+mn-cs"/>
+              </a:rPr>
+              <a:t>Suppose a client wants to invoke a protected API to delete an order (e.g. DELETE /order/42) and this action should be only performed by administrators.</a:t>
+            </a:r>
+          </a:p>
+          <a:p>
+            <a:r>
+              <a:rPr lang="en-US" sz="1200" b="0" i="0" kern="1200" dirty="0">
+                <a:solidFill>
+                  <a:schemeClr val="tx1"/>
+                </a:solidFill>
+                <a:effectLst/>
+                <a:latin typeface="+mn-lt"/>
+                <a:ea typeface="+mn-ea"/>
+                <a:cs typeface="+mn-cs"/>
+              </a:rPr>
+              <a:t>With a JWT in place, this operation is hard as add a custom claim to the payload body (i.e. the admin: true claim of the example above). When invoked, the API will first verify the signature authenticity and afterwards, it’ll check if admin claim is true.</a:t>
+            </a:r>
+          </a:p>
+          <a:p>
+            <a:br>
+              <a:rPr lang="en-US" dirty="0"/>
+            </a:br>
+            <a:endParaRPr lang="en-US" sz="1200" b="0" i="0" kern="1200" dirty="0">
+              <a:solidFill>
+                <a:schemeClr val="tx1"/>
+              </a:solidFill>
+              <a:effectLst/>
+              <a:latin typeface="+mn-lt"/>
+              <a:ea typeface="+mn-ea"/>
+              <a:cs typeface="+mn-cs"/>
+            </a:endParaRPr>
+          </a:p>
+          <a:p>
+            <a:br>
+              <a:rPr lang="en-US" dirty="0"/>
+            </a:br>
             <a:endParaRPr lang="en-IL" dirty="0"/>
           </a:p>
         </p:txBody>
@@ -1301,6 +4034,496 @@
             <a:fld id="{D2850163-67CE-1445-A832-1977356FC86B}" type="slidenum">
               <a:rPr lang="en-IL" smtClean="0"/>
               <a:t>23</a:t>
+            </a:fld>
+            <a:endParaRPr lang="en-IL"/>
+          </a:p>
+        </p:txBody>
+      </p:sp>
+    </p:spTree>
+    <p:extLst>
+      <p:ext uri="{BB962C8B-B14F-4D97-AF65-F5344CB8AC3E}">
+        <p14:creationId xmlns:p14="http://schemas.microsoft.com/office/powerpoint/2010/main" val="2027966840"/>
+      </p:ext>
+    </p:extLst>
+  </p:cSld>
+  <p:clrMapOvr>
+    <a:masterClrMapping/>
+  </p:clrMapOvr>
+</p:notes>
+</file>
+
+<file path=ppt/notesSlides/notesSlide15.xml><?xml version="1.0" encoding="utf-8"?>
+<p:notes xmlns:a="http://schemas.openxmlformats.org/drawingml/2006/main" xmlns:r="http://schemas.openxmlformats.org/officeDocument/2006/relationships" xmlns:p="http://schemas.openxmlformats.org/presentationml/2006/main">
+  <p:cSld>
+    <p:spTree>
+      <p:nvGrpSpPr>
+        <p:cNvPr id="1" name=""/>
+        <p:cNvGrpSpPr/>
+        <p:nvPr/>
+      </p:nvGrpSpPr>
+      <p:grpSpPr>
+        <a:xfrm>
+          <a:off x="0" y="0"/>
+          <a:ext cx="0" cy="0"/>
+          <a:chOff x="0" y="0"/>
+          <a:chExt cx="0" cy="0"/>
+        </a:xfrm>
+      </p:grpSpPr>
+      <p:sp>
+        <p:nvSpPr>
+          <p:cNvPr id="2" name="Slide Image Placeholder 1"/>
+          <p:cNvSpPr>
+            <a:spLocks noGrp="1" noRot="1" noChangeAspect="1"/>
+          </p:cNvSpPr>
+          <p:nvPr>
+            <p:ph type="sldImg"/>
+          </p:nvPr>
+        </p:nvSpPr>
+        <p:spPr/>
+      </p:sp>
+      <p:sp>
+        <p:nvSpPr>
+          <p:cNvPr id="3" name="Notes Placeholder 2"/>
+          <p:cNvSpPr>
+            <a:spLocks noGrp="1"/>
+          </p:cNvSpPr>
+          <p:nvPr>
+            <p:ph type="body" idx="1"/>
+          </p:nvPr>
+        </p:nvSpPr>
+        <p:spPr/>
+        <p:txBody>
+          <a:bodyPr/>
+          <a:lstStyle/>
+          <a:p>
+            <a:r>
+              <a:rPr lang="en-US" sz="1200" b="0" i="0" kern="1200" dirty="0">
+                <a:solidFill>
+                  <a:schemeClr val="tx1"/>
+                </a:solidFill>
+                <a:effectLst/>
+                <a:latin typeface="+mn-lt"/>
+                <a:ea typeface="+mn-ea"/>
+                <a:cs typeface="+mn-cs"/>
+              </a:rPr>
+              <a:t>A JWT is cryptographically signed (but </a:t>
+            </a:r>
+            <a:r>
+              <a:rPr lang="en-US" sz="1200" b="0" i="1" kern="1200" dirty="0">
+                <a:solidFill>
+                  <a:schemeClr val="tx1"/>
+                </a:solidFill>
+                <a:effectLst/>
+                <a:latin typeface="+mn-lt"/>
+                <a:ea typeface="+mn-ea"/>
+                <a:cs typeface="+mn-cs"/>
+              </a:rPr>
+              <a:t>not</a:t>
+            </a:r>
+            <a:r>
+              <a:rPr lang="en-US" sz="1200" b="0" i="0" kern="1200" dirty="0">
+                <a:solidFill>
+                  <a:schemeClr val="tx1"/>
+                </a:solidFill>
+                <a:effectLst/>
+                <a:latin typeface="+mn-lt"/>
+                <a:ea typeface="+mn-ea"/>
+                <a:cs typeface="+mn-cs"/>
+              </a:rPr>
+              <a:t> encrypted, hence using HTTPS is mandatory when storing user data in the JWT), so there is a guarantee we can trust it when we receive it, as no middleman can intercept and modify it, or the data it holds, without invalidating it.</a:t>
+            </a:r>
+          </a:p>
+          <a:p>
+            <a:endParaRPr lang="en-US" sz="1200" b="0" i="0" kern="1200" dirty="0">
+              <a:solidFill>
+                <a:schemeClr val="tx1"/>
+              </a:solidFill>
+              <a:effectLst/>
+              <a:latin typeface="+mn-lt"/>
+              <a:ea typeface="+mn-ea"/>
+              <a:cs typeface="+mn-cs"/>
+            </a:endParaRPr>
+          </a:p>
+          <a:p>
+            <a:endParaRPr lang="en-US" sz="1200" b="0" i="0" kern="1200" dirty="0">
+              <a:solidFill>
+                <a:schemeClr val="tx1"/>
+              </a:solidFill>
+              <a:effectLst/>
+              <a:latin typeface="+mn-lt"/>
+              <a:ea typeface="+mn-ea"/>
+              <a:cs typeface="+mn-cs"/>
+            </a:endParaRPr>
+          </a:p>
+          <a:p>
+            <a:r>
+              <a:rPr lang="en-US" sz="1200" b="0" i="0" kern="1200" dirty="0">
+                <a:solidFill>
+                  <a:schemeClr val="tx1"/>
+                </a:solidFill>
+                <a:effectLst/>
+                <a:latin typeface="+mn-lt"/>
+                <a:ea typeface="+mn-ea"/>
+                <a:cs typeface="+mn-cs"/>
+              </a:rPr>
+              <a:t>The secret key must be saved on server, and if I want to use the same </a:t>
+            </a:r>
+            <a:r>
+              <a:rPr lang="en-US" sz="1200" b="0" i="0" kern="1200" dirty="0" err="1">
+                <a:solidFill>
+                  <a:schemeClr val="tx1"/>
+                </a:solidFill>
+                <a:effectLst/>
+                <a:latin typeface="+mn-lt"/>
+                <a:ea typeface="+mn-ea"/>
+                <a:cs typeface="+mn-cs"/>
+              </a:rPr>
+              <a:t>jwt</a:t>
+            </a:r>
+            <a:r>
+              <a:rPr lang="en-US" sz="1200" b="0" i="0" kern="1200" dirty="0">
+                <a:solidFill>
+                  <a:schemeClr val="tx1"/>
+                </a:solidFill>
+                <a:effectLst/>
+                <a:latin typeface="+mn-lt"/>
+                <a:ea typeface="+mn-ea"/>
+                <a:cs typeface="+mn-cs"/>
+              </a:rPr>
+              <a:t> to access two different servers, both servers should share the same private key between them</a:t>
+            </a:r>
+            <a:endParaRPr lang="en-US" sz="1200" b="0" i="1" kern="1200" dirty="0">
+              <a:solidFill>
+                <a:schemeClr val="tx1"/>
+              </a:solidFill>
+              <a:effectLst/>
+              <a:latin typeface="+mn-lt"/>
+              <a:ea typeface="+mn-ea"/>
+              <a:cs typeface="+mn-cs"/>
+            </a:endParaRPr>
+          </a:p>
+          <a:p>
+            <a:endParaRPr lang="en-US" sz="1200" b="0" i="1" kern="1200" dirty="0">
+              <a:solidFill>
+                <a:schemeClr val="tx1"/>
+              </a:solidFill>
+              <a:effectLst/>
+              <a:latin typeface="+mn-lt"/>
+              <a:ea typeface="+mn-ea"/>
+              <a:cs typeface="+mn-cs"/>
+            </a:endParaRPr>
+          </a:p>
+          <a:p>
+            <a:endParaRPr lang="en-US" sz="1200" b="0" i="1" kern="1200" dirty="0">
+              <a:solidFill>
+                <a:schemeClr val="tx1"/>
+              </a:solidFill>
+              <a:effectLst/>
+              <a:latin typeface="+mn-lt"/>
+              <a:ea typeface="+mn-ea"/>
+              <a:cs typeface="+mn-cs"/>
+            </a:endParaRPr>
+          </a:p>
+          <a:p>
+            <a:endParaRPr lang="en-IL" dirty="0"/>
+          </a:p>
+        </p:txBody>
+      </p:sp>
+      <p:sp>
+        <p:nvSpPr>
+          <p:cNvPr id="4" name="Slide Number Placeholder 3"/>
+          <p:cNvSpPr>
+            <a:spLocks noGrp="1"/>
+          </p:cNvSpPr>
+          <p:nvPr>
+            <p:ph type="sldNum" sz="quarter" idx="5"/>
+          </p:nvPr>
+        </p:nvSpPr>
+        <p:spPr/>
+        <p:txBody>
+          <a:bodyPr/>
+          <a:lstStyle/>
+          <a:p>
+            <a:fld id="{D2850163-67CE-1445-A832-1977356FC86B}" type="slidenum">
+              <a:rPr lang="en-IL" smtClean="0"/>
+              <a:t>24</a:t>
+            </a:fld>
+            <a:endParaRPr lang="en-IL"/>
+          </a:p>
+        </p:txBody>
+      </p:sp>
+    </p:spTree>
+    <p:extLst>
+      <p:ext uri="{BB962C8B-B14F-4D97-AF65-F5344CB8AC3E}">
+        <p14:creationId xmlns:p14="http://schemas.microsoft.com/office/powerpoint/2010/main" val="3943535028"/>
+      </p:ext>
+    </p:extLst>
+  </p:cSld>
+  <p:clrMapOvr>
+    <a:masterClrMapping/>
+  </p:clrMapOvr>
+</p:notes>
+</file>
+
+<file path=ppt/notesSlides/notesSlide16.xml><?xml version="1.0" encoding="utf-8"?>
+<p:notes xmlns:a="http://schemas.openxmlformats.org/drawingml/2006/main" xmlns:r="http://schemas.openxmlformats.org/officeDocument/2006/relationships" xmlns:p="http://schemas.openxmlformats.org/presentationml/2006/main">
+  <p:cSld>
+    <p:spTree>
+      <p:nvGrpSpPr>
+        <p:cNvPr id="1" name=""/>
+        <p:cNvGrpSpPr/>
+        <p:nvPr/>
+      </p:nvGrpSpPr>
+      <p:grpSpPr>
+        <a:xfrm>
+          <a:off x="0" y="0"/>
+          <a:ext cx="0" cy="0"/>
+          <a:chOff x="0" y="0"/>
+          <a:chExt cx="0" cy="0"/>
+        </a:xfrm>
+      </p:grpSpPr>
+      <p:sp>
+        <p:nvSpPr>
+          <p:cNvPr id="2" name="Slide Image Placeholder 1"/>
+          <p:cNvSpPr>
+            <a:spLocks noGrp="1" noRot="1" noChangeAspect="1"/>
+          </p:cNvSpPr>
+          <p:nvPr>
+            <p:ph type="sldImg"/>
+          </p:nvPr>
+        </p:nvSpPr>
+        <p:spPr/>
+      </p:sp>
+      <p:sp>
+        <p:nvSpPr>
+          <p:cNvPr id="3" name="Notes Placeholder 2"/>
+          <p:cNvSpPr>
+            <a:spLocks noGrp="1"/>
+          </p:cNvSpPr>
+          <p:nvPr>
+            <p:ph type="body" idx="1"/>
+          </p:nvPr>
+        </p:nvSpPr>
+        <p:spPr/>
+        <p:txBody>
+          <a:bodyPr/>
+          <a:lstStyle/>
+          <a:p>
+            <a:r>
+              <a:rPr lang="en-US" dirty="0"/>
+              <a:t>https://</a:t>
+            </a:r>
+            <a:r>
+              <a:rPr lang="en-US" dirty="0" err="1"/>
+              <a:t>www.youtube.com</a:t>
+            </a:r>
+            <a:r>
+              <a:rPr lang="en-US" dirty="0"/>
+              <a:t>/</a:t>
+            </a:r>
+            <a:r>
+              <a:rPr lang="en-US" dirty="0" err="1"/>
+              <a:t>watch?v</a:t>
+            </a:r>
+            <a:r>
+              <a:rPr lang="en-US" dirty="0"/>
+              <a:t>=7Q17ubqLfaM&amp;ab_channel=</a:t>
+            </a:r>
+            <a:r>
+              <a:rPr lang="en-US" dirty="0" err="1"/>
+              <a:t>WebDevSimplified</a:t>
+            </a:r>
+            <a:endParaRPr lang="en-IL" dirty="0"/>
+          </a:p>
+        </p:txBody>
+      </p:sp>
+      <p:sp>
+        <p:nvSpPr>
+          <p:cNvPr id="4" name="Slide Number Placeholder 3"/>
+          <p:cNvSpPr>
+            <a:spLocks noGrp="1"/>
+          </p:cNvSpPr>
+          <p:nvPr>
+            <p:ph type="sldNum" sz="quarter" idx="5"/>
+          </p:nvPr>
+        </p:nvSpPr>
+        <p:spPr/>
+        <p:txBody>
+          <a:bodyPr/>
+          <a:lstStyle/>
+          <a:p>
+            <a:fld id="{D2850163-67CE-1445-A832-1977356FC86B}" type="slidenum">
+              <a:rPr lang="en-IL" smtClean="0"/>
+              <a:t>25</a:t>
+            </a:fld>
+            <a:endParaRPr lang="en-IL"/>
+          </a:p>
+        </p:txBody>
+      </p:sp>
+    </p:spTree>
+    <p:extLst>
+      <p:ext uri="{BB962C8B-B14F-4D97-AF65-F5344CB8AC3E}">
+        <p14:creationId xmlns:p14="http://schemas.microsoft.com/office/powerpoint/2010/main" val="2561722854"/>
+      </p:ext>
+    </p:extLst>
+  </p:cSld>
+  <p:clrMapOvr>
+    <a:masterClrMapping/>
+  </p:clrMapOvr>
+</p:notes>
+</file>
+
+<file path=ppt/notesSlides/notesSlide17.xml><?xml version="1.0" encoding="utf-8"?>
+<p:notes xmlns:a="http://schemas.openxmlformats.org/drawingml/2006/main" xmlns:r="http://schemas.openxmlformats.org/officeDocument/2006/relationships" xmlns:p="http://schemas.openxmlformats.org/presentationml/2006/main">
+  <p:cSld>
+    <p:spTree>
+      <p:nvGrpSpPr>
+        <p:cNvPr id="1" name=""/>
+        <p:cNvGrpSpPr/>
+        <p:nvPr/>
+      </p:nvGrpSpPr>
+      <p:grpSpPr>
+        <a:xfrm>
+          <a:off x="0" y="0"/>
+          <a:ext cx="0" cy="0"/>
+          <a:chOff x="0" y="0"/>
+          <a:chExt cx="0" cy="0"/>
+        </a:xfrm>
+      </p:grpSpPr>
+      <p:sp>
+        <p:nvSpPr>
+          <p:cNvPr id="2" name="Slide Image Placeholder 1"/>
+          <p:cNvSpPr>
+            <a:spLocks noGrp="1" noRot="1" noChangeAspect="1"/>
+          </p:cNvSpPr>
+          <p:nvPr>
+            <p:ph type="sldImg"/>
+          </p:nvPr>
+        </p:nvSpPr>
+        <p:spPr/>
+      </p:sp>
+      <p:sp>
+        <p:nvSpPr>
+          <p:cNvPr id="3" name="Notes Placeholder 2"/>
+          <p:cNvSpPr>
+            <a:spLocks noGrp="1"/>
+          </p:cNvSpPr>
+          <p:nvPr>
+            <p:ph type="body" idx="1"/>
+          </p:nvPr>
+        </p:nvSpPr>
+        <p:spPr/>
+        <p:txBody>
+          <a:bodyPr/>
+          <a:lstStyle/>
+          <a:p>
+            <a:endParaRPr lang="en-IL" dirty="0"/>
+          </a:p>
+        </p:txBody>
+      </p:sp>
+      <p:sp>
+        <p:nvSpPr>
+          <p:cNvPr id="4" name="Slide Number Placeholder 3"/>
+          <p:cNvSpPr>
+            <a:spLocks noGrp="1"/>
+          </p:cNvSpPr>
+          <p:nvPr>
+            <p:ph type="sldNum" sz="quarter" idx="5"/>
+          </p:nvPr>
+        </p:nvSpPr>
+        <p:spPr/>
+        <p:txBody>
+          <a:bodyPr/>
+          <a:lstStyle/>
+          <a:p>
+            <a:fld id="{D2850163-67CE-1445-A832-1977356FC86B}" type="slidenum">
+              <a:rPr lang="en-IL" smtClean="0"/>
+              <a:t>26</a:t>
+            </a:fld>
+            <a:endParaRPr lang="en-IL"/>
+          </a:p>
+        </p:txBody>
+      </p:sp>
+    </p:spTree>
+    <p:extLst>
+      <p:ext uri="{BB962C8B-B14F-4D97-AF65-F5344CB8AC3E}">
+        <p14:creationId xmlns:p14="http://schemas.microsoft.com/office/powerpoint/2010/main" val="868668785"/>
+      </p:ext>
+    </p:extLst>
+  </p:cSld>
+  <p:clrMapOvr>
+    <a:masterClrMapping/>
+  </p:clrMapOvr>
+</p:notes>
+</file>
+
+<file path=ppt/notesSlides/notesSlide18.xml><?xml version="1.0" encoding="utf-8"?>
+<p:notes xmlns:a="http://schemas.openxmlformats.org/drawingml/2006/main" xmlns:r="http://schemas.openxmlformats.org/officeDocument/2006/relationships" xmlns:p="http://schemas.openxmlformats.org/presentationml/2006/main">
+  <p:cSld>
+    <p:spTree>
+      <p:nvGrpSpPr>
+        <p:cNvPr id="1" name=""/>
+        <p:cNvGrpSpPr/>
+        <p:nvPr/>
+      </p:nvGrpSpPr>
+      <p:grpSpPr>
+        <a:xfrm>
+          <a:off x="0" y="0"/>
+          <a:ext cx="0" cy="0"/>
+          <a:chOff x="0" y="0"/>
+          <a:chExt cx="0" cy="0"/>
+        </a:xfrm>
+      </p:grpSpPr>
+      <p:sp>
+        <p:nvSpPr>
+          <p:cNvPr id="2" name="Slide Image Placeholder 1"/>
+          <p:cNvSpPr>
+            <a:spLocks noGrp="1" noRot="1" noChangeAspect="1"/>
+          </p:cNvSpPr>
+          <p:nvPr>
+            <p:ph type="sldImg"/>
+          </p:nvPr>
+        </p:nvSpPr>
+        <p:spPr/>
+      </p:sp>
+      <p:sp>
+        <p:nvSpPr>
+          <p:cNvPr id="3" name="Notes Placeholder 2"/>
+          <p:cNvSpPr>
+            <a:spLocks noGrp="1"/>
+          </p:cNvSpPr>
+          <p:nvPr>
+            <p:ph type="body" idx="1"/>
+          </p:nvPr>
+        </p:nvSpPr>
+        <p:spPr/>
+        <p:txBody>
+          <a:bodyPr/>
+          <a:lstStyle/>
+          <a:p>
+            <a:pPr algn="r" rtl="1"/>
+            <a:endParaRPr lang="en-IL" dirty="0"/>
+          </a:p>
+        </p:txBody>
+      </p:sp>
+      <p:sp>
+        <p:nvSpPr>
+          <p:cNvPr id="4" name="Slide Number Placeholder 3"/>
+          <p:cNvSpPr>
+            <a:spLocks noGrp="1"/>
+          </p:cNvSpPr>
+          <p:nvPr>
+            <p:ph type="sldNum" sz="quarter" idx="5"/>
+          </p:nvPr>
+        </p:nvSpPr>
+        <p:spPr/>
+        <p:txBody>
+          <a:bodyPr/>
+          <a:lstStyle/>
+          <a:p>
+            <a:fld id="{D2850163-67CE-1445-A832-1977356FC86B}" type="slidenum">
+              <a:rPr lang="en-IL" smtClean="0"/>
+              <a:t>27</a:t>
             </a:fld>
             <a:endParaRPr lang="en-IL"/>
           </a:p>
@@ -1363,8 +4586,18 @@
           <a:bodyPr/>
           <a:lstStyle/>
           <a:p>
-            <a:pPr marL="0" algn="l" defTabSz="914400" rtl="0" eaLnBrk="1" latinLnBrk="0" hangingPunct="1"/>
-            <a:endParaRPr lang="en-IL" dirty="0"/>
+            <a:r>
+              <a:rPr lang="en-IL" dirty="0"/>
+              <a:t>- </a:t>
+            </a:r>
+            <a:r>
+              <a:rPr lang="en-US" dirty="0"/>
+              <a:t>T</a:t>
+            </a:r>
+            <a:r>
+              <a:rPr lang="en-IL" dirty="0"/>
+              <a:t>ime zone , lamgage, geoplocation</a:t>
+            </a:r>
           </a:p>
         </p:txBody>
       </p:sp>
@@ -1394,7 +4627,7 @@
     </p:spTree>
     <p:extLst>
       <p:ext uri="{BB962C8B-B14F-4D97-AF65-F5344CB8AC3E}">
-        <p14:creationId xmlns:p14="http://schemas.microsoft.com/office/powerpoint/2010/main" val="964110509"/>
+        <p14:creationId xmlns:p14="http://schemas.microsoft.com/office/powerpoint/2010/main" val="1536524544"/>
       </p:ext>
     </p:extLst>
   </p:cSld>
@@ -1448,7 +4681,10 @@
           <a:bodyPr/>
           <a:lstStyle/>
           <a:p>
-            <a:pPr marL="0" algn="l" defTabSz="914400" rtl="0" eaLnBrk="1" latinLnBrk="0" hangingPunct="1"/>
+            <a:pPr marL="171450" indent="-171450">
+              <a:buFont typeface="Arial" panose="020B0604020202020204" pitchFamily="34" charset="0"/>
+              <a:buChar char="•"/>
+            </a:pPr>
             <a:endParaRPr lang="en-IL" dirty="0"/>
           </a:p>
         </p:txBody>
@@ -1479,7 +4715,7 @@
     </p:spTree>
     <p:extLst>
       <p:ext uri="{BB962C8B-B14F-4D97-AF65-F5344CB8AC3E}">
-        <p14:creationId xmlns:p14="http://schemas.microsoft.com/office/powerpoint/2010/main" val="4070779130"/>
+        <p14:creationId xmlns:p14="http://schemas.microsoft.com/office/powerpoint/2010/main" val="1004897141"/>
       </p:ext>
     </p:extLst>
   </p:cSld>
@@ -1533,43 +4769,143 @@
           <a:bodyPr/>
           <a:lstStyle/>
           <a:p>
-            <a:pPr marL="0" algn="r" defTabSz="914400" rtl="0" eaLnBrk="1" latinLnBrk="0" hangingPunct="1"/>
-            <a:r>
-              <a:rPr lang="he-IL" sz="2400" dirty="0"/>
-              <a:t>בגלל אופי ה</a:t>
-            </a:r>
+            <a:pPr marL="171450" indent="-171450">
+              <a:buFont typeface="Arial" panose="020B0604020202020204" pitchFamily="34" charset="0"/>
+              <a:buChar char="•"/>
+            </a:pPr>
+            <a:r>
+              <a:rPr lang="en-US" sz="1200" b="0" i="0" kern="1200" dirty="0">
+                <a:solidFill>
+                  <a:schemeClr val="tx1"/>
+                </a:solidFill>
+                <a:effectLst/>
+                <a:latin typeface="+mn-lt"/>
+                <a:ea typeface="+mn-ea"/>
+                <a:cs typeface="+mn-cs"/>
+              </a:rPr>
+              <a:t>Passport has a rich ecosystem of </a:t>
+            </a:r>
+            <a:r>
+              <a:rPr lang="en-US" sz="1200" b="1" i="0" u="none" strike="noStrike" kern="1200" dirty="0">
+                <a:solidFill>
+                  <a:schemeClr val="tx1"/>
+                </a:solidFill>
+                <a:effectLst/>
+                <a:latin typeface="+mn-lt"/>
+                <a:ea typeface="+mn-ea"/>
+                <a:cs typeface="+mn-cs"/>
+                <a:hlinkClick r:id="rId3"/>
+              </a:rPr>
+              <a:t>strategies</a:t>
+            </a:r>
+            <a:r>
+              <a:rPr lang="en-US" sz="1200" b="0" i="0" kern="1200" dirty="0">
+                <a:solidFill>
+                  <a:schemeClr val="tx1"/>
+                </a:solidFill>
+                <a:effectLst/>
+                <a:latin typeface="+mn-lt"/>
+                <a:ea typeface="+mn-ea"/>
+                <a:cs typeface="+mn-cs"/>
+              </a:rPr>
+              <a:t> that implement various authentication mechanisms. While simple in concept, the set of Passport strategies you can choose from is large and presents a lot of variety. Passport abstracts these varied steps into a standard pattern, and the </a:t>
+            </a:r>
+            <a:r>
+              <a:rPr lang="en-US" dirty="0"/>
+              <a:t>@</a:t>
+            </a:r>
+            <a:r>
+              <a:rPr lang="en-US" dirty="0" err="1"/>
+              <a:t>nestjs</a:t>
+            </a:r>
+            <a:r>
+              <a:rPr lang="en-US" dirty="0"/>
+              <a:t>/passport</a:t>
+            </a:r>
+            <a:r>
+              <a:rPr lang="en-US" sz="1200" b="0" i="0" kern="1200" dirty="0">
+                <a:solidFill>
+                  <a:schemeClr val="tx1"/>
+                </a:solidFill>
+                <a:effectLst/>
+                <a:latin typeface="+mn-lt"/>
+                <a:ea typeface="+mn-ea"/>
+                <a:cs typeface="+mn-cs"/>
+              </a:rPr>
+              <a:t> module wraps and standardizes this pattern into familiar Nest constructs.</a:t>
+            </a:r>
+          </a:p>
+          <a:p>
+            <a:pPr marL="171450" indent="-171450">
+              <a:buFont typeface="Arial" panose="020B0604020202020204" pitchFamily="34" charset="0"/>
+              <a:buChar char="•"/>
+            </a:pPr>
+            <a:endParaRPr lang="en-US" sz="1200" b="0" i="0" kern="1200" dirty="0">
+              <a:solidFill>
+                <a:schemeClr val="tx1"/>
+              </a:solidFill>
+              <a:effectLst/>
+              <a:latin typeface="+mn-lt"/>
+              <a:ea typeface="+mn-ea"/>
+              <a:cs typeface="+mn-cs"/>
+            </a:endParaRPr>
+          </a:p>
+          <a:p>
+            <a:pPr marL="171450" indent="-171450">
+              <a:buFont typeface="Arial" panose="020B0604020202020204" pitchFamily="34" charset="0"/>
+              <a:buChar char="•"/>
+            </a:pPr>
+            <a:endParaRPr lang="en-US" sz="1200" b="0" i="0" kern="1200" dirty="0">
+              <a:solidFill>
+                <a:schemeClr val="tx1"/>
+              </a:solidFill>
+              <a:effectLst/>
+              <a:latin typeface="+mn-lt"/>
+              <a:ea typeface="+mn-ea"/>
+              <a:cs typeface="+mn-cs"/>
+            </a:endParaRPr>
+          </a:p>
+          <a:p>
+            <a:pPr marL="171450" indent="-171450">
+              <a:buFont typeface="Arial" panose="020B0604020202020204" pitchFamily="34" charset="0"/>
+              <a:buChar char="•"/>
+            </a:pPr>
+            <a:r>
+              <a:rPr lang="en-US" sz="1200" b="0" i="0" kern="1200" dirty="0">
+                <a:solidFill>
+                  <a:schemeClr val="tx1"/>
+                </a:solidFill>
+                <a:effectLst/>
+                <a:latin typeface="+mn-lt"/>
+                <a:ea typeface="+mn-ea"/>
+                <a:cs typeface="+mn-cs"/>
+              </a:rPr>
+              <a:t>A set of options that are specific to that strategy. For example, in a JWT strategy, you might provide a secret to sign tokens.</a:t>
+            </a:r>
+          </a:p>
+          <a:p>
+            <a:pPr marL="171450" indent="-171450">
+              <a:buFont typeface="Arial" panose="020B0604020202020204" pitchFamily="34" charset="0"/>
+              <a:buChar char="•"/>
+            </a:pPr>
+            <a:r>
+              <a:rPr lang="en-US" sz="1200" b="0" i="0" kern="1200" dirty="0">
+                <a:solidFill>
+                  <a:schemeClr val="tx1"/>
+                </a:solidFill>
+                <a:effectLst/>
+                <a:latin typeface="+mn-lt"/>
+                <a:ea typeface="+mn-ea"/>
+                <a:cs typeface="+mn-cs"/>
+              </a:rPr>
+              <a:t>A "verify callback", which is where you tell Passport how to interact with your user store (where you manage user accounts). Here, you verify whether a user exists (and/or create a new user), and whether their credentials are valid. The Passport library expects this callback to return a full user if the validation succeeds, or a null if it fails (failure is defined as either the user is not found, or, in the case of passport-local, the password does not match).</a:t>
+            </a:r>
+          </a:p>
+          <a:p>
             <a:br>
-              <a:rPr lang="en-US" sz="2400" dirty="0"/>
+              <a:rPr lang="en-US" dirty="0"/>
             </a:br>
-            <a:r>
-              <a:rPr lang="en-US" sz="2400" dirty="0"/>
-              <a:t>http protocol</a:t>
-            </a:r>
-            <a:br>
-              <a:rPr lang="en-US" sz="2400" dirty="0"/>
-            </a:br>
-            <a:r>
-              <a:rPr lang="he-IL" sz="2400" dirty="0"/>
-              <a:t>על כל בקשה נדרשת </a:t>
-            </a:r>
-            <a:br>
-              <a:rPr lang="en-US" sz="2400" dirty="0"/>
-            </a:br>
-            <a:r>
-              <a:rPr lang="en-US" sz="2400" dirty="0"/>
-              <a:t>authentication</a:t>
-            </a:r>
-            <a:br>
-              <a:rPr lang="en-US" sz="2400" dirty="0"/>
-            </a:br>
-            <a:r>
-              <a:rPr lang="he-IL" sz="2400" dirty="0"/>
-              <a:t>חדשה</a:t>
-            </a:r>
-            <a:br>
-              <a:rPr lang="en-US" sz="2400" dirty="0"/>
-            </a:br>
-            <a:endParaRPr lang="en-IL" sz="2400" dirty="0"/>
+            <a:endParaRPr lang="en-IL" dirty="0"/>
           </a:p>
         </p:txBody>
       </p:sp>
@@ -1590,7 +4926,7 @@
           <a:p>
             <a:fld id="{D2850163-67CE-1445-A832-1977356FC86B}" type="slidenum">
               <a:rPr lang="en-IL" smtClean="0"/>
-              <a:t>7</a:t>
+              <a:t>6</a:t>
             </a:fld>
             <a:endParaRPr lang="en-IL"/>
           </a:p>
@@ -1599,7 +4935,7 @@
     </p:spTree>
     <p:extLst>
       <p:ext uri="{BB962C8B-B14F-4D97-AF65-F5344CB8AC3E}">
-        <p14:creationId xmlns:p14="http://schemas.microsoft.com/office/powerpoint/2010/main" val="464794328"/>
+        <p14:creationId xmlns:p14="http://schemas.microsoft.com/office/powerpoint/2010/main" val="1563951253"/>
       </p:ext>
     </p:extLst>
   </p:cSld>
@@ -1653,12 +4989,110 @@
           <a:bodyPr/>
           <a:lstStyle/>
           <a:p>
-            <a:pPr marL="0" algn="r" defTabSz="914400" rtl="1" eaLnBrk="1" latinLnBrk="0" hangingPunct="1"/>
-            <a:r>
-              <a:rPr lang="en-US" dirty="0"/>
-              <a:t>// TODO need to translate</a:t>
-            </a:r>
-            <a:endParaRPr lang="en-IL" dirty="0"/>
+            <a:pPr fontAlgn="base"/>
+            <a:r>
+              <a:rPr lang="en-US" sz="1200" b="0" i="0" kern="1200" dirty="0">
+                <a:solidFill>
+                  <a:schemeClr val="tx1"/>
+                </a:solidFill>
+                <a:effectLst/>
+                <a:latin typeface="+mn-lt"/>
+                <a:ea typeface="+mn-ea"/>
+                <a:cs typeface="+mn-cs"/>
+              </a:rPr>
+              <a:t>JWTs are a convenient way to </a:t>
+            </a:r>
+            <a:r>
+              <a:rPr lang="en-US" sz="1200" b="0" i="1" kern="1200" dirty="0">
+                <a:solidFill>
+                  <a:schemeClr val="tx1"/>
+                </a:solidFill>
+                <a:effectLst/>
+                <a:latin typeface="+mn-lt"/>
+                <a:ea typeface="+mn-ea"/>
+                <a:cs typeface="+mn-cs"/>
+              </a:rPr>
+              <a:t>encode</a:t>
+            </a:r>
+            <a:r>
+              <a:rPr lang="en-US" sz="1200" b="0" i="0" kern="1200" dirty="0">
+                <a:solidFill>
+                  <a:schemeClr val="tx1"/>
+                </a:solidFill>
+                <a:effectLst/>
+                <a:latin typeface="+mn-lt"/>
+                <a:ea typeface="+mn-ea"/>
+                <a:cs typeface="+mn-cs"/>
+              </a:rPr>
+              <a:t> and </a:t>
+            </a:r>
+            <a:r>
+              <a:rPr lang="en-US" sz="1200" b="0" i="1" kern="1200" dirty="0">
+                <a:solidFill>
+                  <a:schemeClr val="tx1"/>
+                </a:solidFill>
+                <a:effectLst/>
+                <a:latin typeface="+mn-lt"/>
+                <a:ea typeface="+mn-ea"/>
+                <a:cs typeface="+mn-cs"/>
+              </a:rPr>
+              <a:t>verify</a:t>
+            </a:r>
+            <a:r>
+              <a:rPr lang="en-US" sz="1200" b="0" i="0" kern="1200" dirty="0">
+                <a:solidFill>
+                  <a:schemeClr val="tx1"/>
+                </a:solidFill>
+                <a:effectLst/>
+                <a:latin typeface="+mn-lt"/>
+                <a:ea typeface="+mn-ea"/>
+                <a:cs typeface="+mn-cs"/>
+              </a:rPr>
+              <a:t> </a:t>
+            </a:r>
+            <a:r>
+              <a:rPr lang="en-US" sz="1200" b="1" i="0" kern="1200" dirty="0">
+                <a:solidFill>
+                  <a:schemeClr val="tx1"/>
+                </a:solidFill>
+                <a:effectLst/>
+                <a:latin typeface="+mn-lt"/>
+                <a:ea typeface="+mn-ea"/>
+                <a:cs typeface="+mn-cs"/>
+              </a:rPr>
+              <a:t>claims</a:t>
+            </a:r>
+            <a:r>
+              <a:rPr lang="en-US" sz="1200" b="0" i="0" kern="1200" dirty="0">
+                <a:solidFill>
+                  <a:schemeClr val="tx1"/>
+                </a:solidFill>
+                <a:effectLst/>
+                <a:latin typeface="+mn-lt"/>
+                <a:ea typeface="+mn-ea"/>
+                <a:cs typeface="+mn-cs"/>
+              </a:rPr>
+              <a:t>.</a:t>
+            </a:r>
+          </a:p>
+          <a:p>
+            <a:pPr fontAlgn="base"/>
+            <a:r>
+              <a:rPr lang="en-US" sz="1200" b="0" i="0" kern="1200" dirty="0">
+                <a:solidFill>
+                  <a:schemeClr val="tx1"/>
+                </a:solidFill>
+                <a:effectLst/>
+                <a:latin typeface="+mn-lt"/>
+                <a:ea typeface="+mn-ea"/>
+                <a:cs typeface="+mn-cs"/>
+              </a:rPr>
+              <a:t>A Bearer token is just string, potentially arbitrary, that is used for authorization.</a:t>
+            </a:r>
+          </a:p>
+          <a:p>
+            <a:pPr marL="0" algn="l" defTabSz="914400" rtl="0" eaLnBrk="1" latinLnBrk="0" hangingPunct="1"/>
+            <a:endParaRPr lang="en-US" dirty="0"/>
           </a:p>
         </p:txBody>
       </p:sp>
@@ -1679,7 +5113,7 @@
           <a:p>
             <a:fld id="{D2850163-67CE-1445-A832-1977356FC86B}" type="slidenum">
               <a:rPr lang="en-IL" smtClean="0"/>
-              <a:t>8</a:t>
+              <a:t>7</a:t>
             </a:fld>
             <a:endParaRPr lang="en-IL"/>
           </a:p>
@@ -1688,7 +5122,7 @@
     </p:spTree>
     <p:extLst>
       <p:ext uri="{BB962C8B-B14F-4D97-AF65-F5344CB8AC3E}">
-        <p14:creationId xmlns:p14="http://schemas.microsoft.com/office/powerpoint/2010/main" val="3040719757"/>
+        <p14:creationId xmlns:p14="http://schemas.microsoft.com/office/powerpoint/2010/main" val="3430352469"/>
       </p:ext>
     </p:extLst>
   </p:cSld>
@@ -1742,72 +5176,7 @@
           <a:bodyPr/>
           <a:lstStyle/>
           <a:p>
-            <a:pPr marL="171450" indent="-171450" algn="r">
-              <a:buFont typeface="Arial" panose="020B0604020202020204" pitchFamily="34" charset="0"/>
-              <a:buChar char="•"/>
-            </a:pPr>
-            <a:endParaRPr lang="en-US" sz="1200" b="0" i="0" kern="1200" dirty="0">
-              <a:solidFill>
-                <a:schemeClr val="tx1"/>
-              </a:solidFill>
-              <a:effectLst/>
-              <a:latin typeface="+mn-lt"/>
-              <a:ea typeface="+mn-ea"/>
-              <a:cs typeface="+mn-cs"/>
-            </a:endParaRPr>
-          </a:p>
-          <a:p>
-            <a:pPr marL="171450" indent="-171450">
-              <a:buFont typeface="Arial" panose="020B0604020202020204" pitchFamily="34" charset="0"/>
-              <a:buChar char="•"/>
-            </a:pPr>
-            <a:r>
-              <a:rPr lang="en-US" sz="1200" b="0" i="0" kern="1200" dirty="0">
-                <a:solidFill>
-                  <a:schemeClr val="tx1"/>
-                </a:solidFill>
-                <a:effectLst/>
-                <a:latin typeface="+mn-lt"/>
-                <a:ea typeface="+mn-ea"/>
-                <a:cs typeface="+mn-cs"/>
-              </a:rPr>
-              <a:t>// TODO translate</a:t>
-            </a:r>
-          </a:p>
-          <a:p>
-            <a:pPr marL="171450" indent="-171450">
-              <a:buFont typeface="Arial" panose="020B0604020202020204" pitchFamily="34" charset="0"/>
-              <a:buChar char="•"/>
-            </a:pPr>
-            <a:r>
-              <a:rPr lang="en-US" sz="1200" b="0" i="0" kern="1200" dirty="0">
-                <a:solidFill>
-                  <a:schemeClr val="tx1"/>
-                </a:solidFill>
-                <a:effectLst/>
-                <a:latin typeface="+mn-lt"/>
-                <a:ea typeface="+mn-ea"/>
-                <a:cs typeface="+mn-cs"/>
-              </a:rPr>
-              <a:t>Using SSS, we reduce the number of authentications towards the Credentials database.</a:t>
-            </a:r>
-          </a:p>
-          <a:p>
-            <a:pPr marL="171450" indent="-171450">
-              <a:buFont typeface="Arial" panose="020B0604020202020204" pitchFamily="34" charset="0"/>
-              <a:buChar char="•"/>
-            </a:pPr>
-            <a:r>
-              <a:rPr lang="en-US" dirty="0"/>
-              <a:t>This solution will fix a problem but it will create another one.</a:t>
-            </a:r>
-            <a:br>
-              <a:rPr lang="en-US" sz="1400" dirty="0"/>
-            </a:br>
-            <a:r>
-              <a:rPr lang="en-US" dirty="0"/>
-              <a:t>Probably bigger.</a:t>
-            </a:r>
+            <a:pPr marL="0" algn="l" defTabSz="914400" rtl="0" eaLnBrk="1" latinLnBrk="0" hangingPunct="1"/>
             <a:endParaRPr lang="en-IL" dirty="0"/>
           </a:p>
         </p:txBody>
@@ -1829,7 +5198,7 @@
           <a:p>
             <a:fld id="{D2850163-67CE-1445-A832-1977356FC86B}" type="slidenum">
               <a:rPr lang="en-IL" smtClean="0"/>
-              <a:t>9</a:t>
+              <a:t>8</a:t>
             </a:fld>
             <a:endParaRPr lang="en-IL"/>
           </a:p>
@@ -1838,7 +5207,7 @@
     </p:spTree>
     <p:extLst>
       <p:ext uri="{BB962C8B-B14F-4D97-AF65-F5344CB8AC3E}">
-        <p14:creationId xmlns:p14="http://schemas.microsoft.com/office/powerpoint/2010/main" val="3713732377"/>
+        <p14:creationId xmlns:p14="http://schemas.microsoft.com/office/powerpoint/2010/main" val="964110509"/>
       </p:ext>
     </p:extLst>
   </p:cSld>
@@ -1892,214 +5261,7 @@
           <a:bodyPr/>
           <a:lstStyle/>
           <a:p>
-            <a:pPr marL="171450" indent="-171450">
-              <a:buFont typeface="Arial" panose="020B0604020202020204" pitchFamily="34" charset="0"/>
-              <a:buChar char="•"/>
-            </a:pPr>
-            <a:r>
-              <a:rPr lang="en-US" sz="1200" b="0" i="0" kern="1200" dirty="0">
-                <a:solidFill>
-                  <a:schemeClr val="tx1"/>
-                </a:solidFill>
-                <a:effectLst/>
-                <a:latin typeface="+mn-lt"/>
-                <a:ea typeface="+mn-ea"/>
-                <a:cs typeface="+mn-cs"/>
-              </a:rPr>
-              <a:t>// TODO translate</a:t>
-            </a:r>
-          </a:p>
-          <a:p>
-            <a:pPr marL="171450" indent="-171450">
-              <a:buFont typeface="Arial" panose="020B0604020202020204" pitchFamily="34" charset="0"/>
-              <a:buChar char="•"/>
-            </a:pPr>
-            <a:endParaRPr lang="en-US" sz="1200" b="0" i="0" kern="1200" dirty="0">
-              <a:solidFill>
-                <a:schemeClr val="tx1"/>
-              </a:solidFill>
-              <a:effectLst/>
-              <a:latin typeface="+mn-lt"/>
-              <a:ea typeface="+mn-ea"/>
-              <a:cs typeface="+mn-cs"/>
-            </a:endParaRPr>
-          </a:p>
-          <a:p>
-            <a:pPr marL="171450" indent="-171450">
-              <a:buFont typeface="Arial" panose="020B0604020202020204" pitchFamily="34" charset="0"/>
-              <a:buChar char="•"/>
-            </a:pPr>
-            <a:r>
-              <a:rPr lang="en-US" sz="1200" b="0" i="0" kern="1200" dirty="0">
-                <a:solidFill>
-                  <a:schemeClr val="tx1"/>
-                </a:solidFill>
-                <a:effectLst/>
-                <a:latin typeface="+mn-lt"/>
-                <a:ea typeface="+mn-ea"/>
-                <a:cs typeface="+mn-cs"/>
-              </a:rPr>
-              <a:t>In the initial scenario, behind the load balancer, there’s just one server. When a client performs a request, using session id </a:t>
-            </a:r>
-            <a:r>
-              <a:rPr lang="en-US" dirty="0" err="1"/>
-              <a:t>xyz</a:t>
-            </a:r>
-            <a:r>
-              <a:rPr lang="en-US" sz="1200" b="0" i="0" kern="1200" dirty="0">
-                <a:solidFill>
-                  <a:schemeClr val="tx1"/>
-                </a:solidFill>
-                <a:effectLst/>
-                <a:latin typeface="+mn-lt"/>
-                <a:ea typeface="+mn-ea"/>
-                <a:cs typeface="+mn-cs"/>
-              </a:rPr>
-              <a:t>, its record will surely be found in the server’s memory (fig.3).</a:t>
-            </a:r>
-          </a:p>
-          <a:p>
-            <a:pPr marL="171450" indent="-171450">
-              <a:buFont typeface="Arial" panose="020B0604020202020204" pitchFamily="34" charset="0"/>
-              <a:buChar char="•"/>
-            </a:pPr>
-            <a:endParaRPr lang="en-US" sz="1200" b="0" i="0" kern="1200" dirty="0">
-              <a:solidFill>
-                <a:schemeClr val="tx1"/>
-              </a:solidFill>
-              <a:effectLst/>
-              <a:latin typeface="+mn-lt"/>
-              <a:ea typeface="+mn-ea"/>
-              <a:cs typeface="+mn-cs"/>
-            </a:endParaRPr>
-          </a:p>
-          <a:p>
-            <a:pPr marL="171450" indent="-171450">
-              <a:buFont typeface="Arial" panose="020B0604020202020204" pitchFamily="34" charset="0"/>
-              <a:buChar char="•"/>
-            </a:pPr>
-            <a:r>
-              <a:rPr lang="en-US" sz="1200" b="0" i="0" kern="1200" dirty="0">
-                <a:solidFill>
-                  <a:schemeClr val="tx1"/>
-                </a:solidFill>
-                <a:effectLst/>
-                <a:latin typeface="+mn-lt"/>
-                <a:ea typeface="+mn-ea"/>
-                <a:cs typeface="+mn-cs"/>
-              </a:rPr>
-              <a:t>Now imagine that the above infrastructure needs to scale. A new server (i.e. </a:t>
-            </a:r>
-            <a:r>
-              <a:rPr lang="en-US" sz="1200" b="0" i="1" kern="1200" dirty="0">
-                <a:solidFill>
-                  <a:schemeClr val="tx1"/>
-                </a:solidFill>
-                <a:effectLst/>
-                <a:latin typeface="+mn-lt"/>
-                <a:ea typeface="+mn-ea"/>
-                <a:cs typeface="+mn-cs"/>
-              </a:rPr>
-              <a:t>Server 2:2</a:t>
-            </a:r>
-            <a:r>
-              <a:rPr lang="en-US" sz="1200" b="0" i="0" kern="1200" dirty="0">
-                <a:solidFill>
-                  <a:schemeClr val="tx1"/>
-                </a:solidFill>
-                <a:effectLst/>
-                <a:latin typeface="+mn-lt"/>
-                <a:ea typeface="+mn-ea"/>
-                <a:cs typeface="+mn-cs"/>
-              </a:rPr>
-              <a:t>) will be added behind the load balancer and this brand new server will handle the next request issued by </a:t>
-            </a:r>
-            <a:r>
-              <a:rPr lang="en-US" dirty="0" err="1"/>
-              <a:t>xyz</a:t>
-            </a:r>
-            <a:r>
-              <a:rPr lang="en-US" sz="1200" b="0" i="0" kern="1200" dirty="0">
-                <a:solidFill>
-                  <a:schemeClr val="tx1"/>
-                </a:solidFill>
-                <a:effectLst/>
-                <a:latin typeface="+mn-lt"/>
-                <a:ea typeface="+mn-ea"/>
-                <a:cs typeface="+mn-cs"/>
-              </a:rPr>
-              <a:t> client…</a:t>
-            </a:r>
-          </a:p>
-          <a:p>
-            <a:pPr marL="171450" indent="-171450">
-              <a:buFont typeface="Arial" panose="020B0604020202020204" pitchFamily="34" charset="0"/>
-              <a:buChar char="•"/>
-            </a:pPr>
-            <a:endParaRPr lang="en-US" sz="1200" b="0" i="0" kern="1200" dirty="0">
-              <a:solidFill>
-                <a:schemeClr val="tx1"/>
-              </a:solidFill>
-              <a:effectLst/>
-              <a:latin typeface="+mn-lt"/>
-              <a:ea typeface="+mn-ea"/>
-              <a:cs typeface="+mn-cs"/>
-            </a:endParaRPr>
-          </a:p>
-          <a:p>
-            <a:pPr marL="171450" indent="-171450">
-              <a:buFont typeface="Arial" panose="020B0604020202020204" pitchFamily="34" charset="0"/>
-              <a:buChar char="•"/>
-            </a:pPr>
-            <a:r>
-              <a:rPr lang="en-US" sz="1200" b="0" i="0" kern="1200" dirty="0">
-                <a:solidFill>
-                  <a:schemeClr val="tx1"/>
-                </a:solidFill>
-                <a:effectLst/>
-                <a:latin typeface="+mn-lt"/>
-                <a:ea typeface="+mn-ea"/>
-                <a:cs typeface="+mn-cs"/>
-              </a:rPr>
-              <a:t>Unauthenticated! The brand new server has no </a:t>
-            </a:r>
-            <a:r>
-              <a:rPr lang="en-US" dirty="0" err="1"/>
-              <a:t>xyz</a:t>
-            </a:r>
-            <a:r>
-              <a:rPr lang="en-US" sz="1200" b="0" i="0" kern="1200" dirty="0">
-                <a:solidFill>
-                  <a:schemeClr val="tx1"/>
-                </a:solidFill>
-                <a:effectLst/>
-                <a:latin typeface="+mn-lt"/>
-                <a:ea typeface="+mn-ea"/>
-                <a:cs typeface="+mn-cs"/>
-              </a:rPr>
-              <a:t> sessions in its memory, so the authentication process will fail.</a:t>
-            </a:r>
-          </a:p>
-          <a:p>
-            <a:pPr marL="171450" indent="-171450">
-              <a:buFont typeface="Arial" panose="020B0604020202020204" pitchFamily="34" charset="0"/>
-              <a:buChar char="•"/>
-            </a:pPr>
-            <a:endParaRPr lang="en-US" sz="1200" b="0" i="0" kern="1200" dirty="0">
-              <a:solidFill>
-                <a:schemeClr val="tx1"/>
-              </a:solidFill>
-              <a:effectLst/>
-              <a:latin typeface="+mn-lt"/>
-              <a:ea typeface="+mn-ea"/>
-              <a:cs typeface="+mn-cs"/>
-            </a:endParaRPr>
-          </a:p>
-          <a:p>
-            <a:pPr marL="171450" indent="-171450">
-              <a:buFont typeface="Arial" panose="020B0604020202020204" pitchFamily="34" charset="0"/>
-              <a:buChar char="•"/>
-            </a:pPr>
+            <a:pPr marL="0" algn="l" defTabSz="914400" rtl="0" eaLnBrk="1" latinLnBrk="0" hangingPunct="1"/>
             <a:endParaRPr lang="en-IL" dirty="0"/>
           </a:p>
         </p:txBody>
@@ -2121,7 +5283,7 @@
           <a:p>
             <a:fld id="{D2850163-67CE-1445-A832-1977356FC86B}" type="slidenum">
               <a:rPr lang="en-IL" smtClean="0"/>
-              <a:t>10</a:t>
+              <a:t>9</a:t>
             </a:fld>
             <a:endParaRPr lang="en-IL"/>
           </a:p>
@@ -2130,7 +5292,7 @@
     </p:spTree>
     <p:extLst>
       <p:ext uri="{BB962C8B-B14F-4D97-AF65-F5344CB8AC3E}">
-        <p14:creationId xmlns:p14="http://schemas.microsoft.com/office/powerpoint/2010/main" val="2007733543"/>
+        <p14:creationId xmlns:p14="http://schemas.microsoft.com/office/powerpoint/2010/main" val="4070779130"/>
       </p:ext>
     </p:extLst>
   </p:cSld>
@@ -2184,54 +5346,43 @@
           <a:bodyPr/>
           <a:lstStyle/>
           <a:p>
-            <a:pPr marL="171450" indent="-171450">
-              <a:buFont typeface="Arial" panose="020B0604020202020204" pitchFamily="34" charset="0"/>
-              <a:buChar char="•"/>
-            </a:pPr>
-            <a:r>
-              <a:rPr lang="en-US" dirty="0"/>
-              <a:t>// TODO translate</a:t>
-            </a:r>
-          </a:p>
-          <a:p>
-            <a:pPr marL="171450" indent="-171450">
-              <a:buFont typeface="Arial" panose="020B0604020202020204" pitchFamily="34" charset="0"/>
-              <a:buChar char="•"/>
-            </a:pPr>
-            <a:endParaRPr lang="en-US" dirty="0"/>
-          </a:p>
-          <a:p>
-            <a:pPr marL="171450" indent="-171450">
-              <a:buFont typeface="Arial" panose="020B0604020202020204" pitchFamily="34" charset="0"/>
-              <a:buChar char="•"/>
-            </a:pPr>
-            <a:r>
-              <a:rPr lang="en-US" dirty="0"/>
-              <a:t>Each token is </a:t>
-            </a:r>
-            <a:r>
-              <a:rPr lang="en-US" i="1" dirty="0">
-                <a:effectLst/>
-              </a:rPr>
-              <a:t>self-contained</a:t>
-            </a:r>
-            <a:r>
-              <a:rPr lang="en-US" dirty="0"/>
-              <a:t>, this means it contains all information needed to allow or deny any given requests to an API.</a:t>
-            </a:r>
-            <a:r>
-              <a:rPr lang="en-US" sz="1200" b="0" i="0" kern="1200" dirty="0">
-                <a:solidFill>
-                  <a:schemeClr val="tx1"/>
-                </a:solidFill>
-                <a:effectLst/>
-                <a:latin typeface="+mn-lt"/>
-                <a:ea typeface="+mn-ea"/>
-                <a:cs typeface="+mn-cs"/>
-              </a:rPr>
-              <a:t> To understand how we can verify a token and how authorization happens, we need to take a step back and look into a JWT</a:t>
-            </a:r>
-            <a:endParaRPr lang="en-IL" dirty="0"/>
+            <a:pPr marL="0" algn="r" defTabSz="914400" rtl="0" eaLnBrk="1" latinLnBrk="0" hangingPunct="1"/>
+            <a:r>
+              <a:rPr lang="he-IL" sz="2400" dirty="0"/>
+              <a:t>בגלל אופי ה</a:t>
+            </a:r>
+            <a:br>
+              <a:rPr lang="en-US" sz="2400" dirty="0"/>
+            </a:br>
+            <a:r>
+              <a:rPr lang="en-US" sz="2400" dirty="0"/>
+              <a:t>http protocol</a:t>
+            </a:r>
+            <a:br>
+              <a:rPr lang="en-US" sz="2400" dirty="0"/>
+            </a:br>
+            <a:r>
+              <a:rPr lang="he-IL" sz="2400" dirty="0"/>
+              <a:t>על כל בקשה נדרשת </a:t>
+            </a:r>
+            <a:br>
+              <a:rPr lang="en-US" sz="2400" dirty="0"/>
+            </a:br>
+            <a:r>
+              <a:rPr lang="en-US" sz="2400" dirty="0"/>
+              <a:t>authentication</a:t>
+            </a:r>
+            <a:br>
+              <a:rPr lang="en-US" sz="2400" dirty="0"/>
+            </a:br>
+            <a:r>
+              <a:rPr lang="he-IL" sz="2400" dirty="0"/>
+              <a:t>חדשה</a:t>
+            </a:r>
+            <a:br>
+              <a:rPr lang="en-US" sz="2400" dirty="0"/>
+            </a:br>
+            <a:endParaRPr lang="en-IL" sz="2400" dirty="0"/>
           </a:p>
         </p:txBody>
       </p:sp>
@@ -2261,7 +5412,7 @@
     </p:spTree>
     <p:extLst>
       <p:ext uri="{BB962C8B-B14F-4D97-AF65-F5344CB8AC3E}">
-        <p14:creationId xmlns:p14="http://schemas.microsoft.com/office/powerpoint/2010/main" val="1893087652"/>
+        <p14:creationId xmlns:p14="http://schemas.microsoft.com/office/powerpoint/2010/main" val="464794328"/>
       </p:ext>
     </p:extLst>
   </p:cSld>
@@ -2315,87 +5466,10 @@
           <a:bodyPr/>
           <a:lstStyle/>
           <a:p>
-            <a:r>
-              <a:rPr lang="en-US" sz="1200" b="1" i="1" kern="1200" dirty="0">
-                <a:solidFill>
-                  <a:schemeClr val="tx1"/>
-                </a:solidFill>
-                <a:effectLst/>
-                <a:latin typeface="+mn-lt"/>
-                <a:ea typeface="+mn-ea"/>
-                <a:cs typeface="+mn-cs"/>
-              </a:rPr>
-              <a:t>// TODO translate</a:t>
-            </a:r>
-          </a:p>
-          <a:p>
-            <a:endParaRPr lang="en-US" sz="1200" b="1" i="1" kern="1200" dirty="0">
-              <a:solidFill>
-                <a:schemeClr val="tx1"/>
-              </a:solidFill>
-              <a:effectLst/>
-              <a:latin typeface="+mn-lt"/>
-              <a:ea typeface="+mn-ea"/>
-              <a:cs typeface="+mn-cs"/>
-            </a:endParaRPr>
-          </a:p>
-          <a:p>
-            <a:r>
-              <a:rPr lang="en-US" sz="1200" b="1" i="1" kern="1200" dirty="0">
-                <a:solidFill>
-                  <a:schemeClr val="tx1"/>
-                </a:solidFill>
-                <a:effectLst/>
-                <a:latin typeface="+mn-lt"/>
-                <a:ea typeface="+mn-ea"/>
-                <a:cs typeface="+mn-cs"/>
-              </a:rPr>
-              <a:t>Note:</a:t>
-            </a:r>
-            <a:r>
-              <a:rPr lang="en-US" sz="1200" b="0" i="1" kern="1200" dirty="0">
-                <a:solidFill>
-                  <a:schemeClr val="tx1"/>
-                </a:solidFill>
-                <a:effectLst/>
-                <a:latin typeface="+mn-lt"/>
-                <a:ea typeface="+mn-ea"/>
-                <a:cs typeface="+mn-cs"/>
-              </a:rPr>
-              <a:t> In asymmetric encryption, we all know that a public key is used to encrypt a message, whereas a private key is used to decrypt it.</a:t>
-            </a:r>
-            <a:br>
+            <a:pPr marL="0" algn="r" defTabSz="914400" rtl="1" eaLnBrk="1" latinLnBrk="0" hangingPunct="1"/>
+            <a:r>
               <a:rPr lang="en-US" dirty="0"/>
-            </a:br>
-            <a:r>
-              <a:rPr lang="en-US" sz="1200" b="0" i="1" kern="1200" dirty="0">
-                <a:solidFill>
-                  <a:schemeClr val="tx1"/>
-                </a:solidFill>
-                <a:effectLst/>
-                <a:latin typeface="+mn-lt"/>
-                <a:ea typeface="+mn-ea"/>
-                <a:cs typeface="+mn-cs"/>
-              </a:rPr>
-              <a:t>In a signing algorithm, this process is completely switched! Here the message (the </a:t>
-            </a:r>
-            <a:r>
-              <a:rPr lang="en-US" i="0" dirty="0">
-                <a:effectLst/>
-              </a:rPr>
-              <a:t>data</a:t>
-            </a:r>
-            <a:r>
-              <a:rPr lang="en-US" sz="1200" b="0" i="1" kern="1200" dirty="0">
-                <a:solidFill>
-                  <a:schemeClr val="tx1"/>
-                </a:solidFill>
-                <a:effectLst/>
-                <a:latin typeface="+mn-lt"/>
-                <a:ea typeface="+mn-ea"/>
-                <a:cs typeface="+mn-cs"/>
-              </a:rPr>
-              <a:t> in the pseudo-code above) is signed using the private key and the public key is used to verify that the signature is valid.</a:t>
+              <a:t>// TODO need to translate</a:t>
             </a:r>
             <a:endParaRPr lang="en-IL" dirty="0"/>
           </a:p>
@@ -2418,7 +5492,7 @@
           <a:p>
             <a:fld id="{D2850163-67CE-1445-A832-1977356FC86B}" type="slidenum">
               <a:rPr lang="en-IL" smtClean="0"/>
-              <a:t>18</a:t>
+              <a:t>12</a:t>
             </a:fld>
             <a:endParaRPr lang="en-IL"/>
           </a:p>
@@ -2427,7 +5501,7 @@
     </p:spTree>
     <p:extLst>
       <p:ext uri="{BB962C8B-B14F-4D97-AF65-F5344CB8AC3E}">
-        <p14:creationId xmlns:p14="http://schemas.microsoft.com/office/powerpoint/2010/main" val="2347858746"/>
+        <p14:creationId xmlns:p14="http://schemas.microsoft.com/office/powerpoint/2010/main" val="3040719757"/>
       </p:ext>
     </p:extLst>
   </p:cSld>
@@ -2568,7 +5642,7 @@
           <a:p>
             <a:fld id="{FBD4AB29-D7CE-BF42-9604-B5027FE70E55}" type="datetimeFigureOut">
               <a:rPr lang="en-IL" smtClean="0"/>
-              <a:t>25/05/2021</a:t>
+              <a:t>07/06/2021</a:t>
             </a:fld>
             <a:endParaRPr lang="en-IL"/>
           </a:p>
@@ -2738,7 +5812,7 @@
           <a:p>
             <a:fld id="{FBD4AB29-D7CE-BF42-9604-B5027FE70E55}" type="datetimeFigureOut">
               <a:rPr lang="en-IL" smtClean="0"/>
-              <a:t>25/05/2021</a:t>
+              <a:t>07/06/2021</a:t>
             </a:fld>
             <a:endParaRPr lang="en-IL"/>
           </a:p>
@@ -2918,7 +5992,7 @@
           <a:p>
             <a:fld id="{FBD4AB29-D7CE-BF42-9604-B5027FE70E55}" type="datetimeFigureOut">
               <a:rPr lang="en-IL" smtClean="0"/>
-              <a:t>25/05/2021</a:t>
+              <a:t>07/06/2021</a:t>
             </a:fld>
             <a:endParaRPr lang="en-IL"/>
           </a:p>
@@ -3088,7 +6162,7 @@
           <a:p>
             <a:fld id="{FBD4AB29-D7CE-BF42-9604-B5027FE70E55}" type="datetimeFigureOut">
               <a:rPr lang="en-IL" smtClean="0"/>
-              <a:t>25/05/2021</a:t>
+              <a:t>07/06/2021</a:t>
             </a:fld>
             <a:endParaRPr lang="en-IL"/>
           </a:p>
@@ -3334,7 +6408,7 @@
           <a:p>
             <a:fld id="{FBD4AB29-D7CE-BF42-9604-B5027FE70E55}" type="datetimeFigureOut">
               <a:rPr lang="en-IL" smtClean="0"/>
-              <a:t>25/05/2021</a:t>
+              <a:t>07/06/2021</a:t>
             </a:fld>
             <a:endParaRPr lang="en-IL"/>
           </a:p>
@@ -3566,7 +6640,7 @@
           <a:p>
             <a:fld id="{FBD4AB29-D7CE-BF42-9604-B5027FE70E55}" type="datetimeFigureOut">
               <a:rPr lang="en-IL" smtClean="0"/>
-              <a:t>25/05/2021</a:t>
+              <a:t>07/06/2021</a:t>
             </a:fld>
             <a:endParaRPr lang="en-IL"/>
           </a:p>
@@ -3933,7 +7007,7 @@
           <a:p>
             <a:fld id="{FBD4AB29-D7CE-BF42-9604-B5027FE70E55}" type="datetimeFigureOut">
               <a:rPr lang="en-IL" smtClean="0"/>
-              <a:t>25/05/2021</a:t>
+              <a:t>07/06/2021</a:t>
             </a:fld>
             <a:endParaRPr lang="en-IL"/>
           </a:p>
@@ -4051,7 +7125,7 @@
           <a:p>
             <a:fld id="{FBD4AB29-D7CE-BF42-9604-B5027FE70E55}" type="datetimeFigureOut">
               <a:rPr lang="en-IL" smtClean="0"/>
-              <a:t>25/05/2021</a:t>
+              <a:t>07/06/2021</a:t>
             </a:fld>
             <a:endParaRPr lang="en-IL"/>
           </a:p>
@@ -4146,7 +7220,7 @@
           <a:p>
             <a:fld id="{FBD4AB29-D7CE-BF42-9604-B5027FE70E55}" type="datetimeFigureOut">
               <a:rPr lang="en-IL" smtClean="0"/>
-              <a:t>25/05/2021</a:t>
+              <a:t>07/06/2021</a:t>
             </a:fld>
             <a:endParaRPr lang="en-IL"/>
           </a:p>
@@ -4423,7 +7497,7 @@
           <a:p>
             <a:fld id="{FBD4AB29-D7CE-BF42-9604-B5027FE70E55}" type="datetimeFigureOut">
               <a:rPr lang="en-IL" smtClean="0"/>
-              <a:t>25/05/2021</a:t>
+              <a:t>07/06/2021</a:t>
             </a:fld>
             <a:endParaRPr lang="en-IL"/>
           </a:p>
@@ -4680,7 +7754,7 @@
           <a:p>
             <a:fld id="{FBD4AB29-D7CE-BF42-9604-B5027FE70E55}" type="datetimeFigureOut">
               <a:rPr lang="en-IL" smtClean="0"/>
-              <a:t>25/05/2021</a:t>
+              <a:t>07/06/2021</a:t>
             </a:fld>
             <a:endParaRPr lang="en-IL"/>
           </a:p>
@@ -4893,7 +7967,7 @@
           <a:p>
             <a:fld id="{FBD4AB29-D7CE-BF42-9604-B5027FE70E55}" type="datetimeFigureOut">
               <a:rPr lang="en-IL" smtClean="0"/>
-              <a:t>25/05/2021</a:t>
+              <a:t>07/06/2021</a:t>
             </a:fld>
             <a:endParaRPr lang="en-IL"/>
           </a:p>
@@ -5462,6 +8536,616 @@
         </p:nvSpPr>
         <p:spPr>
           <a:xfrm>
+            <a:off x="655321" y="210727"/>
+            <a:ext cx="10515600" cy="1325563"/>
+          </a:xfrm>
+        </p:spPr>
+        <p:txBody>
+          <a:bodyPr>
+            <a:normAutofit/>
+          </a:bodyPr>
+          <a:lstStyle/>
+          <a:p>
+            <a:r>
+              <a:rPr lang="en-IL" sz="4800" dirty="0"/>
+              <a:t>A problem of state…</a:t>
+            </a:r>
+          </a:p>
+        </p:txBody>
+      </p:sp>
+      <p:sp>
+        <p:nvSpPr>
+          <p:cNvPr id="7" name="TextBox 6">
+            <a:extLst>
+              <a:ext uri="{FF2B5EF4-FFF2-40B4-BE49-F238E27FC236}">
+                <a16:creationId xmlns:a16="http://schemas.microsoft.com/office/drawing/2014/main" id="{0D434488-5884-DC47-825F-DB289BAA0DD0}"/>
+              </a:ext>
+            </a:extLst>
+          </p:cNvPr>
+          <p:cNvSpPr txBox="1"/>
+          <p:nvPr/>
+        </p:nvSpPr>
+        <p:spPr>
+          <a:xfrm>
+            <a:off x="590598" y="1536290"/>
+            <a:ext cx="10946081" cy="1325563"/>
+          </a:xfrm>
+          <a:prstGeom prst="rect">
+            <a:avLst/>
+          </a:prstGeom>
+        </p:spPr>
+        <p:txBody>
+          <a:bodyPr vert="horz" lIns="91440" tIns="45720" rIns="91440" bIns="45720" rtlCol="0">
+            <a:normAutofit/>
+          </a:bodyPr>
+          <a:lstStyle/>
+          <a:p>
+            <a:pPr defTabSz="914400">
+              <a:lnSpc>
+                <a:spcPct val="90000"/>
+              </a:lnSpc>
+              <a:spcAft>
+                <a:spcPts val="600"/>
+              </a:spcAft>
+            </a:pPr>
+            <a:r>
+              <a:rPr lang="en-US" sz="2800" b="1" dirty="0"/>
+              <a:t>The </a:t>
+            </a:r>
+            <a:r>
+              <a:rPr lang="en-US" sz="2800" b="1" dirty="0">
+                <a:solidFill>
+                  <a:srgbClr val="FF0000"/>
+                </a:solidFill>
+              </a:rPr>
+              <a:t>HTTP protocol is </a:t>
+            </a:r>
+            <a:r>
+              <a:rPr lang="en-US" sz="2800" b="1" i="1" dirty="0">
+                <a:solidFill>
+                  <a:srgbClr val="FF0000"/>
+                </a:solidFill>
+              </a:rPr>
+              <a:t>stateless</a:t>
+            </a:r>
+            <a:r>
+              <a:rPr lang="en-US" sz="2800" dirty="0"/>
+              <a:t>, this means a new request (e.g. GET /order/42) won’t know anything about the previous one, </a:t>
+            </a:r>
+            <a:r>
+              <a:rPr lang="en-US" sz="2800" b="1" dirty="0"/>
+              <a:t>so</a:t>
+            </a:r>
+            <a:r>
+              <a:rPr lang="en-US" sz="2800" dirty="0"/>
+              <a:t> </a:t>
+            </a:r>
+            <a:r>
+              <a:rPr lang="en-US" sz="2800" b="1" dirty="0"/>
+              <a:t>we need to </a:t>
+            </a:r>
+            <a:r>
+              <a:rPr lang="en-US" sz="2800" b="1" dirty="0">
+                <a:solidFill>
+                  <a:srgbClr val="FF0000"/>
+                </a:solidFill>
+              </a:rPr>
+              <a:t>reauthenticate</a:t>
+            </a:r>
+            <a:r>
+              <a:rPr lang="en-US" sz="2800" b="1" dirty="0"/>
+              <a:t> for each new request</a:t>
+            </a:r>
+            <a:r>
+              <a:rPr lang="en-US" sz="2800" dirty="0"/>
+              <a:t> (fig.1).</a:t>
+            </a:r>
+          </a:p>
+        </p:txBody>
+      </p:sp>
+    </p:spTree>
+    <p:extLst>
+      <p:ext uri="{BB962C8B-B14F-4D97-AF65-F5344CB8AC3E}">
+        <p14:creationId xmlns:p14="http://schemas.microsoft.com/office/powerpoint/2010/main" val="2121615192"/>
+      </p:ext>
+    </p:extLst>
+  </p:cSld>
+  <p:clrMapOvr>
+    <a:masterClrMapping/>
+  </p:clrMapOvr>
+</p:sld>
+</file>
+
+<file path=ppt/slides/slide11.xml><?xml version="1.0" encoding="utf-8"?>
+<p:sld xmlns:a="http://schemas.openxmlformats.org/drawingml/2006/main" xmlns:r="http://schemas.openxmlformats.org/officeDocument/2006/relationships" xmlns:p="http://schemas.openxmlformats.org/presentationml/2006/main">
+  <p:cSld>
+    <p:bg>
+      <p:bgPr>
+        <a:solidFill>
+          <a:schemeClr val="bg1"/>
+        </a:solidFill>
+        <a:effectLst/>
+      </p:bgPr>
+    </p:bg>
+    <p:spTree>
+      <p:nvGrpSpPr>
+        <p:cNvPr id="1" name=""/>
+        <p:cNvGrpSpPr/>
+        <p:nvPr/>
+      </p:nvGrpSpPr>
+      <p:grpSpPr>
+        <a:xfrm>
+          <a:off x="0" y="0"/>
+          <a:ext cx="0" cy="0"/>
+          <a:chOff x="0" y="0"/>
+          <a:chExt cx="0" cy="0"/>
+        </a:xfrm>
+      </p:grpSpPr>
+      <p:cxnSp>
+        <p:nvCxnSpPr>
+          <p:cNvPr id="10" name="Straight Connector 9">
+            <a:extLst>
+              <a:ext uri="{FF2B5EF4-FFF2-40B4-BE49-F238E27FC236}">
+                <a16:creationId xmlns:a16="http://schemas.microsoft.com/office/drawing/2014/main" id="{A7F400EE-A8A5-48AF-B4D6-291B52C6F0B0}"/>
+              </a:ext>
+              <a:ext uri="{C183D7F6-B498-43B3-948B-1728B52AA6E4}">
+                <adec:decorative xmlns:adec="http://schemas.microsoft.com/office/drawing/2017/decorative" val="1"/>
+              </a:ext>
+            </a:extLst>
+          </p:cNvPr>
+          <p:cNvCxnSpPr>
+            <a:cxnSpLocks noGrp="1" noRot="1" noChangeAspect="1" noMove="1" noResize="1" noEditPoints="1" noAdjustHandles="1" noChangeArrowheads="1" noChangeShapeType="1"/>
+          </p:cNvCxnSpPr>
+          <p:nvPr>
+            <p:extLst>
+              <p:ext uri="{386F3935-93C4-4BCD-93E2-E3B085C9AB24}">
+                <p16:designElem xmlns:p16="http://schemas.microsoft.com/office/powerpoint/2015/main" val="1"/>
+              </p:ext>
+            </p:extLst>
+          </p:nvPr>
+        </p:nvCxnSpPr>
+        <p:spPr>
+          <a:xfrm>
+            <a:off x="5080934" y="2115117"/>
+            <a:ext cx="6309360" cy="0"/>
+          </a:xfrm>
+          <a:prstGeom prst="line">
+            <a:avLst/>
+          </a:prstGeom>
+          <a:ln w="19050">
+            <a:solidFill>
+              <a:srgbClr val="EE2C1D"/>
+            </a:solidFill>
+          </a:ln>
+        </p:spPr>
+        <p:style>
+          <a:lnRef idx="1">
+            <a:schemeClr val="accent1"/>
+          </a:lnRef>
+          <a:fillRef idx="0">
+            <a:schemeClr val="accent1"/>
+          </a:fillRef>
+          <a:effectRef idx="0">
+            <a:schemeClr val="accent1"/>
+          </a:effectRef>
+          <a:fontRef idx="minor">
+            <a:schemeClr val="tx1"/>
+          </a:fontRef>
+        </p:style>
+      </p:cxnSp>
+      <p:sp>
+        <p:nvSpPr>
+          <p:cNvPr id="11" name="Title 10">
+            <a:extLst>
+              <a:ext uri="{FF2B5EF4-FFF2-40B4-BE49-F238E27FC236}">
+                <a16:creationId xmlns:a16="http://schemas.microsoft.com/office/drawing/2014/main" id="{829D8FD0-C8E2-DD46-97C2-AAF7633CC3D3}"/>
+              </a:ext>
+            </a:extLst>
+          </p:cNvPr>
+          <p:cNvSpPr>
+            <a:spLocks noGrp="1"/>
+          </p:cNvSpPr>
+          <p:nvPr>
+            <p:ph type="title"/>
+          </p:nvPr>
+        </p:nvSpPr>
+        <p:spPr/>
+        <p:txBody>
+          <a:bodyPr/>
+          <a:lstStyle/>
+          <a:p>
+            <a:endParaRPr lang="en-IL"/>
+          </a:p>
+        </p:txBody>
+      </p:sp>
+      <p:pic>
+        <p:nvPicPr>
+          <p:cNvPr id="2050" name="Picture 2">
+            <a:extLst>
+              <a:ext uri="{FF2B5EF4-FFF2-40B4-BE49-F238E27FC236}">
+                <a16:creationId xmlns:a16="http://schemas.microsoft.com/office/drawing/2014/main" id="{7B1BD949-ACD6-D24D-859E-A1C12106B4F6}"/>
+              </a:ext>
+            </a:extLst>
+          </p:cNvPr>
+          <p:cNvPicPr>
+            <a:picLocks noChangeAspect="1" noChangeArrowheads="1"/>
+          </p:cNvPicPr>
+          <p:nvPr/>
+        </p:nvPicPr>
+        <p:blipFill>
+          <a:blip r:embed="rId3">
+            <a:extLst>
+              <a:ext uri="{28A0092B-C50C-407E-A947-70E740481C1C}">
+                <a14:useLocalDpi xmlns:a14="http://schemas.microsoft.com/office/drawing/2010/main" val="0"/>
+              </a:ext>
+            </a:extLst>
+          </a:blip>
+          <a:srcRect/>
+          <a:stretch>
+            <a:fillRect/>
+          </a:stretch>
+        </p:blipFill>
+        <p:spPr bwMode="auto">
+          <a:xfrm>
+            <a:off x="0" y="303213"/>
+            <a:ext cx="12192000" cy="6251575"/>
+          </a:xfrm>
+          <a:prstGeom prst="rect">
+            <a:avLst/>
+          </a:prstGeom>
+          <a:noFill/>
+          <a:extLst>
+            <a:ext uri="{909E8E84-426E-40DD-AFC4-6F175D3DCCD1}">
+              <a14:hiddenFill xmlns:a14="http://schemas.microsoft.com/office/drawing/2010/main">
+                <a:solidFill>
+                  <a:srgbClr val="FFFFFF"/>
+                </a:solidFill>
+              </a14:hiddenFill>
+            </a:ext>
+          </a:extLst>
+        </p:spPr>
+      </p:pic>
+    </p:spTree>
+    <p:extLst>
+      <p:ext uri="{BB962C8B-B14F-4D97-AF65-F5344CB8AC3E}">
+        <p14:creationId xmlns:p14="http://schemas.microsoft.com/office/powerpoint/2010/main" val="3025277833"/>
+      </p:ext>
+    </p:extLst>
+  </p:cSld>
+  <p:clrMapOvr>
+    <a:masterClrMapping/>
+  </p:clrMapOvr>
+</p:sld>
+</file>
+
+<file path=ppt/slides/slide12.xml><?xml version="1.0" encoding="utf-8"?>
+<p:sld xmlns:a="http://schemas.openxmlformats.org/drawingml/2006/main" xmlns:r="http://schemas.openxmlformats.org/officeDocument/2006/relationships" xmlns:p="http://schemas.openxmlformats.org/presentationml/2006/main">
+  <p:cSld>
+    <p:spTree>
+      <p:nvGrpSpPr>
+        <p:cNvPr id="1" name=""/>
+        <p:cNvGrpSpPr/>
+        <p:nvPr/>
+      </p:nvGrpSpPr>
+      <p:grpSpPr>
+        <a:xfrm>
+          <a:off x="0" y="0"/>
+          <a:ext cx="0" cy="0"/>
+          <a:chOff x="0" y="0"/>
+          <a:chExt cx="0" cy="0"/>
+        </a:xfrm>
+      </p:grpSpPr>
+      <p:sp>
+        <p:nvSpPr>
+          <p:cNvPr id="4" name="Title 5">
+            <a:extLst>
+              <a:ext uri="{FF2B5EF4-FFF2-40B4-BE49-F238E27FC236}">
+                <a16:creationId xmlns:a16="http://schemas.microsoft.com/office/drawing/2014/main" id="{A84E2FEF-74EA-9C4A-B7F8-D5AF9CC85439}"/>
+              </a:ext>
+            </a:extLst>
+          </p:cNvPr>
+          <p:cNvSpPr>
+            <a:spLocks noGrp="1"/>
+          </p:cNvSpPr>
+          <p:nvPr>
+            <p:ph type="title"/>
+          </p:nvPr>
+        </p:nvSpPr>
+        <p:spPr>
+          <a:xfrm>
+            <a:off x="655321" y="210727"/>
+            <a:ext cx="10515600" cy="1325563"/>
+          </a:xfrm>
+        </p:spPr>
+        <p:txBody>
+          <a:bodyPr>
+            <a:normAutofit/>
+          </a:bodyPr>
+          <a:lstStyle/>
+          <a:p>
+            <a:r>
+              <a:rPr lang="en-IL" sz="4800" dirty="0"/>
+              <a:t>A </a:t>
+            </a:r>
+            <a:r>
+              <a:rPr lang="en-US" sz="4800" dirty="0"/>
+              <a:t>solution</a:t>
+            </a:r>
+            <a:r>
+              <a:rPr lang="en-IL" sz="4800" dirty="0"/>
+              <a:t>…</a:t>
+            </a:r>
+          </a:p>
+        </p:txBody>
+      </p:sp>
+      <p:sp>
+        <p:nvSpPr>
+          <p:cNvPr id="7" name="TextBox 6">
+            <a:extLst>
+              <a:ext uri="{FF2B5EF4-FFF2-40B4-BE49-F238E27FC236}">
+                <a16:creationId xmlns:a16="http://schemas.microsoft.com/office/drawing/2014/main" id="{0D434488-5884-DC47-825F-DB289BAA0DD0}"/>
+              </a:ext>
+            </a:extLst>
+          </p:cNvPr>
+          <p:cNvSpPr txBox="1"/>
+          <p:nvPr/>
+        </p:nvSpPr>
+        <p:spPr>
+          <a:xfrm>
+            <a:off x="590598" y="1536290"/>
+            <a:ext cx="10946081" cy="3035710"/>
+          </a:xfrm>
+          <a:prstGeom prst="rect">
+            <a:avLst/>
+          </a:prstGeom>
+        </p:spPr>
+        <p:txBody>
+          <a:bodyPr vert="horz" lIns="91440" tIns="45720" rIns="91440" bIns="45720" rtlCol="0">
+            <a:noAutofit/>
+          </a:bodyPr>
+          <a:lstStyle/>
+          <a:p>
+            <a:pPr defTabSz="914400">
+              <a:lnSpc>
+                <a:spcPct val="90000"/>
+              </a:lnSpc>
+              <a:spcAft>
+                <a:spcPts val="600"/>
+              </a:spcAft>
+            </a:pPr>
+            <a:r>
+              <a:rPr lang="en-US" sz="2800" dirty="0">
+                <a:solidFill>
+                  <a:srgbClr val="FF0000"/>
+                </a:solidFill>
+              </a:rPr>
+              <a:t>The traditional way of dealing with this is the use of </a:t>
+            </a:r>
+            <a:r>
+              <a:rPr lang="en-US" sz="2800" dirty="0"/>
+              <a:t>S</a:t>
+            </a:r>
+            <a:r>
+              <a:rPr lang="en-US" sz="2800" dirty="0">
+                <a:solidFill>
+                  <a:srgbClr val="FF0000"/>
+                </a:solidFill>
+              </a:rPr>
+              <a:t>erver </a:t>
+            </a:r>
+            <a:r>
+              <a:rPr lang="en-US" sz="2800" dirty="0"/>
+              <a:t>S</a:t>
+            </a:r>
+            <a:r>
+              <a:rPr lang="en-US" sz="2800" dirty="0">
+                <a:solidFill>
+                  <a:srgbClr val="FF0000"/>
+                </a:solidFill>
+              </a:rPr>
+              <a:t>ide </a:t>
+            </a:r>
+            <a:r>
+              <a:rPr lang="en-US" sz="2800" dirty="0"/>
+              <a:t>S</a:t>
+            </a:r>
+            <a:r>
+              <a:rPr lang="en-US" sz="2800" dirty="0">
+                <a:solidFill>
+                  <a:srgbClr val="FF0000"/>
+                </a:solidFill>
+              </a:rPr>
+              <a:t>essions (SSS). </a:t>
+            </a:r>
+          </a:p>
+          <a:p>
+            <a:pPr defTabSz="914400">
+              <a:lnSpc>
+                <a:spcPct val="90000"/>
+              </a:lnSpc>
+              <a:spcAft>
+                <a:spcPts val="600"/>
+              </a:spcAft>
+            </a:pPr>
+            <a:endParaRPr lang="en-US" sz="2800" dirty="0">
+              <a:solidFill>
+                <a:srgbClr val="FF0000"/>
+              </a:solidFill>
+            </a:endParaRPr>
+          </a:p>
+          <a:p>
+            <a:pPr defTabSz="914400">
+              <a:lnSpc>
+                <a:spcPct val="90000"/>
+              </a:lnSpc>
+              <a:spcAft>
+                <a:spcPts val="600"/>
+              </a:spcAft>
+            </a:pPr>
+            <a:r>
+              <a:rPr lang="en-US" sz="2800" dirty="0"/>
+              <a:t>In this scenario, we first check for username and password; if they are authentic, the server will save a </a:t>
+            </a:r>
+            <a:r>
+              <a:rPr lang="en-US" sz="2800" i="1" dirty="0">
+                <a:solidFill>
+                  <a:srgbClr val="FF0000"/>
+                </a:solidFill>
+              </a:rPr>
+              <a:t>session id</a:t>
+            </a:r>
+            <a:r>
+              <a:rPr lang="en-US" sz="2800" dirty="0">
+                <a:solidFill>
+                  <a:srgbClr val="FF0000"/>
+                </a:solidFill>
+              </a:rPr>
+              <a:t> </a:t>
+            </a:r>
+            <a:r>
+              <a:rPr lang="en-US" sz="2800" dirty="0"/>
+              <a:t>in memory and return it to the client. From now on, the client will just need to send its </a:t>
+            </a:r>
+            <a:r>
+              <a:rPr lang="en-US" sz="2800" i="1" dirty="0">
+                <a:solidFill>
+                  <a:srgbClr val="FF0000"/>
+                </a:solidFill>
+              </a:rPr>
+              <a:t>session id </a:t>
+            </a:r>
+            <a:r>
+              <a:rPr lang="en-US" sz="2800" dirty="0"/>
+              <a:t>to be recognized (fig.2)</a:t>
+            </a:r>
+          </a:p>
+        </p:txBody>
+      </p:sp>
+    </p:spTree>
+    <p:extLst>
+      <p:ext uri="{BB962C8B-B14F-4D97-AF65-F5344CB8AC3E}">
+        <p14:creationId xmlns:p14="http://schemas.microsoft.com/office/powerpoint/2010/main" val="3682722471"/>
+      </p:ext>
+    </p:extLst>
+  </p:cSld>
+  <p:clrMapOvr>
+    <a:masterClrMapping/>
+  </p:clrMapOvr>
+</p:sld>
+</file>
+
+<file path=ppt/slides/slide13.xml><?xml version="1.0" encoding="utf-8"?>
+<p:sld xmlns:a="http://schemas.openxmlformats.org/drawingml/2006/main" xmlns:r="http://schemas.openxmlformats.org/officeDocument/2006/relationships" xmlns:p="http://schemas.openxmlformats.org/presentationml/2006/main">
+  <p:cSld>
+    <p:spTree>
+      <p:nvGrpSpPr>
+        <p:cNvPr id="1" name=""/>
+        <p:cNvGrpSpPr/>
+        <p:nvPr/>
+      </p:nvGrpSpPr>
+      <p:grpSpPr>
+        <a:xfrm>
+          <a:off x="0" y="0"/>
+          <a:ext cx="0" cy="0"/>
+          <a:chOff x="0" y="0"/>
+          <a:chExt cx="0" cy="0"/>
+        </a:xfrm>
+      </p:grpSpPr>
+      <p:pic>
+        <p:nvPicPr>
+          <p:cNvPr id="4098" name="Picture 2">
+            <a:extLst>
+              <a:ext uri="{FF2B5EF4-FFF2-40B4-BE49-F238E27FC236}">
+                <a16:creationId xmlns:a16="http://schemas.microsoft.com/office/drawing/2014/main" id="{C5595588-6ACF-3F4C-82FE-B03402388351}"/>
+              </a:ext>
+            </a:extLst>
+          </p:cNvPr>
+          <p:cNvPicPr>
+            <a:picLocks noChangeAspect="1" noChangeArrowheads="1"/>
+          </p:cNvPicPr>
+          <p:nvPr/>
+        </p:nvPicPr>
+        <p:blipFill>
+          <a:blip r:embed="rId3">
+            <a:extLst>
+              <a:ext uri="{28A0092B-C50C-407E-A947-70E740481C1C}">
+                <a14:useLocalDpi xmlns:a14="http://schemas.microsoft.com/office/drawing/2010/main" val="0"/>
+              </a:ext>
+            </a:extLst>
+          </a:blip>
+          <a:srcRect/>
+          <a:stretch>
+            <a:fillRect/>
+          </a:stretch>
+        </p:blipFill>
+        <p:spPr bwMode="auto">
+          <a:xfrm>
+            <a:off x="944563" y="0"/>
+            <a:ext cx="10302875" cy="6858000"/>
+          </a:xfrm>
+          <a:prstGeom prst="rect">
+            <a:avLst/>
+          </a:prstGeom>
+          <a:noFill/>
+          <a:extLst>
+            <a:ext uri="{909E8E84-426E-40DD-AFC4-6F175D3DCCD1}">
+              <a14:hiddenFill xmlns:a14="http://schemas.microsoft.com/office/drawing/2010/main">
+                <a:solidFill>
+                  <a:srgbClr val="FFFFFF"/>
+                </a:solidFill>
+              </a14:hiddenFill>
+            </a:ext>
+          </a:extLst>
+        </p:spPr>
+      </p:pic>
+    </p:spTree>
+    <p:extLst>
+      <p:ext uri="{BB962C8B-B14F-4D97-AF65-F5344CB8AC3E}">
+        <p14:creationId xmlns:p14="http://schemas.microsoft.com/office/powerpoint/2010/main" val="4148602125"/>
+      </p:ext>
+    </p:extLst>
+  </p:cSld>
+  <p:clrMapOvr>
+    <a:masterClrMapping/>
+  </p:clrMapOvr>
+</p:sld>
+</file>
+
+<file path=ppt/slides/slide14.xml><?xml version="1.0" encoding="utf-8"?>
+<p:sld xmlns:a="http://schemas.openxmlformats.org/drawingml/2006/main" xmlns:r="http://schemas.openxmlformats.org/officeDocument/2006/relationships" xmlns:p="http://schemas.openxmlformats.org/presentationml/2006/main">
+  <p:cSld>
+    <p:spTree>
+      <p:nvGrpSpPr>
+        <p:cNvPr id="1" name=""/>
+        <p:cNvGrpSpPr/>
+        <p:nvPr/>
+      </p:nvGrpSpPr>
+      <p:grpSpPr>
+        <a:xfrm>
+          <a:off x="0" y="0"/>
+          <a:ext cx="0" cy="0"/>
+          <a:chOff x="0" y="0"/>
+          <a:chExt cx="0" cy="0"/>
+        </a:xfrm>
+      </p:grpSpPr>
+      <p:sp>
+        <p:nvSpPr>
+          <p:cNvPr id="4" name="Title 5">
+            <a:extLst>
+              <a:ext uri="{FF2B5EF4-FFF2-40B4-BE49-F238E27FC236}">
+                <a16:creationId xmlns:a16="http://schemas.microsoft.com/office/drawing/2014/main" id="{A84E2FEF-74EA-9C4A-B7F8-D5AF9CC85439}"/>
+              </a:ext>
+            </a:extLst>
+          </p:cNvPr>
+          <p:cNvSpPr>
+            <a:spLocks noGrp="1"/>
+          </p:cNvSpPr>
+          <p:nvPr>
+            <p:ph type="title"/>
+          </p:nvPr>
+        </p:nvSpPr>
+        <p:spPr>
+          <a:xfrm>
             <a:off x="607719" y="0"/>
             <a:ext cx="10515600" cy="1325563"/>
           </a:xfrm>
@@ -5590,7 +9274,7 @@
 </p:sld>
 </file>
 
-<file path=ppt/slides/slide11.xml><?xml version="1.0" encoding="utf-8"?>
+<file path=ppt/slides/slide15.xml><?xml version="1.0" encoding="utf-8"?>
 <p:sld xmlns:a="http://schemas.openxmlformats.org/drawingml/2006/main" xmlns:r="http://schemas.openxmlformats.org/officeDocument/2006/relationships" xmlns:p="http://schemas.openxmlformats.org/presentationml/2006/main">
   <p:cSld>
     <p:spTree>
@@ -5857,7 +9541,7 @@
 </p:sld>
 </file>
 
-<file path=ppt/slides/slide12.xml><?xml version="1.0" encoding="utf-8"?>
+<file path=ppt/slides/slide16.xml><?xml version="1.0" encoding="utf-8"?>
 <p:sld xmlns:a="http://schemas.openxmlformats.org/drawingml/2006/main" xmlns:r="http://schemas.openxmlformats.org/officeDocument/2006/relationships" xmlns:p="http://schemas.openxmlformats.org/presentationml/2006/main">
   <p:cSld>
     <p:spTree>
@@ -6086,7 +9770,7 @@
 </p:sld>
 </file>
 
-<file path=ppt/slides/slide13.xml><?xml version="1.0" encoding="utf-8"?>
+<file path=ppt/slides/slide17.xml><?xml version="1.0" encoding="utf-8"?>
 <p:sld xmlns:a="http://schemas.openxmlformats.org/drawingml/2006/main" xmlns:r="http://schemas.openxmlformats.org/officeDocument/2006/relationships" xmlns:p="http://schemas.openxmlformats.org/presentationml/2006/main">
   <p:cSld>
     <p:spTree>
@@ -6285,7 +9969,7 @@
 </p:sld>
 </file>
 
-<file path=ppt/slides/slide14.xml><?xml version="1.0" encoding="utf-8"?>
+<file path=ppt/slides/slide18.xml><?xml version="1.0" encoding="utf-8"?>
 <p:sld xmlns:a="http://schemas.openxmlformats.org/drawingml/2006/main" xmlns:r="http://schemas.openxmlformats.org/officeDocument/2006/relationships" xmlns:p="http://schemas.openxmlformats.org/presentationml/2006/main">
   <p:cSld>
     <p:spTree>
@@ -6456,7 +10140,7 @@
 </p:sld>
 </file>
 
-<file path=ppt/slides/slide15.xml><?xml version="1.0" encoding="utf-8"?>
+<file path=ppt/slides/slide19.xml><?xml version="1.0" encoding="utf-8"?>
 <p:sld xmlns:a="http://schemas.openxmlformats.org/drawingml/2006/main" xmlns:r="http://schemas.openxmlformats.org/officeDocument/2006/relationships" xmlns:p="http://schemas.openxmlformats.org/presentationml/2006/main">
   <p:cSld>
     <p:spTree>
@@ -6607,7 +10291,196 @@
 </p:sld>
 </file>
 
-<file path=ppt/slides/slide16.xml><?xml version="1.0" encoding="utf-8"?>
+<file path=ppt/slides/slide2.xml><?xml version="1.0" encoding="utf-8"?>
+<p:sld xmlns:a="http://schemas.openxmlformats.org/drawingml/2006/main" xmlns:r="http://schemas.openxmlformats.org/officeDocument/2006/relationships" xmlns:p="http://schemas.openxmlformats.org/presentationml/2006/main">
+  <p:cSld>
+    <p:spTree>
+      <p:nvGrpSpPr>
+        <p:cNvPr id="1" name=""/>
+        <p:cNvGrpSpPr/>
+        <p:nvPr/>
+      </p:nvGrpSpPr>
+      <p:grpSpPr>
+        <a:xfrm>
+          <a:off x="0" y="0"/>
+          <a:ext cx="0" cy="0"/>
+          <a:chOff x="0" y="0"/>
+          <a:chExt cx="0" cy="0"/>
+        </a:xfrm>
+      </p:grpSpPr>
+      <p:sp>
+        <p:nvSpPr>
+          <p:cNvPr id="5" name="TextBox 4">
+            <a:extLst>
+              <a:ext uri="{FF2B5EF4-FFF2-40B4-BE49-F238E27FC236}">
+                <a16:creationId xmlns:a16="http://schemas.microsoft.com/office/drawing/2014/main" id="{6B8A7D5E-9F04-F24E-8054-E46DF64920C5}"/>
+              </a:ext>
+            </a:extLst>
+          </p:cNvPr>
+          <p:cNvSpPr txBox="1"/>
+          <p:nvPr/>
+        </p:nvSpPr>
+        <p:spPr>
+          <a:xfrm>
+            <a:off x="620111" y="720651"/>
+            <a:ext cx="8124497" cy="461665"/>
+          </a:xfrm>
+          <a:prstGeom prst="rect">
+            <a:avLst/>
+          </a:prstGeom>
+          <a:noFill/>
+        </p:spPr>
+        <p:txBody>
+          <a:bodyPr wrap="square" rtlCol="0">
+            <a:spAutoFit/>
+          </a:bodyPr>
+          <a:lstStyle/>
+          <a:p>
+            <a:pPr marL="0" defTabSz="914400" rtl="1" eaLnBrk="1" latinLnBrk="0" hangingPunct="1"/>
+            <a:r>
+              <a:rPr lang="en-US" sz="2400" dirty="0"/>
+              <a:t>What are we going to learn?</a:t>
+            </a:r>
+            <a:endParaRPr lang="en-IL" sz="2400" dirty="0"/>
+          </a:p>
+        </p:txBody>
+      </p:sp>
+      <p:sp>
+        <p:nvSpPr>
+          <p:cNvPr id="6" name="TextBox 5">
+            <a:extLst>
+              <a:ext uri="{FF2B5EF4-FFF2-40B4-BE49-F238E27FC236}">
+                <a16:creationId xmlns:a16="http://schemas.microsoft.com/office/drawing/2014/main" id="{21922D83-93D2-624E-9929-E80190815DCB}"/>
+              </a:ext>
+            </a:extLst>
+          </p:cNvPr>
+          <p:cNvSpPr txBox="1"/>
+          <p:nvPr/>
+        </p:nvSpPr>
+        <p:spPr>
+          <a:xfrm>
+            <a:off x="1166648" y="1890032"/>
+            <a:ext cx="10405241" cy="2308324"/>
+          </a:xfrm>
+          <a:prstGeom prst="rect">
+            <a:avLst/>
+          </a:prstGeom>
+          <a:noFill/>
+        </p:spPr>
+        <p:txBody>
+          <a:bodyPr wrap="square" rtlCol="0">
+            <a:spAutoFit/>
+          </a:bodyPr>
+          <a:lstStyle/>
+          <a:p>
+            <a:pPr marL="285750" indent="-285750">
+              <a:buFont typeface="Wingdings" pitchFamily="2" charset="2"/>
+              <a:buChar char="q"/>
+            </a:pPr>
+            <a:r>
+              <a:rPr lang="en-US" sz="2400" dirty="0"/>
+              <a:t>1: JSON Web Token (JWT)</a:t>
+            </a:r>
+          </a:p>
+          <a:p>
+            <a:pPr marL="285750" indent="-285750">
+              <a:buFont typeface="Wingdings" pitchFamily="2" charset="2"/>
+              <a:buChar char="q"/>
+            </a:pPr>
+            <a:r>
+              <a:rPr lang="en-US" sz="2400" dirty="0"/>
+              <a:t>2: Fundamentals </a:t>
+            </a:r>
+          </a:p>
+          <a:p>
+            <a:pPr marL="742950" lvl="1" indent="-285750">
+              <a:buFont typeface="Wingdings" pitchFamily="2" charset="2"/>
+              <a:buChar char="q"/>
+            </a:pPr>
+            <a:r>
+              <a:rPr lang="en-US" sz="2400" dirty="0"/>
+              <a:t> General architecture (modules ,C</a:t>
+            </a:r>
+            <a:r>
+              <a:rPr lang="en-IL" sz="2400" dirty="0"/>
+              <a:t>ontrollers </a:t>
+            </a:r>
+            <a:r>
+              <a:rPr lang="en-US" sz="2400" dirty="0"/>
+              <a:t>P</a:t>
+            </a:r>
+            <a:r>
+              <a:rPr lang="en-IL" sz="2400" dirty="0"/>
+              <a:t>roviders </a:t>
+            </a:r>
+            <a:r>
+              <a:rPr lang="en-US" sz="2400" dirty="0"/>
+              <a:t>)</a:t>
+            </a:r>
+            <a:endParaRPr lang="en-IL" sz="2400" dirty="0"/>
+          </a:p>
+          <a:p>
+            <a:pPr marL="742950" lvl="1" indent="-285750">
+              <a:buFont typeface="Wingdings" pitchFamily="2" charset="2"/>
+              <a:buChar char="q"/>
+            </a:pPr>
+            <a:r>
+              <a:rPr lang="en-US" sz="2400" dirty="0"/>
+              <a:t> Main features (D</a:t>
+            </a:r>
+            <a:r>
+              <a:rPr lang="en-IL" sz="2400" dirty="0"/>
+              <a:t>ecorators ,</a:t>
+            </a:r>
+            <a:r>
+              <a:rPr lang="en-US" sz="2400" dirty="0"/>
+              <a:t>P</a:t>
+            </a:r>
+            <a:r>
+              <a:rPr lang="en-IL" sz="2400" dirty="0"/>
+              <a:t>ipes, </a:t>
+            </a:r>
+            <a:r>
+              <a:rPr lang="en-US" sz="2400" dirty="0"/>
+              <a:t>Exception, middleware)</a:t>
+            </a:r>
+          </a:p>
+          <a:p>
+            <a:pPr marL="285750" indent="-285750">
+              <a:buFont typeface="Wingdings" pitchFamily="2" charset="2"/>
+              <a:buChar char="q"/>
+            </a:pPr>
+            <a:r>
+              <a:rPr lang="en-US" sz="2400" dirty="0"/>
+              <a:t>3: Demo : simple CRUD</a:t>
+            </a:r>
+          </a:p>
+          <a:p>
+            <a:pPr marL="285750" indent="-285750">
+              <a:buFont typeface="Wingdings" pitchFamily="2" charset="2"/>
+              <a:buChar char="q"/>
+            </a:pPr>
+            <a:r>
+              <a:rPr lang="en-US" sz="2400" dirty="0"/>
+              <a:t>4: First walkthrough </a:t>
+            </a:r>
+          </a:p>
+        </p:txBody>
+      </p:sp>
+    </p:spTree>
+    <p:extLst>
+      <p:ext uri="{BB962C8B-B14F-4D97-AF65-F5344CB8AC3E}">
+        <p14:creationId xmlns:p14="http://schemas.microsoft.com/office/powerpoint/2010/main" val="2155928676"/>
+      </p:ext>
+    </p:extLst>
+  </p:cSld>
+  <p:clrMapOvr>
+    <a:masterClrMapping/>
+  </p:clrMapOvr>
+</p:sld>
+</file>
+
+<file path=ppt/slides/slide20.xml><?xml version="1.0" encoding="utf-8"?>
 <p:sld xmlns:a="http://schemas.openxmlformats.org/drawingml/2006/main" xmlns:r="http://schemas.openxmlformats.org/officeDocument/2006/relationships" xmlns:p="http://schemas.openxmlformats.org/presentationml/2006/main">
   <p:cSld>
     <p:spTree>
@@ -6830,7 +10703,7 @@
 </p:sld>
 </file>
 
-<file path=ppt/slides/slide17.xml><?xml version="1.0" encoding="utf-8"?>
+<file path=ppt/slides/slide21.xml><?xml version="1.0" encoding="utf-8"?>
 <p:sld xmlns:a="http://schemas.openxmlformats.org/drawingml/2006/main" xmlns:r="http://schemas.openxmlformats.org/officeDocument/2006/relationships" xmlns:p="http://schemas.openxmlformats.org/presentationml/2006/main">
   <p:cSld>
     <p:spTree>
@@ -7047,7 +10920,7 @@
 </p:sld>
 </file>
 
-<file path=ppt/slides/slide18.xml><?xml version="1.0" encoding="utf-8"?>
+<file path=ppt/slides/slide22.xml><?xml version="1.0" encoding="utf-8"?>
 <p:sld xmlns:a="http://schemas.openxmlformats.org/drawingml/2006/main" xmlns:r="http://schemas.openxmlformats.org/officeDocument/2006/relationships" xmlns:p="http://schemas.openxmlformats.org/presentationml/2006/main">
   <p:cSld>
     <p:spTree>
@@ -7191,7 +11064,7 @@
 </p:sld>
 </file>
 
-<file path=ppt/slides/slide19.xml><?xml version="1.0" encoding="utf-8"?>
+<file path=ppt/slides/slide23.xml><?xml version="1.0" encoding="utf-8"?>
 <p:sld xmlns:a="http://schemas.openxmlformats.org/drawingml/2006/main" xmlns:r="http://schemas.openxmlformats.org/officeDocument/2006/relationships" xmlns:p="http://schemas.openxmlformats.org/presentationml/2006/main">
   <p:cSld>
     <p:spTree>
@@ -7303,7 +11176,7 @@
 </p:sld>
 </file>
 
-<file path=ppt/slides/slide2.xml><?xml version="1.0" encoding="utf-8"?>
+<file path=ppt/slides/slide24.xml><?xml version="1.0" encoding="utf-8"?>
 <p:sld xmlns:a="http://schemas.openxmlformats.org/drawingml/2006/main" xmlns:r="http://schemas.openxmlformats.org/officeDocument/2006/relationships" xmlns:p="http://schemas.openxmlformats.org/presentationml/2006/main">
   <p:cSld>
     <p:spTree>
@@ -7322,195 +11195,6 @@
       </p:grpSpPr>
       <p:sp>
         <p:nvSpPr>
-          <p:cNvPr id="5" name="TextBox 4">
-            <a:extLst>
-              <a:ext uri="{FF2B5EF4-FFF2-40B4-BE49-F238E27FC236}">
-                <a16:creationId xmlns:a16="http://schemas.microsoft.com/office/drawing/2014/main" id="{6B8A7D5E-9F04-F24E-8054-E46DF64920C5}"/>
-              </a:ext>
-            </a:extLst>
-          </p:cNvPr>
-          <p:cNvSpPr txBox="1"/>
-          <p:nvPr/>
-        </p:nvSpPr>
-        <p:spPr>
-          <a:xfrm>
-            <a:off x="620111" y="720651"/>
-            <a:ext cx="8124497" cy="461665"/>
-          </a:xfrm>
-          <a:prstGeom prst="rect">
-            <a:avLst/>
-          </a:prstGeom>
-          <a:noFill/>
-        </p:spPr>
-        <p:txBody>
-          <a:bodyPr wrap="square" rtlCol="0">
-            <a:spAutoFit/>
-          </a:bodyPr>
-          <a:lstStyle/>
-          <a:p>
-            <a:pPr marL="0" defTabSz="914400" rtl="1" eaLnBrk="1" latinLnBrk="0" hangingPunct="1"/>
-            <a:r>
-              <a:rPr lang="en-US" sz="2400" dirty="0"/>
-              <a:t>What are we going to learn?</a:t>
-            </a:r>
-            <a:endParaRPr lang="en-IL" sz="2400" dirty="0"/>
-          </a:p>
-        </p:txBody>
-      </p:sp>
-      <p:sp>
-        <p:nvSpPr>
-          <p:cNvPr id="6" name="TextBox 5">
-            <a:extLst>
-              <a:ext uri="{FF2B5EF4-FFF2-40B4-BE49-F238E27FC236}">
-                <a16:creationId xmlns:a16="http://schemas.microsoft.com/office/drawing/2014/main" id="{21922D83-93D2-624E-9929-E80190815DCB}"/>
-              </a:ext>
-            </a:extLst>
-          </p:cNvPr>
-          <p:cNvSpPr txBox="1"/>
-          <p:nvPr/>
-        </p:nvSpPr>
-        <p:spPr>
-          <a:xfrm>
-            <a:off x="1166648" y="1890032"/>
-            <a:ext cx="10405241" cy="2308324"/>
-          </a:xfrm>
-          <a:prstGeom prst="rect">
-            <a:avLst/>
-          </a:prstGeom>
-          <a:noFill/>
-        </p:spPr>
-        <p:txBody>
-          <a:bodyPr wrap="square" rtlCol="0">
-            <a:spAutoFit/>
-          </a:bodyPr>
-          <a:lstStyle/>
-          <a:p>
-            <a:pPr marL="285750" indent="-285750">
-              <a:buFont typeface="Wingdings" pitchFamily="2" charset="2"/>
-              <a:buChar char="q"/>
-            </a:pPr>
-            <a:r>
-              <a:rPr lang="en-US" sz="2400" dirty="0"/>
-              <a:t>1: JSON Web Token (JWT)</a:t>
-            </a:r>
-          </a:p>
-          <a:p>
-            <a:pPr marL="285750" indent="-285750">
-              <a:buFont typeface="Wingdings" pitchFamily="2" charset="2"/>
-              <a:buChar char="q"/>
-            </a:pPr>
-            <a:r>
-              <a:rPr lang="en-US" sz="2400" dirty="0"/>
-              <a:t>2: Fundamentals </a:t>
-            </a:r>
-          </a:p>
-          <a:p>
-            <a:pPr marL="742950" lvl="1" indent="-285750">
-              <a:buFont typeface="Wingdings" pitchFamily="2" charset="2"/>
-              <a:buChar char="q"/>
-            </a:pPr>
-            <a:r>
-              <a:rPr lang="en-US" sz="2400" dirty="0"/>
-              <a:t> General architecture (modules ,C</a:t>
-            </a:r>
-            <a:r>
-              <a:rPr lang="en-IL" sz="2400" dirty="0"/>
-              <a:t>ontrollers </a:t>
-            </a:r>
-            <a:r>
-              <a:rPr lang="en-US" sz="2400" dirty="0"/>
-              <a:t>P</a:t>
-            </a:r>
-            <a:r>
-              <a:rPr lang="en-IL" sz="2400" dirty="0"/>
-              <a:t>roviders </a:t>
-            </a:r>
-            <a:r>
-              <a:rPr lang="en-US" sz="2400" dirty="0"/>
-              <a:t>)</a:t>
-            </a:r>
-            <a:endParaRPr lang="en-IL" sz="2400" dirty="0"/>
-          </a:p>
-          <a:p>
-            <a:pPr marL="742950" lvl="1" indent="-285750">
-              <a:buFont typeface="Wingdings" pitchFamily="2" charset="2"/>
-              <a:buChar char="q"/>
-            </a:pPr>
-            <a:r>
-              <a:rPr lang="en-US" sz="2400" dirty="0"/>
-              <a:t> Main features (D</a:t>
-            </a:r>
-            <a:r>
-              <a:rPr lang="en-IL" sz="2400" dirty="0"/>
-              <a:t>ecorators ,</a:t>
-            </a:r>
-            <a:r>
-              <a:rPr lang="en-US" sz="2400" dirty="0"/>
-              <a:t>P</a:t>
-            </a:r>
-            <a:r>
-              <a:rPr lang="en-IL" sz="2400" dirty="0"/>
-              <a:t>ipes, </a:t>
-            </a:r>
-            <a:r>
-              <a:rPr lang="en-US" sz="2400" dirty="0"/>
-              <a:t>Exception, middleware)</a:t>
-            </a:r>
-          </a:p>
-          <a:p>
-            <a:pPr marL="285750" indent="-285750">
-              <a:buFont typeface="Wingdings" pitchFamily="2" charset="2"/>
-              <a:buChar char="q"/>
-            </a:pPr>
-            <a:r>
-              <a:rPr lang="en-US" sz="2400" dirty="0"/>
-              <a:t>3: Demo : simple CRUD</a:t>
-            </a:r>
-          </a:p>
-          <a:p>
-            <a:pPr marL="285750" indent="-285750">
-              <a:buFont typeface="Wingdings" pitchFamily="2" charset="2"/>
-              <a:buChar char="q"/>
-            </a:pPr>
-            <a:r>
-              <a:rPr lang="en-US" sz="2400" dirty="0"/>
-              <a:t>4: First walkthrough </a:t>
-            </a:r>
-          </a:p>
-        </p:txBody>
-      </p:sp>
-    </p:spTree>
-    <p:extLst>
-      <p:ext uri="{BB962C8B-B14F-4D97-AF65-F5344CB8AC3E}">
-        <p14:creationId xmlns:p14="http://schemas.microsoft.com/office/powerpoint/2010/main" val="2155928676"/>
-      </p:ext>
-    </p:extLst>
-  </p:cSld>
-  <p:clrMapOvr>
-    <a:masterClrMapping/>
-  </p:clrMapOvr>
-</p:sld>
-</file>
-
-<file path=ppt/slides/slide20.xml><?xml version="1.0" encoding="utf-8"?>
-<p:sld xmlns:a="http://schemas.openxmlformats.org/drawingml/2006/main" xmlns:r="http://schemas.openxmlformats.org/officeDocument/2006/relationships" xmlns:p="http://schemas.openxmlformats.org/presentationml/2006/main">
-  <p:cSld>
-    <p:spTree>
-      <p:nvGrpSpPr>
-        <p:cNvPr id="1" name=""/>
-        <p:cNvGrpSpPr/>
-        <p:nvPr/>
-      </p:nvGrpSpPr>
-      <p:grpSpPr>
-        <a:xfrm>
-          <a:off x="0" y="0"/>
-          <a:ext cx="0" cy="0"/>
-          <a:chOff x="0" y="0"/>
-          <a:chExt cx="0" cy="0"/>
-        </a:xfrm>
-      </p:grpSpPr>
-      <p:sp>
-        <p:nvSpPr>
           <p:cNvPr id="4" name="Title 5">
             <a:extLst>
               <a:ext uri="{FF2B5EF4-FFF2-40B4-BE49-F238E27FC236}">
@@ -7756,7 +11440,7 @@
 </p:sld>
 </file>
 
-<file path=ppt/slides/slide21.xml><?xml version="1.0" encoding="utf-8"?>
+<file path=ppt/slides/slide25.xml><?xml version="1.0" encoding="utf-8"?>
 <p:sld xmlns:a="http://schemas.openxmlformats.org/drawingml/2006/main" xmlns:r="http://schemas.openxmlformats.org/officeDocument/2006/relationships" xmlns:p="http://schemas.openxmlformats.org/presentationml/2006/main">
   <p:cSld>
     <p:spTree>
@@ -7876,7 +11560,7 @@
 </p:sld>
 </file>
 
-<file path=ppt/slides/slide22.xml><?xml version="1.0" encoding="utf-8"?>
+<file path=ppt/slides/slide26.xml><?xml version="1.0" encoding="utf-8"?>
 <p:sld xmlns:a="http://schemas.openxmlformats.org/drawingml/2006/main" xmlns:r="http://schemas.openxmlformats.org/officeDocument/2006/relationships" xmlns:p="http://schemas.openxmlformats.org/presentationml/2006/main">
   <p:cSld>
     <p:spTree>
@@ -7982,7 +11666,7 @@
 </p:sld>
 </file>
 
-<file path=ppt/slides/slide23.xml><?xml version="1.0" encoding="utf-8"?>
+<file path=ppt/slides/slide27.xml><?xml version="1.0" encoding="utf-8"?>
 <p:sld xmlns:a="http://schemas.openxmlformats.org/drawingml/2006/main" xmlns:r="http://schemas.openxmlformats.org/officeDocument/2006/relationships" xmlns:p="http://schemas.openxmlformats.org/presentationml/2006/main">
   <p:cSld>
     <p:spTree>
@@ -8212,7 +11896,7 @@
                 <a:ea typeface="+mj-ea"/>
                 <a:cs typeface="+mj-cs"/>
               </a:rPr>
-              <a:t>What is JWT?</a:t>
+              <a:t>Authentication</a:t>
             </a:r>
           </a:p>
           <a:p>
@@ -8670,6 +12354,1221 @@
 <file path=ppt/slides/slide4.xml><?xml version="1.0" encoding="utf-8"?>
 <p:sld xmlns:a="http://schemas.openxmlformats.org/drawingml/2006/main" xmlns:r="http://schemas.openxmlformats.org/officeDocument/2006/relationships" xmlns:p="http://schemas.openxmlformats.org/presentationml/2006/main">
   <p:cSld>
+    <p:spTree>
+      <p:nvGrpSpPr>
+        <p:cNvPr id="1" name=""/>
+        <p:cNvGrpSpPr/>
+        <p:nvPr/>
+      </p:nvGrpSpPr>
+      <p:grpSpPr>
+        <a:xfrm>
+          <a:off x="0" y="0"/>
+          <a:ext cx="0" cy="0"/>
+          <a:chOff x="0" y="0"/>
+          <a:chExt cx="0" cy="0"/>
+        </a:xfrm>
+      </p:grpSpPr>
+      <p:sp>
+        <p:nvSpPr>
+          <p:cNvPr id="4" name="Title 5">
+            <a:extLst>
+              <a:ext uri="{FF2B5EF4-FFF2-40B4-BE49-F238E27FC236}">
+                <a16:creationId xmlns:a16="http://schemas.microsoft.com/office/drawing/2014/main" id="{A84E2FEF-74EA-9C4A-B7F8-D5AF9CC85439}"/>
+              </a:ext>
+            </a:extLst>
+          </p:cNvPr>
+          <p:cNvSpPr>
+            <a:spLocks noGrp="1"/>
+          </p:cNvSpPr>
+          <p:nvPr>
+            <p:ph type="title"/>
+          </p:nvPr>
+        </p:nvSpPr>
+        <p:spPr>
+          <a:xfrm>
+            <a:off x="655321" y="210727"/>
+            <a:ext cx="10515600" cy="1325563"/>
+          </a:xfrm>
+        </p:spPr>
+        <p:txBody>
+          <a:bodyPr>
+            <a:normAutofit/>
+          </a:bodyPr>
+          <a:lstStyle/>
+          <a:p>
+            <a:r>
+              <a:rPr lang="en-IL" sz="4800" dirty="0"/>
+              <a:t>Different kind of authentication</a:t>
+            </a:r>
+          </a:p>
+        </p:txBody>
+      </p:sp>
+      <p:sp>
+        <p:nvSpPr>
+          <p:cNvPr id="7" name="TextBox 6">
+            <a:extLst>
+              <a:ext uri="{FF2B5EF4-FFF2-40B4-BE49-F238E27FC236}">
+                <a16:creationId xmlns:a16="http://schemas.microsoft.com/office/drawing/2014/main" id="{0D434488-5884-DC47-825F-DB289BAA0DD0}"/>
+              </a:ext>
+            </a:extLst>
+          </p:cNvPr>
+          <p:cNvSpPr txBox="1"/>
+          <p:nvPr/>
+        </p:nvSpPr>
+        <p:spPr>
+          <a:xfrm>
+            <a:off x="590598" y="1536290"/>
+            <a:ext cx="10946081" cy="4788310"/>
+          </a:xfrm>
+          <a:prstGeom prst="rect">
+            <a:avLst/>
+          </a:prstGeom>
+        </p:spPr>
+        <p:txBody>
+          <a:bodyPr vert="horz" lIns="91440" tIns="45720" rIns="91440" bIns="45720" rtlCol="0">
+            <a:normAutofit fontScale="92500" lnSpcReduction="20000"/>
+          </a:bodyPr>
+          <a:lstStyle/>
+          <a:p>
+            <a:pPr marL="171450" lvl="0" indent="-171450" defTabSz="914400">
+              <a:buFont typeface="Arial" panose="020B0604020202020204" pitchFamily="34" charset="0"/>
+              <a:buChar char="•"/>
+              <a:defRPr/>
+            </a:pPr>
+            <a:r>
+              <a:rPr lang="en-US" sz="2600" b="1" dirty="0">
+                <a:solidFill>
+                  <a:srgbClr val="FF0000"/>
+                </a:solidFill>
+              </a:rPr>
+              <a:t>S</a:t>
+            </a:r>
+            <a:r>
+              <a:rPr lang="en-US" sz="2600" b="1" dirty="0"/>
+              <a:t>ingle </a:t>
+            </a:r>
+            <a:r>
+              <a:rPr lang="en-US" sz="2600" b="1" dirty="0">
+                <a:solidFill>
+                  <a:srgbClr val="FF0000"/>
+                </a:solidFill>
+              </a:rPr>
+              <a:t>S</a:t>
+            </a:r>
+            <a:r>
+              <a:rPr lang="en-US" sz="2600" b="1" dirty="0"/>
+              <a:t>ign-</a:t>
+            </a:r>
+            <a:r>
+              <a:rPr lang="en-US" sz="2600" b="1" dirty="0">
+                <a:solidFill>
+                  <a:srgbClr val="FF0000"/>
+                </a:solidFill>
+              </a:rPr>
+              <a:t>O</a:t>
+            </a:r>
+            <a:r>
+              <a:rPr lang="en-US" sz="2600" b="1" dirty="0"/>
+              <a:t>n (SSO)</a:t>
+            </a:r>
+            <a:r>
+              <a:rPr lang="en-US" sz="2600" dirty="0"/>
+              <a:t> allows a user to leverage a single set of login credentials to access multiple applications. Think using your </a:t>
+            </a:r>
+            <a:r>
+              <a:rPr lang="en-US" sz="2600" dirty="0">
+                <a:solidFill>
+                  <a:srgbClr val="FF0000"/>
+                </a:solidFill>
+              </a:rPr>
+              <a:t>Facebook</a:t>
+            </a:r>
+            <a:r>
+              <a:rPr lang="en-US" sz="2600" dirty="0"/>
+              <a:t> or </a:t>
+            </a:r>
+            <a:r>
+              <a:rPr lang="en-US" sz="2600" dirty="0">
+                <a:solidFill>
+                  <a:srgbClr val="FF0000"/>
+                </a:solidFill>
+              </a:rPr>
+              <a:t>Google</a:t>
+            </a:r>
+            <a:r>
+              <a:rPr lang="en-US" sz="2600" dirty="0"/>
+              <a:t> log in to access several different applications. A technique called </a:t>
+            </a:r>
+            <a:r>
+              <a:rPr lang="en-US" sz="2600" dirty="0">
+                <a:solidFill>
+                  <a:srgbClr val="FF0000"/>
+                </a:solidFill>
+              </a:rPr>
+              <a:t>federation</a:t>
+            </a:r>
+            <a:r>
+              <a:rPr lang="en-US" sz="2600" dirty="0"/>
+              <a:t> is used by SSO systems when the applications you are logging into are spread across different domains.</a:t>
+            </a:r>
+          </a:p>
+          <a:p>
+            <a:pPr marL="171450" lvl="0" indent="-171450" defTabSz="914400">
+              <a:buFont typeface="Arial" panose="020B0604020202020204" pitchFamily="34" charset="0"/>
+              <a:buChar char="•"/>
+              <a:defRPr/>
+            </a:pPr>
+            <a:endParaRPr lang="en-US" sz="2600" b="1" dirty="0"/>
+          </a:p>
+          <a:p>
+            <a:pPr marL="171450" lvl="0" indent="-171450" defTabSz="914400">
+              <a:buFont typeface="Arial" panose="020B0604020202020204" pitchFamily="34" charset="0"/>
+              <a:buChar char="•"/>
+              <a:defRPr/>
+            </a:pPr>
+            <a:r>
+              <a:rPr lang="en-US" sz="2600" b="1" dirty="0">
+                <a:solidFill>
+                  <a:srgbClr val="FF0000"/>
+                </a:solidFill>
+              </a:rPr>
+              <a:t>M</a:t>
+            </a:r>
+            <a:r>
+              <a:rPr lang="en-US" sz="2600" b="1" dirty="0"/>
+              <a:t>ulti-</a:t>
+            </a:r>
+            <a:r>
+              <a:rPr lang="en-US" sz="2600" b="1" dirty="0">
+                <a:solidFill>
+                  <a:srgbClr val="FF0000"/>
+                </a:solidFill>
+              </a:rPr>
+              <a:t>F</a:t>
+            </a:r>
+            <a:r>
+              <a:rPr lang="en-US" sz="2600" b="1" dirty="0"/>
+              <a:t>actor </a:t>
+            </a:r>
+            <a:r>
+              <a:rPr lang="en-US" sz="2600" b="1" dirty="0">
+                <a:solidFill>
+                  <a:srgbClr val="FF0000"/>
+                </a:solidFill>
+              </a:rPr>
+              <a:t>A</a:t>
+            </a:r>
+            <a:r>
+              <a:rPr lang="en-US" sz="2600" b="1" dirty="0"/>
+              <a:t>uthentication (MFA) </a:t>
+            </a:r>
+            <a:r>
+              <a:rPr lang="en-US" sz="2600" dirty="0"/>
+              <a:t>requires multiple means of authentication. One example is logging into a website with your username and password but then you are asked to provide a </a:t>
+            </a:r>
+            <a:r>
+              <a:rPr lang="en-US" sz="2600" dirty="0">
+                <a:solidFill>
+                  <a:srgbClr val="FF0000"/>
+                </a:solidFill>
+              </a:rPr>
+              <a:t>one-time access code </a:t>
+            </a:r>
+            <a:r>
+              <a:rPr lang="en-US" sz="2600" dirty="0"/>
+              <a:t>that the website sends to the user’s cell phone.</a:t>
+            </a:r>
+          </a:p>
+          <a:p>
+            <a:pPr marL="171450" lvl="0" indent="-171450" defTabSz="914400">
+              <a:buFont typeface="Arial" panose="020B0604020202020204" pitchFamily="34" charset="0"/>
+              <a:buChar char="•"/>
+              <a:defRPr/>
+            </a:pPr>
+            <a:endParaRPr lang="en-US" sz="2800" dirty="0"/>
+          </a:p>
+          <a:p>
+            <a:pPr marL="171450" indent="-171450" defTabSz="914400">
+              <a:buFont typeface="Arial" panose="020B0604020202020204" pitchFamily="34" charset="0"/>
+              <a:buChar char="•"/>
+              <a:defRPr/>
+            </a:pPr>
+            <a:r>
+              <a:rPr lang="en-US" sz="2600" b="1" dirty="0">
+                <a:solidFill>
+                  <a:srgbClr val="FF0000"/>
+                </a:solidFill>
+              </a:rPr>
+              <a:t>C</a:t>
+            </a:r>
+            <a:r>
+              <a:rPr lang="en-US" sz="2600" b="1" dirty="0"/>
+              <a:t>onsumer </a:t>
+            </a:r>
+            <a:r>
+              <a:rPr lang="en-US" sz="2600" b="1" dirty="0">
+                <a:solidFill>
+                  <a:srgbClr val="FF0000"/>
+                </a:solidFill>
+              </a:rPr>
+              <a:t>I</a:t>
+            </a:r>
+            <a:r>
+              <a:rPr lang="en-US" sz="2600" b="1" dirty="0"/>
+              <a:t>dentity and </a:t>
+            </a:r>
+            <a:r>
+              <a:rPr lang="en-US" sz="2600" b="1" dirty="0">
+                <a:solidFill>
+                  <a:srgbClr val="FF0000"/>
+                </a:solidFill>
+              </a:rPr>
+              <a:t>A</a:t>
+            </a:r>
+            <a:r>
+              <a:rPr lang="en-US" sz="2600" b="1" dirty="0"/>
+              <a:t>ccess </a:t>
+            </a:r>
+            <a:r>
+              <a:rPr lang="en-US" sz="2600" b="1" dirty="0">
+                <a:solidFill>
+                  <a:srgbClr val="FF0000"/>
+                </a:solidFill>
+              </a:rPr>
+              <a:t>M</a:t>
+            </a:r>
+            <a:r>
+              <a:rPr lang="en-US" sz="2600" b="1" dirty="0"/>
+              <a:t>anagement (CIAM)</a:t>
+            </a:r>
+            <a:r>
+              <a:rPr lang="en-US" sz="2600" dirty="0"/>
+              <a:t> solutions provide features like customer registration, self-service account management, consent and preference management, but they also provide multiple authentication features. Some of those features include ones we have covered like SSO and MFA and typically have a user interface that is tailored for end-user populations as opposed to employees.</a:t>
+            </a:r>
+          </a:p>
+          <a:p>
+            <a:pPr marL="171450" lvl="0" indent="-171450" defTabSz="914400">
+              <a:buFont typeface="Arial" panose="020B0604020202020204" pitchFamily="34" charset="0"/>
+              <a:buChar char="•"/>
+              <a:defRPr/>
+            </a:pPr>
+            <a:endParaRPr lang="en-US" sz="2800" dirty="0"/>
+          </a:p>
+        </p:txBody>
+      </p:sp>
+    </p:spTree>
+    <p:extLst>
+      <p:ext uri="{BB962C8B-B14F-4D97-AF65-F5344CB8AC3E}">
+        <p14:creationId xmlns:p14="http://schemas.microsoft.com/office/powerpoint/2010/main" val="3058687309"/>
+      </p:ext>
+    </p:extLst>
+  </p:cSld>
+  <p:clrMapOvr>
+    <a:masterClrMapping/>
+  </p:clrMapOvr>
+</p:sld>
+</file>
+
+<file path=ppt/slides/slide5.xml><?xml version="1.0" encoding="utf-8"?>
+<p:sld xmlns:a="http://schemas.openxmlformats.org/drawingml/2006/main" xmlns:r="http://schemas.openxmlformats.org/officeDocument/2006/relationships" xmlns:p="http://schemas.openxmlformats.org/presentationml/2006/main">
+  <p:cSld>
+    <p:bg>
+      <p:bgPr>
+        <a:solidFill>
+          <a:schemeClr val="bg1"/>
+        </a:solidFill>
+        <a:effectLst/>
+      </p:bgPr>
+    </p:bg>
+    <p:spTree>
+      <p:nvGrpSpPr>
+        <p:cNvPr id="1" name=""/>
+        <p:cNvGrpSpPr/>
+        <p:nvPr/>
+      </p:nvGrpSpPr>
+      <p:grpSpPr>
+        <a:xfrm>
+          <a:off x="0" y="0"/>
+          <a:ext cx="0" cy="0"/>
+          <a:chOff x="0" y="0"/>
+          <a:chExt cx="0" cy="0"/>
+        </a:xfrm>
+      </p:grpSpPr>
+      <p:sp>
+        <p:nvSpPr>
+          <p:cNvPr id="4" name="Title 5">
+            <a:extLst>
+              <a:ext uri="{FF2B5EF4-FFF2-40B4-BE49-F238E27FC236}">
+                <a16:creationId xmlns:a16="http://schemas.microsoft.com/office/drawing/2014/main" id="{A84E2FEF-74EA-9C4A-B7F8-D5AF9CC85439}"/>
+              </a:ext>
+            </a:extLst>
+          </p:cNvPr>
+          <p:cNvSpPr>
+            <a:spLocks noGrp="1"/>
+          </p:cNvSpPr>
+          <p:nvPr>
+            <p:ph type="title"/>
+          </p:nvPr>
+        </p:nvSpPr>
+        <p:spPr>
+          <a:xfrm>
+            <a:off x="524741" y="620392"/>
+            <a:ext cx="3808268" cy="5504688"/>
+          </a:xfrm>
+        </p:spPr>
+        <p:txBody>
+          <a:bodyPr vert="horz" lIns="91440" tIns="45720" rIns="91440" bIns="45720" rtlCol="0" anchor="ctr">
+            <a:normAutofit/>
+          </a:bodyPr>
+          <a:lstStyle/>
+          <a:p>
+            <a:r>
+              <a:rPr lang="en-US" sz="6000" kern="1200" dirty="0">
+                <a:solidFill>
+                  <a:srgbClr val="FF0000"/>
+                </a:solidFill>
+                <a:latin typeface="+mj-lt"/>
+                <a:ea typeface="+mj-ea"/>
+                <a:cs typeface="+mj-cs"/>
+              </a:rPr>
+              <a:t>Road map</a:t>
+            </a:r>
+          </a:p>
+        </p:txBody>
+      </p:sp>
+      <p:graphicFrame>
+        <p:nvGraphicFramePr>
+          <p:cNvPr id="9" name="TextBox 6">
+            <a:extLst>
+              <a:ext uri="{FF2B5EF4-FFF2-40B4-BE49-F238E27FC236}">
+                <a16:creationId xmlns:a16="http://schemas.microsoft.com/office/drawing/2014/main" id="{4C46DA8E-7F10-49DB-8642-04BB22DE24C9}"/>
+              </a:ext>
+            </a:extLst>
+          </p:cNvPr>
+          <p:cNvGraphicFramePr/>
+          <p:nvPr>
+            <p:extLst>
+              <p:ext uri="{D42A27DB-BD31-4B8C-83A1-F6EECF244321}">
+                <p14:modId xmlns:p14="http://schemas.microsoft.com/office/powerpoint/2010/main" val="1654066156"/>
+              </p:ext>
+            </p:extLst>
+          </p:nvPr>
+        </p:nvGraphicFramePr>
+        <p:xfrm>
+          <a:off x="5093208" y="620392"/>
+          <a:ext cx="6263640" cy="5504688"/>
+        </p:xfrm>
+        <a:graphic>
+          <a:graphicData uri="http://schemas.openxmlformats.org/drawingml/2006/diagram">
+            <dgm:relIds xmlns:dgm="http://schemas.openxmlformats.org/drawingml/2006/diagram" xmlns:r="http://schemas.openxmlformats.org/officeDocument/2006/relationships" r:dm="rId3" r:lo="rId4" r:qs="rId5" r:cs="rId6"/>
+          </a:graphicData>
+        </a:graphic>
+      </p:graphicFrame>
+    </p:spTree>
+    <p:extLst>
+      <p:ext uri="{BB962C8B-B14F-4D97-AF65-F5344CB8AC3E}">
+        <p14:creationId xmlns:p14="http://schemas.microsoft.com/office/powerpoint/2010/main" val="697048658"/>
+      </p:ext>
+    </p:extLst>
+  </p:cSld>
+  <p:clrMapOvr>
+    <a:masterClrMapping/>
+  </p:clrMapOvr>
+</p:sld>
+</file>
+
+<file path=ppt/slides/slide6.xml><?xml version="1.0" encoding="utf-8"?>
+<p:sld xmlns:a="http://schemas.openxmlformats.org/drawingml/2006/main" xmlns:r="http://schemas.openxmlformats.org/officeDocument/2006/relationships" xmlns:p="http://schemas.openxmlformats.org/presentationml/2006/main">
+  <p:cSld>
+    <p:spTree>
+      <p:nvGrpSpPr>
+        <p:cNvPr id="1" name=""/>
+        <p:cNvGrpSpPr/>
+        <p:nvPr/>
+      </p:nvGrpSpPr>
+      <p:grpSpPr>
+        <a:xfrm>
+          <a:off x="0" y="0"/>
+          <a:ext cx="0" cy="0"/>
+          <a:chOff x="0" y="0"/>
+          <a:chExt cx="0" cy="0"/>
+        </a:xfrm>
+      </p:grpSpPr>
+      <p:sp>
+        <p:nvSpPr>
+          <p:cNvPr id="4" name="Title 5">
+            <a:extLst>
+              <a:ext uri="{FF2B5EF4-FFF2-40B4-BE49-F238E27FC236}">
+                <a16:creationId xmlns:a16="http://schemas.microsoft.com/office/drawing/2014/main" id="{A84E2FEF-74EA-9C4A-B7F8-D5AF9CC85439}"/>
+              </a:ext>
+            </a:extLst>
+          </p:cNvPr>
+          <p:cNvSpPr>
+            <a:spLocks noGrp="1"/>
+          </p:cNvSpPr>
+          <p:nvPr>
+            <p:ph type="title"/>
+          </p:nvPr>
+        </p:nvSpPr>
+        <p:spPr>
+          <a:xfrm>
+            <a:off x="655321" y="210727"/>
+            <a:ext cx="10515600" cy="1325563"/>
+          </a:xfrm>
+        </p:spPr>
+        <p:txBody>
+          <a:bodyPr>
+            <a:normAutofit/>
+          </a:bodyPr>
+          <a:lstStyle/>
+          <a:p>
+            <a:r>
+              <a:rPr lang="en-IL" sz="4800" dirty="0"/>
+              <a:t>Passport</a:t>
+            </a:r>
+          </a:p>
+        </p:txBody>
+      </p:sp>
+      <p:sp>
+        <p:nvSpPr>
+          <p:cNvPr id="7" name="TextBox 6">
+            <a:extLst>
+              <a:ext uri="{FF2B5EF4-FFF2-40B4-BE49-F238E27FC236}">
+                <a16:creationId xmlns:a16="http://schemas.microsoft.com/office/drawing/2014/main" id="{0D434488-5884-DC47-825F-DB289BAA0DD0}"/>
+              </a:ext>
+            </a:extLst>
+          </p:cNvPr>
+          <p:cNvSpPr txBox="1"/>
+          <p:nvPr/>
+        </p:nvSpPr>
+        <p:spPr>
+          <a:xfrm>
+            <a:off x="590598" y="1536290"/>
+            <a:ext cx="10946081" cy="3980590"/>
+          </a:xfrm>
+          <a:prstGeom prst="rect">
+            <a:avLst/>
+          </a:prstGeom>
+        </p:spPr>
+        <p:txBody>
+          <a:bodyPr vert="horz" lIns="91440" tIns="45720" rIns="91440" bIns="45720" rtlCol="0">
+            <a:normAutofit/>
+          </a:bodyPr>
+          <a:lstStyle/>
+          <a:p>
+            <a:pPr marL="457200" indent="-457200" defTabSz="914400">
+              <a:lnSpc>
+                <a:spcPct val="90000"/>
+              </a:lnSpc>
+              <a:spcAft>
+                <a:spcPts val="600"/>
+              </a:spcAft>
+              <a:buFont typeface="Arial" panose="020B0604020202020204" pitchFamily="34" charset="0"/>
+              <a:buChar char="•"/>
+            </a:pPr>
+            <a:r>
+              <a:rPr lang="en-US" sz="2800" dirty="0">
+                <a:hlinkClick r:id="rId3">
+                  <a:extLst>
+                    <a:ext uri="{A12FA001-AC4F-418D-AE19-62706E023703}">
+                      <ahyp:hlinkClr xmlns:ahyp="http://schemas.microsoft.com/office/drawing/2018/hyperlinkcolor" val="tx"/>
+                    </a:ext>
+                  </a:extLst>
+                </a:hlinkClick>
+              </a:rPr>
+              <a:t>Passport</a:t>
+            </a:r>
+            <a:r>
+              <a:rPr lang="en-US" sz="2800" dirty="0"/>
+              <a:t> is the most popular </a:t>
+            </a:r>
+            <a:r>
+              <a:rPr lang="en-US" sz="2800" dirty="0" err="1"/>
+              <a:t>node.js</a:t>
+            </a:r>
+            <a:r>
+              <a:rPr lang="en-US" sz="2800" dirty="0"/>
+              <a:t> authentication library, well-known by the community and successfully used in many production applications</a:t>
+            </a:r>
+          </a:p>
+          <a:p>
+            <a:pPr marL="457200" indent="-457200" defTabSz="914400">
+              <a:lnSpc>
+                <a:spcPct val="90000"/>
+              </a:lnSpc>
+              <a:spcAft>
+                <a:spcPts val="600"/>
+              </a:spcAft>
+              <a:buFont typeface="Arial" panose="020B0604020202020204" pitchFamily="34" charset="0"/>
+              <a:buChar char="•"/>
+            </a:pPr>
+            <a:r>
+              <a:rPr lang="en-US" sz="2800" dirty="0"/>
+              <a:t>it abstracts the authentication process into a few basic steps that you customize based on the strategy you're implementing</a:t>
+            </a:r>
+          </a:p>
+          <a:p>
+            <a:pPr marL="457200" indent="-457200" defTabSz="914400">
+              <a:lnSpc>
+                <a:spcPct val="90000"/>
+              </a:lnSpc>
+              <a:spcAft>
+                <a:spcPts val="600"/>
+              </a:spcAft>
+              <a:buFont typeface="Arial" panose="020B0604020202020204" pitchFamily="34" charset="0"/>
+              <a:buChar char="•"/>
+            </a:pPr>
+            <a:r>
+              <a:rPr lang="en-US" sz="2800" u="sng" dirty="0"/>
+              <a:t>Configuration:</a:t>
+            </a:r>
+          </a:p>
+          <a:p>
+            <a:pPr marL="914400" lvl="1" indent="-457200" defTabSz="914400">
+              <a:lnSpc>
+                <a:spcPct val="90000"/>
+              </a:lnSpc>
+              <a:spcAft>
+                <a:spcPts val="600"/>
+              </a:spcAft>
+              <a:buFont typeface="Wingdings" pitchFamily="2" charset="2"/>
+              <a:buChar char="§"/>
+            </a:pPr>
+            <a:r>
+              <a:rPr lang="en-US" sz="2000" dirty="0"/>
+              <a:t>A set of options that are specific to that strategy</a:t>
+            </a:r>
+          </a:p>
+          <a:p>
+            <a:pPr marL="914400" lvl="1" indent="-457200" defTabSz="914400">
+              <a:lnSpc>
+                <a:spcPct val="90000"/>
+              </a:lnSpc>
+              <a:spcAft>
+                <a:spcPts val="600"/>
+              </a:spcAft>
+              <a:buFont typeface="Wingdings" pitchFamily="2" charset="2"/>
+              <a:buChar char="§"/>
+            </a:pPr>
+            <a:r>
+              <a:rPr lang="en-US" sz="2000" dirty="0"/>
+              <a:t>A "verify callback", which is where you tell Passport how to interact with your user store</a:t>
+            </a:r>
+          </a:p>
+        </p:txBody>
+      </p:sp>
+    </p:spTree>
+    <p:extLst>
+      <p:ext uri="{BB962C8B-B14F-4D97-AF65-F5344CB8AC3E}">
+        <p14:creationId xmlns:p14="http://schemas.microsoft.com/office/powerpoint/2010/main" val="3857393992"/>
+      </p:ext>
+    </p:extLst>
+  </p:cSld>
+  <p:clrMapOvr>
+    <a:masterClrMapping/>
+  </p:clrMapOvr>
+</p:sld>
+</file>
+
+<file path=ppt/slides/slide7.xml><?xml version="1.0" encoding="utf-8"?>
+<p:sld xmlns:a="http://schemas.openxmlformats.org/drawingml/2006/main" xmlns:r="http://schemas.openxmlformats.org/officeDocument/2006/relationships" xmlns:p="http://schemas.openxmlformats.org/presentationml/2006/main">
+  <p:cSld>
+    <p:bg>
+      <p:bgPr>
+        <a:solidFill>
+          <a:schemeClr val="bg1">
+            <a:tint val="95000"/>
+            <a:satMod val="170000"/>
+          </a:schemeClr>
+        </a:solidFill>
+        <a:effectLst/>
+      </p:bgPr>
+    </p:bg>
+    <p:spTree>
+      <p:nvGrpSpPr>
+        <p:cNvPr id="1" name=""/>
+        <p:cNvGrpSpPr/>
+        <p:nvPr/>
+      </p:nvGrpSpPr>
+      <p:grpSpPr>
+        <a:xfrm>
+          <a:off x="0" y="0"/>
+          <a:ext cx="0" cy="0"/>
+          <a:chOff x="0" y="0"/>
+          <a:chExt cx="0" cy="0"/>
+        </a:xfrm>
+      </p:grpSpPr>
+      <p:sp>
+        <p:nvSpPr>
+          <p:cNvPr id="28" name="Rectangle 22">
+            <a:extLst>
+              <a:ext uri="{FF2B5EF4-FFF2-40B4-BE49-F238E27FC236}">
+                <a16:creationId xmlns:a16="http://schemas.microsoft.com/office/drawing/2014/main" id="{482BD70C-C4A0-46C4-9518-A731098B419A}"/>
+              </a:ext>
+              <a:ext uri="{C183D7F6-B498-43B3-948B-1728B52AA6E4}">
+                <adec:decorative xmlns:adec="http://schemas.microsoft.com/office/drawing/2017/decorative" val="1"/>
+              </a:ext>
+            </a:extLst>
+          </p:cNvPr>
+          <p:cNvSpPr>
+            <a:spLocks noGrp="1" noRot="1" noChangeAspect="1" noMove="1" noResize="1" noEditPoints="1" noAdjustHandles="1" noChangeArrowheads="1" noChangeShapeType="1" noTextEdit="1"/>
+          </p:cNvSpPr>
+          <p:nvPr>
+            <p:extLst>
+              <p:ext uri="{386F3935-93C4-4BCD-93E2-E3B085C9AB24}">
+                <p16:designElem xmlns:p16="http://schemas.microsoft.com/office/powerpoint/2015/main" val="1"/>
+              </p:ext>
+            </p:extLst>
+          </p:nvPr>
+        </p:nvSpPr>
+        <p:spPr>
+          <a:xfrm>
+            <a:off x="0" y="0"/>
+            <a:ext cx="12192000" cy="6858000"/>
+          </a:xfrm>
+          <a:prstGeom prst="rect">
+            <a:avLst/>
+          </a:prstGeom>
+          <a:solidFill>
+            <a:schemeClr val="tx1">
+              <a:lumMod val="75000"/>
+              <a:lumOff val="25000"/>
+            </a:schemeClr>
+          </a:solidFill>
+          <a:ln>
+            <a:noFill/>
+          </a:ln>
+        </p:spPr>
+        <p:style>
+          <a:lnRef idx="2">
+            <a:schemeClr val="accent1">
+              <a:shade val="50000"/>
+            </a:schemeClr>
+          </a:lnRef>
+          <a:fillRef idx="1">
+            <a:schemeClr val="accent1"/>
+          </a:fillRef>
+          <a:effectRef idx="0">
+            <a:schemeClr val="accent1"/>
+          </a:effectRef>
+          <a:fontRef idx="minor">
+            <a:schemeClr val="lt1"/>
+          </a:fontRef>
+        </p:style>
+        <p:txBody>
+          <a:bodyPr rtlCol="0" anchor="ctr"/>
+          <a:lstStyle/>
+          <a:p>
+            <a:pPr algn="ctr"/>
+            <a:endParaRPr lang="en-US"/>
+          </a:p>
+        </p:txBody>
+      </p:sp>
+      <p:sp>
+        <p:nvSpPr>
+          <p:cNvPr id="8" name="TextBox 7">
+            <a:extLst>
+              <a:ext uri="{FF2B5EF4-FFF2-40B4-BE49-F238E27FC236}">
+                <a16:creationId xmlns:a16="http://schemas.microsoft.com/office/drawing/2014/main" id="{536B3BC1-00B6-4342-A8A2-CB478700A710}"/>
+              </a:ext>
+            </a:extLst>
+          </p:cNvPr>
+          <p:cNvSpPr txBox="1"/>
+          <p:nvPr/>
+        </p:nvSpPr>
+        <p:spPr>
+          <a:xfrm>
+            <a:off x="6391626" y="2942759"/>
+            <a:ext cx="5319433" cy="2076333"/>
+          </a:xfrm>
+          <a:prstGeom prst="rect">
+            <a:avLst/>
+          </a:prstGeom>
+        </p:spPr>
+        <p:txBody>
+          <a:bodyPr vert="horz" lIns="91440" tIns="45720" rIns="91440" bIns="45720" rtlCol="0" anchor="t">
+            <a:normAutofit/>
+          </a:bodyPr>
+          <a:lstStyle/>
+          <a:p>
+            <a:pPr defTabSz="914400">
+              <a:lnSpc>
+                <a:spcPct val="90000"/>
+              </a:lnSpc>
+              <a:spcBef>
+                <a:spcPct val="0"/>
+              </a:spcBef>
+              <a:spcAft>
+                <a:spcPts val="600"/>
+              </a:spcAft>
+            </a:pPr>
+            <a:r>
+              <a:rPr lang="en-US" sz="4800" b="1" kern="1200" dirty="0">
+                <a:solidFill>
+                  <a:schemeClr val="bg1"/>
+                </a:solidFill>
+                <a:latin typeface="+mj-lt"/>
+                <a:ea typeface="+mj-ea"/>
+                <a:cs typeface="+mj-cs"/>
+              </a:rPr>
+              <a:t>What is JWT?</a:t>
+            </a:r>
+          </a:p>
+          <a:p>
+            <a:pPr defTabSz="914400">
+              <a:lnSpc>
+                <a:spcPct val="90000"/>
+              </a:lnSpc>
+              <a:spcBef>
+                <a:spcPct val="0"/>
+              </a:spcBef>
+              <a:spcAft>
+                <a:spcPts val="600"/>
+              </a:spcAft>
+            </a:pPr>
+            <a:endParaRPr lang="en-US" sz="4800" kern="1200" dirty="0">
+              <a:solidFill>
+                <a:schemeClr val="bg1"/>
+              </a:solidFill>
+              <a:latin typeface="+mj-lt"/>
+              <a:ea typeface="+mj-ea"/>
+              <a:cs typeface="+mj-cs"/>
+            </a:endParaRPr>
+          </a:p>
+        </p:txBody>
+      </p:sp>
+      <p:sp>
+        <p:nvSpPr>
+          <p:cNvPr id="29" name="Freeform: Shape 24">
+            <a:extLst>
+              <a:ext uri="{FF2B5EF4-FFF2-40B4-BE49-F238E27FC236}">
+                <a16:creationId xmlns:a16="http://schemas.microsoft.com/office/drawing/2014/main" id="{39B74A45-BDDD-4892-B8C0-B290C0944FCB}"/>
+              </a:ext>
+              <a:ext uri="{C183D7F6-B498-43B3-948B-1728B52AA6E4}">
+                <adec:decorative xmlns:adec="http://schemas.microsoft.com/office/drawing/2017/decorative" val="1"/>
+              </a:ext>
+            </a:extLst>
+          </p:cNvPr>
+          <p:cNvSpPr>
+            <a:spLocks noGrp="1" noRot="1" noChangeAspect="1" noMove="1" noResize="1" noEditPoints="1" noAdjustHandles="1" noChangeArrowheads="1" noChangeShapeType="1" noTextEdit="1"/>
+          </p:cNvSpPr>
+          <p:nvPr>
+            <p:extLst>
+              <p:ext uri="{386F3935-93C4-4BCD-93E2-E3B085C9AB24}">
+                <p16:designElem xmlns:p16="http://schemas.microsoft.com/office/powerpoint/2015/main" val="1"/>
+              </p:ext>
+            </p:extLst>
+          </p:nvPr>
+        </p:nvSpPr>
+        <p:spPr>
+          <a:xfrm flipV="1">
+            <a:off x="0" y="0"/>
+            <a:ext cx="5379352" cy="6374535"/>
+          </a:xfrm>
+          <a:custGeom>
+            <a:avLst/>
+            <a:gdLst>
+              <a:gd name="connsiteX0" fmla="*/ 609861 w 5379352"/>
+              <a:gd name="connsiteY0" fmla="*/ 6374535 h 6374535"/>
+              <a:gd name="connsiteX1" fmla="*/ 3449004 w 5379352"/>
+              <a:gd name="connsiteY1" fmla="*/ 6374535 h 6374535"/>
+              <a:gd name="connsiteX2" fmla="*/ 3628245 w 5379352"/>
+              <a:gd name="connsiteY2" fmla="*/ 6288190 h 6374535"/>
+              <a:gd name="connsiteX3" fmla="*/ 5379352 w 5379352"/>
+              <a:gd name="connsiteY3" fmla="*/ 3346018 h 6374535"/>
+              <a:gd name="connsiteX4" fmla="*/ 2033334 w 5379352"/>
+              <a:gd name="connsiteY4" fmla="*/ 0 h 6374535"/>
+              <a:gd name="connsiteX5" fmla="*/ 129310 w 5379352"/>
+              <a:gd name="connsiteY5" fmla="*/ 594192 h 6374535"/>
+              <a:gd name="connsiteX6" fmla="*/ 0 w 5379352"/>
+              <a:gd name="connsiteY6" fmla="*/ 692103 h 6374535"/>
+              <a:gd name="connsiteX7" fmla="*/ 0 w 5379352"/>
+              <a:gd name="connsiteY7" fmla="*/ 5999934 h 6374535"/>
+              <a:gd name="connsiteX8" fmla="*/ 129311 w 5379352"/>
+              <a:gd name="connsiteY8" fmla="*/ 6097845 h 6374535"/>
+              <a:gd name="connsiteX9" fmla="*/ 367831 w 5379352"/>
+              <a:gd name="connsiteY9" fmla="*/ 6248727 h 6374535"/>
+            </a:gdLst>
+            <a:ahLst/>
+            <a:cxnLst>
+              <a:cxn ang="0">
+                <a:pos x="connsiteX0" y="connsiteY0"/>
+              </a:cxn>
+              <a:cxn ang="0">
+                <a:pos x="connsiteX1" y="connsiteY1"/>
+              </a:cxn>
+              <a:cxn ang="0">
+                <a:pos x="connsiteX2" y="connsiteY2"/>
+              </a:cxn>
+              <a:cxn ang="0">
+                <a:pos x="connsiteX3" y="connsiteY3"/>
+              </a:cxn>
+              <a:cxn ang="0">
+                <a:pos x="connsiteX4" y="connsiteY4"/>
+              </a:cxn>
+              <a:cxn ang="0">
+                <a:pos x="connsiteX5" y="connsiteY5"/>
+              </a:cxn>
+              <a:cxn ang="0">
+                <a:pos x="connsiteX6" y="connsiteY6"/>
+              </a:cxn>
+              <a:cxn ang="0">
+                <a:pos x="connsiteX7" y="connsiteY7"/>
+              </a:cxn>
+              <a:cxn ang="0">
+                <a:pos x="connsiteX8" y="connsiteY8"/>
+              </a:cxn>
+              <a:cxn ang="0">
+                <a:pos x="connsiteX9" y="connsiteY9"/>
+              </a:cxn>
+            </a:cxnLst>
+            <a:rect l="l" t="t" r="r" b="b"/>
+            <a:pathLst>
+              <a:path w="5379352" h="6374535">
+                <a:moveTo>
+                  <a:pt x="609861" y="6374535"/>
+                </a:moveTo>
+                <a:lnTo>
+                  <a:pt x="3449004" y="6374535"/>
+                </a:lnTo>
+                <a:lnTo>
+                  <a:pt x="3628245" y="6288190"/>
+                </a:lnTo>
+                <a:cubicBezTo>
+                  <a:pt x="4671283" y="5721578"/>
+                  <a:pt x="5379352" y="4616487"/>
+                  <a:pt x="5379352" y="3346018"/>
+                </a:cubicBezTo>
+                <a:cubicBezTo>
+                  <a:pt x="5379352" y="1498063"/>
+                  <a:pt x="3881289" y="0"/>
+                  <a:pt x="2033334" y="0"/>
+                </a:cubicBezTo>
+                <a:cubicBezTo>
+                  <a:pt x="1325914" y="0"/>
+                  <a:pt x="669769" y="219535"/>
+                  <a:pt x="129310" y="594192"/>
+                </a:cubicBezTo>
+                <a:lnTo>
+                  <a:pt x="0" y="692103"/>
+                </a:lnTo>
+                <a:lnTo>
+                  <a:pt x="0" y="5999934"/>
+                </a:lnTo>
+                <a:lnTo>
+                  <a:pt x="129311" y="6097845"/>
+                </a:lnTo>
+                <a:cubicBezTo>
+                  <a:pt x="206519" y="6151367"/>
+                  <a:pt x="286089" y="6201724"/>
+                  <a:pt x="367831" y="6248727"/>
+                </a:cubicBezTo>
+                <a:close/>
+              </a:path>
+            </a:pathLst>
+          </a:custGeom>
+          <a:solidFill>
+            <a:schemeClr val="bg1">
+              <a:alpha val="80000"/>
+            </a:schemeClr>
+          </a:solidFill>
+          <a:ln>
+            <a:noFill/>
+          </a:ln>
+        </p:spPr>
+        <p:style>
+          <a:lnRef idx="2">
+            <a:schemeClr val="accent1">
+              <a:shade val="50000"/>
+            </a:schemeClr>
+          </a:lnRef>
+          <a:fillRef idx="1">
+            <a:schemeClr val="accent1"/>
+          </a:fillRef>
+          <a:effectRef idx="0">
+            <a:schemeClr val="accent1"/>
+          </a:effectRef>
+          <a:fontRef idx="minor">
+            <a:schemeClr val="lt1"/>
+          </a:fontRef>
+        </p:style>
+        <p:txBody>
+          <a:bodyPr wrap="square" rtlCol="0" anchor="ctr">
+            <a:noAutofit/>
+          </a:bodyPr>
+          <a:lstStyle/>
+          <a:p>
+            <a:pPr marL="0" marR="0" lvl="0" indent="0" algn="ctr" defTabSz="914400" rtl="0" eaLnBrk="1" fontAlgn="auto" latinLnBrk="0" hangingPunct="1">
+              <a:lnSpc>
+                <a:spcPct val="100000"/>
+              </a:lnSpc>
+              <a:spcBef>
+                <a:spcPts val="0"/>
+              </a:spcBef>
+              <a:spcAft>
+                <a:spcPts val="0"/>
+              </a:spcAft>
+              <a:buClrTx/>
+              <a:buSzTx/>
+              <a:buFontTx/>
+              <a:buNone/>
+              <a:tabLst/>
+              <a:defRPr/>
+            </a:pPr>
+            <a:endParaRPr kumimoji="0" lang="en-US" sz="1800" b="0" i="0" u="none" strike="noStrike" kern="1200" cap="none" spc="0" normalizeH="0" baseline="0" noProof="0">
+              <a:ln>
+                <a:noFill/>
+              </a:ln>
+              <a:solidFill>
+                <a:prstClr val="white"/>
+              </a:solidFill>
+              <a:effectLst/>
+              <a:uLnTx/>
+              <a:uFillTx/>
+              <a:latin typeface="Calibri" panose="020F0502020204030204"/>
+              <a:ea typeface="+mn-ea"/>
+              <a:cs typeface="+mn-cs"/>
+            </a:endParaRPr>
+          </a:p>
+        </p:txBody>
+      </p:sp>
+      <p:sp>
+        <p:nvSpPr>
+          <p:cNvPr id="27" name="Freeform: Shape 26">
+            <a:extLst>
+              <a:ext uri="{FF2B5EF4-FFF2-40B4-BE49-F238E27FC236}">
+                <a16:creationId xmlns:a16="http://schemas.microsoft.com/office/drawing/2014/main" id="{C516C73E-9465-4C9E-9B86-9E58FB326B6B}"/>
+              </a:ext>
+              <a:ext uri="{C183D7F6-B498-43B3-948B-1728B52AA6E4}">
+                <adec:decorative xmlns:adec="http://schemas.microsoft.com/office/drawing/2017/decorative" val="1"/>
+              </a:ext>
+            </a:extLst>
+          </p:cNvPr>
+          <p:cNvSpPr>
+            <a:spLocks noGrp="1" noRot="1" noChangeAspect="1" noMove="1" noResize="1" noEditPoints="1" noAdjustHandles="1" noChangeArrowheads="1" noChangeShapeType="1" noTextEdit="1"/>
+          </p:cNvSpPr>
+          <p:nvPr>
+            <p:extLst>
+              <p:ext uri="{386F3935-93C4-4BCD-93E2-E3B085C9AB24}">
+                <p16:designElem xmlns:p16="http://schemas.microsoft.com/office/powerpoint/2015/main" val="1"/>
+              </p:ext>
+            </p:extLst>
+          </p:nvPr>
+        </p:nvSpPr>
+        <p:spPr>
+          <a:xfrm>
+            <a:off x="5299" y="0"/>
+            <a:ext cx="5210147" cy="6210629"/>
+          </a:xfrm>
+          <a:custGeom>
+            <a:avLst/>
+            <a:gdLst>
+              <a:gd name="connsiteX0" fmla="*/ 1058223 w 5210147"/>
+              <a:gd name="connsiteY0" fmla="*/ 0 h 6210629"/>
+              <a:gd name="connsiteX1" fmla="*/ 3003078 w 5210147"/>
+              <a:gd name="connsiteY1" fmla="*/ 0 h 6210629"/>
+              <a:gd name="connsiteX2" fmla="*/ 3266657 w 5210147"/>
+              <a:gd name="connsiteY2" fmla="*/ 96471 h 6210629"/>
+              <a:gd name="connsiteX3" fmla="*/ 5210147 w 5210147"/>
+              <a:gd name="connsiteY3" fmla="*/ 3028517 h 6210629"/>
+              <a:gd name="connsiteX4" fmla="*/ 2028035 w 5210147"/>
+              <a:gd name="connsiteY4" fmla="*/ 6210629 h 6210629"/>
+              <a:gd name="connsiteX5" fmla="*/ 3916 w 5210147"/>
+              <a:gd name="connsiteY5" fmla="*/ 5483989 h 6210629"/>
+              <a:gd name="connsiteX6" fmla="*/ 0 w 5210147"/>
+              <a:gd name="connsiteY6" fmla="*/ 5480430 h 6210629"/>
+              <a:gd name="connsiteX7" fmla="*/ 0 w 5210147"/>
+              <a:gd name="connsiteY7" fmla="*/ 576603 h 6210629"/>
+              <a:gd name="connsiteX8" fmla="*/ 3916 w 5210147"/>
+              <a:gd name="connsiteY8" fmla="*/ 573044 h 6210629"/>
+              <a:gd name="connsiteX9" fmla="*/ 933918 w 5210147"/>
+              <a:gd name="connsiteY9" fmla="*/ 39494 h 6210629"/>
+            </a:gdLst>
+            <a:ahLst/>
+            <a:cxnLst>
+              <a:cxn ang="0">
+                <a:pos x="connsiteX0" y="connsiteY0"/>
+              </a:cxn>
+              <a:cxn ang="0">
+                <a:pos x="connsiteX1" y="connsiteY1"/>
+              </a:cxn>
+              <a:cxn ang="0">
+                <a:pos x="connsiteX2" y="connsiteY2"/>
+              </a:cxn>
+              <a:cxn ang="0">
+                <a:pos x="connsiteX3" y="connsiteY3"/>
+              </a:cxn>
+              <a:cxn ang="0">
+                <a:pos x="connsiteX4" y="connsiteY4"/>
+              </a:cxn>
+              <a:cxn ang="0">
+                <a:pos x="connsiteX5" y="connsiteY5"/>
+              </a:cxn>
+              <a:cxn ang="0">
+                <a:pos x="connsiteX6" y="connsiteY6"/>
+              </a:cxn>
+              <a:cxn ang="0">
+                <a:pos x="connsiteX7" y="connsiteY7"/>
+              </a:cxn>
+              <a:cxn ang="0">
+                <a:pos x="connsiteX8" y="connsiteY8"/>
+              </a:cxn>
+              <a:cxn ang="0">
+                <a:pos x="connsiteX9" y="connsiteY9"/>
+              </a:cxn>
+            </a:cxnLst>
+            <a:rect l="l" t="t" r="r" b="b"/>
+            <a:pathLst>
+              <a:path w="5210147" h="6210629">
+                <a:moveTo>
+                  <a:pt x="1058223" y="0"/>
+                </a:moveTo>
+                <a:lnTo>
+                  <a:pt x="3003078" y="0"/>
+                </a:lnTo>
+                <a:lnTo>
+                  <a:pt x="3266657" y="96471"/>
+                </a:lnTo>
+                <a:cubicBezTo>
+                  <a:pt x="4408765" y="579542"/>
+                  <a:pt x="5210147" y="1710443"/>
+                  <a:pt x="5210147" y="3028517"/>
+                </a:cubicBezTo>
+                <a:cubicBezTo>
+                  <a:pt x="5210147" y="4785949"/>
+                  <a:pt x="3785467" y="6210629"/>
+                  <a:pt x="2028035" y="6210629"/>
+                </a:cubicBezTo>
+                <a:cubicBezTo>
+                  <a:pt x="1259159" y="6210629"/>
+                  <a:pt x="553973" y="5937936"/>
+                  <a:pt x="3916" y="5483989"/>
+                </a:cubicBezTo>
+                <a:lnTo>
+                  <a:pt x="0" y="5480430"/>
+                </a:lnTo>
+                <a:lnTo>
+                  <a:pt x="0" y="576603"/>
+                </a:lnTo>
+                <a:lnTo>
+                  <a:pt x="3916" y="573044"/>
+                </a:lnTo>
+                <a:cubicBezTo>
+                  <a:pt x="278945" y="346070"/>
+                  <a:pt x="592755" y="164410"/>
+                  <a:pt x="933918" y="39494"/>
+                </a:cubicBezTo>
+                <a:close/>
+              </a:path>
+            </a:pathLst>
+          </a:custGeom>
+          <a:solidFill>
+            <a:schemeClr val="bg1"/>
+          </a:solidFill>
+          <a:ln>
+            <a:noFill/>
+          </a:ln>
+        </p:spPr>
+        <p:style>
+          <a:lnRef idx="2">
+            <a:schemeClr val="accent1">
+              <a:shade val="50000"/>
+            </a:schemeClr>
+          </a:lnRef>
+          <a:fillRef idx="1">
+            <a:schemeClr val="accent1"/>
+          </a:fillRef>
+          <a:effectRef idx="0">
+            <a:schemeClr val="accent1"/>
+          </a:effectRef>
+          <a:fontRef idx="minor">
+            <a:schemeClr val="lt1"/>
+          </a:fontRef>
+        </p:style>
+        <p:txBody>
+          <a:bodyPr rtlCol="0" anchor="ctr"/>
+          <a:lstStyle/>
+          <a:p>
+            <a:pPr marL="0" marR="0" lvl="0" indent="0" algn="ctr" defTabSz="914400" rtl="0" eaLnBrk="1" fontAlgn="auto" latinLnBrk="0" hangingPunct="1">
+              <a:lnSpc>
+                <a:spcPct val="100000"/>
+              </a:lnSpc>
+              <a:spcBef>
+                <a:spcPts val="0"/>
+              </a:spcBef>
+              <a:spcAft>
+                <a:spcPts val="0"/>
+              </a:spcAft>
+              <a:buClrTx/>
+              <a:buSzTx/>
+              <a:buFontTx/>
+              <a:buNone/>
+              <a:tabLst/>
+              <a:defRPr/>
+            </a:pPr>
+            <a:endParaRPr kumimoji="0" lang="en-US" sz="1800" b="0" i="0" u="none" strike="noStrike" kern="1200" cap="none" spc="0" normalizeH="0" baseline="0" noProof="0">
+              <a:ln>
+                <a:noFill/>
+              </a:ln>
+              <a:solidFill>
+                <a:prstClr val="white"/>
+              </a:solidFill>
+              <a:effectLst/>
+              <a:uLnTx/>
+              <a:uFillTx/>
+              <a:latin typeface="Calibri" panose="020F0502020204030204"/>
+              <a:ea typeface="+mn-ea"/>
+              <a:cs typeface="+mn-cs"/>
+            </a:endParaRPr>
+          </a:p>
+        </p:txBody>
+      </p:sp>
+      <p:pic>
+        <p:nvPicPr>
+          <p:cNvPr id="18" name="Picture 17" descr="A picture containing drawing&#10;&#10;Description automatically generated">
+            <a:extLst>
+              <a:ext uri="{FF2B5EF4-FFF2-40B4-BE49-F238E27FC236}">
+                <a16:creationId xmlns:a16="http://schemas.microsoft.com/office/drawing/2014/main" id="{2FE7A3CE-B60B-B24C-92FD-48091CC536EC}"/>
+              </a:ext>
+            </a:extLst>
+          </p:cNvPr>
+          <p:cNvPicPr>
+            <a:picLocks noChangeAspect="1"/>
+          </p:cNvPicPr>
+          <p:nvPr/>
+        </p:nvPicPr>
+        <p:blipFill>
+          <a:blip r:embed="rId3"/>
+          <a:stretch>
+            <a:fillRect/>
+          </a:stretch>
+        </p:blipFill>
+        <p:spPr>
+          <a:xfrm>
+            <a:off x="480941" y="2062786"/>
+            <a:ext cx="3440610" cy="1918140"/>
+          </a:xfrm>
+          <a:prstGeom prst="rect">
+            <a:avLst/>
+          </a:prstGeom>
+        </p:spPr>
+      </p:pic>
+    </p:spTree>
+    <p:extLst>
+      <p:ext uri="{BB962C8B-B14F-4D97-AF65-F5344CB8AC3E}">
+        <p14:creationId xmlns:p14="http://schemas.microsoft.com/office/powerpoint/2010/main" val="2514303424"/>
+      </p:ext>
+    </p:extLst>
+  </p:cSld>
+  <p:clrMapOvr>
+    <a:overrideClrMapping bg1="lt1" tx1="dk1" bg2="lt2" tx2="dk2" accent1="accent1" accent2="accent2" accent3="accent3" accent4="accent4" accent5="accent5" accent6="accent6" hlink="hlink" folHlink="folHlink"/>
+  </p:clrMapOvr>
+</p:sld>
+</file>
+
+<file path=ppt/slides/slide8.xml><?xml version="1.0" encoding="utf-8"?>
+<p:sld xmlns:a="http://schemas.openxmlformats.org/drawingml/2006/main" xmlns:r="http://schemas.openxmlformats.org/officeDocument/2006/relationships" xmlns:p="http://schemas.openxmlformats.org/presentationml/2006/main">
+  <p:cSld>
     <p:bg>
       <p:bgPr>
         <a:solidFill>
@@ -8936,7 +13835,7 @@
 </p:sld>
 </file>
 
-<file path=ppt/slides/slide5.xml><?xml version="1.0" encoding="utf-8"?>
+<file path=ppt/slides/slide9.xml><?xml version="1.0" encoding="utf-8"?>
 <p:sld xmlns:a="http://schemas.openxmlformats.org/drawingml/2006/main" xmlns:r="http://schemas.openxmlformats.org/officeDocument/2006/relationships" xmlns:p="http://schemas.openxmlformats.org/presentationml/2006/main">
   <p:cSld>
     <p:spTree>
@@ -9180,601 +14079,6 @@
     <p:extLst>
       <p:ext uri="{BB962C8B-B14F-4D97-AF65-F5344CB8AC3E}">
         <p14:creationId xmlns:p14="http://schemas.microsoft.com/office/powerpoint/2010/main" val="3619408321"/>
-      </p:ext>
-    </p:extLst>
-  </p:cSld>
-  <p:clrMapOvr>
-    <a:masterClrMapping/>
-  </p:clrMapOvr>
-</p:sld>
-</file>
-
-<file path=ppt/slides/slide6.xml><?xml version="1.0" encoding="utf-8"?>
-<p:sld xmlns:a="http://schemas.openxmlformats.org/drawingml/2006/main" xmlns:r="http://schemas.openxmlformats.org/officeDocument/2006/relationships" xmlns:p="http://schemas.openxmlformats.org/presentationml/2006/main">
-  <p:cSld>
-    <p:spTree>
-      <p:nvGrpSpPr>
-        <p:cNvPr id="1" name=""/>
-        <p:cNvGrpSpPr/>
-        <p:nvPr/>
-      </p:nvGrpSpPr>
-      <p:grpSpPr>
-        <a:xfrm>
-          <a:off x="0" y="0"/>
-          <a:ext cx="0" cy="0"/>
-          <a:chOff x="0" y="0"/>
-          <a:chExt cx="0" cy="0"/>
-        </a:xfrm>
-      </p:grpSpPr>
-      <p:sp>
-        <p:nvSpPr>
-          <p:cNvPr id="4" name="Title 5">
-            <a:extLst>
-              <a:ext uri="{FF2B5EF4-FFF2-40B4-BE49-F238E27FC236}">
-                <a16:creationId xmlns:a16="http://schemas.microsoft.com/office/drawing/2014/main" id="{A84E2FEF-74EA-9C4A-B7F8-D5AF9CC85439}"/>
-              </a:ext>
-            </a:extLst>
-          </p:cNvPr>
-          <p:cNvSpPr>
-            <a:spLocks noGrp="1"/>
-          </p:cNvSpPr>
-          <p:nvPr>
-            <p:ph type="title"/>
-          </p:nvPr>
-        </p:nvSpPr>
-        <p:spPr>
-          <a:xfrm>
-            <a:off x="655321" y="210727"/>
-            <a:ext cx="10515600" cy="1325563"/>
-          </a:xfrm>
-        </p:spPr>
-        <p:txBody>
-          <a:bodyPr>
-            <a:normAutofit/>
-          </a:bodyPr>
-          <a:lstStyle/>
-          <a:p>
-            <a:r>
-              <a:rPr lang="en-IL" sz="4800" dirty="0"/>
-              <a:t>A problem of state…</a:t>
-            </a:r>
-          </a:p>
-        </p:txBody>
-      </p:sp>
-      <p:sp>
-        <p:nvSpPr>
-          <p:cNvPr id="7" name="TextBox 6">
-            <a:extLst>
-              <a:ext uri="{FF2B5EF4-FFF2-40B4-BE49-F238E27FC236}">
-                <a16:creationId xmlns:a16="http://schemas.microsoft.com/office/drawing/2014/main" id="{0D434488-5884-DC47-825F-DB289BAA0DD0}"/>
-              </a:ext>
-            </a:extLst>
-          </p:cNvPr>
-          <p:cNvSpPr txBox="1"/>
-          <p:nvPr/>
-        </p:nvSpPr>
-        <p:spPr>
-          <a:xfrm>
-            <a:off x="590598" y="1536290"/>
-            <a:ext cx="10946081" cy="1325563"/>
-          </a:xfrm>
-          <a:prstGeom prst="rect">
-            <a:avLst/>
-          </a:prstGeom>
-        </p:spPr>
-        <p:txBody>
-          <a:bodyPr vert="horz" lIns="91440" tIns="45720" rIns="91440" bIns="45720" rtlCol="0">
-            <a:normAutofit/>
-          </a:bodyPr>
-          <a:lstStyle/>
-          <a:p>
-            <a:pPr defTabSz="914400">
-              <a:lnSpc>
-                <a:spcPct val="90000"/>
-              </a:lnSpc>
-              <a:spcAft>
-                <a:spcPts val="600"/>
-              </a:spcAft>
-            </a:pPr>
-            <a:r>
-              <a:rPr lang="en-US" sz="2800" b="1" dirty="0"/>
-              <a:t>The </a:t>
-            </a:r>
-            <a:r>
-              <a:rPr lang="en-US" sz="2800" b="1" dirty="0">
-                <a:solidFill>
-                  <a:srgbClr val="FF0000"/>
-                </a:solidFill>
-              </a:rPr>
-              <a:t>HTTP protocol is </a:t>
-            </a:r>
-            <a:r>
-              <a:rPr lang="en-US" sz="2800" b="1" i="1" dirty="0">
-                <a:solidFill>
-                  <a:srgbClr val="FF0000"/>
-                </a:solidFill>
-              </a:rPr>
-              <a:t>stateless</a:t>
-            </a:r>
-            <a:r>
-              <a:rPr lang="en-US" sz="2800" dirty="0"/>
-              <a:t>, this means a new request (e.g. GET /order/42) won’t know anything about the previous one, </a:t>
-            </a:r>
-            <a:r>
-              <a:rPr lang="en-US" sz="2800" b="1" dirty="0"/>
-              <a:t>so</a:t>
-            </a:r>
-            <a:r>
-              <a:rPr lang="en-US" sz="2800" dirty="0"/>
-              <a:t> </a:t>
-            </a:r>
-            <a:r>
-              <a:rPr lang="en-US" sz="2800" b="1" dirty="0"/>
-              <a:t>we need to </a:t>
-            </a:r>
-            <a:r>
-              <a:rPr lang="en-US" sz="2800" b="1" dirty="0">
-                <a:solidFill>
-                  <a:srgbClr val="FF0000"/>
-                </a:solidFill>
-              </a:rPr>
-              <a:t>reauthenticate</a:t>
-            </a:r>
-            <a:r>
-              <a:rPr lang="en-US" sz="2800" b="1" dirty="0"/>
-              <a:t> for each new request</a:t>
-            </a:r>
-            <a:r>
-              <a:rPr lang="en-US" sz="2800" dirty="0"/>
-              <a:t> (fig.1).</a:t>
-            </a:r>
-          </a:p>
-        </p:txBody>
-      </p:sp>
-    </p:spTree>
-    <p:extLst>
-      <p:ext uri="{BB962C8B-B14F-4D97-AF65-F5344CB8AC3E}">
-        <p14:creationId xmlns:p14="http://schemas.microsoft.com/office/powerpoint/2010/main" val="3058687309"/>
-      </p:ext>
-    </p:extLst>
-  </p:cSld>
-  <p:clrMapOvr>
-    <a:masterClrMapping/>
-  </p:clrMapOvr>
-</p:sld>
-</file>
-
-<file path=ppt/slides/slide7.xml><?xml version="1.0" encoding="utf-8"?>
-<p:sld xmlns:a="http://schemas.openxmlformats.org/drawingml/2006/main" xmlns:r="http://schemas.openxmlformats.org/officeDocument/2006/relationships" xmlns:p="http://schemas.openxmlformats.org/presentationml/2006/main">
-  <p:cSld>
-    <p:bg>
-      <p:bgPr>
-        <a:solidFill>
-          <a:schemeClr val="bg1"/>
-        </a:solidFill>
-        <a:effectLst/>
-      </p:bgPr>
-    </p:bg>
-    <p:spTree>
-      <p:nvGrpSpPr>
-        <p:cNvPr id="1" name=""/>
-        <p:cNvGrpSpPr/>
-        <p:nvPr/>
-      </p:nvGrpSpPr>
-      <p:grpSpPr>
-        <a:xfrm>
-          <a:off x="0" y="0"/>
-          <a:ext cx="0" cy="0"/>
-          <a:chOff x="0" y="0"/>
-          <a:chExt cx="0" cy="0"/>
-        </a:xfrm>
-      </p:grpSpPr>
-      <p:cxnSp>
-        <p:nvCxnSpPr>
-          <p:cNvPr id="10" name="Straight Connector 9">
-            <a:extLst>
-              <a:ext uri="{FF2B5EF4-FFF2-40B4-BE49-F238E27FC236}">
-                <a16:creationId xmlns:a16="http://schemas.microsoft.com/office/drawing/2014/main" id="{A7F400EE-A8A5-48AF-B4D6-291B52C6F0B0}"/>
-              </a:ext>
-              <a:ext uri="{C183D7F6-B498-43B3-948B-1728B52AA6E4}">
-                <adec:decorative xmlns:adec="http://schemas.microsoft.com/office/drawing/2017/decorative" val="1"/>
-              </a:ext>
-            </a:extLst>
-          </p:cNvPr>
-          <p:cNvCxnSpPr>
-            <a:cxnSpLocks noGrp="1" noRot="1" noChangeAspect="1" noMove="1" noResize="1" noEditPoints="1" noAdjustHandles="1" noChangeArrowheads="1" noChangeShapeType="1"/>
-          </p:cNvCxnSpPr>
-          <p:nvPr>
-            <p:extLst>
-              <p:ext uri="{386F3935-93C4-4BCD-93E2-E3B085C9AB24}">
-                <p16:designElem xmlns:p16="http://schemas.microsoft.com/office/powerpoint/2015/main" val="1"/>
-              </p:ext>
-            </p:extLst>
-          </p:nvPr>
-        </p:nvCxnSpPr>
-        <p:spPr>
-          <a:xfrm>
-            <a:off x="5080934" y="2115117"/>
-            <a:ext cx="6309360" cy="0"/>
-          </a:xfrm>
-          <a:prstGeom prst="line">
-            <a:avLst/>
-          </a:prstGeom>
-          <a:ln w="19050">
-            <a:solidFill>
-              <a:srgbClr val="EE2C1D"/>
-            </a:solidFill>
-          </a:ln>
-        </p:spPr>
-        <p:style>
-          <a:lnRef idx="1">
-            <a:schemeClr val="accent1"/>
-          </a:lnRef>
-          <a:fillRef idx="0">
-            <a:schemeClr val="accent1"/>
-          </a:fillRef>
-          <a:effectRef idx="0">
-            <a:schemeClr val="accent1"/>
-          </a:effectRef>
-          <a:fontRef idx="minor">
-            <a:schemeClr val="tx1"/>
-          </a:fontRef>
-        </p:style>
-      </p:cxnSp>
-      <p:sp>
-        <p:nvSpPr>
-          <p:cNvPr id="11" name="Title 10">
-            <a:extLst>
-              <a:ext uri="{FF2B5EF4-FFF2-40B4-BE49-F238E27FC236}">
-                <a16:creationId xmlns:a16="http://schemas.microsoft.com/office/drawing/2014/main" id="{829D8FD0-C8E2-DD46-97C2-AAF7633CC3D3}"/>
-              </a:ext>
-            </a:extLst>
-          </p:cNvPr>
-          <p:cNvSpPr>
-            <a:spLocks noGrp="1"/>
-          </p:cNvSpPr>
-          <p:nvPr>
-            <p:ph type="title"/>
-          </p:nvPr>
-        </p:nvSpPr>
-        <p:spPr/>
-        <p:txBody>
-          <a:bodyPr/>
-          <a:lstStyle/>
-          <a:p>
-            <a:endParaRPr lang="en-IL"/>
-          </a:p>
-        </p:txBody>
-      </p:sp>
-      <p:pic>
-        <p:nvPicPr>
-          <p:cNvPr id="2050" name="Picture 2">
-            <a:extLst>
-              <a:ext uri="{FF2B5EF4-FFF2-40B4-BE49-F238E27FC236}">
-                <a16:creationId xmlns:a16="http://schemas.microsoft.com/office/drawing/2014/main" id="{7B1BD949-ACD6-D24D-859E-A1C12106B4F6}"/>
-              </a:ext>
-            </a:extLst>
-          </p:cNvPr>
-          <p:cNvPicPr>
-            <a:picLocks noChangeAspect="1" noChangeArrowheads="1"/>
-          </p:cNvPicPr>
-          <p:nvPr/>
-        </p:nvPicPr>
-        <p:blipFill>
-          <a:blip r:embed="rId3">
-            <a:extLst>
-              <a:ext uri="{28A0092B-C50C-407E-A947-70E740481C1C}">
-                <a14:useLocalDpi xmlns:a14="http://schemas.microsoft.com/office/drawing/2010/main" val="0"/>
-              </a:ext>
-            </a:extLst>
-          </a:blip>
-          <a:srcRect/>
-          <a:stretch>
-            <a:fillRect/>
-          </a:stretch>
-        </p:blipFill>
-        <p:spPr bwMode="auto">
-          <a:xfrm>
-            <a:off x="0" y="303213"/>
-            <a:ext cx="12192000" cy="6251575"/>
-          </a:xfrm>
-          <a:prstGeom prst="rect">
-            <a:avLst/>
-          </a:prstGeom>
-          <a:noFill/>
-          <a:extLst>
-            <a:ext uri="{909E8E84-426E-40DD-AFC4-6F175D3DCCD1}">
-              <a14:hiddenFill xmlns:a14="http://schemas.microsoft.com/office/drawing/2010/main">
-                <a:solidFill>
-                  <a:srgbClr val="FFFFFF"/>
-                </a:solidFill>
-              </a14:hiddenFill>
-            </a:ext>
-          </a:extLst>
-        </p:spPr>
-      </p:pic>
-    </p:spTree>
-    <p:extLst>
-      <p:ext uri="{BB962C8B-B14F-4D97-AF65-F5344CB8AC3E}">
-        <p14:creationId xmlns:p14="http://schemas.microsoft.com/office/powerpoint/2010/main" val="3025277833"/>
-      </p:ext>
-    </p:extLst>
-  </p:cSld>
-  <p:clrMapOvr>
-    <a:masterClrMapping/>
-  </p:clrMapOvr>
-</p:sld>
-</file>
-
-<file path=ppt/slides/slide8.xml><?xml version="1.0" encoding="utf-8"?>
-<p:sld xmlns:a="http://schemas.openxmlformats.org/drawingml/2006/main" xmlns:r="http://schemas.openxmlformats.org/officeDocument/2006/relationships" xmlns:p="http://schemas.openxmlformats.org/presentationml/2006/main">
-  <p:cSld>
-    <p:spTree>
-      <p:nvGrpSpPr>
-        <p:cNvPr id="1" name=""/>
-        <p:cNvGrpSpPr/>
-        <p:nvPr/>
-      </p:nvGrpSpPr>
-      <p:grpSpPr>
-        <a:xfrm>
-          <a:off x="0" y="0"/>
-          <a:ext cx="0" cy="0"/>
-          <a:chOff x="0" y="0"/>
-          <a:chExt cx="0" cy="0"/>
-        </a:xfrm>
-      </p:grpSpPr>
-      <p:sp>
-        <p:nvSpPr>
-          <p:cNvPr id="4" name="Title 5">
-            <a:extLst>
-              <a:ext uri="{FF2B5EF4-FFF2-40B4-BE49-F238E27FC236}">
-                <a16:creationId xmlns:a16="http://schemas.microsoft.com/office/drawing/2014/main" id="{A84E2FEF-74EA-9C4A-B7F8-D5AF9CC85439}"/>
-              </a:ext>
-            </a:extLst>
-          </p:cNvPr>
-          <p:cNvSpPr>
-            <a:spLocks noGrp="1"/>
-          </p:cNvSpPr>
-          <p:nvPr>
-            <p:ph type="title"/>
-          </p:nvPr>
-        </p:nvSpPr>
-        <p:spPr>
-          <a:xfrm>
-            <a:off x="655321" y="210727"/>
-            <a:ext cx="10515600" cy="1325563"/>
-          </a:xfrm>
-        </p:spPr>
-        <p:txBody>
-          <a:bodyPr>
-            <a:normAutofit/>
-          </a:bodyPr>
-          <a:lstStyle/>
-          <a:p>
-            <a:r>
-              <a:rPr lang="en-IL" sz="4800" dirty="0"/>
-              <a:t>A </a:t>
-            </a:r>
-            <a:r>
-              <a:rPr lang="en-US" sz="4800" dirty="0"/>
-              <a:t>solution</a:t>
-            </a:r>
-            <a:r>
-              <a:rPr lang="en-IL" sz="4800" dirty="0"/>
-              <a:t>…</a:t>
-            </a:r>
-          </a:p>
-        </p:txBody>
-      </p:sp>
-      <p:sp>
-        <p:nvSpPr>
-          <p:cNvPr id="7" name="TextBox 6">
-            <a:extLst>
-              <a:ext uri="{FF2B5EF4-FFF2-40B4-BE49-F238E27FC236}">
-                <a16:creationId xmlns:a16="http://schemas.microsoft.com/office/drawing/2014/main" id="{0D434488-5884-DC47-825F-DB289BAA0DD0}"/>
-              </a:ext>
-            </a:extLst>
-          </p:cNvPr>
-          <p:cNvSpPr txBox="1"/>
-          <p:nvPr/>
-        </p:nvSpPr>
-        <p:spPr>
-          <a:xfrm>
-            <a:off x="590598" y="1536290"/>
-            <a:ext cx="10946081" cy="2441350"/>
-          </a:xfrm>
-          <a:prstGeom prst="rect">
-            <a:avLst/>
-          </a:prstGeom>
-        </p:spPr>
-        <p:txBody>
-          <a:bodyPr vert="horz" lIns="91440" tIns="45720" rIns="91440" bIns="45720" rtlCol="0">
-            <a:noAutofit/>
-          </a:bodyPr>
-          <a:lstStyle/>
-          <a:p>
-            <a:pPr defTabSz="914400">
-              <a:lnSpc>
-                <a:spcPct val="90000"/>
-              </a:lnSpc>
-              <a:spcAft>
-                <a:spcPts val="600"/>
-              </a:spcAft>
-            </a:pPr>
-            <a:r>
-              <a:rPr lang="en-US" sz="2800" dirty="0">
-                <a:solidFill>
-                  <a:srgbClr val="FF0000"/>
-                </a:solidFill>
-              </a:rPr>
-              <a:t>The traditional way of dealing with this is the use of </a:t>
-            </a:r>
-            <a:r>
-              <a:rPr lang="en-US" sz="2800" dirty="0"/>
-              <a:t>S</a:t>
-            </a:r>
-            <a:r>
-              <a:rPr lang="en-US" sz="2800" dirty="0">
-                <a:solidFill>
-                  <a:srgbClr val="FF0000"/>
-                </a:solidFill>
-              </a:rPr>
-              <a:t>erver </a:t>
-            </a:r>
-            <a:r>
-              <a:rPr lang="en-US" sz="2800" dirty="0"/>
-              <a:t>S</a:t>
-            </a:r>
-            <a:r>
-              <a:rPr lang="en-US" sz="2800" dirty="0">
-                <a:solidFill>
-                  <a:srgbClr val="FF0000"/>
-                </a:solidFill>
-              </a:rPr>
-              <a:t>ide </a:t>
-            </a:r>
-            <a:r>
-              <a:rPr lang="en-US" sz="2800" dirty="0"/>
-              <a:t>S</a:t>
-            </a:r>
-            <a:r>
-              <a:rPr lang="en-US" sz="2800" dirty="0">
-                <a:solidFill>
-                  <a:srgbClr val="FF0000"/>
-                </a:solidFill>
-              </a:rPr>
-              <a:t>essions (SSS). </a:t>
-            </a:r>
-          </a:p>
-          <a:p>
-            <a:pPr defTabSz="914400">
-              <a:lnSpc>
-                <a:spcPct val="90000"/>
-              </a:lnSpc>
-              <a:spcAft>
-                <a:spcPts val="600"/>
-              </a:spcAft>
-            </a:pPr>
-            <a:r>
-              <a:rPr lang="en-US" sz="2800" dirty="0"/>
-              <a:t>In this scenario, we first check for username and password; if they are authentic, the server will save a </a:t>
-            </a:r>
-            <a:r>
-              <a:rPr lang="en-US" sz="2800" i="1" dirty="0">
-                <a:solidFill>
-                  <a:srgbClr val="FF0000"/>
-                </a:solidFill>
-              </a:rPr>
-              <a:t>session id</a:t>
-            </a:r>
-            <a:r>
-              <a:rPr lang="en-US" sz="2800" dirty="0">
-                <a:solidFill>
-                  <a:srgbClr val="FF0000"/>
-                </a:solidFill>
-              </a:rPr>
-              <a:t> </a:t>
-            </a:r>
-            <a:r>
-              <a:rPr lang="en-US" sz="2800" dirty="0"/>
-              <a:t>in memory and return it to the client. From now on, the client will just need to send its </a:t>
-            </a:r>
-            <a:r>
-              <a:rPr lang="en-US" sz="2800" i="1" dirty="0">
-                <a:solidFill>
-                  <a:srgbClr val="FF0000"/>
-                </a:solidFill>
-              </a:rPr>
-              <a:t>session id </a:t>
-            </a:r>
-            <a:r>
-              <a:rPr lang="en-US" sz="2800" dirty="0"/>
-              <a:t>to be recognized (fig.2)</a:t>
-            </a:r>
-          </a:p>
-        </p:txBody>
-      </p:sp>
-    </p:spTree>
-    <p:extLst>
-      <p:ext uri="{BB962C8B-B14F-4D97-AF65-F5344CB8AC3E}">
-        <p14:creationId xmlns:p14="http://schemas.microsoft.com/office/powerpoint/2010/main" val="3682722471"/>
-      </p:ext>
-    </p:extLst>
-  </p:cSld>
-  <p:clrMapOvr>
-    <a:masterClrMapping/>
-  </p:clrMapOvr>
-</p:sld>
-</file>
-
-<file path=ppt/slides/slide9.xml><?xml version="1.0" encoding="utf-8"?>
-<p:sld xmlns:a="http://schemas.openxmlformats.org/drawingml/2006/main" xmlns:r="http://schemas.openxmlformats.org/officeDocument/2006/relationships" xmlns:p="http://schemas.openxmlformats.org/presentationml/2006/main">
-  <p:cSld>
-    <p:spTree>
-      <p:nvGrpSpPr>
-        <p:cNvPr id="1" name=""/>
-        <p:cNvGrpSpPr/>
-        <p:nvPr/>
-      </p:nvGrpSpPr>
-      <p:grpSpPr>
-        <a:xfrm>
-          <a:off x="0" y="0"/>
-          <a:ext cx="0" cy="0"/>
-          <a:chOff x="0" y="0"/>
-          <a:chExt cx="0" cy="0"/>
-        </a:xfrm>
-      </p:grpSpPr>
-      <p:pic>
-        <p:nvPicPr>
-          <p:cNvPr id="4098" name="Picture 2">
-            <a:extLst>
-              <a:ext uri="{FF2B5EF4-FFF2-40B4-BE49-F238E27FC236}">
-                <a16:creationId xmlns:a16="http://schemas.microsoft.com/office/drawing/2014/main" id="{C5595588-6ACF-3F4C-82FE-B03402388351}"/>
-              </a:ext>
-            </a:extLst>
-          </p:cNvPr>
-          <p:cNvPicPr>
-            <a:picLocks noChangeAspect="1" noChangeArrowheads="1"/>
-          </p:cNvPicPr>
-          <p:nvPr/>
-        </p:nvPicPr>
-        <p:blipFill>
-          <a:blip r:embed="rId3">
-            <a:extLst>
-              <a:ext uri="{28A0092B-C50C-407E-A947-70E740481C1C}">
-                <a14:useLocalDpi xmlns:a14="http://schemas.microsoft.com/office/drawing/2010/main" val="0"/>
-              </a:ext>
-            </a:extLst>
-          </a:blip>
-          <a:srcRect/>
-          <a:stretch>
-            <a:fillRect/>
-          </a:stretch>
-        </p:blipFill>
-        <p:spPr bwMode="auto">
-          <a:xfrm>
-            <a:off x="944563" y="0"/>
-            <a:ext cx="10302875" cy="6858000"/>
-          </a:xfrm>
-          <a:prstGeom prst="rect">
-            <a:avLst/>
-          </a:prstGeom>
-          <a:noFill/>
-          <a:extLst>
-            <a:ext uri="{909E8E84-426E-40DD-AFC4-6F175D3DCCD1}">
-              <a14:hiddenFill xmlns:a14="http://schemas.microsoft.com/office/drawing/2010/main">
-                <a:solidFill>
-                  <a:srgbClr val="FFFFFF"/>
-                </a:solidFill>
-              </a14:hiddenFill>
-            </a:ext>
-          </a:extLst>
-        </p:spPr>
-      </p:pic>
-    </p:spTree>
-    <p:extLst>
-      <p:ext uri="{BB962C8B-B14F-4D97-AF65-F5344CB8AC3E}">
-        <p14:creationId xmlns:p14="http://schemas.microsoft.com/office/powerpoint/2010/main" val="4148602125"/>
       </p:ext>
     </p:extLst>
   </p:cSld>

--- a/presentations/lecture_jwt.pptx
+++ b/presentations/lecture_jwt.pptx
@@ -5,7 +5,7 @@
     <p:sldMasterId id="2147483684" r:id="rId1"/>
   </p:sldMasterIdLst>
   <p:notesMasterIdLst>
-    <p:notesMasterId r:id="rId29"/>
+    <p:notesMasterId r:id="rId31"/>
   </p:notesMasterIdLst>
   <p:sldIdLst>
     <p:sldId id="256" r:id="rId2"/>
@@ -13,28 +13,30 @@
     <p:sldId id="257" r:id="rId4"/>
     <p:sldId id="268" r:id="rId5"/>
     <p:sldId id="343" r:id="rId6"/>
-    <p:sldId id="344" r:id="rId7"/>
-    <p:sldId id="341" r:id="rId8"/>
-    <p:sldId id="309" r:id="rId9"/>
-    <p:sldId id="338" r:id="rId10"/>
-    <p:sldId id="342" r:id="rId11"/>
-    <p:sldId id="323" r:id="rId12"/>
-    <p:sldId id="324" r:id="rId13"/>
-    <p:sldId id="325" r:id="rId14"/>
+    <p:sldId id="341" r:id="rId7"/>
+    <p:sldId id="309" r:id="rId8"/>
+    <p:sldId id="338" r:id="rId9"/>
+    <p:sldId id="342" r:id="rId10"/>
+    <p:sldId id="323" r:id="rId11"/>
+    <p:sldId id="324" r:id="rId12"/>
+    <p:sldId id="325" r:id="rId13"/>
+    <p:sldId id="345" r:id="rId14"/>
     <p:sldId id="327" r:id="rId15"/>
     <p:sldId id="326" r:id="rId16"/>
     <p:sldId id="329" r:id="rId17"/>
     <p:sldId id="339" r:id="rId18"/>
-    <p:sldId id="330" r:id="rId19"/>
-    <p:sldId id="331" r:id="rId20"/>
-    <p:sldId id="332" r:id="rId21"/>
-    <p:sldId id="333" r:id="rId22"/>
-    <p:sldId id="334" r:id="rId23"/>
-    <p:sldId id="335" r:id="rId24"/>
-    <p:sldId id="336" r:id="rId25"/>
-    <p:sldId id="337" r:id="rId26"/>
-    <p:sldId id="340" r:id="rId27"/>
-    <p:sldId id="260" r:id="rId28"/>
+    <p:sldId id="346" r:id="rId19"/>
+    <p:sldId id="330" r:id="rId20"/>
+    <p:sldId id="331" r:id="rId21"/>
+    <p:sldId id="332" r:id="rId22"/>
+    <p:sldId id="333" r:id="rId23"/>
+    <p:sldId id="334" r:id="rId24"/>
+    <p:sldId id="335" r:id="rId25"/>
+    <p:sldId id="336" r:id="rId26"/>
+    <p:sldId id="337" r:id="rId27"/>
+    <p:sldId id="340" r:id="rId28"/>
+    <p:sldId id="344" r:id="rId29"/>
+    <p:sldId id="260" r:id="rId30"/>
   </p:sldIdLst>
   <p:sldSz cx="12192000" cy="6858000"/>
   <p:notesSz cx="6858000" cy="9144000"/>
@@ -2669,7 +2671,7 @@
           <a:p>
             <a:fld id="{4BAF5568-5764-3645-BA47-A2145F42072A}" type="datetimeFigureOut">
               <a:rPr lang="en-IL" smtClean="0"/>
-              <a:t>07/06/2021</a:t>
+              <a:t>29/06/2021</a:t>
             </a:fld>
             <a:endParaRPr lang="en-IL"/>
           </a:p>
@@ -3166,6 +3168,31 @@
               <a:rPr lang="en-US" dirty="0"/>
               <a:t>Probably bigger.</a:t>
             </a:r>
+          </a:p>
+          <a:p>
+            <a:pPr marL="171450" indent="-171450">
+              <a:buFont typeface="Arial" panose="020B0604020202020204" pitchFamily="34" charset="0"/>
+              <a:buChar char="•"/>
+            </a:pPr>
+            <a:endParaRPr lang="en-US" dirty="0"/>
+          </a:p>
+          <a:p>
+            <a:pPr marL="0" algn="l" defTabSz="914400" rtl="0" eaLnBrk="1" latinLnBrk="0" hangingPunct="1"/>
+            <a:endParaRPr lang="en-US" dirty="0"/>
+          </a:p>
+          <a:p>
+            <a:pPr marL="0" algn="l" defTabSz="914400" rtl="0" eaLnBrk="1" latinLnBrk="0" hangingPunct="1"/>
+            <a:r>
+              <a:rPr lang="en-US" dirty="0"/>
+              <a:t>This is the cookie</a:t>
+            </a:r>
+            <a:endParaRPr lang="en-IL" dirty="0"/>
+          </a:p>
+          <a:p>
+            <a:pPr marL="171450" indent="-171450">
+              <a:buFont typeface="Arial" panose="020B0604020202020204" pitchFamily="34" charset="0"/>
+              <a:buChar char="•"/>
+            </a:pPr>
             <a:endParaRPr lang="en-IL" dirty="0"/>
           </a:p>
         </p:txBody>
@@ -3187,7 +3214,7 @@
           <a:p>
             <a:fld id="{D2850163-67CE-1445-A832-1977356FC86B}" type="slidenum">
               <a:rPr lang="en-IL" smtClean="0"/>
-              <a:t>13</a:t>
+              <a:t>12</a:t>
             </a:fld>
             <a:endParaRPr lang="en-IL"/>
           </a:p>
@@ -3589,6 +3616,147 @@
               </a:rPr>
               <a:t> To understand how we can verify a token and how authorization happens, we need to take a step back and look into a JWT</a:t>
             </a:r>
+          </a:p>
+          <a:p>
+            <a:pPr marL="171450" indent="-171450">
+              <a:buFont typeface="Arial" panose="020B0604020202020204" pitchFamily="34" charset="0"/>
+              <a:buChar char="•"/>
+            </a:pPr>
+            <a:endParaRPr lang="en-US" sz="1200" b="0" i="0" kern="1200" dirty="0">
+              <a:solidFill>
+                <a:schemeClr val="tx1"/>
+              </a:solidFill>
+              <a:effectLst/>
+              <a:latin typeface="+mn-lt"/>
+              <a:ea typeface="+mn-ea"/>
+              <a:cs typeface="+mn-cs"/>
+            </a:endParaRPr>
+          </a:p>
+          <a:p>
+            <a:pPr marL="171450" indent="-171450" algn="r" rtl="1">
+              <a:buFont typeface="Arial" panose="020B0604020202020204" pitchFamily="34" charset="0"/>
+              <a:buChar char="•"/>
+            </a:pPr>
+            <a:r>
+              <a:rPr lang="he-IL" sz="1200" b="0" i="0" kern="1200" dirty="0">
+                <a:solidFill>
+                  <a:schemeClr val="tx1"/>
+                </a:solidFill>
+                <a:effectLst/>
+                <a:latin typeface="+mn-lt"/>
+                <a:ea typeface="+mn-ea"/>
+                <a:cs typeface="+mn-cs"/>
+              </a:rPr>
+              <a:t>כל המידע הדרוש נמצע אצל </a:t>
+            </a:r>
+            <a:r>
+              <a:rPr lang="he-IL" sz="1200" b="0" i="0" kern="1200" dirty="0" err="1">
+                <a:solidFill>
+                  <a:schemeClr val="tx1"/>
+                </a:solidFill>
+                <a:effectLst/>
+                <a:latin typeface="+mn-lt"/>
+                <a:ea typeface="+mn-ea"/>
+                <a:cs typeface="+mn-cs"/>
+              </a:rPr>
+              <a:t>הקלייאנט</a:t>
+            </a:r>
+            <a:r>
+              <a:rPr lang="he-IL" sz="1200" b="0" i="0" kern="1200" dirty="0">
+                <a:solidFill>
+                  <a:schemeClr val="tx1"/>
+                </a:solidFill>
+                <a:effectLst/>
+                <a:latin typeface="+mn-lt"/>
+                <a:ea typeface="+mn-ea"/>
+                <a:cs typeface="+mn-cs"/>
+              </a:rPr>
+              <a:t>  - להבדיל מהשיטה הקודמת איפה שהשרת ידע </a:t>
+            </a:r>
+            <a:r>
+              <a:rPr lang="he-IL" sz="1200" b="0" i="0" kern="1200" dirty="0" err="1">
+                <a:solidFill>
+                  <a:schemeClr val="tx1"/>
+                </a:solidFill>
+                <a:effectLst/>
+                <a:latin typeface="+mn-lt"/>
+                <a:ea typeface="+mn-ea"/>
+                <a:cs typeface="+mn-cs"/>
+              </a:rPr>
+              <a:t>הכל</a:t>
+            </a:r>
+            <a:r>
+              <a:rPr lang="he-IL" sz="1200" b="0" i="0" kern="1200" dirty="0">
+                <a:solidFill>
+                  <a:schemeClr val="tx1"/>
+                </a:solidFill>
+                <a:effectLst/>
+                <a:latin typeface="+mn-lt"/>
+                <a:ea typeface="+mn-ea"/>
+                <a:cs typeface="+mn-cs"/>
+              </a:rPr>
+              <a:t> – עם </a:t>
+            </a:r>
+            <a:r>
+              <a:rPr lang="en-US" sz="1200" b="0" i="0" kern="1200" dirty="0" err="1">
+                <a:solidFill>
+                  <a:schemeClr val="tx1"/>
+                </a:solidFill>
+                <a:effectLst/>
+                <a:latin typeface="+mn-lt"/>
+                <a:ea typeface="+mn-ea"/>
+                <a:cs typeface="+mn-cs"/>
+              </a:rPr>
+              <a:t>jwt</a:t>
+            </a:r>
+            <a:r>
+              <a:rPr lang="en-US" sz="1200" b="0" i="0" kern="1200" dirty="0">
+                <a:solidFill>
+                  <a:schemeClr val="tx1"/>
+                </a:solidFill>
+                <a:effectLst/>
+                <a:latin typeface="+mn-lt"/>
+                <a:ea typeface="+mn-ea"/>
+                <a:cs typeface="+mn-cs"/>
+              </a:rPr>
+              <a:t> </a:t>
+            </a:r>
+            <a:r>
+              <a:rPr lang="he-IL" sz="1200" b="0" i="0" kern="1200" dirty="0">
+                <a:solidFill>
+                  <a:schemeClr val="tx1"/>
+                </a:solidFill>
+                <a:effectLst/>
+                <a:latin typeface="+mn-lt"/>
+                <a:ea typeface="+mn-ea"/>
+                <a:cs typeface="+mn-cs"/>
+              </a:rPr>
+              <a:t> השרת לא יודע כלום – רק </a:t>
+            </a:r>
+            <a:r>
+              <a:rPr lang="he-IL" sz="1200" b="0" i="0" kern="1200" dirty="0" err="1">
+                <a:solidFill>
+                  <a:schemeClr val="tx1"/>
+                </a:solidFill>
+                <a:effectLst/>
+                <a:latin typeface="+mn-lt"/>
+                <a:ea typeface="+mn-ea"/>
+                <a:cs typeface="+mn-cs"/>
+              </a:rPr>
+              <a:t>הקלייאנט</a:t>
+            </a:r>
+            <a:r>
+              <a:rPr lang="he-IL" sz="1200" b="0" i="0" kern="1200" dirty="0">
+                <a:solidFill>
+                  <a:schemeClr val="tx1"/>
+                </a:solidFill>
+                <a:effectLst/>
+                <a:latin typeface="+mn-lt"/>
+                <a:ea typeface="+mn-ea"/>
+                <a:cs typeface="+mn-cs"/>
+              </a:rPr>
+              <a:t> מחזיק את כל המידע</a:t>
+            </a:r>
             <a:endParaRPr lang="en-IL" dirty="0"/>
           </a:p>
         </p:txBody>
@@ -3673,8 +3841,12 @@
           <a:bodyPr/>
           <a:lstStyle/>
           <a:p>
-            <a:r>
-              <a:rPr lang="en-US" sz="1200" b="1" i="1" kern="1200" dirty="0">
+            <a:pPr marL="171450" indent="-171450">
+              <a:buFont typeface="Arial" panose="020B0604020202020204" pitchFamily="34" charset="0"/>
+              <a:buChar char="•"/>
+            </a:pPr>
+            <a:r>
+              <a:rPr lang="en-US" sz="1200" b="0" i="0" kern="1200" dirty="0">
                 <a:solidFill>
                   <a:schemeClr val="tx1"/>
                 </a:solidFill>
@@ -3683,23 +3855,10 @@
                 <a:ea typeface="+mn-ea"/>
                 <a:cs typeface="+mn-cs"/>
               </a:rPr>
-              <a:t>// TODO translate</a:t>
-            </a:r>
-          </a:p>
-          <a:p>
-            <a:endParaRPr lang="en-US" sz="1200" b="1" i="1" kern="1200" dirty="0">
-              <a:solidFill>
-                <a:schemeClr val="tx1"/>
-              </a:solidFill>
-              <a:effectLst/>
-              <a:latin typeface="+mn-lt"/>
-              <a:ea typeface="+mn-ea"/>
-              <a:cs typeface="+mn-cs"/>
-            </a:endParaRPr>
-          </a:p>
-          <a:p>
-            <a:r>
-              <a:rPr lang="en-US" sz="1200" b="1" i="1" kern="1200" dirty="0">
+              <a:t>There are </a:t>
+            </a:r>
+            <a:r>
+              <a:rPr lang="en-US" sz="1200" b="1" i="0" kern="1200" dirty="0">
                 <a:solidFill>
                   <a:schemeClr val="tx1"/>
                 </a:solidFill>
@@ -3708,10 +3867,10 @@
                 <a:ea typeface="+mn-ea"/>
                 <a:cs typeface="+mn-cs"/>
               </a:rPr>
-              <a:t>Note:</a:t>
-            </a:r>
-            <a:r>
-              <a:rPr lang="en-US" sz="1200" b="0" i="1" kern="1200" dirty="0">
+              <a:t>two types of encryption</a:t>
+            </a:r>
+            <a:r>
+              <a:rPr lang="en-US" sz="1200" b="0" i="0" kern="1200" dirty="0">
                 <a:solidFill>
                   <a:schemeClr val="tx1"/>
                 </a:solidFill>
@@ -3720,13 +3879,10 @@
                 <a:ea typeface="+mn-ea"/>
                 <a:cs typeface="+mn-cs"/>
               </a:rPr>
-              <a:t> In asymmetric encryption, we all know that a public key is used to encrypt a message, whereas a private key is used to decrypt it.</a:t>
-            </a:r>
-            <a:br>
-              <a:rPr lang="en-US" dirty="0"/>
-            </a:br>
-            <a:r>
-              <a:rPr lang="en-US" sz="1200" b="0" i="1" kern="1200" dirty="0">
+              <a:t> in widespread use today: symmetric and asymmetric </a:t>
+            </a:r>
+            <a:r>
+              <a:rPr lang="en-US" sz="1200" b="1" i="0" kern="1200" dirty="0">
                 <a:solidFill>
                   <a:schemeClr val="tx1"/>
                 </a:solidFill>
@@ -3735,16 +3891,10 @@
                 <a:ea typeface="+mn-ea"/>
                 <a:cs typeface="+mn-cs"/>
               </a:rPr>
-              <a:t>In a signing algorithm, this process is completely switched! Here the message (the </a:t>
-            </a:r>
-            <a:r>
-              <a:rPr lang="en-US" i="0" dirty="0">
-                <a:effectLst/>
-              </a:rPr>
-              <a:t>data</a:t>
-            </a:r>
-            <a:r>
-              <a:rPr lang="en-US" sz="1200" b="0" i="1" kern="1200" dirty="0">
+              <a:t>encryption</a:t>
+            </a:r>
+            <a:r>
+              <a:rPr lang="en-US" sz="1200" b="0" i="0" kern="1200" dirty="0">
                 <a:solidFill>
                   <a:schemeClr val="tx1"/>
                 </a:solidFill>
@@ -3753,7 +3903,45 @@
                 <a:ea typeface="+mn-ea"/>
                 <a:cs typeface="+mn-cs"/>
               </a:rPr>
-              <a:t> in the pseudo-code above) is signed using the private key and the public key is used to verify that the signature is valid.</a:t>
+              <a:t>. The name derives from whether or not the same key is used for </a:t>
+            </a:r>
+            <a:r>
+              <a:rPr lang="en-US" sz="1200" b="1" i="0" kern="1200" dirty="0">
+                <a:solidFill>
+                  <a:schemeClr val="tx1"/>
+                </a:solidFill>
+                <a:effectLst/>
+                <a:latin typeface="+mn-lt"/>
+                <a:ea typeface="+mn-ea"/>
+                <a:cs typeface="+mn-cs"/>
+              </a:rPr>
+              <a:t>encryption</a:t>
+            </a:r>
+            <a:r>
+              <a:rPr lang="en-US" sz="1200" b="0" i="0" kern="1200" dirty="0">
+                <a:solidFill>
+                  <a:schemeClr val="tx1"/>
+                </a:solidFill>
+                <a:effectLst/>
+                <a:latin typeface="+mn-lt"/>
+                <a:ea typeface="+mn-ea"/>
+                <a:cs typeface="+mn-cs"/>
+              </a:rPr>
+              <a:t> and decryption.</a:t>
+            </a:r>
+          </a:p>
+          <a:p>
+            <a:pPr marL="171450" indent="-171450">
+              <a:buFont typeface="Arial" panose="020B0604020202020204" pitchFamily="34" charset="0"/>
+              <a:buChar char="•"/>
+            </a:pPr>
+            <a:r>
+              <a:rPr lang="en-US" sz="1400" dirty="0"/>
+              <a:t>Asymmetric actually means that it works on two different keys i.e. Public Key and Private Key. As the </a:t>
+            </a:r>
+            <a:r>
+              <a:rPr lang="en-US" dirty="0"/>
+              <a:t>name describes that the Public Key is given to everyone and the Private key is kept private</a:t>
             </a:r>
             <a:endParaRPr lang="en-IL" dirty="0"/>
           </a:p>
@@ -3776,7 +3964,7 @@
           <a:p>
             <a:fld id="{D2850163-67CE-1445-A832-1977356FC86B}" type="slidenum">
               <a:rPr lang="en-IL" smtClean="0"/>
-              <a:t>22</a:t>
+              <a:t>17</a:t>
             </a:fld>
             <a:endParaRPr lang="en-IL"/>
           </a:p>
@@ -3785,7 +3973,7 @@
     </p:spTree>
     <p:extLst>
       <p:ext uri="{BB962C8B-B14F-4D97-AF65-F5344CB8AC3E}">
-        <p14:creationId xmlns:p14="http://schemas.microsoft.com/office/powerpoint/2010/main" val="2347858746"/>
+        <p14:creationId xmlns:p14="http://schemas.microsoft.com/office/powerpoint/2010/main" val="1354752852"/>
       </p:ext>
     </p:extLst>
   </p:cSld>
@@ -3843,175 +4031,6 @@
               <a:buFont typeface="Arial" panose="020B0604020202020204" pitchFamily="34" charset="0"/>
               <a:buChar char="•"/>
             </a:pPr>
-            <a:r>
-              <a:rPr lang="en-US" sz="1200" b="0" i="0" kern="1200" dirty="0">
-                <a:solidFill>
-                  <a:schemeClr val="tx1"/>
-                </a:solidFill>
-                <a:effectLst/>
-                <a:latin typeface="+mn-lt"/>
-                <a:ea typeface="+mn-ea"/>
-                <a:cs typeface="+mn-cs"/>
-              </a:rPr>
-              <a:t>At the first access, a client needs to contact the </a:t>
-            </a:r>
-            <a:r>
-              <a:rPr lang="en-US" sz="1200" b="0" i="1" kern="1200" dirty="0">
-                <a:solidFill>
-                  <a:schemeClr val="tx1"/>
-                </a:solidFill>
-                <a:effectLst/>
-                <a:latin typeface="+mn-lt"/>
-                <a:ea typeface="+mn-ea"/>
-                <a:cs typeface="+mn-cs"/>
-              </a:rPr>
-              <a:t>authentication server </a:t>
-            </a:r>
-            <a:r>
-              <a:rPr lang="en-US" sz="1200" b="0" i="0" kern="1200" dirty="0">
-                <a:solidFill>
-                  <a:schemeClr val="tx1"/>
-                </a:solidFill>
-                <a:effectLst/>
-                <a:latin typeface="+mn-lt"/>
-                <a:ea typeface="+mn-ea"/>
-                <a:cs typeface="+mn-cs"/>
-              </a:rPr>
-              <a:t>(Amazon Cognito here, but Microsoft, Salesforce or any other provider should be pretty similar), sending username and password to it. If credentials are valid, a JWT token will be returned to the client that will use it to request an API (in this example Amazon API Gateway endpoint).</a:t>
-            </a:r>
-          </a:p>
-          <a:p>
-            <a:pPr marL="171450" indent="-171450">
-              <a:buFont typeface="Arial" panose="020B0604020202020204" pitchFamily="34" charset="0"/>
-              <a:buChar char="•"/>
-            </a:pPr>
-            <a:endParaRPr lang="en-US" sz="1200" b="0" i="0" kern="1200" dirty="0">
-              <a:solidFill>
-                <a:schemeClr val="tx1"/>
-              </a:solidFill>
-              <a:effectLst/>
-              <a:latin typeface="+mn-lt"/>
-              <a:ea typeface="+mn-ea"/>
-              <a:cs typeface="+mn-cs"/>
-            </a:endParaRPr>
-          </a:p>
-          <a:p>
-            <a:pPr marL="171450" indent="-171450">
-              <a:buFont typeface="Arial" panose="020B0604020202020204" pitchFamily="34" charset="0"/>
-              <a:buChar char="•"/>
-            </a:pPr>
-            <a:r>
-              <a:rPr lang="en-US" sz="1200" b="0" i="0" kern="1200" dirty="0">
-                <a:solidFill>
-                  <a:schemeClr val="tx1"/>
-                </a:solidFill>
-                <a:effectLst/>
-                <a:latin typeface="+mn-lt"/>
-                <a:ea typeface="+mn-ea"/>
-                <a:cs typeface="+mn-cs"/>
-              </a:rPr>
-              <a:t>In the above scenario (fig.5), API itself is the only responsible for token validation and it’s able to reject the request if the signature seems forged.</a:t>
-            </a:r>
-          </a:p>
-          <a:p>
-            <a:pPr marL="171450" indent="-171450">
-              <a:buFont typeface="Arial" panose="020B0604020202020204" pitchFamily="34" charset="0"/>
-              <a:buChar char="•"/>
-            </a:pPr>
-            <a:endParaRPr lang="en-US" sz="1200" b="0" i="0" kern="1200" dirty="0">
-              <a:solidFill>
-                <a:schemeClr val="tx1"/>
-              </a:solidFill>
-              <a:effectLst/>
-              <a:latin typeface="+mn-lt"/>
-              <a:ea typeface="+mn-ea"/>
-              <a:cs typeface="+mn-cs"/>
-            </a:endParaRPr>
-          </a:p>
-          <a:p>
-            <a:pPr marL="171450" indent="-171450">
-              <a:buFont typeface="Arial" panose="020B0604020202020204" pitchFamily="34" charset="0"/>
-              <a:buChar char="•"/>
-            </a:pPr>
-            <a:endParaRPr lang="en-US" sz="1200" b="0" i="0" kern="1200" dirty="0">
-              <a:solidFill>
-                <a:schemeClr val="tx1"/>
-              </a:solidFill>
-              <a:effectLst/>
-              <a:latin typeface="+mn-lt"/>
-              <a:ea typeface="+mn-ea"/>
-              <a:cs typeface="+mn-cs"/>
-            </a:endParaRPr>
-          </a:p>
-          <a:p>
-            <a:r>
-              <a:rPr lang="en-US" sz="1200" b="1" i="0" kern="1200" dirty="0">
-                <a:solidFill>
-                  <a:schemeClr val="tx1"/>
-                </a:solidFill>
-                <a:effectLst/>
-                <a:latin typeface="+mn-lt"/>
-                <a:ea typeface="+mn-ea"/>
-                <a:cs typeface="+mn-cs"/>
-              </a:rPr>
-              <a:t>Going further</a:t>
-            </a:r>
-            <a:br>
-              <a:rPr lang="en-US" sz="1200" b="1" i="0" kern="1200" dirty="0">
-                <a:solidFill>
-                  <a:schemeClr val="tx1"/>
-                </a:solidFill>
-                <a:effectLst/>
-                <a:latin typeface="+mn-lt"/>
-                <a:ea typeface="+mn-ea"/>
-                <a:cs typeface="+mn-cs"/>
-              </a:rPr>
-            </a:br>
-            <a:r>
-              <a:rPr lang="en-US" sz="1200" b="0" i="0" kern="1200" dirty="0">
-                <a:solidFill>
-                  <a:schemeClr val="tx1"/>
-                </a:solidFill>
-                <a:effectLst/>
-                <a:latin typeface="+mn-lt"/>
-                <a:ea typeface="+mn-ea"/>
-                <a:cs typeface="+mn-cs"/>
-              </a:rPr>
-              <a:t>Suppose a client wants to invoke a protected API to delete an order (e.g. DELETE /order/42) and this action should be only performed by administrators.</a:t>
-            </a:r>
-          </a:p>
-          <a:p>
-            <a:r>
-              <a:rPr lang="en-US" sz="1200" b="0" i="0" kern="1200" dirty="0">
-                <a:solidFill>
-                  <a:schemeClr val="tx1"/>
-                </a:solidFill>
-                <a:effectLst/>
-                <a:latin typeface="+mn-lt"/>
-                <a:ea typeface="+mn-ea"/>
-                <a:cs typeface="+mn-cs"/>
-              </a:rPr>
-              <a:t>With a JWT in place, this operation is hard as add a custom claim to the payload body (i.e. the admin: true claim of the example above). When invoked, the API will first verify the signature authenticity and afterwards, it’ll check if admin claim is true.</a:t>
-            </a:r>
-          </a:p>
-          <a:p>
-            <a:br>
-              <a:rPr lang="en-US" dirty="0"/>
-            </a:br>
-            <a:endParaRPr lang="en-US" sz="1200" b="0" i="0" kern="1200" dirty="0">
-              <a:solidFill>
-                <a:schemeClr val="tx1"/>
-              </a:solidFill>
-              <a:effectLst/>
-              <a:latin typeface="+mn-lt"/>
-              <a:ea typeface="+mn-ea"/>
-              <a:cs typeface="+mn-cs"/>
-            </a:endParaRPr>
-          </a:p>
-          <a:p>
-            <a:br>
-              <a:rPr lang="en-US" dirty="0"/>
-            </a:br>
             <a:endParaRPr lang="en-IL" dirty="0"/>
           </a:p>
         </p:txBody>
@@ -4033,7 +4052,7 @@
           <a:p>
             <a:fld id="{D2850163-67CE-1445-A832-1977356FC86B}" type="slidenum">
               <a:rPr lang="en-IL" smtClean="0"/>
-              <a:t>23</a:t>
+              <a:t>18</a:t>
             </a:fld>
             <a:endParaRPr lang="en-IL"/>
           </a:p>
@@ -4042,7 +4061,7 @@
     </p:spTree>
     <p:extLst>
       <p:ext uri="{BB962C8B-B14F-4D97-AF65-F5344CB8AC3E}">
-        <p14:creationId xmlns:p14="http://schemas.microsoft.com/office/powerpoint/2010/main" val="2027966840"/>
+        <p14:creationId xmlns:p14="http://schemas.microsoft.com/office/powerpoint/2010/main" val="3939310208"/>
       </p:ext>
     </p:extLst>
   </p:cSld>
@@ -4096,135 +4115,6 @@
           <a:bodyPr/>
           <a:lstStyle/>
           <a:p>
-            <a:r>
-              <a:rPr lang="en-US" sz="1200" b="0" i="0" kern="1200" dirty="0">
-                <a:solidFill>
-                  <a:schemeClr val="tx1"/>
-                </a:solidFill>
-                <a:effectLst/>
-                <a:latin typeface="+mn-lt"/>
-                <a:ea typeface="+mn-ea"/>
-                <a:cs typeface="+mn-cs"/>
-              </a:rPr>
-              <a:t>A JWT is cryptographically signed (but </a:t>
-            </a:r>
-            <a:r>
-              <a:rPr lang="en-US" sz="1200" b="0" i="1" kern="1200" dirty="0">
-                <a:solidFill>
-                  <a:schemeClr val="tx1"/>
-                </a:solidFill>
-                <a:effectLst/>
-                <a:latin typeface="+mn-lt"/>
-                <a:ea typeface="+mn-ea"/>
-                <a:cs typeface="+mn-cs"/>
-              </a:rPr>
-              <a:t>not</a:t>
-            </a:r>
-            <a:r>
-              <a:rPr lang="en-US" sz="1200" b="0" i="0" kern="1200" dirty="0">
-                <a:solidFill>
-                  <a:schemeClr val="tx1"/>
-                </a:solidFill>
-                <a:effectLst/>
-                <a:latin typeface="+mn-lt"/>
-                <a:ea typeface="+mn-ea"/>
-                <a:cs typeface="+mn-cs"/>
-              </a:rPr>
-              <a:t> encrypted, hence using HTTPS is mandatory when storing user data in the JWT), so there is a guarantee we can trust it when we receive it, as no middleman can intercept and modify it, or the data it holds, without invalidating it.</a:t>
-            </a:r>
-          </a:p>
-          <a:p>
-            <a:endParaRPr lang="en-US" sz="1200" b="0" i="0" kern="1200" dirty="0">
-              <a:solidFill>
-                <a:schemeClr val="tx1"/>
-              </a:solidFill>
-              <a:effectLst/>
-              <a:latin typeface="+mn-lt"/>
-              <a:ea typeface="+mn-ea"/>
-              <a:cs typeface="+mn-cs"/>
-            </a:endParaRPr>
-          </a:p>
-          <a:p>
-            <a:endParaRPr lang="en-US" sz="1200" b="0" i="0" kern="1200" dirty="0">
-              <a:solidFill>
-                <a:schemeClr val="tx1"/>
-              </a:solidFill>
-              <a:effectLst/>
-              <a:latin typeface="+mn-lt"/>
-              <a:ea typeface="+mn-ea"/>
-              <a:cs typeface="+mn-cs"/>
-            </a:endParaRPr>
-          </a:p>
-          <a:p>
-            <a:r>
-              <a:rPr lang="en-US" sz="1200" b="0" i="0" kern="1200" dirty="0">
-                <a:solidFill>
-                  <a:schemeClr val="tx1"/>
-                </a:solidFill>
-                <a:effectLst/>
-                <a:latin typeface="+mn-lt"/>
-                <a:ea typeface="+mn-ea"/>
-                <a:cs typeface="+mn-cs"/>
-              </a:rPr>
-              <a:t>The secret key must be saved on server, and if I want to use the same </a:t>
-            </a:r>
-            <a:r>
-              <a:rPr lang="en-US" sz="1200" b="0" i="0" kern="1200" dirty="0" err="1">
-                <a:solidFill>
-                  <a:schemeClr val="tx1"/>
-                </a:solidFill>
-                <a:effectLst/>
-                <a:latin typeface="+mn-lt"/>
-                <a:ea typeface="+mn-ea"/>
-                <a:cs typeface="+mn-cs"/>
-              </a:rPr>
-              <a:t>jwt</a:t>
-            </a:r>
-            <a:r>
-              <a:rPr lang="en-US" sz="1200" b="0" i="0" kern="1200" dirty="0">
-                <a:solidFill>
-                  <a:schemeClr val="tx1"/>
-                </a:solidFill>
-                <a:effectLst/>
-                <a:latin typeface="+mn-lt"/>
-                <a:ea typeface="+mn-ea"/>
-                <a:cs typeface="+mn-cs"/>
-              </a:rPr>
-              <a:t> to access two different servers, both servers should share the same private key between them</a:t>
-            </a:r>
-            <a:endParaRPr lang="en-US" sz="1200" b="0" i="1" kern="1200" dirty="0">
-              <a:solidFill>
-                <a:schemeClr val="tx1"/>
-              </a:solidFill>
-              <a:effectLst/>
-              <a:latin typeface="+mn-lt"/>
-              <a:ea typeface="+mn-ea"/>
-              <a:cs typeface="+mn-cs"/>
-            </a:endParaRPr>
-          </a:p>
-          <a:p>
-            <a:endParaRPr lang="en-US" sz="1200" b="0" i="1" kern="1200" dirty="0">
-              <a:solidFill>
-                <a:schemeClr val="tx1"/>
-              </a:solidFill>
-              <a:effectLst/>
-              <a:latin typeface="+mn-lt"/>
-              <a:ea typeface="+mn-ea"/>
-              <a:cs typeface="+mn-cs"/>
-            </a:endParaRPr>
-          </a:p>
-          <a:p>
-            <a:endParaRPr lang="en-US" sz="1200" b="0" i="1" kern="1200" dirty="0">
-              <a:solidFill>
-                <a:schemeClr val="tx1"/>
-              </a:solidFill>
-              <a:effectLst/>
-              <a:latin typeface="+mn-lt"/>
-              <a:ea typeface="+mn-ea"/>
-              <a:cs typeface="+mn-cs"/>
-            </a:endParaRPr>
-          </a:p>
-          <a:p>
             <a:endParaRPr lang="en-IL" dirty="0"/>
           </a:p>
         </p:txBody>
@@ -4246,7 +4136,7 @@
           <a:p>
             <a:fld id="{D2850163-67CE-1445-A832-1977356FC86B}" type="slidenum">
               <a:rPr lang="en-IL" smtClean="0"/>
-              <a:t>24</a:t>
+              <a:t>22</a:t>
             </a:fld>
             <a:endParaRPr lang="en-IL"/>
           </a:p>
@@ -4255,7 +4145,7 @@
     </p:spTree>
     <p:extLst>
       <p:ext uri="{BB962C8B-B14F-4D97-AF65-F5344CB8AC3E}">
-        <p14:creationId xmlns:p14="http://schemas.microsoft.com/office/powerpoint/2010/main" val="3943535028"/>
+        <p14:creationId xmlns:p14="http://schemas.microsoft.com/office/powerpoint/2010/main" val="1812222965"/>
       </p:ext>
     </p:extLst>
   </p:cSld>
@@ -4310,29 +4200,260 @@
           <a:lstStyle/>
           <a:p>
             <a:r>
+              <a:rPr lang="en-US" sz="1200" b="1" i="1" kern="1200" dirty="0">
+                <a:solidFill>
+                  <a:schemeClr val="tx1"/>
+                </a:solidFill>
+                <a:effectLst/>
+                <a:latin typeface="+mn-lt"/>
+                <a:ea typeface="+mn-ea"/>
+                <a:cs typeface="+mn-cs"/>
+              </a:rPr>
+              <a:t>// TODO translate</a:t>
+            </a:r>
+          </a:p>
+          <a:p>
+            <a:endParaRPr lang="en-US" sz="1200" b="1" i="1" kern="1200" dirty="0">
+              <a:solidFill>
+                <a:schemeClr val="tx1"/>
+              </a:solidFill>
+              <a:effectLst/>
+              <a:latin typeface="+mn-lt"/>
+              <a:ea typeface="+mn-ea"/>
+              <a:cs typeface="+mn-cs"/>
+            </a:endParaRPr>
+          </a:p>
+          <a:p>
+            <a:br>
               <a:rPr lang="en-US" dirty="0"/>
-              <a:t>https://</a:t>
-            </a:r>
-            <a:r>
-              <a:rPr lang="en-US" dirty="0" err="1"/>
-              <a:t>www.youtube.com</a:t>
-            </a:r>
-            <a:r>
-              <a:rPr lang="en-US" dirty="0"/>
-              <a:t>/</a:t>
-            </a:r>
-            <a:r>
-              <a:rPr lang="en-US" dirty="0" err="1"/>
-              <a:t>watch?v</a:t>
-            </a:r>
-            <a:r>
-              <a:rPr lang="en-US" dirty="0"/>
-              <a:t>=7Q17ubqLfaM&amp;ab_channel=</a:t>
-            </a:r>
-            <a:r>
-              <a:rPr lang="en-US" dirty="0" err="1"/>
-              <a:t>WebDevSimplified</a:t>
-            </a:r>
+            </a:br>
+            <a:r>
+              <a:rPr lang="en-US" sz="1200" b="0" i="1" kern="1200" dirty="0">
+                <a:solidFill>
+                  <a:schemeClr val="tx1"/>
+                </a:solidFill>
+                <a:effectLst/>
+                <a:latin typeface="+mn-lt"/>
+                <a:ea typeface="+mn-ea"/>
+                <a:cs typeface="+mn-cs"/>
+              </a:rPr>
+              <a:t>In a signing algorithm, this process is completely switched! Here the message (the </a:t>
+            </a:r>
+            <a:r>
+              <a:rPr lang="en-US" i="0" dirty="0">
+                <a:effectLst/>
+              </a:rPr>
+              <a:t>data</a:t>
+            </a:r>
+            <a:r>
+              <a:rPr lang="en-US" sz="1200" b="0" i="1" kern="1200" dirty="0">
+                <a:solidFill>
+                  <a:schemeClr val="tx1"/>
+                </a:solidFill>
+                <a:effectLst/>
+                <a:latin typeface="+mn-lt"/>
+                <a:ea typeface="+mn-ea"/>
+                <a:cs typeface="+mn-cs"/>
+              </a:rPr>
+              <a:t> in the pseudo-code above) is signed using the private key and the public key is used to verify that the signature is valid.</a:t>
+            </a:r>
+          </a:p>
+          <a:p>
+            <a:endParaRPr lang="en-US" sz="1200" b="0" i="1" kern="1200" dirty="0">
+              <a:solidFill>
+                <a:schemeClr val="tx1"/>
+              </a:solidFill>
+              <a:effectLst/>
+              <a:latin typeface="+mn-lt"/>
+              <a:ea typeface="+mn-ea"/>
+              <a:cs typeface="+mn-cs"/>
+            </a:endParaRPr>
+          </a:p>
+          <a:p>
+            <a:pPr marL="0" marR="0" lvl="0" indent="0" algn="l" defTabSz="914400" rtl="0" eaLnBrk="1" fontAlgn="auto" latinLnBrk="0" hangingPunct="1">
+              <a:lnSpc>
+                <a:spcPct val="100000"/>
+              </a:lnSpc>
+              <a:spcBef>
+                <a:spcPts val="0"/>
+              </a:spcBef>
+              <a:spcAft>
+                <a:spcPts val="0"/>
+              </a:spcAft>
+              <a:buClrTx/>
+              <a:buSzTx/>
+              <a:buFontTx/>
+              <a:buNone/>
+              <a:tabLst/>
+              <a:defRPr/>
+            </a:pPr>
+            <a:r>
+              <a:rPr lang="en-US" sz="1200" b="0" i="0" kern="1200" dirty="0">
+                <a:solidFill>
+                  <a:schemeClr val="tx1"/>
+                </a:solidFill>
+                <a:effectLst/>
+                <a:latin typeface="+mn-lt"/>
+                <a:ea typeface="+mn-ea"/>
+                <a:cs typeface="+mn-cs"/>
+              </a:rPr>
+              <a:t>An asymmetric signature uses a public/private key pair. Such a key pair possesses a unique property. </a:t>
+            </a:r>
+          </a:p>
+          <a:p>
+            <a:pPr marL="0" marR="0" lvl="0" indent="0" algn="l" defTabSz="914400" rtl="0" eaLnBrk="1" fontAlgn="auto" latinLnBrk="0" hangingPunct="1">
+              <a:lnSpc>
+                <a:spcPct val="100000"/>
+              </a:lnSpc>
+              <a:spcBef>
+                <a:spcPts val="0"/>
+              </a:spcBef>
+              <a:spcAft>
+                <a:spcPts val="0"/>
+              </a:spcAft>
+              <a:buClrTx/>
+              <a:buSzTx/>
+              <a:buFontTx/>
+              <a:buNone/>
+              <a:tabLst/>
+              <a:defRPr/>
+            </a:pPr>
+            <a:r>
+              <a:rPr lang="en-US" sz="1200" b="0" i="0" kern="1200" dirty="0">
+                <a:solidFill>
+                  <a:schemeClr val="tx1"/>
+                </a:solidFill>
+                <a:effectLst/>
+                <a:latin typeface="+mn-lt"/>
+                <a:ea typeface="+mn-ea"/>
+                <a:cs typeface="+mn-cs"/>
+              </a:rPr>
+              <a:t>A signature generated with a private key can be verified with the public key. </a:t>
+            </a:r>
+          </a:p>
+          <a:p>
+            <a:pPr marL="0" marR="0" lvl="0" indent="0" algn="l" defTabSz="914400" rtl="0" eaLnBrk="1" fontAlgn="auto" latinLnBrk="0" hangingPunct="1">
+              <a:lnSpc>
+                <a:spcPct val="100000"/>
+              </a:lnSpc>
+              <a:spcBef>
+                <a:spcPts val="0"/>
+              </a:spcBef>
+              <a:spcAft>
+                <a:spcPts val="0"/>
+              </a:spcAft>
+              <a:buClrTx/>
+              <a:buSzTx/>
+              <a:buFontTx/>
+              <a:buNone/>
+              <a:tabLst/>
+              <a:defRPr/>
+            </a:pPr>
+            <a:r>
+              <a:rPr lang="en-US" sz="1200" b="0" i="0" kern="1200" dirty="0">
+                <a:solidFill>
+                  <a:schemeClr val="tx1"/>
+                </a:solidFill>
+                <a:effectLst/>
+                <a:latin typeface="+mn-lt"/>
+                <a:ea typeface="+mn-ea"/>
+                <a:cs typeface="+mn-cs"/>
+              </a:rPr>
+              <a:t>And just as the name implies, the public key can be shared with other services.</a:t>
+            </a:r>
+          </a:p>
+          <a:p>
+            <a:pPr marL="0" marR="0" lvl="0" indent="0" algn="l" defTabSz="914400" rtl="0" eaLnBrk="1" fontAlgn="auto" latinLnBrk="0" hangingPunct="1">
+              <a:lnSpc>
+                <a:spcPct val="100000"/>
+              </a:lnSpc>
+              <a:spcBef>
+                <a:spcPts val="0"/>
+              </a:spcBef>
+              <a:spcAft>
+                <a:spcPts val="0"/>
+              </a:spcAft>
+              <a:buClrTx/>
+              <a:buSzTx/>
+              <a:buFontTx/>
+              <a:buNone/>
+              <a:tabLst/>
+              <a:defRPr/>
+            </a:pPr>
+            <a:endParaRPr lang="en-US" sz="1200" b="0" i="0" kern="1200" dirty="0">
+              <a:solidFill>
+                <a:schemeClr val="tx1"/>
+              </a:solidFill>
+              <a:effectLst/>
+              <a:latin typeface="+mn-lt"/>
+              <a:ea typeface="+mn-ea"/>
+              <a:cs typeface="+mn-cs"/>
+            </a:endParaRPr>
+          </a:p>
+          <a:p>
+            <a:pPr marL="0" marR="0" lvl="0" indent="0" algn="l" defTabSz="914400" rtl="0" eaLnBrk="1" fontAlgn="auto" latinLnBrk="0" hangingPunct="1">
+              <a:lnSpc>
+                <a:spcPct val="100000"/>
+              </a:lnSpc>
+              <a:spcBef>
+                <a:spcPts val="0"/>
+              </a:spcBef>
+              <a:spcAft>
+                <a:spcPts val="0"/>
+              </a:spcAft>
+              <a:buClrTx/>
+              <a:buSzTx/>
+              <a:buFontTx/>
+              <a:buNone/>
+              <a:tabLst/>
+              <a:defRPr/>
+            </a:pPr>
+            <a:r>
+              <a:rPr lang="en-US" sz="1200" b="0" i="0" kern="1200" dirty="0">
+                <a:solidFill>
+                  <a:schemeClr val="tx1"/>
+                </a:solidFill>
+                <a:effectLst/>
+                <a:latin typeface="+mn-lt"/>
+                <a:ea typeface="+mn-ea"/>
+                <a:cs typeface="+mn-cs"/>
+              </a:rPr>
+              <a:t>As you can see, the issuer of the token only uses the private key. This implies that the private key can be kept in a confidential location, only known to the issuer of the JWT tokens. The public key can be widely distributed, so every consumer of the token can verify its integrity. </a:t>
+            </a:r>
+          </a:p>
+          <a:p>
+            <a:pPr marL="0" marR="0" lvl="0" indent="0" algn="l" defTabSz="914400" rtl="0" eaLnBrk="1" fontAlgn="auto" latinLnBrk="0" hangingPunct="1">
+              <a:lnSpc>
+                <a:spcPct val="100000"/>
+              </a:lnSpc>
+              <a:spcBef>
+                <a:spcPts val="0"/>
+              </a:spcBef>
+              <a:spcAft>
+                <a:spcPts val="0"/>
+              </a:spcAft>
+              <a:buClrTx/>
+              <a:buSzTx/>
+              <a:buFontTx/>
+              <a:buNone/>
+              <a:tabLst/>
+              <a:defRPr/>
+            </a:pPr>
+            <a:r>
+              <a:rPr lang="en-US" sz="1200" b="0" i="0" kern="1200" dirty="0">
+                <a:solidFill>
+                  <a:schemeClr val="tx1"/>
+                </a:solidFill>
+                <a:effectLst/>
+                <a:latin typeface="+mn-lt"/>
+                <a:ea typeface="+mn-ea"/>
+                <a:cs typeface="+mn-cs"/>
+              </a:rPr>
+              <a:t>The algorithms that generate such a signature are indicated with the "RS" prefix, as stated in the sample token shown earlier</a:t>
+            </a:r>
+            <a:endParaRPr lang="en-IL" dirty="0"/>
+          </a:p>
+          <a:p>
             <a:endParaRPr lang="en-IL" dirty="0"/>
           </a:p>
         </p:txBody>
@@ -4354,7 +4475,7 @@
           <a:p>
             <a:fld id="{D2850163-67CE-1445-A832-1977356FC86B}" type="slidenum">
               <a:rPr lang="en-IL" smtClean="0"/>
-              <a:t>25</a:t>
+              <a:t>23</a:t>
             </a:fld>
             <a:endParaRPr lang="en-IL"/>
           </a:p>
@@ -4363,7 +4484,7 @@
     </p:spTree>
     <p:extLst>
       <p:ext uri="{BB962C8B-B14F-4D97-AF65-F5344CB8AC3E}">
-        <p14:creationId xmlns:p14="http://schemas.microsoft.com/office/powerpoint/2010/main" val="2561722854"/>
+        <p14:creationId xmlns:p14="http://schemas.microsoft.com/office/powerpoint/2010/main" val="2347858746"/>
       </p:ext>
     </p:extLst>
   </p:cSld>
@@ -4417,6 +4538,179 @@
           <a:bodyPr/>
           <a:lstStyle/>
           <a:p>
+            <a:pPr marL="171450" indent="-171450">
+              <a:buFont typeface="Arial" panose="020B0604020202020204" pitchFamily="34" charset="0"/>
+              <a:buChar char="•"/>
+            </a:pPr>
+            <a:r>
+              <a:rPr lang="en-US" sz="1200" b="0" i="0" kern="1200" dirty="0">
+                <a:solidFill>
+                  <a:schemeClr val="tx1"/>
+                </a:solidFill>
+                <a:effectLst/>
+                <a:latin typeface="+mn-lt"/>
+                <a:ea typeface="+mn-ea"/>
+                <a:cs typeface="+mn-cs"/>
+              </a:rPr>
+              <a:t>At the first access, a client needs to contact the </a:t>
+            </a:r>
+            <a:r>
+              <a:rPr lang="en-US" sz="1200" b="0" i="1" kern="1200" dirty="0">
+                <a:solidFill>
+                  <a:schemeClr val="tx1"/>
+                </a:solidFill>
+                <a:effectLst/>
+                <a:latin typeface="+mn-lt"/>
+                <a:ea typeface="+mn-ea"/>
+                <a:cs typeface="+mn-cs"/>
+              </a:rPr>
+              <a:t>authentication server </a:t>
+            </a:r>
+            <a:r>
+              <a:rPr lang="en-US" sz="1200" b="0" i="0" kern="1200" dirty="0">
+                <a:solidFill>
+                  <a:schemeClr val="tx1"/>
+                </a:solidFill>
+                <a:effectLst/>
+                <a:latin typeface="+mn-lt"/>
+                <a:ea typeface="+mn-ea"/>
+                <a:cs typeface="+mn-cs"/>
+              </a:rPr>
+              <a:t>(Amazon Cognito here, but Microsoft, Salesforce or any other provider should be pretty similar), sending username and password to it. If credentials are valid, a JWT token will be returned to the client that will use it to request an API (in this example Amazon API Gateway endpoint).</a:t>
+            </a:r>
+          </a:p>
+          <a:p>
+            <a:pPr marL="171450" indent="-171450">
+              <a:buFont typeface="Arial" panose="020B0604020202020204" pitchFamily="34" charset="0"/>
+              <a:buChar char="•"/>
+            </a:pPr>
+            <a:endParaRPr lang="en-US" sz="1200" b="0" i="0" kern="1200" dirty="0">
+              <a:solidFill>
+                <a:schemeClr val="tx1"/>
+              </a:solidFill>
+              <a:effectLst/>
+              <a:latin typeface="+mn-lt"/>
+              <a:ea typeface="+mn-ea"/>
+              <a:cs typeface="+mn-cs"/>
+            </a:endParaRPr>
+          </a:p>
+          <a:p>
+            <a:pPr marL="171450" indent="-171450">
+              <a:buFont typeface="Arial" panose="020B0604020202020204" pitchFamily="34" charset="0"/>
+              <a:buChar char="•"/>
+            </a:pPr>
+            <a:r>
+              <a:rPr lang="en-US" sz="1200" b="0" i="0" kern="1200" dirty="0">
+                <a:solidFill>
+                  <a:schemeClr val="tx1"/>
+                </a:solidFill>
+                <a:effectLst/>
+                <a:latin typeface="+mn-lt"/>
+                <a:ea typeface="+mn-ea"/>
+                <a:cs typeface="+mn-cs"/>
+              </a:rPr>
+              <a:t>In the above scenario (fig.5), API itself is the only responsible for token validation and it’s able to reject the request if the signature seems forged.</a:t>
+            </a:r>
+          </a:p>
+          <a:p>
+            <a:pPr marL="171450" indent="-171450">
+              <a:buFont typeface="Arial" panose="020B0604020202020204" pitchFamily="34" charset="0"/>
+              <a:buChar char="•"/>
+            </a:pPr>
+            <a:endParaRPr lang="en-US" sz="1200" b="0" i="0" kern="1200" dirty="0">
+              <a:solidFill>
+                <a:schemeClr val="tx1"/>
+              </a:solidFill>
+              <a:effectLst/>
+              <a:latin typeface="+mn-lt"/>
+              <a:ea typeface="+mn-ea"/>
+              <a:cs typeface="+mn-cs"/>
+            </a:endParaRPr>
+          </a:p>
+          <a:p>
+            <a:pPr marL="171450" indent="-171450">
+              <a:buFont typeface="Arial" panose="020B0604020202020204" pitchFamily="34" charset="0"/>
+              <a:buChar char="•"/>
+            </a:pPr>
+            <a:endParaRPr lang="en-US" sz="1200" b="0" i="0" kern="1200" dirty="0">
+              <a:solidFill>
+                <a:schemeClr val="tx1"/>
+              </a:solidFill>
+              <a:effectLst/>
+              <a:latin typeface="+mn-lt"/>
+              <a:ea typeface="+mn-ea"/>
+              <a:cs typeface="+mn-cs"/>
+            </a:endParaRPr>
+          </a:p>
+          <a:p>
+            <a:r>
+              <a:rPr lang="en-US" sz="1200" b="1" i="0" kern="1200" dirty="0">
+                <a:solidFill>
+                  <a:schemeClr val="tx1"/>
+                </a:solidFill>
+                <a:effectLst/>
+                <a:latin typeface="+mn-lt"/>
+                <a:ea typeface="+mn-ea"/>
+                <a:cs typeface="+mn-cs"/>
+              </a:rPr>
+              <a:t>Going further</a:t>
+            </a:r>
+            <a:br>
+              <a:rPr lang="en-US" sz="1200" b="1" i="0" kern="1200" dirty="0">
+                <a:solidFill>
+                  <a:schemeClr val="tx1"/>
+                </a:solidFill>
+                <a:effectLst/>
+                <a:latin typeface="+mn-lt"/>
+                <a:ea typeface="+mn-ea"/>
+                <a:cs typeface="+mn-cs"/>
+              </a:rPr>
+            </a:br>
+            <a:r>
+              <a:rPr lang="en-US" sz="1200" b="0" i="0" kern="1200" dirty="0">
+                <a:solidFill>
+                  <a:schemeClr val="tx1"/>
+                </a:solidFill>
+                <a:effectLst/>
+                <a:latin typeface="+mn-lt"/>
+                <a:ea typeface="+mn-ea"/>
+                <a:cs typeface="+mn-cs"/>
+              </a:rPr>
+              <a:t>Suppose a client wants to invoke a protected API to delete an order (e.g. DELETE /order/42) and this action should be only performed by administrators.</a:t>
+            </a:r>
+          </a:p>
+          <a:p>
+            <a:r>
+              <a:rPr lang="en-US" sz="1200" b="0" i="0" kern="1200" dirty="0">
+                <a:solidFill>
+                  <a:schemeClr val="tx1"/>
+                </a:solidFill>
+                <a:effectLst/>
+                <a:latin typeface="+mn-lt"/>
+                <a:ea typeface="+mn-ea"/>
+                <a:cs typeface="+mn-cs"/>
+              </a:rPr>
+              <a:t>With a JWT in place, this operation is hard as add a custom claim to the payload body (i.e. the admin: true claim of the example above). When invoked, the API will first verify the signature authenticity and afterwards, it’ll check if admin claim is true.</a:t>
+            </a:r>
+          </a:p>
+          <a:p>
+            <a:br>
+              <a:rPr lang="en-US" dirty="0"/>
+            </a:br>
+            <a:endParaRPr lang="en-US" sz="1200" b="0" i="0" kern="1200" dirty="0">
+              <a:solidFill>
+                <a:schemeClr val="tx1"/>
+              </a:solidFill>
+              <a:effectLst/>
+              <a:latin typeface="+mn-lt"/>
+              <a:ea typeface="+mn-ea"/>
+              <a:cs typeface="+mn-cs"/>
+            </a:endParaRPr>
+          </a:p>
+          <a:p>
+            <a:br>
+              <a:rPr lang="en-US" dirty="0"/>
+            </a:br>
             <a:endParaRPr lang="en-IL" dirty="0"/>
           </a:p>
         </p:txBody>
@@ -4438,7 +4732,7 @@
           <a:p>
             <a:fld id="{D2850163-67CE-1445-A832-1977356FC86B}" type="slidenum">
               <a:rPr lang="en-IL" smtClean="0"/>
-              <a:t>26</a:t>
+              <a:t>24</a:t>
             </a:fld>
             <a:endParaRPr lang="en-IL"/>
           </a:p>
@@ -4447,7 +4741,7 @@
     </p:spTree>
     <p:extLst>
       <p:ext uri="{BB962C8B-B14F-4D97-AF65-F5344CB8AC3E}">
-        <p14:creationId xmlns:p14="http://schemas.microsoft.com/office/powerpoint/2010/main" val="868668785"/>
+        <p14:creationId xmlns:p14="http://schemas.microsoft.com/office/powerpoint/2010/main" val="2027966840"/>
       </p:ext>
     </p:extLst>
   </p:cSld>
@@ -4501,7 +4795,135 @@
           <a:bodyPr/>
           <a:lstStyle/>
           <a:p>
-            <a:pPr algn="r" rtl="1"/>
+            <a:r>
+              <a:rPr lang="en-US" sz="1200" b="0" i="0" kern="1200" dirty="0">
+                <a:solidFill>
+                  <a:schemeClr val="tx1"/>
+                </a:solidFill>
+                <a:effectLst/>
+                <a:latin typeface="+mn-lt"/>
+                <a:ea typeface="+mn-ea"/>
+                <a:cs typeface="+mn-cs"/>
+              </a:rPr>
+              <a:t>A JWT is cryptographically signed (but </a:t>
+            </a:r>
+            <a:r>
+              <a:rPr lang="en-US" sz="1200" b="0" i="1" kern="1200" dirty="0">
+                <a:solidFill>
+                  <a:schemeClr val="tx1"/>
+                </a:solidFill>
+                <a:effectLst/>
+                <a:latin typeface="+mn-lt"/>
+                <a:ea typeface="+mn-ea"/>
+                <a:cs typeface="+mn-cs"/>
+              </a:rPr>
+              <a:t>not</a:t>
+            </a:r>
+            <a:r>
+              <a:rPr lang="en-US" sz="1200" b="0" i="0" kern="1200" dirty="0">
+                <a:solidFill>
+                  <a:schemeClr val="tx1"/>
+                </a:solidFill>
+                <a:effectLst/>
+                <a:latin typeface="+mn-lt"/>
+                <a:ea typeface="+mn-ea"/>
+                <a:cs typeface="+mn-cs"/>
+              </a:rPr>
+              <a:t> encrypted, hence using HTTPS is mandatory when storing user data in the JWT), so there is a guarantee we can trust it when we receive it, as no middleman can intercept and modify it, or the data it holds, without invalidating it.</a:t>
+            </a:r>
+          </a:p>
+          <a:p>
+            <a:endParaRPr lang="en-US" sz="1200" b="0" i="0" kern="1200" dirty="0">
+              <a:solidFill>
+                <a:schemeClr val="tx1"/>
+              </a:solidFill>
+              <a:effectLst/>
+              <a:latin typeface="+mn-lt"/>
+              <a:ea typeface="+mn-ea"/>
+              <a:cs typeface="+mn-cs"/>
+            </a:endParaRPr>
+          </a:p>
+          <a:p>
+            <a:endParaRPr lang="en-US" sz="1200" b="0" i="0" kern="1200" dirty="0">
+              <a:solidFill>
+                <a:schemeClr val="tx1"/>
+              </a:solidFill>
+              <a:effectLst/>
+              <a:latin typeface="+mn-lt"/>
+              <a:ea typeface="+mn-ea"/>
+              <a:cs typeface="+mn-cs"/>
+            </a:endParaRPr>
+          </a:p>
+          <a:p>
+            <a:r>
+              <a:rPr lang="en-US" sz="1200" b="0" i="0" kern="1200" dirty="0">
+                <a:solidFill>
+                  <a:schemeClr val="tx1"/>
+                </a:solidFill>
+                <a:effectLst/>
+                <a:latin typeface="+mn-lt"/>
+                <a:ea typeface="+mn-ea"/>
+                <a:cs typeface="+mn-cs"/>
+              </a:rPr>
+              <a:t>The secret key must be saved on server, and if I want to use the same </a:t>
+            </a:r>
+            <a:r>
+              <a:rPr lang="en-US" sz="1200" b="0" i="0" kern="1200" dirty="0" err="1">
+                <a:solidFill>
+                  <a:schemeClr val="tx1"/>
+                </a:solidFill>
+                <a:effectLst/>
+                <a:latin typeface="+mn-lt"/>
+                <a:ea typeface="+mn-ea"/>
+                <a:cs typeface="+mn-cs"/>
+              </a:rPr>
+              <a:t>jwt</a:t>
+            </a:r>
+            <a:r>
+              <a:rPr lang="en-US" sz="1200" b="0" i="0" kern="1200" dirty="0">
+                <a:solidFill>
+                  <a:schemeClr val="tx1"/>
+                </a:solidFill>
+                <a:effectLst/>
+                <a:latin typeface="+mn-lt"/>
+                <a:ea typeface="+mn-ea"/>
+                <a:cs typeface="+mn-cs"/>
+              </a:rPr>
+              <a:t> to access two different servers, both servers should share the same private key between them</a:t>
+            </a:r>
+            <a:endParaRPr lang="en-US" sz="1200" b="0" i="1" kern="1200" dirty="0">
+              <a:solidFill>
+                <a:schemeClr val="tx1"/>
+              </a:solidFill>
+              <a:effectLst/>
+              <a:latin typeface="+mn-lt"/>
+              <a:ea typeface="+mn-ea"/>
+              <a:cs typeface="+mn-cs"/>
+            </a:endParaRPr>
+          </a:p>
+          <a:p>
+            <a:endParaRPr lang="en-US" sz="1200" b="0" i="1" kern="1200" dirty="0">
+              <a:solidFill>
+                <a:schemeClr val="tx1"/>
+              </a:solidFill>
+              <a:effectLst/>
+              <a:latin typeface="+mn-lt"/>
+              <a:ea typeface="+mn-ea"/>
+              <a:cs typeface="+mn-cs"/>
+            </a:endParaRPr>
+          </a:p>
+          <a:p>
+            <a:endParaRPr lang="en-US" sz="1200" b="0" i="1" kern="1200" dirty="0">
+              <a:solidFill>
+                <a:schemeClr val="tx1"/>
+              </a:solidFill>
+              <a:effectLst/>
+              <a:latin typeface="+mn-lt"/>
+              <a:ea typeface="+mn-ea"/>
+              <a:cs typeface="+mn-cs"/>
+            </a:endParaRPr>
+          </a:p>
+          <a:p>
             <a:endParaRPr lang="en-IL" dirty="0"/>
           </a:p>
         </p:txBody>
@@ -4523,7 +4945,7 @@
           <a:p>
             <a:fld id="{D2850163-67CE-1445-A832-1977356FC86B}" type="slidenum">
               <a:rPr lang="en-IL" smtClean="0"/>
-              <a:t>27</a:t>
+              <a:t>25</a:t>
             </a:fld>
             <a:endParaRPr lang="en-IL"/>
           </a:p>
@@ -4532,7 +4954,115 @@
     </p:spTree>
     <p:extLst>
       <p:ext uri="{BB962C8B-B14F-4D97-AF65-F5344CB8AC3E}">
-        <p14:creationId xmlns:p14="http://schemas.microsoft.com/office/powerpoint/2010/main" val="3860110948"/>
+        <p14:creationId xmlns:p14="http://schemas.microsoft.com/office/powerpoint/2010/main" val="3943535028"/>
+      </p:ext>
+    </p:extLst>
+  </p:cSld>
+  <p:clrMapOvr>
+    <a:masterClrMapping/>
+  </p:clrMapOvr>
+</p:notes>
+</file>
+
+<file path=ppt/notesSlides/notesSlide19.xml><?xml version="1.0" encoding="utf-8"?>
+<p:notes xmlns:a="http://schemas.openxmlformats.org/drawingml/2006/main" xmlns:r="http://schemas.openxmlformats.org/officeDocument/2006/relationships" xmlns:p="http://schemas.openxmlformats.org/presentationml/2006/main">
+  <p:cSld>
+    <p:spTree>
+      <p:nvGrpSpPr>
+        <p:cNvPr id="1" name=""/>
+        <p:cNvGrpSpPr/>
+        <p:nvPr/>
+      </p:nvGrpSpPr>
+      <p:grpSpPr>
+        <a:xfrm>
+          <a:off x="0" y="0"/>
+          <a:ext cx="0" cy="0"/>
+          <a:chOff x="0" y="0"/>
+          <a:chExt cx="0" cy="0"/>
+        </a:xfrm>
+      </p:grpSpPr>
+      <p:sp>
+        <p:nvSpPr>
+          <p:cNvPr id="2" name="Slide Image Placeholder 1"/>
+          <p:cNvSpPr>
+            <a:spLocks noGrp="1" noRot="1" noChangeAspect="1"/>
+          </p:cNvSpPr>
+          <p:nvPr>
+            <p:ph type="sldImg"/>
+          </p:nvPr>
+        </p:nvSpPr>
+        <p:spPr/>
+      </p:sp>
+      <p:sp>
+        <p:nvSpPr>
+          <p:cNvPr id="3" name="Notes Placeholder 2"/>
+          <p:cNvSpPr>
+            <a:spLocks noGrp="1"/>
+          </p:cNvSpPr>
+          <p:nvPr>
+            <p:ph type="body" idx="1"/>
+          </p:nvPr>
+        </p:nvSpPr>
+        <p:spPr/>
+        <p:txBody>
+          <a:bodyPr/>
+          <a:lstStyle/>
+          <a:p>
+            <a:r>
+              <a:rPr lang="en-US" dirty="0"/>
+              <a:t>https://</a:t>
+            </a:r>
+            <a:r>
+              <a:rPr lang="en-US" dirty="0" err="1"/>
+              <a:t>www.youtube.com</a:t>
+            </a:r>
+            <a:r>
+              <a:rPr lang="en-US" dirty="0"/>
+              <a:t>/</a:t>
+            </a:r>
+            <a:r>
+              <a:rPr lang="en-US" dirty="0" err="1"/>
+              <a:t>watch?v</a:t>
+            </a:r>
+            <a:r>
+              <a:rPr lang="en-US" dirty="0"/>
+              <a:t>=7Q17ubqLfaM&amp;ab_channel=</a:t>
+            </a:r>
+            <a:r>
+              <a:rPr lang="en-US" dirty="0" err="1"/>
+              <a:t>WebDevSimplified</a:t>
+            </a:r>
+            <a:endParaRPr lang="en-IL" dirty="0"/>
+          </a:p>
+        </p:txBody>
+      </p:sp>
+      <p:sp>
+        <p:nvSpPr>
+          <p:cNvPr id="4" name="Slide Number Placeholder 3"/>
+          <p:cNvSpPr>
+            <a:spLocks noGrp="1"/>
+          </p:cNvSpPr>
+          <p:nvPr>
+            <p:ph type="sldNum" sz="quarter" idx="5"/>
+          </p:nvPr>
+        </p:nvSpPr>
+        <p:spPr/>
+        <p:txBody>
+          <a:bodyPr/>
+          <a:lstStyle/>
+          <a:p>
+            <a:fld id="{D2850163-67CE-1445-A832-1977356FC86B}" type="slidenum">
+              <a:rPr lang="en-IL" smtClean="0"/>
+              <a:t>26</a:t>
+            </a:fld>
+            <a:endParaRPr lang="en-IL"/>
+          </a:p>
+        </p:txBody>
+      </p:sp>
+    </p:spTree>
+    <p:extLst>
+      <p:ext uri="{BB962C8B-B14F-4D97-AF65-F5344CB8AC3E}">
+        <p14:creationId xmlns:p14="http://schemas.microsoft.com/office/powerpoint/2010/main" val="2561722854"/>
       </p:ext>
     </p:extLst>
   </p:cSld>
@@ -4586,17 +5116,34 @@
           <a:bodyPr/>
           <a:lstStyle/>
           <a:p>
-            <a:r>
-              <a:rPr lang="en-IL" dirty="0"/>
-              <a:t>- </a:t>
-            </a:r>
+            <a:pPr marL="171450" indent="-171450">
+              <a:buFontTx/>
+              <a:buChar char="-"/>
+            </a:pPr>
             <a:r>
               <a:rPr lang="en-US" dirty="0"/>
               <a:t>T</a:t>
             </a:r>
             <a:r>
               <a:rPr lang="en-IL" dirty="0"/>
-              <a:t>ime zone , lamgage, geoplocation</a:t>
+              <a:t>ime zone , langage, geoplocation</a:t>
+            </a:r>
+          </a:p>
+          <a:p>
+            <a:pPr marL="171450" indent="-171450">
+              <a:buFontTx/>
+              <a:buChar char="-"/>
+            </a:pPr>
+            <a:endParaRPr lang="en-IL" dirty="0"/>
+          </a:p>
+          <a:p>
+            <a:pPr marL="171450" indent="-171450">
+              <a:buFontTx/>
+              <a:buChar char="-"/>
+            </a:pPr>
+            <a:r>
+              <a:rPr lang="en-IL" dirty="0"/>
+              <a:t>- cookies + auth2</a:t>
             </a:r>
           </a:p>
         </p:txBody>
@@ -4628,6 +5175,439 @@
     <p:extLst>
       <p:ext uri="{BB962C8B-B14F-4D97-AF65-F5344CB8AC3E}">
         <p14:creationId xmlns:p14="http://schemas.microsoft.com/office/powerpoint/2010/main" val="1536524544"/>
+      </p:ext>
+    </p:extLst>
+  </p:cSld>
+  <p:clrMapOvr>
+    <a:masterClrMapping/>
+  </p:clrMapOvr>
+</p:notes>
+</file>
+
+<file path=ppt/notesSlides/notesSlide20.xml><?xml version="1.0" encoding="utf-8"?>
+<p:notes xmlns:a="http://schemas.openxmlformats.org/drawingml/2006/main" xmlns:r="http://schemas.openxmlformats.org/officeDocument/2006/relationships" xmlns:p="http://schemas.openxmlformats.org/presentationml/2006/main">
+  <p:cSld>
+    <p:spTree>
+      <p:nvGrpSpPr>
+        <p:cNvPr id="1" name=""/>
+        <p:cNvGrpSpPr/>
+        <p:nvPr/>
+      </p:nvGrpSpPr>
+      <p:grpSpPr>
+        <a:xfrm>
+          <a:off x="0" y="0"/>
+          <a:ext cx="0" cy="0"/>
+          <a:chOff x="0" y="0"/>
+          <a:chExt cx="0" cy="0"/>
+        </a:xfrm>
+      </p:grpSpPr>
+      <p:sp>
+        <p:nvSpPr>
+          <p:cNvPr id="2" name="Slide Image Placeholder 1"/>
+          <p:cNvSpPr>
+            <a:spLocks noGrp="1" noRot="1" noChangeAspect="1"/>
+          </p:cNvSpPr>
+          <p:nvPr>
+            <p:ph type="sldImg"/>
+          </p:nvPr>
+        </p:nvSpPr>
+        <p:spPr/>
+      </p:sp>
+      <p:sp>
+        <p:nvSpPr>
+          <p:cNvPr id="3" name="Notes Placeholder 2"/>
+          <p:cNvSpPr>
+            <a:spLocks noGrp="1"/>
+          </p:cNvSpPr>
+          <p:nvPr>
+            <p:ph type="body" idx="1"/>
+          </p:nvPr>
+        </p:nvSpPr>
+        <p:spPr/>
+        <p:txBody>
+          <a:bodyPr/>
+          <a:lstStyle/>
+          <a:p>
+            <a:r>
+              <a:rPr lang="en-IL" dirty="0"/>
+              <a:t>- </a:t>
+            </a:r>
+            <a:r>
+              <a:rPr lang="en-US" dirty="0"/>
+              <a:t>P</a:t>
+            </a:r>
+            <a:r>
+              <a:rPr lang="en-IL" dirty="0"/>
+              <a:t>roblem of symetric encoding: </a:t>
+            </a:r>
+            <a:r>
+              <a:rPr lang="en-US" dirty="0"/>
+              <a:t>https://</a:t>
+            </a:r>
+            <a:r>
+              <a:rPr lang="en-US" dirty="0" err="1"/>
+              <a:t>www.pingidentity.com</a:t>
+            </a:r>
+            <a:r>
+              <a:rPr lang="en-US" dirty="0"/>
+              <a:t>/</a:t>
+            </a:r>
+            <a:r>
+              <a:rPr lang="en-US" dirty="0" err="1"/>
+              <a:t>en</a:t>
+            </a:r>
+            <a:r>
+              <a:rPr lang="en-US" dirty="0"/>
+              <a:t>/company/blog/posts/2019/</a:t>
+            </a:r>
+            <a:r>
+              <a:rPr lang="en-US" dirty="0" err="1"/>
+              <a:t>jwt</a:t>
+            </a:r>
+            <a:r>
+              <a:rPr lang="en-US" dirty="0"/>
+              <a:t>-security-nobody-talks-</a:t>
+            </a:r>
+            <a:r>
+              <a:rPr lang="en-US" dirty="0" err="1"/>
+              <a:t>about.html</a:t>
+            </a:r>
+            <a:endParaRPr lang="en-IL" dirty="0"/>
+          </a:p>
+        </p:txBody>
+      </p:sp>
+      <p:sp>
+        <p:nvSpPr>
+          <p:cNvPr id="4" name="Slide Number Placeholder 3"/>
+          <p:cNvSpPr>
+            <a:spLocks noGrp="1"/>
+          </p:cNvSpPr>
+          <p:nvPr>
+            <p:ph type="sldNum" sz="quarter" idx="5"/>
+          </p:nvPr>
+        </p:nvSpPr>
+        <p:spPr/>
+        <p:txBody>
+          <a:bodyPr/>
+          <a:lstStyle/>
+          <a:p>
+            <a:fld id="{D2850163-67CE-1445-A832-1977356FC86B}" type="slidenum">
+              <a:rPr lang="en-IL" smtClean="0"/>
+              <a:t>27</a:t>
+            </a:fld>
+            <a:endParaRPr lang="en-IL"/>
+          </a:p>
+        </p:txBody>
+      </p:sp>
+    </p:spTree>
+    <p:extLst>
+      <p:ext uri="{BB962C8B-B14F-4D97-AF65-F5344CB8AC3E}">
+        <p14:creationId xmlns:p14="http://schemas.microsoft.com/office/powerpoint/2010/main" val="868668785"/>
+      </p:ext>
+    </p:extLst>
+  </p:cSld>
+  <p:clrMapOvr>
+    <a:masterClrMapping/>
+  </p:clrMapOvr>
+</p:notes>
+</file>
+
+<file path=ppt/notesSlides/notesSlide21.xml><?xml version="1.0" encoding="utf-8"?>
+<p:notes xmlns:a="http://schemas.openxmlformats.org/drawingml/2006/main" xmlns:r="http://schemas.openxmlformats.org/officeDocument/2006/relationships" xmlns:p="http://schemas.openxmlformats.org/presentationml/2006/main">
+  <p:cSld>
+    <p:spTree>
+      <p:nvGrpSpPr>
+        <p:cNvPr id="1" name=""/>
+        <p:cNvGrpSpPr/>
+        <p:nvPr/>
+      </p:nvGrpSpPr>
+      <p:grpSpPr>
+        <a:xfrm>
+          <a:off x="0" y="0"/>
+          <a:ext cx="0" cy="0"/>
+          <a:chOff x="0" y="0"/>
+          <a:chExt cx="0" cy="0"/>
+        </a:xfrm>
+      </p:grpSpPr>
+      <p:sp>
+        <p:nvSpPr>
+          <p:cNvPr id="2" name="Slide Image Placeholder 1"/>
+          <p:cNvSpPr>
+            <a:spLocks noGrp="1" noRot="1" noChangeAspect="1"/>
+          </p:cNvSpPr>
+          <p:nvPr>
+            <p:ph type="sldImg"/>
+          </p:nvPr>
+        </p:nvSpPr>
+        <p:spPr/>
+      </p:sp>
+      <p:sp>
+        <p:nvSpPr>
+          <p:cNvPr id="3" name="Notes Placeholder 2"/>
+          <p:cNvSpPr>
+            <a:spLocks noGrp="1"/>
+          </p:cNvSpPr>
+          <p:nvPr>
+            <p:ph type="body" idx="1"/>
+          </p:nvPr>
+        </p:nvSpPr>
+        <p:spPr/>
+        <p:txBody>
+          <a:bodyPr/>
+          <a:lstStyle/>
+          <a:p>
+            <a:pPr marL="171450" indent="-171450">
+              <a:buFont typeface="Arial" panose="020B0604020202020204" pitchFamily="34" charset="0"/>
+              <a:buChar char="•"/>
+            </a:pPr>
+            <a:r>
+              <a:rPr lang="en-US" sz="1200" b="0" i="0" kern="1200" dirty="0">
+                <a:solidFill>
+                  <a:schemeClr val="tx1"/>
+                </a:solidFill>
+                <a:effectLst/>
+                <a:latin typeface="+mn-lt"/>
+                <a:ea typeface="+mn-ea"/>
+                <a:cs typeface="+mn-cs"/>
+              </a:rPr>
+              <a:t>Passport has a rich ecosystem of </a:t>
+            </a:r>
+            <a:r>
+              <a:rPr lang="en-US" sz="1200" b="1" i="0" u="none" strike="noStrike" kern="1200" dirty="0">
+                <a:solidFill>
+                  <a:schemeClr val="tx1"/>
+                </a:solidFill>
+                <a:effectLst/>
+                <a:latin typeface="+mn-lt"/>
+                <a:ea typeface="+mn-ea"/>
+                <a:cs typeface="+mn-cs"/>
+                <a:hlinkClick r:id="rId3"/>
+              </a:rPr>
+              <a:t>strategies</a:t>
+            </a:r>
+            <a:r>
+              <a:rPr lang="en-US" sz="1200" b="0" i="0" kern="1200" dirty="0">
+                <a:solidFill>
+                  <a:schemeClr val="tx1"/>
+                </a:solidFill>
+                <a:effectLst/>
+                <a:latin typeface="+mn-lt"/>
+                <a:ea typeface="+mn-ea"/>
+                <a:cs typeface="+mn-cs"/>
+              </a:rPr>
+              <a:t> that implement various authentication mechanisms. While simple in concept, the set of Passport strategies you can choose from is large and presents a lot of variety. Passport abstracts these varied steps into a standard pattern, and the </a:t>
+            </a:r>
+            <a:r>
+              <a:rPr lang="en-US" dirty="0"/>
+              <a:t>@</a:t>
+            </a:r>
+            <a:r>
+              <a:rPr lang="en-US" dirty="0" err="1"/>
+              <a:t>nestjs</a:t>
+            </a:r>
+            <a:r>
+              <a:rPr lang="en-US" dirty="0"/>
+              <a:t>/passport</a:t>
+            </a:r>
+            <a:r>
+              <a:rPr lang="en-US" sz="1200" b="0" i="0" kern="1200" dirty="0">
+                <a:solidFill>
+                  <a:schemeClr val="tx1"/>
+                </a:solidFill>
+                <a:effectLst/>
+                <a:latin typeface="+mn-lt"/>
+                <a:ea typeface="+mn-ea"/>
+                <a:cs typeface="+mn-cs"/>
+              </a:rPr>
+              <a:t> module wraps and standardizes this pattern into familiar Nest constructs.</a:t>
+            </a:r>
+          </a:p>
+          <a:p>
+            <a:pPr marL="171450" indent="-171450">
+              <a:buFont typeface="Arial" panose="020B0604020202020204" pitchFamily="34" charset="0"/>
+              <a:buChar char="•"/>
+            </a:pPr>
+            <a:endParaRPr lang="en-US" sz="1200" b="0" i="0" kern="1200" dirty="0">
+              <a:solidFill>
+                <a:schemeClr val="tx1"/>
+              </a:solidFill>
+              <a:effectLst/>
+              <a:latin typeface="+mn-lt"/>
+              <a:ea typeface="+mn-ea"/>
+              <a:cs typeface="+mn-cs"/>
+            </a:endParaRPr>
+          </a:p>
+          <a:p>
+            <a:pPr marL="171450" indent="-171450">
+              <a:buFont typeface="Arial" panose="020B0604020202020204" pitchFamily="34" charset="0"/>
+              <a:buChar char="•"/>
+            </a:pPr>
+            <a:endParaRPr lang="en-US" sz="1200" b="0" i="0" kern="1200" dirty="0">
+              <a:solidFill>
+                <a:schemeClr val="tx1"/>
+              </a:solidFill>
+              <a:effectLst/>
+              <a:latin typeface="+mn-lt"/>
+              <a:ea typeface="+mn-ea"/>
+              <a:cs typeface="+mn-cs"/>
+            </a:endParaRPr>
+          </a:p>
+          <a:p>
+            <a:pPr marL="171450" indent="-171450">
+              <a:buFont typeface="Arial" panose="020B0604020202020204" pitchFamily="34" charset="0"/>
+              <a:buChar char="•"/>
+            </a:pPr>
+            <a:r>
+              <a:rPr lang="en-US" sz="1200" b="0" i="0" kern="1200" dirty="0">
+                <a:solidFill>
+                  <a:schemeClr val="tx1"/>
+                </a:solidFill>
+                <a:effectLst/>
+                <a:latin typeface="+mn-lt"/>
+                <a:ea typeface="+mn-ea"/>
+                <a:cs typeface="+mn-cs"/>
+              </a:rPr>
+              <a:t>A set of options that are specific to that strategy. For example, in a JWT strategy, you might provide a secret to sign tokens.</a:t>
+            </a:r>
+          </a:p>
+          <a:p>
+            <a:pPr marL="171450" indent="-171450">
+              <a:buFont typeface="Arial" panose="020B0604020202020204" pitchFamily="34" charset="0"/>
+              <a:buChar char="•"/>
+            </a:pPr>
+            <a:r>
+              <a:rPr lang="en-US" sz="1200" b="0" i="0" kern="1200" dirty="0">
+                <a:solidFill>
+                  <a:schemeClr val="tx1"/>
+                </a:solidFill>
+                <a:effectLst/>
+                <a:latin typeface="+mn-lt"/>
+                <a:ea typeface="+mn-ea"/>
+                <a:cs typeface="+mn-cs"/>
+              </a:rPr>
+              <a:t>A "verify callback", which is where you tell Passport how to interact with your user store (where you manage user accounts). Here, you verify whether a user exists (and/or create a new user), and whether their credentials are valid. The Passport library expects this callback to return a full user if the validation succeeds, or a null if it fails (failure is defined as either the user is not found, or, in the case of passport-local, the password does not match).</a:t>
+            </a:r>
+          </a:p>
+          <a:p>
+            <a:br>
+              <a:rPr lang="en-US" dirty="0"/>
+            </a:br>
+            <a:endParaRPr lang="en-IL" dirty="0"/>
+          </a:p>
+        </p:txBody>
+      </p:sp>
+      <p:sp>
+        <p:nvSpPr>
+          <p:cNvPr id="4" name="Slide Number Placeholder 3"/>
+          <p:cNvSpPr>
+            <a:spLocks noGrp="1"/>
+          </p:cNvSpPr>
+          <p:nvPr>
+            <p:ph type="sldNum" sz="quarter" idx="5"/>
+          </p:nvPr>
+        </p:nvSpPr>
+        <p:spPr/>
+        <p:txBody>
+          <a:bodyPr/>
+          <a:lstStyle/>
+          <a:p>
+            <a:fld id="{D2850163-67CE-1445-A832-1977356FC86B}" type="slidenum">
+              <a:rPr lang="en-IL" smtClean="0"/>
+              <a:t>28</a:t>
+            </a:fld>
+            <a:endParaRPr lang="en-IL"/>
+          </a:p>
+        </p:txBody>
+      </p:sp>
+    </p:spTree>
+    <p:extLst>
+      <p:ext uri="{BB962C8B-B14F-4D97-AF65-F5344CB8AC3E}">
+        <p14:creationId xmlns:p14="http://schemas.microsoft.com/office/powerpoint/2010/main" val="1709393936"/>
+      </p:ext>
+    </p:extLst>
+  </p:cSld>
+  <p:clrMapOvr>
+    <a:masterClrMapping/>
+  </p:clrMapOvr>
+</p:notes>
+</file>
+
+<file path=ppt/notesSlides/notesSlide22.xml><?xml version="1.0" encoding="utf-8"?>
+<p:notes xmlns:a="http://schemas.openxmlformats.org/drawingml/2006/main" xmlns:r="http://schemas.openxmlformats.org/officeDocument/2006/relationships" xmlns:p="http://schemas.openxmlformats.org/presentationml/2006/main">
+  <p:cSld>
+    <p:spTree>
+      <p:nvGrpSpPr>
+        <p:cNvPr id="1" name=""/>
+        <p:cNvGrpSpPr/>
+        <p:nvPr/>
+      </p:nvGrpSpPr>
+      <p:grpSpPr>
+        <a:xfrm>
+          <a:off x="0" y="0"/>
+          <a:ext cx="0" cy="0"/>
+          <a:chOff x="0" y="0"/>
+          <a:chExt cx="0" cy="0"/>
+        </a:xfrm>
+      </p:grpSpPr>
+      <p:sp>
+        <p:nvSpPr>
+          <p:cNvPr id="2" name="Slide Image Placeholder 1"/>
+          <p:cNvSpPr>
+            <a:spLocks noGrp="1" noRot="1" noChangeAspect="1"/>
+          </p:cNvSpPr>
+          <p:nvPr>
+            <p:ph type="sldImg"/>
+          </p:nvPr>
+        </p:nvSpPr>
+        <p:spPr/>
+      </p:sp>
+      <p:sp>
+        <p:nvSpPr>
+          <p:cNvPr id="3" name="Notes Placeholder 2"/>
+          <p:cNvSpPr>
+            <a:spLocks noGrp="1"/>
+          </p:cNvSpPr>
+          <p:nvPr>
+            <p:ph type="body" idx="1"/>
+          </p:nvPr>
+        </p:nvSpPr>
+        <p:spPr/>
+        <p:txBody>
+          <a:bodyPr/>
+          <a:lstStyle/>
+          <a:p>
+            <a:pPr algn="r" rtl="1"/>
+            <a:endParaRPr lang="en-IL" dirty="0"/>
+          </a:p>
+        </p:txBody>
+      </p:sp>
+      <p:sp>
+        <p:nvSpPr>
+          <p:cNvPr id="4" name="Slide Number Placeholder 3"/>
+          <p:cNvSpPr>
+            <a:spLocks noGrp="1"/>
+          </p:cNvSpPr>
+          <p:nvPr>
+            <p:ph type="sldNum" sz="quarter" idx="5"/>
+          </p:nvPr>
+        </p:nvSpPr>
+        <p:spPr/>
+        <p:txBody>
+          <a:bodyPr/>
+          <a:lstStyle/>
+          <a:p>
+            <a:fld id="{D2850163-67CE-1445-A832-1977356FC86B}" type="slidenum">
+              <a:rPr lang="en-IL" smtClean="0"/>
+              <a:t>29</a:t>
+            </a:fld>
+            <a:endParaRPr lang="en-IL"/>
+          </a:p>
+        </p:txBody>
+      </p:sp>
+    </p:spTree>
+    <p:extLst>
+      <p:ext uri="{BB962C8B-B14F-4D97-AF65-F5344CB8AC3E}">
+        <p14:creationId xmlns:p14="http://schemas.microsoft.com/office/powerpoint/2010/main" val="3860110948"/>
       </p:ext>
     </p:extLst>
   </p:cSld>
@@ -4769,12 +5749,9 @@
           <a:bodyPr/>
           <a:lstStyle/>
           <a:p>
-            <a:pPr marL="171450" indent="-171450">
-              <a:buFont typeface="Arial" panose="020B0604020202020204" pitchFamily="34" charset="0"/>
-              <a:buChar char="•"/>
-            </a:pPr>
-            <a:r>
-              <a:rPr lang="en-US" sz="1200" b="0" i="0" kern="1200" dirty="0">
+            <a:pPr fontAlgn="base"/>
+            <a:r>
+              <a:rPr lang="en-US" sz="2000" b="0" i="0" kern="1200" dirty="0">
                 <a:solidFill>
                   <a:schemeClr val="tx1"/>
                 </a:solidFill>
@@ -4783,23 +5760,10 @@
                 <a:ea typeface="+mn-ea"/>
                 <a:cs typeface="+mn-cs"/>
               </a:rPr>
-              <a:t>Passport has a rich ecosystem of </a:t>
-            </a:r>
-            <a:r>
-              <a:rPr lang="en-US" sz="1200" b="1" i="0" u="none" strike="noStrike" kern="1200" dirty="0">
-                <a:solidFill>
-                  <a:schemeClr val="tx1"/>
-                </a:solidFill>
-                <a:effectLst/>
-                <a:latin typeface="+mn-lt"/>
-                <a:ea typeface="+mn-ea"/>
-                <a:cs typeface="+mn-cs"/>
-                <a:hlinkClick r:id="rId3"/>
-              </a:rPr>
-              <a:t>strategies</a:t>
-            </a:r>
-            <a:r>
-              <a:rPr lang="en-US" sz="1200" b="0" i="0" kern="1200" dirty="0">
+              <a:t>JWTs are a convenient </a:t>
+            </a:r>
+            <a:r>
+              <a:rPr lang="en-US" sz="2400" b="0" i="0" kern="1200" dirty="0">
                 <a:solidFill>
                   <a:schemeClr val="tx1"/>
                 </a:solidFill>
@@ -4808,22 +5772,10 @@
                 <a:ea typeface="+mn-ea"/>
                 <a:cs typeface="+mn-cs"/>
               </a:rPr>
-              <a:t> that implement various authentication mechanisms. While simple in concept, the set of Passport strategies you can choose from is large and presents a lot of variety. Passport abstracts these varied steps into a standard pattern, and the </a:t>
-            </a:r>
-            <a:r>
-              <a:rPr lang="en-US" dirty="0"/>
-              <a:t>@</a:t>
-            </a:r>
-            <a:r>
-              <a:rPr lang="en-US" dirty="0" err="1"/>
-              <a:t>nestjs</a:t>
-            </a:r>
-            <a:r>
-              <a:rPr lang="en-US" dirty="0"/>
-              <a:t>/passport</a:t>
-            </a:r>
-            <a:r>
-              <a:rPr lang="en-US" sz="1200" b="0" i="0" kern="1200" dirty="0">
+              <a:t>way</a:t>
+            </a:r>
+            <a:r>
+              <a:rPr lang="en-US" sz="2000" b="0" i="0" kern="1200" dirty="0">
                 <a:solidFill>
                   <a:schemeClr val="tx1"/>
                 </a:solidFill>
@@ -4832,46 +5784,10 @@
                 <a:ea typeface="+mn-ea"/>
                 <a:cs typeface="+mn-cs"/>
               </a:rPr>
-              <a:t> module wraps and standardizes this pattern into familiar Nest constructs.</a:t>
-            </a:r>
-          </a:p>
-          <a:p>
-            <a:pPr marL="171450" indent="-171450">
-              <a:buFont typeface="Arial" panose="020B0604020202020204" pitchFamily="34" charset="0"/>
-              <a:buChar char="•"/>
-            </a:pPr>
-            <a:endParaRPr lang="en-US" sz="1200" b="0" i="0" kern="1200" dirty="0">
-              <a:solidFill>
-                <a:schemeClr val="tx1"/>
-              </a:solidFill>
-              <a:effectLst/>
-              <a:latin typeface="+mn-lt"/>
-              <a:ea typeface="+mn-ea"/>
-              <a:cs typeface="+mn-cs"/>
-            </a:endParaRPr>
-          </a:p>
-          <a:p>
-            <a:pPr marL="171450" indent="-171450">
-              <a:buFont typeface="Arial" panose="020B0604020202020204" pitchFamily="34" charset="0"/>
-              <a:buChar char="•"/>
-            </a:pPr>
-            <a:endParaRPr lang="en-US" sz="1200" b="0" i="0" kern="1200" dirty="0">
-              <a:solidFill>
-                <a:schemeClr val="tx1"/>
-              </a:solidFill>
-              <a:effectLst/>
-              <a:latin typeface="+mn-lt"/>
-              <a:ea typeface="+mn-ea"/>
-              <a:cs typeface="+mn-cs"/>
-            </a:endParaRPr>
-          </a:p>
-          <a:p>
-            <a:pPr marL="171450" indent="-171450">
-              <a:buFont typeface="Arial" panose="020B0604020202020204" pitchFamily="34" charset="0"/>
-              <a:buChar char="•"/>
-            </a:pPr>
-            <a:r>
-              <a:rPr lang="en-US" sz="1200" b="0" i="0" kern="1200" dirty="0">
+              <a:t> to </a:t>
+            </a:r>
+            <a:r>
+              <a:rPr lang="en-US" sz="2000" b="0" i="1" kern="1200" dirty="0">
                 <a:solidFill>
                   <a:schemeClr val="tx1"/>
                 </a:solidFill>
@@ -4880,16 +5796,10 @@
                 <a:ea typeface="+mn-ea"/>
                 <a:cs typeface="+mn-cs"/>
               </a:rPr>
-              <a:t>A set of options that are specific to that strategy. For example, in a JWT strategy, you might provide a secret to sign tokens.</a:t>
-            </a:r>
-          </a:p>
-          <a:p>
-            <a:pPr marL="171450" indent="-171450">
-              <a:buFont typeface="Arial" panose="020B0604020202020204" pitchFamily="34" charset="0"/>
-              <a:buChar char="•"/>
-            </a:pPr>
-            <a:r>
-              <a:rPr lang="en-US" sz="1200" b="0" i="0" kern="1200" dirty="0">
+              <a:t>encode</a:t>
+            </a:r>
+            <a:r>
+              <a:rPr lang="en-US" sz="2000" b="0" i="0" kern="1200" dirty="0">
                 <a:solidFill>
                   <a:schemeClr val="tx1"/>
                 </a:solidFill>
@@ -4898,14 +5808,75 @@
                 <a:ea typeface="+mn-ea"/>
                 <a:cs typeface="+mn-cs"/>
               </a:rPr>
-              <a:t>A "verify callback", which is where you tell Passport how to interact with your user store (where you manage user accounts). Here, you verify whether a user exists (and/or create a new user), and whether their credentials are valid. The Passport library expects this callback to return a full user if the validation succeeds, or a null if it fails (failure is defined as either the user is not found, or, in the case of passport-local, the password does not match).</a:t>
-            </a:r>
-          </a:p>
-          <a:p>
-            <a:br>
-              <a:rPr lang="en-US" dirty="0"/>
-            </a:br>
-            <a:endParaRPr lang="en-IL" dirty="0"/>
+              <a:t> and </a:t>
+            </a:r>
+            <a:r>
+              <a:rPr lang="en-US" sz="2000" b="0" i="1" kern="1200" dirty="0">
+                <a:solidFill>
+                  <a:schemeClr val="tx1"/>
+                </a:solidFill>
+                <a:effectLst/>
+                <a:latin typeface="+mn-lt"/>
+                <a:ea typeface="+mn-ea"/>
+                <a:cs typeface="+mn-cs"/>
+              </a:rPr>
+              <a:t>verify</a:t>
+            </a:r>
+            <a:r>
+              <a:rPr lang="en-US" sz="2000" b="0" i="0" kern="1200" dirty="0">
+                <a:solidFill>
+                  <a:schemeClr val="tx1"/>
+                </a:solidFill>
+                <a:effectLst/>
+                <a:latin typeface="+mn-lt"/>
+                <a:ea typeface="+mn-ea"/>
+                <a:cs typeface="+mn-cs"/>
+              </a:rPr>
+              <a:t> </a:t>
+            </a:r>
+            <a:r>
+              <a:rPr lang="en-US" sz="2000" b="1" i="0" kern="1200" dirty="0">
+                <a:solidFill>
+                  <a:schemeClr val="tx1"/>
+                </a:solidFill>
+                <a:effectLst/>
+                <a:latin typeface="+mn-lt"/>
+                <a:ea typeface="+mn-ea"/>
+                <a:cs typeface="+mn-cs"/>
+              </a:rPr>
+              <a:t>claims</a:t>
+            </a:r>
+            <a:r>
+              <a:rPr lang="en-US" sz="2000" b="0" i="0" kern="1200" dirty="0">
+                <a:solidFill>
+                  <a:schemeClr val="tx1"/>
+                </a:solidFill>
+                <a:effectLst/>
+                <a:latin typeface="+mn-lt"/>
+                <a:ea typeface="+mn-ea"/>
+                <a:cs typeface="+mn-cs"/>
+              </a:rPr>
+              <a:t>.</a:t>
+            </a:r>
+          </a:p>
+          <a:p>
+            <a:pPr fontAlgn="base"/>
+            <a:r>
+              <a:rPr lang="en-US" sz="2000" b="0" i="0" kern="1200" dirty="0">
+                <a:solidFill>
+                  <a:schemeClr val="tx1"/>
+                </a:solidFill>
+                <a:effectLst/>
+                <a:latin typeface="+mn-lt"/>
+                <a:ea typeface="+mn-ea"/>
+                <a:cs typeface="+mn-cs"/>
+              </a:rPr>
+              <a:t>A Bearer token is just string, potentially arbitrary, that is used for authorization.</a:t>
+            </a:r>
+          </a:p>
+          <a:p>
+            <a:pPr marL="0" algn="l" defTabSz="914400" rtl="0" eaLnBrk="1" latinLnBrk="0" hangingPunct="1"/>
+            <a:endParaRPr lang="en-US" dirty="0"/>
           </a:p>
         </p:txBody>
       </p:sp>
@@ -4935,7 +5906,7 @@
     </p:spTree>
     <p:extLst>
       <p:ext uri="{BB962C8B-B14F-4D97-AF65-F5344CB8AC3E}">
-        <p14:creationId xmlns:p14="http://schemas.microsoft.com/office/powerpoint/2010/main" val="1563951253"/>
+        <p14:creationId xmlns:p14="http://schemas.microsoft.com/office/powerpoint/2010/main" val="3430352469"/>
       </p:ext>
     </p:extLst>
   </p:cSld>
@@ -4989,110 +5960,8 @@
           <a:bodyPr/>
           <a:lstStyle/>
           <a:p>
-            <a:pPr fontAlgn="base"/>
-            <a:r>
-              <a:rPr lang="en-US" sz="1200" b="0" i="0" kern="1200" dirty="0">
-                <a:solidFill>
-                  <a:schemeClr val="tx1"/>
-                </a:solidFill>
-                <a:effectLst/>
-                <a:latin typeface="+mn-lt"/>
-                <a:ea typeface="+mn-ea"/>
-                <a:cs typeface="+mn-cs"/>
-              </a:rPr>
-              <a:t>JWTs are a convenient way to </a:t>
-            </a:r>
-            <a:r>
-              <a:rPr lang="en-US" sz="1200" b="0" i="1" kern="1200" dirty="0">
-                <a:solidFill>
-                  <a:schemeClr val="tx1"/>
-                </a:solidFill>
-                <a:effectLst/>
-                <a:latin typeface="+mn-lt"/>
-                <a:ea typeface="+mn-ea"/>
-                <a:cs typeface="+mn-cs"/>
-              </a:rPr>
-              <a:t>encode</a:t>
-            </a:r>
-            <a:r>
-              <a:rPr lang="en-US" sz="1200" b="0" i="0" kern="1200" dirty="0">
-                <a:solidFill>
-                  <a:schemeClr val="tx1"/>
-                </a:solidFill>
-                <a:effectLst/>
-                <a:latin typeface="+mn-lt"/>
-                <a:ea typeface="+mn-ea"/>
-                <a:cs typeface="+mn-cs"/>
-              </a:rPr>
-              <a:t> and </a:t>
-            </a:r>
-            <a:r>
-              <a:rPr lang="en-US" sz="1200" b="0" i="1" kern="1200" dirty="0">
-                <a:solidFill>
-                  <a:schemeClr val="tx1"/>
-                </a:solidFill>
-                <a:effectLst/>
-                <a:latin typeface="+mn-lt"/>
-                <a:ea typeface="+mn-ea"/>
-                <a:cs typeface="+mn-cs"/>
-              </a:rPr>
-              <a:t>verify</a:t>
-            </a:r>
-            <a:r>
-              <a:rPr lang="en-US" sz="1200" b="0" i="0" kern="1200" dirty="0">
-                <a:solidFill>
-                  <a:schemeClr val="tx1"/>
-                </a:solidFill>
-                <a:effectLst/>
-                <a:latin typeface="+mn-lt"/>
-                <a:ea typeface="+mn-ea"/>
-                <a:cs typeface="+mn-cs"/>
-              </a:rPr>
-              <a:t> </a:t>
-            </a:r>
-            <a:r>
-              <a:rPr lang="en-US" sz="1200" b="1" i="0" kern="1200" dirty="0">
-                <a:solidFill>
-                  <a:schemeClr val="tx1"/>
-                </a:solidFill>
-                <a:effectLst/>
-                <a:latin typeface="+mn-lt"/>
-                <a:ea typeface="+mn-ea"/>
-                <a:cs typeface="+mn-cs"/>
-              </a:rPr>
-              <a:t>claims</a:t>
-            </a:r>
-            <a:r>
-              <a:rPr lang="en-US" sz="1200" b="0" i="0" kern="1200" dirty="0">
-                <a:solidFill>
-                  <a:schemeClr val="tx1"/>
-                </a:solidFill>
-                <a:effectLst/>
-                <a:latin typeface="+mn-lt"/>
-                <a:ea typeface="+mn-ea"/>
-                <a:cs typeface="+mn-cs"/>
-              </a:rPr>
-              <a:t>.</a:t>
-            </a:r>
-          </a:p>
-          <a:p>
-            <a:pPr fontAlgn="base"/>
-            <a:r>
-              <a:rPr lang="en-US" sz="1200" b="0" i="0" kern="1200" dirty="0">
-                <a:solidFill>
-                  <a:schemeClr val="tx1"/>
-                </a:solidFill>
-                <a:effectLst/>
-                <a:latin typeface="+mn-lt"/>
-                <a:ea typeface="+mn-ea"/>
-                <a:cs typeface="+mn-cs"/>
-              </a:rPr>
-              <a:t>A Bearer token is just string, potentially arbitrary, that is used for authorization.</a:t>
-            </a:r>
-          </a:p>
-          <a:p>
             <a:pPr marL="0" algn="l" defTabSz="914400" rtl="0" eaLnBrk="1" latinLnBrk="0" hangingPunct="1"/>
-            <a:endParaRPr lang="en-US" dirty="0"/>
+            <a:endParaRPr lang="en-IL" dirty="0"/>
           </a:p>
         </p:txBody>
       </p:sp>
@@ -5122,7 +5991,7 @@
     </p:spTree>
     <p:extLst>
       <p:ext uri="{BB962C8B-B14F-4D97-AF65-F5344CB8AC3E}">
-        <p14:creationId xmlns:p14="http://schemas.microsoft.com/office/powerpoint/2010/main" val="3430352469"/>
+        <p14:creationId xmlns:p14="http://schemas.microsoft.com/office/powerpoint/2010/main" val="964110509"/>
       </p:ext>
     </p:extLst>
   </p:cSld>
@@ -5207,7 +6076,7 @@
     </p:spTree>
     <p:extLst>
       <p:ext uri="{BB962C8B-B14F-4D97-AF65-F5344CB8AC3E}">
-        <p14:creationId xmlns:p14="http://schemas.microsoft.com/office/powerpoint/2010/main" val="964110509"/>
+        <p14:creationId xmlns:p14="http://schemas.microsoft.com/office/powerpoint/2010/main" val="4070779130"/>
       </p:ext>
     </p:extLst>
   </p:cSld>
@@ -5261,7 +6130,6 @@
           <a:bodyPr/>
           <a:lstStyle/>
           <a:p>
-            <a:pPr marL="0" algn="l" defTabSz="914400" rtl="0" eaLnBrk="1" latinLnBrk="0" hangingPunct="1"/>
             <a:endParaRPr lang="en-IL" dirty="0"/>
           </a:p>
         </p:txBody>
@@ -5292,7 +6160,7 @@
     </p:spTree>
     <p:extLst>
       <p:ext uri="{BB962C8B-B14F-4D97-AF65-F5344CB8AC3E}">
-        <p14:creationId xmlns:p14="http://schemas.microsoft.com/office/powerpoint/2010/main" val="4070779130"/>
+        <p14:creationId xmlns:p14="http://schemas.microsoft.com/office/powerpoint/2010/main" val="2967374410"/>
       </p:ext>
     </p:extLst>
   </p:cSld>
@@ -5403,7 +6271,7 @@
           <a:p>
             <a:fld id="{D2850163-67CE-1445-A832-1977356FC86B}" type="slidenum">
               <a:rPr lang="en-IL" smtClean="0"/>
-              <a:t>11</a:t>
+              <a:t>10</a:t>
             </a:fld>
             <a:endParaRPr lang="en-IL"/>
           </a:p>
@@ -5466,12 +6334,11 @@
           <a:bodyPr/>
           <a:lstStyle/>
           <a:p>
-            <a:pPr marL="0" algn="r" defTabSz="914400" rtl="1" eaLnBrk="1" latinLnBrk="0" hangingPunct="1"/>
+            <a:pPr marL="0" algn="l" defTabSz="914400" rtl="0" eaLnBrk="1" latinLnBrk="0" hangingPunct="1"/>
             <a:r>
               <a:rPr lang="en-US" dirty="0"/>
               <a:t>// TODO need to translate</a:t>
             </a:r>
-            <a:endParaRPr lang="en-IL" dirty="0"/>
           </a:p>
         </p:txBody>
       </p:sp>
@@ -5492,7 +6359,7 @@
           <a:p>
             <a:fld id="{D2850163-67CE-1445-A832-1977356FC86B}" type="slidenum">
               <a:rPr lang="en-IL" smtClean="0"/>
-              <a:t>12</a:t>
+              <a:t>11</a:t>
             </a:fld>
             <a:endParaRPr lang="en-IL"/>
           </a:p>
@@ -5642,7 +6509,7 @@
           <a:p>
             <a:fld id="{FBD4AB29-D7CE-BF42-9604-B5027FE70E55}" type="datetimeFigureOut">
               <a:rPr lang="en-IL" smtClean="0"/>
-              <a:t>07/06/2021</a:t>
+              <a:t>29/06/2021</a:t>
             </a:fld>
             <a:endParaRPr lang="en-IL"/>
           </a:p>
@@ -5812,7 +6679,7 @@
           <a:p>
             <a:fld id="{FBD4AB29-D7CE-BF42-9604-B5027FE70E55}" type="datetimeFigureOut">
               <a:rPr lang="en-IL" smtClean="0"/>
-              <a:t>07/06/2021</a:t>
+              <a:t>29/06/2021</a:t>
             </a:fld>
             <a:endParaRPr lang="en-IL"/>
           </a:p>
@@ -5992,7 +6859,7 @@
           <a:p>
             <a:fld id="{FBD4AB29-D7CE-BF42-9604-B5027FE70E55}" type="datetimeFigureOut">
               <a:rPr lang="en-IL" smtClean="0"/>
-              <a:t>07/06/2021</a:t>
+              <a:t>29/06/2021</a:t>
             </a:fld>
             <a:endParaRPr lang="en-IL"/>
           </a:p>
@@ -6162,7 +7029,7 @@
           <a:p>
             <a:fld id="{FBD4AB29-D7CE-BF42-9604-B5027FE70E55}" type="datetimeFigureOut">
               <a:rPr lang="en-IL" smtClean="0"/>
-              <a:t>07/06/2021</a:t>
+              <a:t>29/06/2021</a:t>
             </a:fld>
             <a:endParaRPr lang="en-IL"/>
           </a:p>
@@ -6408,7 +7275,7 @@
           <a:p>
             <a:fld id="{FBD4AB29-D7CE-BF42-9604-B5027FE70E55}" type="datetimeFigureOut">
               <a:rPr lang="en-IL" smtClean="0"/>
-              <a:t>07/06/2021</a:t>
+              <a:t>29/06/2021</a:t>
             </a:fld>
             <a:endParaRPr lang="en-IL"/>
           </a:p>
@@ -6640,7 +7507,7 @@
           <a:p>
             <a:fld id="{FBD4AB29-D7CE-BF42-9604-B5027FE70E55}" type="datetimeFigureOut">
               <a:rPr lang="en-IL" smtClean="0"/>
-              <a:t>07/06/2021</a:t>
+              <a:t>29/06/2021</a:t>
             </a:fld>
             <a:endParaRPr lang="en-IL"/>
           </a:p>
@@ -7007,7 +7874,7 @@
           <a:p>
             <a:fld id="{FBD4AB29-D7CE-BF42-9604-B5027FE70E55}" type="datetimeFigureOut">
               <a:rPr lang="en-IL" smtClean="0"/>
-              <a:t>07/06/2021</a:t>
+              <a:t>29/06/2021</a:t>
             </a:fld>
             <a:endParaRPr lang="en-IL"/>
           </a:p>
@@ -7125,7 +7992,7 @@
           <a:p>
             <a:fld id="{FBD4AB29-D7CE-BF42-9604-B5027FE70E55}" type="datetimeFigureOut">
               <a:rPr lang="en-IL" smtClean="0"/>
-              <a:t>07/06/2021</a:t>
+              <a:t>29/06/2021</a:t>
             </a:fld>
             <a:endParaRPr lang="en-IL"/>
           </a:p>
@@ -7220,7 +8087,7 @@
           <a:p>
             <a:fld id="{FBD4AB29-D7CE-BF42-9604-B5027FE70E55}" type="datetimeFigureOut">
               <a:rPr lang="en-IL" smtClean="0"/>
-              <a:t>07/06/2021</a:t>
+              <a:t>29/06/2021</a:t>
             </a:fld>
             <a:endParaRPr lang="en-IL"/>
           </a:p>
@@ -7497,7 +8364,7 @@
           <a:p>
             <a:fld id="{FBD4AB29-D7CE-BF42-9604-B5027FE70E55}" type="datetimeFigureOut">
               <a:rPr lang="en-IL" smtClean="0"/>
-              <a:t>07/06/2021</a:t>
+              <a:t>29/06/2021</a:t>
             </a:fld>
             <a:endParaRPr lang="en-IL"/>
           </a:p>
@@ -7754,7 +8621,7 @@
           <a:p>
             <a:fld id="{FBD4AB29-D7CE-BF42-9604-B5027FE70E55}" type="datetimeFigureOut">
               <a:rPr lang="en-IL" smtClean="0"/>
-              <a:t>07/06/2021</a:t>
+              <a:t>29/06/2021</a:t>
             </a:fld>
             <a:endParaRPr lang="en-IL"/>
           </a:p>
@@ -7967,7 +8834,7 @@
           <a:p>
             <a:fld id="{FBD4AB29-D7CE-BF42-9604-B5027FE70E55}" type="datetimeFigureOut">
               <a:rPr lang="en-IL" smtClean="0"/>
-              <a:t>07/06/2021</a:t>
+              <a:t>29/06/2021</a:t>
             </a:fld>
             <a:endParaRPr lang="en-IL"/>
           </a:p>
@@ -8504,161 +9371,6 @@
 <file path=ppt/slides/slide10.xml><?xml version="1.0" encoding="utf-8"?>
 <p:sld xmlns:a="http://schemas.openxmlformats.org/drawingml/2006/main" xmlns:r="http://schemas.openxmlformats.org/officeDocument/2006/relationships" xmlns:p="http://schemas.openxmlformats.org/presentationml/2006/main">
   <p:cSld>
-    <p:spTree>
-      <p:nvGrpSpPr>
-        <p:cNvPr id="1" name=""/>
-        <p:cNvGrpSpPr/>
-        <p:nvPr/>
-      </p:nvGrpSpPr>
-      <p:grpSpPr>
-        <a:xfrm>
-          <a:off x="0" y="0"/>
-          <a:ext cx="0" cy="0"/>
-          <a:chOff x="0" y="0"/>
-          <a:chExt cx="0" cy="0"/>
-        </a:xfrm>
-      </p:grpSpPr>
-      <p:sp>
-        <p:nvSpPr>
-          <p:cNvPr id="4" name="Title 5">
-            <a:extLst>
-              <a:ext uri="{FF2B5EF4-FFF2-40B4-BE49-F238E27FC236}">
-                <a16:creationId xmlns:a16="http://schemas.microsoft.com/office/drawing/2014/main" id="{A84E2FEF-74EA-9C4A-B7F8-D5AF9CC85439}"/>
-              </a:ext>
-            </a:extLst>
-          </p:cNvPr>
-          <p:cNvSpPr>
-            <a:spLocks noGrp="1"/>
-          </p:cNvSpPr>
-          <p:nvPr>
-            <p:ph type="title"/>
-          </p:nvPr>
-        </p:nvSpPr>
-        <p:spPr>
-          <a:xfrm>
-            <a:off x="655321" y="210727"/>
-            <a:ext cx="10515600" cy="1325563"/>
-          </a:xfrm>
-        </p:spPr>
-        <p:txBody>
-          <a:bodyPr>
-            <a:normAutofit/>
-          </a:bodyPr>
-          <a:lstStyle/>
-          <a:p>
-            <a:r>
-              <a:rPr lang="en-IL" sz="4800" dirty="0"/>
-              <a:t>A problem of state…</a:t>
-            </a:r>
-          </a:p>
-        </p:txBody>
-      </p:sp>
-      <p:sp>
-        <p:nvSpPr>
-          <p:cNvPr id="7" name="TextBox 6">
-            <a:extLst>
-              <a:ext uri="{FF2B5EF4-FFF2-40B4-BE49-F238E27FC236}">
-                <a16:creationId xmlns:a16="http://schemas.microsoft.com/office/drawing/2014/main" id="{0D434488-5884-DC47-825F-DB289BAA0DD0}"/>
-              </a:ext>
-            </a:extLst>
-          </p:cNvPr>
-          <p:cNvSpPr txBox="1"/>
-          <p:nvPr/>
-        </p:nvSpPr>
-        <p:spPr>
-          <a:xfrm>
-            <a:off x="590598" y="1536290"/>
-            <a:ext cx="10946081" cy="1325563"/>
-          </a:xfrm>
-          <a:prstGeom prst="rect">
-            <a:avLst/>
-          </a:prstGeom>
-        </p:spPr>
-        <p:txBody>
-          <a:bodyPr vert="horz" lIns="91440" tIns="45720" rIns="91440" bIns="45720" rtlCol="0">
-            <a:normAutofit/>
-          </a:bodyPr>
-          <a:lstStyle/>
-          <a:p>
-            <a:pPr defTabSz="914400">
-              <a:lnSpc>
-                <a:spcPct val="90000"/>
-              </a:lnSpc>
-              <a:spcAft>
-                <a:spcPts val="600"/>
-              </a:spcAft>
-            </a:pPr>
-            <a:r>
-              <a:rPr lang="en-US" sz="2800" b="1" dirty="0"/>
-              <a:t>The </a:t>
-            </a:r>
-            <a:r>
-              <a:rPr lang="en-US" sz="2800" b="1" dirty="0">
-                <a:solidFill>
-                  <a:srgbClr val="FF0000"/>
-                </a:solidFill>
-              </a:rPr>
-              <a:t>HTTP protocol is </a:t>
-            </a:r>
-            <a:r>
-              <a:rPr lang="en-US" sz="2800" b="1" i="1" dirty="0">
-                <a:solidFill>
-                  <a:srgbClr val="FF0000"/>
-                </a:solidFill>
-              </a:rPr>
-              <a:t>stateless</a:t>
-            </a:r>
-            <a:r>
-              <a:rPr lang="en-US" sz="2800" dirty="0"/>
-              <a:t>, this means a new request (e.g. GET /order/42) won’t know anything about the previous one, </a:t>
-            </a:r>
-            <a:r>
-              <a:rPr lang="en-US" sz="2800" b="1" dirty="0"/>
-              <a:t>so</a:t>
-            </a:r>
-            <a:r>
-              <a:rPr lang="en-US" sz="2800" dirty="0"/>
-              <a:t> </a:t>
-            </a:r>
-            <a:r>
-              <a:rPr lang="en-US" sz="2800" b="1" dirty="0"/>
-              <a:t>we need to </a:t>
-            </a:r>
-            <a:r>
-              <a:rPr lang="en-US" sz="2800" b="1" dirty="0">
-                <a:solidFill>
-                  <a:srgbClr val="FF0000"/>
-                </a:solidFill>
-              </a:rPr>
-              <a:t>reauthenticate</a:t>
-            </a:r>
-            <a:r>
-              <a:rPr lang="en-US" sz="2800" b="1" dirty="0"/>
-              <a:t> for each new request</a:t>
-            </a:r>
-            <a:r>
-              <a:rPr lang="en-US" sz="2800" dirty="0"/>
-              <a:t> (fig.1).</a:t>
-            </a:r>
-          </a:p>
-        </p:txBody>
-      </p:sp>
-    </p:spTree>
-    <p:extLst>
-      <p:ext uri="{BB962C8B-B14F-4D97-AF65-F5344CB8AC3E}">
-        <p14:creationId xmlns:p14="http://schemas.microsoft.com/office/powerpoint/2010/main" val="2121615192"/>
-      </p:ext>
-    </p:extLst>
-  </p:cSld>
-  <p:clrMapOvr>
-    <a:masterClrMapping/>
-  </p:clrMapOvr>
-</p:sld>
-</file>
-
-<file path=ppt/slides/slide11.xml><?xml version="1.0" encoding="utf-8"?>
-<p:sld xmlns:a="http://schemas.openxmlformats.org/drawingml/2006/main" xmlns:r="http://schemas.openxmlformats.org/officeDocument/2006/relationships" xmlns:p="http://schemas.openxmlformats.org/presentationml/2006/main">
-  <p:cSld>
     <p:bg>
       <p:bgPr>
         <a:solidFill>
@@ -8805,6 +9517,90 @@
           </a:extLst>
         </p:spPr>
       </p:pic>
+      <p:sp>
+        <p:nvSpPr>
+          <p:cNvPr id="2" name="TextBox 1">
+            <a:extLst>
+              <a:ext uri="{FF2B5EF4-FFF2-40B4-BE49-F238E27FC236}">
+                <a16:creationId xmlns:a16="http://schemas.microsoft.com/office/drawing/2014/main" id="{5D18D2F0-B4C3-934B-BDDF-EC08FBC7AC8A}"/>
+              </a:ext>
+            </a:extLst>
+          </p:cNvPr>
+          <p:cNvSpPr txBox="1"/>
+          <p:nvPr/>
+        </p:nvSpPr>
+        <p:spPr>
+          <a:xfrm>
+            <a:off x="2194560" y="692626"/>
+            <a:ext cx="868680" cy="365760"/>
+          </a:xfrm>
+          <a:prstGeom prst="rect">
+            <a:avLst/>
+          </a:prstGeom>
+          <a:noFill/>
+        </p:spPr>
+        <p:txBody>
+          <a:bodyPr wrap="square" rtlCol="0">
+            <a:spAutoFit/>
+          </a:bodyPr>
+          <a:lstStyle/>
+          <a:p>
+            <a:r>
+              <a:rPr lang="en-IL" dirty="0">
+                <a:solidFill>
+                  <a:schemeClr val="bg1"/>
+                </a:solidFill>
+                <a:highlight>
+                  <a:srgbClr val="C0C0C0"/>
+                </a:highlight>
+              </a:rPr>
+              <a:t>POST</a:t>
+            </a:r>
+          </a:p>
+        </p:txBody>
+      </p:sp>
+      <p:sp>
+        <p:nvSpPr>
+          <p:cNvPr id="6" name="TextBox 5">
+            <a:extLst>
+              <a:ext uri="{FF2B5EF4-FFF2-40B4-BE49-F238E27FC236}">
+                <a16:creationId xmlns:a16="http://schemas.microsoft.com/office/drawing/2014/main" id="{85DEB25C-65C3-494F-8441-5B88F2A28402}"/>
+              </a:ext>
+            </a:extLst>
+          </p:cNvPr>
+          <p:cNvSpPr txBox="1"/>
+          <p:nvPr/>
+        </p:nvSpPr>
+        <p:spPr>
+          <a:xfrm>
+            <a:off x="2179320" y="3435826"/>
+            <a:ext cx="868680" cy="365760"/>
+          </a:xfrm>
+          <a:prstGeom prst="rect">
+            <a:avLst/>
+          </a:prstGeom>
+          <a:noFill/>
+        </p:spPr>
+        <p:txBody>
+          <a:bodyPr wrap="square" rtlCol="0">
+            <a:spAutoFit/>
+          </a:bodyPr>
+          <a:lstStyle/>
+          <a:p>
+            <a:r>
+              <a:rPr lang="en-IL" dirty="0">
+                <a:solidFill>
+                  <a:schemeClr val="bg1"/>
+                </a:solidFill>
+                <a:highlight>
+                  <a:srgbClr val="C0C0C0"/>
+                </a:highlight>
+              </a:rPr>
+              <a:t>POST</a:t>
+            </a:r>
+          </a:p>
+        </p:txBody>
+      </p:sp>
     </p:spTree>
     <p:extLst>
       <p:ext uri="{BB962C8B-B14F-4D97-AF65-F5344CB8AC3E}">
@@ -8818,7 +9614,7 @@
 </p:sld>
 </file>
 
-<file path=ppt/slides/slide12.xml><?xml version="1.0" encoding="utf-8"?>
+<file path=ppt/slides/slide11.xml><?xml version="1.0" encoding="utf-8"?>
 <p:sld xmlns:a="http://schemas.openxmlformats.org/drawingml/2006/main" xmlns:r="http://schemas.openxmlformats.org/officeDocument/2006/relationships" xmlns:p="http://schemas.openxmlformats.org/presentationml/2006/main">
   <p:cSld>
     <p:spTree>
@@ -8914,7 +9710,7 @@
               </a:spcAft>
             </a:pPr>
             <a:r>
-              <a:rPr lang="en-US" sz="2800" dirty="0">
+              <a:rPr lang="en-US" sz="3000" dirty="0">
                 <a:solidFill>
                   <a:srgbClr val="FF0000"/>
                 </a:solidFill>
@@ -8922,11 +9718,11 @@
               <a:t>The traditional way of dealing with this is the use of </a:t>
             </a:r>
             <a:r>
-              <a:rPr lang="en-US" sz="2800" dirty="0"/>
+              <a:rPr lang="en-US" sz="3000" dirty="0"/>
               <a:t>S</a:t>
             </a:r>
             <a:r>
-              <a:rPr lang="en-US" sz="2800" dirty="0">
+              <a:rPr lang="en-US" sz="3000" dirty="0">
                 <a:solidFill>
                   <a:srgbClr val="FF0000"/>
                 </a:solidFill>
@@ -8934,11 +9730,11 @@
               <a:t>erver </a:t>
             </a:r>
             <a:r>
-              <a:rPr lang="en-US" sz="2800" dirty="0"/>
+              <a:rPr lang="en-US" sz="3000" dirty="0"/>
               <a:t>S</a:t>
             </a:r>
             <a:r>
-              <a:rPr lang="en-US" sz="2800" dirty="0">
+              <a:rPr lang="en-US" sz="3000" dirty="0">
                 <a:solidFill>
                   <a:srgbClr val="FF0000"/>
                 </a:solidFill>
@@ -8946,11 +9742,11 @@
               <a:t>ide </a:t>
             </a:r>
             <a:r>
-              <a:rPr lang="en-US" sz="2800" dirty="0"/>
+              <a:rPr lang="en-US" sz="3000" dirty="0"/>
               <a:t>S</a:t>
             </a:r>
             <a:r>
-              <a:rPr lang="en-US" sz="2800" dirty="0">
+              <a:rPr lang="en-US" sz="3000" dirty="0">
                 <a:solidFill>
                   <a:srgbClr val="FF0000"/>
                 </a:solidFill>
@@ -8967,7 +9763,7 @@
                 <a:spcPts val="600"/>
               </a:spcAft>
             </a:pPr>
-            <a:endParaRPr lang="en-US" sz="2800" dirty="0">
+            <a:endParaRPr lang="en-US" sz="3000" dirty="0">
               <a:solidFill>
                 <a:srgbClr val="FF0000"/>
               </a:solidFill>
@@ -8983,11 +9779,11 @@
               </a:spcAft>
             </a:pPr>
             <a:r>
-              <a:rPr lang="en-US" sz="2800" dirty="0"/>
+              <a:rPr lang="en-US" sz="3000" dirty="0"/>
               <a:t>In this scenario, we first check for username and password; if they are authentic, the server will save a </a:t>
             </a:r>
             <a:r>
-              <a:rPr lang="en-US" sz="2800" i="1" dirty="0">
+              <a:rPr lang="en-US" sz="3000" i="1" dirty="0">
                 <a:solidFill>
                   <a:srgbClr val="FF0000"/>
                 </a:solidFill>
@@ -8995,7 +9791,7 @@
               <a:t>session id</a:t>
             </a:r>
             <a:r>
-              <a:rPr lang="en-US" sz="2800" dirty="0">
+              <a:rPr lang="en-US" sz="3000" dirty="0">
                 <a:solidFill>
                   <a:srgbClr val="FF0000"/>
                 </a:solidFill>
@@ -9003,11 +9799,11 @@
               <a:t> </a:t>
             </a:r>
             <a:r>
-              <a:rPr lang="en-US" sz="2800" dirty="0"/>
+              <a:rPr lang="en-US" sz="3000" dirty="0"/>
               <a:t>in memory and return it to the client. From now on, the client will just need to send its </a:t>
             </a:r>
             <a:r>
-              <a:rPr lang="en-US" sz="2800" i="1" dirty="0">
+              <a:rPr lang="en-US" sz="3000" i="1" dirty="0">
                 <a:solidFill>
                   <a:srgbClr val="FF0000"/>
                 </a:solidFill>
@@ -9015,7 +9811,7 @@
               <a:t>session id </a:t>
             </a:r>
             <a:r>
-              <a:rPr lang="en-US" sz="2800" dirty="0"/>
+              <a:rPr lang="en-US" sz="3000" dirty="0"/>
               <a:t>to be recognized (fig.2)</a:t>
             </a:r>
           </a:p>
@@ -9034,7 +9830,7 @@
 </p:sld>
 </file>
 
-<file path=ppt/slides/slide13.xml><?xml version="1.0" encoding="utf-8"?>
+<file path=ppt/slides/slide12.xml><?xml version="1.0" encoding="utf-8"?>
 <p:sld xmlns:a="http://schemas.openxmlformats.org/drawingml/2006/main" xmlns:r="http://schemas.openxmlformats.org/officeDocument/2006/relationships" xmlns:p="http://schemas.openxmlformats.org/presentationml/2006/main">
   <p:cSld>
     <p:spTree>
@@ -9102,6 +9898,303 @@
     <p:extLst>
       <p:ext uri="{BB962C8B-B14F-4D97-AF65-F5344CB8AC3E}">
         <p14:creationId xmlns:p14="http://schemas.microsoft.com/office/powerpoint/2010/main" val="4148602125"/>
+      </p:ext>
+    </p:extLst>
+  </p:cSld>
+  <p:clrMapOvr>
+    <a:masterClrMapping/>
+  </p:clrMapOvr>
+</p:sld>
+</file>
+
+<file path=ppt/slides/slide13.xml><?xml version="1.0" encoding="utf-8"?>
+<p:sld xmlns:a="http://schemas.openxmlformats.org/drawingml/2006/main" xmlns:r="http://schemas.openxmlformats.org/officeDocument/2006/relationships" xmlns:p="http://schemas.openxmlformats.org/presentationml/2006/main">
+  <p:cSld>
+    <p:bg>
+      <p:bgPr>
+        <a:solidFill>
+          <a:schemeClr val="bg1"/>
+        </a:solidFill>
+        <a:effectLst/>
+      </p:bgPr>
+    </p:bg>
+    <p:spTree>
+      <p:nvGrpSpPr>
+        <p:cNvPr id="1" name=""/>
+        <p:cNvGrpSpPr/>
+        <p:nvPr/>
+      </p:nvGrpSpPr>
+      <p:grpSpPr>
+        <a:xfrm>
+          <a:off x="0" y="0"/>
+          <a:ext cx="0" cy="0"/>
+          <a:chOff x="0" y="0"/>
+          <a:chExt cx="0" cy="0"/>
+        </a:xfrm>
+      </p:grpSpPr>
+      <p:sp>
+        <p:nvSpPr>
+          <p:cNvPr id="71" name="Freeform: Shape 70">
+            <a:extLst>
+              <a:ext uri="{FF2B5EF4-FFF2-40B4-BE49-F238E27FC236}">
+                <a16:creationId xmlns:a16="http://schemas.microsoft.com/office/drawing/2014/main" id="{B670DBD5-770C-4383-9F54-5B86E86BD5BB}"/>
+              </a:ext>
+              <a:ext uri="{C183D7F6-B498-43B3-948B-1728B52AA6E4}">
+                <adec:decorative xmlns:adec="http://schemas.microsoft.com/office/drawing/2017/decorative" val="1"/>
+              </a:ext>
+            </a:extLst>
+          </p:cNvPr>
+          <p:cNvSpPr>
+            <a:spLocks noGrp="1" noRot="1" noChangeAspect="1" noMove="1" noResize="1" noEditPoints="1" noAdjustHandles="1" noChangeArrowheads="1" noChangeShapeType="1" noTextEdit="1"/>
+          </p:cNvSpPr>
+          <p:nvPr>
+            <p:extLst>
+              <p:ext uri="{386F3935-93C4-4BCD-93E2-E3B085C9AB24}">
+                <p16:designElem xmlns:p16="http://schemas.microsoft.com/office/powerpoint/2015/main" val="1"/>
+              </p:ext>
+            </p:extLst>
+          </p:nvPr>
+        </p:nvSpPr>
+        <p:spPr>
+          <a:xfrm>
+            <a:off x="1210277" y="0"/>
+            <a:ext cx="9771446" cy="6858000"/>
+          </a:xfrm>
+          <a:custGeom>
+            <a:avLst/>
+            <a:gdLst>
+              <a:gd name="connsiteX0" fmla="*/ 1422188 w 9771446"/>
+              <a:gd name="connsiteY0" fmla="*/ 0 h 6858000"/>
+              <a:gd name="connsiteX1" fmla="*/ 8349258 w 9771446"/>
+              <a:gd name="connsiteY1" fmla="*/ 0 h 6858000"/>
+              <a:gd name="connsiteX2" fmla="*/ 8502224 w 9771446"/>
+              <a:gd name="connsiteY2" fmla="*/ 159673 h 6858000"/>
+              <a:gd name="connsiteX3" fmla="*/ 9771446 w 9771446"/>
+              <a:gd name="connsiteY3" fmla="*/ 3429001 h 6858000"/>
+              <a:gd name="connsiteX4" fmla="*/ 8502224 w 9771446"/>
+              <a:gd name="connsiteY4" fmla="*/ 6698330 h 6858000"/>
+              <a:gd name="connsiteX5" fmla="*/ 8349260 w 9771446"/>
+              <a:gd name="connsiteY5" fmla="*/ 6858000 h 6858000"/>
+              <a:gd name="connsiteX6" fmla="*/ 1422186 w 9771446"/>
+              <a:gd name="connsiteY6" fmla="*/ 6858000 h 6858000"/>
+              <a:gd name="connsiteX7" fmla="*/ 1269223 w 9771446"/>
+              <a:gd name="connsiteY7" fmla="*/ 6698330 h 6858000"/>
+              <a:gd name="connsiteX8" fmla="*/ 0 w 9771446"/>
+              <a:gd name="connsiteY8" fmla="*/ 3429001 h 6858000"/>
+              <a:gd name="connsiteX9" fmla="*/ 1269223 w 9771446"/>
+              <a:gd name="connsiteY9" fmla="*/ 159673 h 6858000"/>
+            </a:gdLst>
+            <a:ahLst/>
+            <a:cxnLst>
+              <a:cxn ang="0">
+                <a:pos x="connsiteX0" y="connsiteY0"/>
+              </a:cxn>
+              <a:cxn ang="0">
+                <a:pos x="connsiteX1" y="connsiteY1"/>
+              </a:cxn>
+              <a:cxn ang="0">
+                <a:pos x="connsiteX2" y="connsiteY2"/>
+              </a:cxn>
+              <a:cxn ang="0">
+                <a:pos x="connsiteX3" y="connsiteY3"/>
+              </a:cxn>
+              <a:cxn ang="0">
+                <a:pos x="connsiteX4" y="connsiteY4"/>
+              </a:cxn>
+              <a:cxn ang="0">
+                <a:pos x="connsiteX5" y="connsiteY5"/>
+              </a:cxn>
+              <a:cxn ang="0">
+                <a:pos x="connsiteX6" y="connsiteY6"/>
+              </a:cxn>
+              <a:cxn ang="0">
+                <a:pos x="connsiteX7" y="connsiteY7"/>
+              </a:cxn>
+              <a:cxn ang="0">
+                <a:pos x="connsiteX8" y="connsiteY8"/>
+              </a:cxn>
+              <a:cxn ang="0">
+                <a:pos x="connsiteX9" y="connsiteY9"/>
+              </a:cxn>
+            </a:cxnLst>
+            <a:rect l="l" t="t" r="r" b="b"/>
+            <a:pathLst>
+              <a:path w="9771446" h="6858000">
+                <a:moveTo>
+                  <a:pt x="1422188" y="0"/>
+                </a:moveTo>
+                <a:lnTo>
+                  <a:pt x="8349258" y="0"/>
+                </a:lnTo>
+                <a:lnTo>
+                  <a:pt x="8502224" y="159673"/>
+                </a:lnTo>
+                <a:cubicBezTo>
+                  <a:pt x="9290813" y="1023162"/>
+                  <a:pt x="9771446" y="2170221"/>
+                  <a:pt x="9771446" y="3429001"/>
+                </a:cubicBezTo>
+                <a:cubicBezTo>
+                  <a:pt x="9771446" y="4687781"/>
+                  <a:pt x="9290813" y="5834840"/>
+                  <a:pt x="8502224" y="6698330"/>
+                </a:cubicBezTo>
+                <a:lnTo>
+                  <a:pt x="8349260" y="6858000"/>
+                </a:lnTo>
+                <a:lnTo>
+                  <a:pt x="1422186" y="6858000"/>
+                </a:lnTo>
+                <a:lnTo>
+                  <a:pt x="1269223" y="6698330"/>
+                </a:lnTo>
+                <a:cubicBezTo>
+                  <a:pt x="480633" y="5834840"/>
+                  <a:pt x="0" y="4687781"/>
+                  <a:pt x="0" y="3429001"/>
+                </a:cubicBezTo>
+                <a:cubicBezTo>
+                  <a:pt x="0" y="2170221"/>
+                  <a:pt x="480633" y="1023162"/>
+                  <a:pt x="1269223" y="159673"/>
+                </a:cubicBezTo>
+                <a:close/>
+              </a:path>
+            </a:pathLst>
+          </a:custGeom>
+          <a:solidFill>
+            <a:schemeClr val="bg1">
+              <a:lumMod val="85000"/>
+              <a:alpha val="62000"/>
+            </a:schemeClr>
+          </a:solidFill>
+          <a:ln>
+            <a:noFill/>
+          </a:ln>
+        </p:spPr>
+        <p:style>
+          <a:lnRef idx="2">
+            <a:schemeClr val="accent1">
+              <a:shade val="50000"/>
+            </a:schemeClr>
+          </a:lnRef>
+          <a:fillRef idx="1">
+            <a:schemeClr val="accent1"/>
+          </a:fillRef>
+          <a:effectRef idx="0">
+            <a:schemeClr val="accent1"/>
+          </a:effectRef>
+          <a:fontRef idx="minor">
+            <a:schemeClr val="lt1"/>
+          </a:fontRef>
+        </p:style>
+        <p:txBody>
+          <a:bodyPr wrap="square" rtlCol="0" anchor="ctr">
+            <a:noAutofit/>
+          </a:bodyPr>
+          <a:lstStyle/>
+          <a:p>
+            <a:pPr algn="ctr"/>
+            <a:endParaRPr lang="en-US"/>
+          </a:p>
+        </p:txBody>
+      </p:sp>
+      <p:pic>
+        <p:nvPicPr>
+          <p:cNvPr id="1026" name="Picture 2" descr="cookie in Hebrew | Morfix Dictionary מילון ותרגום מורפיקס | cookie תרגום">
+            <a:extLst>
+              <a:ext uri="{FF2B5EF4-FFF2-40B4-BE49-F238E27FC236}">
+                <a16:creationId xmlns:a16="http://schemas.microsoft.com/office/drawing/2014/main" id="{FF1C6ABD-1BD8-8344-8CD2-490055B82DC1}"/>
+              </a:ext>
+            </a:extLst>
+          </p:cNvPr>
+          <p:cNvPicPr>
+            <a:picLocks noChangeAspect="1" noChangeArrowheads="1"/>
+          </p:cNvPicPr>
+          <p:nvPr/>
+        </p:nvPicPr>
+        <p:blipFill rotWithShape="1">
+          <a:blip r:embed="rId2">
+            <a:extLst>
+              <a:ext uri="{28A0092B-C50C-407E-A947-70E740481C1C}">
+                <a14:useLocalDpi xmlns:a14="http://schemas.microsoft.com/office/drawing/2010/main" val="0"/>
+              </a:ext>
+            </a:extLst>
+          </a:blip>
+          <a:srcRect l="5728" r="-1" b="-1"/>
+          <a:stretch/>
+        </p:blipFill>
+        <p:spPr bwMode="auto">
+          <a:xfrm>
+            <a:off x="1460597" y="10"/>
+            <a:ext cx="9270806" cy="6857990"/>
+          </a:xfrm>
+          <a:custGeom>
+            <a:avLst/>
+            <a:gdLst/>
+            <a:ahLst/>
+            <a:cxnLst/>
+            <a:rect l="l" t="t" r="r" b="b"/>
+            <a:pathLst>
+              <a:path w="9270806" h="6858000">
+                <a:moveTo>
+                  <a:pt x="1503712" y="0"/>
+                </a:moveTo>
+                <a:lnTo>
+                  <a:pt x="7767094" y="0"/>
+                </a:lnTo>
+                <a:lnTo>
+                  <a:pt x="7913128" y="139721"/>
+                </a:lnTo>
+                <a:cubicBezTo>
+                  <a:pt x="8751971" y="981521"/>
+                  <a:pt x="9270806" y="2144457"/>
+                  <a:pt x="9270806" y="3429000"/>
+                </a:cubicBezTo>
+                <a:cubicBezTo>
+                  <a:pt x="9270806" y="4713544"/>
+                  <a:pt x="8751971" y="5876479"/>
+                  <a:pt x="7913128" y="6718279"/>
+                </a:cubicBezTo>
+                <a:lnTo>
+                  <a:pt x="7767094" y="6858000"/>
+                </a:lnTo>
+                <a:lnTo>
+                  <a:pt x="1503712" y="6858000"/>
+                </a:lnTo>
+                <a:lnTo>
+                  <a:pt x="1357679" y="6718279"/>
+                </a:lnTo>
+                <a:cubicBezTo>
+                  <a:pt x="518835" y="5876479"/>
+                  <a:pt x="0" y="4713544"/>
+                  <a:pt x="0" y="3429000"/>
+                </a:cubicBezTo>
+                <a:cubicBezTo>
+                  <a:pt x="0" y="2144457"/>
+                  <a:pt x="518835" y="981521"/>
+                  <a:pt x="1357679" y="139721"/>
+                </a:cubicBezTo>
+                <a:close/>
+              </a:path>
+            </a:pathLst>
+          </a:custGeom>
+          <a:noFill/>
+          <a:extLst>
+            <a:ext uri="{909E8E84-426E-40DD-AFC4-6F175D3DCCD1}">
+              <a14:hiddenFill xmlns:a14="http://schemas.microsoft.com/office/drawing/2010/main">
+                <a:solidFill>
+                  <a:srgbClr val="FFFFFF"/>
+                </a:solidFill>
+              </a14:hiddenFill>
+            </a:ext>
+          </a:extLst>
+        </p:spPr>
+      </p:pic>
+    </p:spTree>
+    <p:extLst>
+      <p:ext uri="{BB962C8B-B14F-4D97-AF65-F5344CB8AC3E}">
+        <p14:creationId xmlns:p14="http://schemas.microsoft.com/office/powerpoint/2010/main" val="4036632157"/>
       </p:ext>
     </p:extLst>
   </p:cSld>
@@ -9327,11 +10420,11 @@
               </a:spcAft>
             </a:pPr>
             <a:r>
-              <a:rPr lang="en-US" sz="2800" dirty="0"/>
+              <a:rPr lang="en-US" sz="3000" dirty="0"/>
               <a:t>To fix this, we have three main </a:t>
             </a:r>
             <a:r>
-              <a:rPr lang="en-US" sz="2800" i="1" dirty="0">
+              <a:rPr lang="en-US" sz="3000" i="1" dirty="0">
                 <a:solidFill>
                   <a:srgbClr val="FF0000"/>
                 </a:solidFill>
@@ -9339,7 +10432,7 @@
               <a:t>workarounds</a:t>
             </a:r>
             <a:r>
-              <a:rPr lang="en-US" sz="2800" dirty="0"/>
+              <a:rPr lang="en-US" sz="3000" dirty="0"/>
               <a:t> that can be used:</a:t>
             </a:r>
           </a:p>
@@ -9352,7 +10445,7 @@
                 <a:spcPts val="600"/>
               </a:spcAft>
             </a:pPr>
-            <a:endParaRPr lang="en-US" sz="2800" dirty="0"/>
+            <a:endParaRPr lang="en-US" sz="3000" dirty="0"/>
           </a:p>
           <a:p>
             <a:pPr marL="457200" indent="-457200" defTabSz="914400">
@@ -9366,7 +10459,7 @@
               <a:buChar char="•"/>
             </a:pPr>
             <a:r>
-              <a:rPr lang="en-US" sz="2800" i="1" dirty="0">
+              <a:rPr lang="en-US" sz="3000" i="1" dirty="0">
                 <a:solidFill>
                   <a:srgbClr val="FF0000"/>
                 </a:solidFill>
@@ -9374,7 +10467,7 @@
               <a:t>Synchronize sessions between server</a:t>
             </a:r>
             <a:r>
-              <a:rPr lang="en-US" sz="2800" dirty="0">
+              <a:rPr lang="en-US" sz="3000" dirty="0">
                 <a:solidFill>
                   <a:srgbClr val="FF0000"/>
                 </a:solidFill>
@@ -9382,7 +10475,7 @@
               <a:t>s</a:t>
             </a:r>
             <a:r>
-              <a:rPr lang="en-US" sz="2800" dirty="0"/>
+              <a:rPr lang="en-US" sz="3000" dirty="0"/>
               <a:t> — tricky and error-prone;</a:t>
             </a:r>
           </a:p>
@@ -9398,7 +10491,7 @@
               <a:buChar char="•"/>
             </a:pPr>
             <a:r>
-              <a:rPr lang="en-US" sz="2800" i="1" dirty="0">
+              <a:rPr lang="en-US" sz="3000" i="1" dirty="0">
                 <a:solidFill>
                   <a:srgbClr val="FF0000"/>
                 </a:solidFill>
@@ -9406,7 +10499,7 @@
               <a:t>Use an external in-memory database</a:t>
             </a:r>
             <a:r>
-              <a:rPr lang="en-US" sz="2800" dirty="0">
+              <a:rPr lang="en-US" sz="3000" dirty="0">
                 <a:solidFill>
                   <a:srgbClr val="FF0000"/>
                 </a:solidFill>
@@ -9414,7 +10507,7 @@
               <a:t> </a:t>
             </a:r>
             <a:r>
-              <a:rPr lang="en-US" sz="2800" dirty="0"/>
+              <a:rPr lang="en-US" sz="3000" dirty="0"/>
               <a:t>— good solution, but it will add another component to the infrastructure;</a:t>
             </a:r>
           </a:p>
@@ -9430,11 +10523,11 @@
               <a:buChar char="•"/>
             </a:pPr>
             <a:r>
-              <a:rPr lang="en-US" sz="2800" dirty="0"/>
+              <a:rPr lang="en-US" sz="3000" dirty="0"/>
               <a:t>Embrace the </a:t>
             </a:r>
             <a:r>
-              <a:rPr lang="en-US" sz="2800" dirty="0">
+              <a:rPr lang="en-US" sz="3000" dirty="0">
                 <a:solidFill>
                   <a:srgbClr val="FF0000"/>
                 </a:solidFill>
@@ -9442,7 +10535,7 @@
               <a:t>stateless</a:t>
             </a:r>
             <a:r>
-              <a:rPr lang="en-US" sz="2800" dirty="0"/>
+              <a:rPr lang="en-US" sz="3000" dirty="0"/>
               <a:t> nature of HTTP and search for a better solution!</a:t>
             </a:r>
           </a:p>
@@ -9457,7 +10550,7 @@
               <a:buFont typeface="Arial" panose="020B0604020202020204" pitchFamily="34" charset="0"/>
               <a:buChar char="•"/>
             </a:pPr>
-            <a:endParaRPr lang="en-US" sz="2800" dirty="0"/>
+            <a:endParaRPr lang="en-US" sz="3000" dirty="0"/>
           </a:p>
           <a:p>
             <a:pPr marL="457200" indent="-457200" defTabSz="914400">
@@ -9470,7 +10563,7 @@
               <a:buFont typeface="Arial" panose="020B0604020202020204" pitchFamily="34" charset="0"/>
               <a:buChar char="•"/>
             </a:pPr>
-            <a:endParaRPr lang="en-US" sz="2800" dirty="0"/>
+            <a:endParaRPr lang="en-US" sz="3000" dirty="0"/>
           </a:p>
           <a:p>
             <a:pPr defTabSz="914400">
@@ -9482,11 +10575,11 @@
               </a:spcAft>
             </a:pPr>
             <a:r>
-              <a:rPr lang="en-US" sz="2800" dirty="0"/>
+              <a:rPr lang="en-US" sz="3000" dirty="0"/>
               <a:t>JSON Web Token (JWT) is an open standard that defines a way for transmitting information –like </a:t>
             </a:r>
             <a:r>
-              <a:rPr lang="en-US" sz="2800" dirty="0">
+              <a:rPr lang="en-US" sz="3000" dirty="0">
                 <a:solidFill>
                   <a:srgbClr val="FF0000"/>
                 </a:solidFill>
@@ -9494,11 +10587,11 @@
               <a:t>authentication</a:t>
             </a:r>
             <a:r>
-              <a:rPr lang="en-US" sz="2800" dirty="0"/>
+              <a:rPr lang="en-US" sz="3000" dirty="0"/>
               <a:t> and </a:t>
             </a:r>
             <a:r>
-              <a:rPr lang="en-US" sz="2800" dirty="0">
+              <a:rPr lang="en-US" sz="3000" dirty="0">
                 <a:solidFill>
                   <a:srgbClr val="FF0000"/>
                 </a:solidFill>
@@ -9506,23 +10599,23 @@
               <a:t>authorization</a:t>
             </a:r>
             <a:r>
-              <a:rPr lang="en-US" sz="2800" dirty="0"/>
+              <a:rPr lang="en-US" sz="3000" dirty="0"/>
               <a:t> facts– between two parties: an </a:t>
             </a:r>
             <a:r>
-              <a:rPr lang="en-US" sz="2800" i="1" dirty="0"/>
+              <a:rPr lang="en-US" sz="3000" i="1" dirty="0"/>
               <a:t>issuer</a:t>
             </a:r>
             <a:r>
-              <a:rPr lang="en-US" sz="2800" dirty="0"/>
+              <a:rPr lang="en-US" sz="3000" dirty="0"/>
               <a:t> and an </a:t>
             </a:r>
             <a:r>
-              <a:rPr lang="en-US" sz="2800" i="1" dirty="0"/>
+              <a:rPr lang="en-US" sz="3000" i="1" dirty="0"/>
               <a:t>audience</a:t>
             </a:r>
             <a:r>
-              <a:rPr lang="en-US" sz="2800" dirty="0"/>
+              <a:rPr lang="en-US" sz="3000" dirty="0"/>
               <a:t>.</a:t>
             </a:r>
           </a:p>
@@ -9718,7 +10811,7 @@
               </a:spcAft>
             </a:pPr>
             <a:r>
-              <a:rPr lang="en-US" sz="2800" dirty="0" err="1">
+              <a:rPr lang="en-US" sz="3600" dirty="0" err="1">
                 <a:solidFill>
                   <a:srgbClr val="FF0000"/>
                 </a:solidFill>
@@ -9726,11 +10819,11 @@
               <a:t>header</a:t>
             </a:r>
             <a:r>
-              <a:rPr lang="en-US" sz="2800" dirty="0" err="1"/>
+              <a:rPr lang="en-US" sz="3600" dirty="0" err="1"/>
               <a:t>.</a:t>
             </a:r>
             <a:r>
-              <a:rPr lang="en-US" sz="2800" dirty="0" err="1">
+              <a:rPr lang="en-US" sz="3600" dirty="0" err="1">
                 <a:solidFill>
                   <a:srgbClr val="FFC000"/>
                 </a:solidFill>
@@ -9738,18 +10831,18 @@
               <a:t>payload</a:t>
             </a:r>
             <a:r>
-              <a:rPr lang="en-US" sz="2800" dirty="0" err="1"/>
+              <a:rPr lang="en-US" sz="3600" dirty="0" err="1"/>
               <a:t>.</a:t>
             </a:r>
             <a:r>
-              <a:rPr lang="en-US" sz="2800" dirty="0" err="1">
+              <a:rPr lang="en-US" sz="3600" dirty="0" err="1">
                 <a:solidFill>
                   <a:srgbClr val="00B050"/>
                 </a:solidFill>
               </a:rPr>
               <a:t>signature</a:t>
             </a:r>
-            <a:endParaRPr lang="en-US" sz="2800" dirty="0">
+            <a:endParaRPr lang="en-US" sz="3600" dirty="0">
               <a:solidFill>
                 <a:srgbClr val="00B050"/>
               </a:solidFill>
@@ -9773,6 +10866,14 @@
 <file path=ppt/slides/slide17.xml><?xml version="1.0" encoding="utf-8"?>
 <p:sld xmlns:a="http://schemas.openxmlformats.org/drawingml/2006/main" xmlns:r="http://schemas.openxmlformats.org/officeDocument/2006/relationships" xmlns:p="http://schemas.openxmlformats.org/presentationml/2006/main">
   <p:cSld>
+    <p:bg>
+      <p:bgPr>
+        <a:solidFill>
+          <a:schemeClr val="bg1"/>
+        </a:solidFill>
+        <a:effectLst/>
+      </p:bgPr>
+    </p:bg>
     <p:spTree>
       <p:nvGrpSpPr>
         <p:cNvPr id="1" name=""/>
@@ -9805,30 +10906,26 @@
         </p:nvSpPr>
         <p:spPr>
           <a:xfrm>
-            <a:off x="455319" y="177088"/>
-            <a:ext cx="10515600" cy="1325563"/>
+            <a:off x="3831454" y="31192"/>
+            <a:ext cx="6586491" cy="865781"/>
           </a:xfrm>
         </p:spPr>
         <p:txBody>
-          <a:bodyPr>
+          <a:bodyPr vert="horz" lIns="91440" tIns="45720" rIns="91440" bIns="45720" rtlCol="0" anchor="b">
             <a:normAutofit/>
           </a:bodyPr>
           <a:lstStyle/>
           <a:p>
             <a:r>
               <a:rPr lang="en-US" sz="4800" dirty="0"/>
-              <a:t>S</a:t>
-            </a:r>
-            <a:r>
-              <a:rPr lang="en-IL" sz="4800" dirty="0"/>
-              <a:t>ome basics// TODO</a:t>
+              <a:t>Some basics definitions</a:t>
             </a:r>
           </a:p>
         </p:txBody>
       </p:sp>
       <p:sp>
         <p:nvSpPr>
-          <p:cNvPr id="7" name="TextBox 6">
+          <p:cNvPr id="11" name="TextBox 6">
             <a:extLst>
               <a:ext uri="{FF2B5EF4-FFF2-40B4-BE49-F238E27FC236}">
                 <a16:creationId xmlns:a16="http://schemas.microsoft.com/office/drawing/2014/main" id="{0D434488-5884-DC47-825F-DB289BAA0DD0}"/>
@@ -9840,8 +10937,8 @@
         </p:nvSpPr>
         <p:spPr>
           <a:xfrm>
-            <a:off x="455319" y="1485187"/>
-            <a:ext cx="11281362" cy="4687013"/>
+            <a:off x="2910841" y="1521813"/>
+            <a:ext cx="9143999" cy="5031387"/>
           </a:xfrm>
           <a:prstGeom prst="rect">
             <a:avLst/>
@@ -9849,113 +10946,192 @@
         </p:spPr>
         <p:txBody>
           <a:bodyPr vert="horz" lIns="91440" tIns="45720" rIns="91440" bIns="45720" rtlCol="0">
-            <a:normAutofit/>
+            <a:noAutofit/>
           </a:bodyPr>
           <a:lstStyle/>
           <a:p>
-            <a:r>
-              <a:rPr lang="en-US" sz="2400" dirty="0"/>
+            <a:pPr indent="-228600" defTabSz="914400">
+              <a:lnSpc>
+                <a:spcPct val="90000"/>
+              </a:lnSpc>
+              <a:spcAft>
+                <a:spcPts val="600"/>
+              </a:spcAft>
+              <a:buFont typeface="Arial" panose="020B0604020202020204" pitchFamily="34" charset="0"/>
+              <a:buChar char="•"/>
+            </a:pPr>
+            <a:r>
+              <a:rPr lang="en-US" sz="2800" u="sng" dirty="0"/>
               <a:t>Encoding:</a:t>
             </a:r>
-          </a:p>
-          <a:p>
-            <a:endParaRPr lang="en-US" sz="2400" dirty="0"/>
-          </a:p>
-          <a:p>
-            <a:r>
-              <a:rPr lang="en-US" sz="2400" dirty="0"/>
-              <a:t>Encryption:</a:t>
-            </a:r>
-          </a:p>
-          <a:p>
-            <a:endParaRPr lang="en-US" sz="2400" dirty="0"/>
-          </a:p>
-          <a:p>
-            <a:r>
-              <a:rPr lang="en-US" sz="2400" dirty="0"/>
-              <a:t>Private key Vs Public key: </a:t>
-            </a:r>
-            <a:r>
-              <a:rPr lang="en-US" sz="2400" i="1" dirty="0"/>
-              <a:t> In asymmetric encryption, a </a:t>
-            </a:r>
-            <a:r>
-              <a:rPr lang="en-US" sz="2400" i="1" dirty="0">
-                <a:solidFill>
-                  <a:srgbClr val="FF0000"/>
-                </a:solidFill>
-              </a:rPr>
-              <a:t>public key </a:t>
-            </a:r>
-            <a:r>
-              <a:rPr lang="en-US" sz="2400" i="1" dirty="0"/>
-              <a:t>is used to </a:t>
-            </a:r>
-            <a:r>
-              <a:rPr lang="en-US" sz="2400" i="1" dirty="0">
-                <a:solidFill>
-                  <a:srgbClr val="FF0000"/>
-                </a:solidFill>
-              </a:rPr>
-              <a:t>encrypt</a:t>
-            </a:r>
-            <a:r>
-              <a:rPr lang="en-US" sz="2400" i="1" dirty="0"/>
-              <a:t> a message, whereas a </a:t>
-            </a:r>
-            <a:r>
-              <a:rPr lang="en-US" sz="2400" i="1" dirty="0">
-                <a:solidFill>
-                  <a:srgbClr val="92D050"/>
-                </a:solidFill>
-              </a:rPr>
-              <a:t>private key </a:t>
-            </a:r>
-            <a:r>
-              <a:rPr lang="en-US" sz="2400" i="1" dirty="0"/>
-              <a:t>is used to </a:t>
-            </a:r>
-            <a:r>
-              <a:rPr lang="en-US" sz="2400" i="1" dirty="0">
-                <a:solidFill>
-                  <a:srgbClr val="92D050"/>
-                </a:solidFill>
-              </a:rPr>
-              <a:t>decrypt</a:t>
-            </a:r>
-            <a:r>
-              <a:rPr lang="en-US" sz="2400" i="1" dirty="0"/>
-              <a:t> it.</a:t>
-            </a:r>
-            <a:r>
-              <a:rPr lang="en-US" sz="2400" dirty="0"/>
-              <a:t> </a:t>
-            </a:r>
-          </a:p>
-          <a:p>
-            <a:endParaRPr lang="en-US" sz="2400" dirty="0"/>
-          </a:p>
-          <a:p>
-            <a:r>
-              <a:rPr lang="en-US" sz="2400" dirty="0"/>
-              <a:t>Algorithm:</a:t>
-            </a:r>
-          </a:p>
-          <a:p>
-            <a:endParaRPr lang="en-US" sz="2400" dirty="0"/>
-          </a:p>
-          <a:p>
-            <a:r>
-              <a:rPr lang="en-US" sz="2400" dirty="0" err="1"/>
-              <a:t>signin</a:t>
-            </a:r>
-            <a:r>
-              <a:rPr lang="en-US" sz="2400" dirty="0"/>
-              <a:t> algorithm:</a:t>
-            </a:r>
+            <a:r>
+              <a:rPr lang="en-US" sz="2800" dirty="0"/>
+              <a:t> process of putting a sequence of characters (letters, numbers, punctuation, and certain symbols) into a specialized format for efficient transmission or storage</a:t>
+            </a:r>
+          </a:p>
+          <a:p>
+            <a:pPr indent="-228600" defTabSz="914400">
+              <a:lnSpc>
+                <a:spcPct val="90000"/>
+              </a:lnSpc>
+              <a:spcAft>
+                <a:spcPts val="600"/>
+              </a:spcAft>
+              <a:buFont typeface="Arial" panose="020B0604020202020204" pitchFamily="34" charset="0"/>
+              <a:buChar char="•"/>
+            </a:pPr>
+            <a:endParaRPr lang="en-US" sz="2800" dirty="0"/>
+          </a:p>
+          <a:p>
+            <a:pPr indent="-228600" defTabSz="914400">
+              <a:lnSpc>
+                <a:spcPct val="90000"/>
+              </a:lnSpc>
+              <a:spcAft>
+                <a:spcPts val="600"/>
+              </a:spcAft>
+              <a:buFont typeface="Arial" panose="020B0604020202020204" pitchFamily="34" charset="0"/>
+              <a:buChar char="•"/>
+            </a:pPr>
+            <a:r>
+              <a:rPr lang="en-US" sz="2800" u="sng" dirty="0"/>
+              <a:t>Encryption</a:t>
+            </a:r>
+            <a:r>
+              <a:rPr lang="en-US" sz="2800" dirty="0"/>
+              <a:t>: process of taking plain text, like a text message or email, and scrambling it into an unreadable format — called “cipher text.”</a:t>
+            </a:r>
+          </a:p>
+          <a:p>
+            <a:pPr indent="-228600" defTabSz="914400">
+              <a:lnSpc>
+                <a:spcPct val="90000"/>
+              </a:lnSpc>
+              <a:spcAft>
+                <a:spcPts val="600"/>
+              </a:spcAft>
+              <a:buFont typeface="Arial" panose="020B0604020202020204" pitchFamily="34" charset="0"/>
+              <a:buChar char="•"/>
+            </a:pPr>
+            <a:endParaRPr lang="en-US" sz="2800" dirty="0"/>
+          </a:p>
+          <a:p>
+            <a:pPr indent="-228600" defTabSz="914400">
+              <a:lnSpc>
+                <a:spcPct val="90000"/>
+              </a:lnSpc>
+              <a:spcAft>
+                <a:spcPts val="600"/>
+              </a:spcAft>
+              <a:buFont typeface="Arial" panose="020B0604020202020204" pitchFamily="34" charset="0"/>
+              <a:buChar char="•"/>
+            </a:pPr>
+            <a:r>
+              <a:rPr lang="en-US" sz="2800" u="sng" dirty="0"/>
+              <a:t>Private key Vs Public key</a:t>
+            </a:r>
+            <a:r>
+              <a:rPr lang="en-US" sz="2800" dirty="0"/>
+              <a:t>:  In asymmetric encryption, a public key is used to encrypt a message, whereas a private key is used to decrypt it. </a:t>
+            </a:r>
+          </a:p>
+          <a:p>
+            <a:pPr indent="-228600" defTabSz="914400">
+              <a:lnSpc>
+                <a:spcPct val="90000"/>
+              </a:lnSpc>
+              <a:spcAft>
+                <a:spcPts val="600"/>
+              </a:spcAft>
+              <a:buFont typeface="Arial" panose="020B0604020202020204" pitchFamily="34" charset="0"/>
+              <a:buChar char="•"/>
+            </a:pPr>
+            <a:endParaRPr lang="en-US" sz="2800" dirty="0"/>
           </a:p>
         </p:txBody>
       </p:sp>
+      <p:pic>
+        <p:nvPicPr>
+          <p:cNvPr id="12" name="Picture 8" descr="Padlock on computer motherboard">
+            <a:extLst>
+              <a:ext uri="{FF2B5EF4-FFF2-40B4-BE49-F238E27FC236}">
+                <a16:creationId xmlns:a16="http://schemas.microsoft.com/office/drawing/2014/main" id="{75E88641-D603-4DF4-99B1-EEDE29458562}"/>
+              </a:ext>
+            </a:extLst>
+          </p:cNvPr>
+          <p:cNvPicPr>
+            <a:picLocks noChangeAspect="1"/>
+          </p:cNvPicPr>
+          <p:nvPr/>
+        </p:nvPicPr>
+        <p:blipFill rotWithShape="1">
+          <a:blip r:embed="rId3"/>
+          <a:srcRect l="15763" r="39117" b="-1"/>
+          <a:stretch/>
+        </p:blipFill>
+        <p:spPr>
+          <a:xfrm>
+            <a:off x="21" y="10"/>
+            <a:ext cx="2910820" cy="4800586"/>
+          </a:xfrm>
+          <a:prstGeom prst="rect">
+            <a:avLst/>
+          </a:prstGeom>
+          <a:effectLst/>
+        </p:spPr>
+      </p:pic>
+      <p:cxnSp>
+        <p:nvCxnSpPr>
+          <p:cNvPr id="13" name="Straight Connector 12">
+            <a:extLst>
+              <a:ext uri="{FF2B5EF4-FFF2-40B4-BE49-F238E27FC236}">
+                <a16:creationId xmlns:a16="http://schemas.microsoft.com/office/drawing/2014/main" id="{A7F400EE-A8A5-48AF-B4D6-291B52C6F0B0}"/>
+              </a:ext>
+              <a:ext uri="{C183D7F6-B498-43B3-948B-1728B52AA6E4}">
+                <adec:decorative xmlns:adec="http://schemas.microsoft.com/office/drawing/2017/decorative" val="1"/>
+              </a:ext>
+            </a:extLst>
+          </p:cNvPr>
+          <p:cNvCxnSpPr>
+            <a:cxnSpLocks noGrp="1" noRot="1" noChangeAspect="1" noMove="1" noResize="1" noEditPoints="1" noAdjustHandles="1" noChangeArrowheads="1" noChangeShapeType="1"/>
+          </p:cNvCxnSpPr>
+          <p:nvPr>
+            <p:extLst>
+              <p:ext uri="{386F3935-93C4-4BCD-93E2-E3B085C9AB24}">
+                <p16:designElem xmlns:p16="http://schemas.microsoft.com/office/powerpoint/2015/main" val="1"/>
+              </p:ext>
+            </p:extLst>
+          </p:nvPr>
+        </p:nvCxnSpPr>
+        <p:spPr>
+          <a:xfrm>
+            <a:off x="5080934" y="2115117"/>
+            <a:ext cx="6309360" cy="0"/>
+          </a:xfrm>
+          <a:prstGeom prst="line">
+            <a:avLst/>
+          </a:prstGeom>
+          <a:ln w="19050">
+            <a:solidFill>
+              <a:schemeClr val="accent1"/>
+            </a:solidFill>
+          </a:ln>
+        </p:spPr>
+        <p:style>
+          <a:lnRef idx="1">
+            <a:schemeClr val="accent1"/>
+          </a:lnRef>
+          <a:fillRef idx="0">
+            <a:schemeClr val="accent1"/>
+          </a:fillRef>
+          <a:effectRef idx="0">
+            <a:schemeClr val="accent1"/>
+          </a:effectRef>
+          <a:fontRef idx="minor">
+            <a:schemeClr val="tx1"/>
+          </a:fontRef>
+        </p:style>
+      </p:cxnSp>
     </p:spTree>
     <p:extLst>
       <p:ext uri="{BB962C8B-B14F-4D97-AF65-F5344CB8AC3E}">
@@ -9972,6 +11148,14 @@
 <file path=ppt/slides/slide18.xml><?xml version="1.0" encoding="utf-8"?>
 <p:sld xmlns:a="http://schemas.openxmlformats.org/drawingml/2006/main" xmlns:r="http://schemas.openxmlformats.org/officeDocument/2006/relationships" xmlns:p="http://schemas.openxmlformats.org/presentationml/2006/main">
   <p:cSld>
+    <p:bg>
+      <p:bgPr>
+        <a:solidFill>
+          <a:srgbClr val="000000"/>
+        </a:solidFill>
+        <a:effectLst/>
+      </p:bgPr>
+    </p:bg>
     <p:spTree>
       <p:nvGrpSpPr>
         <p:cNvPr id="1" name=""/>
@@ -9988,6 +11172,224 @@
       </p:grpSpPr>
       <p:sp>
         <p:nvSpPr>
+          <p:cNvPr id="18" name="Rectangle 17">
+            <a:extLst>
+              <a:ext uri="{FF2B5EF4-FFF2-40B4-BE49-F238E27FC236}">
+                <a16:creationId xmlns:a16="http://schemas.microsoft.com/office/drawing/2014/main" id="{71B2258F-86CA-4D4D-8270-BC05FCDEBFB3}"/>
+              </a:ext>
+              <a:ext uri="{C183D7F6-B498-43B3-948B-1728B52AA6E4}">
+                <adec:decorative xmlns:adec="http://schemas.microsoft.com/office/drawing/2017/decorative" val="1"/>
+              </a:ext>
+            </a:extLst>
+          </p:cNvPr>
+          <p:cNvSpPr>
+            <a:spLocks noGrp="1" noRot="1" noChangeAspect="1" noMove="1" noResize="1" noEditPoints="1" noAdjustHandles="1" noChangeArrowheads="1" noChangeShapeType="1" noTextEdit="1"/>
+          </p:cNvSpPr>
+          <p:nvPr>
+            <p:extLst>
+              <p:ext uri="{386F3935-93C4-4BCD-93E2-E3B085C9AB24}">
+                <p16:designElem xmlns:p16="http://schemas.microsoft.com/office/powerpoint/2015/main" val="1"/>
+              </p:ext>
+            </p:extLst>
+          </p:nvPr>
+        </p:nvSpPr>
+        <p:spPr>
+          <a:xfrm>
+            <a:off x="0" y="0"/>
+            <a:ext cx="12192000" cy="6857999"/>
+          </a:xfrm>
+          <a:prstGeom prst="rect">
+            <a:avLst/>
+          </a:prstGeom>
+          <a:solidFill>
+            <a:srgbClr val="000000"/>
+          </a:solidFill>
+          <a:ln>
+            <a:noFill/>
+          </a:ln>
+        </p:spPr>
+        <p:style>
+          <a:lnRef idx="2">
+            <a:schemeClr val="accent1">
+              <a:shade val="50000"/>
+            </a:schemeClr>
+          </a:lnRef>
+          <a:fillRef idx="1">
+            <a:schemeClr val="accent1"/>
+          </a:fillRef>
+          <a:effectRef idx="0">
+            <a:schemeClr val="accent1"/>
+          </a:effectRef>
+          <a:fontRef idx="minor">
+            <a:schemeClr val="lt1"/>
+          </a:fontRef>
+        </p:style>
+        <p:txBody>
+          <a:bodyPr rtlCol="0" anchor="ctr"/>
+          <a:lstStyle/>
+          <a:p>
+            <a:pPr algn="ctr"/>
+            <a:endParaRPr lang="en-US"/>
+          </a:p>
+        </p:txBody>
+      </p:sp>
+      <p:pic>
+        <p:nvPicPr>
+          <p:cNvPr id="12" name="Picture 8" descr="Padlock on computer motherboard">
+            <a:extLst>
+              <a:ext uri="{FF2B5EF4-FFF2-40B4-BE49-F238E27FC236}">
+                <a16:creationId xmlns:a16="http://schemas.microsoft.com/office/drawing/2014/main" id="{75E88641-D603-4DF4-99B1-EEDE29458562}"/>
+              </a:ext>
+            </a:extLst>
+          </p:cNvPr>
+          <p:cNvPicPr>
+            <a:picLocks noChangeAspect="1"/>
+          </p:cNvPicPr>
+          <p:nvPr/>
+        </p:nvPicPr>
+        <p:blipFill rotWithShape="1">
+          <a:blip r:embed="rId3">
+            <a:alphaModFix amt="50000"/>
+          </a:blip>
+          <a:srcRect t="2203" b="13527"/>
+          <a:stretch/>
+        </p:blipFill>
+        <p:spPr>
+          <a:xfrm>
+            <a:off x="20" y="1"/>
+            <a:ext cx="12191980" cy="6857999"/>
+          </a:xfrm>
+          <a:prstGeom prst="rect">
+            <a:avLst/>
+          </a:prstGeom>
+        </p:spPr>
+      </p:pic>
+      <p:pic>
+        <p:nvPicPr>
+          <p:cNvPr id="2050" name="Picture 2" descr="Key Encryption (Sun Java System Directory Server Enterprise Edition 6.0  Reference)">
+            <a:extLst>
+              <a:ext uri="{FF2B5EF4-FFF2-40B4-BE49-F238E27FC236}">
+                <a16:creationId xmlns:a16="http://schemas.microsoft.com/office/drawing/2014/main" id="{18B11A2A-1D1C-7B4E-AEA9-4D8D3FACFFE9}"/>
+              </a:ext>
+            </a:extLst>
+          </p:cNvPr>
+          <p:cNvPicPr>
+            <a:picLocks noChangeAspect="1" noChangeArrowheads="1"/>
+          </p:cNvPicPr>
+          <p:nvPr/>
+        </p:nvPicPr>
+        <p:blipFill>
+          <a:blip r:embed="rId4">
+            <a:extLst>
+              <a:ext uri="{28A0092B-C50C-407E-A947-70E740481C1C}">
+                <a14:useLocalDpi xmlns:a14="http://schemas.microsoft.com/office/drawing/2010/main" val="0"/>
+              </a:ext>
+            </a:extLst>
+          </a:blip>
+          <a:srcRect/>
+          <a:stretch>
+            <a:fillRect/>
+          </a:stretch>
+        </p:blipFill>
+        <p:spPr bwMode="auto">
+          <a:xfrm>
+            <a:off x="1619358" y="112880"/>
+            <a:ext cx="8378692" cy="3190723"/>
+          </a:xfrm>
+          <a:prstGeom prst="rect">
+            <a:avLst/>
+          </a:prstGeom>
+          <a:noFill/>
+          <a:extLst>
+            <a:ext uri="{909E8E84-426E-40DD-AFC4-6F175D3DCCD1}">
+              <a14:hiddenFill xmlns:a14="http://schemas.microsoft.com/office/drawing/2010/main">
+                <a:solidFill>
+                  <a:srgbClr val="FFFFFF"/>
+                </a:solidFill>
+              </a14:hiddenFill>
+            </a:ext>
+          </a:extLst>
+        </p:spPr>
+      </p:pic>
+      <p:pic>
+        <p:nvPicPr>
+          <p:cNvPr id="2052" name="Picture 4" descr="What is Public Key Cryptography?">
+            <a:extLst>
+              <a:ext uri="{FF2B5EF4-FFF2-40B4-BE49-F238E27FC236}">
+                <a16:creationId xmlns:a16="http://schemas.microsoft.com/office/drawing/2014/main" id="{138C884E-9F12-3740-BD61-8E96F332B22C}"/>
+              </a:ext>
+            </a:extLst>
+          </p:cNvPr>
+          <p:cNvPicPr>
+            <a:picLocks noChangeAspect="1" noChangeArrowheads="1"/>
+          </p:cNvPicPr>
+          <p:nvPr/>
+        </p:nvPicPr>
+        <p:blipFill>
+          <a:blip r:embed="rId5">
+            <a:extLst>
+              <a:ext uri="{28A0092B-C50C-407E-A947-70E740481C1C}">
+                <a14:useLocalDpi xmlns:a14="http://schemas.microsoft.com/office/drawing/2010/main" val="0"/>
+              </a:ext>
+            </a:extLst>
+          </a:blip>
+          <a:srcRect/>
+          <a:stretch>
+            <a:fillRect/>
+          </a:stretch>
+        </p:blipFill>
+        <p:spPr bwMode="auto">
+          <a:xfrm>
+            <a:off x="1368587" y="3303604"/>
+            <a:ext cx="8919102" cy="3554395"/>
+          </a:xfrm>
+          <a:prstGeom prst="rect">
+            <a:avLst/>
+          </a:prstGeom>
+          <a:noFill/>
+          <a:extLst>
+            <a:ext uri="{909E8E84-426E-40DD-AFC4-6F175D3DCCD1}">
+              <a14:hiddenFill xmlns:a14="http://schemas.microsoft.com/office/drawing/2010/main">
+                <a:solidFill>
+                  <a:srgbClr val="FFFFFF"/>
+                </a:solidFill>
+              </a14:hiddenFill>
+            </a:ext>
+          </a:extLst>
+        </p:spPr>
+      </p:pic>
+    </p:spTree>
+    <p:extLst>
+      <p:ext uri="{BB962C8B-B14F-4D97-AF65-F5344CB8AC3E}">
+        <p14:creationId xmlns:p14="http://schemas.microsoft.com/office/powerpoint/2010/main" val="1556884237"/>
+      </p:ext>
+    </p:extLst>
+  </p:cSld>
+  <p:clrMapOvr>
+    <a:masterClrMapping/>
+  </p:clrMapOvr>
+</p:sld>
+</file>
+
+<file path=ppt/slides/slide19.xml><?xml version="1.0" encoding="utf-8"?>
+<p:sld xmlns:a="http://schemas.openxmlformats.org/drawingml/2006/main" xmlns:r="http://schemas.openxmlformats.org/officeDocument/2006/relationships" xmlns:p="http://schemas.openxmlformats.org/presentationml/2006/main">
+  <p:cSld>
+    <p:spTree>
+      <p:nvGrpSpPr>
+        <p:cNvPr id="1" name=""/>
+        <p:cNvGrpSpPr/>
+        <p:nvPr/>
+      </p:nvGrpSpPr>
+      <p:grpSpPr>
+        <a:xfrm>
+          <a:off x="0" y="0"/>
+          <a:ext cx="0" cy="0"/>
+          <a:chOff x="0" y="0"/>
+          <a:chExt cx="0" cy="0"/>
+        </a:xfrm>
+      </p:grpSpPr>
+      <p:sp>
+        <p:nvSpPr>
           <p:cNvPr id="4" name="Title 5">
             <a:extLst>
               <a:ext uri="{FF2B5EF4-FFF2-40B4-BE49-F238E27FC236}">
@@ -10049,7 +11451,7 @@
           <a:lstStyle/>
           <a:p>
             <a:r>
-              <a:rPr lang="en-US" sz="2400" dirty="0"/>
+              <a:rPr lang="en-US" sz="2800" dirty="0"/>
               <a:t>The header section contains information about the token itself.</a:t>
             </a:r>
           </a:p>
@@ -10099,8 +11501,8 @@
         </p:nvSpPr>
         <p:spPr>
           <a:xfrm>
-            <a:off x="318159" y="3862629"/>
-            <a:ext cx="11281362" cy="755092"/>
+            <a:off x="318159" y="3862628"/>
+            <a:ext cx="11281362" cy="2355291"/>
           </a:xfrm>
           <a:prstGeom prst="rect">
             <a:avLst/>
@@ -10108,21 +11510,27 @@
         </p:spPr>
         <p:txBody>
           <a:bodyPr vert="horz" lIns="91440" tIns="45720" rIns="91440" bIns="45720" rtlCol="0">
-            <a:normAutofit fontScale="85000" lnSpcReduction="10000"/>
+            <a:normAutofit/>
           </a:bodyPr>
           <a:lstStyle/>
           <a:p>
             <a:r>
-              <a:rPr lang="en-US" sz="2400" dirty="0"/>
+              <a:rPr lang="en-US" sz="2800" dirty="0"/>
               <a:t>The following JSON explains which algorithm has been used to sign the token (</a:t>
             </a:r>
             <a:r>
-              <a:rPr lang="en-US" sz="2400" dirty="0" err="1"/>
+              <a:rPr lang="en-US" sz="2800" dirty="0" err="1"/>
               <a:t>alg</a:t>
             </a:r>
             <a:r>
-              <a:rPr lang="en-US" sz="2400" dirty="0"/>
-              <a:t>) and which is the key (kid) that we need to use to validate it. One moment of patience, please, we will look into this soon. :)</a:t>
+              <a:rPr lang="en-US" sz="2800" dirty="0"/>
+              <a:t>) and which is the key (kind) that we need to use to validate it. </a:t>
+            </a:r>
+          </a:p>
+          <a:p>
+            <a:r>
+              <a:rPr lang="en-US" sz="2800" dirty="0"/>
+              <a:t>One moment of patience, please, we will look into this soon. :)</a:t>
             </a:r>
           </a:p>
         </p:txBody>
@@ -10140,7 +11548,187 @@
 </p:sld>
 </file>
 
-<file path=ppt/slides/slide19.xml><?xml version="1.0" encoding="utf-8"?>
+<file path=ppt/slides/slide2.xml><?xml version="1.0" encoding="utf-8"?>
+<p:sld xmlns:a="http://schemas.openxmlformats.org/drawingml/2006/main" xmlns:r="http://schemas.openxmlformats.org/officeDocument/2006/relationships" xmlns:p="http://schemas.openxmlformats.org/presentationml/2006/main">
+  <p:cSld>
+    <p:spTree>
+      <p:nvGrpSpPr>
+        <p:cNvPr id="1" name=""/>
+        <p:cNvGrpSpPr/>
+        <p:nvPr/>
+      </p:nvGrpSpPr>
+      <p:grpSpPr>
+        <a:xfrm>
+          <a:off x="0" y="0"/>
+          <a:ext cx="0" cy="0"/>
+          <a:chOff x="0" y="0"/>
+          <a:chExt cx="0" cy="0"/>
+        </a:xfrm>
+      </p:grpSpPr>
+      <p:sp>
+        <p:nvSpPr>
+          <p:cNvPr id="5" name="TextBox 4">
+            <a:extLst>
+              <a:ext uri="{FF2B5EF4-FFF2-40B4-BE49-F238E27FC236}">
+                <a16:creationId xmlns:a16="http://schemas.microsoft.com/office/drawing/2014/main" id="{6B8A7D5E-9F04-F24E-8054-E46DF64920C5}"/>
+              </a:ext>
+            </a:extLst>
+          </p:cNvPr>
+          <p:cNvSpPr txBox="1"/>
+          <p:nvPr/>
+        </p:nvSpPr>
+        <p:spPr>
+          <a:xfrm>
+            <a:off x="620111" y="720651"/>
+            <a:ext cx="8124497" cy="461665"/>
+          </a:xfrm>
+          <a:prstGeom prst="rect">
+            <a:avLst/>
+          </a:prstGeom>
+          <a:noFill/>
+        </p:spPr>
+        <p:txBody>
+          <a:bodyPr wrap="square" rtlCol="0">
+            <a:spAutoFit/>
+          </a:bodyPr>
+          <a:lstStyle/>
+          <a:p>
+            <a:pPr marL="0" defTabSz="914400" rtl="1" eaLnBrk="1" latinLnBrk="0" hangingPunct="1"/>
+            <a:r>
+              <a:rPr lang="en-US" sz="2400" dirty="0"/>
+              <a:t>What are we going to learn?</a:t>
+            </a:r>
+            <a:endParaRPr lang="en-IL" sz="2400" dirty="0"/>
+          </a:p>
+        </p:txBody>
+      </p:sp>
+      <p:sp>
+        <p:nvSpPr>
+          <p:cNvPr id="6" name="TextBox 5">
+            <a:extLst>
+              <a:ext uri="{FF2B5EF4-FFF2-40B4-BE49-F238E27FC236}">
+                <a16:creationId xmlns:a16="http://schemas.microsoft.com/office/drawing/2014/main" id="{21922D83-93D2-624E-9929-E80190815DCB}"/>
+              </a:ext>
+            </a:extLst>
+          </p:cNvPr>
+          <p:cNvSpPr txBox="1"/>
+          <p:nvPr/>
+        </p:nvSpPr>
+        <p:spPr>
+          <a:xfrm>
+            <a:off x="1166648" y="1890032"/>
+            <a:ext cx="10405241" cy="3416320"/>
+          </a:xfrm>
+          <a:prstGeom prst="rect">
+            <a:avLst/>
+          </a:prstGeom>
+          <a:noFill/>
+        </p:spPr>
+        <p:txBody>
+          <a:bodyPr wrap="square" rtlCol="0">
+            <a:spAutoFit/>
+          </a:bodyPr>
+          <a:lstStyle/>
+          <a:p>
+            <a:pPr marL="285750" indent="-285750">
+              <a:buFont typeface="Wingdings" pitchFamily="2" charset="2"/>
+              <a:buChar char="q"/>
+            </a:pPr>
+            <a:r>
+              <a:rPr lang="en-US" sz="2400" dirty="0"/>
+              <a:t>1: Authentication</a:t>
+            </a:r>
+          </a:p>
+          <a:p>
+            <a:pPr marL="285750" indent="-285750">
+              <a:buFont typeface="Wingdings" pitchFamily="2" charset="2"/>
+              <a:buChar char="q"/>
+            </a:pPr>
+            <a:r>
+              <a:rPr lang="en-US" sz="2400" dirty="0"/>
+              <a:t>1.1: warning up exercise</a:t>
+            </a:r>
+          </a:p>
+          <a:p>
+            <a:pPr marL="285750" indent="-285750">
+              <a:buFont typeface="Wingdings" pitchFamily="2" charset="2"/>
+              <a:buChar char="q"/>
+            </a:pPr>
+            <a:endParaRPr lang="en-US" sz="2400" dirty="0"/>
+          </a:p>
+          <a:p>
+            <a:pPr marL="285750" indent="-285750">
+              <a:buFont typeface="Wingdings" pitchFamily="2" charset="2"/>
+              <a:buChar char="q"/>
+            </a:pPr>
+            <a:r>
+              <a:rPr lang="en-US" sz="2400" dirty="0"/>
+              <a:t>2: JSON Web Token (JWT)</a:t>
+            </a:r>
+          </a:p>
+          <a:p>
+            <a:pPr marL="285750" indent="-285750">
+              <a:buFont typeface="Wingdings" pitchFamily="2" charset="2"/>
+              <a:buChar char="q"/>
+            </a:pPr>
+            <a:r>
+              <a:rPr lang="en-US" sz="2400" dirty="0"/>
+              <a:t>2.1: Exercise </a:t>
+            </a:r>
+          </a:p>
+          <a:p>
+            <a:pPr marL="285750" indent="-285750">
+              <a:buFont typeface="Wingdings" pitchFamily="2" charset="2"/>
+              <a:buChar char="q"/>
+            </a:pPr>
+            <a:endParaRPr lang="en-US" sz="2400" dirty="0"/>
+          </a:p>
+          <a:p>
+            <a:pPr marL="285750" indent="-285750">
+              <a:buFont typeface="Wingdings" pitchFamily="2" charset="2"/>
+              <a:buChar char="q"/>
+            </a:pPr>
+            <a:r>
+              <a:rPr lang="en-US" sz="2400" dirty="0"/>
+              <a:t>3: Authorizations</a:t>
+            </a:r>
+          </a:p>
+          <a:p>
+            <a:pPr marL="285750" indent="-285750">
+              <a:buFont typeface="Wingdings" pitchFamily="2" charset="2"/>
+              <a:buChar char="q"/>
+            </a:pPr>
+            <a:r>
+              <a:rPr lang="en-US" sz="2400" dirty="0"/>
+              <a:t>4: Roles</a:t>
+            </a:r>
+          </a:p>
+          <a:p>
+            <a:pPr marL="285750" indent="-285750">
+              <a:buFont typeface="Wingdings" pitchFamily="2" charset="2"/>
+              <a:buChar char="q"/>
+            </a:pPr>
+            <a:r>
+              <a:rPr lang="en-US" sz="2400" dirty="0"/>
+              <a:t>5: Exercise</a:t>
+            </a:r>
+          </a:p>
+        </p:txBody>
+      </p:sp>
+    </p:spTree>
+    <p:extLst>
+      <p:ext uri="{BB962C8B-B14F-4D97-AF65-F5344CB8AC3E}">
+        <p14:creationId xmlns:p14="http://schemas.microsoft.com/office/powerpoint/2010/main" val="2155928676"/>
+      </p:ext>
+    </p:extLst>
+  </p:cSld>
+  <p:clrMapOvr>
+    <a:masterClrMapping/>
+  </p:clrMapOvr>
+</p:sld>
+</file>
+
+<file path=ppt/slides/slide20.xml><?xml version="1.0" encoding="utf-8"?>
 <p:sld xmlns:a="http://schemas.openxmlformats.org/drawingml/2006/main" xmlns:r="http://schemas.openxmlformats.org/officeDocument/2006/relationships" xmlns:p="http://schemas.openxmlformats.org/presentationml/2006/main">
   <p:cSld>
     <p:spTree>
@@ -10291,7 +11879,7 @@
 </p:sld>
 </file>
 
-<file path=ppt/slides/slide2.xml><?xml version="1.0" encoding="utf-8"?>
+<file path=ppt/slides/slide21.xml><?xml version="1.0" encoding="utf-8"?>
 <p:sld xmlns:a="http://schemas.openxmlformats.org/drawingml/2006/main" xmlns:r="http://schemas.openxmlformats.org/officeDocument/2006/relationships" xmlns:p="http://schemas.openxmlformats.org/presentationml/2006/main">
   <p:cSld>
     <p:spTree>
@@ -10310,195 +11898,6 @@
       </p:grpSpPr>
       <p:sp>
         <p:nvSpPr>
-          <p:cNvPr id="5" name="TextBox 4">
-            <a:extLst>
-              <a:ext uri="{FF2B5EF4-FFF2-40B4-BE49-F238E27FC236}">
-                <a16:creationId xmlns:a16="http://schemas.microsoft.com/office/drawing/2014/main" id="{6B8A7D5E-9F04-F24E-8054-E46DF64920C5}"/>
-              </a:ext>
-            </a:extLst>
-          </p:cNvPr>
-          <p:cNvSpPr txBox="1"/>
-          <p:nvPr/>
-        </p:nvSpPr>
-        <p:spPr>
-          <a:xfrm>
-            <a:off x="620111" y="720651"/>
-            <a:ext cx="8124497" cy="461665"/>
-          </a:xfrm>
-          <a:prstGeom prst="rect">
-            <a:avLst/>
-          </a:prstGeom>
-          <a:noFill/>
-        </p:spPr>
-        <p:txBody>
-          <a:bodyPr wrap="square" rtlCol="0">
-            <a:spAutoFit/>
-          </a:bodyPr>
-          <a:lstStyle/>
-          <a:p>
-            <a:pPr marL="0" defTabSz="914400" rtl="1" eaLnBrk="1" latinLnBrk="0" hangingPunct="1"/>
-            <a:r>
-              <a:rPr lang="en-US" sz="2400" dirty="0"/>
-              <a:t>What are we going to learn?</a:t>
-            </a:r>
-            <a:endParaRPr lang="en-IL" sz="2400" dirty="0"/>
-          </a:p>
-        </p:txBody>
-      </p:sp>
-      <p:sp>
-        <p:nvSpPr>
-          <p:cNvPr id="6" name="TextBox 5">
-            <a:extLst>
-              <a:ext uri="{FF2B5EF4-FFF2-40B4-BE49-F238E27FC236}">
-                <a16:creationId xmlns:a16="http://schemas.microsoft.com/office/drawing/2014/main" id="{21922D83-93D2-624E-9929-E80190815DCB}"/>
-              </a:ext>
-            </a:extLst>
-          </p:cNvPr>
-          <p:cNvSpPr txBox="1"/>
-          <p:nvPr/>
-        </p:nvSpPr>
-        <p:spPr>
-          <a:xfrm>
-            <a:off x="1166648" y="1890032"/>
-            <a:ext cx="10405241" cy="2308324"/>
-          </a:xfrm>
-          <a:prstGeom prst="rect">
-            <a:avLst/>
-          </a:prstGeom>
-          <a:noFill/>
-        </p:spPr>
-        <p:txBody>
-          <a:bodyPr wrap="square" rtlCol="0">
-            <a:spAutoFit/>
-          </a:bodyPr>
-          <a:lstStyle/>
-          <a:p>
-            <a:pPr marL="285750" indent="-285750">
-              <a:buFont typeface="Wingdings" pitchFamily="2" charset="2"/>
-              <a:buChar char="q"/>
-            </a:pPr>
-            <a:r>
-              <a:rPr lang="en-US" sz="2400" dirty="0"/>
-              <a:t>1: JSON Web Token (JWT)</a:t>
-            </a:r>
-          </a:p>
-          <a:p>
-            <a:pPr marL="285750" indent="-285750">
-              <a:buFont typeface="Wingdings" pitchFamily="2" charset="2"/>
-              <a:buChar char="q"/>
-            </a:pPr>
-            <a:r>
-              <a:rPr lang="en-US" sz="2400" dirty="0"/>
-              <a:t>2: Fundamentals </a:t>
-            </a:r>
-          </a:p>
-          <a:p>
-            <a:pPr marL="742950" lvl="1" indent="-285750">
-              <a:buFont typeface="Wingdings" pitchFamily="2" charset="2"/>
-              <a:buChar char="q"/>
-            </a:pPr>
-            <a:r>
-              <a:rPr lang="en-US" sz="2400" dirty="0"/>
-              <a:t> General architecture (modules ,C</a:t>
-            </a:r>
-            <a:r>
-              <a:rPr lang="en-IL" sz="2400" dirty="0"/>
-              <a:t>ontrollers </a:t>
-            </a:r>
-            <a:r>
-              <a:rPr lang="en-US" sz="2400" dirty="0"/>
-              <a:t>P</a:t>
-            </a:r>
-            <a:r>
-              <a:rPr lang="en-IL" sz="2400" dirty="0"/>
-              <a:t>roviders </a:t>
-            </a:r>
-            <a:r>
-              <a:rPr lang="en-US" sz="2400" dirty="0"/>
-              <a:t>)</a:t>
-            </a:r>
-            <a:endParaRPr lang="en-IL" sz="2400" dirty="0"/>
-          </a:p>
-          <a:p>
-            <a:pPr marL="742950" lvl="1" indent="-285750">
-              <a:buFont typeface="Wingdings" pitchFamily="2" charset="2"/>
-              <a:buChar char="q"/>
-            </a:pPr>
-            <a:r>
-              <a:rPr lang="en-US" sz="2400" dirty="0"/>
-              <a:t> Main features (D</a:t>
-            </a:r>
-            <a:r>
-              <a:rPr lang="en-IL" sz="2400" dirty="0"/>
-              <a:t>ecorators ,</a:t>
-            </a:r>
-            <a:r>
-              <a:rPr lang="en-US" sz="2400" dirty="0"/>
-              <a:t>P</a:t>
-            </a:r>
-            <a:r>
-              <a:rPr lang="en-IL" sz="2400" dirty="0"/>
-              <a:t>ipes, </a:t>
-            </a:r>
-            <a:r>
-              <a:rPr lang="en-US" sz="2400" dirty="0"/>
-              <a:t>Exception, middleware)</a:t>
-            </a:r>
-          </a:p>
-          <a:p>
-            <a:pPr marL="285750" indent="-285750">
-              <a:buFont typeface="Wingdings" pitchFamily="2" charset="2"/>
-              <a:buChar char="q"/>
-            </a:pPr>
-            <a:r>
-              <a:rPr lang="en-US" sz="2400" dirty="0"/>
-              <a:t>3: Demo : simple CRUD</a:t>
-            </a:r>
-          </a:p>
-          <a:p>
-            <a:pPr marL="285750" indent="-285750">
-              <a:buFont typeface="Wingdings" pitchFamily="2" charset="2"/>
-              <a:buChar char="q"/>
-            </a:pPr>
-            <a:r>
-              <a:rPr lang="en-US" sz="2400" dirty="0"/>
-              <a:t>4: First walkthrough </a:t>
-            </a:r>
-          </a:p>
-        </p:txBody>
-      </p:sp>
-    </p:spTree>
-    <p:extLst>
-      <p:ext uri="{BB962C8B-B14F-4D97-AF65-F5344CB8AC3E}">
-        <p14:creationId xmlns:p14="http://schemas.microsoft.com/office/powerpoint/2010/main" val="2155928676"/>
-      </p:ext>
-    </p:extLst>
-  </p:cSld>
-  <p:clrMapOvr>
-    <a:masterClrMapping/>
-  </p:clrMapOvr>
-</p:sld>
-</file>
-
-<file path=ppt/slides/slide20.xml><?xml version="1.0" encoding="utf-8"?>
-<p:sld xmlns:a="http://schemas.openxmlformats.org/drawingml/2006/main" xmlns:r="http://schemas.openxmlformats.org/officeDocument/2006/relationships" xmlns:p="http://schemas.openxmlformats.org/presentationml/2006/main">
-  <p:cSld>
-    <p:spTree>
-      <p:nvGrpSpPr>
-        <p:cNvPr id="1" name=""/>
-        <p:cNvGrpSpPr/>
-        <p:nvPr/>
-      </p:nvGrpSpPr>
-      <p:grpSpPr>
-        <a:xfrm>
-          <a:off x="0" y="0"/>
-          <a:ext cx="0" cy="0"/>
-          <a:chOff x="0" y="0"/>
-          <a:chExt cx="0" cy="0"/>
-        </a:xfrm>
-      </p:grpSpPr>
-      <p:sp>
-        <p:nvSpPr>
           <p:cNvPr id="4" name="Title 5">
             <a:extLst>
               <a:ext uri="{FF2B5EF4-FFF2-40B4-BE49-F238E27FC236}">
@@ -10547,7 +11946,7 @@
         <p:spPr>
           <a:xfrm>
             <a:off x="455319" y="1485188"/>
-            <a:ext cx="11281362" cy="755092"/>
+            <a:ext cx="11281362" cy="877012"/>
           </a:xfrm>
           <a:prstGeom prst="rect">
             <a:avLst/>
@@ -10589,7 +11988,7 @@
         <p:spPr>
           <a:xfrm>
             <a:off x="455319" y="4617720"/>
-            <a:ext cx="11281362" cy="755092"/>
+            <a:ext cx="11281362" cy="1478280"/>
           </a:xfrm>
           <a:prstGeom prst="rect">
             <a:avLst/>
@@ -10597,7 +11996,7 @@
         </p:spPr>
         <p:txBody>
           <a:bodyPr vert="horz" lIns="91440" tIns="45720" rIns="91440" bIns="45720" rtlCol="0">
-            <a:normAutofit fontScale="70000" lnSpcReduction="20000"/>
+            <a:noAutofit/>
           </a:bodyPr>
           <a:lstStyle/>
           <a:p>
@@ -10703,7 +12102,7 @@
 </p:sld>
 </file>
 
-<file path=ppt/slides/slide21.xml><?xml version="1.0" encoding="utf-8"?>
+<file path=ppt/slides/slide22.xml><?xml version="1.0" encoding="utf-8"?>
 <p:sld xmlns:a="http://schemas.openxmlformats.org/drawingml/2006/main" xmlns:r="http://schemas.openxmlformats.org/officeDocument/2006/relationships" xmlns:p="http://schemas.openxmlformats.org/presentationml/2006/main">
   <p:cSld>
     <p:spTree>
@@ -10892,7 +12291,7 @@
           <p:nvPr/>
         </p:nvPicPr>
         <p:blipFill>
-          <a:blip r:embed="rId2"/>
+          <a:blip r:embed="rId3"/>
           <a:stretch>
             <a:fillRect/>
           </a:stretch>
@@ -10920,9 +12319,17 @@
 </p:sld>
 </file>
 
-<file path=ppt/slides/slide22.xml><?xml version="1.0" encoding="utf-8"?>
+<file path=ppt/slides/slide23.xml><?xml version="1.0" encoding="utf-8"?>
 <p:sld xmlns:a="http://schemas.openxmlformats.org/drawingml/2006/main" xmlns:r="http://schemas.openxmlformats.org/officeDocument/2006/relationships" xmlns:p="http://schemas.openxmlformats.org/presentationml/2006/main">
   <p:cSld>
+    <p:bg>
+      <p:bgPr>
+        <a:solidFill>
+          <a:schemeClr val="bg1"/>
+        </a:solidFill>
+        <a:effectLst/>
+      </p:bgPr>
+    </p:bg>
     <p:spTree>
       <p:nvGrpSpPr>
         <p:cNvPr id="1" name=""/>
@@ -10939,6 +12346,1496 @@
       </p:grpSpPr>
       <p:sp>
         <p:nvSpPr>
+          <p:cNvPr id="71" name="Rectangle 70">
+            <a:extLst>
+              <a:ext uri="{FF2B5EF4-FFF2-40B4-BE49-F238E27FC236}">
+                <a16:creationId xmlns:a16="http://schemas.microsoft.com/office/drawing/2014/main" id="{A3BAF07C-C39E-42EB-BB22-8D46691D9735}"/>
+              </a:ext>
+              <a:ext uri="{C183D7F6-B498-43B3-948B-1728B52AA6E4}">
+                <adec:decorative xmlns:adec="http://schemas.microsoft.com/office/drawing/2017/decorative" val="1"/>
+              </a:ext>
+            </a:extLst>
+          </p:cNvPr>
+          <p:cNvSpPr>
+            <a:spLocks noGrp="1" noRot="1" noChangeAspect="1" noMove="1" noResize="1" noEditPoints="1" noAdjustHandles="1" noChangeArrowheads="1" noChangeShapeType="1" noTextEdit="1"/>
+          </p:cNvSpPr>
+          <p:nvPr>
+            <p:extLst>
+              <p:ext uri="{386F3935-93C4-4BCD-93E2-E3B085C9AB24}">
+                <p16:designElem xmlns:p16="http://schemas.microsoft.com/office/powerpoint/2015/main" val="1"/>
+              </p:ext>
+            </p:extLst>
+          </p:nvPr>
+        </p:nvSpPr>
+        <p:spPr>
+          <a:xfrm>
+            <a:off x="-1" y="0"/>
+            <a:ext cx="12193061" cy="6858000"/>
+          </a:xfrm>
+          <a:prstGeom prst="rect">
+            <a:avLst/>
+          </a:prstGeom>
+          <a:solidFill>
+            <a:schemeClr val="bg1">
+              <a:lumMod val="75000"/>
+              <a:lumOff val="25000"/>
+            </a:schemeClr>
+          </a:solidFill>
+          <a:ln>
+            <a:noFill/>
+          </a:ln>
+        </p:spPr>
+        <p:style>
+          <a:lnRef idx="2">
+            <a:schemeClr val="accent1">
+              <a:shade val="50000"/>
+            </a:schemeClr>
+          </a:lnRef>
+          <a:fillRef idx="1">
+            <a:schemeClr val="accent1"/>
+          </a:fillRef>
+          <a:effectRef idx="0">
+            <a:schemeClr val="accent1"/>
+          </a:effectRef>
+          <a:fontRef idx="minor">
+            <a:schemeClr val="lt1"/>
+          </a:fontRef>
+        </p:style>
+        <p:txBody>
+          <a:bodyPr rtlCol="0" anchor="ctr"/>
+          <a:lstStyle/>
+          <a:p>
+            <a:pPr algn="ctr"/>
+            <a:endParaRPr lang="en-US"/>
+          </a:p>
+        </p:txBody>
+      </p:sp>
+      <p:grpSp>
+        <p:nvGrpSpPr>
+          <p:cNvPr id="73" name="Group 72">
+            <a:extLst>
+              <a:ext uri="{FF2B5EF4-FFF2-40B4-BE49-F238E27FC236}">
+                <a16:creationId xmlns:a16="http://schemas.microsoft.com/office/drawing/2014/main" id="{D8E9CF54-0466-4261-9E62-0249E60E1886}"/>
+              </a:ext>
+              <a:ext uri="{C183D7F6-B498-43B3-948B-1728B52AA6E4}">
+                <adec:decorative xmlns:adec="http://schemas.microsoft.com/office/drawing/2017/decorative" val="1"/>
+              </a:ext>
+            </a:extLst>
+          </p:cNvPr>
+          <p:cNvGrpSpPr>
+            <a:grpSpLocks noGrp="1" noUngrp="1" noRot="1" noChangeAspect="1" noMove="1" noResize="1"/>
+          </p:cNvGrpSpPr>
+          <p:nvPr>
+            <p:extLst>
+              <p:ext uri="{386F3935-93C4-4BCD-93E2-E3B085C9AB24}">
+                <p16:designElem xmlns:p16="http://schemas.microsoft.com/office/powerpoint/2015/main" val="1"/>
+              </p:ext>
+            </p:extLst>
+          </p:nvPr>
+        </p:nvGrpSpPr>
+        <p:grpSpPr>
+          <a:xfrm>
+            <a:off x="-329674" y="-59376"/>
+            <a:ext cx="12515851" cy="6923798"/>
+            <a:chOff x="-329674" y="-51881"/>
+            <a:chExt cx="12515851" cy="6923798"/>
+          </a:xfrm>
+        </p:grpSpPr>
+        <p:sp>
+          <p:nvSpPr>
+            <p:cNvPr id="74" name="Freeform 5">
+              <a:extLst>
+                <a:ext uri="{FF2B5EF4-FFF2-40B4-BE49-F238E27FC236}">
+                  <a16:creationId xmlns:a16="http://schemas.microsoft.com/office/drawing/2014/main" id="{33E32106-E8B1-4F76-9EE6-58537738A3C4}"/>
+                </a:ext>
+                <a:ext uri="{C183D7F6-B498-43B3-948B-1728B52AA6E4}">
+                  <adec:decorative xmlns:adec="http://schemas.microsoft.com/office/drawing/2017/decorative" val="1"/>
+                </a:ext>
+              </a:extLst>
+            </p:cNvPr>
+            <p:cNvSpPr/>
+            <p:nvPr>
+              <p:extLst>
+                <p:ext uri="{386F3935-93C4-4BCD-93E2-E3B085C9AB24}">
+                  <p16:designElem xmlns:p16="http://schemas.microsoft.com/office/powerpoint/2015/main" val="1"/>
+                </p:ext>
+              </p:extLst>
+            </p:nvPr>
+          </p:nvSpPr>
+          <p:spPr bwMode="auto">
+            <a:xfrm>
+              <a:off x="-329674" y="1298404"/>
+              <a:ext cx="9702800" cy="5573512"/>
+            </a:xfrm>
+            <a:custGeom>
+              <a:avLst/>
+              <a:gdLst/>
+              <a:ahLst/>
+              <a:cxnLst/>
+              <a:rect l="0" t="0" r="r" b="b"/>
+              <a:pathLst>
+                <a:path w="2038" h="1169">
+                  <a:moveTo>
+                    <a:pt x="1752" y="1169"/>
+                  </a:moveTo>
+                  <a:cubicBezTo>
+                    <a:pt x="2038" y="928"/>
+                    <a:pt x="1673" y="513"/>
+                    <a:pt x="1487" y="334"/>
+                  </a:cubicBezTo>
+                  <a:cubicBezTo>
+                    <a:pt x="1316" y="170"/>
+                    <a:pt x="1099" y="43"/>
+                    <a:pt x="860" y="22"/>
+                  </a:cubicBezTo>
+                  <a:cubicBezTo>
+                    <a:pt x="621" y="0"/>
+                    <a:pt x="341" y="128"/>
+                    <a:pt x="199" y="318"/>
+                  </a:cubicBezTo>
+                  <a:cubicBezTo>
+                    <a:pt x="0" y="586"/>
+                    <a:pt x="184" y="965"/>
+                    <a:pt x="399" y="1165"/>
+                  </a:cubicBezTo>
+                </a:path>
+              </a:pathLst>
+            </a:custGeom>
+            <a:noFill/>
+            <a:ln w="9525" cap="flat">
+              <a:solidFill>
+                <a:schemeClr val="tx1">
+                  <a:alpha val="35000"/>
+                </a:schemeClr>
+              </a:solidFill>
+              <a:prstDash val="solid"/>
+              <a:miter lim="800000"/>
+              <a:headEnd/>
+              <a:tailEnd/>
+            </a:ln>
+            <a:extLst>
+              <a:ext uri="{909E8E84-426E-40DD-AFC4-6F175D3DCCD1}">
+                <a14:hiddenFill xmlns:a14="http://schemas.microsoft.com/office/drawing/2010/main">
+                  <a:solidFill>
+                    <a:srgbClr val="FFFFFF"/>
+                  </a:solidFill>
+                </a14:hiddenFill>
+              </a:ext>
+            </a:extLst>
+          </p:spPr>
+        </p:sp>
+        <p:sp>
+          <p:nvSpPr>
+            <p:cNvPr id="75" name="Freeform 6">
+              <a:extLst>
+                <a:ext uri="{FF2B5EF4-FFF2-40B4-BE49-F238E27FC236}">
+                  <a16:creationId xmlns:a16="http://schemas.microsoft.com/office/drawing/2014/main" id="{C32C2C46-A045-44FB-8A74-5EBD650C2787}"/>
+                </a:ext>
+                <a:ext uri="{C183D7F6-B498-43B3-948B-1728B52AA6E4}">
+                  <adec:decorative xmlns:adec="http://schemas.microsoft.com/office/drawing/2017/decorative" val="1"/>
+                </a:ext>
+              </a:extLst>
+            </p:cNvPr>
+            <p:cNvSpPr/>
+            <p:nvPr>
+              <p:extLst>
+                <p:ext uri="{386F3935-93C4-4BCD-93E2-E3B085C9AB24}">
+                  <p16:designElem xmlns:p16="http://schemas.microsoft.com/office/powerpoint/2015/main" val="1"/>
+                </p:ext>
+              </p:extLst>
+            </p:nvPr>
+          </p:nvSpPr>
+          <p:spPr bwMode="auto">
+            <a:xfrm>
+              <a:off x="670451" y="2018236"/>
+              <a:ext cx="7373938" cy="4848892"/>
+            </a:xfrm>
+            <a:custGeom>
+              <a:avLst/>
+              <a:gdLst/>
+              <a:ahLst/>
+              <a:cxnLst/>
+              <a:rect l="0" t="0" r="r" b="b"/>
+              <a:pathLst>
+                <a:path w="1549" h="1017">
+                  <a:moveTo>
+                    <a:pt x="1025" y="1016"/>
+                  </a:moveTo>
+                  <a:cubicBezTo>
+                    <a:pt x="1223" y="971"/>
+                    <a:pt x="1549" y="857"/>
+                    <a:pt x="1443" y="592"/>
+                  </a:cubicBezTo>
+                  <a:cubicBezTo>
+                    <a:pt x="1344" y="344"/>
+                    <a:pt x="1041" y="111"/>
+                    <a:pt x="782" y="53"/>
+                  </a:cubicBezTo>
+                  <a:cubicBezTo>
+                    <a:pt x="545" y="0"/>
+                    <a:pt x="275" y="117"/>
+                    <a:pt x="150" y="329"/>
+                  </a:cubicBezTo>
+                  <a:cubicBezTo>
+                    <a:pt x="0" y="584"/>
+                    <a:pt x="243" y="911"/>
+                    <a:pt x="477" y="1017"/>
+                  </a:cubicBezTo>
+                </a:path>
+              </a:pathLst>
+            </a:custGeom>
+            <a:noFill/>
+            <a:ln w="9525" cap="flat">
+              <a:solidFill>
+                <a:schemeClr val="tx1">
+                  <a:alpha val="35000"/>
+                </a:schemeClr>
+              </a:solidFill>
+              <a:prstDash val="solid"/>
+              <a:miter lim="800000"/>
+              <a:headEnd/>
+              <a:tailEnd/>
+            </a:ln>
+            <a:extLst>
+              <a:ext uri="{909E8E84-426E-40DD-AFC4-6F175D3DCCD1}">
+                <a14:hiddenFill xmlns:a14="http://schemas.microsoft.com/office/drawing/2010/main">
+                  <a:solidFill>
+                    <a:srgbClr val="FFFFFF"/>
+                  </a:solidFill>
+                </a14:hiddenFill>
+              </a:ext>
+            </a:extLst>
+          </p:spPr>
+        </p:sp>
+        <p:sp>
+          <p:nvSpPr>
+            <p:cNvPr id="76" name="Freeform 7">
+              <a:extLst>
+                <a:ext uri="{FF2B5EF4-FFF2-40B4-BE49-F238E27FC236}">
+                  <a16:creationId xmlns:a16="http://schemas.microsoft.com/office/drawing/2014/main" id="{6A76F79C-6683-4940-BCF7-4BCCCEE40688}"/>
+                </a:ext>
+                <a:ext uri="{C183D7F6-B498-43B3-948B-1728B52AA6E4}">
+                  <adec:decorative xmlns:adec="http://schemas.microsoft.com/office/drawing/2017/decorative" val="1"/>
+                </a:ext>
+              </a:extLst>
+            </p:cNvPr>
+            <p:cNvSpPr/>
+            <p:nvPr>
+              <p:extLst>
+                <p:ext uri="{386F3935-93C4-4BCD-93E2-E3B085C9AB24}">
+                  <p16:designElem xmlns:p16="http://schemas.microsoft.com/office/powerpoint/2015/main" val="1"/>
+                </p:ext>
+              </p:extLst>
+            </p:nvPr>
+          </p:nvSpPr>
+          <p:spPr bwMode="auto">
+            <a:xfrm>
+              <a:off x="251351" y="1788400"/>
+              <a:ext cx="8035925" cy="5083516"/>
+            </a:xfrm>
+            <a:custGeom>
+              <a:avLst/>
+              <a:gdLst/>
+              <a:ahLst/>
+              <a:cxnLst/>
+              <a:rect l="0" t="0" r="r" b="b"/>
+              <a:pathLst>
+                <a:path w="1688" h="1066">
+                  <a:moveTo>
+                    <a:pt x="1302" y="1066"/>
+                  </a:moveTo>
+                  <a:cubicBezTo>
+                    <a:pt x="1416" y="1024"/>
+                    <a:pt x="1551" y="962"/>
+                    <a:pt x="1613" y="850"/>
+                  </a:cubicBezTo>
+                  <a:cubicBezTo>
+                    <a:pt x="1688" y="715"/>
+                    <a:pt x="1606" y="575"/>
+                    <a:pt x="1517" y="471"/>
+                  </a:cubicBezTo>
+                  <a:cubicBezTo>
+                    <a:pt x="1336" y="258"/>
+                    <a:pt x="1084" y="62"/>
+                    <a:pt x="798" y="28"/>
+                  </a:cubicBezTo>
+                  <a:cubicBezTo>
+                    <a:pt x="559" y="0"/>
+                    <a:pt x="317" y="138"/>
+                    <a:pt x="181" y="333"/>
+                  </a:cubicBezTo>
+                  <a:cubicBezTo>
+                    <a:pt x="0" y="592"/>
+                    <a:pt x="191" y="907"/>
+                    <a:pt x="420" y="1066"/>
+                  </a:cubicBezTo>
+                </a:path>
+              </a:pathLst>
+            </a:custGeom>
+            <a:noFill/>
+            <a:ln w="9525" cap="flat">
+              <a:solidFill>
+                <a:schemeClr val="tx1">
+                  <a:alpha val="35000"/>
+                </a:schemeClr>
+              </a:solidFill>
+              <a:prstDash val="dash"/>
+              <a:miter lim="800000"/>
+              <a:headEnd/>
+              <a:tailEnd/>
+            </a:ln>
+            <a:extLst>
+              <a:ext uri="{909E8E84-426E-40DD-AFC4-6F175D3DCCD1}">
+                <a14:hiddenFill xmlns:a14="http://schemas.microsoft.com/office/drawing/2010/main">
+                  <a:solidFill>
+                    <a:srgbClr val="FFFFFF"/>
+                  </a:solidFill>
+                </a14:hiddenFill>
+              </a:ext>
+            </a:extLst>
+          </p:spPr>
+        </p:sp>
+        <p:sp>
+          <p:nvSpPr>
+            <p:cNvPr id="77" name="Freeform 8">
+              <a:extLst>
+                <a:ext uri="{FF2B5EF4-FFF2-40B4-BE49-F238E27FC236}">
+                  <a16:creationId xmlns:a16="http://schemas.microsoft.com/office/drawing/2014/main" id="{FF4675A3-6D07-4B1F-9BFC-AEBEA1AD067D}"/>
+                </a:ext>
+                <a:ext uri="{C183D7F6-B498-43B3-948B-1728B52AA6E4}">
+                  <adec:decorative xmlns:adec="http://schemas.microsoft.com/office/drawing/2017/decorative" val="1"/>
+                </a:ext>
+              </a:extLst>
+            </p:cNvPr>
+            <p:cNvSpPr/>
+            <p:nvPr>
+              <p:extLst>
+                <p:ext uri="{386F3935-93C4-4BCD-93E2-E3B085C9AB24}">
+                  <p16:designElem xmlns:p16="http://schemas.microsoft.com/office/powerpoint/2015/main" val="1"/>
+                </p:ext>
+              </p:extLst>
+            </p:nvPr>
+          </p:nvSpPr>
+          <p:spPr bwMode="auto">
+            <a:xfrm>
+              <a:off x="-1061" y="549842"/>
+              <a:ext cx="10334625" cy="6322075"/>
+            </a:xfrm>
+            <a:custGeom>
+              <a:avLst/>
+              <a:gdLst/>
+              <a:ahLst/>
+              <a:cxnLst/>
+              <a:rect l="0" t="0" r="r" b="b"/>
+              <a:pathLst>
+                <a:path w="2171" h="1326">
+                  <a:moveTo>
+                    <a:pt x="1873" y="1326"/>
+                  </a:moveTo>
+                  <a:cubicBezTo>
+                    <a:pt x="2171" y="1045"/>
+                    <a:pt x="1825" y="678"/>
+                    <a:pt x="1609" y="473"/>
+                  </a:cubicBezTo>
+                  <a:cubicBezTo>
+                    <a:pt x="1406" y="281"/>
+                    <a:pt x="1159" y="116"/>
+                    <a:pt x="880" y="63"/>
+                  </a:cubicBezTo>
+                  <a:cubicBezTo>
+                    <a:pt x="545" y="0"/>
+                    <a:pt x="214" y="161"/>
+                    <a:pt x="0" y="423"/>
+                  </a:cubicBezTo>
+                </a:path>
+              </a:pathLst>
+            </a:custGeom>
+            <a:noFill/>
+            <a:ln w="9525" cap="flat">
+              <a:solidFill>
+                <a:schemeClr val="tx1">
+                  <a:alpha val="35000"/>
+                </a:schemeClr>
+              </a:solidFill>
+              <a:prstDash val="solid"/>
+              <a:miter lim="800000"/>
+              <a:headEnd/>
+              <a:tailEnd/>
+            </a:ln>
+            <a:extLst>
+              <a:ext uri="{909E8E84-426E-40DD-AFC4-6F175D3DCCD1}">
+                <a14:hiddenFill xmlns:a14="http://schemas.microsoft.com/office/drawing/2010/main">
+                  <a:solidFill>
+                    <a:srgbClr val="FFFFFF"/>
+                  </a:solidFill>
+                </a14:hiddenFill>
+              </a:ext>
+            </a:extLst>
+          </p:spPr>
+        </p:sp>
+        <p:sp>
+          <p:nvSpPr>
+            <p:cNvPr id="78" name="Freeform 9">
+              <a:extLst>
+                <a:ext uri="{FF2B5EF4-FFF2-40B4-BE49-F238E27FC236}">
+                  <a16:creationId xmlns:a16="http://schemas.microsoft.com/office/drawing/2014/main" id="{765E127A-B6B7-4B1D-B7BD-6C8C969D29C3}"/>
+                </a:ext>
+                <a:ext uri="{C183D7F6-B498-43B3-948B-1728B52AA6E4}">
+                  <adec:decorative xmlns:adec="http://schemas.microsoft.com/office/drawing/2017/decorative" val="1"/>
+                </a:ext>
+              </a:extLst>
+            </p:cNvPr>
+            <p:cNvSpPr/>
+            <p:nvPr>
+              <p:extLst>
+                <p:ext uri="{386F3935-93C4-4BCD-93E2-E3B085C9AB24}">
+                  <p16:designElem xmlns:p16="http://schemas.microsoft.com/office/powerpoint/2015/main" val="1"/>
+                </p:ext>
+              </p:extLst>
+            </p:nvPr>
+          </p:nvSpPr>
+          <p:spPr bwMode="auto">
+            <a:xfrm>
+              <a:off x="3701" y="6186246"/>
+              <a:ext cx="504825" cy="681527"/>
+            </a:xfrm>
+            <a:custGeom>
+              <a:avLst/>
+              <a:gdLst/>
+              <a:ahLst/>
+              <a:cxnLst/>
+              <a:rect l="0" t="0" r="r" b="b"/>
+              <a:pathLst>
+                <a:path w="106" h="143">
+                  <a:moveTo>
+                    <a:pt x="0" y="0"/>
+                  </a:moveTo>
+                  <a:cubicBezTo>
+                    <a:pt x="35" y="54"/>
+                    <a:pt x="70" y="101"/>
+                    <a:pt x="106" y="143"/>
+                  </a:cubicBezTo>
+                </a:path>
+              </a:pathLst>
+            </a:custGeom>
+            <a:noFill/>
+            <a:ln w="4763" cap="flat">
+              <a:solidFill>
+                <a:schemeClr val="tx1">
+                  <a:alpha val="35000"/>
+                </a:schemeClr>
+              </a:solidFill>
+              <a:prstDash val="solid"/>
+              <a:miter lim="800000"/>
+              <a:headEnd/>
+              <a:tailEnd/>
+            </a:ln>
+            <a:extLst>
+              <a:ext uri="{909E8E84-426E-40DD-AFC4-6F175D3DCCD1}">
+                <a14:hiddenFill xmlns:a14="http://schemas.microsoft.com/office/drawing/2010/main">
+                  <a:solidFill>
+                    <a:srgbClr val="FFFFFF"/>
+                  </a:solidFill>
+                </a14:hiddenFill>
+              </a:ext>
+            </a:extLst>
+          </p:spPr>
+        </p:sp>
+        <p:sp>
+          <p:nvSpPr>
+            <p:cNvPr id="79" name="Freeform 10">
+              <a:extLst>
+                <a:ext uri="{FF2B5EF4-FFF2-40B4-BE49-F238E27FC236}">
+                  <a16:creationId xmlns:a16="http://schemas.microsoft.com/office/drawing/2014/main" id="{3BCA9D9E-C72C-4751-BFA9-10B85CACE3CA}"/>
+                </a:ext>
+                <a:ext uri="{C183D7F6-B498-43B3-948B-1728B52AA6E4}">
+                  <adec:decorative xmlns:adec="http://schemas.microsoft.com/office/drawing/2017/decorative" val="1"/>
+                </a:ext>
+              </a:extLst>
+            </p:cNvPr>
+            <p:cNvSpPr/>
+            <p:nvPr>
+              <p:extLst>
+                <p:ext uri="{386F3935-93C4-4BCD-93E2-E3B085C9AB24}">
+                  <p16:designElem xmlns:p16="http://schemas.microsoft.com/office/powerpoint/2015/main" val="1"/>
+                </p:ext>
+              </p:extLst>
+            </p:nvPr>
+          </p:nvSpPr>
+          <p:spPr bwMode="auto">
+            <a:xfrm>
+              <a:off x="-1061" y="-51881"/>
+              <a:ext cx="11091863" cy="6923796"/>
+            </a:xfrm>
+            <a:custGeom>
+              <a:avLst/>
+              <a:gdLst/>
+              <a:ahLst/>
+              <a:cxnLst/>
+              <a:rect l="0" t="0" r="r" b="b"/>
+              <a:pathLst>
+                <a:path w="2330" h="1452">
+                  <a:moveTo>
+                    <a:pt x="2046" y="1452"/>
+                  </a:moveTo>
+                  <a:cubicBezTo>
+                    <a:pt x="2330" y="1153"/>
+                    <a:pt x="2049" y="821"/>
+                    <a:pt x="1813" y="601"/>
+                  </a:cubicBezTo>
+                  <a:cubicBezTo>
+                    <a:pt x="1569" y="375"/>
+                    <a:pt x="1282" y="179"/>
+                    <a:pt x="956" y="97"/>
+                  </a:cubicBezTo>
+                  <a:cubicBezTo>
+                    <a:pt x="572" y="0"/>
+                    <a:pt x="292" y="101"/>
+                    <a:pt x="0" y="366"/>
+                  </a:cubicBezTo>
+                </a:path>
+              </a:pathLst>
+            </a:custGeom>
+            <a:noFill/>
+            <a:ln w="9525" cap="flat">
+              <a:solidFill>
+                <a:schemeClr val="tx1">
+                  <a:alpha val="35000"/>
+                </a:schemeClr>
+              </a:solidFill>
+              <a:prstDash val="solid"/>
+              <a:miter lim="800000"/>
+              <a:headEnd/>
+              <a:tailEnd/>
+            </a:ln>
+            <a:extLst>
+              <a:ext uri="{909E8E84-426E-40DD-AFC4-6F175D3DCCD1}">
+                <a14:hiddenFill xmlns:a14="http://schemas.microsoft.com/office/drawing/2010/main">
+                  <a:solidFill>
+                    <a:srgbClr val="FFFFFF"/>
+                  </a:solidFill>
+                </a14:hiddenFill>
+              </a:ext>
+            </a:extLst>
+          </p:spPr>
+        </p:sp>
+        <p:sp>
+          <p:nvSpPr>
+            <p:cNvPr id="80" name="Freeform 11">
+              <a:extLst>
+                <a:ext uri="{FF2B5EF4-FFF2-40B4-BE49-F238E27FC236}">
+                  <a16:creationId xmlns:a16="http://schemas.microsoft.com/office/drawing/2014/main" id="{080C708C-69BF-441B-AB75-C98160ED06DE}"/>
+                </a:ext>
+                <a:ext uri="{C183D7F6-B498-43B3-948B-1728B52AA6E4}">
+                  <adec:decorative xmlns:adec="http://schemas.microsoft.com/office/drawing/2017/decorative" val="1"/>
+                </a:ext>
+              </a:extLst>
+            </p:cNvPr>
+            <p:cNvSpPr/>
+            <p:nvPr>
+              <p:extLst>
+                <p:ext uri="{386F3935-93C4-4BCD-93E2-E3B085C9AB24}">
+                  <p16:designElem xmlns:p16="http://schemas.microsoft.com/office/powerpoint/2015/main" val="1"/>
+                </p:ext>
+              </p:extLst>
+            </p:nvPr>
+          </p:nvSpPr>
+          <p:spPr bwMode="auto">
+            <a:xfrm>
+              <a:off x="5426601" y="5579"/>
+              <a:ext cx="5788025" cy="6847184"/>
+            </a:xfrm>
+            <a:custGeom>
+              <a:avLst/>
+              <a:gdLst/>
+              <a:ahLst/>
+              <a:cxnLst/>
+              <a:rect l="0" t="0" r="r" b="b"/>
+              <a:pathLst>
+                <a:path w="1216" h="1436">
+                  <a:moveTo>
+                    <a:pt x="1094" y="1436"/>
+                  </a:moveTo>
+                  <a:cubicBezTo>
+                    <a:pt x="1216" y="1114"/>
+                    <a:pt x="904" y="770"/>
+                    <a:pt x="709" y="551"/>
+                  </a:cubicBezTo>
+                  <a:cubicBezTo>
+                    <a:pt x="509" y="327"/>
+                    <a:pt x="274" y="127"/>
+                    <a:pt x="0" y="0"/>
+                  </a:cubicBezTo>
+                </a:path>
+              </a:pathLst>
+            </a:custGeom>
+            <a:noFill/>
+            <a:ln w="9525" cap="flat">
+              <a:solidFill>
+                <a:schemeClr val="tx1">
+                  <a:alpha val="35000"/>
+                </a:schemeClr>
+              </a:solidFill>
+              <a:prstDash val="solid"/>
+              <a:miter lim="800000"/>
+              <a:headEnd/>
+              <a:tailEnd/>
+            </a:ln>
+            <a:extLst>
+              <a:ext uri="{909E8E84-426E-40DD-AFC4-6F175D3DCCD1}">
+                <a14:hiddenFill xmlns:a14="http://schemas.microsoft.com/office/drawing/2010/main">
+                  <a:solidFill>
+                    <a:srgbClr val="FFFFFF"/>
+                  </a:solidFill>
+                </a14:hiddenFill>
+              </a:ext>
+            </a:extLst>
+          </p:spPr>
+        </p:sp>
+        <p:sp>
+          <p:nvSpPr>
+            <p:cNvPr id="81" name="Freeform 12">
+              <a:extLst>
+                <a:ext uri="{FF2B5EF4-FFF2-40B4-BE49-F238E27FC236}">
+                  <a16:creationId xmlns:a16="http://schemas.microsoft.com/office/drawing/2014/main" id="{3E79964E-F8F1-4763-8892-7BC3DAE306E9}"/>
+                </a:ext>
+                <a:ext uri="{C183D7F6-B498-43B3-948B-1728B52AA6E4}">
+                  <adec:decorative xmlns:adec="http://schemas.microsoft.com/office/drawing/2017/decorative" val="1"/>
+                </a:ext>
+              </a:extLst>
+            </p:cNvPr>
+            <p:cNvSpPr/>
+            <p:nvPr>
+              <p:extLst>
+                <p:ext uri="{386F3935-93C4-4BCD-93E2-E3B085C9AB24}">
+                  <p16:designElem xmlns:p16="http://schemas.microsoft.com/office/powerpoint/2015/main" val="1"/>
+                </p:ext>
+              </p:extLst>
+            </p:nvPr>
+          </p:nvSpPr>
+          <p:spPr bwMode="auto">
+            <a:xfrm>
+              <a:off x="-1061" y="5579"/>
+              <a:ext cx="1057275" cy="614491"/>
+            </a:xfrm>
+            <a:custGeom>
+              <a:avLst/>
+              <a:gdLst/>
+              <a:ahLst/>
+              <a:cxnLst/>
+              <a:rect l="0" t="0" r="r" b="b"/>
+              <a:pathLst>
+                <a:path w="222" h="129">
+                  <a:moveTo>
+                    <a:pt x="222" y="0"/>
+                  </a:moveTo>
+                  <a:cubicBezTo>
+                    <a:pt x="152" y="35"/>
+                    <a:pt x="76" y="78"/>
+                    <a:pt x="0" y="129"/>
+                  </a:cubicBezTo>
+                </a:path>
+              </a:pathLst>
+            </a:custGeom>
+            <a:noFill/>
+            <a:ln w="9525" cap="flat">
+              <a:solidFill>
+                <a:schemeClr val="tx1">
+                  <a:alpha val="35000"/>
+                </a:schemeClr>
+              </a:solidFill>
+              <a:prstDash val="solid"/>
+              <a:miter lim="800000"/>
+              <a:headEnd/>
+              <a:tailEnd/>
+            </a:ln>
+            <a:extLst>
+              <a:ext uri="{909E8E84-426E-40DD-AFC4-6F175D3DCCD1}">
+                <a14:hiddenFill xmlns:a14="http://schemas.microsoft.com/office/drawing/2010/main">
+                  <a:solidFill>
+                    <a:srgbClr val="FFFFFF"/>
+                  </a:solidFill>
+                </a14:hiddenFill>
+              </a:ext>
+            </a:extLst>
+          </p:spPr>
+        </p:sp>
+        <p:sp>
+          <p:nvSpPr>
+            <p:cNvPr id="82" name="Freeform 13">
+              <a:extLst>
+                <a:ext uri="{FF2B5EF4-FFF2-40B4-BE49-F238E27FC236}">
+                  <a16:creationId xmlns:a16="http://schemas.microsoft.com/office/drawing/2014/main" id="{FE09592A-FCC9-4AE5-BA0B-730C6F3BBE95}"/>
+                </a:ext>
+                <a:ext uri="{C183D7F6-B498-43B3-948B-1728B52AA6E4}">
+                  <adec:decorative xmlns:adec="http://schemas.microsoft.com/office/drawing/2017/decorative" val="1"/>
+                </a:ext>
+              </a:extLst>
+            </p:cNvPr>
+            <p:cNvSpPr/>
+            <p:nvPr>
+              <p:extLst>
+                <p:ext uri="{386F3935-93C4-4BCD-93E2-E3B085C9AB24}">
+                  <p16:designElem xmlns:p16="http://schemas.microsoft.com/office/powerpoint/2015/main" val="1"/>
+                </p:ext>
+              </p:extLst>
+            </p:nvPr>
+          </p:nvSpPr>
+          <p:spPr bwMode="auto">
+            <a:xfrm>
+              <a:off x="5821889" y="5579"/>
+              <a:ext cx="5588000" cy="6866337"/>
+            </a:xfrm>
+            <a:custGeom>
+              <a:avLst/>
+              <a:gdLst/>
+              <a:ahLst/>
+              <a:cxnLst/>
+              <a:rect l="0" t="0" r="r" b="b"/>
+              <a:pathLst>
+                <a:path w="1174" h="1440">
+                  <a:moveTo>
+                    <a:pt x="1067" y="1440"/>
+                  </a:moveTo>
+                  <a:cubicBezTo>
+                    <a:pt x="1174" y="1124"/>
+                    <a:pt x="887" y="797"/>
+                    <a:pt x="698" y="577"/>
+                  </a:cubicBezTo>
+                  <a:cubicBezTo>
+                    <a:pt x="500" y="348"/>
+                    <a:pt x="270" y="141"/>
+                    <a:pt x="0" y="0"/>
+                  </a:cubicBezTo>
+                </a:path>
+              </a:pathLst>
+            </a:custGeom>
+            <a:noFill/>
+            <a:ln w="9525" cap="flat">
+              <a:solidFill>
+                <a:schemeClr val="tx1">
+                  <a:alpha val="35000"/>
+                </a:schemeClr>
+              </a:solidFill>
+              <a:prstDash val="dash"/>
+              <a:miter lim="800000"/>
+              <a:headEnd/>
+              <a:tailEnd/>
+            </a:ln>
+            <a:extLst>
+              <a:ext uri="{909E8E84-426E-40DD-AFC4-6F175D3DCCD1}">
+                <a14:hiddenFill xmlns:a14="http://schemas.microsoft.com/office/drawing/2010/main">
+                  <a:solidFill>
+                    <a:srgbClr val="FFFFFF"/>
+                  </a:solidFill>
+                </a14:hiddenFill>
+              </a:ext>
+            </a:extLst>
+          </p:spPr>
+        </p:sp>
+        <p:sp>
+          <p:nvSpPr>
+            <p:cNvPr id="83" name="Freeform 14">
+              <a:extLst>
+                <a:ext uri="{FF2B5EF4-FFF2-40B4-BE49-F238E27FC236}">
+                  <a16:creationId xmlns:a16="http://schemas.microsoft.com/office/drawing/2014/main" id="{96448994-820C-4BC1-ABF3-4579C6F99A63}"/>
+                </a:ext>
+                <a:ext uri="{C183D7F6-B498-43B3-948B-1728B52AA6E4}">
+                  <adec:decorative xmlns:adec="http://schemas.microsoft.com/office/drawing/2017/decorative" val="1"/>
+                </a:ext>
+              </a:extLst>
+            </p:cNvPr>
+            <p:cNvSpPr/>
+            <p:nvPr>
+              <p:extLst>
+                <p:ext uri="{386F3935-93C4-4BCD-93E2-E3B085C9AB24}">
+                  <p16:designElem xmlns:p16="http://schemas.microsoft.com/office/powerpoint/2015/main" val="1"/>
+                </p:ext>
+              </p:extLst>
+            </p:nvPr>
+          </p:nvSpPr>
+          <p:spPr bwMode="auto">
+            <a:xfrm>
+              <a:off x="3701" y="790"/>
+              <a:ext cx="595313" cy="352734"/>
+            </a:xfrm>
+            <a:custGeom>
+              <a:avLst/>
+              <a:gdLst/>
+              <a:ahLst/>
+              <a:cxnLst/>
+              <a:rect l="0" t="0" r="r" b="b"/>
+              <a:pathLst>
+                <a:path w="125" h="74">
+                  <a:moveTo>
+                    <a:pt x="125" y="0"/>
+                  </a:moveTo>
+                  <a:cubicBezTo>
+                    <a:pt x="85" y="22"/>
+                    <a:pt x="43" y="47"/>
+                    <a:pt x="0" y="74"/>
+                  </a:cubicBezTo>
+                </a:path>
+              </a:pathLst>
+            </a:custGeom>
+            <a:noFill/>
+            <a:ln w="9525" cap="flat">
+              <a:solidFill>
+                <a:schemeClr val="tx1">
+                  <a:alpha val="35000"/>
+                </a:schemeClr>
+              </a:solidFill>
+              <a:prstDash val="dash"/>
+              <a:miter lim="800000"/>
+              <a:headEnd/>
+              <a:tailEnd/>
+            </a:ln>
+            <a:extLst>
+              <a:ext uri="{909E8E84-426E-40DD-AFC4-6F175D3DCCD1}">
+                <a14:hiddenFill xmlns:a14="http://schemas.microsoft.com/office/drawing/2010/main">
+                  <a:solidFill>
+                    <a:srgbClr val="FFFFFF"/>
+                  </a:solidFill>
+                </a14:hiddenFill>
+              </a:ext>
+            </a:extLst>
+          </p:spPr>
+        </p:sp>
+        <p:sp>
+          <p:nvSpPr>
+            <p:cNvPr id="84" name="Freeform 15">
+              <a:extLst>
+                <a:ext uri="{FF2B5EF4-FFF2-40B4-BE49-F238E27FC236}">
+                  <a16:creationId xmlns:a16="http://schemas.microsoft.com/office/drawing/2014/main" id="{9BB0D192-565A-42B9-B292-CC032D71A6A1}"/>
+                </a:ext>
+                <a:ext uri="{C183D7F6-B498-43B3-948B-1728B52AA6E4}">
+                  <adec:decorative xmlns:adec="http://schemas.microsoft.com/office/drawing/2017/decorative" val="1"/>
+                </a:ext>
+              </a:extLst>
+            </p:cNvPr>
+            <p:cNvSpPr/>
+            <p:nvPr>
+              <p:extLst>
+                <p:ext uri="{386F3935-93C4-4BCD-93E2-E3B085C9AB24}">
+                  <p16:designElem xmlns:p16="http://schemas.microsoft.com/office/powerpoint/2015/main" val="1"/>
+                </p:ext>
+              </p:extLst>
+            </p:nvPr>
+          </p:nvSpPr>
+          <p:spPr bwMode="auto">
+            <a:xfrm>
+              <a:off x="6012389" y="5579"/>
+              <a:ext cx="5497513" cy="6866337"/>
+            </a:xfrm>
+            <a:custGeom>
+              <a:avLst/>
+              <a:gdLst/>
+              <a:ahLst/>
+              <a:cxnLst/>
+              <a:rect l="0" t="0" r="r" b="b"/>
+              <a:pathLst>
+                <a:path w="1155" h="1440">
+                  <a:moveTo>
+                    <a:pt x="1056" y="1440"/>
+                  </a:moveTo>
+                  <a:cubicBezTo>
+                    <a:pt x="1155" y="1123"/>
+                    <a:pt x="875" y="801"/>
+                    <a:pt x="686" y="580"/>
+                  </a:cubicBezTo>
+                  <a:cubicBezTo>
+                    <a:pt x="491" y="352"/>
+                    <a:pt x="264" y="145"/>
+                    <a:pt x="0" y="0"/>
+                  </a:cubicBezTo>
+                </a:path>
+              </a:pathLst>
+            </a:custGeom>
+            <a:noFill/>
+            <a:ln w="12700" cap="flat">
+              <a:solidFill>
+                <a:schemeClr val="tx1">
+                  <a:alpha val="35000"/>
+                </a:schemeClr>
+              </a:solidFill>
+              <a:prstDash val="dashDot"/>
+              <a:miter lim="800000"/>
+              <a:headEnd/>
+              <a:tailEnd/>
+            </a:ln>
+            <a:extLst>
+              <a:ext uri="{909E8E84-426E-40DD-AFC4-6F175D3DCCD1}">
+                <a14:hiddenFill xmlns:a14="http://schemas.microsoft.com/office/drawing/2010/main">
+                  <a:solidFill>
+                    <a:srgbClr val="FFFFFF"/>
+                  </a:solidFill>
+                </a14:hiddenFill>
+              </a:ext>
+            </a:extLst>
+          </p:spPr>
+        </p:sp>
+        <p:sp>
+          <p:nvSpPr>
+            <p:cNvPr id="85" name="Freeform 16">
+              <a:extLst>
+                <a:ext uri="{FF2B5EF4-FFF2-40B4-BE49-F238E27FC236}">
+                  <a16:creationId xmlns:a16="http://schemas.microsoft.com/office/drawing/2014/main" id="{6D1CA09C-5F40-4E92-A7E9-D1FCEE51283D}"/>
+                </a:ext>
+                <a:ext uri="{C183D7F6-B498-43B3-948B-1728B52AA6E4}">
+                  <adec:decorative xmlns:adec="http://schemas.microsoft.com/office/drawing/2017/decorative" val="1"/>
+                </a:ext>
+              </a:extLst>
+            </p:cNvPr>
+            <p:cNvSpPr/>
+            <p:nvPr>
+              <p:extLst>
+                <p:ext uri="{386F3935-93C4-4BCD-93E2-E3B085C9AB24}">
+                  <p16:designElem xmlns:p16="http://schemas.microsoft.com/office/powerpoint/2015/main" val="1"/>
+                </p:ext>
+              </p:extLst>
+            </p:nvPr>
+          </p:nvSpPr>
+          <p:spPr bwMode="auto">
+            <a:xfrm>
+              <a:off x="-1061" y="5579"/>
+              <a:ext cx="357188" cy="213875"/>
+            </a:xfrm>
+            <a:custGeom>
+              <a:avLst/>
+              <a:gdLst/>
+              <a:ahLst/>
+              <a:cxnLst/>
+              <a:rect l="0" t="0" r="r" b="b"/>
+              <a:pathLst>
+                <a:path w="75" h="45">
+                  <a:moveTo>
+                    <a:pt x="75" y="0"/>
+                  </a:moveTo>
+                  <a:cubicBezTo>
+                    <a:pt x="50" y="14"/>
+                    <a:pt x="25" y="29"/>
+                    <a:pt x="0" y="45"/>
+                  </a:cubicBezTo>
+                </a:path>
+              </a:pathLst>
+            </a:custGeom>
+            <a:noFill/>
+            <a:ln w="12700" cap="flat">
+              <a:solidFill>
+                <a:schemeClr val="tx1">
+                  <a:alpha val="35000"/>
+                </a:schemeClr>
+              </a:solidFill>
+              <a:prstDash val="dashDot"/>
+              <a:miter lim="800000"/>
+              <a:headEnd/>
+              <a:tailEnd/>
+            </a:ln>
+            <a:extLst>
+              <a:ext uri="{909E8E84-426E-40DD-AFC4-6F175D3DCCD1}">
+                <a14:hiddenFill xmlns:a14="http://schemas.microsoft.com/office/drawing/2010/main">
+                  <a:solidFill>
+                    <a:srgbClr val="FFFFFF"/>
+                  </a:solidFill>
+                </a14:hiddenFill>
+              </a:ext>
+            </a:extLst>
+          </p:spPr>
+        </p:sp>
+        <p:sp>
+          <p:nvSpPr>
+            <p:cNvPr id="86" name="Freeform 17">
+              <a:extLst>
+                <a:ext uri="{FF2B5EF4-FFF2-40B4-BE49-F238E27FC236}">
+                  <a16:creationId xmlns:a16="http://schemas.microsoft.com/office/drawing/2014/main" id="{379F5AA5-2E14-4880-A5A6-07AEF2AD89DB}"/>
+                </a:ext>
+                <a:ext uri="{C183D7F6-B498-43B3-948B-1728B52AA6E4}">
+                  <adec:decorative xmlns:adec="http://schemas.microsoft.com/office/drawing/2017/decorative" val="1"/>
+                </a:ext>
+              </a:extLst>
+            </p:cNvPr>
+            <p:cNvSpPr/>
+            <p:nvPr>
+              <p:extLst>
+                <p:ext uri="{386F3935-93C4-4BCD-93E2-E3B085C9AB24}">
+                  <p16:designElem xmlns:p16="http://schemas.microsoft.com/office/powerpoint/2015/main" val="1"/>
+                </p:ext>
+              </p:extLst>
+            </p:nvPr>
+          </p:nvSpPr>
+          <p:spPr bwMode="auto">
+            <a:xfrm>
+              <a:off x="6210826" y="790"/>
+              <a:ext cx="5522913" cy="6871126"/>
+            </a:xfrm>
+            <a:custGeom>
+              <a:avLst/>
+              <a:gdLst/>
+              <a:ahLst/>
+              <a:cxnLst/>
+              <a:rect l="0" t="0" r="r" b="b"/>
+              <a:pathLst>
+                <a:path w="1160" h="1441">
+                  <a:moveTo>
+                    <a:pt x="1053" y="1441"/>
+                  </a:moveTo>
+                  <a:cubicBezTo>
+                    <a:pt x="1160" y="1129"/>
+                    <a:pt x="892" y="817"/>
+                    <a:pt x="705" y="599"/>
+                  </a:cubicBezTo>
+                  <a:cubicBezTo>
+                    <a:pt x="503" y="365"/>
+                    <a:pt x="270" y="152"/>
+                    <a:pt x="0" y="0"/>
+                  </a:cubicBezTo>
+                </a:path>
+              </a:pathLst>
+            </a:custGeom>
+            <a:noFill/>
+            <a:ln w="9525" cap="flat">
+              <a:solidFill>
+                <a:schemeClr val="tx1">
+                  <a:alpha val="35000"/>
+                </a:schemeClr>
+              </a:solidFill>
+              <a:prstDash val="solid"/>
+              <a:miter lim="800000"/>
+              <a:headEnd/>
+              <a:tailEnd/>
+            </a:ln>
+            <a:extLst>
+              <a:ext uri="{909E8E84-426E-40DD-AFC4-6F175D3DCCD1}">
+                <a14:hiddenFill xmlns:a14="http://schemas.microsoft.com/office/drawing/2010/main">
+                  <a:solidFill>
+                    <a:srgbClr val="FFFFFF"/>
+                  </a:solidFill>
+                </a14:hiddenFill>
+              </a:ext>
+            </a:extLst>
+          </p:spPr>
+        </p:sp>
+        <p:sp>
+          <p:nvSpPr>
+            <p:cNvPr id="87" name="Freeform 18">
+              <a:extLst>
+                <a:ext uri="{FF2B5EF4-FFF2-40B4-BE49-F238E27FC236}">
+                  <a16:creationId xmlns:a16="http://schemas.microsoft.com/office/drawing/2014/main" id="{EF14BD32-D239-4DA3-98B3-7752073657CC}"/>
+                </a:ext>
+                <a:ext uri="{C183D7F6-B498-43B3-948B-1728B52AA6E4}">
+                  <adec:decorative xmlns:adec="http://schemas.microsoft.com/office/drawing/2017/decorative" val="1"/>
+                </a:ext>
+              </a:extLst>
+            </p:cNvPr>
+            <p:cNvSpPr/>
+            <p:nvPr>
+              <p:extLst>
+                <p:ext uri="{386F3935-93C4-4BCD-93E2-E3B085C9AB24}">
+                  <p16:designElem xmlns:p16="http://schemas.microsoft.com/office/powerpoint/2015/main" val="1"/>
+                </p:ext>
+              </p:extLst>
+            </p:nvPr>
+          </p:nvSpPr>
+          <p:spPr bwMode="auto">
+            <a:xfrm>
+              <a:off x="6463239" y="5579"/>
+              <a:ext cx="5413375" cy="6866337"/>
+            </a:xfrm>
+            <a:custGeom>
+              <a:avLst/>
+              <a:gdLst/>
+              <a:ahLst/>
+              <a:cxnLst/>
+              <a:rect l="0" t="0" r="r" b="b"/>
+              <a:pathLst>
+                <a:path w="1137" h="1440">
+                  <a:moveTo>
+                    <a:pt x="1040" y="1440"/>
+                  </a:moveTo>
+                  <a:cubicBezTo>
+                    <a:pt x="1137" y="1131"/>
+                    <a:pt x="883" y="828"/>
+                    <a:pt x="698" y="611"/>
+                  </a:cubicBezTo>
+                  <a:cubicBezTo>
+                    <a:pt x="498" y="375"/>
+                    <a:pt x="268" y="159"/>
+                    <a:pt x="0" y="0"/>
+                  </a:cubicBezTo>
+                </a:path>
+              </a:pathLst>
+            </a:custGeom>
+            <a:noFill/>
+            <a:ln w="9525" cap="flat">
+              <a:solidFill>
+                <a:schemeClr val="tx1">
+                  <a:alpha val="35000"/>
+                </a:schemeClr>
+              </a:solidFill>
+              <a:prstDash val="solid"/>
+              <a:miter lim="800000"/>
+              <a:headEnd/>
+              <a:tailEnd/>
+            </a:ln>
+            <a:extLst>
+              <a:ext uri="{909E8E84-426E-40DD-AFC4-6F175D3DCCD1}">
+                <a14:hiddenFill xmlns:a14="http://schemas.microsoft.com/office/drawing/2010/main">
+                  <a:solidFill>
+                    <a:srgbClr val="FFFFFF"/>
+                  </a:solidFill>
+                </a14:hiddenFill>
+              </a:ext>
+            </a:extLst>
+          </p:spPr>
+        </p:sp>
+        <p:sp>
+          <p:nvSpPr>
+            <p:cNvPr id="88" name="Freeform 19">
+              <a:extLst>
+                <a:ext uri="{FF2B5EF4-FFF2-40B4-BE49-F238E27FC236}">
+                  <a16:creationId xmlns:a16="http://schemas.microsoft.com/office/drawing/2014/main" id="{CF07B250-E5E4-4624-9BD7-8D513A67B731}"/>
+                </a:ext>
+                <a:ext uri="{C183D7F6-B498-43B3-948B-1728B52AA6E4}">
+                  <adec:decorative xmlns:adec="http://schemas.microsoft.com/office/drawing/2017/decorative" val="1"/>
+                </a:ext>
+              </a:extLst>
+            </p:cNvPr>
+            <p:cNvSpPr/>
+            <p:nvPr>
+              <p:extLst>
+                <p:ext uri="{386F3935-93C4-4BCD-93E2-E3B085C9AB24}">
+                  <p16:designElem xmlns:p16="http://schemas.microsoft.com/office/powerpoint/2015/main" val="1"/>
+                </p:ext>
+              </p:extLst>
+            </p:nvPr>
+          </p:nvSpPr>
+          <p:spPr bwMode="auto">
+            <a:xfrm>
+              <a:off x="6877576" y="5579"/>
+              <a:ext cx="5037138" cy="6861550"/>
+            </a:xfrm>
+            <a:custGeom>
+              <a:avLst/>
+              <a:gdLst/>
+              <a:ahLst/>
+              <a:cxnLst/>
+              <a:rect l="0" t="0" r="r" b="b"/>
+              <a:pathLst>
+                <a:path w="1058" h="1439">
+                  <a:moveTo>
+                    <a:pt x="1011" y="1439"/>
+                  </a:moveTo>
+                  <a:cubicBezTo>
+                    <a:pt x="1058" y="1131"/>
+                    <a:pt x="825" y="841"/>
+                    <a:pt x="648" y="617"/>
+                  </a:cubicBezTo>
+                  <a:cubicBezTo>
+                    <a:pt x="462" y="383"/>
+                    <a:pt x="248" y="168"/>
+                    <a:pt x="0" y="0"/>
+                  </a:cubicBezTo>
+                </a:path>
+              </a:pathLst>
+            </a:custGeom>
+            <a:noFill/>
+            <a:ln w="9525" cap="flat">
+              <a:solidFill>
+                <a:schemeClr val="tx1">
+                  <a:alpha val="35000"/>
+                </a:schemeClr>
+              </a:solidFill>
+              <a:prstDash val="solid"/>
+              <a:miter lim="800000"/>
+              <a:headEnd/>
+              <a:tailEnd/>
+            </a:ln>
+            <a:extLst>
+              <a:ext uri="{909E8E84-426E-40DD-AFC4-6F175D3DCCD1}">
+                <a14:hiddenFill xmlns:a14="http://schemas.microsoft.com/office/drawing/2010/main">
+                  <a:solidFill>
+                    <a:srgbClr val="FFFFFF"/>
+                  </a:solidFill>
+                </a14:hiddenFill>
+              </a:ext>
+            </a:extLst>
+          </p:spPr>
+        </p:sp>
+        <p:sp>
+          <p:nvSpPr>
+            <p:cNvPr id="89" name="Freeform 20">
+              <a:extLst>
+                <a:ext uri="{FF2B5EF4-FFF2-40B4-BE49-F238E27FC236}">
+                  <a16:creationId xmlns:a16="http://schemas.microsoft.com/office/drawing/2014/main" id="{BCC5D120-7C8C-4290-865C-4EE6E4F245F9}"/>
+                </a:ext>
+                <a:ext uri="{C183D7F6-B498-43B3-948B-1728B52AA6E4}">
+                  <adec:decorative xmlns:adec="http://schemas.microsoft.com/office/drawing/2017/decorative" val="1"/>
+                </a:ext>
+              </a:extLst>
+            </p:cNvPr>
+            <p:cNvSpPr/>
+            <p:nvPr>
+              <p:extLst>
+                <p:ext uri="{386F3935-93C4-4BCD-93E2-E3B085C9AB24}">
+                  <p16:designElem xmlns:p16="http://schemas.microsoft.com/office/powerpoint/2015/main" val="1"/>
+                </p:ext>
+              </p:extLst>
+            </p:nvPr>
+          </p:nvSpPr>
+          <p:spPr bwMode="auto">
+            <a:xfrm>
+              <a:off x="8768289" y="5579"/>
+              <a:ext cx="3417888" cy="2742066"/>
+            </a:xfrm>
+            <a:custGeom>
+              <a:avLst/>
+              <a:gdLst/>
+              <a:ahLst/>
+              <a:cxnLst/>
+              <a:rect l="0" t="0" r="r" b="b"/>
+              <a:pathLst>
+                <a:path w="718" h="575">
+                  <a:moveTo>
+                    <a:pt x="718" y="575"/>
+                  </a:moveTo>
+                  <a:cubicBezTo>
+                    <a:pt x="500" y="360"/>
+                    <a:pt x="260" y="163"/>
+                    <a:pt x="0" y="0"/>
+                  </a:cubicBezTo>
+                </a:path>
+              </a:pathLst>
+            </a:custGeom>
+            <a:noFill/>
+            <a:ln w="9525" cap="flat">
+              <a:solidFill>
+                <a:schemeClr val="tx1">
+                  <a:alpha val="35000"/>
+                </a:schemeClr>
+              </a:solidFill>
+              <a:prstDash val="solid"/>
+              <a:miter lim="800000"/>
+              <a:headEnd/>
+              <a:tailEnd/>
+            </a:ln>
+            <a:extLst>
+              <a:ext uri="{909E8E84-426E-40DD-AFC4-6F175D3DCCD1}">
+                <a14:hiddenFill xmlns:a14="http://schemas.microsoft.com/office/drawing/2010/main">
+                  <a:solidFill>
+                    <a:srgbClr val="FFFFFF"/>
+                  </a:solidFill>
+                </a14:hiddenFill>
+              </a:ext>
+            </a:extLst>
+          </p:spPr>
+        </p:sp>
+        <p:sp>
+          <p:nvSpPr>
+            <p:cNvPr id="90" name="Freeform 21">
+              <a:extLst>
+                <a:ext uri="{FF2B5EF4-FFF2-40B4-BE49-F238E27FC236}">
+                  <a16:creationId xmlns:a16="http://schemas.microsoft.com/office/drawing/2014/main" id="{C24688C6-CAE5-4EF2-B2BA-A138DA0A24B9}"/>
+                </a:ext>
+                <a:ext uri="{C183D7F6-B498-43B3-948B-1728B52AA6E4}">
+                  <adec:decorative xmlns:adec="http://schemas.microsoft.com/office/drawing/2017/decorative" val="1"/>
+                </a:ext>
+              </a:extLst>
+            </p:cNvPr>
+            <p:cNvSpPr/>
+            <p:nvPr>
+              <p:extLst>
+                <p:ext uri="{386F3935-93C4-4BCD-93E2-E3B085C9AB24}">
+                  <p16:designElem xmlns:p16="http://schemas.microsoft.com/office/powerpoint/2015/main" val="1"/>
+                </p:ext>
+              </p:extLst>
+            </p:nvPr>
+          </p:nvSpPr>
+          <p:spPr bwMode="auto">
+            <a:xfrm>
+              <a:off x="9235014" y="10367"/>
+              <a:ext cx="2951163" cy="2555325"/>
+            </a:xfrm>
+            <a:custGeom>
+              <a:avLst/>
+              <a:gdLst/>
+              <a:ahLst/>
+              <a:cxnLst/>
+              <a:rect l="0" t="0" r="r" b="b"/>
+              <a:pathLst>
+                <a:path w="620" h="536">
+                  <a:moveTo>
+                    <a:pt x="620" y="536"/>
+                  </a:moveTo>
+                  <a:cubicBezTo>
+                    <a:pt x="404" y="314"/>
+                    <a:pt x="196" y="138"/>
+                    <a:pt x="0" y="0"/>
+                  </a:cubicBezTo>
+                </a:path>
+              </a:pathLst>
+            </a:custGeom>
+            <a:noFill/>
+            <a:ln w="9525" cap="flat">
+              <a:solidFill>
+                <a:schemeClr val="tx1">
+                  <a:alpha val="35000"/>
+                </a:schemeClr>
+              </a:solidFill>
+              <a:prstDash val="solid"/>
+              <a:miter lim="800000"/>
+              <a:headEnd/>
+              <a:tailEnd/>
+            </a:ln>
+            <a:extLst>
+              <a:ext uri="{909E8E84-426E-40DD-AFC4-6F175D3DCCD1}">
+                <a14:hiddenFill xmlns:a14="http://schemas.microsoft.com/office/drawing/2010/main">
+                  <a:solidFill>
+                    <a:srgbClr val="FFFFFF"/>
+                  </a:solidFill>
+                </a14:hiddenFill>
+              </a:ext>
+            </a:extLst>
+          </p:spPr>
+        </p:sp>
+        <p:sp>
+          <p:nvSpPr>
+            <p:cNvPr id="91" name="Freeform 22">
+              <a:extLst>
+                <a:ext uri="{FF2B5EF4-FFF2-40B4-BE49-F238E27FC236}">
+                  <a16:creationId xmlns:a16="http://schemas.microsoft.com/office/drawing/2014/main" id="{6BD31099-7C13-4901-A04F-632B1CD84627}"/>
+                </a:ext>
+                <a:ext uri="{C183D7F6-B498-43B3-948B-1728B52AA6E4}">
+                  <adec:decorative xmlns:adec="http://schemas.microsoft.com/office/drawing/2017/decorative" val="1"/>
+                </a:ext>
+              </a:extLst>
+            </p:cNvPr>
+            <p:cNvSpPr/>
+            <p:nvPr>
+              <p:extLst>
+                <p:ext uri="{386F3935-93C4-4BCD-93E2-E3B085C9AB24}">
+                  <p16:designElem xmlns:p16="http://schemas.microsoft.com/office/powerpoint/2015/main" val="1"/>
+                </p:ext>
+              </p:extLst>
+            </p:nvPr>
+          </p:nvSpPr>
+          <p:spPr bwMode="auto">
+            <a:xfrm>
+              <a:off x="10020826" y="5579"/>
+              <a:ext cx="2165350" cy="1358265"/>
+            </a:xfrm>
+            <a:custGeom>
+              <a:avLst/>
+              <a:gdLst/>
+              <a:ahLst/>
+              <a:cxnLst/>
+              <a:rect l="0" t="0" r="r" b="b"/>
+              <a:pathLst>
+                <a:path w="455" h="285">
+                  <a:moveTo>
+                    <a:pt x="0" y="0"/>
+                  </a:moveTo>
+                  <a:cubicBezTo>
+                    <a:pt x="153" y="85"/>
+                    <a:pt x="308" y="180"/>
+                    <a:pt x="455" y="285"/>
+                  </a:cubicBezTo>
+                </a:path>
+              </a:pathLst>
+            </a:custGeom>
+            <a:noFill/>
+            <a:ln w="9525" cap="flat">
+              <a:solidFill>
+                <a:schemeClr val="tx1">
+                  <a:alpha val="35000"/>
+                </a:schemeClr>
+              </a:solidFill>
+              <a:prstDash val="dash"/>
+              <a:miter lim="800000"/>
+              <a:headEnd/>
+              <a:tailEnd/>
+            </a:ln>
+            <a:extLst>
+              <a:ext uri="{909E8E84-426E-40DD-AFC4-6F175D3DCCD1}">
+                <a14:hiddenFill xmlns:a14="http://schemas.microsoft.com/office/drawing/2010/main">
+                  <a:solidFill>
+                    <a:srgbClr val="FFFFFF"/>
+                  </a:solidFill>
+                </a14:hiddenFill>
+              </a:ext>
+            </a:extLst>
+          </p:spPr>
+        </p:sp>
+        <p:sp>
+          <p:nvSpPr>
+            <p:cNvPr id="92" name="Freeform 23">
+              <a:extLst>
+                <a:ext uri="{FF2B5EF4-FFF2-40B4-BE49-F238E27FC236}">
+                  <a16:creationId xmlns:a16="http://schemas.microsoft.com/office/drawing/2014/main" id="{679F5FF7-82B2-4033-8FBE-63170C937833}"/>
+                </a:ext>
+                <a:ext uri="{C183D7F6-B498-43B3-948B-1728B52AA6E4}">
+                  <adec:decorative xmlns:adec="http://schemas.microsoft.com/office/drawing/2017/decorative" val="1"/>
+                </a:ext>
+              </a:extLst>
+            </p:cNvPr>
+            <p:cNvSpPr/>
+            <p:nvPr>
+              <p:extLst>
+                <p:ext uri="{386F3935-93C4-4BCD-93E2-E3B085C9AB24}">
+                  <p16:designElem xmlns:p16="http://schemas.microsoft.com/office/powerpoint/2015/main" val="1"/>
+                </p:ext>
+              </p:extLst>
+            </p:nvPr>
+          </p:nvSpPr>
+          <p:spPr bwMode="auto">
+            <a:xfrm>
+              <a:off x="11290826" y="5579"/>
+              <a:ext cx="895350" cy="534687"/>
+            </a:xfrm>
+            <a:custGeom>
+              <a:avLst/>
+              <a:gdLst/>
+              <a:ahLst/>
+              <a:cxnLst/>
+              <a:rect l="0" t="0" r="r" b="b"/>
+              <a:pathLst>
+                <a:path w="188" h="112">
+                  <a:moveTo>
+                    <a:pt x="0" y="0"/>
+                  </a:moveTo>
+                  <a:cubicBezTo>
+                    <a:pt x="63" y="36"/>
+                    <a:pt x="126" y="73"/>
+                    <a:pt x="188" y="112"/>
+                  </a:cubicBezTo>
+                </a:path>
+              </a:pathLst>
+            </a:custGeom>
+            <a:noFill/>
+            <a:ln w="9525" cap="flat">
+              <a:solidFill>
+                <a:schemeClr val="tx1">
+                  <a:alpha val="35000"/>
+                </a:schemeClr>
+              </a:solidFill>
+              <a:prstDash val="solid"/>
+              <a:miter lim="800000"/>
+              <a:headEnd/>
+              <a:tailEnd/>
+            </a:ln>
+            <a:extLst>
+              <a:ext uri="{909E8E84-426E-40DD-AFC4-6F175D3DCCD1}">
+                <a14:hiddenFill xmlns:a14="http://schemas.microsoft.com/office/drawing/2010/main">
+                  <a:solidFill>
+                    <a:srgbClr val="FFFFFF"/>
+                  </a:solidFill>
+                </a14:hiddenFill>
+              </a:ext>
+            </a:extLst>
+          </p:spPr>
+        </p:sp>
+      </p:grpSp>
+      <p:sp>
+        <p:nvSpPr>
           <p:cNvPr id="4" name="Title 5">
             <a:extLst>
               <a:ext uri="{FF2B5EF4-FFF2-40B4-BE49-F238E27FC236}">
@@ -10955,23 +13852,245 @@
         </p:nvSpPr>
         <p:spPr>
           <a:xfrm>
-            <a:off x="350520" y="174706"/>
-            <a:ext cx="10515600" cy="1325563"/>
+            <a:off x="9256265" y="4677372"/>
+            <a:ext cx="3947420" cy="1777829"/>
           </a:xfrm>
         </p:spPr>
         <p:txBody>
-          <a:bodyPr>
+          <a:bodyPr vert="horz" lIns="91440" tIns="45720" rIns="91440" bIns="45720" rtlCol="0" anchor="ctr">
             <a:normAutofit/>
           </a:bodyPr>
           <a:lstStyle/>
           <a:p>
             <a:r>
-              <a:rPr lang="en-IL" sz="4800" dirty="0"/>
+              <a:rPr lang="en-US" sz="4000" kern="1200" dirty="0">
+                <a:solidFill>
+                  <a:schemeClr val="tx1"/>
+                </a:solidFill>
+                <a:latin typeface="+mj-lt"/>
+                <a:ea typeface="+mj-ea"/>
+                <a:cs typeface="+mj-cs"/>
+              </a:rPr>
               <a:t>Validation</a:t>
             </a:r>
           </a:p>
         </p:txBody>
       </p:sp>
+      <p:sp>
+        <p:nvSpPr>
+          <p:cNvPr id="94" name="Freeform: Shape 93">
+            <a:extLst>
+              <a:ext uri="{FF2B5EF4-FFF2-40B4-BE49-F238E27FC236}">
+                <a16:creationId xmlns:a16="http://schemas.microsoft.com/office/drawing/2014/main" id="{44C110BA-81E8-4247-853A-5F2B93E92E46}"/>
+              </a:ext>
+              <a:ext uri="{C183D7F6-B498-43B3-948B-1728B52AA6E4}">
+                <adec:decorative xmlns:adec="http://schemas.microsoft.com/office/drawing/2017/decorative" val="1"/>
+              </a:ext>
+            </a:extLst>
+          </p:cNvPr>
+          <p:cNvSpPr>
+            <a:spLocks noGrp="1" noRot="1" noChangeAspect="1" noMove="1" noResize="1" noEditPoints="1" noAdjustHandles="1" noChangeArrowheads="1" noChangeShapeType="1" noTextEdit="1"/>
+          </p:cNvSpPr>
+          <p:nvPr>
+            <p:extLst>
+              <p:ext uri="{386F3935-93C4-4BCD-93E2-E3B085C9AB24}">
+                <p16:designElem xmlns:p16="http://schemas.microsoft.com/office/powerpoint/2015/main" val="1"/>
+              </p:ext>
+            </p:extLst>
+          </p:nvPr>
+        </p:nvSpPr>
+        <p:spPr>
+          <a:xfrm>
+            <a:off x="0" y="0"/>
+            <a:ext cx="12192000" cy="4537825"/>
+          </a:xfrm>
+          <a:custGeom>
+            <a:avLst/>
+            <a:gdLst>
+              <a:gd name="connsiteX0" fmla="*/ 0 w 12192000"/>
+              <a:gd name="connsiteY0" fmla="*/ 0 h 4537825"/>
+              <a:gd name="connsiteX1" fmla="*/ 12192000 w 12192000"/>
+              <a:gd name="connsiteY1" fmla="*/ 0 h 4537825"/>
+              <a:gd name="connsiteX2" fmla="*/ 12192000 w 12192000"/>
+              <a:gd name="connsiteY2" fmla="*/ 3020937 h 4537825"/>
+              <a:gd name="connsiteX3" fmla="*/ 12192000 w 12192000"/>
+              <a:gd name="connsiteY3" fmla="*/ 3213062 h 4537825"/>
+              <a:gd name="connsiteX4" fmla="*/ 12192000 w 12192000"/>
+              <a:gd name="connsiteY4" fmla="*/ 4188880 h 4537825"/>
+              <a:gd name="connsiteX5" fmla="*/ 12113803 w 12192000"/>
+              <a:gd name="connsiteY5" fmla="*/ 4197163 h 4537825"/>
+              <a:gd name="connsiteX6" fmla="*/ 6753597 w 12192000"/>
+              <a:gd name="connsiteY6" fmla="*/ 4520720 h 4537825"/>
+              <a:gd name="connsiteX7" fmla="*/ 400746 w 12192000"/>
+              <a:gd name="connsiteY7" fmla="*/ 4349377 h 4537825"/>
+              <a:gd name="connsiteX8" fmla="*/ 0 w 12192000"/>
+              <a:gd name="connsiteY8" fmla="*/ 4312401 h 4537825"/>
+              <a:gd name="connsiteX9" fmla="*/ 0 w 12192000"/>
+              <a:gd name="connsiteY9" fmla="*/ 3213062 h 4537825"/>
+              <a:gd name="connsiteX10" fmla="*/ 0 w 12192000"/>
+              <a:gd name="connsiteY10" fmla="*/ 3020937 h 4537825"/>
+            </a:gdLst>
+            <a:ahLst/>
+            <a:cxnLst>
+              <a:cxn ang="0">
+                <a:pos x="connsiteX0" y="connsiteY0"/>
+              </a:cxn>
+              <a:cxn ang="0">
+                <a:pos x="connsiteX1" y="connsiteY1"/>
+              </a:cxn>
+              <a:cxn ang="0">
+                <a:pos x="connsiteX2" y="connsiteY2"/>
+              </a:cxn>
+              <a:cxn ang="0">
+                <a:pos x="connsiteX3" y="connsiteY3"/>
+              </a:cxn>
+              <a:cxn ang="0">
+                <a:pos x="connsiteX4" y="connsiteY4"/>
+              </a:cxn>
+              <a:cxn ang="0">
+                <a:pos x="connsiteX5" y="connsiteY5"/>
+              </a:cxn>
+              <a:cxn ang="0">
+                <a:pos x="connsiteX6" y="connsiteY6"/>
+              </a:cxn>
+              <a:cxn ang="0">
+                <a:pos x="connsiteX7" y="connsiteY7"/>
+              </a:cxn>
+              <a:cxn ang="0">
+                <a:pos x="connsiteX8" y="connsiteY8"/>
+              </a:cxn>
+              <a:cxn ang="0">
+                <a:pos x="connsiteX9" y="connsiteY9"/>
+              </a:cxn>
+              <a:cxn ang="0">
+                <a:pos x="connsiteX10" y="connsiteY10"/>
+              </a:cxn>
+            </a:cxnLst>
+            <a:rect l="l" t="t" r="r" b="b"/>
+            <a:pathLst>
+              <a:path w="12192000" h="4537825">
+                <a:moveTo>
+                  <a:pt x="0" y="0"/>
+                </a:moveTo>
+                <a:lnTo>
+                  <a:pt x="12192000" y="0"/>
+                </a:lnTo>
+                <a:lnTo>
+                  <a:pt x="12192000" y="3020937"/>
+                </a:lnTo>
+                <a:lnTo>
+                  <a:pt x="12192000" y="3213062"/>
+                </a:lnTo>
+                <a:lnTo>
+                  <a:pt x="12192000" y="4188880"/>
+                </a:lnTo>
+                <a:lnTo>
+                  <a:pt x="12113803" y="4197163"/>
+                </a:lnTo>
+                <a:cubicBezTo>
+                  <a:pt x="10139508" y="4395112"/>
+                  <a:pt x="8237152" y="4488115"/>
+                  <a:pt x="6753597" y="4520720"/>
+                </a:cubicBezTo>
+                <a:cubicBezTo>
+                  <a:pt x="4940362" y="4560569"/>
+                  <a:pt x="2657278" y="4541239"/>
+                  <a:pt x="400746" y="4349377"/>
+                </a:cubicBezTo>
+                <a:lnTo>
+                  <a:pt x="0" y="4312401"/>
+                </a:lnTo>
+                <a:lnTo>
+                  <a:pt x="0" y="3213062"/>
+                </a:lnTo>
+                <a:lnTo>
+                  <a:pt x="0" y="3020937"/>
+                </a:lnTo>
+                <a:close/>
+              </a:path>
+            </a:pathLst>
+          </a:custGeom>
+          <a:solidFill>
+            <a:schemeClr val="tx1"/>
+          </a:solidFill>
+          <a:ln w="44450">
+            <a:noFill/>
+          </a:ln>
+          <a:effectLst/>
+        </p:spPr>
+        <p:style>
+          <a:lnRef idx="2">
+            <a:schemeClr val="accent1">
+              <a:shade val="50000"/>
+            </a:schemeClr>
+          </a:lnRef>
+          <a:fillRef idx="1003">
+            <a:schemeClr val="dk2"/>
+          </a:fillRef>
+          <a:effectRef idx="0">
+            <a:schemeClr val="accent1"/>
+          </a:effectRef>
+          <a:fontRef idx="minor">
+            <a:schemeClr val="lt1"/>
+          </a:fontRef>
+        </p:style>
+        <p:txBody>
+          <a:bodyPr wrap="square" rtlCol="0" anchor="ctr">
+            <a:noAutofit/>
+          </a:bodyPr>
+          <a:lstStyle/>
+          <a:p>
+            <a:pPr algn="ctr"/>
+            <a:endParaRPr lang="en-US"/>
+          </a:p>
+        </p:txBody>
+      </p:sp>
+      <p:pic>
+        <p:nvPicPr>
+          <p:cNvPr id="3074" name="Picture 2">
+            <a:extLst>
+              <a:ext uri="{FF2B5EF4-FFF2-40B4-BE49-F238E27FC236}">
+                <a16:creationId xmlns:a16="http://schemas.microsoft.com/office/drawing/2014/main" id="{3F4A2D49-A69F-8B4C-8871-53229C515BE6}"/>
+              </a:ext>
+            </a:extLst>
+          </p:cNvPr>
+          <p:cNvPicPr>
+            <a:picLocks noChangeAspect="1" noChangeArrowheads="1"/>
+          </p:cNvPicPr>
+          <p:nvPr/>
+        </p:nvPicPr>
+        <p:blipFill>
+          <a:blip r:embed="rId3">
+            <a:extLst>
+              <a:ext uri="{28A0092B-C50C-407E-A947-70E740481C1C}">
+                <a14:useLocalDpi xmlns:a14="http://schemas.microsoft.com/office/drawing/2010/main" val="0"/>
+              </a:ext>
+            </a:extLst>
+          </a:blip>
+          <a:stretch>
+            <a:fillRect/>
+          </a:stretch>
+        </p:blipFill>
+        <p:spPr bwMode="auto">
+          <a:xfrm>
+            <a:off x="311929" y="1064039"/>
+            <a:ext cx="11628720" cy="2149457"/>
+          </a:xfrm>
+          <a:prstGeom prst="rect">
+            <a:avLst/>
+          </a:prstGeom>
+          <a:noFill/>
+          <a:extLst>
+            <a:ext uri="{909E8E84-426E-40DD-AFC4-6F175D3DCCD1}">
+              <a14:hiddenFill xmlns:a14="http://schemas.microsoft.com/office/drawing/2010/main">
+                <a:solidFill>
+                  <a:srgbClr val="FFFFFF"/>
+                </a:solidFill>
+              </a14:hiddenFill>
+            </a:ext>
+          </a:extLst>
+        </p:spPr>
+      </p:pic>
       <p:sp>
         <p:nvSpPr>
           <p:cNvPr id="7" name="TextBox 6">
@@ -10986,68 +14105,89 @@
         </p:nvSpPr>
         <p:spPr>
           <a:xfrm>
-            <a:off x="455319" y="1485188"/>
-            <a:ext cx="11281362" cy="2431492"/>
+            <a:off x="1995810" y="4416252"/>
+            <a:ext cx="6281873" cy="3075157"/>
           </a:xfrm>
           <a:prstGeom prst="rect">
             <a:avLst/>
           </a:prstGeom>
         </p:spPr>
         <p:txBody>
-          <a:bodyPr vert="horz" lIns="91440" tIns="45720" rIns="91440" bIns="45720" rtlCol="0">
-            <a:noAutofit/>
+          <a:bodyPr vert="horz" lIns="91440" tIns="45720" rIns="91440" bIns="45720" rtlCol="0" anchor="ctr">
+            <a:normAutofit/>
           </a:bodyPr>
           <a:lstStyle/>
           <a:p>
-            <a:r>
-              <a:rPr lang="en-US" sz="2800" dirty="0"/>
+            <a:pPr defTabSz="914400">
+              <a:lnSpc>
+                <a:spcPct val="90000"/>
+              </a:lnSpc>
+              <a:spcAft>
+                <a:spcPts val="600"/>
+              </a:spcAft>
+            </a:pPr>
+            <a:r>
+              <a:rPr lang="en-US" sz="2400" dirty="0">
+                <a:solidFill>
+                  <a:srgbClr val="FFC000"/>
+                </a:solidFill>
+              </a:rPr>
               <a:t>Since the token is self-contained, we own all the information needed for its validation. For example, we know the token has been signed using RS256 (</a:t>
             </a:r>
             <a:r>
-              <a:rPr lang="en-US" sz="2800" dirty="0" err="1"/>
+              <a:rPr lang="en-US" sz="2400" dirty="0" err="1">
+                <a:solidFill>
+                  <a:srgbClr val="FFC000"/>
+                </a:solidFill>
+              </a:rPr>
               <a:t>alg</a:t>
             </a:r>
             <a:r>
-              <a:rPr lang="en-US" sz="2800" dirty="0"/>
+              <a:rPr lang="en-US" sz="2400" dirty="0">
+                <a:solidFill>
+                  <a:srgbClr val="FFC000"/>
+                </a:solidFill>
+              </a:rPr>
               <a:t> property of the header) and a private key. Now we need to know </a:t>
             </a:r>
             <a:r>
-              <a:rPr lang="en-US" sz="2800" b="1" dirty="0">
+              <a:rPr lang="en-US" sz="2400" b="1" dirty="0">
                 <a:solidFill>
-                  <a:srgbClr val="FF0000"/>
+                  <a:srgbClr val="FFC000"/>
                 </a:solidFill>
               </a:rPr>
               <a:t>how to get the right public key to perform the validation</a:t>
             </a:r>
             <a:r>
-              <a:rPr lang="en-US" sz="2800" dirty="0"/>
+              <a:rPr lang="en-US" sz="2400" dirty="0"/>
               <a:t>.</a:t>
             </a:r>
           </a:p>
           <a:p>
-            <a:endParaRPr lang="en-US" sz="2800" dirty="0"/>
-          </a:p>
-          <a:p>
-            <a:r>
-              <a:rPr lang="en-US" sz="2800" dirty="0"/>
-              <a:t>//TODO add picture to explain </a:t>
-            </a:r>
-            <a:r>
-              <a:rPr lang="en-US" sz="2800" dirty="0" err="1"/>
-              <a:t>signin</a:t>
-            </a:r>
-            <a:r>
-              <a:rPr lang="en-US" sz="2800" dirty="0"/>
-              <a:t> </a:t>
-            </a:r>
-            <a:r>
-              <a:rPr lang="en-US" sz="2800" dirty="0" err="1"/>
-              <a:t>algotithm</a:t>
-            </a:r>
-            <a:endParaRPr lang="en-US" sz="2800" dirty="0"/>
-          </a:p>
-          <a:p>
-            <a:endParaRPr lang="en-US" sz="2800" dirty="0"/>
+            <a:pPr indent="-228600" defTabSz="914400">
+              <a:lnSpc>
+                <a:spcPct val="90000"/>
+              </a:lnSpc>
+              <a:spcAft>
+                <a:spcPts val="600"/>
+              </a:spcAft>
+              <a:buFont typeface="Arial" panose="020B0604020202020204" pitchFamily="34" charset="0"/>
+              <a:buChar char="•"/>
+            </a:pPr>
+            <a:endParaRPr lang="en-US" dirty="0"/>
+          </a:p>
+          <a:p>
+            <a:pPr indent="-228600" defTabSz="914400">
+              <a:lnSpc>
+                <a:spcPct val="90000"/>
+              </a:lnSpc>
+              <a:spcAft>
+                <a:spcPts val="600"/>
+              </a:spcAft>
+              <a:buFont typeface="Arial" panose="020B0604020202020204" pitchFamily="34" charset="0"/>
+              <a:buChar char="•"/>
+            </a:pPr>
+            <a:endParaRPr lang="en-US" dirty="0"/>
           </a:p>
         </p:txBody>
       </p:sp>
@@ -11064,7 +14204,7 @@
 </p:sld>
 </file>
 
-<file path=ppt/slides/slide23.xml><?xml version="1.0" encoding="utf-8"?>
+<file path=ppt/slides/slide24.xml><?xml version="1.0" encoding="utf-8"?>
 <p:sld xmlns:a="http://schemas.openxmlformats.org/drawingml/2006/main" xmlns:r="http://schemas.openxmlformats.org/officeDocument/2006/relationships" xmlns:p="http://schemas.openxmlformats.org/presentationml/2006/main">
   <p:cSld>
     <p:spTree>
@@ -11176,7 +14316,7 @@
 </p:sld>
 </file>
 
-<file path=ppt/slides/slide24.xml><?xml version="1.0" encoding="utf-8"?>
+<file path=ppt/slides/slide25.xml><?xml version="1.0" encoding="utf-8"?>
 <p:sld xmlns:a="http://schemas.openxmlformats.org/drawingml/2006/main" xmlns:r="http://schemas.openxmlformats.org/officeDocument/2006/relationships" xmlns:p="http://schemas.openxmlformats.org/presentationml/2006/main">
   <p:cSld>
     <p:spTree>
@@ -11440,7 +14580,7 @@
 </p:sld>
 </file>
 
-<file path=ppt/slides/slide25.xml><?xml version="1.0" encoding="utf-8"?>
+<file path=ppt/slides/slide26.xml><?xml version="1.0" encoding="utf-8"?>
 <p:sld xmlns:a="http://schemas.openxmlformats.org/drawingml/2006/main" xmlns:r="http://schemas.openxmlformats.org/officeDocument/2006/relationships" xmlns:p="http://schemas.openxmlformats.org/presentationml/2006/main">
   <p:cSld>
     <p:spTree>
@@ -11560,7 +14700,7 @@
 </p:sld>
 </file>
 
-<file path=ppt/slides/slide26.xml><?xml version="1.0" encoding="utf-8"?>
+<file path=ppt/slides/slide27.xml><?xml version="1.0" encoding="utf-8"?>
 <p:sld xmlns:a="http://schemas.openxmlformats.org/drawingml/2006/main" xmlns:r="http://schemas.openxmlformats.org/officeDocument/2006/relationships" xmlns:p="http://schemas.openxmlformats.org/presentationml/2006/main">
   <p:cSld>
     <p:spTree>
@@ -11653,6 +14793,43 @@
           </a:p>
         </p:txBody>
       </p:sp>
+      <p:sp>
+        <p:nvSpPr>
+          <p:cNvPr id="2" name="Rectangle 1">
+            <a:extLst>
+              <a:ext uri="{FF2B5EF4-FFF2-40B4-BE49-F238E27FC236}">
+                <a16:creationId xmlns:a16="http://schemas.microsoft.com/office/drawing/2014/main" id="{CA95C7F2-93C1-624F-BC00-6E301FA212A5}"/>
+              </a:ext>
+            </a:extLst>
+          </p:cNvPr>
+          <p:cNvSpPr/>
+          <p:nvPr/>
+        </p:nvSpPr>
+        <p:spPr>
+          <a:xfrm>
+            <a:off x="3634300" y="4173974"/>
+            <a:ext cx="5133072" cy="369332"/>
+          </a:xfrm>
+          <a:prstGeom prst="rect">
+            <a:avLst/>
+          </a:prstGeom>
+        </p:spPr>
+        <p:txBody>
+          <a:bodyPr wrap="none">
+            <a:spAutoFit/>
+          </a:bodyPr>
+          <a:lstStyle/>
+          <a:p>
+            <a:r>
+              <a:rPr lang="en-IL" dirty="0">
+                <a:hlinkClick r:id="rId4"/>
+              </a:rPr>
+              <a:t>https://pragmaticwebsecurity.com/cheatsheets.html</a:t>
+            </a:r>
+            <a:endParaRPr lang="en-IL" dirty="0"/>
+          </a:p>
+        </p:txBody>
+      </p:sp>
     </p:spTree>
     <p:extLst>
       <p:ext uri="{BB962C8B-B14F-4D97-AF65-F5344CB8AC3E}">
@@ -11666,7 +14843,200 @@
 </p:sld>
 </file>
 
-<file path=ppt/slides/slide27.xml><?xml version="1.0" encoding="utf-8"?>
+<file path=ppt/slides/slide28.xml><?xml version="1.0" encoding="utf-8"?>
+<p:sld xmlns:a="http://schemas.openxmlformats.org/drawingml/2006/main" xmlns:r="http://schemas.openxmlformats.org/officeDocument/2006/relationships" xmlns:p="http://schemas.openxmlformats.org/presentationml/2006/main">
+  <p:cSld>
+    <p:spTree>
+      <p:nvGrpSpPr>
+        <p:cNvPr id="1" name=""/>
+        <p:cNvGrpSpPr/>
+        <p:nvPr/>
+      </p:nvGrpSpPr>
+      <p:grpSpPr>
+        <a:xfrm>
+          <a:off x="0" y="0"/>
+          <a:ext cx="0" cy="0"/>
+          <a:chOff x="0" y="0"/>
+          <a:chExt cx="0" cy="0"/>
+        </a:xfrm>
+      </p:grpSpPr>
+      <p:sp>
+        <p:nvSpPr>
+          <p:cNvPr id="4" name="Title 5">
+            <a:extLst>
+              <a:ext uri="{FF2B5EF4-FFF2-40B4-BE49-F238E27FC236}">
+                <a16:creationId xmlns:a16="http://schemas.microsoft.com/office/drawing/2014/main" id="{A84E2FEF-74EA-9C4A-B7F8-D5AF9CC85439}"/>
+              </a:ext>
+            </a:extLst>
+          </p:cNvPr>
+          <p:cNvSpPr>
+            <a:spLocks noGrp="1"/>
+          </p:cNvSpPr>
+          <p:nvPr>
+            <p:ph type="title"/>
+          </p:nvPr>
+        </p:nvSpPr>
+        <p:spPr>
+          <a:xfrm>
+            <a:off x="655321" y="210727"/>
+            <a:ext cx="10515600" cy="1325563"/>
+          </a:xfrm>
+        </p:spPr>
+        <p:txBody>
+          <a:bodyPr>
+            <a:normAutofit/>
+          </a:bodyPr>
+          <a:lstStyle/>
+          <a:p>
+            <a:r>
+              <a:rPr lang="en-IL" sz="4800" dirty="0"/>
+              <a:t>Passport</a:t>
+            </a:r>
+          </a:p>
+        </p:txBody>
+      </p:sp>
+      <p:sp>
+        <p:nvSpPr>
+          <p:cNvPr id="7" name="TextBox 6">
+            <a:extLst>
+              <a:ext uri="{FF2B5EF4-FFF2-40B4-BE49-F238E27FC236}">
+                <a16:creationId xmlns:a16="http://schemas.microsoft.com/office/drawing/2014/main" id="{0D434488-5884-DC47-825F-DB289BAA0DD0}"/>
+              </a:ext>
+            </a:extLst>
+          </p:cNvPr>
+          <p:cNvSpPr txBox="1"/>
+          <p:nvPr/>
+        </p:nvSpPr>
+        <p:spPr>
+          <a:xfrm>
+            <a:off x="590598" y="1536290"/>
+            <a:ext cx="10946081" cy="3980590"/>
+          </a:xfrm>
+          <a:prstGeom prst="rect">
+            <a:avLst/>
+          </a:prstGeom>
+        </p:spPr>
+        <p:txBody>
+          <a:bodyPr vert="horz" lIns="91440" tIns="45720" rIns="91440" bIns="45720" rtlCol="0">
+            <a:normAutofit/>
+          </a:bodyPr>
+          <a:lstStyle/>
+          <a:p>
+            <a:pPr marL="457200" indent="-457200" defTabSz="914400">
+              <a:lnSpc>
+                <a:spcPct val="90000"/>
+              </a:lnSpc>
+              <a:spcAft>
+                <a:spcPts val="600"/>
+              </a:spcAft>
+              <a:buFont typeface="Arial" panose="020B0604020202020204" pitchFamily="34" charset="0"/>
+              <a:buChar char="•"/>
+            </a:pPr>
+            <a:r>
+              <a:rPr lang="en-US" sz="2800" dirty="0">
+                <a:hlinkClick r:id="rId3">
+                  <a:extLst>
+                    <a:ext uri="{A12FA001-AC4F-418D-AE19-62706E023703}">
+                      <ahyp:hlinkClr xmlns:ahyp="http://schemas.microsoft.com/office/drawing/2018/hyperlinkcolor" val="tx"/>
+                    </a:ext>
+                  </a:extLst>
+                </a:hlinkClick>
+              </a:rPr>
+              <a:t>Passport</a:t>
+            </a:r>
+            <a:r>
+              <a:rPr lang="en-US" sz="2800" dirty="0"/>
+              <a:t> is the most popular </a:t>
+            </a:r>
+            <a:r>
+              <a:rPr lang="en-US" sz="2800" dirty="0" err="1"/>
+              <a:t>node.js</a:t>
+            </a:r>
+            <a:r>
+              <a:rPr lang="en-US" sz="2800" dirty="0"/>
+              <a:t> authentication library, well-known by the community and successfully used in many production applications</a:t>
+            </a:r>
+          </a:p>
+          <a:p>
+            <a:pPr marL="457200" indent="-457200" defTabSz="914400">
+              <a:lnSpc>
+                <a:spcPct val="90000"/>
+              </a:lnSpc>
+              <a:spcAft>
+                <a:spcPts val="600"/>
+              </a:spcAft>
+              <a:buFont typeface="Arial" panose="020B0604020202020204" pitchFamily="34" charset="0"/>
+              <a:buChar char="•"/>
+            </a:pPr>
+            <a:r>
+              <a:rPr lang="en-US" sz="2800" dirty="0"/>
+              <a:t>it abstracts the authentication process into a few basic steps that you customize based on the strategy you're implementing</a:t>
+            </a:r>
+          </a:p>
+          <a:p>
+            <a:pPr marL="457200" indent="-457200" defTabSz="914400">
+              <a:lnSpc>
+                <a:spcPct val="90000"/>
+              </a:lnSpc>
+              <a:spcAft>
+                <a:spcPts val="600"/>
+              </a:spcAft>
+              <a:buFont typeface="Arial" panose="020B0604020202020204" pitchFamily="34" charset="0"/>
+              <a:buChar char="•"/>
+            </a:pPr>
+            <a:r>
+              <a:rPr lang="en-US" sz="2800" u="sng" dirty="0"/>
+              <a:t>Configuration:</a:t>
+            </a:r>
+          </a:p>
+          <a:p>
+            <a:pPr marL="914400" lvl="1" indent="-457200" defTabSz="914400">
+              <a:lnSpc>
+                <a:spcPct val="90000"/>
+              </a:lnSpc>
+              <a:spcAft>
+                <a:spcPts val="600"/>
+              </a:spcAft>
+              <a:buFont typeface="Wingdings" pitchFamily="2" charset="2"/>
+              <a:buChar char="§"/>
+            </a:pPr>
+            <a:r>
+              <a:rPr lang="en-US" sz="2000" dirty="0"/>
+              <a:t>A set of options that are specific to that strategy</a:t>
+            </a:r>
+          </a:p>
+          <a:p>
+            <a:pPr marL="914400" lvl="1" indent="-457200" defTabSz="914400">
+              <a:lnSpc>
+                <a:spcPct val="90000"/>
+              </a:lnSpc>
+              <a:spcAft>
+                <a:spcPts val="600"/>
+              </a:spcAft>
+              <a:buFont typeface="Wingdings" pitchFamily="2" charset="2"/>
+              <a:buChar char="§"/>
+            </a:pPr>
+            <a:r>
+              <a:rPr lang="en-US" sz="2000" dirty="0"/>
+              <a:t>A "verify callback", which is where you tell Passport how to interact with your user store</a:t>
+            </a:r>
+          </a:p>
+        </p:txBody>
+      </p:sp>
+    </p:spTree>
+    <p:extLst>
+      <p:ext uri="{BB962C8B-B14F-4D97-AF65-F5344CB8AC3E}">
+        <p14:creationId xmlns:p14="http://schemas.microsoft.com/office/powerpoint/2010/main" val="4016821120"/>
+      </p:ext>
+    </p:extLst>
+  </p:cSld>
+  <p:clrMapOvr>
+    <a:masterClrMapping/>
+  </p:clrMapOvr>
+</p:sld>
+</file>
+
+<file path=ppt/slides/slide29.xml><?xml version="1.0" encoding="utf-8"?>
 <p:sld xmlns:a="http://schemas.openxmlformats.org/drawingml/2006/main" xmlns:r="http://schemas.openxmlformats.org/officeDocument/2006/relationships" xmlns:p="http://schemas.openxmlformats.org/presentationml/2006/main">
   <p:cSld>
     <p:spTree>
@@ -12387,7 +15757,7 @@
         <p:spPr>
           <a:xfrm>
             <a:off x="655321" y="210727"/>
-            <a:ext cx="10515600" cy="1325563"/>
+            <a:ext cx="10515600" cy="871313"/>
           </a:xfrm>
         </p:spPr>
         <p:txBody>
@@ -12417,8 +15787,8 @@
         </p:nvSpPr>
         <p:spPr>
           <a:xfrm>
-            <a:off x="590598" y="1536290"/>
-            <a:ext cx="10946081" cy="4788310"/>
+            <a:off x="499158" y="1082040"/>
+            <a:ext cx="10946081" cy="5367113"/>
           </a:xfrm>
           <a:prstGeom prst="rect">
             <a:avLst/>
@@ -12426,7 +15796,7 @@
         </p:spPr>
         <p:txBody>
           <a:bodyPr vert="horz" lIns="91440" tIns="45720" rIns="91440" bIns="45720" rtlCol="0">
-            <a:normAutofit fontScale="92500" lnSpcReduction="20000"/>
+            <a:normAutofit fontScale="25000" lnSpcReduction="20000"/>
           </a:bodyPr>
           <a:lstStyle/>
           <a:p>
@@ -12436,7 +15806,7 @@
               <a:defRPr/>
             </a:pPr>
             <a:r>
-              <a:rPr lang="en-US" sz="2600" b="1" dirty="0">
+              <a:rPr lang="en-US" sz="11200" b="1" dirty="0">
                 <a:solidFill>
                   <a:srgbClr val="FF0000"/>
                 </a:solidFill>
@@ -12444,11 +15814,11 @@
               <a:t>S</a:t>
             </a:r>
             <a:r>
-              <a:rPr lang="en-US" sz="2600" b="1" dirty="0"/>
+              <a:rPr lang="en-US" sz="11200" b="1" dirty="0"/>
               <a:t>ingle </a:t>
             </a:r>
             <a:r>
-              <a:rPr lang="en-US" sz="2600" b="1" dirty="0">
+              <a:rPr lang="en-US" sz="11200" b="1" dirty="0">
                 <a:solidFill>
                   <a:srgbClr val="FF0000"/>
                 </a:solidFill>
@@ -12456,11 +15826,11 @@
               <a:t>S</a:t>
             </a:r>
             <a:r>
-              <a:rPr lang="en-US" sz="2600" b="1" dirty="0"/>
+              <a:rPr lang="en-US" sz="11200" b="1" dirty="0"/>
               <a:t>ign-</a:t>
             </a:r>
             <a:r>
-              <a:rPr lang="en-US" sz="2600" b="1" dirty="0">
+              <a:rPr lang="en-US" sz="11200" b="1" dirty="0">
                 <a:solidFill>
                   <a:srgbClr val="FF0000"/>
                 </a:solidFill>
@@ -12468,15 +15838,15 @@
               <a:t>O</a:t>
             </a:r>
             <a:r>
-              <a:rPr lang="en-US" sz="2600" b="1" dirty="0"/>
+              <a:rPr lang="en-US" sz="11200" b="1" dirty="0"/>
               <a:t>n (SSO)</a:t>
             </a:r>
             <a:r>
-              <a:rPr lang="en-US" sz="2600" dirty="0"/>
+              <a:rPr lang="en-US" sz="11200" dirty="0"/>
               <a:t> allows a user to leverage a single set of login credentials to access multiple applications. Think using your </a:t>
             </a:r>
             <a:r>
-              <a:rPr lang="en-US" sz="2600" dirty="0">
+              <a:rPr lang="en-US" sz="11200" dirty="0">
                 <a:solidFill>
                   <a:srgbClr val="FF0000"/>
                 </a:solidFill>
@@ -12484,11 +15854,11 @@
               <a:t>Facebook</a:t>
             </a:r>
             <a:r>
-              <a:rPr lang="en-US" sz="2600" dirty="0"/>
+              <a:rPr lang="en-US" sz="11200" dirty="0"/>
               <a:t> or </a:t>
             </a:r>
             <a:r>
-              <a:rPr lang="en-US" sz="2600" dirty="0">
+              <a:rPr lang="en-US" sz="11200" dirty="0">
                 <a:solidFill>
                   <a:srgbClr val="FF0000"/>
                 </a:solidFill>
@@ -12496,11 +15866,11 @@
               <a:t>Google</a:t>
             </a:r>
             <a:r>
-              <a:rPr lang="en-US" sz="2600" dirty="0"/>
+              <a:rPr lang="en-US" sz="11200" dirty="0"/>
               <a:t> log in to access several different applications. A technique called </a:t>
             </a:r>
             <a:r>
-              <a:rPr lang="en-US" sz="2600" dirty="0">
+              <a:rPr lang="en-US" sz="11200" b="1" dirty="0">
                 <a:solidFill>
                   <a:srgbClr val="FF0000"/>
                 </a:solidFill>
@@ -12508,7 +15878,7 @@
               <a:t>federation</a:t>
             </a:r>
             <a:r>
-              <a:rPr lang="en-US" sz="2600" dirty="0"/>
+              <a:rPr lang="en-US" sz="11200" dirty="0"/>
               <a:t> is used by SSO systems when the applications you are logging into are spread across different domains.</a:t>
             </a:r>
           </a:p>
@@ -12518,7 +15888,7 @@
               <a:buChar char="•"/>
               <a:defRPr/>
             </a:pPr>
-            <a:endParaRPr lang="en-US" sz="2600" b="1" dirty="0"/>
+            <a:endParaRPr lang="en-US" sz="7000" b="1" dirty="0"/>
           </a:p>
           <a:p>
             <a:pPr marL="171450" lvl="0" indent="-171450" defTabSz="914400">
@@ -12527,7 +15897,7 @@
               <a:defRPr/>
             </a:pPr>
             <a:r>
-              <a:rPr lang="en-US" sz="2600" b="1" dirty="0">
+              <a:rPr lang="en-US" sz="11200" b="1" dirty="0">
                 <a:solidFill>
                   <a:srgbClr val="FF0000"/>
                 </a:solidFill>
@@ -12535,11 +15905,11 @@
               <a:t>M</a:t>
             </a:r>
             <a:r>
-              <a:rPr lang="en-US" sz="2600" b="1" dirty="0"/>
+              <a:rPr lang="en-US" sz="11200" b="1" dirty="0"/>
               <a:t>ulti-</a:t>
             </a:r>
             <a:r>
-              <a:rPr lang="en-US" sz="2600" b="1" dirty="0">
+              <a:rPr lang="en-US" sz="11200" b="1" dirty="0">
                 <a:solidFill>
                   <a:srgbClr val="FF0000"/>
                 </a:solidFill>
@@ -12547,11 +15917,11 @@
               <a:t>F</a:t>
             </a:r>
             <a:r>
-              <a:rPr lang="en-US" sz="2600" b="1" dirty="0"/>
+              <a:rPr lang="en-US" sz="11200" b="1" dirty="0"/>
               <a:t>actor </a:t>
             </a:r>
             <a:r>
-              <a:rPr lang="en-US" sz="2600" b="1" dirty="0">
+              <a:rPr lang="en-US" sz="11200" b="1" dirty="0">
                 <a:solidFill>
                   <a:srgbClr val="FF0000"/>
                 </a:solidFill>
@@ -12559,15 +15929,15 @@
               <a:t>A</a:t>
             </a:r>
             <a:r>
-              <a:rPr lang="en-US" sz="2600" b="1" dirty="0"/>
+              <a:rPr lang="en-US" sz="11200" b="1" dirty="0"/>
               <a:t>uthentication (MFA) </a:t>
             </a:r>
             <a:r>
-              <a:rPr lang="en-US" sz="2600" dirty="0"/>
+              <a:rPr lang="en-US" sz="11200" dirty="0"/>
               <a:t>requires multiple means of authentication. One example is logging into a website with your username and password but then you are asked to provide a </a:t>
             </a:r>
             <a:r>
-              <a:rPr lang="en-US" sz="2600" dirty="0">
+              <a:rPr lang="en-US" sz="11200" b="1" dirty="0">
                 <a:solidFill>
                   <a:srgbClr val="FF0000"/>
                 </a:solidFill>
@@ -12575,7 +15945,7 @@
               <a:t>one-time access code </a:t>
             </a:r>
             <a:r>
-              <a:rPr lang="en-US" sz="2600" dirty="0"/>
+              <a:rPr lang="en-US" sz="11200" dirty="0"/>
               <a:t>that the website sends to the user’s cell phone.</a:t>
             </a:r>
           </a:p>
@@ -12585,7 +15955,7 @@
               <a:buChar char="•"/>
               <a:defRPr/>
             </a:pPr>
-            <a:endParaRPr lang="en-US" sz="2800" dirty="0"/>
+            <a:endParaRPr lang="en-US" sz="8600" dirty="0"/>
           </a:p>
           <a:p>
             <a:pPr marL="171450" indent="-171450" defTabSz="914400">
@@ -12594,7 +15964,7 @@
               <a:defRPr/>
             </a:pPr>
             <a:r>
-              <a:rPr lang="en-US" sz="2600" b="1" dirty="0">
+              <a:rPr lang="en-US" sz="11200" b="1" dirty="0">
                 <a:solidFill>
                   <a:srgbClr val="FF0000"/>
                 </a:solidFill>
@@ -12602,11 +15972,11 @@
               <a:t>C</a:t>
             </a:r>
             <a:r>
-              <a:rPr lang="en-US" sz="2600" b="1" dirty="0"/>
+              <a:rPr lang="en-US" sz="11200" b="1" dirty="0"/>
               <a:t>onsumer </a:t>
             </a:r>
             <a:r>
-              <a:rPr lang="en-US" sz="2600" b="1" dirty="0">
+              <a:rPr lang="en-US" sz="11200" b="1" dirty="0">
                 <a:solidFill>
                   <a:srgbClr val="FF0000"/>
                 </a:solidFill>
@@ -12614,11 +15984,11 @@
               <a:t>I</a:t>
             </a:r>
             <a:r>
-              <a:rPr lang="en-US" sz="2600" b="1" dirty="0"/>
+              <a:rPr lang="en-US" sz="11200" b="1" dirty="0"/>
               <a:t>dentity and </a:t>
             </a:r>
             <a:r>
-              <a:rPr lang="en-US" sz="2600" b="1" dirty="0">
+              <a:rPr lang="en-US" sz="11200" b="1" dirty="0">
                 <a:solidFill>
                   <a:srgbClr val="FF0000"/>
                 </a:solidFill>
@@ -12626,11 +15996,11 @@
               <a:t>A</a:t>
             </a:r>
             <a:r>
-              <a:rPr lang="en-US" sz="2600" b="1" dirty="0"/>
+              <a:rPr lang="en-US" sz="11200" b="1" dirty="0"/>
               <a:t>ccess </a:t>
             </a:r>
             <a:r>
-              <a:rPr lang="en-US" sz="2600" b="1" dirty="0">
+              <a:rPr lang="en-US" sz="11200" b="1" dirty="0">
                 <a:solidFill>
                   <a:srgbClr val="FF0000"/>
                 </a:solidFill>
@@ -12638,12 +16008,24 @@
               <a:t>M</a:t>
             </a:r>
             <a:r>
-              <a:rPr lang="en-US" sz="2600" b="1" dirty="0"/>
+              <a:rPr lang="en-US" sz="11200" b="1" dirty="0"/>
               <a:t>anagement (CIAM)</a:t>
             </a:r>
             <a:r>
-              <a:rPr lang="en-US" sz="2600" dirty="0"/>
-              <a:t> solutions provide features like customer registration, self-service account management, consent and preference management, but they also provide multiple authentication features. Some of those features include ones we have covered like SSO and MFA and typically have a user interface that is tailored for end-user populations as opposed to employees.</a:t>
+              <a:rPr lang="en-US" sz="11200" dirty="0"/>
+              <a:t> solutions provide features like customer registration, self-service account management, consent and preference management, but they also provide multiple authentication features. Some of those features include ones we have covered like SSO and MFA and typically have a user interface that is </a:t>
+            </a:r>
+            <a:r>
+              <a:rPr lang="en-US" sz="11200" b="1" dirty="0">
+                <a:solidFill>
+                  <a:srgbClr val="FF0000"/>
+                </a:solidFill>
+              </a:rPr>
+              <a:t>tailored for end-user</a:t>
+            </a:r>
+            <a:r>
+              <a:rPr lang="en-US" sz="11200" dirty="0"/>
+              <a:t> populations as opposed to employees.</a:t>
             </a:r>
           </a:p>
           <a:p>
@@ -12778,199 +16160,6 @@
 </file>
 
 <file path=ppt/slides/slide6.xml><?xml version="1.0" encoding="utf-8"?>
-<p:sld xmlns:a="http://schemas.openxmlformats.org/drawingml/2006/main" xmlns:r="http://schemas.openxmlformats.org/officeDocument/2006/relationships" xmlns:p="http://schemas.openxmlformats.org/presentationml/2006/main">
-  <p:cSld>
-    <p:spTree>
-      <p:nvGrpSpPr>
-        <p:cNvPr id="1" name=""/>
-        <p:cNvGrpSpPr/>
-        <p:nvPr/>
-      </p:nvGrpSpPr>
-      <p:grpSpPr>
-        <a:xfrm>
-          <a:off x="0" y="0"/>
-          <a:ext cx="0" cy="0"/>
-          <a:chOff x="0" y="0"/>
-          <a:chExt cx="0" cy="0"/>
-        </a:xfrm>
-      </p:grpSpPr>
-      <p:sp>
-        <p:nvSpPr>
-          <p:cNvPr id="4" name="Title 5">
-            <a:extLst>
-              <a:ext uri="{FF2B5EF4-FFF2-40B4-BE49-F238E27FC236}">
-                <a16:creationId xmlns:a16="http://schemas.microsoft.com/office/drawing/2014/main" id="{A84E2FEF-74EA-9C4A-B7F8-D5AF9CC85439}"/>
-              </a:ext>
-            </a:extLst>
-          </p:cNvPr>
-          <p:cNvSpPr>
-            <a:spLocks noGrp="1"/>
-          </p:cNvSpPr>
-          <p:nvPr>
-            <p:ph type="title"/>
-          </p:nvPr>
-        </p:nvSpPr>
-        <p:spPr>
-          <a:xfrm>
-            <a:off x="655321" y="210727"/>
-            <a:ext cx="10515600" cy="1325563"/>
-          </a:xfrm>
-        </p:spPr>
-        <p:txBody>
-          <a:bodyPr>
-            <a:normAutofit/>
-          </a:bodyPr>
-          <a:lstStyle/>
-          <a:p>
-            <a:r>
-              <a:rPr lang="en-IL" sz="4800" dirty="0"/>
-              <a:t>Passport</a:t>
-            </a:r>
-          </a:p>
-        </p:txBody>
-      </p:sp>
-      <p:sp>
-        <p:nvSpPr>
-          <p:cNvPr id="7" name="TextBox 6">
-            <a:extLst>
-              <a:ext uri="{FF2B5EF4-FFF2-40B4-BE49-F238E27FC236}">
-                <a16:creationId xmlns:a16="http://schemas.microsoft.com/office/drawing/2014/main" id="{0D434488-5884-DC47-825F-DB289BAA0DD0}"/>
-              </a:ext>
-            </a:extLst>
-          </p:cNvPr>
-          <p:cNvSpPr txBox="1"/>
-          <p:nvPr/>
-        </p:nvSpPr>
-        <p:spPr>
-          <a:xfrm>
-            <a:off x="590598" y="1536290"/>
-            <a:ext cx="10946081" cy="3980590"/>
-          </a:xfrm>
-          <a:prstGeom prst="rect">
-            <a:avLst/>
-          </a:prstGeom>
-        </p:spPr>
-        <p:txBody>
-          <a:bodyPr vert="horz" lIns="91440" tIns="45720" rIns="91440" bIns="45720" rtlCol="0">
-            <a:normAutofit/>
-          </a:bodyPr>
-          <a:lstStyle/>
-          <a:p>
-            <a:pPr marL="457200" indent="-457200" defTabSz="914400">
-              <a:lnSpc>
-                <a:spcPct val="90000"/>
-              </a:lnSpc>
-              <a:spcAft>
-                <a:spcPts val="600"/>
-              </a:spcAft>
-              <a:buFont typeface="Arial" panose="020B0604020202020204" pitchFamily="34" charset="0"/>
-              <a:buChar char="•"/>
-            </a:pPr>
-            <a:r>
-              <a:rPr lang="en-US" sz="2800" dirty="0">
-                <a:hlinkClick r:id="rId3">
-                  <a:extLst>
-                    <a:ext uri="{A12FA001-AC4F-418D-AE19-62706E023703}">
-                      <ahyp:hlinkClr xmlns:ahyp="http://schemas.microsoft.com/office/drawing/2018/hyperlinkcolor" val="tx"/>
-                    </a:ext>
-                  </a:extLst>
-                </a:hlinkClick>
-              </a:rPr>
-              <a:t>Passport</a:t>
-            </a:r>
-            <a:r>
-              <a:rPr lang="en-US" sz="2800" dirty="0"/>
-              <a:t> is the most popular </a:t>
-            </a:r>
-            <a:r>
-              <a:rPr lang="en-US" sz="2800" dirty="0" err="1"/>
-              <a:t>node.js</a:t>
-            </a:r>
-            <a:r>
-              <a:rPr lang="en-US" sz="2800" dirty="0"/>
-              <a:t> authentication library, well-known by the community and successfully used in many production applications</a:t>
-            </a:r>
-          </a:p>
-          <a:p>
-            <a:pPr marL="457200" indent="-457200" defTabSz="914400">
-              <a:lnSpc>
-                <a:spcPct val="90000"/>
-              </a:lnSpc>
-              <a:spcAft>
-                <a:spcPts val="600"/>
-              </a:spcAft>
-              <a:buFont typeface="Arial" panose="020B0604020202020204" pitchFamily="34" charset="0"/>
-              <a:buChar char="•"/>
-            </a:pPr>
-            <a:r>
-              <a:rPr lang="en-US" sz="2800" dirty="0"/>
-              <a:t>it abstracts the authentication process into a few basic steps that you customize based on the strategy you're implementing</a:t>
-            </a:r>
-          </a:p>
-          <a:p>
-            <a:pPr marL="457200" indent="-457200" defTabSz="914400">
-              <a:lnSpc>
-                <a:spcPct val="90000"/>
-              </a:lnSpc>
-              <a:spcAft>
-                <a:spcPts val="600"/>
-              </a:spcAft>
-              <a:buFont typeface="Arial" panose="020B0604020202020204" pitchFamily="34" charset="0"/>
-              <a:buChar char="•"/>
-            </a:pPr>
-            <a:r>
-              <a:rPr lang="en-US" sz="2800" u="sng" dirty="0"/>
-              <a:t>Configuration:</a:t>
-            </a:r>
-          </a:p>
-          <a:p>
-            <a:pPr marL="914400" lvl="1" indent="-457200" defTabSz="914400">
-              <a:lnSpc>
-                <a:spcPct val="90000"/>
-              </a:lnSpc>
-              <a:spcAft>
-                <a:spcPts val="600"/>
-              </a:spcAft>
-              <a:buFont typeface="Wingdings" pitchFamily="2" charset="2"/>
-              <a:buChar char="§"/>
-            </a:pPr>
-            <a:r>
-              <a:rPr lang="en-US" sz="2000" dirty="0"/>
-              <a:t>A set of options that are specific to that strategy</a:t>
-            </a:r>
-          </a:p>
-          <a:p>
-            <a:pPr marL="914400" lvl="1" indent="-457200" defTabSz="914400">
-              <a:lnSpc>
-                <a:spcPct val="90000"/>
-              </a:lnSpc>
-              <a:spcAft>
-                <a:spcPts val="600"/>
-              </a:spcAft>
-              <a:buFont typeface="Wingdings" pitchFamily="2" charset="2"/>
-              <a:buChar char="§"/>
-            </a:pPr>
-            <a:r>
-              <a:rPr lang="en-US" sz="2000" dirty="0"/>
-              <a:t>A "verify callback", which is where you tell Passport how to interact with your user store</a:t>
-            </a:r>
-          </a:p>
-        </p:txBody>
-      </p:sp>
-    </p:spTree>
-    <p:extLst>
-      <p:ext uri="{BB962C8B-B14F-4D97-AF65-F5344CB8AC3E}">
-        <p14:creationId xmlns:p14="http://schemas.microsoft.com/office/powerpoint/2010/main" val="3857393992"/>
-      </p:ext>
-    </p:extLst>
-  </p:cSld>
-  <p:clrMapOvr>
-    <a:masterClrMapping/>
-  </p:clrMapOvr>
-</p:sld>
-</file>
-
-<file path=ppt/slides/slide7.xml><?xml version="1.0" encoding="utf-8"?>
 <p:sld xmlns:a="http://schemas.openxmlformats.org/drawingml/2006/main" xmlns:r="http://schemas.openxmlformats.org/officeDocument/2006/relationships" xmlns:p="http://schemas.openxmlformats.org/presentationml/2006/main">
   <p:cSld>
     <p:bg>
@@ -13566,7 +16755,7 @@
 </p:sld>
 </file>
 
-<file path=ppt/slides/slide8.xml><?xml version="1.0" encoding="utf-8"?>
+<file path=ppt/slides/slide7.xml><?xml version="1.0" encoding="utf-8"?>
 <p:sld xmlns:a="http://schemas.openxmlformats.org/drawingml/2006/main" xmlns:r="http://schemas.openxmlformats.org/officeDocument/2006/relationships" xmlns:p="http://schemas.openxmlformats.org/presentationml/2006/main">
   <p:cSld>
     <p:bg>
@@ -13625,21 +16814,8 @@
                   <a:srgbClr val="FF0000"/>
                 </a:solidFill>
               </a:rPr>
-              <a:t>Authentications vs </a:t>
-            </a:r>
-            <a:r>
-              <a:rPr lang="en-US" sz="4800" dirty="0" err="1">
-                <a:solidFill>
-                  <a:srgbClr val="FF0000"/>
-                </a:solidFill>
-              </a:rPr>
-              <a:t>Authorisation</a:t>
-            </a:r>
-            <a:endParaRPr lang="en-US" sz="4800" dirty="0">
-              <a:solidFill>
-                <a:srgbClr val="FF0000"/>
-              </a:solidFill>
-            </a:endParaRPr>
+              <a:t>Authentications vs Authorization</a:t>
+            </a:r>
           </a:p>
         </p:txBody>
       </p:sp>
@@ -13658,7 +16834,7 @@
         <p:spPr>
           <a:xfrm>
             <a:off x="4952041" y="1687212"/>
-            <a:ext cx="6952248" cy="5170788"/>
+            <a:ext cx="6952248" cy="4256388"/>
           </a:xfrm>
           <a:prstGeom prst="rect">
             <a:avLst/>
@@ -13678,25 +16854,76 @@
                 <a:spcPts val="600"/>
               </a:spcAft>
             </a:pPr>
-            <a:r>
-              <a:rPr lang="en-US" sz="2400" dirty="0"/>
-              <a:t>To complete</a:t>
-            </a:r>
-          </a:p>
-          <a:p>
-            <a:pPr marL="457200" indent="-228600" defTabSz="914400">
+            <a:endParaRPr lang="en-US" sz="2400" dirty="0"/>
+          </a:p>
+          <a:p>
+            <a:pPr defTabSz="914400">
               <a:lnSpc>
                 <a:spcPct val="90000"/>
               </a:lnSpc>
               <a:spcAft>
                 <a:spcPts val="600"/>
               </a:spcAft>
-              <a:buFont typeface="Arial" panose="020B0604020202020204" pitchFamily="34" charset="0"/>
-              <a:buChar char="•"/>
             </a:pPr>
             <a:r>
-              <a:rPr lang="en-US" sz="2400" dirty="0"/>
-              <a:t>Lorem ipsum</a:t>
+              <a:rPr lang="en-US" sz="3000" dirty="0"/>
+              <a:t>Authentication and authorization might sound similar, but they are distinct security processes in the world of identity and access management (IAM). </a:t>
+            </a:r>
+          </a:p>
+          <a:p>
+            <a:pPr defTabSz="914400">
+              <a:lnSpc>
+                <a:spcPct val="90000"/>
+              </a:lnSpc>
+              <a:spcAft>
+                <a:spcPts val="600"/>
+              </a:spcAft>
+            </a:pPr>
+            <a:r>
+              <a:rPr lang="en-US" sz="3000" dirty="0">
+                <a:solidFill>
+                  <a:srgbClr val="00B050"/>
+                </a:solidFill>
+              </a:rPr>
+              <a:t>Authentication confirms </a:t>
+            </a:r>
+            <a:r>
+              <a:rPr lang="en-US" sz="3000" dirty="0"/>
+              <a:t>that users are who they say they are. </a:t>
+            </a:r>
+          </a:p>
+          <a:p>
+            <a:pPr defTabSz="914400">
+              <a:lnSpc>
+                <a:spcPct val="90000"/>
+              </a:lnSpc>
+              <a:spcAft>
+                <a:spcPts val="600"/>
+              </a:spcAft>
+            </a:pPr>
+            <a:r>
+              <a:rPr lang="en-US" sz="3000" dirty="0">
+                <a:solidFill>
+                  <a:srgbClr val="00B050"/>
+                </a:solidFill>
+              </a:rPr>
+              <a:t>Authorization</a:t>
+            </a:r>
+            <a:r>
+              <a:rPr lang="en-US" sz="3000" dirty="0"/>
+              <a:t> gives those users </a:t>
+            </a:r>
+            <a:r>
+              <a:rPr lang="en-US" sz="3000" dirty="0">
+                <a:solidFill>
+                  <a:srgbClr val="00B050"/>
+                </a:solidFill>
+              </a:rPr>
+              <a:t>permission</a:t>
+            </a:r>
+            <a:r>
+              <a:rPr lang="en-US" sz="3000" dirty="0"/>
+              <a:t> to access a resource.</a:t>
             </a:r>
           </a:p>
           <a:p>
@@ -13835,7 +17062,7 @@
 </p:sld>
 </file>
 
-<file path=ppt/slides/slide9.xml><?xml version="1.0" encoding="utf-8"?>
+<file path=ppt/slides/slide8.xml><?xml version="1.0" encoding="utf-8"?>
 <p:sld xmlns:a="http://schemas.openxmlformats.org/drawingml/2006/main" xmlns:r="http://schemas.openxmlformats.org/officeDocument/2006/relationships" xmlns:p="http://schemas.openxmlformats.org/presentationml/2006/main">
   <p:cSld>
     <p:spTree>
@@ -13909,8 +17136,8 @@
         </p:nvSpPr>
         <p:spPr>
           <a:xfrm>
-            <a:off x="4952041" y="1687212"/>
-            <a:ext cx="6952248" cy="5170788"/>
+            <a:off x="4898055" y="1336688"/>
+            <a:ext cx="6952248" cy="5207264"/>
           </a:xfrm>
           <a:prstGeom prst="rect">
             <a:avLst/>
@@ -13948,17 +17175,19 @@
             </a:pPr>
             <a:r>
               <a:rPr lang="en-US" sz="2400" dirty="0"/>
-              <a:t>Suppose you have a </a:t>
-            </a:r>
-            <a:r>
-              <a:rPr lang="en-US" sz="2400" u="sng" dirty="0">
-                <a:hlinkClick r:id="rId3"/>
+              <a:t>Suppose you have a REST API (e.g. GET /orders) and you want to restrict access to </a:t>
+            </a:r>
+            <a:r>
+              <a:rPr lang="en-US" sz="2400" dirty="0">
+                <a:solidFill>
+                  <a:srgbClr val="00B050"/>
+                </a:solidFill>
               </a:rPr>
-              <a:t>REST API</a:t>
+              <a:t>authorized</a:t>
             </a:r>
             <a:r>
               <a:rPr lang="en-US" sz="2400" dirty="0"/>
-              <a:t> (e.g. GET /orders) and you want to restrict access to authorized users only.</a:t>
+              <a:t> users only.</a:t>
             </a:r>
           </a:p>
           <a:p>
@@ -13987,10 +17216,50 @@
             </a:pPr>
             <a:r>
               <a:rPr lang="en-US" sz="2400" dirty="0"/>
-              <a:t>In the most naïve approach, the API would ask for a username and password; then it will be searched in a database for whether those credentials really exist. We check for </a:t>
-            </a:r>
-            <a:r>
-              <a:rPr lang="en-US" sz="2400" i="1" dirty="0"/>
+              <a:t>In the most naïve approach, the API would </a:t>
+            </a:r>
+            <a:r>
+              <a:rPr lang="en-US" sz="2400" dirty="0">
+                <a:solidFill>
+                  <a:srgbClr val="00B050"/>
+                </a:solidFill>
+              </a:rPr>
+              <a:t>ask</a:t>
+            </a:r>
+            <a:r>
+              <a:rPr lang="en-US" sz="2400" dirty="0"/>
+              <a:t> for a </a:t>
+            </a:r>
+            <a:r>
+              <a:rPr lang="en-US" sz="2400" dirty="0">
+                <a:solidFill>
+                  <a:srgbClr val="00B050"/>
+                </a:solidFill>
+              </a:rPr>
+              <a:t>username</a:t>
+            </a:r>
+            <a:r>
+              <a:rPr lang="en-US" sz="2400" dirty="0"/>
+              <a:t> and </a:t>
+            </a:r>
+            <a:r>
+              <a:rPr lang="en-US" sz="2400" dirty="0">
+                <a:solidFill>
+                  <a:srgbClr val="00B050"/>
+                </a:solidFill>
+              </a:rPr>
+              <a:t>password</a:t>
+            </a:r>
+            <a:r>
+              <a:rPr lang="en-US" sz="2400" dirty="0"/>
+              <a:t>; then it will be searched in a database for whether those credentials really exist. We check for </a:t>
+            </a:r>
+            <a:r>
+              <a:rPr lang="en-US" sz="2400" dirty="0">
+                <a:solidFill>
+                  <a:srgbClr val="00B050"/>
+                </a:solidFill>
+              </a:rPr>
               <a:t>authenticity</a:t>
             </a:r>
             <a:r>
@@ -14027,7 +17296,11 @@
               <a:t>Finally, it will be checked if the </a:t>
             </a:r>
             <a:r>
-              <a:rPr lang="en-US" sz="2400" i="1" dirty="0"/>
+              <a:rPr lang="en-US" sz="2400" dirty="0">
+                <a:solidFill>
+                  <a:srgbClr val="00B050"/>
+                </a:solidFill>
+              </a:rPr>
               <a:t>authenticated</a:t>
             </a:r>
             <a:r>
@@ -14035,7 +17308,11 @@
               <a:t> user is also </a:t>
             </a:r>
             <a:r>
-              <a:rPr lang="en-US" sz="2400" i="1" dirty="0"/>
+              <a:rPr lang="en-US" sz="2400" dirty="0">
+                <a:solidFill>
+                  <a:srgbClr val="00B050"/>
+                </a:solidFill>
+              </a:rPr>
               <a:t>authorized</a:t>
             </a:r>
             <a:r>
@@ -14060,7 +17337,7 @@
           <p:nvPr/>
         </p:nvPicPr>
         <p:blipFill rotWithShape="1">
-          <a:blip r:embed="rId4"/>
+          <a:blip r:embed="rId3"/>
           <a:srcRect l="31791" r="30187"/>
           <a:stretch/>
         </p:blipFill>
@@ -14079,6 +17356,161 @@
     <p:extLst>
       <p:ext uri="{BB962C8B-B14F-4D97-AF65-F5344CB8AC3E}">
         <p14:creationId xmlns:p14="http://schemas.microsoft.com/office/powerpoint/2010/main" val="3619408321"/>
+      </p:ext>
+    </p:extLst>
+  </p:cSld>
+  <p:clrMapOvr>
+    <a:masterClrMapping/>
+  </p:clrMapOvr>
+</p:sld>
+</file>
+
+<file path=ppt/slides/slide9.xml><?xml version="1.0" encoding="utf-8"?>
+<p:sld xmlns:a="http://schemas.openxmlformats.org/drawingml/2006/main" xmlns:r="http://schemas.openxmlformats.org/officeDocument/2006/relationships" xmlns:p="http://schemas.openxmlformats.org/presentationml/2006/main">
+  <p:cSld>
+    <p:spTree>
+      <p:nvGrpSpPr>
+        <p:cNvPr id="1" name=""/>
+        <p:cNvGrpSpPr/>
+        <p:nvPr/>
+      </p:nvGrpSpPr>
+      <p:grpSpPr>
+        <a:xfrm>
+          <a:off x="0" y="0"/>
+          <a:ext cx="0" cy="0"/>
+          <a:chOff x="0" y="0"/>
+          <a:chExt cx="0" cy="0"/>
+        </a:xfrm>
+      </p:grpSpPr>
+      <p:sp>
+        <p:nvSpPr>
+          <p:cNvPr id="4" name="Title 5">
+            <a:extLst>
+              <a:ext uri="{FF2B5EF4-FFF2-40B4-BE49-F238E27FC236}">
+                <a16:creationId xmlns:a16="http://schemas.microsoft.com/office/drawing/2014/main" id="{A84E2FEF-74EA-9C4A-B7F8-D5AF9CC85439}"/>
+              </a:ext>
+            </a:extLst>
+          </p:cNvPr>
+          <p:cNvSpPr>
+            <a:spLocks noGrp="1"/>
+          </p:cNvSpPr>
+          <p:nvPr>
+            <p:ph type="title"/>
+          </p:nvPr>
+        </p:nvSpPr>
+        <p:spPr>
+          <a:xfrm>
+            <a:off x="655321" y="210727"/>
+            <a:ext cx="10515600" cy="1325563"/>
+          </a:xfrm>
+        </p:spPr>
+        <p:txBody>
+          <a:bodyPr>
+            <a:normAutofit/>
+          </a:bodyPr>
+          <a:lstStyle/>
+          <a:p>
+            <a:r>
+              <a:rPr lang="en-IL" sz="4800" dirty="0"/>
+              <a:t>A problem of state…</a:t>
+            </a:r>
+          </a:p>
+        </p:txBody>
+      </p:sp>
+      <p:sp>
+        <p:nvSpPr>
+          <p:cNvPr id="7" name="TextBox 6">
+            <a:extLst>
+              <a:ext uri="{FF2B5EF4-FFF2-40B4-BE49-F238E27FC236}">
+                <a16:creationId xmlns:a16="http://schemas.microsoft.com/office/drawing/2014/main" id="{0D434488-5884-DC47-825F-DB289BAA0DD0}"/>
+              </a:ext>
+            </a:extLst>
+          </p:cNvPr>
+          <p:cNvSpPr txBox="1"/>
+          <p:nvPr/>
+        </p:nvSpPr>
+        <p:spPr>
+          <a:xfrm>
+            <a:off x="590598" y="1536290"/>
+            <a:ext cx="10946081" cy="1325563"/>
+          </a:xfrm>
+          <a:prstGeom prst="rect">
+            <a:avLst/>
+          </a:prstGeom>
+        </p:spPr>
+        <p:txBody>
+          <a:bodyPr vert="horz" lIns="91440" tIns="45720" rIns="91440" bIns="45720" rtlCol="0">
+            <a:noAutofit/>
+          </a:bodyPr>
+          <a:lstStyle/>
+          <a:p>
+            <a:pPr defTabSz="914400">
+              <a:lnSpc>
+                <a:spcPct val="90000"/>
+              </a:lnSpc>
+              <a:spcAft>
+                <a:spcPts val="600"/>
+              </a:spcAft>
+            </a:pPr>
+            <a:r>
+              <a:rPr lang="en-US" sz="3000" b="1" dirty="0"/>
+              <a:t>The </a:t>
+            </a:r>
+            <a:r>
+              <a:rPr lang="en-US" sz="3000" b="1" dirty="0">
+                <a:solidFill>
+                  <a:srgbClr val="FF0000"/>
+                </a:solidFill>
+              </a:rPr>
+              <a:t>HTTP protocol is </a:t>
+            </a:r>
+            <a:r>
+              <a:rPr lang="en-US" sz="3000" b="1" i="1" dirty="0">
+                <a:solidFill>
+                  <a:srgbClr val="FF0000"/>
+                </a:solidFill>
+              </a:rPr>
+              <a:t>stateless</a:t>
+            </a:r>
+            <a:r>
+              <a:rPr lang="en-US" sz="3000" dirty="0"/>
+              <a:t>, this means a new request (e.g. GET /order/42) won’t know anything about the previous one, </a:t>
+            </a:r>
+            <a:r>
+              <a:rPr lang="en-US" sz="3000" b="1" dirty="0"/>
+              <a:t>so</a:t>
+            </a:r>
+            <a:r>
+              <a:rPr lang="en-US" sz="3000" dirty="0"/>
+              <a:t> </a:t>
+            </a:r>
+            <a:r>
+              <a:rPr lang="en-US" sz="3000" b="1" dirty="0"/>
+              <a:t>we need to </a:t>
+            </a:r>
+            <a:r>
+              <a:rPr lang="en-US" sz="3000" b="1" dirty="0">
+                <a:solidFill>
+                  <a:srgbClr val="FF0000"/>
+                </a:solidFill>
+              </a:rPr>
+              <a:t>reauthenticate</a:t>
+            </a:r>
+            <a:r>
+              <a:rPr lang="en-US" sz="3000" b="1" dirty="0"/>
+              <a:t> for each new request</a:t>
+            </a:r>
+            <a:r>
+              <a:rPr lang="en-US" sz="3000" dirty="0"/>
+              <a:t> (fig.1).</a:t>
+            </a:r>
+          </a:p>
+        </p:txBody>
+      </p:sp>
+    </p:spTree>
+    <p:extLst>
+      <p:ext uri="{BB962C8B-B14F-4D97-AF65-F5344CB8AC3E}">
+        <p14:creationId xmlns:p14="http://schemas.microsoft.com/office/powerpoint/2010/main" val="2121615192"/>
       </p:ext>
     </p:extLst>
   </p:cSld>

--- a/presentations/lecture_jwt.pptx
+++ b/presentations/lecture_jwt.pptx
@@ -5,7 +5,7 @@
     <p:sldMasterId id="2147483684" r:id="rId1"/>
   </p:sldMasterIdLst>
   <p:notesMasterIdLst>
-    <p:notesMasterId r:id="rId31"/>
+    <p:notesMasterId r:id="rId32"/>
   </p:notesMasterIdLst>
   <p:sldIdLst>
     <p:sldId id="256" r:id="rId2"/>
@@ -25,18 +25,19 @@
     <p:sldId id="326" r:id="rId16"/>
     <p:sldId id="329" r:id="rId17"/>
     <p:sldId id="339" r:id="rId18"/>
-    <p:sldId id="346" r:id="rId19"/>
-    <p:sldId id="330" r:id="rId20"/>
-    <p:sldId id="331" r:id="rId21"/>
-    <p:sldId id="332" r:id="rId22"/>
-    <p:sldId id="333" r:id="rId23"/>
-    <p:sldId id="334" r:id="rId24"/>
-    <p:sldId id="335" r:id="rId25"/>
-    <p:sldId id="336" r:id="rId26"/>
-    <p:sldId id="337" r:id="rId27"/>
-    <p:sldId id="340" r:id="rId28"/>
-    <p:sldId id="344" r:id="rId29"/>
-    <p:sldId id="260" r:id="rId30"/>
+    <p:sldId id="330" r:id="rId19"/>
+    <p:sldId id="331" r:id="rId20"/>
+    <p:sldId id="332" r:id="rId21"/>
+    <p:sldId id="333" r:id="rId22"/>
+    <p:sldId id="335" r:id="rId23"/>
+    <p:sldId id="346" r:id="rId24"/>
+    <p:sldId id="334" r:id="rId25"/>
+    <p:sldId id="347" r:id="rId26"/>
+    <p:sldId id="336" r:id="rId27"/>
+    <p:sldId id="337" r:id="rId28"/>
+    <p:sldId id="340" r:id="rId29"/>
+    <p:sldId id="344" r:id="rId30"/>
+    <p:sldId id="260" r:id="rId31"/>
   </p:sldIdLst>
   <p:sldSz cx="12192000" cy="6858000"/>
   <p:notesSz cx="6858000" cy="9144000"/>
@@ -3574,6 +3575,39 @@
               <a:buChar char="•"/>
             </a:pPr>
             <a:r>
+              <a:rPr lang="en-US" b="1" dirty="0"/>
+              <a:t>Add schema with shared </a:t>
+            </a:r>
+            <a:r>
+              <a:rPr lang="en-US" b="1" dirty="0" err="1"/>
+              <a:t>db</a:t>
+            </a:r>
+            <a:r>
+              <a:rPr lang="en-US" b="1" dirty="0"/>
+              <a:t> to check session id / in memory </a:t>
+            </a:r>
+            <a:r>
+              <a:rPr lang="en-US" b="1" dirty="0" err="1"/>
+              <a:t>db</a:t>
+            </a:r>
+            <a:r>
+              <a:rPr lang="en-US" b="1" dirty="0"/>
+              <a:t> and remove the text</a:t>
+            </a:r>
+          </a:p>
+          <a:p>
+            <a:pPr marL="171450" indent="-171450">
+              <a:buFont typeface="Arial" panose="020B0604020202020204" pitchFamily="34" charset="0"/>
+              <a:buChar char="•"/>
+            </a:pPr>
+            <a:endParaRPr lang="en-US" dirty="0"/>
+          </a:p>
+          <a:p>
+            <a:pPr marL="171450" indent="-171450">
+              <a:buFont typeface="Arial" panose="020B0604020202020204" pitchFamily="34" charset="0"/>
+              <a:buChar char="•"/>
+            </a:pPr>
+            <a:r>
               <a:rPr lang="en-US" dirty="0"/>
               <a:t>// TODO translate</a:t>
             </a:r>
@@ -4027,10 +4061,6 @@
           <a:bodyPr/>
           <a:lstStyle/>
           <a:p>
-            <a:pPr marL="171450" indent="-171450">
-              <a:buFont typeface="Arial" panose="020B0604020202020204" pitchFamily="34" charset="0"/>
-              <a:buChar char="•"/>
-            </a:pPr>
             <a:endParaRPr lang="en-IL" dirty="0"/>
           </a:p>
         </p:txBody>
@@ -4052,7 +4082,7 @@
           <a:p>
             <a:fld id="{D2850163-67CE-1445-A832-1977356FC86B}" type="slidenum">
               <a:rPr lang="en-IL" smtClean="0"/>
-              <a:t>18</a:t>
+              <a:t>21</a:t>
             </a:fld>
             <a:endParaRPr lang="en-IL"/>
           </a:p>
@@ -4061,7 +4091,7 @@
     </p:spTree>
     <p:extLst>
       <p:ext uri="{BB962C8B-B14F-4D97-AF65-F5344CB8AC3E}">
-        <p14:creationId xmlns:p14="http://schemas.microsoft.com/office/powerpoint/2010/main" val="3939310208"/>
+        <p14:creationId xmlns:p14="http://schemas.microsoft.com/office/powerpoint/2010/main" val="1812222965"/>
       </p:ext>
     </p:extLst>
   </p:cSld>
@@ -4115,6 +4145,179 @@
           <a:bodyPr/>
           <a:lstStyle/>
           <a:p>
+            <a:pPr marL="171450" indent="-171450">
+              <a:buFont typeface="Arial" panose="020B0604020202020204" pitchFamily="34" charset="0"/>
+              <a:buChar char="•"/>
+            </a:pPr>
+            <a:r>
+              <a:rPr lang="en-US" sz="1200" b="0" i="0" kern="1200" dirty="0">
+                <a:solidFill>
+                  <a:schemeClr val="tx1"/>
+                </a:solidFill>
+                <a:effectLst/>
+                <a:latin typeface="+mn-lt"/>
+                <a:ea typeface="+mn-ea"/>
+                <a:cs typeface="+mn-cs"/>
+              </a:rPr>
+              <a:t>At the first access, a client needs to contact the </a:t>
+            </a:r>
+            <a:r>
+              <a:rPr lang="en-US" sz="1200" b="0" i="1" kern="1200" dirty="0">
+                <a:solidFill>
+                  <a:schemeClr val="tx1"/>
+                </a:solidFill>
+                <a:effectLst/>
+                <a:latin typeface="+mn-lt"/>
+                <a:ea typeface="+mn-ea"/>
+                <a:cs typeface="+mn-cs"/>
+              </a:rPr>
+              <a:t>authentication server </a:t>
+            </a:r>
+            <a:r>
+              <a:rPr lang="en-US" sz="1200" b="0" i="0" kern="1200" dirty="0">
+                <a:solidFill>
+                  <a:schemeClr val="tx1"/>
+                </a:solidFill>
+                <a:effectLst/>
+                <a:latin typeface="+mn-lt"/>
+                <a:ea typeface="+mn-ea"/>
+                <a:cs typeface="+mn-cs"/>
+              </a:rPr>
+              <a:t>(Amazon Cognito here, but Microsoft, Salesforce or any other provider should be pretty similar), sending username and password to it. If credentials are valid, a JWT token will be returned to the client that will use it to request an API (in this example Amazon API Gateway endpoint).</a:t>
+            </a:r>
+          </a:p>
+          <a:p>
+            <a:pPr marL="171450" indent="-171450">
+              <a:buFont typeface="Arial" panose="020B0604020202020204" pitchFamily="34" charset="0"/>
+              <a:buChar char="•"/>
+            </a:pPr>
+            <a:endParaRPr lang="en-US" sz="1200" b="0" i="0" kern="1200" dirty="0">
+              <a:solidFill>
+                <a:schemeClr val="tx1"/>
+              </a:solidFill>
+              <a:effectLst/>
+              <a:latin typeface="+mn-lt"/>
+              <a:ea typeface="+mn-ea"/>
+              <a:cs typeface="+mn-cs"/>
+            </a:endParaRPr>
+          </a:p>
+          <a:p>
+            <a:pPr marL="171450" indent="-171450">
+              <a:buFont typeface="Arial" panose="020B0604020202020204" pitchFamily="34" charset="0"/>
+              <a:buChar char="•"/>
+            </a:pPr>
+            <a:r>
+              <a:rPr lang="en-US" sz="1200" b="0" i="0" kern="1200" dirty="0">
+                <a:solidFill>
+                  <a:schemeClr val="tx1"/>
+                </a:solidFill>
+                <a:effectLst/>
+                <a:latin typeface="+mn-lt"/>
+                <a:ea typeface="+mn-ea"/>
+                <a:cs typeface="+mn-cs"/>
+              </a:rPr>
+              <a:t>In the above scenario (fig.5), API itself is the only responsible for token validation and it’s able to reject the request if the signature seems forged.</a:t>
+            </a:r>
+          </a:p>
+          <a:p>
+            <a:pPr marL="171450" indent="-171450">
+              <a:buFont typeface="Arial" panose="020B0604020202020204" pitchFamily="34" charset="0"/>
+              <a:buChar char="•"/>
+            </a:pPr>
+            <a:endParaRPr lang="en-US" sz="1200" b="0" i="0" kern="1200" dirty="0">
+              <a:solidFill>
+                <a:schemeClr val="tx1"/>
+              </a:solidFill>
+              <a:effectLst/>
+              <a:latin typeface="+mn-lt"/>
+              <a:ea typeface="+mn-ea"/>
+              <a:cs typeface="+mn-cs"/>
+            </a:endParaRPr>
+          </a:p>
+          <a:p>
+            <a:pPr marL="171450" indent="-171450">
+              <a:buFont typeface="Arial" panose="020B0604020202020204" pitchFamily="34" charset="0"/>
+              <a:buChar char="•"/>
+            </a:pPr>
+            <a:endParaRPr lang="en-US" sz="1200" b="0" i="0" kern="1200" dirty="0">
+              <a:solidFill>
+                <a:schemeClr val="tx1"/>
+              </a:solidFill>
+              <a:effectLst/>
+              <a:latin typeface="+mn-lt"/>
+              <a:ea typeface="+mn-ea"/>
+              <a:cs typeface="+mn-cs"/>
+            </a:endParaRPr>
+          </a:p>
+          <a:p>
+            <a:r>
+              <a:rPr lang="en-US" sz="1200" b="1" i="0" kern="1200" dirty="0">
+                <a:solidFill>
+                  <a:schemeClr val="tx1"/>
+                </a:solidFill>
+                <a:effectLst/>
+                <a:latin typeface="+mn-lt"/>
+                <a:ea typeface="+mn-ea"/>
+                <a:cs typeface="+mn-cs"/>
+              </a:rPr>
+              <a:t>Going further</a:t>
+            </a:r>
+            <a:br>
+              <a:rPr lang="en-US" sz="1200" b="1" i="0" kern="1200" dirty="0">
+                <a:solidFill>
+                  <a:schemeClr val="tx1"/>
+                </a:solidFill>
+                <a:effectLst/>
+                <a:latin typeface="+mn-lt"/>
+                <a:ea typeface="+mn-ea"/>
+                <a:cs typeface="+mn-cs"/>
+              </a:rPr>
+            </a:br>
+            <a:r>
+              <a:rPr lang="en-US" sz="1200" b="0" i="0" kern="1200" dirty="0">
+                <a:solidFill>
+                  <a:schemeClr val="tx1"/>
+                </a:solidFill>
+                <a:effectLst/>
+                <a:latin typeface="+mn-lt"/>
+                <a:ea typeface="+mn-ea"/>
+                <a:cs typeface="+mn-cs"/>
+              </a:rPr>
+              <a:t>Suppose a client wants to invoke a protected API to delete an order (e.g. DELETE /order/42) and this action should be only performed by administrators.</a:t>
+            </a:r>
+          </a:p>
+          <a:p>
+            <a:r>
+              <a:rPr lang="en-US" sz="1200" b="0" i="0" kern="1200" dirty="0">
+                <a:solidFill>
+                  <a:schemeClr val="tx1"/>
+                </a:solidFill>
+                <a:effectLst/>
+                <a:latin typeface="+mn-lt"/>
+                <a:ea typeface="+mn-ea"/>
+                <a:cs typeface="+mn-cs"/>
+              </a:rPr>
+              <a:t>With a JWT in place, this operation is hard as add a custom claim to the payload body (i.e. the admin: true claim of the example above). When invoked, the API will first verify the signature authenticity and afterwards, it’ll check if admin claim is true.</a:t>
+            </a:r>
+          </a:p>
+          <a:p>
+            <a:br>
+              <a:rPr lang="en-US" dirty="0"/>
+            </a:br>
+            <a:endParaRPr lang="en-US" sz="1200" b="0" i="0" kern="1200" dirty="0">
+              <a:solidFill>
+                <a:schemeClr val="tx1"/>
+              </a:solidFill>
+              <a:effectLst/>
+              <a:latin typeface="+mn-lt"/>
+              <a:ea typeface="+mn-ea"/>
+              <a:cs typeface="+mn-cs"/>
+            </a:endParaRPr>
+          </a:p>
+          <a:p>
+            <a:br>
+              <a:rPr lang="en-US" dirty="0"/>
+            </a:br>
             <a:endParaRPr lang="en-IL" dirty="0"/>
           </a:p>
         </p:txBody>
@@ -4145,7 +4348,7 @@
     </p:spTree>
     <p:extLst>
       <p:ext uri="{BB962C8B-B14F-4D97-AF65-F5344CB8AC3E}">
-        <p14:creationId xmlns:p14="http://schemas.microsoft.com/office/powerpoint/2010/main" val="1812222965"/>
+        <p14:creationId xmlns:p14="http://schemas.microsoft.com/office/powerpoint/2010/main" val="2027966840"/>
       </p:ext>
     </p:extLst>
   </p:cSld>
@@ -4199,6 +4402,109 @@
           <a:bodyPr/>
           <a:lstStyle/>
           <a:p>
+            <a:pPr marL="171450" indent="-171450">
+              <a:buFont typeface="Arial" panose="020B0604020202020204" pitchFamily="34" charset="0"/>
+              <a:buChar char="•"/>
+            </a:pPr>
+            <a:r>
+              <a:rPr lang="en-US" dirty="0"/>
+              <a:t>E</a:t>
+            </a:r>
+            <a:r>
+              <a:rPr lang="en-IL" dirty="0"/>
+              <a:t>xplain why do wee need symetric/asymetric.  </a:t>
+            </a:r>
+            <a:r>
+              <a:rPr lang="en-US" dirty="0"/>
+              <a:t>T</a:t>
+            </a:r>
+            <a:r>
+              <a:rPr lang="en-IL" dirty="0"/>
+              <a:t>o solve pb of validating signtaure</a:t>
+            </a:r>
+          </a:p>
+        </p:txBody>
+      </p:sp>
+      <p:sp>
+        <p:nvSpPr>
+          <p:cNvPr id="4" name="Slide Number Placeholder 3"/>
+          <p:cNvSpPr>
+            <a:spLocks noGrp="1"/>
+          </p:cNvSpPr>
+          <p:nvPr>
+            <p:ph type="sldNum" sz="quarter" idx="5"/>
+          </p:nvPr>
+        </p:nvSpPr>
+        <p:spPr/>
+        <p:txBody>
+          <a:bodyPr/>
+          <a:lstStyle/>
+          <a:p>
+            <a:fld id="{D2850163-67CE-1445-A832-1977356FC86B}" type="slidenum">
+              <a:rPr lang="en-IL" smtClean="0"/>
+              <a:t>23</a:t>
+            </a:fld>
+            <a:endParaRPr lang="en-IL"/>
+          </a:p>
+        </p:txBody>
+      </p:sp>
+    </p:spTree>
+    <p:extLst>
+      <p:ext uri="{BB962C8B-B14F-4D97-AF65-F5344CB8AC3E}">
+        <p14:creationId xmlns:p14="http://schemas.microsoft.com/office/powerpoint/2010/main" val="3939310208"/>
+      </p:ext>
+    </p:extLst>
+  </p:cSld>
+  <p:clrMapOvr>
+    <a:masterClrMapping/>
+  </p:clrMapOvr>
+</p:notes>
+</file>
+
+<file path=ppt/notesSlides/notesSlide17.xml><?xml version="1.0" encoding="utf-8"?>
+<p:notes xmlns:a="http://schemas.openxmlformats.org/drawingml/2006/main" xmlns:r="http://schemas.openxmlformats.org/officeDocument/2006/relationships" xmlns:p="http://schemas.openxmlformats.org/presentationml/2006/main">
+  <p:cSld>
+    <p:spTree>
+      <p:nvGrpSpPr>
+        <p:cNvPr id="1" name=""/>
+        <p:cNvGrpSpPr/>
+        <p:nvPr/>
+      </p:nvGrpSpPr>
+      <p:grpSpPr>
+        <a:xfrm>
+          <a:off x="0" y="0"/>
+          <a:ext cx="0" cy="0"/>
+          <a:chOff x="0" y="0"/>
+          <a:chExt cx="0" cy="0"/>
+        </a:xfrm>
+      </p:grpSpPr>
+      <p:sp>
+        <p:nvSpPr>
+          <p:cNvPr id="2" name="Slide Image Placeholder 1"/>
+          <p:cNvSpPr>
+            <a:spLocks noGrp="1" noRot="1" noChangeAspect="1"/>
+          </p:cNvSpPr>
+          <p:nvPr>
+            <p:ph type="sldImg"/>
+          </p:nvPr>
+        </p:nvSpPr>
+        <p:spPr/>
+      </p:sp>
+      <p:sp>
+        <p:nvSpPr>
+          <p:cNvPr id="3" name="Notes Placeholder 2"/>
+          <p:cNvSpPr>
+            <a:spLocks noGrp="1"/>
+          </p:cNvSpPr>
+          <p:nvPr>
+            <p:ph type="body" idx="1"/>
+          </p:nvPr>
+        </p:nvSpPr>
+        <p:spPr/>
+        <p:txBody>
+          <a:bodyPr/>
+          <a:lstStyle/>
+          <a:p>
             <a:r>
               <a:rPr lang="en-US" sz="1200" b="1" i="1" kern="1200" dirty="0">
                 <a:solidFill>
@@ -4210,6 +4516,55 @@
                 <a:cs typeface="+mn-cs"/>
               </a:rPr>
               <a:t>// TODO translate</a:t>
+            </a:r>
+          </a:p>
+          <a:p>
+            <a:endParaRPr lang="en-US" sz="1200" b="1" i="1" kern="1200" dirty="0">
+              <a:solidFill>
+                <a:schemeClr val="tx1"/>
+              </a:solidFill>
+              <a:effectLst/>
+              <a:latin typeface="+mn-lt"/>
+              <a:ea typeface="+mn-ea"/>
+              <a:cs typeface="+mn-cs"/>
+            </a:endParaRPr>
+          </a:p>
+          <a:p>
+            <a:r>
+              <a:rPr lang="en-US" sz="1200" b="1" i="1" kern="1200" dirty="0">
+                <a:solidFill>
+                  <a:schemeClr val="tx1"/>
+                </a:solidFill>
+                <a:effectLst/>
+                <a:latin typeface="+mn-lt"/>
+                <a:ea typeface="+mn-ea"/>
+                <a:cs typeface="+mn-cs"/>
+              </a:rPr>
+              <a:t>Modify this schema – with public key only, general </a:t>
+            </a:r>
+            <a:r>
+              <a:rPr lang="en-US" sz="1200" b="1" i="1" kern="1200" dirty="0" err="1">
+                <a:solidFill>
+                  <a:schemeClr val="tx1"/>
+                </a:solidFill>
+                <a:effectLst/>
+                <a:latin typeface="+mn-lt"/>
+                <a:ea typeface="+mn-ea"/>
+                <a:cs typeface="+mn-cs"/>
+              </a:rPr>
+              <a:t>shema</a:t>
+            </a:r>
+            <a:r>
+              <a:rPr lang="en-US" sz="1200" b="1" i="1" kern="1200" dirty="0">
+                <a:solidFill>
+                  <a:schemeClr val="tx1"/>
+                </a:solidFill>
+                <a:effectLst/>
+                <a:latin typeface="+mn-lt"/>
+                <a:ea typeface="+mn-ea"/>
+                <a:cs typeface="+mn-cs"/>
+              </a:rPr>
+              <a:t> with bank example</a:t>
             </a:r>
           </a:p>
           <a:p>
@@ -4475,7 +4830,7 @@
           <a:p>
             <a:fld id="{D2850163-67CE-1445-A832-1977356FC86B}" type="slidenum">
               <a:rPr lang="en-IL" smtClean="0"/>
-              <a:t>23</a:t>
+              <a:t>24</a:t>
             </a:fld>
             <a:endParaRPr lang="en-IL"/>
           </a:p>
@@ -4485,263 +4840,6 @@
     <p:extLst>
       <p:ext uri="{BB962C8B-B14F-4D97-AF65-F5344CB8AC3E}">
         <p14:creationId xmlns:p14="http://schemas.microsoft.com/office/powerpoint/2010/main" val="2347858746"/>
-      </p:ext>
-    </p:extLst>
-  </p:cSld>
-  <p:clrMapOvr>
-    <a:masterClrMapping/>
-  </p:clrMapOvr>
-</p:notes>
-</file>
-
-<file path=ppt/notesSlides/notesSlide17.xml><?xml version="1.0" encoding="utf-8"?>
-<p:notes xmlns:a="http://schemas.openxmlformats.org/drawingml/2006/main" xmlns:r="http://schemas.openxmlformats.org/officeDocument/2006/relationships" xmlns:p="http://schemas.openxmlformats.org/presentationml/2006/main">
-  <p:cSld>
-    <p:spTree>
-      <p:nvGrpSpPr>
-        <p:cNvPr id="1" name=""/>
-        <p:cNvGrpSpPr/>
-        <p:nvPr/>
-      </p:nvGrpSpPr>
-      <p:grpSpPr>
-        <a:xfrm>
-          <a:off x="0" y="0"/>
-          <a:ext cx="0" cy="0"/>
-          <a:chOff x="0" y="0"/>
-          <a:chExt cx="0" cy="0"/>
-        </a:xfrm>
-      </p:grpSpPr>
-      <p:sp>
-        <p:nvSpPr>
-          <p:cNvPr id="2" name="Slide Image Placeholder 1"/>
-          <p:cNvSpPr>
-            <a:spLocks noGrp="1" noRot="1" noChangeAspect="1"/>
-          </p:cNvSpPr>
-          <p:nvPr>
-            <p:ph type="sldImg"/>
-          </p:nvPr>
-        </p:nvSpPr>
-        <p:spPr/>
-      </p:sp>
-      <p:sp>
-        <p:nvSpPr>
-          <p:cNvPr id="3" name="Notes Placeholder 2"/>
-          <p:cNvSpPr>
-            <a:spLocks noGrp="1"/>
-          </p:cNvSpPr>
-          <p:nvPr>
-            <p:ph type="body" idx="1"/>
-          </p:nvPr>
-        </p:nvSpPr>
-        <p:spPr/>
-        <p:txBody>
-          <a:bodyPr/>
-          <a:lstStyle/>
-          <a:p>
-            <a:pPr marL="171450" indent="-171450">
-              <a:buFont typeface="Arial" panose="020B0604020202020204" pitchFamily="34" charset="0"/>
-              <a:buChar char="•"/>
-            </a:pPr>
-            <a:r>
-              <a:rPr lang="en-US" sz="1200" b="0" i="0" kern="1200" dirty="0">
-                <a:solidFill>
-                  <a:schemeClr val="tx1"/>
-                </a:solidFill>
-                <a:effectLst/>
-                <a:latin typeface="+mn-lt"/>
-                <a:ea typeface="+mn-ea"/>
-                <a:cs typeface="+mn-cs"/>
-              </a:rPr>
-              <a:t>At the first access, a client needs to contact the </a:t>
-            </a:r>
-            <a:r>
-              <a:rPr lang="en-US" sz="1200" b="0" i="1" kern="1200" dirty="0">
-                <a:solidFill>
-                  <a:schemeClr val="tx1"/>
-                </a:solidFill>
-                <a:effectLst/>
-                <a:latin typeface="+mn-lt"/>
-                <a:ea typeface="+mn-ea"/>
-                <a:cs typeface="+mn-cs"/>
-              </a:rPr>
-              <a:t>authentication server </a:t>
-            </a:r>
-            <a:r>
-              <a:rPr lang="en-US" sz="1200" b="0" i="0" kern="1200" dirty="0">
-                <a:solidFill>
-                  <a:schemeClr val="tx1"/>
-                </a:solidFill>
-                <a:effectLst/>
-                <a:latin typeface="+mn-lt"/>
-                <a:ea typeface="+mn-ea"/>
-                <a:cs typeface="+mn-cs"/>
-              </a:rPr>
-              <a:t>(Amazon Cognito here, but Microsoft, Salesforce or any other provider should be pretty similar), sending username and password to it. If credentials are valid, a JWT token will be returned to the client that will use it to request an API (in this example Amazon API Gateway endpoint).</a:t>
-            </a:r>
-          </a:p>
-          <a:p>
-            <a:pPr marL="171450" indent="-171450">
-              <a:buFont typeface="Arial" panose="020B0604020202020204" pitchFamily="34" charset="0"/>
-              <a:buChar char="•"/>
-            </a:pPr>
-            <a:endParaRPr lang="en-US" sz="1200" b="0" i="0" kern="1200" dirty="0">
-              <a:solidFill>
-                <a:schemeClr val="tx1"/>
-              </a:solidFill>
-              <a:effectLst/>
-              <a:latin typeface="+mn-lt"/>
-              <a:ea typeface="+mn-ea"/>
-              <a:cs typeface="+mn-cs"/>
-            </a:endParaRPr>
-          </a:p>
-          <a:p>
-            <a:pPr marL="171450" indent="-171450">
-              <a:buFont typeface="Arial" panose="020B0604020202020204" pitchFamily="34" charset="0"/>
-              <a:buChar char="•"/>
-            </a:pPr>
-            <a:r>
-              <a:rPr lang="en-US" sz="1200" b="0" i="0" kern="1200" dirty="0">
-                <a:solidFill>
-                  <a:schemeClr val="tx1"/>
-                </a:solidFill>
-                <a:effectLst/>
-                <a:latin typeface="+mn-lt"/>
-                <a:ea typeface="+mn-ea"/>
-                <a:cs typeface="+mn-cs"/>
-              </a:rPr>
-              <a:t>In the above scenario (fig.5), API itself is the only responsible for token validation and it’s able to reject the request if the signature seems forged.</a:t>
-            </a:r>
-          </a:p>
-          <a:p>
-            <a:pPr marL="171450" indent="-171450">
-              <a:buFont typeface="Arial" panose="020B0604020202020204" pitchFamily="34" charset="0"/>
-              <a:buChar char="•"/>
-            </a:pPr>
-            <a:endParaRPr lang="en-US" sz="1200" b="0" i="0" kern="1200" dirty="0">
-              <a:solidFill>
-                <a:schemeClr val="tx1"/>
-              </a:solidFill>
-              <a:effectLst/>
-              <a:latin typeface="+mn-lt"/>
-              <a:ea typeface="+mn-ea"/>
-              <a:cs typeface="+mn-cs"/>
-            </a:endParaRPr>
-          </a:p>
-          <a:p>
-            <a:pPr marL="171450" indent="-171450">
-              <a:buFont typeface="Arial" panose="020B0604020202020204" pitchFamily="34" charset="0"/>
-              <a:buChar char="•"/>
-            </a:pPr>
-            <a:endParaRPr lang="en-US" sz="1200" b="0" i="0" kern="1200" dirty="0">
-              <a:solidFill>
-                <a:schemeClr val="tx1"/>
-              </a:solidFill>
-              <a:effectLst/>
-              <a:latin typeface="+mn-lt"/>
-              <a:ea typeface="+mn-ea"/>
-              <a:cs typeface="+mn-cs"/>
-            </a:endParaRPr>
-          </a:p>
-          <a:p>
-            <a:r>
-              <a:rPr lang="en-US" sz="1200" b="1" i="0" kern="1200" dirty="0">
-                <a:solidFill>
-                  <a:schemeClr val="tx1"/>
-                </a:solidFill>
-                <a:effectLst/>
-                <a:latin typeface="+mn-lt"/>
-                <a:ea typeface="+mn-ea"/>
-                <a:cs typeface="+mn-cs"/>
-              </a:rPr>
-              <a:t>Going further</a:t>
-            </a:r>
-            <a:br>
-              <a:rPr lang="en-US" sz="1200" b="1" i="0" kern="1200" dirty="0">
-                <a:solidFill>
-                  <a:schemeClr val="tx1"/>
-                </a:solidFill>
-                <a:effectLst/>
-                <a:latin typeface="+mn-lt"/>
-                <a:ea typeface="+mn-ea"/>
-                <a:cs typeface="+mn-cs"/>
-              </a:rPr>
-            </a:br>
-            <a:r>
-              <a:rPr lang="en-US" sz="1200" b="0" i="0" kern="1200" dirty="0">
-                <a:solidFill>
-                  <a:schemeClr val="tx1"/>
-                </a:solidFill>
-                <a:effectLst/>
-                <a:latin typeface="+mn-lt"/>
-                <a:ea typeface="+mn-ea"/>
-                <a:cs typeface="+mn-cs"/>
-              </a:rPr>
-              <a:t>Suppose a client wants to invoke a protected API to delete an order (e.g. DELETE /order/42) and this action should be only performed by administrators.</a:t>
-            </a:r>
-          </a:p>
-          <a:p>
-            <a:r>
-              <a:rPr lang="en-US" sz="1200" b="0" i="0" kern="1200" dirty="0">
-                <a:solidFill>
-                  <a:schemeClr val="tx1"/>
-                </a:solidFill>
-                <a:effectLst/>
-                <a:latin typeface="+mn-lt"/>
-                <a:ea typeface="+mn-ea"/>
-                <a:cs typeface="+mn-cs"/>
-              </a:rPr>
-              <a:t>With a JWT in place, this operation is hard as add a custom claim to the payload body (i.e. the admin: true claim of the example above). When invoked, the API will first verify the signature authenticity and afterwards, it’ll check if admin claim is true.</a:t>
-            </a:r>
-          </a:p>
-          <a:p>
-            <a:br>
-              <a:rPr lang="en-US" dirty="0"/>
-            </a:br>
-            <a:endParaRPr lang="en-US" sz="1200" b="0" i="0" kern="1200" dirty="0">
-              <a:solidFill>
-                <a:schemeClr val="tx1"/>
-              </a:solidFill>
-              <a:effectLst/>
-              <a:latin typeface="+mn-lt"/>
-              <a:ea typeface="+mn-ea"/>
-              <a:cs typeface="+mn-cs"/>
-            </a:endParaRPr>
-          </a:p>
-          <a:p>
-            <a:br>
-              <a:rPr lang="en-US" dirty="0"/>
-            </a:br>
-            <a:endParaRPr lang="en-IL" dirty="0"/>
-          </a:p>
-        </p:txBody>
-      </p:sp>
-      <p:sp>
-        <p:nvSpPr>
-          <p:cNvPr id="4" name="Slide Number Placeholder 3"/>
-          <p:cNvSpPr>
-            <a:spLocks noGrp="1"/>
-          </p:cNvSpPr>
-          <p:nvPr>
-            <p:ph type="sldNum" sz="quarter" idx="5"/>
-          </p:nvPr>
-        </p:nvSpPr>
-        <p:spPr/>
-        <p:txBody>
-          <a:bodyPr/>
-          <a:lstStyle/>
-          <a:p>
-            <a:fld id="{D2850163-67CE-1445-A832-1977356FC86B}" type="slidenum">
-              <a:rPr lang="en-IL" smtClean="0"/>
-              <a:t>24</a:t>
-            </a:fld>
-            <a:endParaRPr lang="en-IL"/>
-          </a:p>
-        </p:txBody>
-      </p:sp>
-    </p:spTree>
-    <p:extLst>
-      <p:ext uri="{BB962C8B-B14F-4D97-AF65-F5344CB8AC3E}">
-        <p14:creationId xmlns:p14="http://schemas.microsoft.com/office/powerpoint/2010/main" val="2027966840"/>
       </p:ext>
     </p:extLst>
   </p:cSld>
@@ -4796,135 +4894,13 @@
           <a:lstStyle/>
           <a:p>
             <a:r>
-              <a:rPr lang="en-US" sz="1200" b="0" i="0" kern="1200" dirty="0">
-                <a:solidFill>
-                  <a:schemeClr val="tx1"/>
-                </a:solidFill>
-                <a:effectLst/>
-                <a:latin typeface="+mn-lt"/>
-                <a:ea typeface="+mn-ea"/>
-                <a:cs typeface="+mn-cs"/>
-              </a:rPr>
-              <a:t>A JWT is cryptographically signed (but </a:t>
-            </a:r>
-            <a:r>
-              <a:rPr lang="en-US" sz="1200" b="0" i="1" kern="1200" dirty="0">
-                <a:solidFill>
-                  <a:schemeClr val="tx1"/>
-                </a:solidFill>
-                <a:effectLst/>
-                <a:latin typeface="+mn-lt"/>
-                <a:ea typeface="+mn-ea"/>
-                <a:cs typeface="+mn-cs"/>
-              </a:rPr>
-              <a:t>not</a:t>
-            </a:r>
-            <a:r>
-              <a:rPr lang="en-US" sz="1200" b="0" i="0" kern="1200" dirty="0">
-                <a:solidFill>
-                  <a:schemeClr val="tx1"/>
-                </a:solidFill>
-                <a:effectLst/>
-                <a:latin typeface="+mn-lt"/>
-                <a:ea typeface="+mn-ea"/>
-                <a:cs typeface="+mn-cs"/>
-              </a:rPr>
-              <a:t> encrypted, hence using HTTPS is mandatory when storing user data in the JWT), so there is a guarantee we can trust it when we receive it, as no middleman can intercept and modify it, or the data it holds, without invalidating it.</a:t>
-            </a:r>
-          </a:p>
-          <a:p>
-            <a:endParaRPr lang="en-US" sz="1200" b="0" i="0" kern="1200" dirty="0">
-              <a:solidFill>
-                <a:schemeClr val="tx1"/>
-              </a:solidFill>
-              <a:effectLst/>
-              <a:latin typeface="+mn-lt"/>
-              <a:ea typeface="+mn-ea"/>
-              <a:cs typeface="+mn-cs"/>
-            </a:endParaRPr>
-          </a:p>
-          <a:p>
-            <a:endParaRPr lang="en-US" sz="1200" b="0" i="0" kern="1200" dirty="0">
-              <a:solidFill>
-                <a:schemeClr val="tx1"/>
-              </a:solidFill>
-              <a:effectLst/>
-              <a:latin typeface="+mn-lt"/>
-              <a:ea typeface="+mn-ea"/>
-              <a:cs typeface="+mn-cs"/>
-            </a:endParaRPr>
-          </a:p>
-          <a:p>
-            <a:r>
-              <a:rPr lang="en-US" sz="1200" b="0" i="0" kern="1200" dirty="0">
-                <a:solidFill>
-                  <a:schemeClr val="tx1"/>
-                </a:solidFill>
-                <a:effectLst/>
-                <a:latin typeface="+mn-lt"/>
-                <a:ea typeface="+mn-ea"/>
-                <a:cs typeface="+mn-cs"/>
-              </a:rPr>
-              <a:t>The secret key must be saved on server, and if I want to use the same </a:t>
-            </a:r>
-            <a:r>
-              <a:rPr lang="en-US" sz="1200" b="0" i="0" kern="1200" dirty="0" err="1">
-                <a:solidFill>
-                  <a:schemeClr val="tx1"/>
-                </a:solidFill>
-                <a:effectLst/>
-                <a:latin typeface="+mn-lt"/>
-                <a:ea typeface="+mn-ea"/>
-                <a:cs typeface="+mn-cs"/>
-              </a:rPr>
-              <a:t>jwt</a:t>
-            </a:r>
-            <a:r>
-              <a:rPr lang="en-US" sz="1200" b="0" i="0" kern="1200" dirty="0">
-                <a:solidFill>
-                  <a:schemeClr val="tx1"/>
-                </a:solidFill>
-                <a:effectLst/>
-                <a:latin typeface="+mn-lt"/>
-                <a:ea typeface="+mn-ea"/>
-                <a:cs typeface="+mn-cs"/>
-              </a:rPr>
-              <a:t> to access two different servers, both servers should share the same private key between them</a:t>
-            </a:r>
-            <a:endParaRPr lang="en-US" sz="1200" b="0" i="1" kern="1200" dirty="0">
-              <a:solidFill>
-                <a:schemeClr val="tx1"/>
-              </a:solidFill>
-              <a:effectLst/>
-              <a:latin typeface="+mn-lt"/>
-              <a:ea typeface="+mn-ea"/>
-              <a:cs typeface="+mn-cs"/>
-            </a:endParaRPr>
-          </a:p>
-          <a:p>
-            <a:endParaRPr lang="en-US" sz="1200" b="0" i="1" kern="1200" dirty="0">
-              <a:solidFill>
-                <a:schemeClr val="tx1"/>
-              </a:solidFill>
-              <a:effectLst/>
-              <a:latin typeface="+mn-lt"/>
-              <a:ea typeface="+mn-ea"/>
-              <a:cs typeface="+mn-cs"/>
-            </a:endParaRPr>
-          </a:p>
-          <a:p>
-            <a:endParaRPr lang="en-US" sz="1200" b="0" i="1" kern="1200" dirty="0">
-              <a:solidFill>
-                <a:schemeClr val="tx1"/>
-              </a:solidFill>
-              <a:effectLst/>
-              <a:latin typeface="+mn-lt"/>
-              <a:ea typeface="+mn-ea"/>
-              <a:cs typeface="+mn-cs"/>
-            </a:endParaRPr>
-          </a:p>
-          <a:p>
-            <a:endParaRPr lang="en-IL" dirty="0"/>
+              <a:rPr lang="en-US" dirty="0"/>
+              <a:t>R</a:t>
+            </a:r>
+            <a:r>
+              <a:rPr lang="en-IL" dirty="0"/>
+              <a:t>emove up schema</a:t>
+            </a:r>
           </a:p>
         </p:txBody>
       </p:sp>
@@ -4954,7 +4930,7 @@
     </p:spTree>
     <p:extLst>
       <p:ext uri="{BB962C8B-B14F-4D97-AF65-F5344CB8AC3E}">
-        <p14:creationId xmlns:p14="http://schemas.microsoft.com/office/powerpoint/2010/main" val="3943535028"/>
+        <p14:creationId xmlns:p14="http://schemas.microsoft.com/office/powerpoint/2010/main" val="3348089225"/>
       </p:ext>
     </p:extLst>
   </p:cSld>
@@ -5009,29 +4985,134 @@
           <a:lstStyle/>
           <a:p>
             <a:r>
-              <a:rPr lang="en-US" dirty="0"/>
-              <a:t>https://</a:t>
-            </a:r>
-            <a:r>
-              <a:rPr lang="en-US" dirty="0" err="1"/>
-              <a:t>www.youtube.com</a:t>
-            </a:r>
-            <a:r>
-              <a:rPr lang="en-US" dirty="0"/>
-              <a:t>/</a:t>
-            </a:r>
-            <a:r>
-              <a:rPr lang="en-US" dirty="0" err="1"/>
-              <a:t>watch?v</a:t>
-            </a:r>
-            <a:r>
-              <a:rPr lang="en-US" dirty="0"/>
-              <a:t>=7Q17ubqLfaM&amp;ab_channel=</a:t>
-            </a:r>
-            <a:r>
-              <a:rPr lang="en-US" dirty="0" err="1"/>
-              <a:t>WebDevSimplified</a:t>
-            </a:r>
+              <a:rPr lang="en-US" sz="1200" b="0" i="0" kern="1200" dirty="0">
+                <a:solidFill>
+                  <a:schemeClr val="tx1"/>
+                </a:solidFill>
+                <a:effectLst/>
+                <a:latin typeface="+mn-lt"/>
+                <a:ea typeface="+mn-ea"/>
+                <a:cs typeface="+mn-cs"/>
+              </a:rPr>
+              <a:t>A JWT is cryptographically signed (but </a:t>
+            </a:r>
+            <a:r>
+              <a:rPr lang="en-US" sz="1200" b="0" i="1" kern="1200" dirty="0">
+                <a:solidFill>
+                  <a:schemeClr val="tx1"/>
+                </a:solidFill>
+                <a:effectLst/>
+                <a:latin typeface="+mn-lt"/>
+                <a:ea typeface="+mn-ea"/>
+                <a:cs typeface="+mn-cs"/>
+              </a:rPr>
+              <a:t>not</a:t>
+            </a:r>
+            <a:r>
+              <a:rPr lang="en-US" sz="1200" b="0" i="0" kern="1200" dirty="0">
+                <a:solidFill>
+                  <a:schemeClr val="tx1"/>
+                </a:solidFill>
+                <a:effectLst/>
+                <a:latin typeface="+mn-lt"/>
+                <a:ea typeface="+mn-ea"/>
+                <a:cs typeface="+mn-cs"/>
+              </a:rPr>
+              <a:t> encrypted, hence using HTTPS is mandatory when storing user data in the JWT), so there is a guarantee we can trust it when we receive it, as no middleman can intercept and modify it, or the data it holds, without invalidating it.</a:t>
+            </a:r>
+          </a:p>
+          <a:p>
+            <a:endParaRPr lang="en-US" sz="1200" b="0" i="0" kern="1200" dirty="0">
+              <a:solidFill>
+                <a:schemeClr val="tx1"/>
+              </a:solidFill>
+              <a:effectLst/>
+              <a:latin typeface="+mn-lt"/>
+              <a:ea typeface="+mn-ea"/>
+              <a:cs typeface="+mn-cs"/>
+            </a:endParaRPr>
+          </a:p>
+          <a:p>
+            <a:endParaRPr lang="en-US" sz="1200" b="0" i="0" kern="1200" dirty="0">
+              <a:solidFill>
+                <a:schemeClr val="tx1"/>
+              </a:solidFill>
+              <a:effectLst/>
+              <a:latin typeface="+mn-lt"/>
+              <a:ea typeface="+mn-ea"/>
+              <a:cs typeface="+mn-cs"/>
+            </a:endParaRPr>
+          </a:p>
+          <a:p>
+            <a:r>
+              <a:rPr lang="en-US" sz="1200" b="0" i="0" kern="1200" dirty="0">
+                <a:solidFill>
+                  <a:schemeClr val="tx1"/>
+                </a:solidFill>
+                <a:effectLst/>
+                <a:latin typeface="+mn-lt"/>
+                <a:ea typeface="+mn-ea"/>
+                <a:cs typeface="+mn-cs"/>
+              </a:rPr>
+              <a:t>The secret key must be saved on server, and if I want to use the same </a:t>
+            </a:r>
+            <a:r>
+              <a:rPr lang="en-US" sz="1200" b="0" i="0" kern="1200" dirty="0" err="1">
+                <a:solidFill>
+                  <a:schemeClr val="tx1"/>
+                </a:solidFill>
+                <a:effectLst/>
+                <a:latin typeface="+mn-lt"/>
+                <a:ea typeface="+mn-ea"/>
+                <a:cs typeface="+mn-cs"/>
+              </a:rPr>
+              <a:t>jwt</a:t>
+            </a:r>
+            <a:r>
+              <a:rPr lang="en-US" sz="1200" b="0" i="0" kern="1200" dirty="0">
+                <a:solidFill>
+                  <a:schemeClr val="tx1"/>
+                </a:solidFill>
+                <a:effectLst/>
+                <a:latin typeface="+mn-lt"/>
+                <a:ea typeface="+mn-ea"/>
+                <a:cs typeface="+mn-cs"/>
+              </a:rPr>
+              <a:t> to access two different servers, both servers should share the same private key between them</a:t>
+            </a:r>
+            <a:endParaRPr lang="en-US" sz="1200" b="0" i="1" kern="1200" dirty="0">
+              <a:solidFill>
+                <a:schemeClr val="tx1"/>
+              </a:solidFill>
+              <a:effectLst/>
+              <a:latin typeface="+mn-lt"/>
+              <a:ea typeface="+mn-ea"/>
+              <a:cs typeface="+mn-cs"/>
+            </a:endParaRPr>
+          </a:p>
+          <a:p>
+            <a:endParaRPr lang="en-US" sz="1200" b="0" i="1" kern="1200" dirty="0">
+              <a:solidFill>
+                <a:schemeClr val="tx1"/>
+              </a:solidFill>
+              <a:effectLst/>
+              <a:latin typeface="+mn-lt"/>
+              <a:ea typeface="+mn-ea"/>
+              <a:cs typeface="+mn-cs"/>
+            </a:endParaRPr>
+          </a:p>
+          <a:p>
+            <a:endParaRPr lang="en-US" sz="1200" b="0" i="1" kern="1200" dirty="0">
+              <a:solidFill>
+                <a:schemeClr val="tx1"/>
+              </a:solidFill>
+              <a:effectLst/>
+              <a:latin typeface="+mn-lt"/>
+              <a:ea typeface="+mn-ea"/>
+              <a:cs typeface="+mn-cs"/>
+            </a:endParaRPr>
+          </a:p>
+          <a:p>
             <a:endParaRPr lang="en-IL" dirty="0"/>
           </a:p>
         </p:txBody>
@@ -5062,7 +5143,7 @@
     </p:spTree>
     <p:extLst>
       <p:ext uri="{BB962C8B-B14F-4D97-AF65-F5344CB8AC3E}">
-        <p14:creationId xmlns:p14="http://schemas.microsoft.com/office/powerpoint/2010/main" val="2561722854"/>
+        <p14:creationId xmlns:p14="http://schemas.microsoft.com/office/powerpoint/2010/main" val="3943535028"/>
       </p:ext>
     </p:extLst>
   </p:cSld>
@@ -5229,24 +5310,12 @@
           <a:lstStyle/>
           <a:p>
             <a:r>
-              <a:rPr lang="en-IL" dirty="0"/>
-              <a:t>- </a:t>
-            </a:r>
-            <a:r>
-              <a:rPr lang="en-US" dirty="0"/>
-              <a:t>P</a:t>
-            </a:r>
-            <a:r>
-              <a:rPr lang="en-IL" dirty="0"/>
-              <a:t>roblem of symetric encoding: </a:t>
-            </a:r>
-            <a:r>
               <a:rPr lang="en-US" dirty="0"/>
               <a:t>https://</a:t>
             </a:r>
             <a:r>
               <a:rPr lang="en-US" dirty="0" err="1"/>
-              <a:t>www.pingidentity.com</a:t>
+              <a:t>www.youtube.com</a:t>
             </a:r>
             <a:r>
               <a:rPr lang="en-US" dirty="0"/>
@@ -5254,23 +5323,15 @@
             </a:r>
             <a:r>
               <a:rPr lang="en-US" dirty="0" err="1"/>
-              <a:t>en</a:t>
+              <a:t>watch?v</a:t>
             </a:r>
             <a:r>
               <a:rPr lang="en-US" dirty="0"/>
-              <a:t>/company/blog/posts/2019/</a:t>
+              <a:t>=7Q17ubqLfaM&amp;ab_channel=</a:t>
             </a:r>
             <a:r>
               <a:rPr lang="en-US" dirty="0" err="1"/>
-              <a:t>jwt</a:t>
-            </a:r>
-            <a:r>
-              <a:rPr lang="en-US" dirty="0"/>
-              <a:t>-security-nobody-talks-</a:t>
-            </a:r>
-            <a:r>
-              <a:rPr lang="en-US" dirty="0" err="1"/>
-              <a:t>about.html</a:t>
+              <a:t>WebDevSimplified</a:t>
             </a:r>
             <a:endParaRPr lang="en-IL" dirty="0"/>
           </a:p>
@@ -5302,7 +5363,7 @@
     </p:spTree>
     <p:extLst>
       <p:ext uri="{BB962C8B-B14F-4D97-AF65-F5344CB8AC3E}">
-        <p14:creationId xmlns:p14="http://schemas.microsoft.com/office/powerpoint/2010/main" val="868668785"/>
+        <p14:creationId xmlns:p14="http://schemas.microsoft.com/office/powerpoint/2010/main" val="2561722854"/>
       </p:ext>
     </p:extLst>
   </p:cSld>
@@ -5357,141 +5418,68 @@
           <a:lstStyle/>
           <a:p>
             <a:pPr marL="171450" indent="-171450">
-              <a:buFont typeface="Arial" panose="020B0604020202020204" pitchFamily="34" charset="0"/>
-              <a:buChar char="•"/>
+              <a:buFontTx/>
+              <a:buChar char="-"/>
             </a:pPr>
             <a:r>
-              <a:rPr lang="en-US" sz="1200" b="0" i="0" kern="1200" dirty="0">
-                <a:solidFill>
-                  <a:schemeClr val="tx1"/>
-                </a:solidFill>
-                <a:effectLst/>
-                <a:latin typeface="+mn-lt"/>
-                <a:ea typeface="+mn-ea"/>
-                <a:cs typeface="+mn-cs"/>
-              </a:rPr>
-              <a:t>Passport has a rich ecosystem of </a:t>
-            </a:r>
-            <a:r>
-              <a:rPr lang="en-US" sz="1200" b="1" i="0" u="none" strike="noStrike" kern="1200" dirty="0">
-                <a:solidFill>
-                  <a:schemeClr val="tx1"/>
-                </a:solidFill>
-                <a:effectLst/>
-                <a:latin typeface="+mn-lt"/>
-                <a:ea typeface="+mn-ea"/>
-                <a:cs typeface="+mn-cs"/>
-                <a:hlinkClick r:id="rId3"/>
-              </a:rPr>
-              <a:t>strategies</a:t>
-            </a:r>
-            <a:r>
-              <a:rPr lang="en-US" sz="1200" b="0" i="0" kern="1200" dirty="0">
-                <a:solidFill>
-                  <a:schemeClr val="tx1"/>
-                </a:solidFill>
-                <a:effectLst/>
-                <a:latin typeface="+mn-lt"/>
-                <a:ea typeface="+mn-ea"/>
-                <a:cs typeface="+mn-cs"/>
-              </a:rPr>
-              <a:t> that implement various authentication mechanisms. While simple in concept, the set of Passport strategies you can choose from is large and presents a lot of variety. Passport abstracts these varied steps into a standard pattern, and the </a:t>
-            </a:r>
-            <a:r>
               <a:rPr lang="en-US" dirty="0"/>
-              <a:t>@</a:t>
+              <a:t>P</a:t>
+            </a:r>
+            <a:r>
+              <a:rPr lang="en-IL" dirty="0"/>
+              <a:t>roblem of symetric encoding: </a:t>
+            </a:r>
+            <a:r>
+              <a:rPr lang="en-US" dirty="0"/>
+              <a:t>https://</a:t>
             </a:r>
             <a:r>
               <a:rPr lang="en-US" dirty="0" err="1"/>
-              <a:t>nestjs</a:t>
+              <a:t>www.pingidentity.com</a:t>
             </a:r>
             <a:r>
               <a:rPr lang="en-US" dirty="0"/>
-              <a:t>/passport</a:t>
-            </a:r>
-            <a:r>
-              <a:rPr lang="en-US" sz="1200" b="0" i="0" kern="1200" dirty="0">
-                <a:solidFill>
-                  <a:schemeClr val="tx1"/>
-                </a:solidFill>
-                <a:effectLst/>
-                <a:latin typeface="+mn-lt"/>
-                <a:ea typeface="+mn-ea"/>
-                <a:cs typeface="+mn-cs"/>
-              </a:rPr>
-              <a:t> module wraps and standardizes this pattern into familiar Nest constructs.</a:t>
-            </a:r>
+              <a:t>/</a:t>
+            </a:r>
+            <a:r>
+              <a:rPr lang="en-US" dirty="0" err="1"/>
+              <a:t>en</a:t>
+            </a:r>
+            <a:r>
+              <a:rPr lang="en-US" dirty="0"/>
+              <a:t>/company/blog/posts/2019/</a:t>
+            </a:r>
+            <a:r>
+              <a:rPr lang="en-US" dirty="0" err="1"/>
+              <a:t>jwt</a:t>
+            </a:r>
+            <a:r>
+              <a:rPr lang="en-US" dirty="0"/>
+              <a:t>-security-nobody-talks-</a:t>
+            </a:r>
+            <a:r>
+              <a:rPr lang="en-US" dirty="0" err="1"/>
+              <a:t>about.html</a:t>
+            </a:r>
+            <a:endParaRPr lang="en-US" dirty="0"/>
           </a:p>
           <a:p>
             <a:pPr marL="171450" indent="-171450">
-              <a:buFont typeface="Arial" panose="020B0604020202020204" pitchFamily="34" charset="0"/>
-              <a:buChar char="•"/>
+              <a:buFontTx/>
+              <a:buChar char="-"/>
             </a:pPr>
-            <a:endParaRPr lang="en-US" sz="1200" b="0" i="0" kern="1200" dirty="0">
-              <a:solidFill>
-                <a:schemeClr val="tx1"/>
-              </a:solidFill>
-              <a:effectLst/>
-              <a:latin typeface="+mn-lt"/>
-              <a:ea typeface="+mn-ea"/>
-              <a:cs typeface="+mn-cs"/>
-            </a:endParaRPr>
-          </a:p>
-          <a:p>
-            <a:pPr marL="171450" indent="-171450">
-              <a:buFont typeface="Arial" panose="020B0604020202020204" pitchFamily="34" charset="0"/>
-              <a:buChar char="•"/>
-            </a:pPr>
-            <a:endParaRPr lang="en-US" sz="1200" b="0" i="0" kern="1200" dirty="0">
-              <a:solidFill>
-                <a:schemeClr val="tx1"/>
-              </a:solidFill>
-              <a:effectLst/>
-              <a:latin typeface="+mn-lt"/>
-              <a:ea typeface="+mn-ea"/>
-              <a:cs typeface="+mn-cs"/>
-            </a:endParaRPr>
-          </a:p>
-          <a:p>
-            <a:pPr marL="171450" indent="-171450">
-              <a:buFont typeface="Arial" panose="020B0604020202020204" pitchFamily="34" charset="0"/>
-              <a:buChar char="•"/>
-            </a:pPr>
-            <a:r>
-              <a:rPr lang="en-US" sz="1200" b="0" i="0" kern="1200" dirty="0">
-                <a:solidFill>
-                  <a:schemeClr val="tx1"/>
-                </a:solidFill>
-                <a:effectLst/>
-                <a:latin typeface="+mn-lt"/>
-                <a:ea typeface="+mn-ea"/>
-                <a:cs typeface="+mn-cs"/>
-              </a:rPr>
-              <a:t>A set of options that are specific to that strategy. For example, in a JWT strategy, you might provide a secret to sign tokens.</a:t>
-            </a:r>
-          </a:p>
-          <a:p>
-            <a:pPr marL="171450" indent="-171450">
-              <a:buFont typeface="Arial" panose="020B0604020202020204" pitchFamily="34" charset="0"/>
-              <a:buChar char="•"/>
-            </a:pPr>
-            <a:r>
-              <a:rPr lang="en-US" sz="1200" b="0" i="0" kern="1200" dirty="0">
-                <a:solidFill>
-                  <a:schemeClr val="tx1"/>
-                </a:solidFill>
-                <a:effectLst/>
-                <a:latin typeface="+mn-lt"/>
-                <a:ea typeface="+mn-ea"/>
-                <a:cs typeface="+mn-cs"/>
-              </a:rPr>
-              <a:t>A "verify callback", which is where you tell Passport how to interact with your user store (where you manage user accounts). Here, you verify whether a user exists (and/or create a new user), and whether their credentials are valid. The Passport library expects this callback to return a full user if the validation succeeds, or a null if it fails (failure is defined as either the user is not found, or, in the case of passport-local, the password does not match).</a:t>
-            </a:r>
-          </a:p>
-          <a:p>
-            <a:br>
+            <a:r>
               <a:rPr lang="en-US" dirty="0"/>
-            </a:br>
+              <a:t>https://</a:t>
+            </a:r>
+            <a:r>
+              <a:rPr lang="en-US" dirty="0" err="1"/>
+              <a:t>taylor.callsen.me</a:t>
+            </a:r>
+            <a:r>
+              <a:rPr lang="en-US" dirty="0"/>
+              <a:t>/shared-authentication-with-json-web-tokens/</a:t>
+            </a:r>
             <a:endParaRPr lang="en-IL" dirty="0"/>
           </a:p>
         </p:txBody>
@@ -5522,7 +5510,7 @@
     </p:spTree>
     <p:extLst>
       <p:ext uri="{BB962C8B-B14F-4D97-AF65-F5344CB8AC3E}">
-        <p14:creationId xmlns:p14="http://schemas.microsoft.com/office/powerpoint/2010/main" val="1709393936"/>
+        <p14:creationId xmlns:p14="http://schemas.microsoft.com/office/powerpoint/2010/main" val="868668785"/>
       </p:ext>
     </p:extLst>
   </p:cSld>
@@ -5576,7 +5564,142 @@
           <a:bodyPr/>
           <a:lstStyle/>
           <a:p>
-            <a:pPr algn="r" rtl="1"/>
+            <a:pPr marL="171450" indent="-171450">
+              <a:buFont typeface="Arial" panose="020B0604020202020204" pitchFamily="34" charset="0"/>
+              <a:buChar char="•"/>
+            </a:pPr>
+            <a:r>
+              <a:rPr lang="en-US" sz="1200" b="0" i="0" kern="1200" dirty="0">
+                <a:solidFill>
+                  <a:schemeClr val="tx1"/>
+                </a:solidFill>
+                <a:effectLst/>
+                <a:latin typeface="+mn-lt"/>
+                <a:ea typeface="+mn-ea"/>
+                <a:cs typeface="+mn-cs"/>
+              </a:rPr>
+              <a:t>Passport has a rich ecosystem of </a:t>
+            </a:r>
+            <a:r>
+              <a:rPr lang="en-US" sz="1200" b="1" i="0" u="none" strike="noStrike" kern="1200" dirty="0">
+                <a:solidFill>
+                  <a:schemeClr val="tx1"/>
+                </a:solidFill>
+                <a:effectLst/>
+                <a:latin typeface="+mn-lt"/>
+                <a:ea typeface="+mn-ea"/>
+                <a:cs typeface="+mn-cs"/>
+                <a:hlinkClick r:id="rId3"/>
+              </a:rPr>
+              <a:t>strategies</a:t>
+            </a:r>
+            <a:r>
+              <a:rPr lang="en-US" sz="1200" b="0" i="0" kern="1200" dirty="0">
+                <a:solidFill>
+                  <a:schemeClr val="tx1"/>
+                </a:solidFill>
+                <a:effectLst/>
+                <a:latin typeface="+mn-lt"/>
+                <a:ea typeface="+mn-ea"/>
+                <a:cs typeface="+mn-cs"/>
+              </a:rPr>
+              <a:t> that implement various authentication mechanisms. While simple in concept, the set of Passport strategies you can choose from is large and presents a lot of variety. Passport abstracts these varied steps into a standard pattern, and the </a:t>
+            </a:r>
+            <a:r>
+              <a:rPr lang="en-US" dirty="0"/>
+              <a:t>@</a:t>
+            </a:r>
+            <a:r>
+              <a:rPr lang="en-US" dirty="0" err="1"/>
+              <a:t>nestjs</a:t>
+            </a:r>
+            <a:r>
+              <a:rPr lang="en-US" dirty="0"/>
+              <a:t>/passport</a:t>
+            </a:r>
+            <a:r>
+              <a:rPr lang="en-US" sz="1200" b="0" i="0" kern="1200" dirty="0">
+                <a:solidFill>
+                  <a:schemeClr val="tx1"/>
+                </a:solidFill>
+                <a:effectLst/>
+                <a:latin typeface="+mn-lt"/>
+                <a:ea typeface="+mn-ea"/>
+                <a:cs typeface="+mn-cs"/>
+              </a:rPr>
+              <a:t> module wraps and standardizes this pattern into familiar Nest constructs.</a:t>
+            </a:r>
+          </a:p>
+          <a:p>
+            <a:pPr marL="171450" indent="-171450">
+              <a:buFont typeface="Arial" panose="020B0604020202020204" pitchFamily="34" charset="0"/>
+              <a:buChar char="•"/>
+            </a:pPr>
+            <a:endParaRPr lang="en-US" sz="1200" b="0" i="0" kern="1200" dirty="0">
+              <a:solidFill>
+                <a:schemeClr val="tx1"/>
+              </a:solidFill>
+              <a:effectLst/>
+              <a:latin typeface="+mn-lt"/>
+              <a:ea typeface="+mn-ea"/>
+              <a:cs typeface="+mn-cs"/>
+            </a:endParaRPr>
+          </a:p>
+          <a:p>
+            <a:pPr marL="171450" indent="-171450">
+              <a:buFont typeface="Arial" panose="020B0604020202020204" pitchFamily="34" charset="0"/>
+              <a:buChar char="•"/>
+            </a:pPr>
+            <a:endParaRPr lang="en-US" sz="1200" b="0" i="0" kern="1200" dirty="0">
+              <a:solidFill>
+                <a:schemeClr val="tx1"/>
+              </a:solidFill>
+              <a:effectLst/>
+              <a:latin typeface="+mn-lt"/>
+              <a:ea typeface="+mn-ea"/>
+              <a:cs typeface="+mn-cs"/>
+            </a:endParaRPr>
+          </a:p>
+          <a:p>
+            <a:pPr marL="171450" indent="-171450">
+              <a:buFont typeface="Arial" panose="020B0604020202020204" pitchFamily="34" charset="0"/>
+              <a:buChar char="•"/>
+            </a:pPr>
+            <a:r>
+              <a:rPr lang="en-US" sz="1200" b="0" i="0" kern="1200" dirty="0">
+                <a:solidFill>
+                  <a:schemeClr val="tx1"/>
+                </a:solidFill>
+                <a:effectLst/>
+                <a:latin typeface="+mn-lt"/>
+                <a:ea typeface="+mn-ea"/>
+                <a:cs typeface="+mn-cs"/>
+              </a:rPr>
+              <a:t>A set of options that are specific to that strategy. For example, in a JWT strategy, you might provide a secret to sign tokens.</a:t>
+            </a:r>
+          </a:p>
+          <a:p>
+            <a:pPr marL="171450" indent="-171450">
+              <a:buFont typeface="Arial" panose="020B0604020202020204" pitchFamily="34" charset="0"/>
+              <a:buChar char="•"/>
+            </a:pPr>
+            <a:r>
+              <a:rPr lang="en-US" sz="1200" b="0" i="0" kern="1200" dirty="0">
+                <a:solidFill>
+                  <a:schemeClr val="tx1"/>
+                </a:solidFill>
+                <a:effectLst/>
+                <a:latin typeface="+mn-lt"/>
+                <a:ea typeface="+mn-ea"/>
+                <a:cs typeface="+mn-cs"/>
+              </a:rPr>
+              <a:t>A "verify callback", which is where you tell Passport how to interact with your user store (where you manage user accounts). Here, you verify whether a user exists (and/or create a new user), and whether their credentials are valid. The Passport library expects this callback to return a full user if the validation succeeds, or a null if it fails (failure is defined as either the user is not found, or, in the case of passport-local, the password does not match).</a:t>
+            </a:r>
+          </a:p>
+          <a:p>
+            <a:br>
+              <a:rPr lang="en-US" dirty="0"/>
+            </a:br>
             <a:endParaRPr lang="en-IL" dirty="0"/>
           </a:p>
         </p:txBody>
@@ -5599,6 +5722,91 @@
             <a:fld id="{D2850163-67CE-1445-A832-1977356FC86B}" type="slidenum">
               <a:rPr lang="en-IL" smtClean="0"/>
               <a:t>29</a:t>
+            </a:fld>
+            <a:endParaRPr lang="en-IL"/>
+          </a:p>
+        </p:txBody>
+      </p:sp>
+    </p:spTree>
+    <p:extLst>
+      <p:ext uri="{BB962C8B-B14F-4D97-AF65-F5344CB8AC3E}">
+        <p14:creationId xmlns:p14="http://schemas.microsoft.com/office/powerpoint/2010/main" val="1709393936"/>
+      </p:ext>
+    </p:extLst>
+  </p:cSld>
+  <p:clrMapOvr>
+    <a:masterClrMapping/>
+  </p:clrMapOvr>
+</p:notes>
+</file>
+
+<file path=ppt/notesSlides/notesSlide23.xml><?xml version="1.0" encoding="utf-8"?>
+<p:notes xmlns:a="http://schemas.openxmlformats.org/drawingml/2006/main" xmlns:r="http://schemas.openxmlformats.org/officeDocument/2006/relationships" xmlns:p="http://schemas.openxmlformats.org/presentationml/2006/main">
+  <p:cSld>
+    <p:spTree>
+      <p:nvGrpSpPr>
+        <p:cNvPr id="1" name=""/>
+        <p:cNvGrpSpPr/>
+        <p:nvPr/>
+      </p:nvGrpSpPr>
+      <p:grpSpPr>
+        <a:xfrm>
+          <a:off x="0" y="0"/>
+          <a:ext cx="0" cy="0"/>
+          <a:chOff x="0" y="0"/>
+          <a:chExt cx="0" cy="0"/>
+        </a:xfrm>
+      </p:grpSpPr>
+      <p:sp>
+        <p:nvSpPr>
+          <p:cNvPr id="2" name="Slide Image Placeholder 1"/>
+          <p:cNvSpPr>
+            <a:spLocks noGrp="1" noRot="1" noChangeAspect="1"/>
+          </p:cNvSpPr>
+          <p:nvPr>
+            <p:ph type="sldImg"/>
+          </p:nvPr>
+        </p:nvSpPr>
+        <p:spPr/>
+      </p:sp>
+      <p:sp>
+        <p:nvSpPr>
+          <p:cNvPr id="3" name="Notes Placeholder 2"/>
+          <p:cNvSpPr>
+            <a:spLocks noGrp="1"/>
+          </p:cNvSpPr>
+          <p:nvPr>
+            <p:ph type="body" idx="1"/>
+          </p:nvPr>
+        </p:nvSpPr>
+        <p:spPr/>
+        <p:txBody>
+          <a:bodyPr/>
+          <a:lstStyle/>
+          <a:p>
+            <a:pPr algn="r" rtl="1"/>
+            <a:endParaRPr lang="en-IL" dirty="0"/>
+          </a:p>
+        </p:txBody>
+      </p:sp>
+      <p:sp>
+        <p:nvSpPr>
+          <p:cNvPr id="4" name="Slide Number Placeholder 3"/>
+          <p:cNvSpPr>
+            <a:spLocks noGrp="1"/>
+          </p:cNvSpPr>
+          <p:nvPr>
+            <p:ph type="sldNum" sz="quarter" idx="5"/>
+          </p:nvPr>
+        </p:nvSpPr>
+        <p:spPr/>
+        <p:txBody>
+          <a:bodyPr/>
+          <a:lstStyle/>
+          <a:p>
+            <a:fld id="{D2850163-67CE-1445-A832-1977356FC86B}" type="slidenum">
+              <a:rPr lang="en-IL" smtClean="0"/>
+              <a:t>30</a:t>
             </a:fld>
             <a:endParaRPr lang="en-IL"/>
           </a:p>
@@ -11148,6 +11356,1066 @@
 <file path=ppt/slides/slide18.xml><?xml version="1.0" encoding="utf-8"?>
 <p:sld xmlns:a="http://schemas.openxmlformats.org/drawingml/2006/main" xmlns:r="http://schemas.openxmlformats.org/officeDocument/2006/relationships" xmlns:p="http://schemas.openxmlformats.org/presentationml/2006/main">
   <p:cSld>
+    <p:spTree>
+      <p:nvGrpSpPr>
+        <p:cNvPr id="1" name=""/>
+        <p:cNvGrpSpPr/>
+        <p:nvPr/>
+      </p:nvGrpSpPr>
+      <p:grpSpPr>
+        <a:xfrm>
+          <a:off x="0" y="0"/>
+          <a:ext cx="0" cy="0"/>
+          <a:chOff x="0" y="0"/>
+          <a:chExt cx="0" cy="0"/>
+        </a:xfrm>
+      </p:grpSpPr>
+      <p:sp>
+        <p:nvSpPr>
+          <p:cNvPr id="4" name="Title 5">
+            <a:extLst>
+              <a:ext uri="{FF2B5EF4-FFF2-40B4-BE49-F238E27FC236}">
+                <a16:creationId xmlns:a16="http://schemas.microsoft.com/office/drawing/2014/main" id="{A84E2FEF-74EA-9C4A-B7F8-D5AF9CC85439}"/>
+              </a:ext>
+            </a:extLst>
+          </p:cNvPr>
+          <p:cNvSpPr>
+            <a:spLocks noGrp="1"/>
+          </p:cNvSpPr>
+          <p:nvPr>
+            <p:ph type="title"/>
+          </p:nvPr>
+        </p:nvSpPr>
+        <p:spPr>
+          <a:xfrm>
+            <a:off x="455319" y="177088"/>
+            <a:ext cx="10515600" cy="1325563"/>
+          </a:xfrm>
+        </p:spPr>
+        <p:txBody>
+          <a:bodyPr>
+            <a:normAutofit/>
+          </a:bodyPr>
+          <a:lstStyle/>
+          <a:p>
+            <a:r>
+              <a:rPr lang="en-IL" sz="4800" dirty="0"/>
+              <a:t>Header</a:t>
+            </a:r>
+          </a:p>
+        </p:txBody>
+      </p:sp>
+      <p:sp>
+        <p:nvSpPr>
+          <p:cNvPr id="7" name="TextBox 6">
+            <a:extLst>
+              <a:ext uri="{FF2B5EF4-FFF2-40B4-BE49-F238E27FC236}">
+                <a16:creationId xmlns:a16="http://schemas.microsoft.com/office/drawing/2014/main" id="{0D434488-5884-DC47-825F-DB289BAA0DD0}"/>
+              </a:ext>
+            </a:extLst>
+          </p:cNvPr>
+          <p:cNvSpPr txBox="1"/>
+          <p:nvPr/>
+        </p:nvSpPr>
+        <p:spPr>
+          <a:xfrm>
+            <a:off x="455319" y="1485188"/>
+            <a:ext cx="11281362" cy="755092"/>
+          </a:xfrm>
+          <a:prstGeom prst="rect">
+            <a:avLst/>
+          </a:prstGeom>
+        </p:spPr>
+        <p:txBody>
+          <a:bodyPr vert="horz" lIns="91440" tIns="45720" rIns="91440" bIns="45720" rtlCol="0">
+            <a:normAutofit/>
+          </a:bodyPr>
+          <a:lstStyle/>
+          <a:p>
+            <a:r>
+              <a:rPr lang="en-US" sz="2800" dirty="0"/>
+              <a:t>The header section contains information about the token itself.</a:t>
+            </a:r>
+          </a:p>
+        </p:txBody>
+      </p:sp>
+      <p:pic>
+        <p:nvPicPr>
+          <p:cNvPr id="3" name="Picture 2">
+            <a:extLst>
+              <a:ext uri="{FF2B5EF4-FFF2-40B4-BE49-F238E27FC236}">
+                <a16:creationId xmlns:a16="http://schemas.microsoft.com/office/drawing/2014/main" id="{E349FE44-F745-FB4B-9B1C-6984E967D88C}"/>
+              </a:ext>
+            </a:extLst>
+          </p:cNvPr>
+          <p:cNvPicPr>
+            <a:picLocks noChangeAspect="1"/>
+          </p:cNvPicPr>
+          <p:nvPr/>
+        </p:nvPicPr>
+        <p:blipFill>
+          <a:blip r:embed="rId2"/>
+          <a:stretch>
+            <a:fillRect/>
+          </a:stretch>
+        </p:blipFill>
+        <p:spPr>
+          <a:xfrm>
+            <a:off x="455319" y="2240280"/>
+            <a:ext cx="6083300" cy="1308100"/>
+          </a:xfrm>
+          <a:prstGeom prst="rect">
+            <a:avLst/>
+          </a:prstGeom>
+        </p:spPr>
+      </p:pic>
+      <p:sp>
+        <p:nvSpPr>
+          <p:cNvPr id="8" name="TextBox 7">
+            <a:extLst>
+              <a:ext uri="{FF2B5EF4-FFF2-40B4-BE49-F238E27FC236}">
+                <a16:creationId xmlns:a16="http://schemas.microsoft.com/office/drawing/2014/main" id="{B4249BBA-AF9F-5640-818F-DCFAC01EF3B1}"/>
+              </a:ext>
+            </a:extLst>
+          </p:cNvPr>
+          <p:cNvSpPr txBox="1"/>
+          <p:nvPr/>
+        </p:nvSpPr>
+        <p:spPr>
+          <a:xfrm>
+            <a:off x="318159" y="3862628"/>
+            <a:ext cx="11281362" cy="2355291"/>
+          </a:xfrm>
+          <a:prstGeom prst="rect">
+            <a:avLst/>
+          </a:prstGeom>
+        </p:spPr>
+        <p:txBody>
+          <a:bodyPr vert="horz" lIns="91440" tIns="45720" rIns="91440" bIns="45720" rtlCol="0">
+            <a:normAutofit/>
+          </a:bodyPr>
+          <a:lstStyle/>
+          <a:p>
+            <a:r>
+              <a:rPr lang="en-US" sz="2800" dirty="0"/>
+              <a:t>The following JSON explains which algorithm has been used to sign the token (</a:t>
+            </a:r>
+            <a:r>
+              <a:rPr lang="en-US" sz="2800" dirty="0" err="1"/>
+              <a:t>alg</a:t>
+            </a:r>
+            <a:r>
+              <a:rPr lang="en-US" sz="2800" dirty="0"/>
+              <a:t>) and which is the key (kind) that we need to use to validate it. </a:t>
+            </a:r>
+          </a:p>
+          <a:p>
+            <a:r>
+              <a:rPr lang="en-US" sz="2800" dirty="0"/>
+              <a:t>One moment of patience, please, we will look into this soon. :)</a:t>
+            </a:r>
+          </a:p>
+        </p:txBody>
+      </p:sp>
+    </p:spTree>
+    <p:extLst>
+      <p:ext uri="{BB962C8B-B14F-4D97-AF65-F5344CB8AC3E}">
+        <p14:creationId xmlns:p14="http://schemas.microsoft.com/office/powerpoint/2010/main" val="2105453802"/>
+      </p:ext>
+    </p:extLst>
+  </p:cSld>
+  <p:clrMapOvr>
+    <a:masterClrMapping/>
+  </p:clrMapOvr>
+</p:sld>
+</file>
+
+<file path=ppt/slides/slide19.xml><?xml version="1.0" encoding="utf-8"?>
+<p:sld xmlns:a="http://schemas.openxmlformats.org/drawingml/2006/main" xmlns:r="http://schemas.openxmlformats.org/officeDocument/2006/relationships" xmlns:p="http://schemas.openxmlformats.org/presentationml/2006/main">
+  <p:cSld>
+    <p:spTree>
+      <p:nvGrpSpPr>
+        <p:cNvPr id="1" name=""/>
+        <p:cNvGrpSpPr/>
+        <p:nvPr/>
+      </p:nvGrpSpPr>
+      <p:grpSpPr>
+        <a:xfrm>
+          <a:off x="0" y="0"/>
+          <a:ext cx="0" cy="0"/>
+          <a:chOff x="0" y="0"/>
+          <a:chExt cx="0" cy="0"/>
+        </a:xfrm>
+      </p:grpSpPr>
+      <p:sp>
+        <p:nvSpPr>
+          <p:cNvPr id="4" name="Title 5">
+            <a:extLst>
+              <a:ext uri="{FF2B5EF4-FFF2-40B4-BE49-F238E27FC236}">
+                <a16:creationId xmlns:a16="http://schemas.microsoft.com/office/drawing/2014/main" id="{A84E2FEF-74EA-9C4A-B7F8-D5AF9CC85439}"/>
+              </a:ext>
+            </a:extLst>
+          </p:cNvPr>
+          <p:cNvSpPr>
+            <a:spLocks noGrp="1"/>
+          </p:cNvSpPr>
+          <p:nvPr>
+            <p:ph type="title"/>
+          </p:nvPr>
+        </p:nvSpPr>
+        <p:spPr>
+          <a:xfrm>
+            <a:off x="455319" y="159625"/>
+            <a:ext cx="10515600" cy="1325563"/>
+          </a:xfrm>
+        </p:spPr>
+        <p:txBody>
+          <a:bodyPr>
+            <a:normAutofit/>
+          </a:bodyPr>
+          <a:lstStyle/>
+          <a:p>
+            <a:r>
+              <a:rPr lang="en-IL" sz="4800" dirty="0"/>
+              <a:t>Header</a:t>
+            </a:r>
+          </a:p>
+        </p:txBody>
+      </p:sp>
+      <p:sp>
+        <p:nvSpPr>
+          <p:cNvPr id="7" name="TextBox 6">
+            <a:extLst>
+              <a:ext uri="{FF2B5EF4-FFF2-40B4-BE49-F238E27FC236}">
+                <a16:creationId xmlns:a16="http://schemas.microsoft.com/office/drawing/2014/main" id="{0D434488-5884-DC47-825F-DB289BAA0DD0}"/>
+              </a:ext>
+            </a:extLst>
+          </p:cNvPr>
+          <p:cNvSpPr txBox="1"/>
+          <p:nvPr/>
+        </p:nvSpPr>
+        <p:spPr>
+          <a:xfrm>
+            <a:off x="455319" y="3683713"/>
+            <a:ext cx="11281362" cy="2434442"/>
+          </a:xfrm>
+          <a:prstGeom prst="rect">
+            <a:avLst/>
+          </a:prstGeom>
+        </p:spPr>
+        <p:txBody>
+          <a:bodyPr vert="horz" lIns="91440" tIns="45720" rIns="91440" bIns="45720" rtlCol="0">
+            <a:normAutofit/>
+          </a:bodyPr>
+          <a:lstStyle/>
+          <a:p>
+            <a:r>
+              <a:rPr lang="en-US" sz="2800" dirty="0"/>
+              <a:t>We set the signing algorithm to be HMAC SHA256 (JWT supports multiple algorithms), then we create a buffer from this JSON-encoded object, and we encode it using base64.</a:t>
+            </a:r>
+          </a:p>
+          <a:p>
+            <a:endParaRPr lang="en-US" sz="2800" dirty="0"/>
+          </a:p>
+          <a:p>
+            <a:r>
+              <a:rPr lang="en-US" sz="2800" dirty="0"/>
+              <a:t>The partial result is eyJhbGciOiJIUzI1NiIsInR5cCI6IkpXVCJ9.</a:t>
+            </a:r>
+          </a:p>
+          <a:p>
+            <a:pPr marL="457200" indent="-457200" defTabSz="914400">
+              <a:lnSpc>
+                <a:spcPct val="90000"/>
+              </a:lnSpc>
+              <a:spcAft>
+                <a:spcPts val="600"/>
+              </a:spcAft>
+              <a:buFont typeface="Arial" panose="020B0604020202020204" pitchFamily="34" charset="0"/>
+              <a:buChar char="•"/>
+            </a:pPr>
+            <a:endParaRPr lang="en-US" sz="2800" dirty="0"/>
+          </a:p>
+        </p:txBody>
+      </p:sp>
+      <p:pic>
+        <p:nvPicPr>
+          <p:cNvPr id="2" name="Picture 1">
+            <a:extLst>
+              <a:ext uri="{FF2B5EF4-FFF2-40B4-BE49-F238E27FC236}">
+                <a16:creationId xmlns:a16="http://schemas.microsoft.com/office/drawing/2014/main" id="{2447986F-F165-8D4C-AF4B-50BEA5259910}"/>
+              </a:ext>
+            </a:extLst>
+          </p:cNvPr>
+          <p:cNvPicPr>
+            <a:picLocks noChangeAspect="1"/>
+          </p:cNvPicPr>
+          <p:nvPr/>
+        </p:nvPicPr>
+        <p:blipFill>
+          <a:blip r:embed="rId2"/>
+          <a:stretch>
+            <a:fillRect/>
+          </a:stretch>
+        </p:blipFill>
+        <p:spPr>
+          <a:xfrm>
+            <a:off x="455319" y="1485187"/>
+            <a:ext cx="9944100" cy="1689100"/>
+          </a:xfrm>
+          <a:prstGeom prst="rect">
+            <a:avLst/>
+          </a:prstGeom>
+        </p:spPr>
+      </p:pic>
+    </p:spTree>
+    <p:extLst>
+      <p:ext uri="{BB962C8B-B14F-4D97-AF65-F5344CB8AC3E}">
+        <p14:creationId xmlns:p14="http://schemas.microsoft.com/office/powerpoint/2010/main" val="2700712927"/>
+      </p:ext>
+    </p:extLst>
+  </p:cSld>
+  <p:clrMapOvr>
+    <a:masterClrMapping/>
+  </p:clrMapOvr>
+</p:sld>
+</file>
+
+<file path=ppt/slides/slide2.xml><?xml version="1.0" encoding="utf-8"?>
+<p:sld xmlns:a="http://schemas.openxmlformats.org/drawingml/2006/main" xmlns:r="http://schemas.openxmlformats.org/officeDocument/2006/relationships" xmlns:p="http://schemas.openxmlformats.org/presentationml/2006/main">
+  <p:cSld>
+    <p:spTree>
+      <p:nvGrpSpPr>
+        <p:cNvPr id="1" name=""/>
+        <p:cNvGrpSpPr/>
+        <p:nvPr/>
+      </p:nvGrpSpPr>
+      <p:grpSpPr>
+        <a:xfrm>
+          <a:off x="0" y="0"/>
+          <a:ext cx="0" cy="0"/>
+          <a:chOff x="0" y="0"/>
+          <a:chExt cx="0" cy="0"/>
+        </a:xfrm>
+      </p:grpSpPr>
+      <p:sp>
+        <p:nvSpPr>
+          <p:cNvPr id="5" name="TextBox 4">
+            <a:extLst>
+              <a:ext uri="{FF2B5EF4-FFF2-40B4-BE49-F238E27FC236}">
+                <a16:creationId xmlns:a16="http://schemas.microsoft.com/office/drawing/2014/main" id="{6B8A7D5E-9F04-F24E-8054-E46DF64920C5}"/>
+              </a:ext>
+            </a:extLst>
+          </p:cNvPr>
+          <p:cNvSpPr txBox="1"/>
+          <p:nvPr/>
+        </p:nvSpPr>
+        <p:spPr>
+          <a:xfrm>
+            <a:off x="620111" y="720651"/>
+            <a:ext cx="8124497" cy="461665"/>
+          </a:xfrm>
+          <a:prstGeom prst="rect">
+            <a:avLst/>
+          </a:prstGeom>
+          <a:noFill/>
+        </p:spPr>
+        <p:txBody>
+          <a:bodyPr wrap="square" rtlCol="0">
+            <a:spAutoFit/>
+          </a:bodyPr>
+          <a:lstStyle/>
+          <a:p>
+            <a:pPr marL="0" defTabSz="914400" rtl="1" eaLnBrk="1" latinLnBrk="0" hangingPunct="1"/>
+            <a:r>
+              <a:rPr lang="en-US" sz="2400" dirty="0"/>
+              <a:t>What are we going to learn?</a:t>
+            </a:r>
+            <a:endParaRPr lang="en-IL" sz="2400" dirty="0"/>
+          </a:p>
+        </p:txBody>
+      </p:sp>
+      <p:sp>
+        <p:nvSpPr>
+          <p:cNvPr id="6" name="TextBox 5">
+            <a:extLst>
+              <a:ext uri="{FF2B5EF4-FFF2-40B4-BE49-F238E27FC236}">
+                <a16:creationId xmlns:a16="http://schemas.microsoft.com/office/drawing/2014/main" id="{21922D83-93D2-624E-9929-E80190815DCB}"/>
+              </a:ext>
+            </a:extLst>
+          </p:cNvPr>
+          <p:cNvSpPr txBox="1"/>
+          <p:nvPr/>
+        </p:nvSpPr>
+        <p:spPr>
+          <a:xfrm>
+            <a:off x="1166648" y="1890032"/>
+            <a:ext cx="10405241" cy="3416320"/>
+          </a:xfrm>
+          <a:prstGeom prst="rect">
+            <a:avLst/>
+          </a:prstGeom>
+          <a:noFill/>
+        </p:spPr>
+        <p:txBody>
+          <a:bodyPr wrap="square" rtlCol="0">
+            <a:spAutoFit/>
+          </a:bodyPr>
+          <a:lstStyle/>
+          <a:p>
+            <a:pPr marL="285750" indent="-285750">
+              <a:buFont typeface="Wingdings" pitchFamily="2" charset="2"/>
+              <a:buChar char="q"/>
+            </a:pPr>
+            <a:r>
+              <a:rPr lang="en-US" sz="2400" dirty="0"/>
+              <a:t>1: Authentication</a:t>
+            </a:r>
+          </a:p>
+          <a:p>
+            <a:pPr marL="285750" indent="-285750">
+              <a:buFont typeface="Wingdings" pitchFamily="2" charset="2"/>
+              <a:buChar char="q"/>
+            </a:pPr>
+            <a:r>
+              <a:rPr lang="en-US" sz="2400" dirty="0"/>
+              <a:t>1.1: warning up exercise</a:t>
+            </a:r>
+          </a:p>
+          <a:p>
+            <a:pPr marL="285750" indent="-285750">
+              <a:buFont typeface="Wingdings" pitchFamily="2" charset="2"/>
+              <a:buChar char="q"/>
+            </a:pPr>
+            <a:endParaRPr lang="en-US" sz="2400" dirty="0"/>
+          </a:p>
+          <a:p>
+            <a:pPr marL="285750" indent="-285750">
+              <a:buFont typeface="Wingdings" pitchFamily="2" charset="2"/>
+              <a:buChar char="q"/>
+            </a:pPr>
+            <a:r>
+              <a:rPr lang="en-US" sz="2400" dirty="0"/>
+              <a:t>2: JSON Web Token (JWT)</a:t>
+            </a:r>
+          </a:p>
+          <a:p>
+            <a:pPr marL="285750" indent="-285750">
+              <a:buFont typeface="Wingdings" pitchFamily="2" charset="2"/>
+              <a:buChar char="q"/>
+            </a:pPr>
+            <a:r>
+              <a:rPr lang="en-US" sz="2400" dirty="0"/>
+              <a:t>2.1: Exercise </a:t>
+            </a:r>
+          </a:p>
+          <a:p>
+            <a:pPr marL="285750" indent="-285750">
+              <a:buFont typeface="Wingdings" pitchFamily="2" charset="2"/>
+              <a:buChar char="q"/>
+            </a:pPr>
+            <a:endParaRPr lang="en-US" sz="2400" dirty="0"/>
+          </a:p>
+          <a:p>
+            <a:pPr marL="285750" indent="-285750">
+              <a:buFont typeface="Wingdings" pitchFamily="2" charset="2"/>
+              <a:buChar char="q"/>
+            </a:pPr>
+            <a:r>
+              <a:rPr lang="en-US" sz="2400" dirty="0"/>
+              <a:t>3: Authorizations</a:t>
+            </a:r>
+          </a:p>
+          <a:p>
+            <a:pPr marL="285750" indent="-285750">
+              <a:buFont typeface="Wingdings" pitchFamily="2" charset="2"/>
+              <a:buChar char="q"/>
+            </a:pPr>
+            <a:r>
+              <a:rPr lang="en-US" sz="2400" dirty="0"/>
+              <a:t>4: Roles</a:t>
+            </a:r>
+          </a:p>
+          <a:p>
+            <a:pPr marL="285750" indent="-285750">
+              <a:buFont typeface="Wingdings" pitchFamily="2" charset="2"/>
+              <a:buChar char="q"/>
+            </a:pPr>
+            <a:r>
+              <a:rPr lang="en-US" sz="2400" dirty="0"/>
+              <a:t>5: Exercise</a:t>
+            </a:r>
+          </a:p>
+        </p:txBody>
+      </p:sp>
+    </p:spTree>
+    <p:extLst>
+      <p:ext uri="{BB962C8B-B14F-4D97-AF65-F5344CB8AC3E}">
+        <p14:creationId xmlns:p14="http://schemas.microsoft.com/office/powerpoint/2010/main" val="2155928676"/>
+      </p:ext>
+    </p:extLst>
+  </p:cSld>
+  <p:clrMapOvr>
+    <a:masterClrMapping/>
+  </p:clrMapOvr>
+</p:sld>
+</file>
+
+<file path=ppt/slides/slide20.xml><?xml version="1.0" encoding="utf-8"?>
+<p:sld xmlns:a="http://schemas.openxmlformats.org/drawingml/2006/main" xmlns:r="http://schemas.openxmlformats.org/officeDocument/2006/relationships" xmlns:p="http://schemas.openxmlformats.org/presentationml/2006/main">
+  <p:cSld>
+    <p:spTree>
+      <p:nvGrpSpPr>
+        <p:cNvPr id="1" name=""/>
+        <p:cNvGrpSpPr/>
+        <p:nvPr/>
+      </p:nvGrpSpPr>
+      <p:grpSpPr>
+        <a:xfrm>
+          <a:off x="0" y="0"/>
+          <a:ext cx="0" cy="0"/>
+          <a:chOff x="0" y="0"/>
+          <a:chExt cx="0" cy="0"/>
+        </a:xfrm>
+      </p:grpSpPr>
+      <p:sp>
+        <p:nvSpPr>
+          <p:cNvPr id="4" name="Title 5">
+            <a:extLst>
+              <a:ext uri="{FF2B5EF4-FFF2-40B4-BE49-F238E27FC236}">
+                <a16:creationId xmlns:a16="http://schemas.microsoft.com/office/drawing/2014/main" id="{A84E2FEF-74EA-9C4A-B7F8-D5AF9CC85439}"/>
+              </a:ext>
+            </a:extLst>
+          </p:cNvPr>
+          <p:cNvSpPr>
+            <a:spLocks noGrp="1"/>
+          </p:cNvSpPr>
+          <p:nvPr>
+            <p:ph type="title"/>
+          </p:nvPr>
+        </p:nvSpPr>
+        <p:spPr>
+          <a:xfrm>
+            <a:off x="455319" y="159625"/>
+            <a:ext cx="10515600" cy="1325563"/>
+          </a:xfrm>
+        </p:spPr>
+        <p:txBody>
+          <a:bodyPr>
+            <a:normAutofit/>
+          </a:bodyPr>
+          <a:lstStyle/>
+          <a:p>
+            <a:r>
+              <a:rPr lang="en-IL" sz="4800" dirty="0"/>
+              <a:t>Body</a:t>
+            </a:r>
+          </a:p>
+        </p:txBody>
+      </p:sp>
+      <p:sp>
+        <p:nvSpPr>
+          <p:cNvPr id="7" name="TextBox 6">
+            <a:extLst>
+              <a:ext uri="{FF2B5EF4-FFF2-40B4-BE49-F238E27FC236}">
+                <a16:creationId xmlns:a16="http://schemas.microsoft.com/office/drawing/2014/main" id="{0D434488-5884-DC47-825F-DB289BAA0DD0}"/>
+              </a:ext>
+            </a:extLst>
+          </p:cNvPr>
+          <p:cNvSpPr txBox="1"/>
+          <p:nvPr/>
+        </p:nvSpPr>
+        <p:spPr>
+          <a:xfrm>
+            <a:off x="455319" y="1485188"/>
+            <a:ext cx="11281362" cy="877012"/>
+          </a:xfrm>
+          <a:prstGeom prst="rect">
+            <a:avLst/>
+          </a:prstGeom>
+        </p:spPr>
+        <p:txBody>
+          <a:bodyPr vert="horz" lIns="91440" tIns="45720" rIns="91440" bIns="45720" rtlCol="0">
+            <a:noAutofit/>
+          </a:bodyPr>
+          <a:lstStyle/>
+          <a:p>
+            <a:r>
+              <a:rPr lang="en-US" sz="2800" dirty="0"/>
+              <a:t>The payload is the most important part of a JWT. It contains information (</a:t>
+            </a:r>
+            <a:r>
+              <a:rPr lang="en-US" sz="2800" i="1" dirty="0"/>
+              <a:t>claims</a:t>
+            </a:r>
+            <a:r>
+              <a:rPr lang="en-US" sz="2800" dirty="0"/>
+              <a:t> in JWT jargon) about the client:</a:t>
+            </a:r>
+          </a:p>
+        </p:txBody>
+      </p:sp>
+      <p:sp>
+        <p:nvSpPr>
+          <p:cNvPr id="8" name="TextBox 7">
+            <a:extLst>
+              <a:ext uri="{FF2B5EF4-FFF2-40B4-BE49-F238E27FC236}">
+                <a16:creationId xmlns:a16="http://schemas.microsoft.com/office/drawing/2014/main" id="{B4249BBA-AF9F-5640-818F-DCFAC01EF3B1}"/>
+              </a:ext>
+            </a:extLst>
+          </p:cNvPr>
+          <p:cNvSpPr txBox="1"/>
+          <p:nvPr/>
+        </p:nvSpPr>
+        <p:spPr>
+          <a:xfrm>
+            <a:off x="455319" y="4617720"/>
+            <a:ext cx="11281362" cy="1478280"/>
+          </a:xfrm>
+          <a:prstGeom prst="rect">
+            <a:avLst/>
+          </a:prstGeom>
+        </p:spPr>
+        <p:txBody>
+          <a:bodyPr vert="horz" lIns="91440" tIns="45720" rIns="91440" bIns="45720" rtlCol="0">
+            <a:noAutofit/>
+          </a:bodyPr>
+          <a:lstStyle/>
+          <a:p>
+            <a:r>
+              <a:rPr lang="en-US" sz="2800" dirty="0"/>
+              <a:t>The </a:t>
+            </a:r>
+            <a:r>
+              <a:rPr lang="en-US" sz="2800" dirty="0" err="1"/>
+              <a:t>iss</a:t>
+            </a:r>
+            <a:r>
+              <a:rPr lang="en-US" sz="2800" dirty="0"/>
+              <a:t> property is a </a:t>
+            </a:r>
+            <a:r>
+              <a:rPr lang="en-US" sz="2800" dirty="0">
+                <a:hlinkClick r:id="rId2">
+                  <a:extLst>
+                    <a:ext uri="{A12FA001-AC4F-418D-AE19-62706E023703}">
+                      <ahyp:hlinkClr xmlns:ahyp="http://schemas.microsoft.com/office/drawing/2018/hyperlinkcolor" val="tx"/>
+                    </a:ext>
+                  </a:extLst>
+                </a:hlinkClick>
+              </a:rPr>
+              <a:t>registered claim</a:t>
+            </a:r>
+            <a:r>
+              <a:rPr lang="en-US" sz="2800" dirty="0"/>
+              <a:t>, it represents the identity provider that issued the token (</a:t>
+            </a:r>
+            <a:r>
+              <a:rPr lang="en-US" sz="2800" dirty="0">
+                <a:solidFill>
+                  <a:srgbClr val="FF0000"/>
+                </a:solidFill>
+              </a:rPr>
+              <a:t>the issuer</a:t>
+            </a:r>
+            <a:r>
+              <a:rPr lang="en-US" sz="2800" dirty="0"/>
+              <a:t>)— in this case, </a:t>
+            </a:r>
+            <a:r>
+              <a:rPr lang="en-US" sz="2800" dirty="0">
+                <a:hlinkClick r:id="rId3">
+                  <a:extLst>
+                    <a:ext uri="{A12FA001-AC4F-418D-AE19-62706E023703}">
+                      <ahyp:hlinkClr xmlns:ahyp="http://schemas.microsoft.com/office/drawing/2018/hyperlinkcolor" val="tx"/>
+                    </a:ext>
+                  </a:extLst>
+                </a:hlinkClick>
+              </a:rPr>
+              <a:t>Amazon Cognito</a:t>
+            </a:r>
+            <a:r>
+              <a:rPr lang="en-US" sz="2800" dirty="0"/>
+              <a:t>. Finally, we can add further claims based on our needs (e.g. admin claim).</a:t>
+            </a:r>
+          </a:p>
+        </p:txBody>
+      </p:sp>
+      <p:pic>
+        <p:nvPicPr>
+          <p:cNvPr id="2" name="Picture 1">
+            <a:extLst>
+              <a:ext uri="{FF2B5EF4-FFF2-40B4-BE49-F238E27FC236}">
+                <a16:creationId xmlns:a16="http://schemas.microsoft.com/office/drawing/2014/main" id="{1FA46D6B-2E66-414D-A7A6-7F043EDB269F}"/>
+              </a:ext>
+            </a:extLst>
+          </p:cNvPr>
+          <p:cNvPicPr>
+            <a:picLocks noChangeAspect="1"/>
+          </p:cNvPicPr>
+          <p:nvPr/>
+        </p:nvPicPr>
+        <p:blipFill>
+          <a:blip r:embed="rId4"/>
+          <a:stretch>
+            <a:fillRect/>
+          </a:stretch>
+        </p:blipFill>
+        <p:spPr>
+          <a:xfrm>
+            <a:off x="609600" y="2609850"/>
+            <a:ext cx="7620000" cy="1638300"/>
+          </a:xfrm>
+          <a:prstGeom prst="rect">
+            <a:avLst/>
+          </a:prstGeom>
+        </p:spPr>
+      </p:pic>
+    </p:spTree>
+    <p:extLst>
+      <p:ext uri="{BB962C8B-B14F-4D97-AF65-F5344CB8AC3E}">
+        <p14:creationId xmlns:p14="http://schemas.microsoft.com/office/powerpoint/2010/main" val="587316837"/>
+      </p:ext>
+    </p:extLst>
+  </p:cSld>
+  <p:clrMapOvr>
+    <a:masterClrMapping/>
+  </p:clrMapOvr>
+</p:sld>
+</file>
+
+<file path=ppt/slides/slide21.xml><?xml version="1.0" encoding="utf-8"?>
+<p:sld xmlns:a="http://schemas.openxmlformats.org/drawingml/2006/main" xmlns:r="http://schemas.openxmlformats.org/officeDocument/2006/relationships" xmlns:p="http://schemas.openxmlformats.org/presentationml/2006/main">
+  <p:cSld>
+    <p:spTree>
+      <p:nvGrpSpPr>
+        <p:cNvPr id="1" name=""/>
+        <p:cNvGrpSpPr/>
+        <p:nvPr/>
+      </p:nvGrpSpPr>
+      <p:grpSpPr>
+        <a:xfrm>
+          <a:off x="0" y="0"/>
+          <a:ext cx="0" cy="0"/>
+          <a:chOff x="0" y="0"/>
+          <a:chExt cx="0" cy="0"/>
+        </a:xfrm>
+      </p:grpSpPr>
+      <p:sp>
+        <p:nvSpPr>
+          <p:cNvPr id="4" name="Title 5">
+            <a:extLst>
+              <a:ext uri="{FF2B5EF4-FFF2-40B4-BE49-F238E27FC236}">
+                <a16:creationId xmlns:a16="http://schemas.microsoft.com/office/drawing/2014/main" id="{A84E2FEF-74EA-9C4A-B7F8-D5AF9CC85439}"/>
+              </a:ext>
+            </a:extLst>
+          </p:cNvPr>
+          <p:cNvSpPr>
+            <a:spLocks noGrp="1"/>
+          </p:cNvSpPr>
+          <p:nvPr>
+            <p:ph type="title"/>
+          </p:nvPr>
+        </p:nvSpPr>
+        <p:spPr>
+          <a:xfrm>
+            <a:off x="350520" y="159625"/>
+            <a:ext cx="10515600" cy="1325563"/>
+          </a:xfrm>
+        </p:spPr>
+        <p:txBody>
+          <a:bodyPr>
+            <a:normAutofit/>
+          </a:bodyPr>
+          <a:lstStyle/>
+          <a:p>
+            <a:r>
+              <a:rPr lang="en-IL" sz="4800" dirty="0"/>
+              <a:t>Signature</a:t>
+            </a:r>
+          </a:p>
+        </p:txBody>
+      </p:sp>
+      <p:sp>
+        <p:nvSpPr>
+          <p:cNvPr id="7" name="TextBox 6">
+            <a:extLst>
+              <a:ext uri="{FF2B5EF4-FFF2-40B4-BE49-F238E27FC236}">
+                <a16:creationId xmlns:a16="http://schemas.microsoft.com/office/drawing/2014/main" id="{0D434488-5884-DC47-825F-DB289BAA0DD0}"/>
+              </a:ext>
+            </a:extLst>
+          </p:cNvPr>
+          <p:cNvSpPr txBox="1"/>
+          <p:nvPr/>
+        </p:nvSpPr>
+        <p:spPr>
+          <a:xfrm>
+            <a:off x="455319" y="1485188"/>
+            <a:ext cx="11281362" cy="2431492"/>
+          </a:xfrm>
+          <a:prstGeom prst="rect">
+            <a:avLst/>
+          </a:prstGeom>
+        </p:spPr>
+        <p:txBody>
+          <a:bodyPr vert="horz" lIns="91440" tIns="45720" rIns="91440" bIns="45720" rtlCol="0">
+            <a:noAutofit/>
+          </a:bodyPr>
+          <a:lstStyle/>
+          <a:p>
+            <a:r>
+              <a:rPr lang="en-US" sz="2800" dirty="0"/>
+              <a:t>The third part of the token is a hash that is computed following these steps:</a:t>
+            </a:r>
+          </a:p>
+          <a:p>
+            <a:pPr marL="457200" indent="-457200">
+              <a:buFont typeface="Arial" panose="020B0604020202020204" pitchFamily="34" charset="0"/>
+              <a:buChar char="•"/>
+            </a:pPr>
+            <a:r>
+              <a:rPr lang="en-US" sz="2800" dirty="0"/>
+              <a:t>join with a dot the encoded </a:t>
+            </a:r>
+            <a:r>
+              <a:rPr lang="en-US" sz="2800" dirty="0">
+                <a:solidFill>
+                  <a:srgbClr val="FF0000"/>
+                </a:solidFill>
+              </a:rPr>
+              <a:t>header</a:t>
+            </a:r>
+            <a:r>
+              <a:rPr lang="en-US" sz="2800" dirty="0"/>
+              <a:t> and the encoded </a:t>
+            </a:r>
+            <a:r>
+              <a:rPr lang="en-US" sz="2800" dirty="0">
+                <a:solidFill>
+                  <a:srgbClr val="FFC000"/>
+                </a:solidFill>
+              </a:rPr>
+              <a:t>payload</a:t>
+            </a:r>
+            <a:r>
+              <a:rPr lang="en-US" sz="2800" dirty="0"/>
+              <a:t>;</a:t>
+            </a:r>
+          </a:p>
+          <a:p>
+            <a:pPr marL="457200" indent="-457200">
+              <a:buFont typeface="Arial" panose="020B0604020202020204" pitchFamily="34" charset="0"/>
+              <a:buChar char="•"/>
+            </a:pPr>
+            <a:r>
+              <a:rPr lang="en-US" sz="2800" dirty="0"/>
+              <a:t>hash the result using the encryption algorithm specified in </a:t>
+            </a:r>
+            <a:r>
+              <a:rPr lang="en-US" sz="2800" dirty="0" err="1">
+                <a:solidFill>
+                  <a:srgbClr val="00B050"/>
+                </a:solidFill>
+              </a:rPr>
+              <a:t>alg</a:t>
+            </a:r>
+            <a:r>
+              <a:rPr lang="en-US" sz="2800" dirty="0"/>
+              <a:t> property of the </a:t>
+            </a:r>
+            <a:r>
+              <a:rPr lang="en-US" sz="2800" dirty="0">
+                <a:solidFill>
+                  <a:srgbClr val="FF0000"/>
+                </a:solidFill>
+              </a:rPr>
+              <a:t>header</a:t>
+            </a:r>
+            <a:r>
+              <a:rPr lang="en-US" sz="2800" dirty="0"/>
+              <a:t> (in this case RS256) and a private key;</a:t>
+            </a:r>
+          </a:p>
+          <a:p>
+            <a:pPr marL="457200" indent="-457200">
+              <a:buFont typeface="Arial" panose="020B0604020202020204" pitchFamily="34" charset="0"/>
+              <a:buChar char="•"/>
+            </a:pPr>
+            <a:r>
+              <a:rPr lang="en-US" sz="2800" dirty="0"/>
+              <a:t>encode the result as Base64URL;</a:t>
+            </a:r>
+          </a:p>
+          <a:p>
+            <a:pPr marL="457200" indent="-457200">
+              <a:buFont typeface="Arial" panose="020B0604020202020204" pitchFamily="34" charset="0"/>
+              <a:buChar char="•"/>
+            </a:pPr>
+            <a:endParaRPr lang="en-US" sz="2800" dirty="0"/>
+          </a:p>
+          <a:p>
+            <a:endParaRPr lang="en-US" sz="2800" dirty="0"/>
+          </a:p>
+        </p:txBody>
+      </p:sp>
+      <p:pic>
+        <p:nvPicPr>
+          <p:cNvPr id="3" name="Picture 2">
+            <a:extLst>
+              <a:ext uri="{FF2B5EF4-FFF2-40B4-BE49-F238E27FC236}">
+                <a16:creationId xmlns:a16="http://schemas.microsoft.com/office/drawing/2014/main" id="{6B72AEA0-0671-B245-89E1-113F25024BCD}"/>
+              </a:ext>
+            </a:extLst>
+          </p:cNvPr>
+          <p:cNvPicPr>
+            <a:picLocks noChangeAspect="1"/>
+          </p:cNvPicPr>
+          <p:nvPr/>
+        </p:nvPicPr>
+        <p:blipFill>
+          <a:blip r:embed="rId3"/>
+          <a:stretch>
+            <a:fillRect/>
+          </a:stretch>
+        </p:blipFill>
+        <p:spPr>
+          <a:xfrm>
+            <a:off x="1645920" y="4564380"/>
+            <a:ext cx="7924800" cy="990600"/>
+          </a:xfrm>
+          <a:prstGeom prst="rect">
+            <a:avLst/>
+          </a:prstGeom>
+        </p:spPr>
+      </p:pic>
+    </p:spTree>
+    <p:extLst>
+      <p:ext uri="{BB962C8B-B14F-4D97-AF65-F5344CB8AC3E}">
+        <p14:creationId xmlns:p14="http://schemas.microsoft.com/office/powerpoint/2010/main" val="3423380441"/>
+      </p:ext>
+    </p:extLst>
+  </p:cSld>
+  <p:clrMapOvr>
+    <a:masterClrMapping/>
+  </p:clrMapOvr>
+</p:sld>
+</file>
+
+<file path=ppt/slides/slide22.xml><?xml version="1.0" encoding="utf-8"?>
+<p:sld xmlns:a="http://schemas.openxmlformats.org/drawingml/2006/main" xmlns:r="http://schemas.openxmlformats.org/officeDocument/2006/relationships" xmlns:p="http://schemas.openxmlformats.org/presentationml/2006/main">
+  <p:cSld>
+    <p:spTree>
+      <p:nvGrpSpPr>
+        <p:cNvPr id="1" name=""/>
+        <p:cNvGrpSpPr/>
+        <p:nvPr/>
+      </p:nvGrpSpPr>
+      <p:grpSpPr>
+        <a:xfrm>
+          <a:off x="0" y="0"/>
+          <a:ext cx="0" cy="0"/>
+          <a:chOff x="0" y="0"/>
+          <a:chExt cx="0" cy="0"/>
+        </a:xfrm>
+      </p:grpSpPr>
+      <p:sp>
+        <p:nvSpPr>
+          <p:cNvPr id="4" name="Title 5">
+            <a:extLst>
+              <a:ext uri="{FF2B5EF4-FFF2-40B4-BE49-F238E27FC236}">
+                <a16:creationId xmlns:a16="http://schemas.microsoft.com/office/drawing/2014/main" id="{A84E2FEF-74EA-9C4A-B7F8-D5AF9CC85439}"/>
+              </a:ext>
+            </a:extLst>
+          </p:cNvPr>
+          <p:cNvSpPr>
+            <a:spLocks noGrp="1"/>
+          </p:cNvSpPr>
+          <p:nvPr>
+            <p:ph type="title"/>
+          </p:nvPr>
+        </p:nvSpPr>
+        <p:spPr>
+          <a:xfrm>
+            <a:off x="175260" y="279643"/>
+            <a:ext cx="11841480" cy="1325563"/>
+          </a:xfrm>
+        </p:spPr>
+        <p:txBody>
+          <a:bodyPr>
+            <a:noAutofit/>
+          </a:bodyPr>
+          <a:lstStyle/>
+          <a:p>
+            <a:r>
+              <a:rPr lang="en-IL" sz="4800" dirty="0"/>
+              <a:t>Let’s summarise…but let’s take a break before…</a:t>
+            </a:r>
+          </a:p>
+        </p:txBody>
+      </p:sp>
+      <p:pic>
+        <p:nvPicPr>
+          <p:cNvPr id="14338" name="Picture 2">
+            <a:extLst>
+              <a:ext uri="{FF2B5EF4-FFF2-40B4-BE49-F238E27FC236}">
+                <a16:creationId xmlns:a16="http://schemas.microsoft.com/office/drawing/2014/main" id="{E17F2E80-C716-B040-BBEE-5CD18CA4EA47}"/>
+              </a:ext>
+            </a:extLst>
+          </p:cNvPr>
+          <p:cNvPicPr>
+            <a:picLocks noChangeAspect="1" noChangeArrowheads="1"/>
+          </p:cNvPicPr>
+          <p:nvPr/>
+        </p:nvPicPr>
+        <p:blipFill>
+          <a:blip r:embed="rId3">
+            <a:extLst>
+              <a:ext uri="{28A0092B-C50C-407E-A947-70E740481C1C}">
+                <a14:useLocalDpi xmlns:a14="http://schemas.microsoft.com/office/drawing/2010/main" val="0"/>
+              </a:ext>
+            </a:extLst>
+          </a:blip>
+          <a:srcRect/>
+          <a:stretch>
+            <a:fillRect/>
+          </a:stretch>
+        </p:blipFill>
+        <p:spPr bwMode="auto">
+          <a:xfrm>
+            <a:off x="692150" y="1605206"/>
+            <a:ext cx="10807700" cy="4559300"/>
+          </a:xfrm>
+          <a:prstGeom prst="rect">
+            <a:avLst/>
+          </a:prstGeom>
+          <a:noFill/>
+          <a:extLst>
+            <a:ext uri="{909E8E84-426E-40DD-AFC4-6F175D3DCCD1}">
+              <a14:hiddenFill xmlns:a14="http://schemas.microsoft.com/office/drawing/2010/main">
+                <a:solidFill>
+                  <a:srgbClr val="FFFFFF"/>
+                </a:solidFill>
+              </a14:hiddenFill>
+            </a:ext>
+          </a:extLst>
+        </p:spPr>
+      </p:pic>
+    </p:spTree>
+    <p:extLst>
+      <p:ext uri="{BB962C8B-B14F-4D97-AF65-F5344CB8AC3E}">
+        <p14:creationId xmlns:p14="http://schemas.microsoft.com/office/powerpoint/2010/main" val="2376791396"/>
+      </p:ext>
+    </p:extLst>
+  </p:cSld>
+  <p:clrMapOvr>
+    <a:masterClrMapping/>
+  </p:clrMapOvr>
+</p:sld>
+</file>
+
+<file path=ppt/slides/slide23.xml><?xml version="1.0" encoding="utf-8"?>
+<p:sld xmlns:a="http://schemas.openxmlformats.org/drawingml/2006/main" xmlns:r="http://schemas.openxmlformats.org/officeDocument/2006/relationships" xmlns:p="http://schemas.openxmlformats.org/presentationml/2006/main">
+  <p:cSld>
     <p:bg>
       <p:bgPr>
         <a:solidFill>
@@ -11371,955 +12639,7 @@
 </p:sld>
 </file>
 
-<file path=ppt/slides/slide19.xml><?xml version="1.0" encoding="utf-8"?>
-<p:sld xmlns:a="http://schemas.openxmlformats.org/drawingml/2006/main" xmlns:r="http://schemas.openxmlformats.org/officeDocument/2006/relationships" xmlns:p="http://schemas.openxmlformats.org/presentationml/2006/main">
-  <p:cSld>
-    <p:spTree>
-      <p:nvGrpSpPr>
-        <p:cNvPr id="1" name=""/>
-        <p:cNvGrpSpPr/>
-        <p:nvPr/>
-      </p:nvGrpSpPr>
-      <p:grpSpPr>
-        <a:xfrm>
-          <a:off x="0" y="0"/>
-          <a:ext cx="0" cy="0"/>
-          <a:chOff x="0" y="0"/>
-          <a:chExt cx="0" cy="0"/>
-        </a:xfrm>
-      </p:grpSpPr>
-      <p:sp>
-        <p:nvSpPr>
-          <p:cNvPr id="4" name="Title 5">
-            <a:extLst>
-              <a:ext uri="{FF2B5EF4-FFF2-40B4-BE49-F238E27FC236}">
-                <a16:creationId xmlns:a16="http://schemas.microsoft.com/office/drawing/2014/main" id="{A84E2FEF-74EA-9C4A-B7F8-D5AF9CC85439}"/>
-              </a:ext>
-            </a:extLst>
-          </p:cNvPr>
-          <p:cNvSpPr>
-            <a:spLocks noGrp="1"/>
-          </p:cNvSpPr>
-          <p:nvPr>
-            <p:ph type="title"/>
-          </p:nvPr>
-        </p:nvSpPr>
-        <p:spPr>
-          <a:xfrm>
-            <a:off x="455319" y="177088"/>
-            <a:ext cx="10515600" cy="1325563"/>
-          </a:xfrm>
-        </p:spPr>
-        <p:txBody>
-          <a:bodyPr>
-            <a:normAutofit/>
-          </a:bodyPr>
-          <a:lstStyle/>
-          <a:p>
-            <a:r>
-              <a:rPr lang="en-IL" sz="4800" dirty="0"/>
-              <a:t>Header</a:t>
-            </a:r>
-          </a:p>
-        </p:txBody>
-      </p:sp>
-      <p:sp>
-        <p:nvSpPr>
-          <p:cNvPr id="7" name="TextBox 6">
-            <a:extLst>
-              <a:ext uri="{FF2B5EF4-FFF2-40B4-BE49-F238E27FC236}">
-                <a16:creationId xmlns:a16="http://schemas.microsoft.com/office/drawing/2014/main" id="{0D434488-5884-DC47-825F-DB289BAA0DD0}"/>
-              </a:ext>
-            </a:extLst>
-          </p:cNvPr>
-          <p:cNvSpPr txBox="1"/>
-          <p:nvPr/>
-        </p:nvSpPr>
-        <p:spPr>
-          <a:xfrm>
-            <a:off x="455319" y="1485188"/>
-            <a:ext cx="11281362" cy="755092"/>
-          </a:xfrm>
-          <a:prstGeom prst="rect">
-            <a:avLst/>
-          </a:prstGeom>
-        </p:spPr>
-        <p:txBody>
-          <a:bodyPr vert="horz" lIns="91440" tIns="45720" rIns="91440" bIns="45720" rtlCol="0">
-            <a:normAutofit/>
-          </a:bodyPr>
-          <a:lstStyle/>
-          <a:p>
-            <a:r>
-              <a:rPr lang="en-US" sz="2800" dirty="0"/>
-              <a:t>The header section contains information about the token itself.</a:t>
-            </a:r>
-          </a:p>
-        </p:txBody>
-      </p:sp>
-      <p:pic>
-        <p:nvPicPr>
-          <p:cNvPr id="3" name="Picture 2">
-            <a:extLst>
-              <a:ext uri="{FF2B5EF4-FFF2-40B4-BE49-F238E27FC236}">
-                <a16:creationId xmlns:a16="http://schemas.microsoft.com/office/drawing/2014/main" id="{E349FE44-F745-FB4B-9B1C-6984E967D88C}"/>
-              </a:ext>
-            </a:extLst>
-          </p:cNvPr>
-          <p:cNvPicPr>
-            <a:picLocks noChangeAspect="1"/>
-          </p:cNvPicPr>
-          <p:nvPr/>
-        </p:nvPicPr>
-        <p:blipFill>
-          <a:blip r:embed="rId2"/>
-          <a:stretch>
-            <a:fillRect/>
-          </a:stretch>
-        </p:blipFill>
-        <p:spPr>
-          <a:xfrm>
-            <a:off x="455319" y="2240280"/>
-            <a:ext cx="6083300" cy="1308100"/>
-          </a:xfrm>
-          <a:prstGeom prst="rect">
-            <a:avLst/>
-          </a:prstGeom>
-        </p:spPr>
-      </p:pic>
-      <p:sp>
-        <p:nvSpPr>
-          <p:cNvPr id="8" name="TextBox 7">
-            <a:extLst>
-              <a:ext uri="{FF2B5EF4-FFF2-40B4-BE49-F238E27FC236}">
-                <a16:creationId xmlns:a16="http://schemas.microsoft.com/office/drawing/2014/main" id="{B4249BBA-AF9F-5640-818F-DCFAC01EF3B1}"/>
-              </a:ext>
-            </a:extLst>
-          </p:cNvPr>
-          <p:cNvSpPr txBox="1"/>
-          <p:nvPr/>
-        </p:nvSpPr>
-        <p:spPr>
-          <a:xfrm>
-            <a:off x="318159" y="3862628"/>
-            <a:ext cx="11281362" cy="2355291"/>
-          </a:xfrm>
-          <a:prstGeom prst="rect">
-            <a:avLst/>
-          </a:prstGeom>
-        </p:spPr>
-        <p:txBody>
-          <a:bodyPr vert="horz" lIns="91440" tIns="45720" rIns="91440" bIns="45720" rtlCol="0">
-            <a:normAutofit/>
-          </a:bodyPr>
-          <a:lstStyle/>
-          <a:p>
-            <a:r>
-              <a:rPr lang="en-US" sz="2800" dirty="0"/>
-              <a:t>The following JSON explains which algorithm has been used to sign the token (</a:t>
-            </a:r>
-            <a:r>
-              <a:rPr lang="en-US" sz="2800" dirty="0" err="1"/>
-              <a:t>alg</a:t>
-            </a:r>
-            <a:r>
-              <a:rPr lang="en-US" sz="2800" dirty="0"/>
-              <a:t>) and which is the key (kind) that we need to use to validate it. </a:t>
-            </a:r>
-          </a:p>
-          <a:p>
-            <a:r>
-              <a:rPr lang="en-US" sz="2800" dirty="0"/>
-              <a:t>One moment of patience, please, we will look into this soon. :)</a:t>
-            </a:r>
-          </a:p>
-        </p:txBody>
-      </p:sp>
-    </p:spTree>
-    <p:extLst>
-      <p:ext uri="{BB962C8B-B14F-4D97-AF65-F5344CB8AC3E}">
-        <p14:creationId xmlns:p14="http://schemas.microsoft.com/office/powerpoint/2010/main" val="2105453802"/>
-      </p:ext>
-    </p:extLst>
-  </p:cSld>
-  <p:clrMapOvr>
-    <a:masterClrMapping/>
-  </p:clrMapOvr>
-</p:sld>
-</file>
-
-<file path=ppt/slides/slide2.xml><?xml version="1.0" encoding="utf-8"?>
-<p:sld xmlns:a="http://schemas.openxmlformats.org/drawingml/2006/main" xmlns:r="http://schemas.openxmlformats.org/officeDocument/2006/relationships" xmlns:p="http://schemas.openxmlformats.org/presentationml/2006/main">
-  <p:cSld>
-    <p:spTree>
-      <p:nvGrpSpPr>
-        <p:cNvPr id="1" name=""/>
-        <p:cNvGrpSpPr/>
-        <p:nvPr/>
-      </p:nvGrpSpPr>
-      <p:grpSpPr>
-        <a:xfrm>
-          <a:off x="0" y="0"/>
-          <a:ext cx="0" cy="0"/>
-          <a:chOff x="0" y="0"/>
-          <a:chExt cx="0" cy="0"/>
-        </a:xfrm>
-      </p:grpSpPr>
-      <p:sp>
-        <p:nvSpPr>
-          <p:cNvPr id="5" name="TextBox 4">
-            <a:extLst>
-              <a:ext uri="{FF2B5EF4-FFF2-40B4-BE49-F238E27FC236}">
-                <a16:creationId xmlns:a16="http://schemas.microsoft.com/office/drawing/2014/main" id="{6B8A7D5E-9F04-F24E-8054-E46DF64920C5}"/>
-              </a:ext>
-            </a:extLst>
-          </p:cNvPr>
-          <p:cNvSpPr txBox="1"/>
-          <p:nvPr/>
-        </p:nvSpPr>
-        <p:spPr>
-          <a:xfrm>
-            <a:off x="620111" y="720651"/>
-            <a:ext cx="8124497" cy="461665"/>
-          </a:xfrm>
-          <a:prstGeom prst="rect">
-            <a:avLst/>
-          </a:prstGeom>
-          <a:noFill/>
-        </p:spPr>
-        <p:txBody>
-          <a:bodyPr wrap="square" rtlCol="0">
-            <a:spAutoFit/>
-          </a:bodyPr>
-          <a:lstStyle/>
-          <a:p>
-            <a:pPr marL="0" defTabSz="914400" rtl="1" eaLnBrk="1" latinLnBrk="0" hangingPunct="1"/>
-            <a:r>
-              <a:rPr lang="en-US" sz="2400" dirty="0"/>
-              <a:t>What are we going to learn?</a:t>
-            </a:r>
-            <a:endParaRPr lang="en-IL" sz="2400" dirty="0"/>
-          </a:p>
-        </p:txBody>
-      </p:sp>
-      <p:sp>
-        <p:nvSpPr>
-          <p:cNvPr id="6" name="TextBox 5">
-            <a:extLst>
-              <a:ext uri="{FF2B5EF4-FFF2-40B4-BE49-F238E27FC236}">
-                <a16:creationId xmlns:a16="http://schemas.microsoft.com/office/drawing/2014/main" id="{21922D83-93D2-624E-9929-E80190815DCB}"/>
-              </a:ext>
-            </a:extLst>
-          </p:cNvPr>
-          <p:cNvSpPr txBox="1"/>
-          <p:nvPr/>
-        </p:nvSpPr>
-        <p:spPr>
-          <a:xfrm>
-            <a:off x="1166648" y="1890032"/>
-            <a:ext cx="10405241" cy="3416320"/>
-          </a:xfrm>
-          <a:prstGeom prst="rect">
-            <a:avLst/>
-          </a:prstGeom>
-          <a:noFill/>
-        </p:spPr>
-        <p:txBody>
-          <a:bodyPr wrap="square" rtlCol="0">
-            <a:spAutoFit/>
-          </a:bodyPr>
-          <a:lstStyle/>
-          <a:p>
-            <a:pPr marL="285750" indent="-285750">
-              <a:buFont typeface="Wingdings" pitchFamily="2" charset="2"/>
-              <a:buChar char="q"/>
-            </a:pPr>
-            <a:r>
-              <a:rPr lang="en-US" sz="2400" dirty="0"/>
-              <a:t>1: Authentication</a:t>
-            </a:r>
-          </a:p>
-          <a:p>
-            <a:pPr marL="285750" indent="-285750">
-              <a:buFont typeface="Wingdings" pitchFamily="2" charset="2"/>
-              <a:buChar char="q"/>
-            </a:pPr>
-            <a:r>
-              <a:rPr lang="en-US" sz="2400" dirty="0"/>
-              <a:t>1.1: warning up exercise</a:t>
-            </a:r>
-          </a:p>
-          <a:p>
-            <a:pPr marL="285750" indent="-285750">
-              <a:buFont typeface="Wingdings" pitchFamily="2" charset="2"/>
-              <a:buChar char="q"/>
-            </a:pPr>
-            <a:endParaRPr lang="en-US" sz="2400" dirty="0"/>
-          </a:p>
-          <a:p>
-            <a:pPr marL="285750" indent="-285750">
-              <a:buFont typeface="Wingdings" pitchFamily="2" charset="2"/>
-              <a:buChar char="q"/>
-            </a:pPr>
-            <a:r>
-              <a:rPr lang="en-US" sz="2400" dirty="0"/>
-              <a:t>2: JSON Web Token (JWT)</a:t>
-            </a:r>
-          </a:p>
-          <a:p>
-            <a:pPr marL="285750" indent="-285750">
-              <a:buFont typeface="Wingdings" pitchFamily="2" charset="2"/>
-              <a:buChar char="q"/>
-            </a:pPr>
-            <a:r>
-              <a:rPr lang="en-US" sz="2400" dirty="0"/>
-              <a:t>2.1: Exercise </a:t>
-            </a:r>
-          </a:p>
-          <a:p>
-            <a:pPr marL="285750" indent="-285750">
-              <a:buFont typeface="Wingdings" pitchFamily="2" charset="2"/>
-              <a:buChar char="q"/>
-            </a:pPr>
-            <a:endParaRPr lang="en-US" sz="2400" dirty="0"/>
-          </a:p>
-          <a:p>
-            <a:pPr marL="285750" indent="-285750">
-              <a:buFont typeface="Wingdings" pitchFamily="2" charset="2"/>
-              <a:buChar char="q"/>
-            </a:pPr>
-            <a:r>
-              <a:rPr lang="en-US" sz="2400" dirty="0"/>
-              <a:t>3: Authorizations</a:t>
-            </a:r>
-          </a:p>
-          <a:p>
-            <a:pPr marL="285750" indent="-285750">
-              <a:buFont typeface="Wingdings" pitchFamily="2" charset="2"/>
-              <a:buChar char="q"/>
-            </a:pPr>
-            <a:r>
-              <a:rPr lang="en-US" sz="2400" dirty="0"/>
-              <a:t>4: Roles</a:t>
-            </a:r>
-          </a:p>
-          <a:p>
-            <a:pPr marL="285750" indent="-285750">
-              <a:buFont typeface="Wingdings" pitchFamily="2" charset="2"/>
-              <a:buChar char="q"/>
-            </a:pPr>
-            <a:r>
-              <a:rPr lang="en-US" sz="2400" dirty="0"/>
-              <a:t>5: Exercise</a:t>
-            </a:r>
-          </a:p>
-        </p:txBody>
-      </p:sp>
-    </p:spTree>
-    <p:extLst>
-      <p:ext uri="{BB962C8B-B14F-4D97-AF65-F5344CB8AC3E}">
-        <p14:creationId xmlns:p14="http://schemas.microsoft.com/office/powerpoint/2010/main" val="2155928676"/>
-      </p:ext>
-    </p:extLst>
-  </p:cSld>
-  <p:clrMapOvr>
-    <a:masterClrMapping/>
-  </p:clrMapOvr>
-</p:sld>
-</file>
-
-<file path=ppt/slides/slide20.xml><?xml version="1.0" encoding="utf-8"?>
-<p:sld xmlns:a="http://schemas.openxmlformats.org/drawingml/2006/main" xmlns:r="http://schemas.openxmlformats.org/officeDocument/2006/relationships" xmlns:p="http://schemas.openxmlformats.org/presentationml/2006/main">
-  <p:cSld>
-    <p:spTree>
-      <p:nvGrpSpPr>
-        <p:cNvPr id="1" name=""/>
-        <p:cNvGrpSpPr/>
-        <p:nvPr/>
-      </p:nvGrpSpPr>
-      <p:grpSpPr>
-        <a:xfrm>
-          <a:off x="0" y="0"/>
-          <a:ext cx="0" cy="0"/>
-          <a:chOff x="0" y="0"/>
-          <a:chExt cx="0" cy="0"/>
-        </a:xfrm>
-      </p:grpSpPr>
-      <p:sp>
-        <p:nvSpPr>
-          <p:cNvPr id="4" name="Title 5">
-            <a:extLst>
-              <a:ext uri="{FF2B5EF4-FFF2-40B4-BE49-F238E27FC236}">
-                <a16:creationId xmlns:a16="http://schemas.microsoft.com/office/drawing/2014/main" id="{A84E2FEF-74EA-9C4A-B7F8-D5AF9CC85439}"/>
-              </a:ext>
-            </a:extLst>
-          </p:cNvPr>
-          <p:cNvSpPr>
-            <a:spLocks noGrp="1"/>
-          </p:cNvSpPr>
-          <p:nvPr>
-            <p:ph type="title"/>
-          </p:nvPr>
-        </p:nvSpPr>
-        <p:spPr>
-          <a:xfrm>
-            <a:off x="455319" y="159625"/>
-            <a:ext cx="10515600" cy="1325563"/>
-          </a:xfrm>
-        </p:spPr>
-        <p:txBody>
-          <a:bodyPr>
-            <a:normAutofit/>
-          </a:bodyPr>
-          <a:lstStyle/>
-          <a:p>
-            <a:r>
-              <a:rPr lang="en-IL" sz="4800" dirty="0"/>
-              <a:t>Header</a:t>
-            </a:r>
-          </a:p>
-        </p:txBody>
-      </p:sp>
-      <p:sp>
-        <p:nvSpPr>
-          <p:cNvPr id="7" name="TextBox 6">
-            <a:extLst>
-              <a:ext uri="{FF2B5EF4-FFF2-40B4-BE49-F238E27FC236}">
-                <a16:creationId xmlns:a16="http://schemas.microsoft.com/office/drawing/2014/main" id="{0D434488-5884-DC47-825F-DB289BAA0DD0}"/>
-              </a:ext>
-            </a:extLst>
-          </p:cNvPr>
-          <p:cNvSpPr txBox="1"/>
-          <p:nvPr/>
-        </p:nvSpPr>
-        <p:spPr>
-          <a:xfrm>
-            <a:off x="455319" y="3683713"/>
-            <a:ext cx="11281362" cy="2434442"/>
-          </a:xfrm>
-          <a:prstGeom prst="rect">
-            <a:avLst/>
-          </a:prstGeom>
-        </p:spPr>
-        <p:txBody>
-          <a:bodyPr vert="horz" lIns="91440" tIns="45720" rIns="91440" bIns="45720" rtlCol="0">
-            <a:normAutofit/>
-          </a:bodyPr>
-          <a:lstStyle/>
-          <a:p>
-            <a:r>
-              <a:rPr lang="en-US" sz="2800" dirty="0"/>
-              <a:t>We set the signing algorithm to be HMAC SHA256 (JWT supports multiple algorithms), then we create a buffer from this JSON-encoded object, and we encode it using base64.</a:t>
-            </a:r>
-          </a:p>
-          <a:p>
-            <a:endParaRPr lang="en-US" sz="2800" dirty="0"/>
-          </a:p>
-          <a:p>
-            <a:r>
-              <a:rPr lang="en-US" sz="2800" dirty="0"/>
-              <a:t>The partial result is eyJhbGciOiJIUzI1NiIsInR5cCI6IkpXVCJ9.</a:t>
-            </a:r>
-          </a:p>
-          <a:p>
-            <a:pPr marL="457200" indent="-457200" defTabSz="914400">
-              <a:lnSpc>
-                <a:spcPct val="90000"/>
-              </a:lnSpc>
-              <a:spcAft>
-                <a:spcPts val="600"/>
-              </a:spcAft>
-              <a:buFont typeface="Arial" panose="020B0604020202020204" pitchFamily="34" charset="0"/>
-              <a:buChar char="•"/>
-            </a:pPr>
-            <a:endParaRPr lang="en-US" sz="2800" dirty="0"/>
-          </a:p>
-        </p:txBody>
-      </p:sp>
-      <p:pic>
-        <p:nvPicPr>
-          <p:cNvPr id="2" name="Picture 1">
-            <a:extLst>
-              <a:ext uri="{FF2B5EF4-FFF2-40B4-BE49-F238E27FC236}">
-                <a16:creationId xmlns:a16="http://schemas.microsoft.com/office/drawing/2014/main" id="{2447986F-F165-8D4C-AF4B-50BEA5259910}"/>
-              </a:ext>
-            </a:extLst>
-          </p:cNvPr>
-          <p:cNvPicPr>
-            <a:picLocks noChangeAspect="1"/>
-          </p:cNvPicPr>
-          <p:nvPr/>
-        </p:nvPicPr>
-        <p:blipFill>
-          <a:blip r:embed="rId2"/>
-          <a:stretch>
-            <a:fillRect/>
-          </a:stretch>
-        </p:blipFill>
-        <p:spPr>
-          <a:xfrm>
-            <a:off x="455319" y="1485187"/>
-            <a:ext cx="9944100" cy="1689100"/>
-          </a:xfrm>
-          <a:prstGeom prst="rect">
-            <a:avLst/>
-          </a:prstGeom>
-        </p:spPr>
-      </p:pic>
-    </p:spTree>
-    <p:extLst>
-      <p:ext uri="{BB962C8B-B14F-4D97-AF65-F5344CB8AC3E}">
-        <p14:creationId xmlns:p14="http://schemas.microsoft.com/office/powerpoint/2010/main" val="2700712927"/>
-      </p:ext>
-    </p:extLst>
-  </p:cSld>
-  <p:clrMapOvr>
-    <a:masterClrMapping/>
-  </p:clrMapOvr>
-</p:sld>
-</file>
-
-<file path=ppt/slides/slide21.xml><?xml version="1.0" encoding="utf-8"?>
-<p:sld xmlns:a="http://schemas.openxmlformats.org/drawingml/2006/main" xmlns:r="http://schemas.openxmlformats.org/officeDocument/2006/relationships" xmlns:p="http://schemas.openxmlformats.org/presentationml/2006/main">
-  <p:cSld>
-    <p:spTree>
-      <p:nvGrpSpPr>
-        <p:cNvPr id="1" name=""/>
-        <p:cNvGrpSpPr/>
-        <p:nvPr/>
-      </p:nvGrpSpPr>
-      <p:grpSpPr>
-        <a:xfrm>
-          <a:off x="0" y="0"/>
-          <a:ext cx="0" cy="0"/>
-          <a:chOff x="0" y="0"/>
-          <a:chExt cx="0" cy="0"/>
-        </a:xfrm>
-      </p:grpSpPr>
-      <p:sp>
-        <p:nvSpPr>
-          <p:cNvPr id="4" name="Title 5">
-            <a:extLst>
-              <a:ext uri="{FF2B5EF4-FFF2-40B4-BE49-F238E27FC236}">
-                <a16:creationId xmlns:a16="http://schemas.microsoft.com/office/drawing/2014/main" id="{A84E2FEF-74EA-9C4A-B7F8-D5AF9CC85439}"/>
-              </a:ext>
-            </a:extLst>
-          </p:cNvPr>
-          <p:cNvSpPr>
-            <a:spLocks noGrp="1"/>
-          </p:cNvSpPr>
-          <p:nvPr>
-            <p:ph type="title"/>
-          </p:nvPr>
-        </p:nvSpPr>
-        <p:spPr>
-          <a:xfrm>
-            <a:off x="455319" y="159625"/>
-            <a:ext cx="10515600" cy="1325563"/>
-          </a:xfrm>
-        </p:spPr>
-        <p:txBody>
-          <a:bodyPr>
-            <a:normAutofit/>
-          </a:bodyPr>
-          <a:lstStyle/>
-          <a:p>
-            <a:r>
-              <a:rPr lang="en-IL" sz="4800" dirty="0"/>
-              <a:t>Body</a:t>
-            </a:r>
-          </a:p>
-        </p:txBody>
-      </p:sp>
-      <p:sp>
-        <p:nvSpPr>
-          <p:cNvPr id="7" name="TextBox 6">
-            <a:extLst>
-              <a:ext uri="{FF2B5EF4-FFF2-40B4-BE49-F238E27FC236}">
-                <a16:creationId xmlns:a16="http://schemas.microsoft.com/office/drawing/2014/main" id="{0D434488-5884-DC47-825F-DB289BAA0DD0}"/>
-              </a:ext>
-            </a:extLst>
-          </p:cNvPr>
-          <p:cNvSpPr txBox="1"/>
-          <p:nvPr/>
-        </p:nvSpPr>
-        <p:spPr>
-          <a:xfrm>
-            <a:off x="455319" y="1485188"/>
-            <a:ext cx="11281362" cy="877012"/>
-          </a:xfrm>
-          <a:prstGeom prst="rect">
-            <a:avLst/>
-          </a:prstGeom>
-        </p:spPr>
-        <p:txBody>
-          <a:bodyPr vert="horz" lIns="91440" tIns="45720" rIns="91440" bIns="45720" rtlCol="0">
-            <a:noAutofit/>
-          </a:bodyPr>
-          <a:lstStyle/>
-          <a:p>
-            <a:r>
-              <a:rPr lang="en-US" sz="2800" dirty="0"/>
-              <a:t>The payload is the most important part of a JWT. It contains information (</a:t>
-            </a:r>
-            <a:r>
-              <a:rPr lang="en-US" sz="2800" i="1" dirty="0"/>
-              <a:t>claims</a:t>
-            </a:r>
-            <a:r>
-              <a:rPr lang="en-US" sz="2800" dirty="0"/>
-              <a:t> in JWT jargon) about the client:</a:t>
-            </a:r>
-          </a:p>
-        </p:txBody>
-      </p:sp>
-      <p:sp>
-        <p:nvSpPr>
-          <p:cNvPr id="8" name="TextBox 7">
-            <a:extLst>
-              <a:ext uri="{FF2B5EF4-FFF2-40B4-BE49-F238E27FC236}">
-                <a16:creationId xmlns:a16="http://schemas.microsoft.com/office/drawing/2014/main" id="{B4249BBA-AF9F-5640-818F-DCFAC01EF3B1}"/>
-              </a:ext>
-            </a:extLst>
-          </p:cNvPr>
-          <p:cNvSpPr txBox="1"/>
-          <p:nvPr/>
-        </p:nvSpPr>
-        <p:spPr>
-          <a:xfrm>
-            <a:off x="455319" y="4617720"/>
-            <a:ext cx="11281362" cy="1478280"/>
-          </a:xfrm>
-          <a:prstGeom prst="rect">
-            <a:avLst/>
-          </a:prstGeom>
-        </p:spPr>
-        <p:txBody>
-          <a:bodyPr vert="horz" lIns="91440" tIns="45720" rIns="91440" bIns="45720" rtlCol="0">
-            <a:noAutofit/>
-          </a:bodyPr>
-          <a:lstStyle/>
-          <a:p>
-            <a:r>
-              <a:rPr lang="en-US" sz="2800" dirty="0"/>
-              <a:t>The </a:t>
-            </a:r>
-            <a:r>
-              <a:rPr lang="en-US" sz="2800" dirty="0" err="1"/>
-              <a:t>iss</a:t>
-            </a:r>
-            <a:r>
-              <a:rPr lang="en-US" sz="2800" dirty="0"/>
-              <a:t> property is a </a:t>
-            </a:r>
-            <a:r>
-              <a:rPr lang="en-US" sz="2800" dirty="0">
-                <a:hlinkClick r:id="rId2">
-                  <a:extLst>
-                    <a:ext uri="{A12FA001-AC4F-418D-AE19-62706E023703}">
-                      <ahyp:hlinkClr xmlns:ahyp="http://schemas.microsoft.com/office/drawing/2018/hyperlinkcolor" val="tx"/>
-                    </a:ext>
-                  </a:extLst>
-                </a:hlinkClick>
-              </a:rPr>
-              <a:t>registered claim</a:t>
-            </a:r>
-            <a:r>
-              <a:rPr lang="en-US" sz="2800" dirty="0"/>
-              <a:t>, it represents the identity provider that issued the token (</a:t>
-            </a:r>
-            <a:r>
-              <a:rPr lang="en-US" sz="2800" dirty="0">
-                <a:solidFill>
-                  <a:srgbClr val="FF0000"/>
-                </a:solidFill>
-              </a:rPr>
-              <a:t>the issuer</a:t>
-            </a:r>
-            <a:r>
-              <a:rPr lang="en-US" sz="2800" dirty="0"/>
-              <a:t>)— in this case, </a:t>
-            </a:r>
-            <a:r>
-              <a:rPr lang="en-US" sz="2800" dirty="0">
-                <a:hlinkClick r:id="rId3">
-                  <a:extLst>
-                    <a:ext uri="{A12FA001-AC4F-418D-AE19-62706E023703}">
-                      <ahyp:hlinkClr xmlns:ahyp="http://schemas.microsoft.com/office/drawing/2018/hyperlinkcolor" val="tx"/>
-                    </a:ext>
-                  </a:extLst>
-                </a:hlinkClick>
-              </a:rPr>
-              <a:t>Amazon Cognito</a:t>
-            </a:r>
-            <a:r>
-              <a:rPr lang="en-US" sz="2800" dirty="0"/>
-              <a:t>. Finally, we can add further claims based on our needs (e.g. admin claim).</a:t>
-            </a:r>
-          </a:p>
-        </p:txBody>
-      </p:sp>
-      <p:pic>
-        <p:nvPicPr>
-          <p:cNvPr id="2" name="Picture 1">
-            <a:extLst>
-              <a:ext uri="{FF2B5EF4-FFF2-40B4-BE49-F238E27FC236}">
-                <a16:creationId xmlns:a16="http://schemas.microsoft.com/office/drawing/2014/main" id="{1FA46D6B-2E66-414D-A7A6-7F043EDB269F}"/>
-              </a:ext>
-            </a:extLst>
-          </p:cNvPr>
-          <p:cNvPicPr>
-            <a:picLocks noChangeAspect="1"/>
-          </p:cNvPicPr>
-          <p:nvPr/>
-        </p:nvPicPr>
-        <p:blipFill>
-          <a:blip r:embed="rId4"/>
-          <a:stretch>
-            <a:fillRect/>
-          </a:stretch>
-        </p:blipFill>
-        <p:spPr>
-          <a:xfrm>
-            <a:off x="609600" y="2609850"/>
-            <a:ext cx="7620000" cy="1638300"/>
-          </a:xfrm>
-          <a:prstGeom prst="rect">
-            <a:avLst/>
-          </a:prstGeom>
-        </p:spPr>
-      </p:pic>
-    </p:spTree>
-    <p:extLst>
-      <p:ext uri="{BB962C8B-B14F-4D97-AF65-F5344CB8AC3E}">
-        <p14:creationId xmlns:p14="http://schemas.microsoft.com/office/powerpoint/2010/main" val="587316837"/>
-      </p:ext>
-    </p:extLst>
-  </p:cSld>
-  <p:clrMapOvr>
-    <a:masterClrMapping/>
-  </p:clrMapOvr>
-</p:sld>
-</file>
-
-<file path=ppt/slides/slide22.xml><?xml version="1.0" encoding="utf-8"?>
-<p:sld xmlns:a="http://schemas.openxmlformats.org/drawingml/2006/main" xmlns:r="http://schemas.openxmlformats.org/officeDocument/2006/relationships" xmlns:p="http://schemas.openxmlformats.org/presentationml/2006/main">
-  <p:cSld>
-    <p:spTree>
-      <p:nvGrpSpPr>
-        <p:cNvPr id="1" name=""/>
-        <p:cNvGrpSpPr/>
-        <p:nvPr/>
-      </p:nvGrpSpPr>
-      <p:grpSpPr>
-        <a:xfrm>
-          <a:off x="0" y="0"/>
-          <a:ext cx="0" cy="0"/>
-          <a:chOff x="0" y="0"/>
-          <a:chExt cx="0" cy="0"/>
-        </a:xfrm>
-      </p:grpSpPr>
-      <p:sp>
-        <p:nvSpPr>
-          <p:cNvPr id="4" name="Title 5">
-            <a:extLst>
-              <a:ext uri="{FF2B5EF4-FFF2-40B4-BE49-F238E27FC236}">
-                <a16:creationId xmlns:a16="http://schemas.microsoft.com/office/drawing/2014/main" id="{A84E2FEF-74EA-9C4A-B7F8-D5AF9CC85439}"/>
-              </a:ext>
-            </a:extLst>
-          </p:cNvPr>
-          <p:cNvSpPr>
-            <a:spLocks noGrp="1"/>
-          </p:cNvSpPr>
-          <p:nvPr>
-            <p:ph type="title"/>
-          </p:nvPr>
-        </p:nvSpPr>
-        <p:spPr>
-          <a:xfrm>
-            <a:off x="350520" y="159625"/>
-            <a:ext cx="10515600" cy="1325563"/>
-          </a:xfrm>
-        </p:spPr>
-        <p:txBody>
-          <a:bodyPr>
-            <a:normAutofit/>
-          </a:bodyPr>
-          <a:lstStyle/>
-          <a:p>
-            <a:r>
-              <a:rPr lang="en-IL" sz="4800" dirty="0"/>
-              <a:t>Signature</a:t>
-            </a:r>
-          </a:p>
-        </p:txBody>
-      </p:sp>
-      <p:sp>
-        <p:nvSpPr>
-          <p:cNvPr id="7" name="TextBox 6">
-            <a:extLst>
-              <a:ext uri="{FF2B5EF4-FFF2-40B4-BE49-F238E27FC236}">
-                <a16:creationId xmlns:a16="http://schemas.microsoft.com/office/drawing/2014/main" id="{0D434488-5884-DC47-825F-DB289BAA0DD0}"/>
-              </a:ext>
-            </a:extLst>
-          </p:cNvPr>
-          <p:cNvSpPr txBox="1"/>
-          <p:nvPr/>
-        </p:nvSpPr>
-        <p:spPr>
-          <a:xfrm>
-            <a:off x="455319" y="1485188"/>
-            <a:ext cx="11281362" cy="2431492"/>
-          </a:xfrm>
-          <a:prstGeom prst="rect">
-            <a:avLst/>
-          </a:prstGeom>
-        </p:spPr>
-        <p:txBody>
-          <a:bodyPr vert="horz" lIns="91440" tIns="45720" rIns="91440" bIns="45720" rtlCol="0">
-            <a:noAutofit/>
-          </a:bodyPr>
-          <a:lstStyle/>
-          <a:p>
-            <a:r>
-              <a:rPr lang="en-US" sz="2800" dirty="0"/>
-              <a:t>The third part of the token is a hash that is computed following these steps:</a:t>
-            </a:r>
-          </a:p>
-          <a:p>
-            <a:pPr marL="457200" indent="-457200">
-              <a:buFont typeface="Arial" panose="020B0604020202020204" pitchFamily="34" charset="0"/>
-              <a:buChar char="•"/>
-            </a:pPr>
-            <a:r>
-              <a:rPr lang="en-US" sz="2800" dirty="0"/>
-              <a:t>join with a dot the encoded </a:t>
-            </a:r>
-            <a:r>
-              <a:rPr lang="en-US" sz="2800" dirty="0">
-                <a:solidFill>
-                  <a:srgbClr val="FF0000"/>
-                </a:solidFill>
-              </a:rPr>
-              <a:t>header</a:t>
-            </a:r>
-            <a:r>
-              <a:rPr lang="en-US" sz="2800" dirty="0"/>
-              <a:t> and the encoded </a:t>
-            </a:r>
-            <a:r>
-              <a:rPr lang="en-US" sz="2800" dirty="0">
-                <a:solidFill>
-                  <a:srgbClr val="FFC000"/>
-                </a:solidFill>
-              </a:rPr>
-              <a:t>payload</a:t>
-            </a:r>
-            <a:r>
-              <a:rPr lang="en-US" sz="2800" dirty="0"/>
-              <a:t>;</a:t>
-            </a:r>
-          </a:p>
-          <a:p>
-            <a:pPr marL="457200" indent="-457200">
-              <a:buFont typeface="Arial" panose="020B0604020202020204" pitchFamily="34" charset="0"/>
-              <a:buChar char="•"/>
-            </a:pPr>
-            <a:r>
-              <a:rPr lang="en-US" sz="2800" dirty="0"/>
-              <a:t>hash the result using the encryption algorithm specified in </a:t>
-            </a:r>
-            <a:r>
-              <a:rPr lang="en-US" sz="2800" dirty="0" err="1">
-                <a:solidFill>
-                  <a:srgbClr val="00B050"/>
-                </a:solidFill>
-              </a:rPr>
-              <a:t>alg</a:t>
-            </a:r>
-            <a:r>
-              <a:rPr lang="en-US" sz="2800" dirty="0"/>
-              <a:t> property of the </a:t>
-            </a:r>
-            <a:r>
-              <a:rPr lang="en-US" sz="2800" dirty="0">
-                <a:solidFill>
-                  <a:srgbClr val="FF0000"/>
-                </a:solidFill>
-              </a:rPr>
-              <a:t>header</a:t>
-            </a:r>
-            <a:r>
-              <a:rPr lang="en-US" sz="2800" dirty="0"/>
-              <a:t> (in this case RS256) and a private key;</a:t>
-            </a:r>
-          </a:p>
-          <a:p>
-            <a:pPr marL="457200" indent="-457200">
-              <a:buFont typeface="Arial" panose="020B0604020202020204" pitchFamily="34" charset="0"/>
-              <a:buChar char="•"/>
-            </a:pPr>
-            <a:r>
-              <a:rPr lang="en-US" sz="2800" dirty="0"/>
-              <a:t>encode the result as Base64URL;</a:t>
-            </a:r>
-          </a:p>
-          <a:p>
-            <a:pPr marL="457200" indent="-457200">
-              <a:buFont typeface="Arial" panose="020B0604020202020204" pitchFamily="34" charset="0"/>
-              <a:buChar char="•"/>
-            </a:pPr>
-            <a:endParaRPr lang="en-US" sz="2800" dirty="0"/>
-          </a:p>
-          <a:p>
-            <a:endParaRPr lang="en-US" sz="2800" dirty="0"/>
-          </a:p>
-        </p:txBody>
-      </p:sp>
-      <p:pic>
-        <p:nvPicPr>
-          <p:cNvPr id="3" name="Picture 2">
-            <a:extLst>
-              <a:ext uri="{FF2B5EF4-FFF2-40B4-BE49-F238E27FC236}">
-                <a16:creationId xmlns:a16="http://schemas.microsoft.com/office/drawing/2014/main" id="{6B72AEA0-0671-B245-89E1-113F25024BCD}"/>
-              </a:ext>
-            </a:extLst>
-          </p:cNvPr>
-          <p:cNvPicPr>
-            <a:picLocks noChangeAspect="1"/>
-          </p:cNvPicPr>
-          <p:nvPr/>
-        </p:nvPicPr>
-        <p:blipFill>
-          <a:blip r:embed="rId3"/>
-          <a:stretch>
-            <a:fillRect/>
-          </a:stretch>
-        </p:blipFill>
-        <p:spPr>
-          <a:xfrm>
-            <a:off x="1645920" y="4564380"/>
-            <a:ext cx="7924800" cy="990600"/>
-          </a:xfrm>
-          <a:prstGeom prst="rect">
-            <a:avLst/>
-          </a:prstGeom>
-        </p:spPr>
-      </p:pic>
-    </p:spTree>
-    <p:extLst>
-      <p:ext uri="{BB962C8B-B14F-4D97-AF65-F5344CB8AC3E}">
-        <p14:creationId xmlns:p14="http://schemas.microsoft.com/office/powerpoint/2010/main" val="3423380441"/>
-      </p:ext>
-    </p:extLst>
-  </p:cSld>
-  <p:clrMapOvr>
-    <a:masterClrMapping/>
-  </p:clrMapOvr>
-</p:sld>
-</file>
-
-<file path=ppt/slides/slide23.xml><?xml version="1.0" encoding="utf-8"?>
+<file path=ppt/slides/slide24.xml><?xml version="1.0" encoding="utf-8"?>
 <p:sld xmlns:a="http://schemas.openxmlformats.org/drawingml/2006/main" xmlns:r="http://schemas.openxmlformats.org/officeDocument/2006/relationships" xmlns:p="http://schemas.openxmlformats.org/presentationml/2006/main">
   <p:cSld>
     <p:bg>
@@ -14204,9 +14524,17 @@
 </p:sld>
 </file>
 
-<file path=ppt/slides/slide24.xml><?xml version="1.0" encoding="utf-8"?>
+<file path=ppt/slides/slide25.xml><?xml version="1.0" encoding="utf-8"?>
 <p:sld xmlns:a="http://schemas.openxmlformats.org/drawingml/2006/main" xmlns:r="http://schemas.openxmlformats.org/officeDocument/2006/relationships" xmlns:p="http://schemas.openxmlformats.org/presentationml/2006/main">
   <p:cSld>
+    <p:bg>
+      <p:bgPr>
+        <a:solidFill>
+          <a:schemeClr val="bg1"/>
+        </a:solidFill>
+        <a:effectLst/>
+      </p:bgPr>
+    </p:bg>
     <p:spTree>
       <p:nvGrpSpPr>
         <p:cNvPr id="1" name=""/>
@@ -14221,47 +14549,12 @@
           <a:chExt cx="0" cy="0"/>
         </a:xfrm>
       </p:grpSpPr>
-      <p:sp>
-        <p:nvSpPr>
-          <p:cNvPr id="4" name="Title 5">
+      <p:pic>
+        <p:nvPicPr>
+          <p:cNvPr id="4098" name="Picture 2" descr="JWT – Token Based Authentication">
             <a:extLst>
               <a:ext uri="{FF2B5EF4-FFF2-40B4-BE49-F238E27FC236}">
-                <a16:creationId xmlns:a16="http://schemas.microsoft.com/office/drawing/2014/main" id="{A84E2FEF-74EA-9C4A-B7F8-D5AF9CC85439}"/>
-              </a:ext>
-            </a:extLst>
-          </p:cNvPr>
-          <p:cNvSpPr>
-            <a:spLocks noGrp="1"/>
-          </p:cNvSpPr>
-          <p:nvPr>
-            <p:ph type="title"/>
-          </p:nvPr>
-        </p:nvSpPr>
-        <p:spPr>
-          <a:xfrm>
-            <a:off x="175260" y="279643"/>
-            <a:ext cx="11841480" cy="1325563"/>
-          </a:xfrm>
-        </p:spPr>
-        <p:txBody>
-          <a:bodyPr>
-            <a:noAutofit/>
-          </a:bodyPr>
-          <a:lstStyle/>
-          <a:p>
-            <a:r>
-              <a:rPr lang="en-IL" sz="4800" dirty="0"/>
-              <a:t>Let’s summarise…but let’s take a break before…</a:t>
-            </a:r>
-          </a:p>
-        </p:txBody>
-      </p:sp>
-      <p:pic>
-        <p:nvPicPr>
-          <p:cNvPr id="14338" name="Picture 2">
-            <a:extLst>
-              <a:ext uri="{FF2B5EF4-FFF2-40B4-BE49-F238E27FC236}">
-                <a16:creationId xmlns:a16="http://schemas.microsoft.com/office/drawing/2014/main" id="{E17F2E80-C716-B040-BBEE-5CD18CA4EA47}"/>
+                <a16:creationId xmlns:a16="http://schemas.microsoft.com/office/drawing/2014/main" id="{779D4012-D3E7-E94A-8C93-7ED6C2668A81}"/>
               </a:ext>
             </a:extLst>
           </p:cNvPr>
@@ -14278,6 +14571,52 @@
               </a:ext>
             </a:extLst>
           </a:blip>
+          <a:stretch>
+            <a:fillRect/>
+          </a:stretch>
+        </p:blipFill>
+        <p:spPr bwMode="auto">
+          <a:xfrm>
+            <a:off x="2394373" y="79028"/>
+            <a:ext cx="7403253" cy="3349972"/>
+          </a:xfrm>
+          <a:prstGeom prst="rect">
+            <a:avLst/>
+          </a:prstGeom>
+          <a:noFill/>
+          <a:extLst>
+            <a:ext uri="{909E8E84-426E-40DD-AFC4-6F175D3DCCD1}">
+              <a14:hiddenFill xmlns:a14="http://schemas.microsoft.com/office/drawing/2010/main">
+                <a:solidFill>
+                  <a:srgbClr val="FFFFFF"/>
+                </a:solidFill>
+              </a14:hiddenFill>
+            </a:ext>
+          </a:extLst>
+        </p:spPr>
+      </p:pic>
+      <p:pic>
+        <p:nvPicPr>
+          <p:cNvPr id="4100" name="Picture 4" descr="Brief Introduction to JWT authentication">
+            <a:extLst>
+              <a:ext uri="{FF2B5EF4-FFF2-40B4-BE49-F238E27FC236}">
+                <a16:creationId xmlns:a16="http://schemas.microsoft.com/office/drawing/2014/main" id="{46FB8910-0DBA-004C-A7AC-BB12E932FDDF}"/>
+              </a:ext>
+            </a:extLst>
+          </p:cNvPr>
+          <p:cNvPicPr>
+            <a:picLocks noChangeAspect="1" noChangeArrowheads="1"/>
+          </p:cNvPicPr>
+          <p:nvPr/>
+        </p:nvPicPr>
+        <p:blipFill>
+          <a:blip r:embed="rId4">
+            <a:extLst>
+              <a:ext uri="{28A0092B-C50C-407E-A947-70E740481C1C}">
+                <a14:useLocalDpi xmlns:a14="http://schemas.microsoft.com/office/drawing/2010/main" val="0"/>
+              </a:ext>
+            </a:extLst>
+          </a:blip>
           <a:srcRect/>
           <a:stretch>
             <a:fillRect/>
@@ -14285,8 +14624,8 @@
         </p:blipFill>
         <p:spPr bwMode="auto">
           <a:xfrm>
-            <a:off x="692150" y="1605206"/>
-            <a:ext cx="10807700" cy="4559300"/>
+            <a:off x="2604346" y="3473037"/>
+            <a:ext cx="7025340" cy="3305935"/>
           </a:xfrm>
           <a:prstGeom prst="rect">
             <a:avLst/>
@@ -14306,7 +14645,7 @@
     </p:spTree>
     <p:extLst>
       <p:ext uri="{BB962C8B-B14F-4D97-AF65-F5344CB8AC3E}">
-        <p14:creationId xmlns:p14="http://schemas.microsoft.com/office/powerpoint/2010/main" val="2376791396"/>
+        <p14:creationId xmlns:p14="http://schemas.microsoft.com/office/powerpoint/2010/main" val="76039981"/>
       </p:ext>
     </p:extLst>
   </p:cSld>
@@ -14316,7 +14655,7 @@
 </p:sld>
 </file>
 
-<file path=ppt/slides/slide25.xml><?xml version="1.0" encoding="utf-8"?>
+<file path=ppt/slides/slide26.xml><?xml version="1.0" encoding="utf-8"?>
 <p:sld xmlns:a="http://schemas.openxmlformats.org/drawingml/2006/main" xmlns:r="http://schemas.openxmlformats.org/officeDocument/2006/relationships" xmlns:p="http://schemas.openxmlformats.org/presentationml/2006/main">
   <p:cSld>
     <p:spTree>
@@ -14580,7 +14919,7 @@
 </p:sld>
 </file>
 
-<file path=ppt/slides/slide26.xml><?xml version="1.0" encoding="utf-8"?>
+<file path=ppt/slides/slide27.xml><?xml version="1.0" encoding="utf-8"?>
 <p:sld xmlns:a="http://schemas.openxmlformats.org/drawingml/2006/main" xmlns:r="http://schemas.openxmlformats.org/officeDocument/2006/relationships" xmlns:p="http://schemas.openxmlformats.org/presentationml/2006/main">
   <p:cSld>
     <p:spTree>
@@ -14700,149 +15039,6 @@
 </p:sld>
 </file>
 
-<file path=ppt/slides/slide27.xml><?xml version="1.0" encoding="utf-8"?>
-<p:sld xmlns:a="http://schemas.openxmlformats.org/drawingml/2006/main" xmlns:r="http://schemas.openxmlformats.org/officeDocument/2006/relationships" xmlns:p="http://schemas.openxmlformats.org/presentationml/2006/main">
-  <p:cSld>
-    <p:spTree>
-      <p:nvGrpSpPr>
-        <p:cNvPr id="1" name=""/>
-        <p:cNvGrpSpPr/>
-        <p:nvPr/>
-      </p:nvGrpSpPr>
-      <p:grpSpPr>
-        <a:xfrm>
-          <a:off x="0" y="0"/>
-          <a:ext cx="0" cy="0"/>
-          <a:chOff x="0" y="0"/>
-          <a:chExt cx="0" cy="0"/>
-        </a:xfrm>
-      </p:grpSpPr>
-      <p:sp>
-        <p:nvSpPr>
-          <p:cNvPr id="3" name="Rectangle 2">
-            <a:extLst>
-              <a:ext uri="{FF2B5EF4-FFF2-40B4-BE49-F238E27FC236}">
-                <a16:creationId xmlns:a16="http://schemas.microsoft.com/office/drawing/2014/main" id="{9453FB70-2A4E-AB46-9E38-B698137D73CC}"/>
-              </a:ext>
-            </a:extLst>
-          </p:cNvPr>
-          <p:cNvSpPr/>
-          <p:nvPr/>
-        </p:nvSpPr>
-        <p:spPr>
-          <a:xfrm>
-            <a:off x="3634300" y="3244334"/>
-            <a:ext cx="4923399" cy="369332"/>
-          </a:xfrm>
-          <a:prstGeom prst="rect">
-            <a:avLst/>
-          </a:prstGeom>
-        </p:spPr>
-        <p:txBody>
-          <a:bodyPr wrap="none">
-            <a:spAutoFit/>
-          </a:bodyPr>
-          <a:lstStyle/>
-          <a:p>
-            <a:r>
-              <a:rPr lang="en-IL" dirty="0">
-                <a:hlinkClick r:id="rId3"/>
-              </a:rPr>
-              <a:t>https://www.youtube.com/watch?v=K6pwjJ5h0Gg</a:t>
-            </a:r>
-            <a:endParaRPr lang="en-IL" dirty="0"/>
-          </a:p>
-        </p:txBody>
-      </p:sp>
-      <p:sp>
-        <p:nvSpPr>
-          <p:cNvPr id="5" name="Title 5">
-            <a:extLst>
-              <a:ext uri="{FF2B5EF4-FFF2-40B4-BE49-F238E27FC236}">
-                <a16:creationId xmlns:a16="http://schemas.microsoft.com/office/drawing/2014/main" id="{DF65805E-6F94-8543-B58E-2E855593FC38}"/>
-              </a:ext>
-            </a:extLst>
-          </p:cNvPr>
-          <p:cNvSpPr>
-            <a:spLocks noGrp="1"/>
-          </p:cNvSpPr>
-          <p:nvPr>
-            <p:ph type="title"/>
-          </p:nvPr>
-        </p:nvSpPr>
-        <p:spPr>
-          <a:xfrm>
-            <a:off x="175260" y="279643"/>
-            <a:ext cx="11841480" cy="1325563"/>
-          </a:xfrm>
-        </p:spPr>
-        <p:txBody>
-          <a:bodyPr>
-            <a:noAutofit/>
-          </a:bodyPr>
-          <a:lstStyle/>
-          <a:p>
-            <a:r>
-              <a:rPr lang="en-US" sz="4800" dirty="0"/>
-              <a:t>O</a:t>
-            </a:r>
-            <a:r>
-              <a:rPr lang="en-IL" sz="4800" dirty="0"/>
-              <a:t>ne more time…and let’s start coding…</a:t>
-            </a:r>
-          </a:p>
-        </p:txBody>
-      </p:sp>
-      <p:sp>
-        <p:nvSpPr>
-          <p:cNvPr id="2" name="Rectangle 1">
-            <a:extLst>
-              <a:ext uri="{FF2B5EF4-FFF2-40B4-BE49-F238E27FC236}">
-                <a16:creationId xmlns:a16="http://schemas.microsoft.com/office/drawing/2014/main" id="{CA95C7F2-93C1-624F-BC00-6E301FA212A5}"/>
-              </a:ext>
-            </a:extLst>
-          </p:cNvPr>
-          <p:cNvSpPr/>
-          <p:nvPr/>
-        </p:nvSpPr>
-        <p:spPr>
-          <a:xfrm>
-            <a:off x="3634300" y="4173974"/>
-            <a:ext cx="5133072" cy="369332"/>
-          </a:xfrm>
-          <a:prstGeom prst="rect">
-            <a:avLst/>
-          </a:prstGeom>
-        </p:spPr>
-        <p:txBody>
-          <a:bodyPr wrap="none">
-            <a:spAutoFit/>
-          </a:bodyPr>
-          <a:lstStyle/>
-          <a:p>
-            <a:r>
-              <a:rPr lang="en-IL" dirty="0">
-                <a:hlinkClick r:id="rId4"/>
-              </a:rPr>
-              <a:t>https://pragmaticwebsecurity.com/cheatsheets.html</a:t>
-            </a:r>
-            <a:endParaRPr lang="en-IL" dirty="0"/>
-          </a:p>
-        </p:txBody>
-      </p:sp>
-    </p:spTree>
-    <p:extLst>
-      <p:ext uri="{BB962C8B-B14F-4D97-AF65-F5344CB8AC3E}">
-        <p14:creationId xmlns:p14="http://schemas.microsoft.com/office/powerpoint/2010/main" val="2658112365"/>
-      </p:ext>
-    </p:extLst>
-  </p:cSld>
-  <p:clrMapOvr>
-    <a:masterClrMapping/>
-  </p:clrMapOvr>
-</p:sld>
-</file>
-
 <file path=ppt/slides/slide28.xml><?xml version="1.0" encoding="utf-8"?>
 <p:sld xmlns:a="http://schemas.openxmlformats.org/drawingml/2006/main" xmlns:r="http://schemas.openxmlformats.org/officeDocument/2006/relationships" xmlns:p="http://schemas.openxmlformats.org/presentationml/2006/main">
   <p:cSld>
@@ -14862,10 +15058,47 @@
       </p:grpSpPr>
       <p:sp>
         <p:nvSpPr>
-          <p:cNvPr id="4" name="Title 5">
+          <p:cNvPr id="3" name="Rectangle 2">
             <a:extLst>
               <a:ext uri="{FF2B5EF4-FFF2-40B4-BE49-F238E27FC236}">
-                <a16:creationId xmlns:a16="http://schemas.microsoft.com/office/drawing/2014/main" id="{A84E2FEF-74EA-9C4A-B7F8-D5AF9CC85439}"/>
+                <a16:creationId xmlns:a16="http://schemas.microsoft.com/office/drawing/2014/main" id="{9453FB70-2A4E-AB46-9E38-B698137D73CC}"/>
+              </a:ext>
+            </a:extLst>
+          </p:cNvPr>
+          <p:cNvSpPr/>
+          <p:nvPr/>
+        </p:nvSpPr>
+        <p:spPr>
+          <a:xfrm>
+            <a:off x="3634300" y="3244334"/>
+            <a:ext cx="4923399" cy="369332"/>
+          </a:xfrm>
+          <a:prstGeom prst="rect">
+            <a:avLst/>
+          </a:prstGeom>
+        </p:spPr>
+        <p:txBody>
+          <a:bodyPr wrap="none">
+            <a:spAutoFit/>
+          </a:bodyPr>
+          <a:lstStyle/>
+          <a:p>
+            <a:r>
+              <a:rPr lang="en-IL" dirty="0">
+                <a:hlinkClick r:id="rId3"/>
+              </a:rPr>
+              <a:t>https://www.youtube.com/watch?v=K6pwjJ5h0Gg</a:t>
+            </a:r>
+            <a:endParaRPr lang="en-IL" dirty="0"/>
+          </a:p>
+        </p:txBody>
+      </p:sp>
+      <p:sp>
+        <p:nvSpPr>
+          <p:cNvPr id="5" name="Title 5">
+            <a:extLst>
+              <a:ext uri="{FF2B5EF4-FFF2-40B4-BE49-F238E27FC236}">
+                <a16:creationId xmlns:a16="http://schemas.microsoft.com/office/drawing/2014/main" id="{DF65805E-6F94-8543-B58E-2E855593FC38}"/>
               </a:ext>
             </a:extLst>
           </p:cNvPr>
@@ -14878,155 +15111,68 @@
         </p:nvSpPr>
         <p:spPr>
           <a:xfrm>
-            <a:off x="655321" y="210727"/>
-            <a:ext cx="10515600" cy="1325563"/>
+            <a:off x="175260" y="279643"/>
+            <a:ext cx="11841480" cy="1325563"/>
           </a:xfrm>
         </p:spPr>
         <p:txBody>
           <a:bodyPr>
-            <a:normAutofit/>
+            <a:noAutofit/>
           </a:bodyPr>
           <a:lstStyle/>
           <a:p>
             <a:r>
+              <a:rPr lang="en-US" sz="4800" dirty="0"/>
+              <a:t>O</a:t>
+            </a:r>
+            <a:r>
               <a:rPr lang="en-IL" sz="4800" dirty="0"/>
-              <a:t>Passport</a:t>
+              <a:t>ne more time…and let’s start coding…</a:t>
             </a:r>
           </a:p>
         </p:txBody>
       </p:sp>
       <p:sp>
         <p:nvSpPr>
-          <p:cNvPr id="7" name="TextBox 6">
+          <p:cNvPr id="2" name="Rectangle 1">
             <a:extLst>
               <a:ext uri="{FF2B5EF4-FFF2-40B4-BE49-F238E27FC236}">
-                <a16:creationId xmlns:a16="http://schemas.microsoft.com/office/drawing/2014/main" id="{0D434488-5884-DC47-825F-DB289BAA0DD0}"/>
+                <a16:creationId xmlns:a16="http://schemas.microsoft.com/office/drawing/2014/main" id="{CA95C7F2-93C1-624F-BC00-6E301FA212A5}"/>
               </a:ext>
             </a:extLst>
           </p:cNvPr>
-          <p:cNvSpPr txBox="1"/>
+          <p:cNvSpPr/>
           <p:nvPr/>
         </p:nvSpPr>
         <p:spPr>
           <a:xfrm>
-            <a:off x="590598" y="1536290"/>
-            <a:ext cx="10946081" cy="3980590"/>
+            <a:off x="3634300" y="4173974"/>
+            <a:ext cx="5133072" cy="369332"/>
           </a:xfrm>
           <a:prstGeom prst="rect">
             <a:avLst/>
           </a:prstGeom>
         </p:spPr>
         <p:txBody>
-          <a:bodyPr vert="horz" lIns="91440" tIns="45720" rIns="91440" bIns="45720" rtlCol="0">
-            <a:normAutofit/>
+          <a:bodyPr wrap="none">
+            <a:spAutoFit/>
           </a:bodyPr>
           <a:lstStyle/>
           <a:p>
-            <a:pPr marL="457200" indent="-457200" defTabSz="914400">
-              <a:lnSpc>
-                <a:spcPct val="90000"/>
-              </a:lnSpc>
-              <a:spcAft>
-                <a:spcPts val="600"/>
-              </a:spcAft>
-              <a:buFont typeface="Arial" panose="020B0604020202020204" pitchFamily="34" charset="0"/>
-              <a:buChar char="•"/>
-            </a:pPr>
-            <a:r>
-              <a:rPr lang="en-US" sz="2800" dirty="0">
-                <a:hlinkClick r:id="rId3">
-                  <a:extLst>
-                    <a:ext uri="{A12FA001-AC4F-418D-AE19-62706E023703}">
-                      <ahyp:hlinkClr xmlns:ahyp="http://schemas.microsoft.com/office/drawing/2018/hyperlinkcolor" val="tx"/>
-                    </a:ext>
-                  </a:extLst>
-                </a:hlinkClick>
+            <a:r>
+              <a:rPr lang="en-IL" dirty="0">
+                <a:hlinkClick r:id="rId4"/>
               </a:rPr>
-              <a:t>Passport</a:t>
-            </a:r>
-            <a:r>
-              <a:rPr lang="en-US" sz="2800" dirty="0"/>
-              <a:t> is the most popular </a:t>
-            </a:r>
-            <a:r>
-              <a:rPr lang="en-US" sz="2800" dirty="0" err="1"/>
-              <a:t>node.js</a:t>
-            </a:r>
-            <a:r>
-              <a:rPr lang="en-US" sz="2800" dirty="0"/>
-              <a:t> authentication library, well-known by the community and successfully used in many production applications</a:t>
-            </a:r>
-          </a:p>
-          <a:p>
-            <a:pPr marL="457200" indent="-457200" defTabSz="914400">
-              <a:lnSpc>
-                <a:spcPct val="90000"/>
-              </a:lnSpc>
-              <a:spcAft>
-                <a:spcPts val="600"/>
-              </a:spcAft>
-              <a:buFont typeface="Arial" panose="020B0604020202020204" pitchFamily="34" charset="0"/>
-              <a:buChar char="•"/>
-            </a:pPr>
-            <a:r>
-              <a:rPr lang="en-US" sz="2800" dirty="0"/>
-              <a:t>it abstracts the authentication process into a few basic steps that you customize based on the strategy you're implementing</a:t>
-            </a:r>
-          </a:p>
-          <a:p>
-            <a:pPr marL="457200" indent="-457200" defTabSz="914400">
-              <a:lnSpc>
-                <a:spcPct val="90000"/>
-              </a:lnSpc>
-              <a:spcAft>
-                <a:spcPts val="600"/>
-              </a:spcAft>
-              <a:buFont typeface="Arial" panose="020B0604020202020204" pitchFamily="34" charset="0"/>
-              <a:buChar char="•"/>
-            </a:pPr>
-            <a:r>
-              <a:rPr lang="en-US" sz="2800" u="sng" dirty="0"/>
-              <a:t>Configuration:</a:t>
-            </a:r>
-          </a:p>
-          <a:p>
-            <a:pPr marL="914400" lvl="1" indent="-457200" defTabSz="914400">
-              <a:lnSpc>
-                <a:spcPct val="90000"/>
-              </a:lnSpc>
-              <a:spcAft>
-                <a:spcPts val="600"/>
-              </a:spcAft>
-              <a:buFont typeface="Wingdings" pitchFamily="2" charset="2"/>
-              <a:buChar char="§"/>
-            </a:pPr>
-            <a:r>
-              <a:rPr lang="en-US" sz="2000" dirty="0"/>
-              <a:t>A set of options that are specific to that strategy</a:t>
-            </a:r>
-          </a:p>
-          <a:p>
-            <a:pPr marL="914400" lvl="1" indent="-457200" defTabSz="914400">
-              <a:lnSpc>
-                <a:spcPct val="90000"/>
-              </a:lnSpc>
-              <a:spcAft>
-                <a:spcPts val="600"/>
-              </a:spcAft>
-              <a:buFont typeface="Wingdings" pitchFamily="2" charset="2"/>
-              <a:buChar char="§"/>
-            </a:pPr>
-            <a:r>
-              <a:rPr lang="en-US" sz="2000" dirty="0"/>
-              <a:t>A "verify callback", which is where you tell Passport how to interact with your user store</a:t>
-            </a:r>
+              <a:t>https://pragmaticwebsecurity.com/cheatsheets.html</a:t>
+            </a:r>
+            <a:endParaRPr lang="en-IL" dirty="0"/>
           </a:p>
         </p:txBody>
       </p:sp>
     </p:spTree>
     <p:extLst>
       <p:ext uri="{BB962C8B-B14F-4D97-AF65-F5344CB8AC3E}">
-        <p14:creationId xmlns:p14="http://schemas.microsoft.com/office/powerpoint/2010/main" val="4016821120"/>
+        <p14:creationId xmlns:p14="http://schemas.microsoft.com/office/powerpoint/2010/main" val="2658112365"/>
       </p:ext>
     </p:extLst>
   </p:cSld>
@@ -15053,69 +15199,173 @@
           <a:chExt cx="0" cy="0"/>
         </a:xfrm>
       </p:grpSpPr>
-      <p:pic>
-        <p:nvPicPr>
-          <p:cNvPr id="5" name="Picture 4" descr="A picture containing drawing&#10;&#10;Description automatically generated">
+      <p:sp>
+        <p:nvSpPr>
+          <p:cNvPr id="4" name="Title 5">
             <a:extLst>
               <a:ext uri="{FF2B5EF4-FFF2-40B4-BE49-F238E27FC236}">
-                <a16:creationId xmlns:a16="http://schemas.microsoft.com/office/drawing/2014/main" id="{D7CCC4E3-F5E5-0640-87A0-7DBC30471E20}"/>
+                <a16:creationId xmlns:a16="http://schemas.microsoft.com/office/drawing/2014/main" id="{A84E2FEF-74EA-9C4A-B7F8-D5AF9CC85439}"/>
               </a:ext>
             </a:extLst>
           </p:cNvPr>
-          <p:cNvPicPr>
-            <a:picLocks noChangeAspect="1"/>
-          </p:cNvPicPr>
-          <p:nvPr/>
-        </p:nvPicPr>
-        <p:blipFill rotWithShape="1">
-          <a:blip r:embed="rId3"/>
-          <a:srcRect t="13432" b="11568"/>
-          <a:stretch/>
-        </p:blipFill>
+          <p:cNvSpPr>
+            <a:spLocks noGrp="1"/>
+          </p:cNvSpPr>
+          <p:nvPr>
+            <p:ph type="title"/>
+          </p:nvPr>
+        </p:nvSpPr>
         <p:spPr>
           <a:xfrm>
-            <a:off x="20" y="10"/>
-            <a:ext cx="12191980" cy="6857990"/>
+            <a:off x="655321" y="210727"/>
+            <a:ext cx="10515600" cy="1325563"/>
+          </a:xfrm>
+        </p:spPr>
+        <p:txBody>
+          <a:bodyPr>
+            <a:normAutofit/>
+          </a:bodyPr>
+          <a:lstStyle/>
+          <a:p>
+            <a:r>
+              <a:rPr lang="en-IL" sz="4800" dirty="0"/>
+              <a:t>Passport</a:t>
+            </a:r>
+          </a:p>
+        </p:txBody>
+      </p:sp>
+      <p:sp>
+        <p:nvSpPr>
+          <p:cNvPr id="7" name="TextBox 6">
+            <a:extLst>
+              <a:ext uri="{FF2B5EF4-FFF2-40B4-BE49-F238E27FC236}">
+                <a16:creationId xmlns:a16="http://schemas.microsoft.com/office/drawing/2014/main" id="{0D434488-5884-DC47-825F-DB289BAA0DD0}"/>
+              </a:ext>
+            </a:extLst>
+          </p:cNvPr>
+          <p:cNvSpPr txBox="1"/>
+          <p:nvPr/>
+        </p:nvSpPr>
+        <p:spPr>
+          <a:xfrm>
+            <a:off x="590598" y="1536290"/>
+            <a:ext cx="10946081" cy="3980590"/>
           </a:xfrm>
           <a:prstGeom prst="rect">
             <a:avLst/>
           </a:prstGeom>
         </p:spPr>
-      </p:pic>
-      <p:pic>
-        <p:nvPicPr>
-          <p:cNvPr id="6" name="Picture 5" descr="A cat sitting on top of a computer&#10;&#10;Description automatically generated">
-            <a:extLst>
-              <a:ext uri="{FF2B5EF4-FFF2-40B4-BE49-F238E27FC236}">
-                <a16:creationId xmlns:a16="http://schemas.microsoft.com/office/drawing/2014/main" id="{CC0F8B73-52CC-5443-89CB-BFCD9132FE8E}"/>
-              </a:ext>
-            </a:extLst>
-          </p:cNvPr>
-          <p:cNvPicPr>
-            <a:picLocks noChangeAspect="1"/>
-          </p:cNvPicPr>
-          <p:nvPr/>
-        </p:nvPicPr>
-        <p:blipFill>
-          <a:blip r:embed="rId4"/>
-          <a:stretch>
-            <a:fillRect/>
-          </a:stretch>
-        </p:blipFill>
-        <p:spPr>
-          <a:xfrm>
-            <a:off x="5651293" y="0"/>
-            <a:ext cx="6540688" cy="6857990"/>
-          </a:xfrm>
-          <a:prstGeom prst="rect">
-            <a:avLst/>
-          </a:prstGeom>
-        </p:spPr>
-      </p:pic>
+        <p:txBody>
+          <a:bodyPr vert="horz" lIns="91440" tIns="45720" rIns="91440" bIns="45720" rtlCol="0">
+            <a:normAutofit/>
+          </a:bodyPr>
+          <a:lstStyle/>
+          <a:p>
+            <a:pPr marL="457200" indent="-457200" defTabSz="914400">
+              <a:lnSpc>
+                <a:spcPct val="90000"/>
+              </a:lnSpc>
+              <a:spcAft>
+                <a:spcPts val="600"/>
+              </a:spcAft>
+              <a:buFont typeface="Arial" panose="020B0604020202020204" pitchFamily="34" charset="0"/>
+              <a:buChar char="•"/>
+            </a:pPr>
+            <a:r>
+              <a:rPr lang="en-US" sz="2800" dirty="0">
+                <a:hlinkClick r:id="rId3">
+                  <a:extLst>
+                    <a:ext uri="{A12FA001-AC4F-418D-AE19-62706E023703}">
+                      <ahyp:hlinkClr xmlns:ahyp="http://schemas.microsoft.com/office/drawing/2018/hyperlinkcolor" val="tx"/>
+                    </a:ext>
+                  </a:extLst>
+                </a:hlinkClick>
+              </a:rPr>
+              <a:t>Passport</a:t>
+            </a:r>
+            <a:r>
+              <a:rPr lang="en-US" sz="2800" dirty="0"/>
+              <a:t> is the most popular </a:t>
+            </a:r>
+            <a:r>
+              <a:rPr lang="en-US" sz="2800" dirty="0" err="1"/>
+              <a:t>node.js</a:t>
+            </a:r>
+            <a:r>
+              <a:rPr lang="en-US" sz="2800" dirty="0"/>
+              <a:t> authentication library, well-known by the community and successfully used in many production applications</a:t>
+            </a:r>
+          </a:p>
+          <a:p>
+            <a:pPr marL="457200" indent="-457200" defTabSz="914400">
+              <a:lnSpc>
+                <a:spcPct val="90000"/>
+              </a:lnSpc>
+              <a:spcAft>
+                <a:spcPts val="600"/>
+              </a:spcAft>
+              <a:buFont typeface="Arial" panose="020B0604020202020204" pitchFamily="34" charset="0"/>
+              <a:buChar char="•"/>
+            </a:pPr>
+            <a:r>
+              <a:rPr lang="en-US" sz="2800" dirty="0"/>
+              <a:t>it abstracts the authentication process into a few basic steps that you customize based on the strategy you're implementing</a:t>
+            </a:r>
+          </a:p>
+          <a:p>
+            <a:pPr marL="457200" indent="-457200" defTabSz="914400">
+              <a:lnSpc>
+                <a:spcPct val="90000"/>
+              </a:lnSpc>
+              <a:spcAft>
+                <a:spcPts val="600"/>
+              </a:spcAft>
+              <a:buFont typeface="Arial" panose="020B0604020202020204" pitchFamily="34" charset="0"/>
+              <a:buChar char="•"/>
+            </a:pPr>
+            <a:r>
+              <a:rPr lang="en-US" sz="2800" u="sng" dirty="0"/>
+              <a:t>Configuration:</a:t>
+            </a:r>
+          </a:p>
+          <a:p>
+            <a:pPr marL="914400" lvl="1" indent="-457200" defTabSz="914400">
+              <a:lnSpc>
+                <a:spcPct val="90000"/>
+              </a:lnSpc>
+              <a:spcAft>
+                <a:spcPts val="600"/>
+              </a:spcAft>
+              <a:buFont typeface="Wingdings" pitchFamily="2" charset="2"/>
+              <a:buChar char="§"/>
+            </a:pPr>
+            <a:r>
+              <a:rPr lang="en-US" sz="2000" dirty="0"/>
+              <a:t>A set of options that are specific to that strategy</a:t>
+            </a:r>
+          </a:p>
+          <a:p>
+            <a:pPr marL="914400" lvl="1" indent="-457200" defTabSz="914400">
+              <a:lnSpc>
+                <a:spcPct val="90000"/>
+              </a:lnSpc>
+              <a:spcAft>
+                <a:spcPts val="600"/>
+              </a:spcAft>
+              <a:buFont typeface="Wingdings" pitchFamily="2" charset="2"/>
+              <a:buChar char="§"/>
+            </a:pPr>
+            <a:r>
+              <a:rPr lang="en-US" sz="2000" dirty="0"/>
+              <a:t>A "verify callback", which is where you tell Passport how to interact with your user store</a:t>
+            </a:r>
+          </a:p>
+        </p:txBody>
+      </p:sp>
     </p:spTree>
     <p:extLst>
       <p:ext uri="{BB962C8B-B14F-4D97-AF65-F5344CB8AC3E}">
-        <p14:creationId xmlns:p14="http://schemas.microsoft.com/office/powerpoint/2010/main" val="1553695115"/>
+        <p14:creationId xmlns:p14="http://schemas.microsoft.com/office/powerpoint/2010/main" val="4016821120"/>
       </p:ext>
     </p:extLst>
   </p:cSld>
@@ -15717,6 +15967,95 @@
   </p:cSld>
   <p:clrMapOvr>
     <a:overrideClrMapping bg1="lt1" tx1="dk1" bg2="lt2" tx2="dk2" accent1="accent1" accent2="accent2" accent3="accent3" accent4="accent4" accent5="accent5" accent6="accent6" hlink="hlink" folHlink="folHlink"/>
+  </p:clrMapOvr>
+</p:sld>
+</file>
+
+<file path=ppt/slides/slide30.xml><?xml version="1.0" encoding="utf-8"?>
+<p:sld xmlns:a="http://schemas.openxmlformats.org/drawingml/2006/main" xmlns:r="http://schemas.openxmlformats.org/officeDocument/2006/relationships" xmlns:p="http://schemas.openxmlformats.org/presentationml/2006/main">
+  <p:cSld>
+    <p:spTree>
+      <p:nvGrpSpPr>
+        <p:cNvPr id="1" name=""/>
+        <p:cNvGrpSpPr/>
+        <p:nvPr/>
+      </p:nvGrpSpPr>
+      <p:grpSpPr>
+        <a:xfrm>
+          <a:off x="0" y="0"/>
+          <a:ext cx="0" cy="0"/>
+          <a:chOff x="0" y="0"/>
+          <a:chExt cx="0" cy="0"/>
+        </a:xfrm>
+      </p:grpSpPr>
+      <p:pic>
+        <p:nvPicPr>
+          <p:cNvPr id="5" name="Picture 4" descr="A picture containing drawing&#10;&#10;Description automatically generated">
+            <a:extLst>
+              <a:ext uri="{FF2B5EF4-FFF2-40B4-BE49-F238E27FC236}">
+                <a16:creationId xmlns:a16="http://schemas.microsoft.com/office/drawing/2014/main" id="{D7CCC4E3-F5E5-0640-87A0-7DBC30471E20}"/>
+              </a:ext>
+            </a:extLst>
+          </p:cNvPr>
+          <p:cNvPicPr>
+            <a:picLocks noChangeAspect="1"/>
+          </p:cNvPicPr>
+          <p:nvPr/>
+        </p:nvPicPr>
+        <p:blipFill rotWithShape="1">
+          <a:blip r:embed="rId3"/>
+          <a:srcRect t="13432" b="11568"/>
+          <a:stretch/>
+        </p:blipFill>
+        <p:spPr>
+          <a:xfrm>
+            <a:off x="20" y="10"/>
+            <a:ext cx="12191980" cy="6857990"/>
+          </a:xfrm>
+          <a:prstGeom prst="rect">
+            <a:avLst/>
+          </a:prstGeom>
+        </p:spPr>
+      </p:pic>
+      <p:pic>
+        <p:nvPicPr>
+          <p:cNvPr id="6" name="Picture 5" descr="A cat sitting on top of a computer&#10;&#10;Description automatically generated">
+            <a:extLst>
+              <a:ext uri="{FF2B5EF4-FFF2-40B4-BE49-F238E27FC236}">
+                <a16:creationId xmlns:a16="http://schemas.microsoft.com/office/drawing/2014/main" id="{CC0F8B73-52CC-5443-89CB-BFCD9132FE8E}"/>
+              </a:ext>
+            </a:extLst>
+          </p:cNvPr>
+          <p:cNvPicPr>
+            <a:picLocks noChangeAspect="1"/>
+          </p:cNvPicPr>
+          <p:nvPr/>
+        </p:nvPicPr>
+        <p:blipFill>
+          <a:blip r:embed="rId4"/>
+          <a:stretch>
+            <a:fillRect/>
+          </a:stretch>
+        </p:blipFill>
+        <p:spPr>
+          <a:xfrm>
+            <a:off x="5651293" y="0"/>
+            <a:ext cx="6540688" cy="6857990"/>
+          </a:xfrm>
+          <a:prstGeom prst="rect">
+            <a:avLst/>
+          </a:prstGeom>
+        </p:spPr>
+      </p:pic>
+    </p:spTree>
+    <p:extLst>
+      <p:ext uri="{BB962C8B-B14F-4D97-AF65-F5344CB8AC3E}">
+        <p14:creationId xmlns:p14="http://schemas.microsoft.com/office/powerpoint/2010/main" val="1553695115"/>
+      </p:ext>
+    </p:extLst>
+  </p:cSld>
+  <p:clrMapOvr>
+    <a:masterClrMapping/>
   </p:clrMapOvr>
 </p:sld>
 </file>

--- a/presentations/lecture_jwt.pptx
+++ b/presentations/lecture_jwt.pptx
@@ -17895,10 +17895,10 @@
       </p:grpSpPr>
       <p:pic>
         <p:nvPicPr>
-          <p:cNvPr id="15362" name="Picture 2" descr="Node.js Express: JWT example | Token Based Authentication &amp;amp; Authorization -  BezKoder">
+          <p:cNvPr id="15364" name="Picture 4">
             <a:extLst>
               <a:ext uri="{FF2B5EF4-FFF2-40B4-BE49-F238E27FC236}">
-                <a16:creationId xmlns:a16="http://schemas.microsoft.com/office/drawing/2014/main" id="{C4EA651B-1CDE-5045-96B7-C1A7DB45A36F}"/>
+                <a16:creationId xmlns:a16="http://schemas.microsoft.com/office/drawing/2014/main" id="{77E9C104-95E2-B846-847A-A82A5C4747A8}"/>
               </a:ext>
             </a:extLst>
           </p:cNvPr>
@@ -17922,8 +17922,8 @@
         </p:blipFill>
         <p:spPr bwMode="auto">
           <a:xfrm>
-            <a:off x="1828800" y="254000"/>
-            <a:ext cx="8534400" cy="6350000"/>
+            <a:off x="2177415" y="1241462"/>
+            <a:ext cx="7837170" cy="4375075"/>
           </a:xfrm>
           <a:prstGeom prst="rect">
             <a:avLst/>

--- a/presentations/lecture_jwt.pptx
+++ b/presentations/lecture_jwt.pptx
@@ -5,7 +5,7 @@
     <p:sldMasterId id="2147483684" r:id="rId1"/>
   </p:sldMasterIdLst>
   <p:notesMasterIdLst>
-    <p:notesMasterId r:id="rId40"/>
+    <p:notesMasterId r:id="rId41"/>
   </p:notesMasterIdLst>
   <p:sldIdLst>
     <p:sldId id="256" r:id="rId2"/>
@@ -29,23 +29,24 @@
     <p:sldId id="358" r:id="rId20"/>
     <p:sldId id="360" r:id="rId21"/>
     <p:sldId id="361" r:id="rId22"/>
-    <p:sldId id="343" r:id="rId23"/>
-    <p:sldId id="329" r:id="rId24"/>
-    <p:sldId id="339" r:id="rId25"/>
+    <p:sldId id="339" r:id="rId23"/>
+    <p:sldId id="343" r:id="rId24"/>
+    <p:sldId id="329" r:id="rId25"/>
     <p:sldId id="330" r:id="rId26"/>
-    <p:sldId id="331" r:id="rId27"/>
-    <p:sldId id="332" r:id="rId28"/>
-    <p:sldId id="333" r:id="rId29"/>
-    <p:sldId id="335" r:id="rId30"/>
-    <p:sldId id="336" r:id="rId31"/>
-    <p:sldId id="337" r:id="rId32"/>
-    <p:sldId id="340" r:id="rId33"/>
-    <p:sldId id="344" r:id="rId34"/>
-    <p:sldId id="260" r:id="rId35"/>
-    <p:sldId id="362" r:id="rId36"/>
-    <p:sldId id="346" r:id="rId37"/>
-    <p:sldId id="334" r:id="rId38"/>
-    <p:sldId id="347" r:id="rId39"/>
+    <p:sldId id="363" r:id="rId27"/>
+    <p:sldId id="331" r:id="rId28"/>
+    <p:sldId id="332" r:id="rId29"/>
+    <p:sldId id="333" r:id="rId30"/>
+    <p:sldId id="335" r:id="rId31"/>
+    <p:sldId id="336" r:id="rId32"/>
+    <p:sldId id="337" r:id="rId33"/>
+    <p:sldId id="340" r:id="rId34"/>
+    <p:sldId id="344" r:id="rId35"/>
+    <p:sldId id="260" r:id="rId36"/>
+    <p:sldId id="362" r:id="rId37"/>
+    <p:sldId id="346" r:id="rId38"/>
+    <p:sldId id="334" r:id="rId39"/>
+    <p:sldId id="347" r:id="rId40"/>
   </p:sldIdLst>
   <p:sldSz cx="12192000" cy="6858000"/>
   <p:notesSz cx="6858000" cy="9144000"/>
@@ -2680,7 +2681,7 @@
           <a:p>
             <a:fld id="{4BAF5568-5764-3645-BA47-A2145F42072A}" type="datetimeFigureOut">
               <a:rPr lang="en-IL" smtClean="0"/>
-              <a:t>29/06/2021</a:t>
+              <a:t>20/07/2021</a:t>
             </a:fld>
             <a:endParaRPr lang="en-IL"/>
           </a:p>
@@ -3437,7 +3438,7 @@
                 <a:ea typeface="+mn-ea"/>
                 <a:cs typeface="+mn-cs"/>
               </a:rPr>
-              <a:t>מעכשיו ואלאה כל ה </a:t>
+              <a:t>מעכשיו ואלאה כל בקשה ה </a:t>
             </a:r>
             <a:r>
               <a:rPr lang="en-US" sz="1200" b="0" i="0" kern="1200" dirty="0">
@@ -3461,7 +3462,7 @@
                 <a:ea typeface="+mn-ea"/>
                 <a:cs typeface="+mn-cs"/>
               </a:rPr>
-              <a:t>צריך לשלוח עם כל בקשה את אותו </a:t>
+              <a:t> צריך לשלוח עם כל בקשה את אותו </a:t>
             </a:r>
             <a:r>
               <a:rPr lang="en-US" sz="1200" b="0" i="0" kern="1200" dirty="0">
@@ -3518,7 +3519,7 @@
               <a:t>sss</a:t>
             </a:r>
             <a:r>
-              <a:rPr lang="en-US" sz="1200" b="0" i="0" kern="1200" dirty="0">
+              <a:rPr lang="he-IL" sz="1200" b="0" i="0" kern="1200" dirty="0">
                 <a:solidFill>
                   <a:schemeClr val="tx1"/>
                 </a:solidFill>
@@ -3527,10 +3528,10 @@
                 <a:ea typeface="+mn-ea"/>
                 <a:cs typeface="+mn-cs"/>
               </a:rPr>
-              <a:t> </a:t>
-            </a:r>
-            <a:r>
-              <a:rPr lang="he-IL" sz="1200" b="0" i="0" kern="1200" dirty="0">
+              <a:t> מאפשר לצמצם מספר הקריאות ל</a:t>
+            </a:r>
+            <a:r>
+              <a:rPr lang="en-US" sz="1200" b="0" i="0" kern="1200" dirty="0">
                 <a:solidFill>
                   <a:schemeClr val="tx1"/>
                 </a:solidFill>
@@ -3539,7 +3540,19 @@
                 <a:ea typeface="+mn-ea"/>
                 <a:cs typeface="+mn-cs"/>
               </a:rPr>
-              <a:t> מאפשר לצמצם מספר הקריאות לשרת לצורך אימות של הבקשה</a:t>
+              <a:t> DB </a:t>
+            </a:r>
+            <a:r>
+              <a:rPr lang="he-IL" sz="1200" b="0" i="0" kern="1200" dirty="0">
+                <a:solidFill>
+                  <a:schemeClr val="tx1"/>
+                </a:solidFill>
+                <a:effectLst/>
+                <a:latin typeface="+mn-lt"/>
+                <a:ea typeface="+mn-ea"/>
+                <a:cs typeface="+mn-cs"/>
+              </a:rPr>
+              <a:t> לצורך אימות של הבקשה</a:t>
             </a:r>
           </a:p>
           <a:p>
@@ -3960,7 +3973,7 @@
                 <a:ea typeface="+mn-ea"/>
                 <a:cs typeface="+mn-cs"/>
               </a:rPr>
-              <a:t> היה לנו רק שת אחד – כאשר ה </a:t>
+              <a:t> היה לנו רק שרת אחד – כאשר ה </a:t>
             </a:r>
             <a:r>
               <a:rPr lang="en-US" sz="1200" b="0" i="0" kern="1200" dirty="0">
@@ -3984,7 +3997,7 @@
                 <a:ea typeface="+mn-ea"/>
                 <a:cs typeface="+mn-cs"/>
               </a:rPr>
-              <a:t>שולח בקשה עם ה </a:t>
+              <a:t> שולח בקשה עם ה </a:t>
             </a:r>
             <a:r>
               <a:rPr lang="en-US" sz="1200" b="0" i="0" kern="1200" dirty="0">
@@ -4020,7 +4033,7 @@
                 <a:ea typeface="+mn-ea"/>
                 <a:cs typeface="+mn-cs"/>
               </a:rPr>
-              <a:t> קרוב לוודאי שהרישום שלו ימצא ב  </a:t>
+              <a:t> קרוב לוודאי שהרישום שלו ימצא ב</a:t>
             </a:r>
             <a:r>
               <a:rPr lang="en-US" sz="1200" b="0" i="0" kern="1200" dirty="0">
@@ -4032,7 +4045,7 @@
                 <a:ea typeface="+mn-ea"/>
                 <a:cs typeface="+mn-cs"/>
               </a:rPr>
-              <a:t>database </a:t>
+              <a:t> database </a:t>
             </a:r>
             <a:r>
               <a:rPr lang="he-IL" sz="1200" b="0" i="0" kern="1200" dirty="0">
@@ -4289,6 +4302,27 @@
               </a:rPr>
               <a:t> אינו מזוהה</a:t>
             </a:r>
+            <a:r>
+              <a:rPr lang="en-US" sz="1200" b="0" i="0" kern="1200" dirty="0">
+                <a:solidFill>
+                  <a:schemeClr val="tx1"/>
+                </a:solidFill>
+                <a:effectLst/>
+                <a:latin typeface="+mn-lt"/>
+                <a:ea typeface="+mn-ea"/>
+                <a:cs typeface="+mn-cs"/>
+              </a:rPr>
+              <a:t> (401)</a:t>
+            </a:r>
+            <a:endParaRPr lang="he-IL" sz="1200" b="0" i="0" kern="1200" dirty="0">
+              <a:solidFill>
+                <a:schemeClr val="tx1"/>
+              </a:solidFill>
+              <a:effectLst/>
+              <a:latin typeface="+mn-lt"/>
+              <a:ea typeface="+mn-ea"/>
+              <a:cs typeface="+mn-cs"/>
+            </a:endParaRPr>
           </a:p>
           <a:p>
             <a:pPr marL="171450" indent="-171450" algn="r" rtl="1">
@@ -5270,41 +5304,6 @@
           <a:lstStyle/>
           <a:p>
             <a:pPr marL="0" algn="r" defTabSz="914400" rtl="0" eaLnBrk="1" latinLnBrk="0" hangingPunct="1"/>
-            <a:r>
-              <a:rPr lang="he-IL" sz="2400" dirty="0"/>
-              <a:t>בגלל אופי ה</a:t>
-            </a:r>
-            <a:br>
-              <a:rPr lang="en-US" sz="2400" dirty="0"/>
-            </a:br>
-            <a:r>
-              <a:rPr lang="en-US" sz="2400" dirty="0"/>
-              <a:t>http protocol</a:t>
-            </a:r>
-            <a:br>
-              <a:rPr lang="en-US" sz="2400" dirty="0"/>
-            </a:br>
-            <a:r>
-              <a:rPr lang="he-IL" sz="2400" dirty="0"/>
-              <a:t>על כל בקשה נדרשת </a:t>
-            </a:r>
-            <a:br>
-              <a:rPr lang="en-US" sz="2400" dirty="0"/>
-            </a:br>
-            <a:r>
-              <a:rPr lang="en-US" sz="2400" dirty="0"/>
-              <a:t>authentication</a:t>
-            </a:r>
-            <a:br>
-              <a:rPr lang="en-US" sz="2400" dirty="0"/>
-            </a:br>
-            <a:r>
-              <a:rPr lang="he-IL" sz="2400" dirty="0"/>
-              <a:t>חדשה</a:t>
-            </a:r>
-            <a:br>
-              <a:rPr lang="en-US" sz="2400" dirty="0"/>
-            </a:br>
             <a:endParaRPr lang="en-IL" sz="2400" dirty="0"/>
           </a:p>
         </p:txBody>
@@ -5401,7 +5400,15 @@
             </a:pPr>
             <a:r>
               <a:rPr lang="he-IL" sz="1200" dirty="0"/>
-              <a:t>או אפשר לחפש פיטרון אחר יותר טוב!!</a:t>
+              <a:t>או אפשר לחפש </a:t>
+            </a:r>
+            <a:r>
+              <a:rPr lang="he-IL" sz="1200" dirty="0" err="1"/>
+              <a:t>פיתרון</a:t>
+            </a:r>
+            <a:r>
+              <a:rPr lang="he-IL" sz="1200" dirty="0"/>
+              <a:t> אחר יותר טוב!!</a:t>
             </a:r>
           </a:p>
           <a:p>
@@ -5425,7 +5432,7 @@
             </a:r>
             <a:r>
               <a:rPr lang="he-IL" sz="1200" dirty="0"/>
-              <a:t> הוא סטנדרט שמתאר אופן שבו מועברים מידע בין שני צדדים   - </a:t>
+              <a:t> הוא סטנדרט שמתאר אופן שבו מועברים מידע בין שני צדדים  - </a:t>
             </a:r>
             <a:r>
               <a:rPr lang="en-US" sz="1200" dirty="0"/>
@@ -5481,7 +5488,7 @@
             </a:r>
             <a:r>
               <a:rPr lang="en-US" sz="1200" dirty="0"/>
-              <a:t>client</a:t>
+              <a:t>client </a:t>
             </a:r>
             <a:endParaRPr lang="he-IL" sz="1200" dirty="0"/>
           </a:p>
@@ -5867,6 +5874,104 @@
               <a:buFont typeface="Arial" panose="020B0604020202020204" pitchFamily="34" charset="0"/>
               <a:buChar char="•"/>
             </a:pPr>
+            <a:r>
+              <a:rPr lang="en-US" sz="1200" b="0" i="0" kern="1200" dirty="0">
+                <a:solidFill>
+                  <a:schemeClr val="tx1"/>
+                </a:solidFill>
+                <a:effectLst/>
+                <a:latin typeface="+mn-lt"/>
+                <a:ea typeface="+mn-ea"/>
+                <a:cs typeface="+mn-cs"/>
+              </a:rPr>
+              <a:t>There are </a:t>
+            </a:r>
+            <a:r>
+              <a:rPr lang="en-US" sz="1200" b="1" i="0" kern="1200" dirty="0">
+                <a:solidFill>
+                  <a:schemeClr val="tx1"/>
+                </a:solidFill>
+                <a:effectLst/>
+                <a:latin typeface="+mn-lt"/>
+                <a:ea typeface="+mn-ea"/>
+                <a:cs typeface="+mn-cs"/>
+              </a:rPr>
+              <a:t>two types of encryption</a:t>
+            </a:r>
+            <a:r>
+              <a:rPr lang="en-US" sz="1200" b="0" i="0" kern="1200" dirty="0">
+                <a:solidFill>
+                  <a:schemeClr val="tx1"/>
+                </a:solidFill>
+                <a:effectLst/>
+                <a:latin typeface="+mn-lt"/>
+                <a:ea typeface="+mn-ea"/>
+                <a:cs typeface="+mn-cs"/>
+              </a:rPr>
+              <a:t> in widespread use today: symmetric and asymmetric </a:t>
+            </a:r>
+            <a:r>
+              <a:rPr lang="en-US" sz="1200" b="1" i="0" kern="1200" dirty="0">
+                <a:solidFill>
+                  <a:schemeClr val="tx1"/>
+                </a:solidFill>
+                <a:effectLst/>
+                <a:latin typeface="+mn-lt"/>
+                <a:ea typeface="+mn-ea"/>
+                <a:cs typeface="+mn-cs"/>
+              </a:rPr>
+              <a:t>encryption</a:t>
+            </a:r>
+            <a:r>
+              <a:rPr lang="en-US" sz="1200" b="0" i="0" kern="1200" dirty="0">
+                <a:solidFill>
+                  <a:schemeClr val="tx1"/>
+                </a:solidFill>
+                <a:effectLst/>
+                <a:latin typeface="+mn-lt"/>
+                <a:ea typeface="+mn-ea"/>
+                <a:cs typeface="+mn-cs"/>
+              </a:rPr>
+              <a:t>. The name derives from whether or not the same key is used for </a:t>
+            </a:r>
+            <a:r>
+              <a:rPr lang="en-US" sz="1200" b="1" i="0" kern="1200" dirty="0">
+                <a:solidFill>
+                  <a:schemeClr val="tx1"/>
+                </a:solidFill>
+                <a:effectLst/>
+                <a:latin typeface="+mn-lt"/>
+                <a:ea typeface="+mn-ea"/>
+                <a:cs typeface="+mn-cs"/>
+              </a:rPr>
+              <a:t>encryption</a:t>
+            </a:r>
+            <a:r>
+              <a:rPr lang="en-US" sz="1200" b="0" i="0" kern="1200" dirty="0">
+                <a:solidFill>
+                  <a:schemeClr val="tx1"/>
+                </a:solidFill>
+                <a:effectLst/>
+                <a:latin typeface="+mn-lt"/>
+                <a:ea typeface="+mn-ea"/>
+                <a:cs typeface="+mn-cs"/>
+              </a:rPr>
+              <a:t> and decryption.</a:t>
+            </a:r>
+          </a:p>
+          <a:p>
+            <a:pPr marL="171450" indent="-171450">
+              <a:buFont typeface="Arial" panose="020B0604020202020204" pitchFamily="34" charset="0"/>
+              <a:buChar char="•"/>
+            </a:pPr>
+            <a:r>
+              <a:rPr lang="en-US" sz="1400" dirty="0"/>
+              <a:t>Asymmetric actually means that it works on two different keys i.e. Public Key and Private Key. As the </a:t>
+            </a:r>
+            <a:r>
+              <a:rPr lang="en-US" dirty="0"/>
+              <a:t>name describes that the Public Key is given to everyone and the Private key is kept private</a:t>
+            </a:r>
             <a:endParaRPr lang="en-IL" dirty="0"/>
           </a:p>
         </p:txBody>
@@ -5897,7 +6002,7 @@
     </p:spTree>
     <p:extLst>
       <p:ext uri="{BB962C8B-B14F-4D97-AF65-F5344CB8AC3E}">
-        <p14:creationId xmlns:p14="http://schemas.microsoft.com/office/powerpoint/2010/main" val="1004897141"/>
+        <p14:creationId xmlns:p14="http://schemas.microsoft.com/office/powerpoint/2010/main" val="1354752852"/>
       </p:ext>
     </p:extLst>
   </p:cSld>
@@ -6043,104 +6148,6 @@
               <a:buFont typeface="Arial" panose="020B0604020202020204" pitchFamily="34" charset="0"/>
               <a:buChar char="•"/>
             </a:pPr>
-            <a:r>
-              <a:rPr lang="en-US" sz="1200" b="0" i="0" kern="1200" dirty="0">
-                <a:solidFill>
-                  <a:schemeClr val="tx1"/>
-                </a:solidFill>
-                <a:effectLst/>
-                <a:latin typeface="+mn-lt"/>
-                <a:ea typeface="+mn-ea"/>
-                <a:cs typeface="+mn-cs"/>
-              </a:rPr>
-              <a:t>There are </a:t>
-            </a:r>
-            <a:r>
-              <a:rPr lang="en-US" sz="1200" b="1" i="0" kern="1200" dirty="0">
-                <a:solidFill>
-                  <a:schemeClr val="tx1"/>
-                </a:solidFill>
-                <a:effectLst/>
-                <a:latin typeface="+mn-lt"/>
-                <a:ea typeface="+mn-ea"/>
-                <a:cs typeface="+mn-cs"/>
-              </a:rPr>
-              <a:t>two types of encryption</a:t>
-            </a:r>
-            <a:r>
-              <a:rPr lang="en-US" sz="1200" b="0" i="0" kern="1200" dirty="0">
-                <a:solidFill>
-                  <a:schemeClr val="tx1"/>
-                </a:solidFill>
-                <a:effectLst/>
-                <a:latin typeface="+mn-lt"/>
-                <a:ea typeface="+mn-ea"/>
-                <a:cs typeface="+mn-cs"/>
-              </a:rPr>
-              <a:t> in widespread use today: symmetric and asymmetric </a:t>
-            </a:r>
-            <a:r>
-              <a:rPr lang="en-US" sz="1200" b="1" i="0" kern="1200" dirty="0">
-                <a:solidFill>
-                  <a:schemeClr val="tx1"/>
-                </a:solidFill>
-                <a:effectLst/>
-                <a:latin typeface="+mn-lt"/>
-                <a:ea typeface="+mn-ea"/>
-                <a:cs typeface="+mn-cs"/>
-              </a:rPr>
-              <a:t>encryption</a:t>
-            </a:r>
-            <a:r>
-              <a:rPr lang="en-US" sz="1200" b="0" i="0" kern="1200" dirty="0">
-                <a:solidFill>
-                  <a:schemeClr val="tx1"/>
-                </a:solidFill>
-                <a:effectLst/>
-                <a:latin typeface="+mn-lt"/>
-                <a:ea typeface="+mn-ea"/>
-                <a:cs typeface="+mn-cs"/>
-              </a:rPr>
-              <a:t>. The name derives from whether or not the same key is used for </a:t>
-            </a:r>
-            <a:r>
-              <a:rPr lang="en-US" sz="1200" b="1" i="0" kern="1200" dirty="0">
-                <a:solidFill>
-                  <a:schemeClr val="tx1"/>
-                </a:solidFill>
-                <a:effectLst/>
-                <a:latin typeface="+mn-lt"/>
-                <a:ea typeface="+mn-ea"/>
-                <a:cs typeface="+mn-cs"/>
-              </a:rPr>
-              <a:t>encryption</a:t>
-            </a:r>
-            <a:r>
-              <a:rPr lang="en-US" sz="1200" b="0" i="0" kern="1200" dirty="0">
-                <a:solidFill>
-                  <a:schemeClr val="tx1"/>
-                </a:solidFill>
-                <a:effectLst/>
-                <a:latin typeface="+mn-lt"/>
-                <a:ea typeface="+mn-ea"/>
-                <a:cs typeface="+mn-cs"/>
-              </a:rPr>
-              <a:t> and decryption.</a:t>
-            </a:r>
-          </a:p>
-          <a:p>
-            <a:pPr marL="171450" indent="-171450">
-              <a:buFont typeface="Arial" panose="020B0604020202020204" pitchFamily="34" charset="0"/>
-              <a:buChar char="•"/>
-            </a:pPr>
-            <a:r>
-              <a:rPr lang="en-US" sz="1400" dirty="0"/>
-              <a:t>Asymmetric actually means that it works on two different keys i.e. Public Key and Private Key. As the </a:t>
-            </a:r>
-            <a:r>
-              <a:rPr lang="en-US" dirty="0"/>
-              <a:t>name describes that the Public Key is given to everyone and the Private key is kept private</a:t>
-            </a:r>
             <a:endParaRPr lang="en-IL" dirty="0"/>
           </a:p>
         </p:txBody>
@@ -6162,7 +6169,7 @@
           <a:p>
             <a:fld id="{D2850163-67CE-1445-A832-1977356FC86B}" type="slidenum">
               <a:rPr lang="en-IL" smtClean="0"/>
-              <a:t>24</a:t>
+              <a:t>23</a:t>
             </a:fld>
             <a:endParaRPr lang="en-IL"/>
           </a:p>
@@ -6171,7 +6178,7 @@
     </p:spTree>
     <p:extLst>
       <p:ext uri="{BB962C8B-B14F-4D97-AF65-F5344CB8AC3E}">
-        <p14:creationId xmlns:p14="http://schemas.microsoft.com/office/powerpoint/2010/main" val="1354752852"/>
+        <p14:creationId xmlns:p14="http://schemas.microsoft.com/office/powerpoint/2010/main" val="1004897141"/>
       </p:ext>
     </p:extLst>
   </p:cSld>
@@ -6225,6 +6232,268 @@
           <a:bodyPr/>
           <a:lstStyle/>
           <a:p>
+            <a:pPr marL="171450" indent="-171450">
+              <a:buFont typeface="Arial" panose="020B0604020202020204" pitchFamily="34" charset="0"/>
+              <a:buChar char="•"/>
+            </a:pPr>
+            <a:r>
+              <a:rPr lang="en-US" sz="1200" b="0" i="0" kern="1200" dirty="0">
+                <a:solidFill>
+                  <a:schemeClr val="tx1"/>
+                </a:solidFill>
+                <a:effectLst/>
+                <a:latin typeface="+mn-lt"/>
+                <a:ea typeface="+mn-ea"/>
+                <a:cs typeface="+mn-cs"/>
+              </a:rPr>
+              <a:t>A well-formed JWT consists of three concatenated Base64url-encoded strings, separated by dots (.):</a:t>
+            </a:r>
+          </a:p>
+          <a:p>
+            <a:pPr marL="171450" indent="-171450">
+              <a:buFont typeface="Arial" panose="020B0604020202020204" pitchFamily="34" charset="0"/>
+              <a:buChar char="•"/>
+            </a:pPr>
+            <a:r>
+              <a:rPr lang="en-US" sz="1200" b="1" i="0" kern="1200" dirty="0">
+                <a:solidFill>
+                  <a:schemeClr val="tx1"/>
+                </a:solidFill>
+                <a:effectLst/>
+                <a:latin typeface="+mn-lt"/>
+                <a:ea typeface="+mn-ea"/>
+                <a:cs typeface="+mn-cs"/>
+              </a:rPr>
+              <a:t>JOSE Header</a:t>
+            </a:r>
+            <a:r>
+              <a:rPr lang="en-US" sz="1200" b="0" i="0" kern="1200" dirty="0">
+                <a:solidFill>
+                  <a:schemeClr val="tx1"/>
+                </a:solidFill>
+                <a:effectLst/>
+                <a:latin typeface="+mn-lt"/>
+                <a:ea typeface="+mn-ea"/>
+                <a:cs typeface="+mn-cs"/>
+              </a:rPr>
+              <a:t>: </a:t>
+            </a:r>
+            <a:r>
+              <a:rPr lang="en-US" sz="1200" b="0" i="0" u="sng" kern="1200" dirty="0">
+                <a:solidFill>
+                  <a:schemeClr val="tx1"/>
+                </a:solidFill>
+                <a:effectLst/>
+                <a:latin typeface="+mn-lt"/>
+                <a:ea typeface="+mn-ea"/>
+                <a:cs typeface="+mn-cs"/>
+              </a:rPr>
+              <a:t>contains metadata about the type of token and the cryptographic algorithms used to secure its contents.</a:t>
+            </a:r>
+          </a:p>
+          <a:p>
+            <a:pPr marL="171450" indent="-171450">
+              <a:buFont typeface="Arial" panose="020B0604020202020204" pitchFamily="34" charset="0"/>
+              <a:buChar char="•"/>
+            </a:pPr>
+            <a:endParaRPr lang="en-US" sz="1200" b="0" i="0" u="sng" kern="1200" dirty="0">
+              <a:solidFill>
+                <a:schemeClr val="tx1"/>
+              </a:solidFill>
+              <a:effectLst/>
+              <a:latin typeface="+mn-lt"/>
+              <a:ea typeface="+mn-ea"/>
+              <a:cs typeface="+mn-cs"/>
+            </a:endParaRPr>
+          </a:p>
+          <a:p>
+            <a:pPr marL="171450" indent="-171450">
+              <a:buFont typeface="Arial" panose="020B0604020202020204" pitchFamily="34" charset="0"/>
+              <a:buChar char="•"/>
+            </a:pPr>
+            <a:endParaRPr lang="en-US" sz="1200" b="0" i="0" u="sng" kern="1200" dirty="0">
+              <a:solidFill>
+                <a:schemeClr val="tx1"/>
+              </a:solidFill>
+              <a:effectLst/>
+              <a:latin typeface="+mn-lt"/>
+              <a:ea typeface="+mn-ea"/>
+              <a:cs typeface="+mn-cs"/>
+            </a:endParaRPr>
+          </a:p>
+          <a:p>
+            <a:r>
+              <a:rPr lang="en-US" sz="1200" b="1" i="0" kern="1200" dirty="0">
+                <a:solidFill>
+                  <a:schemeClr val="tx1"/>
+                </a:solidFill>
+                <a:effectLst/>
+                <a:latin typeface="+mn-lt"/>
+                <a:ea typeface="+mn-ea"/>
+                <a:cs typeface="+mn-cs"/>
+              </a:rPr>
+              <a:t>JWS payload</a:t>
+            </a:r>
+            <a:r>
+              <a:rPr lang="en-US" sz="1200" b="0" i="0" kern="1200" dirty="0">
+                <a:solidFill>
+                  <a:schemeClr val="tx1"/>
+                </a:solidFill>
+                <a:effectLst/>
+                <a:latin typeface="+mn-lt"/>
+                <a:ea typeface="+mn-ea"/>
+                <a:cs typeface="+mn-cs"/>
+              </a:rPr>
+              <a:t> </a:t>
+            </a:r>
+            <a:r>
+              <a:rPr lang="en-US" sz="1200" b="0" i="0" u="sng" kern="1200" dirty="0">
+                <a:solidFill>
+                  <a:schemeClr val="tx1"/>
+                </a:solidFill>
+                <a:effectLst/>
+                <a:latin typeface="+mn-lt"/>
+                <a:ea typeface="+mn-ea"/>
+                <a:cs typeface="+mn-cs"/>
+              </a:rPr>
+              <a:t>(set of </a:t>
+            </a:r>
+            <a:r>
+              <a:rPr lang="en-US" sz="1200" b="0" i="0" u="sng" strike="noStrike" kern="1200" dirty="0">
+                <a:solidFill>
+                  <a:schemeClr val="tx1"/>
+                </a:solidFill>
+                <a:effectLst/>
+                <a:latin typeface="+mn-lt"/>
+                <a:ea typeface="+mn-ea"/>
+                <a:cs typeface="+mn-cs"/>
+                <a:hlinkClick r:id="rId3"/>
+              </a:rPr>
+              <a:t>claims</a:t>
+            </a:r>
+            <a:r>
+              <a:rPr lang="en-US" sz="1200" b="0" i="0" u="sng" kern="1200" dirty="0">
+                <a:solidFill>
+                  <a:schemeClr val="tx1"/>
+                </a:solidFill>
+                <a:effectLst/>
+                <a:latin typeface="+mn-lt"/>
+                <a:ea typeface="+mn-ea"/>
+                <a:cs typeface="+mn-cs"/>
+              </a:rPr>
+              <a:t>): contains verifiable security statements, such as the identity of the user and the permissions they are allowed.</a:t>
+            </a:r>
+          </a:p>
+          <a:p>
+            <a:endParaRPr lang="en-US" sz="1200" b="0" i="0" u="sng" kern="1200" dirty="0">
+              <a:solidFill>
+                <a:schemeClr val="tx1"/>
+              </a:solidFill>
+              <a:effectLst/>
+              <a:latin typeface="+mn-lt"/>
+              <a:ea typeface="+mn-ea"/>
+              <a:cs typeface="+mn-cs"/>
+            </a:endParaRPr>
+          </a:p>
+          <a:p>
+            <a:endParaRPr lang="en-US" sz="1200" b="0" i="0" u="sng" kern="1200" dirty="0">
+              <a:solidFill>
+                <a:schemeClr val="tx1"/>
+              </a:solidFill>
+              <a:effectLst/>
+              <a:latin typeface="+mn-lt"/>
+              <a:ea typeface="+mn-ea"/>
+              <a:cs typeface="+mn-cs"/>
+            </a:endParaRPr>
+          </a:p>
+          <a:p>
+            <a:r>
+              <a:rPr lang="en-US" sz="1200" b="1" i="0" kern="1200" dirty="0">
+                <a:solidFill>
+                  <a:schemeClr val="tx1"/>
+                </a:solidFill>
+                <a:effectLst/>
+                <a:latin typeface="+mn-lt"/>
+                <a:ea typeface="+mn-ea"/>
+                <a:cs typeface="+mn-cs"/>
+              </a:rPr>
+              <a:t>JWS signature</a:t>
+            </a:r>
+            <a:r>
+              <a:rPr lang="en-US" sz="1200" b="0" i="0" kern="1200" dirty="0">
+                <a:solidFill>
+                  <a:schemeClr val="tx1"/>
+                </a:solidFill>
+                <a:effectLst/>
+                <a:latin typeface="+mn-lt"/>
+                <a:ea typeface="+mn-ea"/>
+                <a:cs typeface="+mn-cs"/>
+              </a:rPr>
+              <a:t>: </a:t>
+            </a:r>
+            <a:r>
+              <a:rPr lang="en-US" sz="1200" b="0" i="0" u="sng" kern="1200" dirty="0">
+                <a:solidFill>
+                  <a:schemeClr val="tx1"/>
+                </a:solidFill>
+                <a:effectLst/>
+                <a:latin typeface="+mn-lt"/>
+                <a:ea typeface="+mn-ea"/>
+                <a:cs typeface="+mn-cs"/>
+              </a:rPr>
+              <a:t>used to validate that the token is trustworthy and has not been tampered with. When you use a JWT, you </a:t>
+            </a:r>
+            <a:r>
+              <a:rPr lang="en-US" sz="1200" b="1" i="0" u="sng" kern="1200" dirty="0">
+                <a:solidFill>
+                  <a:schemeClr val="tx1"/>
+                </a:solidFill>
+                <a:effectLst/>
+                <a:latin typeface="+mn-lt"/>
+                <a:ea typeface="+mn-ea"/>
+                <a:cs typeface="+mn-cs"/>
+              </a:rPr>
+              <a:t>must</a:t>
+            </a:r>
+            <a:r>
+              <a:rPr lang="en-US" sz="1200" b="0" i="0" u="sng" kern="1200" dirty="0">
+                <a:solidFill>
+                  <a:schemeClr val="tx1"/>
+                </a:solidFill>
+                <a:effectLst/>
+                <a:latin typeface="+mn-lt"/>
+                <a:ea typeface="+mn-ea"/>
+                <a:cs typeface="+mn-cs"/>
+              </a:rPr>
+              <a:t> </a:t>
+            </a:r>
+            <a:r>
+              <a:rPr lang="en-US" sz="1200" b="0" i="0" u="sng" strike="noStrike" kern="1200" dirty="0">
+                <a:solidFill>
+                  <a:schemeClr val="tx1"/>
+                </a:solidFill>
+                <a:effectLst/>
+                <a:latin typeface="+mn-lt"/>
+                <a:ea typeface="+mn-ea"/>
+                <a:cs typeface="+mn-cs"/>
+                <a:hlinkClick r:id="rId4"/>
+              </a:rPr>
+              <a:t>check its signature</a:t>
+            </a:r>
+            <a:r>
+              <a:rPr lang="en-US" sz="1200" b="0" i="0" u="sng" kern="1200" dirty="0">
+                <a:solidFill>
+                  <a:schemeClr val="tx1"/>
+                </a:solidFill>
+                <a:effectLst/>
+                <a:latin typeface="+mn-lt"/>
+                <a:ea typeface="+mn-ea"/>
+                <a:cs typeface="+mn-cs"/>
+              </a:rPr>
+              <a:t> before storing and using it.</a:t>
+            </a:r>
+          </a:p>
+          <a:p>
             <a:endParaRPr lang="en-IL" dirty="0"/>
           </a:p>
         </p:txBody>
@@ -6246,7 +6515,7 @@
           <a:p>
             <a:fld id="{D2850163-67CE-1445-A832-1977356FC86B}" type="slidenum">
               <a:rPr lang="en-IL" smtClean="0"/>
-              <a:t>28</a:t>
+              <a:t>24</a:t>
             </a:fld>
             <a:endParaRPr lang="en-IL"/>
           </a:p>
@@ -6255,7 +6524,7 @@
     </p:spTree>
     <p:extLst>
       <p:ext uri="{BB962C8B-B14F-4D97-AF65-F5344CB8AC3E}">
-        <p14:creationId xmlns:p14="http://schemas.microsoft.com/office/powerpoint/2010/main" val="1812222965"/>
+        <p14:creationId xmlns:p14="http://schemas.microsoft.com/office/powerpoint/2010/main" val="2588676180"/>
       </p:ext>
     </p:extLst>
   </p:cSld>
@@ -6309,179 +6578,6 @@
           <a:bodyPr/>
           <a:lstStyle/>
           <a:p>
-            <a:pPr marL="171450" indent="-171450">
-              <a:buFont typeface="Arial" panose="020B0604020202020204" pitchFamily="34" charset="0"/>
-              <a:buChar char="•"/>
-            </a:pPr>
-            <a:r>
-              <a:rPr lang="en-US" sz="1200" b="0" i="0" kern="1200" dirty="0">
-                <a:solidFill>
-                  <a:schemeClr val="tx1"/>
-                </a:solidFill>
-                <a:effectLst/>
-                <a:latin typeface="+mn-lt"/>
-                <a:ea typeface="+mn-ea"/>
-                <a:cs typeface="+mn-cs"/>
-              </a:rPr>
-              <a:t>At the first access, a client needs to contact the </a:t>
-            </a:r>
-            <a:r>
-              <a:rPr lang="en-US" sz="1200" b="0" i="1" kern="1200" dirty="0">
-                <a:solidFill>
-                  <a:schemeClr val="tx1"/>
-                </a:solidFill>
-                <a:effectLst/>
-                <a:latin typeface="+mn-lt"/>
-                <a:ea typeface="+mn-ea"/>
-                <a:cs typeface="+mn-cs"/>
-              </a:rPr>
-              <a:t>authentication server </a:t>
-            </a:r>
-            <a:r>
-              <a:rPr lang="en-US" sz="1200" b="0" i="0" kern="1200" dirty="0">
-                <a:solidFill>
-                  <a:schemeClr val="tx1"/>
-                </a:solidFill>
-                <a:effectLst/>
-                <a:latin typeface="+mn-lt"/>
-                <a:ea typeface="+mn-ea"/>
-                <a:cs typeface="+mn-cs"/>
-              </a:rPr>
-              <a:t>(Amazon Cognito here, but Microsoft, Salesforce or any other provider should be pretty similar), sending username and password to it. If credentials are valid, a JWT token will be returned to the client that will use it to request an API (in this example Amazon API Gateway endpoint).</a:t>
-            </a:r>
-          </a:p>
-          <a:p>
-            <a:pPr marL="171450" indent="-171450">
-              <a:buFont typeface="Arial" panose="020B0604020202020204" pitchFamily="34" charset="0"/>
-              <a:buChar char="•"/>
-            </a:pPr>
-            <a:endParaRPr lang="en-US" sz="1200" b="0" i="0" kern="1200" dirty="0">
-              <a:solidFill>
-                <a:schemeClr val="tx1"/>
-              </a:solidFill>
-              <a:effectLst/>
-              <a:latin typeface="+mn-lt"/>
-              <a:ea typeface="+mn-ea"/>
-              <a:cs typeface="+mn-cs"/>
-            </a:endParaRPr>
-          </a:p>
-          <a:p>
-            <a:pPr marL="171450" indent="-171450">
-              <a:buFont typeface="Arial" panose="020B0604020202020204" pitchFamily="34" charset="0"/>
-              <a:buChar char="•"/>
-            </a:pPr>
-            <a:r>
-              <a:rPr lang="en-US" sz="1200" b="0" i="0" kern="1200" dirty="0">
-                <a:solidFill>
-                  <a:schemeClr val="tx1"/>
-                </a:solidFill>
-                <a:effectLst/>
-                <a:latin typeface="+mn-lt"/>
-                <a:ea typeface="+mn-ea"/>
-                <a:cs typeface="+mn-cs"/>
-              </a:rPr>
-              <a:t>In the above scenario (fig.5), API itself is the only responsible for token validation and it’s able to reject the request if the signature seems forged.</a:t>
-            </a:r>
-          </a:p>
-          <a:p>
-            <a:pPr marL="171450" indent="-171450">
-              <a:buFont typeface="Arial" panose="020B0604020202020204" pitchFamily="34" charset="0"/>
-              <a:buChar char="•"/>
-            </a:pPr>
-            <a:endParaRPr lang="en-US" sz="1200" b="0" i="0" kern="1200" dirty="0">
-              <a:solidFill>
-                <a:schemeClr val="tx1"/>
-              </a:solidFill>
-              <a:effectLst/>
-              <a:latin typeface="+mn-lt"/>
-              <a:ea typeface="+mn-ea"/>
-              <a:cs typeface="+mn-cs"/>
-            </a:endParaRPr>
-          </a:p>
-          <a:p>
-            <a:pPr marL="171450" indent="-171450">
-              <a:buFont typeface="Arial" panose="020B0604020202020204" pitchFamily="34" charset="0"/>
-              <a:buChar char="•"/>
-            </a:pPr>
-            <a:endParaRPr lang="en-US" sz="1200" b="0" i="0" kern="1200" dirty="0">
-              <a:solidFill>
-                <a:schemeClr val="tx1"/>
-              </a:solidFill>
-              <a:effectLst/>
-              <a:latin typeface="+mn-lt"/>
-              <a:ea typeface="+mn-ea"/>
-              <a:cs typeface="+mn-cs"/>
-            </a:endParaRPr>
-          </a:p>
-          <a:p>
-            <a:r>
-              <a:rPr lang="en-US" sz="1200" b="1" i="0" kern="1200" dirty="0">
-                <a:solidFill>
-                  <a:schemeClr val="tx1"/>
-                </a:solidFill>
-                <a:effectLst/>
-                <a:latin typeface="+mn-lt"/>
-                <a:ea typeface="+mn-ea"/>
-                <a:cs typeface="+mn-cs"/>
-              </a:rPr>
-              <a:t>Going further</a:t>
-            </a:r>
-            <a:br>
-              <a:rPr lang="en-US" sz="1200" b="1" i="0" kern="1200" dirty="0">
-                <a:solidFill>
-                  <a:schemeClr val="tx1"/>
-                </a:solidFill>
-                <a:effectLst/>
-                <a:latin typeface="+mn-lt"/>
-                <a:ea typeface="+mn-ea"/>
-                <a:cs typeface="+mn-cs"/>
-              </a:rPr>
-            </a:br>
-            <a:r>
-              <a:rPr lang="en-US" sz="1200" b="0" i="0" kern="1200" dirty="0">
-                <a:solidFill>
-                  <a:schemeClr val="tx1"/>
-                </a:solidFill>
-                <a:effectLst/>
-                <a:latin typeface="+mn-lt"/>
-                <a:ea typeface="+mn-ea"/>
-                <a:cs typeface="+mn-cs"/>
-              </a:rPr>
-              <a:t>Suppose a client wants to invoke a protected API to delete an order (e.g. DELETE /order/42) and this action should be only performed by administrators.</a:t>
-            </a:r>
-          </a:p>
-          <a:p>
-            <a:r>
-              <a:rPr lang="en-US" sz="1200" b="0" i="0" kern="1200" dirty="0">
-                <a:solidFill>
-                  <a:schemeClr val="tx1"/>
-                </a:solidFill>
-                <a:effectLst/>
-                <a:latin typeface="+mn-lt"/>
-                <a:ea typeface="+mn-ea"/>
-                <a:cs typeface="+mn-cs"/>
-              </a:rPr>
-              <a:t>With a JWT in place, this operation is hard as add a custom claim to the payload body (i.e. the admin: true claim of the example above). When invoked, the API will first verify the signature authenticity and afterwards, it’ll check if admin claim is true.</a:t>
-            </a:r>
-          </a:p>
-          <a:p>
-            <a:br>
-              <a:rPr lang="en-US" dirty="0"/>
-            </a:br>
-            <a:endParaRPr lang="en-US" sz="1200" b="0" i="0" kern="1200" dirty="0">
-              <a:solidFill>
-                <a:schemeClr val="tx1"/>
-              </a:solidFill>
-              <a:effectLst/>
-              <a:latin typeface="+mn-lt"/>
-              <a:ea typeface="+mn-ea"/>
-              <a:cs typeface="+mn-cs"/>
-            </a:endParaRPr>
-          </a:p>
-          <a:p>
-            <a:br>
-              <a:rPr lang="en-US" dirty="0"/>
-            </a:br>
             <a:endParaRPr lang="en-IL" dirty="0"/>
           </a:p>
         </p:txBody>
@@ -6503,7 +6599,7 @@
           <a:p>
             <a:fld id="{D2850163-67CE-1445-A832-1977356FC86B}" type="slidenum">
               <a:rPr lang="en-IL" smtClean="0"/>
-              <a:t>29</a:t>
+              <a:t>25</a:t>
             </a:fld>
             <a:endParaRPr lang="en-IL"/>
           </a:p>
@@ -6512,7 +6608,7 @@
     </p:spTree>
     <p:extLst>
       <p:ext uri="{BB962C8B-B14F-4D97-AF65-F5344CB8AC3E}">
-        <p14:creationId xmlns:p14="http://schemas.microsoft.com/office/powerpoint/2010/main" val="2027966840"/>
+        <p14:creationId xmlns:p14="http://schemas.microsoft.com/office/powerpoint/2010/main" val="157783452"/>
       </p:ext>
     </p:extLst>
   </p:cSld>
@@ -6576,125 +6672,8 @@
                 <a:ea typeface="+mn-ea"/>
                 <a:cs typeface="+mn-cs"/>
               </a:rPr>
-              <a:t>A JWT is cryptographically signed (but </a:t>
-            </a:r>
-            <a:r>
-              <a:rPr lang="en-US" sz="1200" b="0" i="1" kern="1200" dirty="0">
-                <a:solidFill>
-                  <a:schemeClr val="tx1"/>
-                </a:solidFill>
-                <a:effectLst/>
-                <a:latin typeface="+mn-lt"/>
-                <a:ea typeface="+mn-ea"/>
-                <a:cs typeface="+mn-cs"/>
-              </a:rPr>
-              <a:t>not</a:t>
-            </a:r>
-            <a:r>
-              <a:rPr lang="en-US" sz="1200" b="0" i="0" kern="1200" dirty="0">
-                <a:solidFill>
-                  <a:schemeClr val="tx1"/>
-                </a:solidFill>
-                <a:effectLst/>
-                <a:latin typeface="+mn-lt"/>
-                <a:ea typeface="+mn-ea"/>
-                <a:cs typeface="+mn-cs"/>
-              </a:rPr>
-              <a:t> encrypted, hence using HTTPS is mandatory when storing user data in the JWT), so there is a guarantee we can trust it when we receive it, as no middleman can intercept and modify it, or the data it holds, without invalidating it.</a:t>
-            </a:r>
-          </a:p>
-          <a:p>
-            <a:endParaRPr lang="en-US" sz="1200" b="0" i="0" kern="1200" dirty="0">
-              <a:solidFill>
-                <a:schemeClr val="tx1"/>
-              </a:solidFill>
-              <a:effectLst/>
-              <a:latin typeface="+mn-lt"/>
-              <a:ea typeface="+mn-ea"/>
-              <a:cs typeface="+mn-cs"/>
-            </a:endParaRPr>
-          </a:p>
-          <a:p>
-            <a:endParaRPr lang="en-US" sz="1200" b="0" i="0" kern="1200" dirty="0">
-              <a:solidFill>
-                <a:schemeClr val="tx1"/>
-              </a:solidFill>
-              <a:effectLst/>
-              <a:latin typeface="+mn-lt"/>
-              <a:ea typeface="+mn-ea"/>
-              <a:cs typeface="+mn-cs"/>
-            </a:endParaRPr>
-          </a:p>
-          <a:p>
-            <a:r>
-              <a:rPr lang="en-US" sz="1200" b="0" i="0" kern="1200" dirty="0">
-                <a:solidFill>
-                  <a:schemeClr val="tx1"/>
-                </a:solidFill>
-                <a:effectLst/>
-                <a:latin typeface="+mn-lt"/>
-                <a:ea typeface="+mn-ea"/>
-                <a:cs typeface="+mn-cs"/>
-              </a:rPr>
-              <a:t>The secret key must be saved on server, and if I want to use the same </a:t>
-            </a:r>
-            <a:r>
-              <a:rPr lang="en-US" sz="1200" b="0" i="0" kern="1200" dirty="0" err="1">
-                <a:solidFill>
-                  <a:schemeClr val="tx1"/>
-                </a:solidFill>
-                <a:effectLst/>
-                <a:latin typeface="+mn-lt"/>
-                <a:ea typeface="+mn-ea"/>
-                <a:cs typeface="+mn-cs"/>
-              </a:rPr>
-              <a:t>jwt</a:t>
-            </a:r>
-            <a:r>
-              <a:rPr lang="en-US" sz="1200" b="0" i="0" kern="1200" dirty="0">
-                <a:solidFill>
-                  <a:schemeClr val="tx1"/>
-                </a:solidFill>
-                <a:effectLst/>
-                <a:latin typeface="+mn-lt"/>
-                <a:ea typeface="+mn-ea"/>
-                <a:cs typeface="+mn-cs"/>
-              </a:rPr>
-              <a:t> to access two different servers, both servers should share the same private key between them</a:t>
-            </a:r>
-            <a:endParaRPr lang="en-US" sz="1200" b="0" i="1" kern="1200" dirty="0">
-              <a:solidFill>
-                <a:schemeClr val="tx1"/>
-              </a:solidFill>
-              <a:effectLst/>
-              <a:latin typeface="+mn-lt"/>
-              <a:ea typeface="+mn-ea"/>
-              <a:cs typeface="+mn-cs"/>
-            </a:endParaRPr>
-          </a:p>
-          <a:p>
-            <a:endParaRPr lang="en-US" sz="1200" b="0" i="1" kern="1200" dirty="0">
-              <a:solidFill>
-                <a:schemeClr val="tx1"/>
-              </a:solidFill>
-              <a:effectLst/>
-              <a:latin typeface="+mn-lt"/>
-              <a:ea typeface="+mn-ea"/>
-              <a:cs typeface="+mn-cs"/>
-            </a:endParaRPr>
-          </a:p>
-          <a:p>
-            <a:endParaRPr lang="en-US" sz="1200" b="0" i="1" kern="1200" dirty="0">
-              <a:solidFill>
-                <a:schemeClr val="tx1"/>
-              </a:solidFill>
-              <a:effectLst/>
-              <a:latin typeface="+mn-lt"/>
-              <a:ea typeface="+mn-ea"/>
-              <a:cs typeface="+mn-cs"/>
-            </a:endParaRPr>
-          </a:p>
-          <a:p>
+              <a:t>HS256 is a symmetric algorithm, meaning it uses a shared secret</a:t>
+            </a:r>
             <a:endParaRPr lang="en-IL" dirty="0"/>
           </a:p>
         </p:txBody>
@@ -6716,7 +6695,7 @@
           <a:p>
             <a:fld id="{D2850163-67CE-1445-A832-1977356FC86B}" type="slidenum">
               <a:rPr lang="en-IL" smtClean="0"/>
-              <a:t>30</a:t>
+              <a:t>27</a:t>
             </a:fld>
             <a:endParaRPr lang="en-IL"/>
           </a:p>
@@ -6725,7 +6704,7 @@
     </p:spTree>
     <p:extLst>
       <p:ext uri="{BB962C8B-B14F-4D97-AF65-F5344CB8AC3E}">
-        <p14:creationId xmlns:p14="http://schemas.microsoft.com/office/powerpoint/2010/main" val="3943535028"/>
+        <p14:creationId xmlns:p14="http://schemas.microsoft.com/office/powerpoint/2010/main" val="2360773796"/>
       </p:ext>
     </p:extLst>
   </p:cSld>
@@ -6780,29 +6759,184 @@
           <a:lstStyle/>
           <a:p>
             <a:r>
-              <a:rPr lang="en-US" dirty="0"/>
-              <a:t>https://</a:t>
-            </a:r>
-            <a:r>
-              <a:rPr lang="en-US" dirty="0" err="1"/>
-              <a:t>www.youtube.com</a:t>
-            </a:r>
-            <a:r>
-              <a:rPr lang="en-US" dirty="0"/>
-              <a:t>/</a:t>
-            </a:r>
-            <a:r>
-              <a:rPr lang="en-US" dirty="0" err="1"/>
-              <a:t>watch?v</a:t>
-            </a:r>
-            <a:r>
-              <a:rPr lang="en-US" dirty="0"/>
-              <a:t>=7Q17ubqLfaM&amp;ab_channel=</a:t>
-            </a:r>
-            <a:r>
-              <a:rPr lang="en-US" dirty="0" err="1"/>
-              <a:t>WebDevSimplified</a:t>
-            </a:r>
+              <a:rPr lang="en-US" sz="1200" b="0" i="0" kern="1200" dirty="0">
+                <a:solidFill>
+                  <a:schemeClr val="tx1"/>
+                </a:solidFill>
+                <a:effectLst/>
+                <a:latin typeface="+mn-lt"/>
+                <a:ea typeface="+mn-ea"/>
+                <a:cs typeface="+mn-cs"/>
+              </a:rPr>
+              <a:t>The signature is the header and payload (JWT claims set) encoded using the algorithm specified in the header. In our example above it would be the encoded header concatenated with the encoded JWT claims set encoded with the HMAC SHA-256 algorithm.</a:t>
+            </a:r>
+          </a:p>
+          <a:p>
+            <a:endParaRPr lang="en-US" sz="1200" b="0" i="0" kern="1200" dirty="0">
+              <a:solidFill>
+                <a:schemeClr val="tx1"/>
+              </a:solidFill>
+              <a:effectLst/>
+              <a:latin typeface="+mn-lt"/>
+              <a:ea typeface="+mn-ea"/>
+              <a:cs typeface="+mn-cs"/>
+            </a:endParaRPr>
+          </a:p>
+          <a:p>
+            <a:r>
+              <a:rPr lang="en-US" sz="1200" b="0" i="0" kern="1200" dirty="0">
+                <a:solidFill>
+                  <a:schemeClr val="tx1"/>
+                </a:solidFill>
+                <a:effectLst/>
+                <a:latin typeface="+mn-lt"/>
+                <a:ea typeface="+mn-ea"/>
+                <a:cs typeface="+mn-cs"/>
+              </a:rPr>
+              <a:t>Signing is a cryptographic operation that generates a "signature”</a:t>
+            </a:r>
+          </a:p>
+          <a:p>
+            <a:endParaRPr lang="en-US" sz="1200" b="0" i="0" kern="1200" dirty="0">
+              <a:solidFill>
+                <a:schemeClr val="tx1"/>
+              </a:solidFill>
+              <a:effectLst/>
+              <a:latin typeface="+mn-lt"/>
+              <a:ea typeface="+mn-ea"/>
+              <a:cs typeface="+mn-cs"/>
+            </a:endParaRPr>
+          </a:p>
+          <a:p>
+            <a:endParaRPr lang="en-US" sz="1200" b="0" i="0" kern="1200" dirty="0">
+              <a:solidFill>
+                <a:schemeClr val="tx1"/>
+              </a:solidFill>
+              <a:effectLst/>
+              <a:latin typeface="+mn-lt"/>
+              <a:ea typeface="+mn-ea"/>
+              <a:cs typeface="+mn-cs"/>
+            </a:endParaRPr>
+          </a:p>
+          <a:p>
+            <a:r>
+              <a:rPr lang="en-US" sz="1200" b="0" i="0" kern="1200" dirty="0">
+                <a:solidFill>
+                  <a:schemeClr val="tx1"/>
+                </a:solidFill>
+                <a:effectLst/>
+                <a:latin typeface="+mn-lt"/>
+                <a:ea typeface="+mn-ea"/>
+                <a:cs typeface="+mn-cs"/>
+              </a:rPr>
+              <a:t>Signature is used to check the origin of the message</a:t>
+            </a:r>
+          </a:p>
+          <a:p>
+            <a:endParaRPr lang="en-US" sz="1200" b="0" i="0" kern="1200" dirty="0">
+              <a:solidFill>
+                <a:schemeClr val="tx1"/>
+              </a:solidFill>
+              <a:effectLst/>
+              <a:latin typeface="+mn-lt"/>
+              <a:ea typeface="+mn-ea"/>
+              <a:cs typeface="+mn-cs"/>
+            </a:endParaRPr>
+          </a:p>
+          <a:p>
+            <a:pPr fontAlgn="base"/>
+            <a:r>
+              <a:rPr lang="en-US" sz="1200" b="1" i="0" kern="1200" dirty="0">
+                <a:solidFill>
+                  <a:schemeClr val="tx1"/>
+                </a:solidFill>
+                <a:effectLst/>
+                <a:latin typeface="+mn-lt"/>
+                <a:ea typeface="+mn-ea"/>
+                <a:cs typeface="+mn-cs"/>
+              </a:rPr>
+              <a:t>HS256 and RS256 Scenario</a:t>
+            </a:r>
+            <a:endParaRPr lang="en-US" sz="1200" b="0" i="0" kern="1200" dirty="0">
+              <a:solidFill>
+                <a:schemeClr val="tx1"/>
+              </a:solidFill>
+              <a:effectLst/>
+              <a:latin typeface="+mn-lt"/>
+              <a:ea typeface="+mn-ea"/>
+              <a:cs typeface="+mn-cs"/>
+            </a:endParaRPr>
+          </a:p>
+          <a:p>
+            <a:pPr fontAlgn="base"/>
+            <a:r>
+              <a:rPr lang="en-US" sz="1200" b="0" i="0" kern="1200" dirty="0">
+                <a:solidFill>
+                  <a:schemeClr val="tx1"/>
+                </a:solidFill>
+                <a:effectLst/>
+                <a:latin typeface="+mn-lt"/>
+                <a:ea typeface="+mn-ea"/>
+                <a:cs typeface="+mn-cs"/>
+              </a:rPr>
+              <a:t>These algorithms are NOT used to encrypt/</a:t>
+            </a:r>
+            <a:r>
+              <a:rPr lang="en-US" sz="1200" b="0" i="0" kern="1200" dirty="0" err="1">
+                <a:solidFill>
+                  <a:schemeClr val="tx1"/>
+                </a:solidFill>
+                <a:effectLst/>
+                <a:latin typeface="+mn-lt"/>
+                <a:ea typeface="+mn-ea"/>
+                <a:cs typeface="+mn-cs"/>
+              </a:rPr>
+              <a:t>decryt</a:t>
+            </a:r>
+            <a:r>
+              <a:rPr lang="en-US" sz="1200" b="0" i="0" kern="1200" dirty="0">
+                <a:solidFill>
+                  <a:schemeClr val="tx1"/>
+                </a:solidFill>
+                <a:effectLst/>
+                <a:latin typeface="+mn-lt"/>
+                <a:ea typeface="+mn-ea"/>
+                <a:cs typeface="+mn-cs"/>
+              </a:rPr>
+              <a:t> data. Rather they are used to verify the origin or the authenticity of the data. When Mary needs to send an open message to Jhon and he needs to verify that the message is surely from Mary, HS256 or RS256 can be used.</a:t>
+            </a:r>
+          </a:p>
+          <a:p>
+            <a:pPr fontAlgn="base"/>
+            <a:r>
+              <a:rPr lang="en-US" sz="1200" b="0" i="0" kern="1200" dirty="0">
+                <a:solidFill>
+                  <a:schemeClr val="tx1"/>
+                </a:solidFill>
+                <a:effectLst/>
+                <a:latin typeface="+mn-lt"/>
+                <a:ea typeface="+mn-ea"/>
+                <a:cs typeface="+mn-cs"/>
+              </a:rPr>
+              <a:t>HS256 can create a signature for a given sample of data using a single key. When the message is transmitted along with the signature, the receiving party can use the same key to verify that the signature matches the message.</a:t>
+            </a:r>
+          </a:p>
+          <a:p>
+            <a:pPr fontAlgn="base"/>
+            <a:r>
+              <a:rPr lang="en-US" sz="1200" b="0" i="0" kern="1200" dirty="0">
+                <a:solidFill>
+                  <a:schemeClr val="tx1"/>
+                </a:solidFill>
+                <a:effectLst/>
+                <a:latin typeface="+mn-lt"/>
+                <a:ea typeface="+mn-ea"/>
+                <a:cs typeface="+mn-cs"/>
+              </a:rPr>
+              <a:t>RS256 uses pair of keys to do the same. A signature can only be generated using the private key. And the public key has to be used to verify the signature. In this scenario, even if Jack finds the public key, he cannot create a spoof message with a signature to impersonate Mary.</a:t>
+            </a:r>
+          </a:p>
+          <a:p>
             <a:endParaRPr lang="en-IL" dirty="0"/>
           </a:p>
         </p:txBody>
@@ -6824,7 +6958,7 @@
           <a:p>
             <a:fld id="{D2850163-67CE-1445-A832-1977356FC86B}" type="slidenum">
               <a:rPr lang="en-IL" smtClean="0"/>
-              <a:t>31</a:t>
+              <a:t>29</a:t>
             </a:fld>
             <a:endParaRPr lang="en-IL"/>
           </a:p>
@@ -6833,7 +6967,7 @@
     </p:spTree>
     <p:extLst>
       <p:ext uri="{BB962C8B-B14F-4D97-AF65-F5344CB8AC3E}">
-        <p14:creationId xmlns:p14="http://schemas.microsoft.com/office/powerpoint/2010/main" val="2561722854"/>
+        <p14:creationId xmlns:p14="http://schemas.microsoft.com/office/powerpoint/2010/main" val="1812222965"/>
       </p:ext>
     </p:extLst>
   </p:cSld>
@@ -6888,68 +7022,178 @@
           <a:lstStyle/>
           <a:p>
             <a:pPr marL="171450" indent="-171450">
-              <a:buFontTx/>
-              <a:buChar char="-"/>
+              <a:buFont typeface="Arial" panose="020B0604020202020204" pitchFamily="34" charset="0"/>
+              <a:buChar char="•"/>
             </a:pPr>
             <a:r>
+              <a:rPr lang="en-US" sz="1200" b="0" i="0" kern="1200" dirty="0">
+                <a:solidFill>
+                  <a:schemeClr val="tx1"/>
+                </a:solidFill>
+                <a:effectLst/>
+                <a:latin typeface="+mn-lt"/>
+                <a:ea typeface="+mn-ea"/>
+                <a:cs typeface="+mn-cs"/>
+              </a:rPr>
+              <a:t>At the first access, a client needs to contact the </a:t>
+            </a:r>
+            <a:r>
+              <a:rPr lang="en-US" sz="1200" b="0" i="1" kern="1200" dirty="0">
+                <a:solidFill>
+                  <a:schemeClr val="tx1"/>
+                </a:solidFill>
+                <a:effectLst/>
+                <a:latin typeface="+mn-lt"/>
+                <a:ea typeface="+mn-ea"/>
+                <a:cs typeface="+mn-cs"/>
+              </a:rPr>
+              <a:t>authentication server </a:t>
+            </a:r>
+            <a:r>
+              <a:rPr lang="en-US" sz="1200" b="0" i="0" kern="1200" dirty="0">
+                <a:solidFill>
+                  <a:schemeClr val="tx1"/>
+                </a:solidFill>
+                <a:effectLst/>
+                <a:latin typeface="+mn-lt"/>
+                <a:ea typeface="+mn-ea"/>
+                <a:cs typeface="+mn-cs"/>
+              </a:rPr>
+              <a:t>(Amazon Cognito here, but Microsoft, Salesforce or any other provider should be pretty similar), sending username and password to it. If credentials are valid, a JWT token will be returned to the client that will use it to request an API (in this example Amazon API Gateway endpoint).</a:t>
+            </a:r>
+          </a:p>
+          <a:p>
+            <a:pPr marL="171450" indent="-171450">
+              <a:buFont typeface="Arial" panose="020B0604020202020204" pitchFamily="34" charset="0"/>
+              <a:buChar char="•"/>
+            </a:pPr>
+            <a:endParaRPr lang="en-US" sz="1200" b="0" i="0" kern="1200" dirty="0">
+              <a:solidFill>
+                <a:schemeClr val="tx1"/>
+              </a:solidFill>
+              <a:effectLst/>
+              <a:latin typeface="+mn-lt"/>
+              <a:ea typeface="+mn-ea"/>
+              <a:cs typeface="+mn-cs"/>
+            </a:endParaRPr>
+          </a:p>
+          <a:p>
+            <a:pPr marL="171450" indent="-171450">
+              <a:buFont typeface="Arial" panose="020B0604020202020204" pitchFamily="34" charset="0"/>
+              <a:buChar char="•"/>
+            </a:pPr>
+            <a:r>
+              <a:rPr lang="en-US" sz="1200" b="0" i="0" kern="1200" dirty="0">
+                <a:solidFill>
+                  <a:schemeClr val="tx1"/>
+                </a:solidFill>
+                <a:effectLst/>
+                <a:latin typeface="+mn-lt"/>
+                <a:ea typeface="+mn-ea"/>
+                <a:cs typeface="+mn-cs"/>
+              </a:rPr>
+              <a:t>In the above scenario (fig.5), API itself is the only responsible for token validation and it’s able to reject the request if the signature seems forged.</a:t>
+            </a:r>
+          </a:p>
+          <a:p>
+            <a:pPr marL="171450" indent="-171450">
+              <a:buFont typeface="Arial" panose="020B0604020202020204" pitchFamily="34" charset="0"/>
+              <a:buChar char="•"/>
+            </a:pPr>
+            <a:endParaRPr lang="en-US" sz="1200" b="0" i="0" kern="1200" dirty="0">
+              <a:solidFill>
+                <a:schemeClr val="tx1"/>
+              </a:solidFill>
+              <a:effectLst/>
+              <a:latin typeface="+mn-lt"/>
+              <a:ea typeface="+mn-ea"/>
+              <a:cs typeface="+mn-cs"/>
+            </a:endParaRPr>
+          </a:p>
+          <a:p>
+            <a:pPr marL="171450" indent="-171450">
+              <a:buFont typeface="Arial" panose="020B0604020202020204" pitchFamily="34" charset="0"/>
+              <a:buChar char="•"/>
+            </a:pPr>
+            <a:endParaRPr lang="en-US" sz="1200" b="0" i="0" kern="1200" dirty="0">
+              <a:solidFill>
+                <a:schemeClr val="tx1"/>
+              </a:solidFill>
+              <a:effectLst/>
+              <a:latin typeface="+mn-lt"/>
+              <a:ea typeface="+mn-ea"/>
+              <a:cs typeface="+mn-cs"/>
+            </a:endParaRPr>
+          </a:p>
+          <a:p>
+            <a:r>
+              <a:rPr lang="en-US" sz="1200" b="1" i="0" kern="1200" dirty="0">
+                <a:solidFill>
+                  <a:schemeClr val="tx1"/>
+                </a:solidFill>
+                <a:effectLst/>
+                <a:latin typeface="+mn-lt"/>
+                <a:ea typeface="+mn-ea"/>
+                <a:cs typeface="+mn-cs"/>
+              </a:rPr>
+              <a:t>Going further</a:t>
+            </a:r>
+            <a:br>
+              <a:rPr lang="en-US" sz="1200" b="1" i="0" kern="1200" dirty="0">
+                <a:solidFill>
+                  <a:schemeClr val="tx1"/>
+                </a:solidFill>
+                <a:effectLst/>
+                <a:latin typeface="+mn-lt"/>
+                <a:ea typeface="+mn-ea"/>
+                <a:cs typeface="+mn-cs"/>
+              </a:rPr>
+            </a:br>
+            <a:r>
+              <a:rPr lang="en-US" sz="1200" b="0" i="0" kern="1200" dirty="0">
+                <a:solidFill>
+                  <a:schemeClr val="tx1"/>
+                </a:solidFill>
+                <a:effectLst/>
+                <a:latin typeface="+mn-lt"/>
+                <a:ea typeface="+mn-ea"/>
+                <a:cs typeface="+mn-cs"/>
+              </a:rPr>
+              <a:t>Suppose a client wants to invoke a protected API to delete an order (e.g. DELETE /order/42) and this action should be only performed by administrators.</a:t>
+            </a:r>
+          </a:p>
+          <a:p>
+            <a:r>
+              <a:rPr lang="en-US" sz="1200" b="0" i="0" kern="1200" dirty="0">
+                <a:solidFill>
+                  <a:schemeClr val="tx1"/>
+                </a:solidFill>
+                <a:effectLst/>
+                <a:latin typeface="+mn-lt"/>
+                <a:ea typeface="+mn-ea"/>
+                <a:cs typeface="+mn-cs"/>
+              </a:rPr>
+              <a:t>With a JWT in place, this operation is hard as add a custom claim to the payload body (i.e. the admin: true claim of the example above). When invoked, the API will first verify the signature authenticity and afterwards, it’ll check if admin claim is true.</a:t>
+            </a:r>
+          </a:p>
+          <a:p>
+            <a:br>
               <a:rPr lang="en-US" dirty="0"/>
-              <a:t>P</a:t>
-            </a:r>
-            <a:r>
-              <a:rPr lang="en-IL" dirty="0"/>
-              <a:t>roblem of symetric encoding: </a:t>
-            </a:r>
-            <a:r>
+            </a:br>
+            <a:endParaRPr lang="en-US" sz="1200" b="0" i="0" kern="1200" dirty="0">
+              <a:solidFill>
+                <a:schemeClr val="tx1"/>
+              </a:solidFill>
+              <a:effectLst/>
+              <a:latin typeface="+mn-lt"/>
+              <a:ea typeface="+mn-ea"/>
+              <a:cs typeface="+mn-cs"/>
+            </a:endParaRPr>
+          </a:p>
+          <a:p>
+            <a:br>
               <a:rPr lang="en-US" dirty="0"/>
-              <a:t>https://</a:t>
-            </a:r>
-            <a:r>
-              <a:rPr lang="en-US" dirty="0" err="1"/>
-              <a:t>www.pingidentity.com</a:t>
-            </a:r>
-            <a:r>
-              <a:rPr lang="en-US" dirty="0"/>
-              <a:t>/</a:t>
-            </a:r>
-            <a:r>
-              <a:rPr lang="en-US" dirty="0" err="1"/>
-              <a:t>en</a:t>
-            </a:r>
-            <a:r>
-              <a:rPr lang="en-US" dirty="0"/>
-              <a:t>/company/blog/posts/2019/</a:t>
-            </a:r>
-            <a:r>
-              <a:rPr lang="en-US" dirty="0" err="1"/>
-              <a:t>jwt</a:t>
-            </a:r>
-            <a:r>
-              <a:rPr lang="en-US" dirty="0"/>
-              <a:t>-security-nobody-talks-</a:t>
-            </a:r>
-            <a:r>
-              <a:rPr lang="en-US" dirty="0" err="1"/>
-              <a:t>about.html</a:t>
-            </a:r>
-            <a:endParaRPr lang="en-US" dirty="0"/>
-          </a:p>
-          <a:p>
-            <a:pPr marL="171450" indent="-171450">
-              <a:buFontTx/>
-              <a:buChar char="-"/>
-            </a:pPr>
-            <a:r>
-              <a:rPr lang="en-US" dirty="0"/>
-              <a:t>https://</a:t>
-            </a:r>
-            <a:r>
-              <a:rPr lang="en-US" dirty="0" err="1"/>
-              <a:t>taylor.callsen.me</a:t>
-            </a:r>
-            <a:r>
-              <a:rPr lang="en-US" dirty="0"/>
-              <a:t>/shared-authentication-with-json-web-tokens/</a:t>
-            </a:r>
+            </a:br>
             <a:endParaRPr lang="en-IL" dirty="0"/>
           </a:p>
         </p:txBody>
@@ -6971,7 +7215,7 @@
           <a:p>
             <a:fld id="{D2850163-67CE-1445-A832-1977356FC86B}" type="slidenum">
               <a:rPr lang="en-IL" smtClean="0"/>
-              <a:t>32</a:t>
+              <a:t>30</a:t>
             </a:fld>
             <a:endParaRPr lang="en-IL"/>
           </a:p>
@@ -6980,7 +7224,7 @@
     </p:spTree>
     <p:extLst>
       <p:ext uri="{BB962C8B-B14F-4D97-AF65-F5344CB8AC3E}">
-        <p14:creationId xmlns:p14="http://schemas.microsoft.com/office/powerpoint/2010/main" val="868668785"/>
+        <p14:creationId xmlns:p14="http://schemas.microsoft.com/office/powerpoint/2010/main" val="2027966840"/>
       </p:ext>
     </p:extLst>
   </p:cSld>
@@ -7034,10 +7278,6 @@
           <a:bodyPr/>
           <a:lstStyle/>
           <a:p>
-            <a:pPr marL="171450" indent="-171450">
-              <a:buFont typeface="Arial" panose="020B0604020202020204" pitchFamily="34" charset="0"/>
-              <a:buChar char="•"/>
-            </a:pPr>
             <a:r>
               <a:rPr lang="en-US" sz="1200" b="0" i="0" kern="1200" dirty="0">
                 <a:solidFill>
@@ -7048,23 +7288,10 @@
                 <a:ea typeface="+mn-ea"/>
                 <a:cs typeface="+mn-cs"/>
               </a:rPr>
-              <a:t>Passport has a rich ecosystem of </a:t>
-            </a:r>
-            <a:r>
-              <a:rPr lang="en-US" sz="1200" b="1" i="0" u="none" strike="noStrike" kern="1200" dirty="0">
-                <a:solidFill>
-                  <a:schemeClr val="tx1"/>
-                </a:solidFill>
-                <a:effectLst/>
-                <a:latin typeface="+mn-lt"/>
-                <a:ea typeface="+mn-ea"/>
-                <a:cs typeface="+mn-cs"/>
-                <a:hlinkClick r:id="rId3"/>
-              </a:rPr>
-              <a:t>strategies</a:t>
-            </a:r>
-            <a:r>
-              <a:rPr lang="en-US" sz="1200" b="0" i="0" kern="1200" dirty="0">
+              <a:t>A JWT is </a:t>
+            </a:r>
+            <a:r>
+              <a:rPr lang="en-US" sz="1200" b="0" i="0" u="sng" kern="1200" dirty="0">
                 <a:solidFill>
                   <a:schemeClr val="tx1"/>
                 </a:solidFill>
@@ -7073,19 +7300,7 @@
                 <a:ea typeface="+mn-ea"/>
                 <a:cs typeface="+mn-cs"/>
               </a:rPr>
-              <a:t> that implement various authentication mechanisms. While simple in concept, the set of Passport strategies you can choose from is large and presents a lot of variety. Passport abstracts these varied steps into a standard pattern, and the </a:t>
-            </a:r>
-            <a:r>
-              <a:rPr lang="en-US" dirty="0"/>
-              <a:t>@</a:t>
-            </a:r>
-            <a:r>
-              <a:rPr lang="en-US" dirty="0" err="1"/>
-              <a:t>nestjs</a:t>
-            </a:r>
-            <a:r>
-              <a:rPr lang="en-US" dirty="0"/>
-              <a:t>/passport</a:t>
+              <a:t>cryptographically</a:t>
             </a:r>
             <a:r>
               <a:rPr lang="en-US" sz="1200" b="0" i="0" kern="1200" dirty="0">
@@ -7097,14 +7312,34 @@
                 <a:ea typeface="+mn-ea"/>
                 <a:cs typeface="+mn-cs"/>
               </a:rPr>
-              <a:t> module wraps and standardizes this pattern into familiar Nest constructs.</a:t>
-            </a:r>
-          </a:p>
-          <a:p>
-            <a:pPr marL="171450" indent="-171450">
-              <a:buFont typeface="Arial" panose="020B0604020202020204" pitchFamily="34" charset="0"/>
-              <a:buChar char="•"/>
-            </a:pPr>
+              <a:t> signed (but </a:t>
+            </a:r>
+            <a:r>
+              <a:rPr lang="en-US" sz="1200" b="0" i="1" kern="1200" dirty="0">
+                <a:solidFill>
+                  <a:schemeClr val="tx1"/>
+                </a:solidFill>
+                <a:effectLst/>
+                <a:latin typeface="+mn-lt"/>
+                <a:ea typeface="+mn-ea"/>
+                <a:cs typeface="+mn-cs"/>
+              </a:rPr>
+              <a:t>not</a:t>
+            </a:r>
+            <a:r>
+              <a:rPr lang="en-US" sz="1200" b="0" i="0" kern="1200" dirty="0">
+                <a:solidFill>
+                  <a:schemeClr val="tx1"/>
+                </a:solidFill>
+                <a:effectLst/>
+                <a:latin typeface="+mn-lt"/>
+                <a:ea typeface="+mn-ea"/>
+                <a:cs typeface="+mn-cs"/>
+              </a:rPr>
+              <a:t> encrypted, hence using HTTPS is mandatory when storing user data in the JWT), so there is a guarantee we can trust it when we receive it, as no middleman can intercept and modify it, or the data it holds, without invalidating it.</a:t>
+            </a:r>
+          </a:p>
+          <a:p>
             <a:endParaRPr lang="en-US" sz="1200" b="0" i="0" kern="1200" dirty="0">
               <a:solidFill>
                 <a:schemeClr val="tx1"/>
@@ -7116,10 +7351,6 @@
             </a:endParaRPr>
           </a:p>
           <a:p>
-            <a:pPr marL="171450" indent="-171450">
-              <a:buFont typeface="Arial" panose="020B0604020202020204" pitchFamily="34" charset="0"/>
-              <a:buChar char="•"/>
-            </a:pPr>
             <a:endParaRPr lang="en-US" sz="1200" b="0" i="0" kern="1200" dirty="0">
               <a:solidFill>
                 <a:schemeClr val="tx1"/>
@@ -7131,10 +7362,6 @@
             </a:endParaRPr>
           </a:p>
           <a:p>
-            <a:pPr marL="171450" indent="-171450">
-              <a:buFont typeface="Arial" panose="020B0604020202020204" pitchFamily="34" charset="0"/>
-              <a:buChar char="•"/>
-            </a:pPr>
             <a:r>
               <a:rPr lang="en-US" sz="1200" b="0" i="0" kern="1200" dirty="0">
                 <a:solidFill>
@@ -7145,16 +7372,10 @@
                 <a:ea typeface="+mn-ea"/>
                 <a:cs typeface="+mn-cs"/>
               </a:rPr>
-              <a:t>A set of options that are specific to that strategy. For example, in a JWT strategy, you might provide a secret to sign tokens.</a:t>
-            </a:r>
-          </a:p>
-          <a:p>
-            <a:pPr marL="171450" indent="-171450">
-              <a:buFont typeface="Arial" panose="020B0604020202020204" pitchFamily="34" charset="0"/>
-              <a:buChar char="•"/>
-            </a:pPr>
-            <a:r>
-              <a:rPr lang="en-US" sz="1200" b="0" i="0" kern="1200" dirty="0">
+              <a:t>The secret key must be saved on server, and if I want to use the same </a:t>
+            </a:r>
+            <a:r>
+              <a:rPr lang="en-US" sz="1200" b="0" i="0" kern="1200" dirty="0" err="1">
                 <a:solidFill>
                   <a:schemeClr val="tx1"/>
                 </a:solidFill>
@@ -7163,13 +7384,53 @@
                 <a:ea typeface="+mn-ea"/>
                 <a:cs typeface="+mn-cs"/>
               </a:rPr>
-              <a:t>A "verify callback", which is where you tell Passport how to interact with your user store (where you manage user accounts). Here, you verify whether a user exists (and/or create a new user), and whether their credentials are valid. The Passport library expects this callback to return a full user if the validation succeeds, or a null if it fails (failure is defined as either the user is not found, or, in the case of passport-local, the password does not match).</a:t>
-            </a:r>
-          </a:p>
-          <a:p>
-            <a:br>
-              <a:rPr lang="en-US" dirty="0"/>
-            </a:br>
+              <a:t>jwt</a:t>
+            </a:r>
+            <a:r>
+              <a:rPr lang="en-US" sz="1200" b="0" i="0" kern="1200" dirty="0">
+                <a:solidFill>
+                  <a:schemeClr val="tx1"/>
+                </a:solidFill>
+                <a:effectLst/>
+                <a:latin typeface="+mn-lt"/>
+                <a:ea typeface="+mn-ea"/>
+                <a:cs typeface="+mn-cs"/>
+              </a:rPr>
+              <a:t> to access two different servers, both servers should share the same private key between them</a:t>
+            </a:r>
+            <a:endParaRPr lang="en-US" sz="1200" b="0" i="1" kern="1200" dirty="0">
+              <a:solidFill>
+                <a:schemeClr val="tx1"/>
+              </a:solidFill>
+              <a:effectLst/>
+              <a:latin typeface="+mn-lt"/>
+              <a:ea typeface="+mn-ea"/>
+              <a:cs typeface="+mn-cs"/>
+            </a:endParaRPr>
+          </a:p>
+          <a:p>
+            <a:endParaRPr lang="en-US" sz="1200" b="0" i="1" kern="1200" dirty="0">
+              <a:solidFill>
+                <a:schemeClr val="tx1"/>
+              </a:solidFill>
+              <a:effectLst/>
+              <a:latin typeface="+mn-lt"/>
+              <a:ea typeface="+mn-ea"/>
+              <a:cs typeface="+mn-cs"/>
+            </a:endParaRPr>
+          </a:p>
+          <a:p>
+            <a:endParaRPr lang="en-US" sz="1200" b="0" i="1" kern="1200" dirty="0">
+              <a:solidFill>
+                <a:schemeClr val="tx1"/>
+              </a:solidFill>
+              <a:effectLst/>
+              <a:latin typeface="+mn-lt"/>
+              <a:ea typeface="+mn-ea"/>
+              <a:cs typeface="+mn-cs"/>
+            </a:endParaRPr>
+          </a:p>
+          <a:p>
             <a:endParaRPr lang="en-IL" dirty="0"/>
           </a:p>
         </p:txBody>
@@ -7191,7 +7452,7 @@
           <a:p>
             <a:fld id="{D2850163-67CE-1445-A832-1977356FC86B}" type="slidenum">
               <a:rPr lang="en-IL" smtClean="0"/>
-              <a:t>33</a:t>
+              <a:t>31</a:t>
             </a:fld>
             <a:endParaRPr lang="en-IL"/>
           </a:p>
@@ -7200,7 +7461,7 @@
     </p:spTree>
     <p:extLst>
       <p:ext uri="{BB962C8B-B14F-4D97-AF65-F5344CB8AC3E}">
-        <p14:creationId xmlns:p14="http://schemas.microsoft.com/office/powerpoint/2010/main" val="1709393936"/>
+        <p14:creationId xmlns:p14="http://schemas.microsoft.com/office/powerpoint/2010/main" val="3943535028"/>
       </p:ext>
     </p:extLst>
   </p:cSld>
@@ -7254,7 +7515,30 @@
           <a:bodyPr/>
           <a:lstStyle/>
           <a:p>
-            <a:pPr marL="0" algn="l" defTabSz="914400" rtl="0" eaLnBrk="1" latinLnBrk="0" hangingPunct="1"/>
+            <a:r>
+              <a:rPr lang="en-US" dirty="0"/>
+              <a:t>https://</a:t>
+            </a:r>
+            <a:r>
+              <a:rPr lang="en-US" dirty="0" err="1"/>
+              <a:t>www.youtube.com</a:t>
+            </a:r>
+            <a:r>
+              <a:rPr lang="en-US" dirty="0"/>
+              <a:t>/</a:t>
+            </a:r>
+            <a:r>
+              <a:rPr lang="en-US" dirty="0" err="1"/>
+              <a:t>watch?v</a:t>
+            </a:r>
+            <a:r>
+              <a:rPr lang="en-US" dirty="0"/>
+              <a:t>=7Q17ubqLfaM&amp;ab_channel=</a:t>
+            </a:r>
+            <a:r>
+              <a:rPr lang="en-US" dirty="0" err="1"/>
+              <a:t>WebDevSimplified</a:t>
+            </a:r>
             <a:endParaRPr lang="en-IL" dirty="0"/>
           </a:p>
         </p:txBody>
@@ -7276,7 +7560,7 @@
           <a:p>
             <a:fld id="{D2850163-67CE-1445-A832-1977356FC86B}" type="slidenum">
               <a:rPr lang="en-IL" smtClean="0"/>
-              <a:t>34</a:t>
+              <a:t>32</a:t>
             </a:fld>
             <a:endParaRPr lang="en-IL"/>
           </a:p>
@@ -7285,7 +7569,7 @@
     </p:spTree>
     <p:extLst>
       <p:ext uri="{BB962C8B-B14F-4D97-AF65-F5344CB8AC3E}">
-        <p14:creationId xmlns:p14="http://schemas.microsoft.com/office/powerpoint/2010/main" val="3860110948"/>
+        <p14:creationId xmlns:p14="http://schemas.microsoft.com/office/powerpoint/2010/main" val="2561722854"/>
       </p:ext>
     </p:extLst>
   </p:cSld>
@@ -7339,7 +7623,69 @@
           <a:bodyPr/>
           <a:lstStyle/>
           <a:p>
-            <a:pPr algn="r" rtl="1"/>
+            <a:pPr marL="171450" indent="-171450">
+              <a:buFontTx/>
+              <a:buChar char="-"/>
+            </a:pPr>
+            <a:r>
+              <a:rPr lang="en-US" dirty="0"/>
+              <a:t>P</a:t>
+            </a:r>
+            <a:r>
+              <a:rPr lang="en-IL" dirty="0"/>
+              <a:t>roblem of symetric encoding: </a:t>
+            </a:r>
+            <a:r>
+              <a:rPr lang="en-US" dirty="0"/>
+              <a:t>https://</a:t>
+            </a:r>
+            <a:r>
+              <a:rPr lang="en-US" dirty="0" err="1"/>
+              <a:t>www.pingidentity.com</a:t>
+            </a:r>
+            <a:r>
+              <a:rPr lang="en-US" dirty="0"/>
+              <a:t>/</a:t>
+            </a:r>
+            <a:r>
+              <a:rPr lang="en-US" dirty="0" err="1"/>
+              <a:t>en</a:t>
+            </a:r>
+            <a:r>
+              <a:rPr lang="en-US" dirty="0"/>
+              <a:t>/company/blog/posts/2019/</a:t>
+            </a:r>
+            <a:r>
+              <a:rPr lang="en-US" dirty="0" err="1"/>
+              <a:t>jwt</a:t>
+            </a:r>
+            <a:r>
+              <a:rPr lang="en-US" dirty="0"/>
+              <a:t>-security-nobody-talks-</a:t>
+            </a:r>
+            <a:r>
+              <a:rPr lang="en-US" dirty="0" err="1"/>
+              <a:t>about.html</a:t>
+            </a:r>
+            <a:endParaRPr lang="en-US" dirty="0"/>
+          </a:p>
+          <a:p>
+            <a:pPr marL="171450" indent="-171450">
+              <a:buFontTx/>
+              <a:buChar char="-"/>
+            </a:pPr>
+            <a:r>
+              <a:rPr lang="en-US" dirty="0"/>
+              <a:t>https://</a:t>
+            </a:r>
+            <a:r>
+              <a:rPr lang="en-US" dirty="0" err="1"/>
+              <a:t>taylor.callsen.me</a:t>
+            </a:r>
+            <a:r>
+              <a:rPr lang="en-US" dirty="0"/>
+              <a:t>/shared-authentication-with-json-web-tokens/</a:t>
+            </a:r>
             <a:endParaRPr lang="en-IL" dirty="0"/>
           </a:p>
         </p:txBody>
@@ -7361,7 +7707,7 @@
           <a:p>
             <a:fld id="{D2850163-67CE-1445-A832-1977356FC86B}" type="slidenum">
               <a:rPr lang="en-IL" smtClean="0"/>
-              <a:t>35</a:t>
+              <a:t>33</a:t>
             </a:fld>
             <a:endParaRPr lang="en-IL"/>
           </a:p>
@@ -7370,7 +7716,7 @@
     </p:spTree>
     <p:extLst>
       <p:ext uri="{BB962C8B-B14F-4D97-AF65-F5344CB8AC3E}">
-        <p14:creationId xmlns:p14="http://schemas.microsoft.com/office/powerpoint/2010/main" val="4206020102"/>
+        <p14:creationId xmlns:p14="http://schemas.microsoft.com/office/powerpoint/2010/main" val="868668785"/>
       </p:ext>
     </p:extLst>
   </p:cSld>
@@ -7429,21 +7775,138 @@
               <a:buChar char="•"/>
             </a:pPr>
             <a:r>
+              <a:rPr lang="en-US" sz="1200" b="0" i="0" kern="1200" dirty="0">
+                <a:solidFill>
+                  <a:schemeClr val="tx1"/>
+                </a:solidFill>
+                <a:effectLst/>
+                <a:latin typeface="+mn-lt"/>
+                <a:ea typeface="+mn-ea"/>
+                <a:cs typeface="+mn-cs"/>
+              </a:rPr>
+              <a:t>Passport has a rich ecosystem of </a:t>
+            </a:r>
+            <a:r>
+              <a:rPr lang="en-US" sz="1200" b="1" i="0" u="none" strike="noStrike" kern="1200" dirty="0">
+                <a:solidFill>
+                  <a:schemeClr val="tx1"/>
+                </a:solidFill>
+                <a:effectLst/>
+                <a:latin typeface="+mn-lt"/>
+                <a:ea typeface="+mn-ea"/>
+                <a:cs typeface="+mn-cs"/>
+                <a:hlinkClick r:id="rId3"/>
+              </a:rPr>
+              <a:t>strategies</a:t>
+            </a:r>
+            <a:r>
+              <a:rPr lang="en-US" sz="1200" b="0" i="0" kern="1200" dirty="0">
+                <a:solidFill>
+                  <a:schemeClr val="tx1"/>
+                </a:solidFill>
+                <a:effectLst/>
+                <a:latin typeface="+mn-lt"/>
+                <a:ea typeface="+mn-ea"/>
+                <a:cs typeface="+mn-cs"/>
+              </a:rPr>
+              <a:t> that implement various authentication mechanisms. While simple in concept, the set of Passport strategies you can choose from is large and presents a lot of variety. Passport abstracts these varied steps into a standard pattern, and the </a:t>
+            </a:r>
+            <a:r>
               <a:rPr lang="en-US" dirty="0"/>
-              <a:t>E</a:t>
-            </a:r>
-            <a:r>
-              <a:rPr lang="en-IL" dirty="0"/>
-              <a:t>xplain why do wee need symetric/asymetric.  </a:t>
+              <a:t>@</a:t>
+            </a:r>
+            <a:r>
+              <a:rPr lang="en-US" dirty="0" err="1"/>
+              <a:t>nestjs</a:t>
             </a:r>
             <a:r>
               <a:rPr lang="en-US" dirty="0"/>
-              <a:t>T</a:t>
-            </a:r>
-            <a:r>
-              <a:rPr lang="en-IL" dirty="0"/>
-              <a:t>o solve pb of validating signtaure</a:t>
-            </a:r>
+              <a:t>/passport</a:t>
+            </a:r>
+            <a:r>
+              <a:rPr lang="en-US" sz="1200" b="0" i="0" kern="1200" dirty="0">
+                <a:solidFill>
+                  <a:schemeClr val="tx1"/>
+                </a:solidFill>
+                <a:effectLst/>
+                <a:latin typeface="+mn-lt"/>
+                <a:ea typeface="+mn-ea"/>
+                <a:cs typeface="+mn-cs"/>
+              </a:rPr>
+              <a:t> module wraps and standardizes this pattern into familiar Nest constructs.</a:t>
+            </a:r>
+          </a:p>
+          <a:p>
+            <a:pPr marL="171450" indent="-171450">
+              <a:buFont typeface="Arial" panose="020B0604020202020204" pitchFamily="34" charset="0"/>
+              <a:buChar char="•"/>
+            </a:pPr>
+            <a:endParaRPr lang="en-US" sz="1200" b="0" i="0" kern="1200" dirty="0">
+              <a:solidFill>
+                <a:schemeClr val="tx1"/>
+              </a:solidFill>
+              <a:effectLst/>
+              <a:latin typeface="+mn-lt"/>
+              <a:ea typeface="+mn-ea"/>
+              <a:cs typeface="+mn-cs"/>
+            </a:endParaRPr>
+          </a:p>
+          <a:p>
+            <a:pPr marL="171450" indent="-171450">
+              <a:buFont typeface="Arial" panose="020B0604020202020204" pitchFamily="34" charset="0"/>
+              <a:buChar char="•"/>
+            </a:pPr>
+            <a:endParaRPr lang="en-US" sz="1200" b="0" i="0" kern="1200" dirty="0">
+              <a:solidFill>
+                <a:schemeClr val="tx1"/>
+              </a:solidFill>
+              <a:effectLst/>
+              <a:latin typeface="+mn-lt"/>
+              <a:ea typeface="+mn-ea"/>
+              <a:cs typeface="+mn-cs"/>
+            </a:endParaRPr>
+          </a:p>
+          <a:p>
+            <a:pPr marL="171450" indent="-171450">
+              <a:buFont typeface="Arial" panose="020B0604020202020204" pitchFamily="34" charset="0"/>
+              <a:buChar char="•"/>
+            </a:pPr>
+            <a:r>
+              <a:rPr lang="en-US" sz="1200" b="0" i="0" kern="1200" dirty="0">
+                <a:solidFill>
+                  <a:schemeClr val="tx1"/>
+                </a:solidFill>
+                <a:effectLst/>
+                <a:latin typeface="+mn-lt"/>
+                <a:ea typeface="+mn-ea"/>
+                <a:cs typeface="+mn-cs"/>
+              </a:rPr>
+              <a:t>A set of options that are specific to that strategy. For example, in a JWT strategy, you might provide a secret to sign tokens.</a:t>
+            </a:r>
+          </a:p>
+          <a:p>
+            <a:pPr marL="171450" indent="-171450">
+              <a:buFont typeface="Arial" panose="020B0604020202020204" pitchFamily="34" charset="0"/>
+              <a:buChar char="•"/>
+            </a:pPr>
+            <a:r>
+              <a:rPr lang="en-US" sz="1200" b="0" i="0" kern="1200" dirty="0">
+                <a:solidFill>
+                  <a:schemeClr val="tx1"/>
+                </a:solidFill>
+                <a:effectLst/>
+                <a:latin typeface="+mn-lt"/>
+                <a:ea typeface="+mn-ea"/>
+                <a:cs typeface="+mn-cs"/>
+              </a:rPr>
+              <a:t>A "verify callback", which is where you tell Passport how to interact with your user store (where you manage user accounts). Here, you verify whether a user exists (and/or create a new user), and whether their credentials are valid. The Passport library expects this callback to return a full user if the validation succeeds, or a null if it fails (failure is defined as either the user is not found, or, in the case of passport-local, the password does not match).</a:t>
+            </a:r>
+          </a:p>
+          <a:p>
+            <a:br>
+              <a:rPr lang="en-US" dirty="0"/>
+            </a:br>
+            <a:endParaRPr lang="en-IL" dirty="0"/>
           </a:p>
         </p:txBody>
       </p:sp>
@@ -7464,7 +7927,7 @@
           <a:p>
             <a:fld id="{D2850163-67CE-1445-A832-1977356FC86B}" type="slidenum">
               <a:rPr lang="en-IL" smtClean="0"/>
-              <a:t>36</a:t>
+              <a:t>34</a:t>
             </a:fld>
             <a:endParaRPr lang="en-IL"/>
           </a:p>
@@ -7473,7 +7936,7 @@
     </p:spTree>
     <p:extLst>
       <p:ext uri="{BB962C8B-B14F-4D97-AF65-F5344CB8AC3E}">
-        <p14:creationId xmlns:p14="http://schemas.microsoft.com/office/powerpoint/2010/main" val="3939310208"/>
+        <p14:creationId xmlns:p14="http://schemas.microsoft.com/office/powerpoint/2010/main" val="1709393936"/>
       </p:ext>
     </p:extLst>
   </p:cSld>
@@ -7615,6 +8078,279 @@
           <a:bodyPr/>
           <a:lstStyle/>
           <a:p>
+            <a:pPr marL="0" algn="l" defTabSz="914400" rtl="0" eaLnBrk="1" latinLnBrk="0" hangingPunct="1"/>
+            <a:endParaRPr lang="en-IL" dirty="0"/>
+          </a:p>
+        </p:txBody>
+      </p:sp>
+      <p:sp>
+        <p:nvSpPr>
+          <p:cNvPr id="4" name="Slide Number Placeholder 3"/>
+          <p:cNvSpPr>
+            <a:spLocks noGrp="1"/>
+          </p:cNvSpPr>
+          <p:nvPr>
+            <p:ph type="sldNum" sz="quarter" idx="5"/>
+          </p:nvPr>
+        </p:nvSpPr>
+        <p:spPr/>
+        <p:txBody>
+          <a:bodyPr/>
+          <a:lstStyle/>
+          <a:p>
+            <a:fld id="{D2850163-67CE-1445-A832-1977356FC86B}" type="slidenum">
+              <a:rPr lang="en-IL" smtClean="0"/>
+              <a:t>35</a:t>
+            </a:fld>
+            <a:endParaRPr lang="en-IL"/>
+          </a:p>
+        </p:txBody>
+      </p:sp>
+    </p:spTree>
+    <p:extLst>
+      <p:ext uri="{BB962C8B-B14F-4D97-AF65-F5344CB8AC3E}">
+        <p14:creationId xmlns:p14="http://schemas.microsoft.com/office/powerpoint/2010/main" val="3860110948"/>
+      </p:ext>
+    </p:extLst>
+  </p:cSld>
+  <p:clrMapOvr>
+    <a:masterClrMapping/>
+  </p:clrMapOvr>
+</p:notes>
+</file>
+
+<file path=ppt/notesSlides/notesSlide31.xml><?xml version="1.0" encoding="utf-8"?>
+<p:notes xmlns:a="http://schemas.openxmlformats.org/drawingml/2006/main" xmlns:r="http://schemas.openxmlformats.org/officeDocument/2006/relationships" xmlns:p="http://schemas.openxmlformats.org/presentationml/2006/main">
+  <p:cSld>
+    <p:spTree>
+      <p:nvGrpSpPr>
+        <p:cNvPr id="1" name=""/>
+        <p:cNvGrpSpPr/>
+        <p:nvPr/>
+      </p:nvGrpSpPr>
+      <p:grpSpPr>
+        <a:xfrm>
+          <a:off x="0" y="0"/>
+          <a:ext cx="0" cy="0"/>
+          <a:chOff x="0" y="0"/>
+          <a:chExt cx="0" cy="0"/>
+        </a:xfrm>
+      </p:grpSpPr>
+      <p:sp>
+        <p:nvSpPr>
+          <p:cNvPr id="2" name="Slide Image Placeholder 1"/>
+          <p:cNvSpPr>
+            <a:spLocks noGrp="1" noRot="1" noChangeAspect="1"/>
+          </p:cNvSpPr>
+          <p:nvPr>
+            <p:ph type="sldImg"/>
+          </p:nvPr>
+        </p:nvSpPr>
+        <p:spPr/>
+      </p:sp>
+      <p:sp>
+        <p:nvSpPr>
+          <p:cNvPr id="3" name="Notes Placeholder 2"/>
+          <p:cNvSpPr>
+            <a:spLocks noGrp="1"/>
+          </p:cNvSpPr>
+          <p:nvPr>
+            <p:ph type="body" idx="1"/>
+          </p:nvPr>
+        </p:nvSpPr>
+        <p:spPr/>
+        <p:txBody>
+          <a:bodyPr/>
+          <a:lstStyle/>
+          <a:p>
+            <a:pPr algn="r" rtl="1"/>
+            <a:endParaRPr lang="en-IL" dirty="0"/>
+          </a:p>
+        </p:txBody>
+      </p:sp>
+      <p:sp>
+        <p:nvSpPr>
+          <p:cNvPr id="4" name="Slide Number Placeholder 3"/>
+          <p:cNvSpPr>
+            <a:spLocks noGrp="1"/>
+          </p:cNvSpPr>
+          <p:nvPr>
+            <p:ph type="sldNum" sz="quarter" idx="5"/>
+          </p:nvPr>
+        </p:nvSpPr>
+        <p:spPr/>
+        <p:txBody>
+          <a:bodyPr/>
+          <a:lstStyle/>
+          <a:p>
+            <a:fld id="{D2850163-67CE-1445-A832-1977356FC86B}" type="slidenum">
+              <a:rPr lang="en-IL" smtClean="0"/>
+              <a:t>36</a:t>
+            </a:fld>
+            <a:endParaRPr lang="en-IL"/>
+          </a:p>
+        </p:txBody>
+      </p:sp>
+    </p:spTree>
+    <p:extLst>
+      <p:ext uri="{BB962C8B-B14F-4D97-AF65-F5344CB8AC3E}">
+        <p14:creationId xmlns:p14="http://schemas.microsoft.com/office/powerpoint/2010/main" val="4206020102"/>
+      </p:ext>
+    </p:extLst>
+  </p:cSld>
+  <p:clrMapOvr>
+    <a:masterClrMapping/>
+  </p:clrMapOvr>
+</p:notes>
+</file>
+
+<file path=ppt/notesSlides/notesSlide32.xml><?xml version="1.0" encoding="utf-8"?>
+<p:notes xmlns:a="http://schemas.openxmlformats.org/drawingml/2006/main" xmlns:r="http://schemas.openxmlformats.org/officeDocument/2006/relationships" xmlns:p="http://schemas.openxmlformats.org/presentationml/2006/main">
+  <p:cSld>
+    <p:spTree>
+      <p:nvGrpSpPr>
+        <p:cNvPr id="1" name=""/>
+        <p:cNvGrpSpPr/>
+        <p:nvPr/>
+      </p:nvGrpSpPr>
+      <p:grpSpPr>
+        <a:xfrm>
+          <a:off x="0" y="0"/>
+          <a:ext cx="0" cy="0"/>
+          <a:chOff x="0" y="0"/>
+          <a:chExt cx="0" cy="0"/>
+        </a:xfrm>
+      </p:grpSpPr>
+      <p:sp>
+        <p:nvSpPr>
+          <p:cNvPr id="2" name="Slide Image Placeholder 1"/>
+          <p:cNvSpPr>
+            <a:spLocks noGrp="1" noRot="1" noChangeAspect="1"/>
+          </p:cNvSpPr>
+          <p:nvPr>
+            <p:ph type="sldImg"/>
+          </p:nvPr>
+        </p:nvSpPr>
+        <p:spPr/>
+      </p:sp>
+      <p:sp>
+        <p:nvSpPr>
+          <p:cNvPr id="3" name="Notes Placeholder 2"/>
+          <p:cNvSpPr>
+            <a:spLocks noGrp="1"/>
+          </p:cNvSpPr>
+          <p:nvPr>
+            <p:ph type="body" idx="1"/>
+          </p:nvPr>
+        </p:nvSpPr>
+        <p:spPr/>
+        <p:txBody>
+          <a:bodyPr/>
+          <a:lstStyle/>
+          <a:p>
+            <a:pPr marL="171450" indent="-171450">
+              <a:buFont typeface="Arial" panose="020B0604020202020204" pitchFamily="34" charset="0"/>
+              <a:buChar char="•"/>
+            </a:pPr>
+            <a:r>
+              <a:rPr lang="en-US" dirty="0"/>
+              <a:t>E</a:t>
+            </a:r>
+            <a:r>
+              <a:rPr lang="en-IL" dirty="0"/>
+              <a:t>xplain why do wee need symetric/asymetric.  </a:t>
+            </a:r>
+            <a:r>
+              <a:rPr lang="en-US" dirty="0"/>
+              <a:t>T</a:t>
+            </a:r>
+            <a:r>
+              <a:rPr lang="en-IL" dirty="0"/>
+              <a:t>o solve pb of validating signtaure</a:t>
+            </a:r>
+          </a:p>
+        </p:txBody>
+      </p:sp>
+      <p:sp>
+        <p:nvSpPr>
+          <p:cNvPr id="4" name="Slide Number Placeholder 3"/>
+          <p:cNvSpPr>
+            <a:spLocks noGrp="1"/>
+          </p:cNvSpPr>
+          <p:nvPr>
+            <p:ph type="sldNum" sz="quarter" idx="5"/>
+          </p:nvPr>
+        </p:nvSpPr>
+        <p:spPr/>
+        <p:txBody>
+          <a:bodyPr/>
+          <a:lstStyle/>
+          <a:p>
+            <a:fld id="{D2850163-67CE-1445-A832-1977356FC86B}" type="slidenum">
+              <a:rPr lang="en-IL" smtClean="0"/>
+              <a:t>37</a:t>
+            </a:fld>
+            <a:endParaRPr lang="en-IL"/>
+          </a:p>
+        </p:txBody>
+      </p:sp>
+    </p:spTree>
+    <p:extLst>
+      <p:ext uri="{BB962C8B-B14F-4D97-AF65-F5344CB8AC3E}">
+        <p14:creationId xmlns:p14="http://schemas.microsoft.com/office/powerpoint/2010/main" val="3939310208"/>
+      </p:ext>
+    </p:extLst>
+  </p:cSld>
+  <p:clrMapOvr>
+    <a:masterClrMapping/>
+  </p:clrMapOvr>
+</p:notes>
+</file>
+
+<file path=ppt/notesSlides/notesSlide33.xml><?xml version="1.0" encoding="utf-8"?>
+<p:notes xmlns:a="http://schemas.openxmlformats.org/drawingml/2006/main" xmlns:r="http://schemas.openxmlformats.org/officeDocument/2006/relationships" xmlns:p="http://schemas.openxmlformats.org/presentationml/2006/main">
+  <p:cSld>
+    <p:spTree>
+      <p:nvGrpSpPr>
+        <p:cNvPr id="1" name=""/>
+        <p:cNvGrpSpPr/>
+        <p:nvPr/>
+      </p:nvGrpSpPr>
+      <p:grpSpPr>
+        <a:xfrm>
+          <a:off x="0" y="0"/>
+          <a:ext cx="0" cy="0"/>
+          <a:chOff x="0" y="0"/>
+          <a:chExt cx="0" cy="0"/>
+        </a:xfrm>
+      </p:grpSpPr>
+      <p:sp>
+        <p:nvSpPr>
+          <p:cNvPr id="2" name="Slide Image Placeholder 1"/>
+          <p:cNvSpPr>
+            <a:spLocks noGrp="1" noRot="1" noChangeAspect="1"/>
+          </p:cNvSpPr>
+          <p:nvPr>
+            <p:ph type="sldImg"/>
+          </p:nvPr>
+        </p:nvSpPr>
+        <p:spPr/>
+      </p:sp>
+      <p:sp>
+        <p:nvSpPr>
+          <p:cNvPr id="3" name="Notes Placeholder 2"/>
+          <p:cNvSpPr>
+            <a:spLocks noGrp="1"/>
+          </p:cNvSpPr>
+          <p:nvPr>
+            <p:ph type="body" idx="1"/>
+          </p:nvPr>
+        </p:nvSpPr>
+        <p:spPr/>
+        <p:txBody>
+          <a:bodyPr/>
+          <a:lstStyle/>
+          <a:p>
             <a:r>
               <a:rPr lang="en-US" sz="1200" b="1" i="1" kern="1200" dirty="0">
                 <a:solidFill>
@@ -7940,7 +8676,7 @@
           <a:p>
             <a:fld id="{D2850163-67CE-1445-A832-1977356FC86B}" type="slidenum">
               <a:rPr lang="en-IL" smtClean="0"/>
-              <a:t>37</a:t>
+              <a:t>38</a:t>
             </a:fld>
             <a:endParaRPr lang="en-IL"/>
           </a:p>
@@ -7959,7 +8695,7 @@
 </p:notes>
 </file>
 
-<file path=ppt/notesSlides/notesSlide31.xml><?xml version="1.0" encoding="utf-8"?>
+<file path=ppt/notesSlides/notesSlide34.xml><?xml version="1.0" encoding="utf-8"?>
 <p:notes xmlns:a="http://schemas.openxmlformats.org/drawingml/2006/main" xmlns:r="http://schemas.openxmlformats.org/officeDocument/2006/relationships" xmlns:p="http://schemas.openxmlformats.org/presentationml/2006/main">
   <p:cSld>
     <p:spTree>
@@ -8031,7 +8767,7 @@
           <a:p>
             <a:fld id="{D2850163-67CE-1445-A832-1977356FC86B}" type="slidenum">
               <a:rPr lang="en-IL" smtClean="0"/>
-              <a:t>38</a:t>
+              <a:t>39</a:t>
             </a:fld>
             <a:endParaRPr lang="en-IL"/>
           </a:p>
@@ -8835,7 +9571,7 @@
           <a:p>
             <a:fld id="{FBD4AB29-D7CE-BF42-9604-B5027FE70E55}" type="datetimeFigureOut">
               <a:rPr lang="en-IL" smtClean="0"/>
-              <a:t>29/06/2021</a:t>
+              <a:t>20/07/2021</a:t>
             </a:fld>
             <a:endParaRPr lang="en-IL"/>
           </a:p>
@@ -9005,7 +9741,7 @@
           <a:p>
             <a:fld id="{FBD4AB29-D7CE-BF42-9604-B5027FE70E55}" type="datetimeFigureOut">
               <a:rPr lang="en-IL" smtClean="0"/>
-              <a:t>29/06/2021</a:t>
+              <a:t>20/07/2021</a:t>
             </a:fld>
             <a:endParaRPr lang="en-IL"/>
           </a:p>
@@ -9185,7 +9921,7 @@
           <a:p>
             <a:fld id="{FBD4AB29-D7CE-BF42-9604-B5027FE70E55}" type="datetimeFigureOut">
               <a:rPr lang="en-IL" smtClean="0"/>
-              <a:t>29/06/2021</a:t>
+              <a:t>20/07/2021</a:t>
             </a:fld>
             <a:endParaRPr lang="en-IL"/>
           </a:p>
@@ -9355,7 +10091,7 @@
           <a:p>
             <a:fld id="{FBD4AB29-D7CE-BF42-9604-B5027FE70E55}" type="datetimeFigureOut">
               <a:rPr lang="en-IL" smtClean="0"/>
-              <a:t>29/06/2021</a:t>
+              <a:t>20/07/2021</a:t>
             </a:fld>
             <a:endParaRPr lang="en-IL"/>
           </a:p>
@@ -9601,7 +10337,7 @@
           <a:p>
             <a:fld id="{FBD4AB29-D7CE-BF42-9604-B5027FE70E55}" type="datetimeFigureOut">
               <a:rPr lang="en-IL" smtClean="0"/>
-              <a:t>29/06/2021</a:t>
+              <a:t>20/07/2021</a:t>
             </a:fld>
             <a:endParaRPr lang="en-IL"/>
           </a:p>
@@ -9833,7 +10569,7 @@
           <a:p>
             <a:fld id="{FBD4AB29-D7CE-BF42-9604-B5027FE70E55}" type="datetimeFigureOut">
               <a:rPr lang="en-IL" smtClean="0"/>
-              <a:t>29/06/2021</a:t>
+              <a:t>20/07/2021</a:t>
             </a:fld>
             <a:endParaRPr lang="en-IL"/>
           </a:p>
@@ -10200,7 +10936,7 @@
           <a:p>
             <a:fld id="{FBD4AB29-D7CE-BF42-9604-B5027FE70E55}" type="datetimeFigureOut">
               <a:rPr lang="en-IL" smtClean="0"/>
-              <a:t>29/06/2021</a:t>
+              <a:t>20/07/2021</a:t>
             </a:fld>
             <a:endParaRPr lang="en-IL"/>
           </a:p>
@@ -10318,7 +11054,7 @@
           <a:p>
             <a:fld id="{FBD4AB29-D7CE-BF42-9604-B5027FE70E55}" type="datetimeFigureOut">
               <a:rPr lang="en-IL" smtClean="0"/>
-              <a:t>29/06/2021</a:t>
+              <a:t>20/07/2021</a:t>
             </a:fld>
             <a:endParaRPr lang="en-IL"/>
           </a:p>
@@ -10413,7 +11149,7 @@
           <a:p>
             <a:fld id="{FBD4AB29-D7CE-BF42-9604-B5027FE70E55}" type="datetimeFigureOut">
               <a:rPr lang="en-IL" smtClean="0"/>
-              <a:t>29/06/2021</a:t>
+              <a:t>20/07/2021</a:t>
             </a:fld>
             <a:endParaRPr lang="en-IL"/>
           </a:p>
@@ -10690,7 +11426,7 @@
           <a:p>
             <a:fld id="{FBD4AB29-D7CE-BF42-9604-B5027FE70E55}" type="datetimeFigureOut">
               <a:rPr lang="en-IL" smtClean="0"/>
-              <a:t>29/06/2021</a:t>
+              <a:t>20/07/2021</a:t>
             </a:fld>
             <a:endParaRPr lang="en-IL"/>
           </a:p>
@@ -10947,7 +11683,7 @@
           <a:p>
             <a:fld id="{FBD4AB29-D7CE-BF42-9604-B5027FE70E55}" type="datetimeFigureOut">
               <a:rPr lang="en-IL" smtClean="0"/>
-              <a:t>29/06/2021</a:t>
+              <a:t>20/07/2021</a:t>
             </a:fld>
             <a:endParaRPr lang="en-IL"/>
           </a:p>
@@ -11160,7 +11896,7 @@
           <a:p>
             <a:fld id="{FBD4AB29-D7CE-BF42-9604-B5027FE70E55}" type="datetimeFigureOut">
               <a:rPr lang="en-IL" smtClean="0"/>
-              <a:t>29/06/2021</a:t>
+              <a:t>20/07/2021</a:t>
             </a:fld>
             <a:endParaRPr lang="en-IL"/>
           </a:p>
@@ -13599,8 +14335,8 @@
         </p:nvSpPr>
         <p:spPr>
           <a:xfrm>
-            <a:off x="4898055" y="1336688"/>
-            <a:ext cx="6952248" cy="5207264"/>
+            <a:off x="4898054" y="1336688"/>
+            <a:ext cx="7293925" cy="5207264"/>
           </a:xfrm>
           <a:prstGeom prst="rect">
             <a:avLst/>
@@ -13620,167 +14356,64 @@
                 <a:spcPts val="600"/>
               </a:spcAft>
             </a:pPr>
-            <a:r>
-              <a:rPr lang="en-US" sz="2400" dirty="0"/>
-              <a:t>Once upon a time</a:t>
-            </a:r>
-          </a:p>
-          <a:p>
-            <a:pPr marL="457200" indent="-228600" defTabSz="914400">
+            <a:endParaRPr lang="en-US" sz="2400" dirty="0"/>
+          </a:p>
+          <a:p>
+            <a:pPr defTabSz="914400">
               <a:lnSpc>
                 <a:spcPct val="90000"/>
               </a:lnSpc>
               <a:spcAft>
                 <a:spcPts val="600"/>
               </a:spcAft>
-              <a:buFont typeface="Arial" panose="020B0604020202020204" pitchFamily="34" charset="0"/>
-              <a:buChar char="•"/>
             </a:pPr>
-            <a:r>
-              <a:rPr lang="en-US" sz="2400" dirty="0"/>
-              <a:t>Suppose you have a REST API (e.g. GET /orders) and you want to restrict access to </a:t>
-            </a:r>
-            <a:r>
-              <a:rPr lang="en-US" sz="2400" dirty="0">
-                <a:solidFill>
-                  <a:srgbClr val="00B050"/>
-                </a:solidFill>
-              </a:rPr>
-              <a:t>authorized</a:t>
-            </a:r>
-            <a:r>
-              <a:rPr lang="en-US" sz="2400" dirty="0"/>
-              <a:t> users only.</a:t>
-            </a:r>
-          </a:p>
-          <a:p>
-            <a:pPr marL="457200" indent="-228600" defTabSz="914400">
+            <a:endParaRPr lang="en-US" sz="2400" dirty="0"/>
+          </a:p>
+          <a:p>
+            <a:pPr defTabSz="914400">
               <a:lnSpc>
                 <a:spcPct val="90000"/>
               </a:lnSpc>
               <a:spcAft>
                 <a:spcPts val="600"/>
               </a:spcAft>
-              <a:buFont typeface="Arial" panose="020B0604020202020204" pitchFamily="34" charset="0"/>
-              <a:buChar char="•"/>
             </a:pPr>
             <a:endParaRPr lang="en-US" sz="2400" dirty="0"/>
           </a:p>
           <a:p>
-            <a:pPr marL="457200" indent="-228600" defTabSz="914400">
+            <a:pPr defTabSz="914400">
               <a:lnSpc>
                 <a:spcPct val="90000"/>
               </a:lnSpc>
               <a:spcAft>
                 <a:spcPts val="600"/>
               </a:spcAft>
-              <a:buFont typeface="Arial" panose="020B0604020202020204" pitchFamily="34" charset="0"/>
-              <a:buChar char="•"/>
             </a:pPr>
-            <a:r>
-              <a:rPr lang="en-US" sz="2400" dirty="0"/>
-              <a:t>In the most naïve approach, the API would </a:t>
-            </a:r>
-            <a:r>
-              <a:rPr lang="en-US" sz="2400" dirty="0">
-                <a:solidFill>
-                  <a:srgbClr val="00B050"/>
-                </a:solidFill>
-              </a:rPr>
-              <a:t>ask</a:t>
-            </a:r>
-            <a:r>
-              <a:rPr lang="en-US" sz="2400" dirty="0"/>
-              <a:t> for a </a:t>
-            </a:r>
-            <a:r>
-              <a:rPr lang="en-US" sz="2400" dirty="0">
-                <a:solidFill>
-                  <a:srgbClr val="00B050"/>
-                </a:solidFill>
-              </a:rPr>
-              <a:t>username</a:t>
-            </a:r>
-            <a:r>
-              <a:rPr lang="en-US" sz="2400" dirty="0"/>
-              <a:t> and </a:t>
-            </a:r>
-            <a:r>
-              <a:rPr lang="en-US" sz="2400" dirty="0">
-                <a:solidFill>
-                  <a:srgbClr val="00B050"/>
-                </a:solidFill>
-              </a:rPr>
-              <a:t>password</a:t>
-            </a:r>
-            <a:r>
-              <a:rPr lang="en-US" sz="2400" dirty="0"/>
-              <a:t>; then it will be searched in a database for whether those credentials really exist. We check for </a:t>
-            </a:r>
-            <a:r>
-              <a:rPr lang="en-US" sz="2400" dirty="0">
-                <a:solidFill>
-                  <a:srgbClr val="00B050"/>
-                </a:solidFill>
-              </a:rPr>
-              <a:t>authenticity</a:t>
-            </a:r>
-            <a:r>
-              <a:rPr lang="en-US" sz="2400" dirty="0"/>
-              <a:t>. </a:t>
-            </a:r>
-          </a:p>
-          <a:p>
-            <a:pPr marL="457200" indent="-228600" defTabSz="914400">
+            <a:endParaRPr lang="en-US" sz="2400" dirty="0"/>
+          </a:p>
+          <a:p>
+            <a:pPr defTabSz="914400">
               <a:lnSpc>
                 <a:spcPct val="90000"/>
               </a:lnSpc>
               <a:spcAft>
                 <a:spcPts val="600"/>
               </a:spcAft>
-              <a:buFont typeface="Arial" panose="020B0604020202020204" pitchFamily="34" charset="0"/>
-              <a:buChar char="•"/>
             </a:pPr>
             <a:endParaRPr lang="en-US" sz="2400" dirty="0"/>
           </a:p>
           <a:p>
-            <a:pPr marL="457200" indent="-228600" defTabSz="914400">
+            <a:pPr defTabSz="914400">
               <a:lnSpc>
                 <a:spcPct val="90000"/>
               </a:lnSpc>
               <a:spcAft>
                 <a:spcPts val="600"/>
               </a:spcAft>
-              <a:buFont typeface="Arial" panose="020B0604020202020204" pitchFamily="34" charset="0"/>
-              <a:buChar char="•"/>
             </a:pPr>
             <a:r>
-              <a:rPr lang="en-US" sz="2400" dirty="0"/>
-              <a:t>Finally, it will be checked if the </a:t>
-            </a:r>
-            <a:r>
-              <a:rPr lang="en-US" sz="2400" dirty="0">
-                <a:solidFill>
-                  <a:srgbClr val="00B050"/>
-                </a:solidFill>
-              </a:rPr>
-              <a:t>authenticated</a:t>
-            </a:r>
-            <a:r>
-              <a:rPr lang="en-US" sz="2400" dirty="0"/>
-              <a:t> user is also </a:t>
-            </a:r>
-            <a:r>
-              <a:rPr lang="en-US" sz="2400" dirty="0">
-                <a:solidFill>
-                  <a:srgbClr val="00B050"/>
-                </a:solidFill>
-              </a:rPr>
-              <a:t>authorized</a:t>
-            </a:r>
-            <a:r>
-              <a:rPr lang="en-US" sz="2400" dirty="0"/>
-              <a:t> to perform that request. If both checks pass, the real API will be executed. It seems logical.</a:t>
+              <a:rPr lang="en-US" sz="2800" dirty="0"/>
+              <a:t>We already have a working solution with SSS!!!</a:t>
             </a:r>
           </a:p>
         </p:txBody>
@@ -14985,343 +15618,6 @@
         </p:nvSpPr>
         <p:spPr>
           <a:xfrm>
-            <a:off x="524741" y="620392"/>
-            <a:ext cx="3808268" cy="5504688"/>
-          </a:xfrm>
-        </p:spPr>
-        <p:txBody>
-          <a:bodyPr vert="horz" lIns="91440" tIns="45720" rIns="91440" bIns="45720" rtlCol="0" anchor="ctr">
-            <a:normAutofit/>
-          </a:bodyPr>
-          <a:lstStyle/>
-          <a:p>
-            <a:r>
-              <a:rPr lang="en-US" sz="6000" kern="1200" dirty="0">
-                <a:solidFill>
-                  <a:srgbClr val="FF0000"/>
-                </a:solidFill>
-                <a:latin typeface="+mj-lt"/>
-                <a:ea typeface="+mj-ea"/>
-                <a:cs typeface="+mj-cs"/>
-              </a:rPr>
-              <a:t>Road map</a:t>
-            </a:r>
-          </a:p>
-        </p:txBody>
-      </p:sp>
-      <p:graphicFrame>
-        <p:nvGraphicFramePr>
-          <p:cNvPr id="9" name="TextBox 6">
-            <a:extLst>
-              <a:ext uri="{FF2B5EF4-FFF2-40B4-BE49-F238E27FC236}">
-                <a16:creationId xmlns:a16="http://schemas.microsoft.com/office/drawing/2014/main" id="{4C46DA8E-7F10-49DB-8642-04BB22DE24C9}"/>
-              </a:ext>
-            </a:extLst>
-          </p:cNvPr>
-          <p:cNvGraphicFramePr/>
-          <p:nvPr>
-            <p:extLst>
-              <p:ext uri="{D42A27DB-BD31-4B8C-83A1-F6EECF244321}">
-                <p14:modId xmlns:p14="http://schemas.microsoft.com/office/powerpoint/2010/main" val="1654066156"/>
-              </p:ext>
-            </p:extLst>
-          </p:nvPr>
-        </p:nvGraphicFramePr>
-        <p:xfrm>
-          <a:off x="5093208" y="620392"/>
-          <a:ext cx="6263640" cy="5504688"/>
-        </p:xfrm>
-        <a:graphic>
-          <a:graphicData uri="http://schemas.openxmlformats.org/drawingml/2006/diagram">
-            <dgm:relIds xmlns:dgm="http://schemas.openxmlformats.org/drawingml/2006/diagram" xmlns:r="http://schemas.openxmlformats.org/officeDocument/2006/relationships" r:dm="rId3" r:lo="rId4" r:qs="rId5" r:cs="rId6"/>
-          </a:graphicData>
-        </a:graphic>
-      </p:graphicFrame>
-    </p:spTree>
-    <p:extLst>
-      <p:ext uri="{BB962C8B-B14F-4D97-AF65-F5344CB8AC3E}">
-        <p14:creationId xmlns:p14="http://schemas.microsoft.com/office/powerpoint/2010/main" val="697048658"/>
-      </p:ext>
-    </p:extLst>
-  </p:cSld>
-  <p:clrMapOvr>
-    <a:masterClrMapping/>
-  </p:clrMapOvr>
-</p:sld>
-</file>
-
-<file path=ppt/slides/slide23.xml><?xml version="1.0" encoding="utf-8"?>
-<p:sld xmlns:a="http://schemas.openxmlformats.org/drawingml/2006/main" xmlns:r="http://schemas.openxmlformats.org/officeDocument/2006/relationships" xmlns:p="http://schemas.openxmlformats.org/presentationml/2006/main">
-  <p:cSld>
-    <p:spTree>
-      <p:nvGrpSpPr>
-        <p:cNvPr id="1" name=""/>
-        <p:cNvGrpSpPr/>
-        <p:nvPr/>
-      </p:nvGrpSpPr>
-      <p:grpSpPr>
-        <a:xfrm>
-          <a:off x="0" y="0"/>
-          <a:ext cx="0" cy="0"/>
-          <a:chOff x="0" y="0"/>
-          <a:chExt cx="0" cy="0"/>
-        </a:xfrm>
-      </p:grpSpPr>
-      <p:sp>
-        <p:nvSpPr>
-          <p:cNvPr id="4" name="Title 5">
-            <a:extLst>
-              <a:ext uri="{FF2B5EF4-FFF2-40B4-BE49-F238E27FC236}">
-                <a16:creationId xmlns:a16="http://schemas.microsoft.com/office/drawing/2014/main" id="{A84E2FEF-74EA-9C4A-B7F8-D5AF9CC85439}"/>
-              </a:ext>
-            </a:extLst>
-          </p:cNvPr>
-          <p:cNvSpPr>
-            <a:spLocks noGrp="1"/>
-          </p:cNvSpPr>
-          <p:nvPr>
-            <p:ph type="title"/>
-          </p:nvPr>
-        </p:nvSpPr>
-        <p:spPr>
-          <a:xfrm>
-            <a:off x="590598" y="210727"/>
-            <a:ext cx="10515600" cy="1325563"/>
-          </a:xfrm>
-        </p:spPr>
-        <p:txBody>
-          <a:bodyPr>
-            <a:normAutofit/>
-          </a:bodyPr>
-          <a:lstStyle/>
-          <a:p>
-            <a:r>
-              <a:rPr lang="en-IL" sz="4800" dirty="0"/>
-              <a:t>Anatomy of a JWT</a:t>
-            </a:r>
-          </a:p>
-        </p:txBody>
-      </p:sp>
-      <p:sp>
-        <p:nvSpPr>
-          <p:cNvPr id="7" name="TextBox 6">
-            <a:extLst>
-              <a:ext uri="{FF2B5EF4-FFF2-40B4-BE49-F238E27FC236}">
-                <a16:creationId xmlns:a16="http://schemas.microsoft.com/office/drawing/2014/main" id="{0D434488-5884-DC47-825F-DB289BAA0DD0}"/>
-              </a:ext>
-            </a:extLst>
-          </p:cNvPr>
-          <p:cNvSpPr txBox="1"/>
-          <p:nvPr/>
-        </p:nvSpPr>
-        <p:spPr>
-          <a:xfrm>
-            <a:off x="590598" y="1536290"/>
-            <a:ext cx="11281362" cy="3416710"/>
-          </a:xfrm>
-          <a:prstGeom prst="rect">
-            <a:avLst/>
-          </a:prstGeom>
-        </p:spPr>
-        <p:txBody>
-          <a:bodyPr vert="horz" lIns="91440" tIns="45720" rIns="91440" bIns="45720" rtlCol="0">
-            <a:normAutofit lnSpcReduction="10000"/>
-          </a:bodyPr>
-          <a:lstStyle/>
-          <a:p>
-            <a:pPr defTabSz="914400">
-              <a:lnSpc>
-                <a:spcPct val="90000"/>
-              </a:lnSpc>
-              <a:spcAft>
-                <a:spcPts val="600"/>
-              </a:spcAft>
-            </a:pPr>
-            <a:r>
-              <a:rPr lang="en-US" sz="2800" dirty="0"/>
-              <a:t>A JSON Web Token is essentially a long encoded text string. </a:t>
-            </a:r>
-          </a:p>
-          <a:p>
-            <a:pPr defTabSz="914400">
-              <a:lnSpc>
-                <a:spcPct val="90000"/>
-              </a:lnSpc>
-              <a:spcAft>
-                <a:spcPts val="600"/>
-              </a:spcAft>
-            </a:pPr>
-            <a:r>
-              <a:rPr lang="en-US" sz="2800" dirty="0"/>
-              <a:t>This string is composed of three smaller parts, separated by a dot sign. These parts are:</a:t>
-            </a:r>
-          </a:p>
-          <a:p>
-            <a:pPr marL="457200" indent="-457200" defTabSz="914400">
-              <a:lnSpc>
-                <a:spcPct val="90000"/>
-              </a:lnSpc>
-              <a:spcAft>
-                <a:spcPts val="600"/>
-              </a:spcAft>
-              <a:buFont typeface="Arial" panose="020B0604020202020204" pitchFamily="34" charset="0"/>
-              <a:buChar char="•"/>
-            </a:pPr>
-            <a:r>
-              <a:rPr lang="en-US" sz="2800" dirty="0"/>
-              <a:t>The header</a:t>
-            </a:r>
-          </a:p>
-          <a:p>
-            <a:pPr marL="457200" indent="-457200" defTabSz="914400">
-              <a:lnSpc>
-                <a:spcPct val="90000"/>
-              </a:lnSpc>
-              <a:spcAft>
-                <a:spcPts val="600"/>
-              </a:spcAft>
-              <a:buFont typeface="Arial" panose="020B0604020202020204" pitchFamily="34" charset="0"/>
-              <a:buChar char="•"/>
-            </a:pPr>
-            <a:r>
-              <a:rPr lang="en-US" sz="2800" dirty="0"/>
-              <a:t>A payload or body</a:t>
-            </a:r>
-          </a:p>
-          <a:p>
-            <a:pPr marL="457200" indent="-457200" defTabSz="914400">
-              <a:lnSpc>
-                <a:spcPct val="90000"/>
-              </a:lnSpc>
-              <a:spcAft>
-                <a:spcPts val="600"/>
-              </a:spcAft>
-              <a:buFont typeface="Arial" panose="020B0604020202020204" pitchFamily="34" charset="0"/>
-              <a:buChar char="•"/>
-            </a:pPr>
-            <a:r>
-              <a:rPr lang="en-US" sz="2800" dirty="0"/>
-              <a:t>A signature</a:t>
-            </a:r>
-          </a:p>
-          <a:p>
-            <a:pPr marL="457200" indent="-457200" defTabSz="914400">
-              <a:lnSpc>
-                <a:spcPct val="90000"/>
-              </a:lnSpc>
-              <a:spcAft>
-                <a:spcPts val="600"/>
-              </a:spcAft>
-              <a:buFont typeface="Arial" panose="020B0604020202020204" pitchFamily="34" charset="0"/>
-              <a:buChar char="•"/>
-            </a:pPr>
-            <a:endParaRPr lang="en-US" sz="2800" dirty="0"/>
-          </a:p>
-          <a:p>
-            <a:pPr defTabSz="914400">
-              <a:lnSpc>
-                <a:spcPct val="90000"/>
-              </a:lnSpc>
-              <a:spcAft>
-                <a:spcPts val="600"/>
-              </a:spcAft>
-            </a:pPr>
-            <a:r>
-              <a:rPr lang="en-US" sz="3600" dirty="0" err="1">
-                <a:solidFill>
-                  <a:srgbClr val="FF0000"/>
-                </a:solidFill>
-              </a:rPr>
-              <a:t>header</a:t>
-            </a:r>
-            <a:r>
-              <a:rPr lang="en-US" sz="3600" dirty="0" err="1"/>
-              <a:t>.</a:t>
-            </a:r>
-            <a:r>
-              <a:rPr lang="en-US" sz="3600" dirty="0" err="1">
-                <a:solidFill>
-                  <a:srgbClr val="FFC000"/>
-                </a:solidFill>
-              </a:rPr>
-              <a:t>payload</a:t>
-            </a:r>
-            <a:r>
-              <a:rPr lang="en-US" sz="3600" dirty="0" err="1"/>
-              <a:t>.</a:t>
-            </a:r>
-            <a:r>
-              <a:rPr lang="en-US" sz="3600" dirty="0" err="1">
-                <a:solidFill>
-                  <a:srgbClr val="00B050"/>
-                </a:solidFill>
-              </a:rPr>
-              <a:t>signature</a:t>
-            </a:r>
-            <a:endParaRPr lang="en-US" sz="3600" dirty="0">
-              <a:solidFill>
-                <a:srgbClr val="00B050"/>
-              </a:solidFill>
-            </a:endParaRPr>
-          </a:p>
-        </p:txBody>
-      </p:sp>
-    </p:spTree>
-    <p:extLst>
-      <p:ext uri="{BB962C8B-B14F-4D97-AF65-F5344CB8AC3E}">
-        <p14:creationId xmlns:p14="http://schemas.microsoft.com/office/powerpoint/2010/main" val="2031483046"/>
-      </p:ext>
-    </p:extLst>
-  </p:cSld>
-  <p:clrMapOvr>
-    <a:masterClrMapping/>
-  </p:clrMapOvr>
-</p:sld>
-</file>
-
-<file path=ppt/slides/slide24.xml><?xml version="1.0" encoding="utf-8"?>
-<p:sld xmlns:a="http://schemas.openxmlformats.org/drawingml/2006/main" xmlns:r="http://schemas.openxmlformats.org/officeDocument/2006/relationships" xmlns:p="http://schemas.openxmlformats.org/presentationml/2006/main">
-  <p:cSld>
-    <p:bg>
-      <p:bgPr>
-        <a:solidFill>
-          <a:schemeClr val="bg1"/>
-        </a:solidFill>
-        <a:effectLst/>
-      </p:bgPr>
-    </p:bg>
-    <p:spTree>
-      <p:nvGrpSpPr>
-        <p:cNvPr id="1" name=""/>
-        <p:cNvGrpSpPr/>
-        <p:nvPr/>
-      </p:nvGrpSpPr>
-      <p:grpSpPr>
-        <a:xfrm>
-          <a:off x="0" y="0"/>
-          <a:ext cx="0" cy="0"/>
-          <a:chOff x="0" y="0"/>
-          <a:chExt cx="0" cy="0"/>
-        </a:xfrm>
-      </p:grpSpPr>
-      <p:sp>
-        <p:nvSpPr>
-          <p:cNvPr id="4" name="Title 5">
-            <a:extLst>
-              <a:ext uri="{FF2B5EF4-FFF2-40B4-BE49-F238E27FC236}">
-                <a16:creationId xmlns:a16="http://schemas.microsoft.com/office/drawing/2014/main" id="{A84E2FEF-74EA-9C4A-B7F8-D5AF9CC85439}"/>
-              </a:ext>
-            </a:extLst>
-          </p:cNvPr>
-          <p:cNvSpPr>
-            <a:spLocks noGrp="1"/>
-          </p:cNvSpPr>
-          <p:nvPr>
-            <p:ph type="title"/>
-          </p:nvPr>
-        </p:nvSpPr>
-        <p:spPr>
-          <a:xfrm>
             <a:off x="3831454" y="31192"/>
             <a:ext cx="6586491" cy="865781"/>
           </a:xfrm>
@@ -15353,7 +15649,7 @@
         </p:nvSpPr>
         <p:spPr>
           <a:xfrm>
-            <a:off x="2910841" y="1521813"/>
+            <a:off x="3051499" y="2227189"/>
             <a:ext cx="9143999" cy="5031387"/>
           </a:xfrm>
           <a:prstGeom prst="rect">
@@ -15561,6 +15857,343 @@
 </p:sld>
 </file>
 
+<file path=ppt/slides/slide23.xml><?xml version="1.0" encoding="utf-8"?>
+<p:sld xmlns:a="http://schemas.openxmlformats.org/drawingml/2006/main" xmlns:r="http://schemas.openxmlformats.org/officeDocument/2006/relationships" xmlns:p="http://schemas.openxmlformats.org/presentationml/2006/main">
+  <p:cSld>
+    <p:bg>
+      <p:bgPr>
+        <a:solidFill>
+          <a:schemeClr val="bg1"/>
+        </a:solidFill>
+        <a:effectLst/>
+      </p:bgPr>
+    </p:bg>
+    <p:spTree>
+      <p:nvGrpSpPr>
+        <p:cNvPr id="1" name=""/>
+        <p:cNvGrpSpPr/>
+        <p:nvPr/>
+      </p:nvGrpSpPr>
+      <p:grpSpPr>
+        <a:xfrm>
+          <a:off x="0" y="0"/>
+          <a:ext cx="0" cy="0"/>
+          <a:chOff x="0" y="0"/>
+          <a:chExt cx="0" cy="0"/>
+        </a:xfrm>
+      </p:grpSpPr>
+      <p:sp>
+        <p:nvSpPr>
+          <p:cNvPr id="4" name="Title 5">
+            <a:extLst>
+              <a:ext uri="{FF2B5EF4-FFF2-40B4-BE49-F238E27FC236}">
+                <a16:creationId xmlns:a16="http://schemas.microsoft.com/office/drawing/2014/main" id="{A84E2FEF-74EA-9C4A-B7F8-D5AF9CC85439}"/>
+              </a:ext>
+            </a:extLst>
+          </p:cNvPr>
+          <p:cNvSpPr>
+            <a:spLocks noGrp="1"/>
+          </p:cNvSpPr>
+          <p:nvPr>
+            <p:ph type="title"/>
+          </p:nvPr>
+        </p:nvSpPr>
+        <p:spPr>
+          <a:xfrm>
+            <a:off x="524741" y="620392"/>
+            <a:ext cx="3808268" cy="5504688"/>
+          </a:xfrm>
+        </p:spPr>
+        <p:txBody>
+          <a:bodyPr vert="horz" lIns="91440" tIns="45720" rIns="91440" bIns="45720" rtlCol="0" anchor="ctr">
+            <a:normAutofit/>
+          </a:bodyPr>
+          <a:lstStyle/>
+          <a:p>
+            <a:r>
+              <a:rPr lang="en-US" sz="6000" kern="1200" dirty="0">
+                <a:solidFill>
+                  <a:srgbClr val="FF0000"/>
+                </a:solidFill>
+                <a:latin typeface="+mj-lt"/>
+                <a:ea typeface="+mj-ea"/>
+                <a:cs typeface="+mj-cs"/>
+              </a:rPr>
+              <a:t>Road map</a:t>
+            </a:r>
+          </a:p>
+        </p:txBody>
+      </p:sp>
+      <p:graphicFrame>
+        <p:nvGraphicFramePr>
+          <p:cNvPr id="9" name="TextBox 6">
+            <a:extLst>
+              <a:ext uri="{FF2B5EF4-FFF2-40B4-BE49-F238E27FC236}">
+                <a16:creationId xmlns:a16="http://schemas.microsoft.com/office/drawing/2014/main" id="{4C46DA8E-7F10-49DB-8642-04BB22DE24C9}"/>
+              </a:ext>
+            </a:extLst>
+          </p:cNvPr>
+          <p:cNvGraphicFramePr/>
+          <p:nvPr>
+            <p:extLst>
+              <p:ext uri="{D42A27DB-BD31-4B8C-83A1-F6EECF244321}">
+                <p14:modId xmlns:p14="http://schemas.microsoft.com/office/powerpoint/2010/main" val="1654066156"/>
+              </p:ext>
+            </p:extLst>
+          </p:nvPr>
+        </p:nvGraphicFramePr>
+        <p:xfrm>
+          <a:off x="5093208" y="620392"/>
+          <a:ext cx="6263640" cy="5504688"/>
+        </p:xfrm>
+        <a:graphic>
+          <a:graphicData uri="http://schemas.openxmlformats.org/drawingml/2006/diagram">
+            <dgm:relIds xmlns:dgm="http://schemas.openxmlformats.org/drawingml/2006/diagram" xmlns:r="http://schemas.openxmlformats.org/officeDocument/2006/relationships" r:dm="rId3" r:lo="rId4" r:qs="rId5" r:cs="rId6"/>
+          </a:graphicData>
+        </a:graphic>
+      </p:graphicFrame>
+    </p:spTree>
+    <p:extLst>
+      <p:ext uri="{BB962C8B-B14F-4D97-AF65-F5344CB8AC3E}">
+        <p14:creationId xmlns:p14="http://schemas.microsoft.com/office/powerpoint/2010/main" val="697048658"/>
+      </p:ext>
+    </p:extLst>
+  </p:cSld>
+  <p:clrMapOvr>
+    <a:masterClrMapping/>
+  </p:clrMapOvr>
+</p:sld>
+</file>
+
+<file path=ppt/slides/slide24.xml><?xml version="1.0" encoding="utf-8"?>
+<p:sld xmlns:a="http://schemas.openxmlformats.org/drawingml/2006/main" xmlns:r="http://schemas.openxmlformats.org/officeDocument/2006/relationships" xmlns:p="http://schemas.openxmlformats.org/presentationml/2006/main">
+  <p:cSld>
+    <p:spTree>
+      <p:nvGrpSpPr>
+        <p:cNvPr id="1" name=""/>
+        <p:cNvGrpSpPr/>
+        <p:nvPr/>
+      </p:nvGrpSpPr>
+      <p:grpSpPr>
+        <a:xfrm>
+          <a:off x="0" y="0"/>
+          <a:ext cx="0" cy="0"/>
+          <a:chOff x="0" y="0"/>
+          <a:chExt cx="0" cy="0"/>
+        </a:xfrm>
+      </p:grpSpPr>
+      <p:sp>
+        <p:nvSpPr>
+          <p:cNvPr id="4" name="Title 5">
+            <a:extLst>
+              <a:ext uri="{FF2B5EF4-FFF2-40B4-BE49-F238E27FC236}">
+                <a16:creationId xmlns:a16="http://schemas.microsoft.com/office/drawing/2014/main" id="{A84E2FEF-74EA-9C4A-B7F8-D5AF9CC85439}"/>
+              </a:ext>
+            </a:extLst>
+          </p:cNvPr>
+          <p:cNvSpPr>
+            <a:spLocks noGrp="1"/>
+          </p:cNvSpPr>
+          <p:nvPr>
+            <p:ph type="title"/>
+          </p:nvPr>
+        </p:nvSpPr>
+        <p:spPr>
+          <a:xfrm>
+            <a:off x="590598" y="210727"/>
+            <a:ext cx="10515600" cy="1325563"/>
+          </a:xfrm>
+        </p:spPr>
+        <p:txBody>
+          <a:bodyPr>
+            <a:normAutofit/>
+          </a:bodyPr>
+          <a:lstStyle/>
+          <a:p>
+            <a:r>
+              <a:rPr lang="en-IL" sz="4800" dirty="0"/>
+              <a:t>Anatomy of a JWT</a:t>
+            </a:r>
+          </a:p>
+        </p:txBody>
+      </p:sp>
+      <p:sp>
+        <p:nvSpPr>
+          <p:cNvPr id="7" name="TextBox 6">
+            <a:extLst>
+              <a:ext uri="{FF2B5EF4-FFF2-40B4-BE49-F238E27FC236}">
+                <a16:creationId xmlns:a16="http://schemas.microsoft.com/office/drawing/2014/main" id="{0D434488-5884-DC47-825F-DB289BAA0DD0}"/>
+              </a:ext>
+            </a:extLst>
+          </p:cNvPr>
+          <p:cNvSpPr txBox="1"/>
+          <p:nvPr/>
+        </p:nvSpPr>
+        <p:spPr>
+          <a:xfrm>
+            <a:off x="590598" y="1536290"/>
+            <a:ext cx="11281362" cy="3416710"/>
+          </a:xfrm>
+          <a:prstGeom prst="rect">
+            <a:avLst/>
+          </a:prstGeom>
+        </p:spPr>
+        <p:txBody>
+          <a:bodyPr vert="horz" lIns="91440" tIns="45720" rIns="91440" bIns="45720" rtlCol="0">
+            <a:normAutofit lnSpcReduction="10000"/>
+          </a:bodyPr>
+          <a:lstStyle/>
+          <a:p>
+            <a:pPr defTabSz="914400">
+              <a:lnSpc>
+                <a:spcPct val="90000"/>
+              </a:lnSpc>
+              <a:spcAft>
+                <a:spcPts val="600"/>
+              </a:spcAft>
+            </a:pPr>
+            <a:r>
+              <a:rPr lang="en-US" sz="2800" dirty="0"/>
+              <a:t>A JSON Web Token is essentially a long encoded text string. </a:t>
+            </a:r>
+          </a:p>
+          <a:p>
+            <a:pPr defTabSz="914400">
+              <a:lnSpc>
+                <a:spcPct val="90000"/>
+              </a:lnSpc>
+              <a:spcAft>
+                <a:spcPts val="600"/>
+              </a:spcAft>
+            </a:pPr>
+            <a:r>
+              <a:rPr lang="en-US" sz="2800" dirty="0"/>
+              <a:t>This string is composed of three smaller parts, separated by a dot sign. These parts are:</a:t>
+            </a:r>
+          </a:p>
+          <a:p>
+            <a:pPr marL="457200" indent="-457200" defTabSz="914400">
+              <a:lnSpc>
+                <a:spcPct val="90000"/>
+              </a:lnSpc>
+              <a:spcAft>
+                <a:spcPts val="600"/>
+              </a:spcAft>
+              <a:buFont typeface="Arial" panose="020B0604020202020204" pitchFamily="34" charset="0"/>
+              <a:buChar char="•"/>
+            </a:pPr>
+            <a:r>
+              <a:rPr lang="en-US" sz="2800" dirty="0"/>
+              <a:t>The header</a:t>
+            </a:r>
+          </a:p>
+          <a:p>
+            <a:pPr marL="457200" indent="-457200" defTabSz="914400">
+              <a:lnSpc>
+                <a:spcPct val="90000"/>
+              </a:lnSpc>
+              <a:spcAft>
+                <a:spcPts val="600"/>
+              </a:spcAft>
+              <a:buFont typeface="Arial" panose="020B0604020202020204" pitchFamily="34" charset="0"/>
+              <a:buChar char="•"/>
+            </a:pPr>
+            <a:r>
+              <a:rPr lang="en-US" sz="2800" dirty="0"/>
+              <a:t>A payload or body</a:t>
+            </a:r>
+          </a:p>
+          <a:p>
+            <a:pPr marL="457200" indent="-457200" defTabSz="914400">
+              <a:lnSpc>
+                <a:spcPct val="90000"/>
+              </a:lnSpc>
+              <a:spcAft>
+                <a:spcPts val="600"/>
+              </a:spcAft>
+              <a:buFont typeface="Arial" panose="020B0604020202020204" pitchFamily="34" charset="0"/>
+              <a:buChar char="•"/>
+            </a:pPr>
+            <a:r>
+              <a:rPr lang="en-US" sz="2800" dirty="0"/>
+              <a:t>A signature</a:t>
+            </a:r>
+          </a:p>
+          <a:p>
+            <a:pPr marL="457200" indent="-457200" defTabSz="914400">
+              <a:lnSpc>
+                <a:spcPct val="90000"/>
+              </a:lnSpc>
+              <a:spcAft>
+                <a:spcPts val="600"/>
+              </a:spcAft>
+              <a:buFont typeface="Arial" panose="020B0604020202020204" pitchFamily="34" charset="0"/>
+              <a:buChar char="•"/>
+            </a:pPr>
+            <a:endParaRPr lang="en-US" sz="2800" dirty="0"/>
+          </a:p>
+          <a:p>
+            <a:pPr defTabSz="914400">
+              <a:lnSpc>
+                <a:spcPct val="90000"/>
+              </a:lnSpc>
+              <a:spcAft>
+                <a:spcPts val="600"/>
+              </a:spcAft>
+            </a:pPr>
+            <a:r>
+              <a:rPr lang="en-US" sz="3600" dirty="0" err="1">
+                <a:solidFill>
+                  <a:srgbClr val="FF0000"/>
+                </a:solidFill>
+              </a:rPr>
+              <a:t>header</a:t>
+            </a:r>
+            <a:r>
+              <a:rPr lang="en-US" sz="3600" dirty="0" err="1"/>
+              <a:t>.</a:t>
+            </a:r>
+            <a:r>
+              <a:rPr lang="en-US" sz="3600" dirty="0" err="1">
+                <a:solidFill>
+                  <a:srgbClr val="FFC000"/>
+                </a:solidFill>
+              </a:rPr>
+              <a:t>payload</a:t>
+            </a:r>
+            <a:r>
+              <a:rPr lang="en-US" sz="3600" dirty="0" err="1"/>
+              <a:t>.</a:t>
+            </a:r>
+            <a:r>
+              <a:rPr lang="en-US" sz="3600" dirty="0" err="1">
+                <a:solidFill>
+                  <a:srgbClr val="00B050"/>
+                </a:solidFill>
+              </a:rPr>
+              <a:t>signature</a:t>
+            </a:r>
+            <a:endParaRPr lang="en-US" sz="3600" dirty="0">
+              <a:solidFill>
+                <a:srgbClr val="00B050"/>
+              </a:solidFill>
+            </a:endParaRPr>
+          </a:p>
+        </p:txBody>
+      </p:sp>
+    </p:spTree>
+    <p:extLst>
+      <p:ext uri="{BB962C8B-B14F-4D97-AF65-F5344CB8AC3E}">
+        <p14:creationId xmlns:p14="http://schemas.microsoft.com/office/powerpoint/2010/main" val="2031483046"/>
+      </p:ext>
+    </p:extLst>
+  </p:cSld>
+  <p:clrMapOvr>
+    <a:masterClrMapping/>
+  </p:clrMapOvr>
+</p:sld>
+</file>
+
 <file path=ppt/slides/slide25.xml><?xml version="1.0" encoding="utf-8"?>
 <p:sld xmlns:a="http://schemas.openxmlformats.org/drawingml/2006/main" xmlns:r="http://schemas.openxmlformats.org/officeDocument/2006/relationships" xmlns:p="http://schemas.openxmlformats.org/presentationml/2006/main">
   <p:cSld>
@@ -15647,36 +16280,6 @@
           </a:p>
         </p:txBody>
       </p:sp>
-      <p:pic>
-        <p:nvPicPr>
-          <p:cNvPr id="3" name="Picture 2">
-            <a:extLst>
-              <a:ext uri="{FF2B5EF4-FFF2-40B4-BE49-F238E27FC236}">
-                <a16:creationId xmlns:a16="http://schemas.microsoft.com/office/drawing/2014/main" id="{E349FE44-F745-FB4B-9B1C-6984E967D88C}"/>
-              </a:ext>
-            </a:extLst>
-          </p:cNvPr>
-          <p:cNvPicPr>
-            <a:picLocks noChangeAspect="1"/>
-          </p:cNvPicPr>
-          <p:nvPr/>
-        </p:nvPicPr>
-        <p:blipFill>
-          <a:blip r:embed="rId2"/>
-          <a:stretch>
-            <a:fillRect/>
-          </a:stretch>
-        </p:blipFill>
-        <p:spPr>
-          <a:xfrm>
-            <a:off x="455319" y="2240280"/>
-            <a:ext cx="6083300" cy="1308100"/>
-          </a:xfrm>
-          <a:prstGeom prst="rect">
-            <a:avLst/>
-          </a:prstGeom>
-        </p:spPr>
-      </p:pic>
       <p:sp>
         <p:nvSpPr>
           <p:cNvPr id="8" name="TextBox 7">
@@ -15691,8 +16294,8 @@
         </p:nvSpPr>
         <p:spPr>
           <a:xfrm>
-            <a:off x="318159" y="3862628"/>
-            <a:ext cx="11281362" cy="2355291"/>
+            <a:off x="318159" y="4397180"/>
+            <a:ext cx="11281362" cy="1676781"/>
           </a:xfrm>
           <a:prstGeom prst="rect">
             <a:avLst/>
@@ -15706,25 +16309,205 @@
           <a:p>
             <a:r>
               <a:rPr lang="en-US" sz="2800" dirty="0"/>
-              <a:t>The following JSON explains which algorithm has been used to sign the token (</a:t>
-            </a:r>
-            <a:r>
-              <a:rPr lang="en-US" sz="2800" dirty="0" err="1"/>
-              <a:t>alg</a:t>
-            </a:r>
-            <a:r>
-              <a:rPr lang="en-US" sz="2800" dirty="0"/>
-              <a:t>) and which is the key (kind) that we need to use to validate it. </a:t>
-            </a:r>
-          </a:p>
-          <a:p>
-            <a:r>
-              <a:rPr lang="en-US" sz="2800" dirty="0"/>
-              <a:t>One moment of patience, please, we will look into this soon. :)</a:t>
+              <a:t>The header includes information about how the JWT claims set, the payload, is encoded.</a:t>
             </a:r>
           </a:p>
         </p:txBody>
       </p:sp>
+      <p:pic>
+        <p:nvPicPr>
+          <p:cNvPr id="5" name="Picture 4">
+            <a:extLst>
+              <a:ext uri="{FF2B5EF4-FFF2-40B4-BE49-F238E27FC236}">
+                <a16:creationId xmlns:a16="http://schemas.microsoft.com/office/drawing/2014/main" id="{295F64B4-C902-B947-BC8D-C1456D2F2AA8}"/>
+              </a:ext>
+            </a:extLst>
+          </p:cNvPr>
+          <p:cNvPicPr>
+            <a:picLocks noChangeAspect="1"/>
+          </p:cNvPicPr>
+          <p:nvPr/>
+        </p:nvPicPr>
+        <p:blipFill>
+          <a:blip r:embed="rId3"/>
+          <a:stretch>
+            <a:fillRect/>
+          </a:stretch>
+        </p:blipFill>
+        <p:spPr>
+          <a:xfrm>
+            <a:off x="921576" y="2201814"/>
+            <a:ext cx="3441613" cy="1523337"/>
+          </a:xfrm>
+          <a:prstGeom prst="rect">
+            <a:avLst/>
+          </a:prstGeom>
+        </p:spPr>
+      </p:pic>
+      <p:sp>
+        <p:nvSpPr>
+          <p:cNvPr id="6" name="TextBox 5">
+            <a:extLst>
+              <a:ext uri="{FF2B5EF4-FFF2-40B4-BE49-F238E27FC236}">
+                <a16:creationId xmlns:a16="http://schemas.microsoft.com/office/drawing/2014/main" id="{CB8E3539-9711-324B-AF47-653930483516}"/>
+              </a:ext>
+            </a:extLst>
+          </p:cNvPr>
+          <p:cNvSpPr txBox="1"/>
+          <p:nvPr/>
+        </p:nvSpPr>
+        <p:spPr>
+          <a:xfrm>
+            <a:off x="4829446" y="3125380"/>
+            <a:ext cx="2676939" cy="369332"/>
+          </a:xfrm>
+          <a:prstGeom prst="rect">
+            <a:avLst/>
+          </a:prstGeom>
+          <a:noFill/>
+        </p:spPr>
+        <p:txBody>
+          <a:bodyPr wrap="square" rtlCol="0">
+            <a:spAutoFit/>
+          </a:bodyPr>
+          <a:lstStyle/>
+          <a:p>
+            <a:r>
+              <a:rPr lang="en-US" dirty="0"/>
+              <a:t>T</a:t>
+            </a:r>
+            <a:r>
+              <a:rPr lang="en-IL" dirty="0"/>
+              <a:t>oken type (optionnal)</a:t>
+            </a:r>
+          </a:p>
+        </p:txBody>
+      </p:sp>
+      <p:sp>
+        <p:nvSpPr>
+          <p:cNvPr id="9" name="TextBox 8">
+            <a:extLst>
+              <a:ext uri="{FF2B5EF4-FFF2-40B4-BE49-F238E27FC236}">
+                <a16:creationId xmlns:a16="http://schemas.microsoft.com/office/drawing/2014/main" id="{6F0197FE-C247-E74D-9E3A-5FA61EBB42FD}"/>
+              </a:ext>
+            </a:extLst>
+          </p:cNvPr>
+          <p:cNvSpPr txBox="1"/>
+          <p:nvPr/>
+        </p:nvSpPr>
+        <p:spPr>
+          <a:xfrm>
+            <a:off x="4829446" y="2377757"/>
+            <a:ext cx="4664766" cy="369332"/>
+          </a:xfrm>
+          <a:prstGeom prst="rect">
+            <a:avLst/>
+          </a:prstGeom>
+          <a:noFill/>
+        </p:spPr>
+        <p:txBody>
+          <a:bodyPr wrap="square" rtlCol="0">
+            <a:spAutoFit/>
+          </a:bodyPr>
+          <a:lstStyle/>
+          <a:p>
+            <a:r>
+              <a:rPr lang="en-US" dirty="0"/>
+              <a:t>Algorithm is used to generate the signature</a:t>
+            </a:r>
+            <a:endParaRPr lang="en-IL" dirty="0"/>
+          </a:p>
+        </p:txBody>
+      </p:sp>
+      <p:cxnSp>
+        <p:nvCxnSpPr>
+          <p:cNvPr id="11" name="Straight Arrow Connector 10">
+            <a:extLst>
+              <a:ext uri="{FF2B5EF4-FFF2-40B4-BE49-F238E27FC236}">
+                <a16:creationId xmlns:a16="http://schemas.microsoft.com/office/drawing/2014/main" id="{9C68450D-C0E0-E241-B750-CD0FBE257E96}"/>
+              </a:ext>
+            </a:extLst>
+          </p:cNvPr>
+          <p:cNvCxnSpPr>
+            <a:stCxn id="9" idx="1"/>
+          </p:cNvCxnSpPr>
+          <p:nvPr/>
+        </p:nvCxnSpPr>
+        <p:spPr>
+          <a:xfrm flipH="1">
+            <a:off x="3246783" y="2562423"/>
+            <a:ext cx="1582663" cy="235626"/>
+          </a:xfrm>
+          <a:prstGeom prst="straightConnector1">
+            <a:avLst/>
+          </a:prstGeom>
+          <a:ln w="50800">
+            <a:solidFill>
+              <a:srgbClr val="FF0000"/>
+            </a:solidFill>
+            <a:tailEnd type="triangle"/>
+          </a:ln>
+        </p:spPr>
+        <p:style>
+          <a:lnRef idx="1">
+            <a:schemeClr val="accent1"/>
+          </a:lnRef>
+          <a:fillRef idx="0">
+            <a:schemeClr val="accent1"/>
+          </a:fillRef>
+          <a:effectRef idx="0">
+            <a:schemeClr val="accent1"/>
+          </a:effectRef>
+          <a:fontRef idx="minor">
+            <a:schemeClr val="tx1"/>
+          </a:fontRef>
+        </p:style>
+      </p:cxnSp>
+      <p:cxnSp>
+        <p:nvCxnSpPr>
+          <p:cNvPr id="12" name="Straight Arrow Connector 11">
+            <a:extLst>
+              <a:ext uri="{FF2B5EF4-FFF2-40B4-BE49-F238E27FC236}">
+                <a16:creationId xmlns:a16="http://schemas.microsoft.com/office/drawing/2014/main" id="{6DD8E3E5-7FC2-AA48-868D-03FAA511D554}"/>
+              </a:ext>
+            </a:extLst>
+          </p:cNvPr>
+          <p:cNvCxnSpPr>
+            <a:cxnSpLocks/>
+            <a:stCxn id="6" idx="1"/>
+          </p:cNvCxnSpPr>
+          <p:nvPr/>
+        </p:nvCxnSpPr>
+        <p:spPr>
+          <a:xfrm flipH="1" flipV="1">
+            <a:off x="3013656" y="3152632"/>
+            <a:ext cx="1815790" cy="157414"/>
+          </a:xfrm>
+          <a:prstGeom prst="straightConnector1">
+            <a:avLst/>
+          </a:prstGeom>
+          <a:ln w="50800">
+            <a:solidFill>
+              <a:srgbClr val="FF0000"/>
+            </a:solidFill>
+            <a:tailEnd type="triangle"/>
+          </a:ln>
+        </p:spPr>
+        <p:style>
+          <a:lnRef idx="1">
+            <a:schemeClr val="accent1"/>
+          </a:lnRef>
+          <a:fillRef idx="0">
+            <a:schemeClr val="accent1"/>
+          </a:fillRef>
+          <a:effectRef idx="0">
+            <a:schemeClr val="accent1"/>
+          </a:effectRef>
+          <a:fontRef idx="minor">
+            <a:schemeClr val="tx1"/>
+          </a:fontRef>
+        </p:style>
+      </p:cxnSp>
     </p:spTree>
     <p:extLst>
       <p:ext uri="{BB962C8B-B14F-4D97-AF65-F5344CB8AC3E}">
@@ -15773,6 +16556,102 @@
         </p:nvSpPr>
         <p:spPr>
           <a:xfrm>
+            <a:off x="455319" y="177088"/>
+            <a:ext cx="10515600" cy="1325563"/>
+          </a:xfrm>
+        </p:spPr>
+        <p:txBody>
+          <a:bodyPr>
+            <a:normAutofit/>
+          </a:bodyPr>
+          <a:lstStyle/>
+          <a:p>
+            <a:r>
+              <a:rPr lang="en-US" sz="4800" dirty="0"/>
+              <a:t>rfc7519</a:t>
+            </a:r>
+            <a:endParaRPr lang="en-IL" sz="4800" dirty="0"/>
+          </a:p>
+        </p:txBody>
+      </p:sp>
+      <p:pic>
+        <p:nvPicPr>
+          <p:cNvPr id="2" name="Picture 1">
+            <a:extLst>
+              <a:ext uri="{FF2B5EF4-FFF2-40B4-BE49-F238E27FC236}">
+                <a16:creationId xmlns:a16="http://schemas.microsoft.com/office/drawing/2014/main" id="{2EE53536-E03A-4E41-B5F6-C5C2D18C6057}"/>
+              </a:ext>
+            </a:extLst>
+          </p:cNvPr>
+          <p:cNvPicPr>
+            <a:picLocks noChangeAspect="1"/>
+          </p:cNvPicPr>
+          <p:nvPr/>
+        </p:nvPicPr>
+        <p:blipFill>
+          <a:blip r:embed="rId2"/>
+          <a:stretch>
+            <a:fillRect/>
+          </a:stretch>
+        </p:blipFill>
+        <p:spPr>
+          <a:xfrm>
+            <a:off x="1357236" y="1502651"/>
+            <a:ext cx="9477528" cy="3886683"/>
+          </a:xfrm>
+          <a:prstGeom prst="rect">
+            <a:avLst/>
+          </a:prstGeom>
+        </p:spPr>
+      </p:pic>
+    </p:spTree>
+    <p:extLst>
+      <p:ext uri="{BB962C8B-B14F-4D97-AF65-F5344CB8AC3E}">
+        <p14:creationId xmlns:p14="http://schemas.microsoft.com/office/powerpoint/2010/main" val="2692151319"/>
+      </p:ext>
+    </p:extLst>
+  </p:cSld>
+  <p:clrMapOvr>
+    <a:masterClrMapping/>
+  </p:clrMapOvr>
+</p:sld>
+</file>
+
+<file path=ppt/slides/slide27.xml><?xml version="1.0" encoding="utf-8"?>
+<p:sld xmlns:a="http://schemas.openxmlformats.org/drawingml/2006/main" xmlns:r="http://schemas.openxmlformats.org/officeDocument/2006/relationships" xmlns:p="http://schemas.openxmlformats.org/presentationml/2006/main">
+  <p:cSld>
+    <p:spTree>
+      <p:nvGrpSpPr>
+        <p:cNvPr id="1" name=""/>
+        <p:cNvGrpSpPr/>
+        <p:nvPr/>
+      </p:nvGrpSpPr>
+      <p:grpSpPr>
+        <a:xfrm>
+          <a:off x="0" y="0"/>
+          <a:ext cx="0" cy="0"/>
+          <a:chOff x="0" y="0"/>
+          <a:chExt cx="0" cy="0"/>
+        </a:xfrm>
+      </p:grpSpPr>
+      <p:sp>
+        <p:nvSpPr>
+          <p:cNvPr id="4" name="Title 5">
+            <a:extLst>
+              <a:ext uri="{FF2B5EF4-FFF2-40B4-BE49-F238E27FC236}">
+                <a16:creationId xmlns:a16="http://schemas.microsoft.com/office/drawing/2014/main" id="{A84E2FEF-74EA-9C4A-B7F8-D5AF9CC85439}"/>
+              </a:ext>
+            </a:extLst>
+          </p:cNvPr>
+          <p:cNvSpPr>
+            <a:spLocks noGrp="1"/>
+          </p:cNvSpPr>
+          <p:nvPr>
+            <p:ph type="title"/>
+          </p:nvPr>
+        </p:nvSpPr>
+        <p:spPr>
+          <a:xfrm>
             <a:off x="455319" y="159625"/>
             <a:ext cx="10515600" cy="1325563"/>
           </a:xfrm>
@@ -15861,7 +16740,7 @@
           <p:nvPr/>
         </p:nvPicPr>
         <p:blipFill>
-          <a:blip r:embed="rId2"/>
+          <a:blip r:embed="rId3"/>
           <a:stretch>
             <a:fillRect/>
           </a:stretch>
@@ -15889,7 +16768,7 @@
 </p:sld>
 </file>
 
-<file path=ppt/slides/slide27.xml><?xml version="1.0" encoding="utf-8"?>
+<file path=ppt/slides/slide28.xml><?xml version="1.0" encoding="utf-8"?>
 <p:sld xmlns:a="http://schemas.openxmlformats.org/drawingml/2006/main" xmlns:r="http://schemas.openxmlformats.org/officeDocument/2006/relationships" xmlns:p="http://schemas.openxmlformats.org/presentationml/2006/main">
   <p:cSld>
     <p:spTree>
@@ -15978,103 +16857,17 @@
             </a:r>
             <a:r>
               <a:rPr lang="en-US" sz="2800" dirty="0"/>
-              <a:t> in JWT jargon) about the client:</a:t>
+              <a:t> in JWT jargon – declaration?) about the client: in this example our entity is a user</a:t>
             </a:r>
           </a:p>
         </p:txBody>
       </p:sp>
-      <p:sp>
-        <p:nvSpPr>
-          <p:cNvPr id="8" name="TextBox 7">
+      <p:pic>
+        <p:nvPicPr>
+          <p:cNvPr id="3" name="Picture 2">
             <a:extLst>
               <a:ext uri="{FF2B5EF4-FFF2-40B4-BE49-F238E27FC236}">
-                <a16:creationId xmlns:a16="http://schemas.microsoft.com/office/drawing/2014/main" id="{B4249BBA-AF9F-5640-818F-DCFAC01EF3B1}"/>
-              </a:ext>
-            </a:extLst>
-          </p:cNvPr>
-          <p:cNvSpPr txBox="1"/>
-          <p:nvPr/>
-        </p:nvSpPr>
-        <p:spPr>
-          <a:xfrm>
-            <a:off x="455319" y="4617720"/>
-            <a:ext cx="11281362" cy="1478280"/>
-          </a:xfrm>
-          <a:prstGeom prst="rect">
-            <a:avLst/>
-          </a:prstGeom>
-        </p:spPr>
-        <p:txBody>
-          <a:bodyPr vert="horz" lIns="91440" tIns="45720" rIns="91440" bIns="45720" rtlCol="0">
-            <a:noAutofit/>
-          </a:bodyPr>
-          <a:lstStyle/>
-          <a:p>
-            <a:r>
-              <a:rPr lang="en-US" sz="2800" dirty="0"/>
-              <a:t>The </a:t>
-            </a:r>
-            <a:r>
-              <a:rPr lang="en-US" sz="2800" dirty="0" err="1"/>
-              <a:t>iss</a:t>
-            </a:r>
-            <a:r>
-              <a:rPr lang="en-US" sz="2800" dirty="0"/>
-              <a:t> property is a </a:t>
-            </a:r>
-            <a:r>
-              <a:rPr lang="en-US" sz="2800" dirty="0">
-                <a:hlinkClick r:id="rId2">
-                  <a:extLst>
-                    <a:ext uri="{A12FA001-AC4F-418D-AE19-62706E023703}">
-                      <ahyp:hlinkClr xmlns:ahyp="http://schemas.microsoft.com/office/drawing/2018/hyperlinkcolor" val="tx"/>
-                    </a:ext>
-                  </a:extLst>
-                </a:hlinkClick>
-              </a:rPr>
-              <a:t>registered claim</a:t>
-            </a:r>
-            <a:r>
-              <a:rPr lang="en-US" sz="2800" dirty="0"/>
-              <a:t>, it represents the identity provider that issued the token (</a:t>
-            </a:r>
-            <a:r>
-              <a:rPr lang="en-US" sz="2800" dirty="0">
-                <a:solidFill>
-                  <a:srgbClr val="FF0000"/>
-                </a:solidFill>
-              </a:rPr>
-              <a:t>the issuer</a:t>
-            </a:r>
-            <a:r>
-              <a:rPr lang="en-US" sz="2800" dirty="0"/>
-              <a:t>)— in this case, </a:t>
-            </a:r>
-            <a:r>
-              <a:rPr lang="en-US" sz="2800" dirty="0">
-                <a:hlinkClick r:id="rId3">
-                  <a:extLst>
-                    <a:ext uri="{A12FA001-AC4F-418D-AE19-62706E023703}">
-                      <ahyp:hlinkClr xmlns:ahyp="http://schemas.microsoft.com/office/drawing/2018/hyperlinkcolor" val="tx"/>
-                    </a:ext>
-                  </a:extLst>
-                </a:hlinkClick>
-              </a:rPr>
-              <a:t>Amazon Cognito</a:t>
-            </a:r>
-            <a:r>
-              <a:rPr lang="en-US" sz="2800" dirty="0"/>
-              <a:t>. Finally, we can add further claims based on our needs (e.g. admin claim).</a:t>
-            </a:r>
-          </a:p>
-        </p:txBody>
-      </p:sp>
-      <p:pic>
-        <p:nvPicPr>
-          <p:cNvPr id="2" name="Picture 1">
-            <a:extLst>
-              <a:ext uri="{FF2B5EF4-FFF2-40B4-BE49-F238E27FC236}">
-                <a16:creationId xmlns:a16="http://schemas.microsoft.com/office/drawing/2014/main" id="{1FA46D6B-2E66-414D-A7A6-7F043EDB269F}"/>
+                <a16:creationId xmlns:a16="http://schemas.microsoft.com/office/drawing/2014/main" id="{1142A301-DEE6-7F4B-B50C-CABADAE0B462}"/>
               </a:ext>
             </a:extLst>
           </p:cNvPr>
@@ -16084,15 +16877,15 @@
           <p:nvPr/>
         </p:nvPicPr>
         <p:blipFill>
-          <a:blip r:embed="rId4"/>
+          <a:blip r:embed="rId2"/>
           <a:stretch>
             <a:fillRect/>
           </a:stretch>
         </p:blipFill>
         <p:spPr>
           <a:xfrm>
-            <a:off x="609600" y="2609850"/>
-            <a:ext cx="7620000" cy="1638300"/>
+            <a:off x="455319" y="2810751"/>
+            <a:ext cx="6767116" cy="3574180"/>
           </a:xfrm>
           <a:prstGeom prst="rect">
             <a:avLst/>
@@ -16112,7 +16905,7 @@
 </p:sld>
 </file>
 
-<file path=ppt/slides/slide28.xml><?xml version="1.0" encoding="utf-8"?>
+<file path=ppt/slides/slide29.xml><?xml version="1.0" encoding="utf-8"?>
 <p:sld xmlns:a="http://schemas.openxmlformats.org/drawingml/2006/main" xmlns:r="http://schemas.openxmlformats.org/officeDocument/2006/relationships" xmlns:p="http://schemas.openxmlformats.org/presentationml/2006/main">
   <p:cSld>
     <p:spTree>
@@ -16261,7 +17054,7 @@
             </a:r>
             <a:r>
               <a:rPr lang="en-US" sz="2800" dirty="0"/>
-              <a:t> (in this case RS256) and a private key;</a:t>
+              <a:t> (in this case HS256) and a private key;</a:t>
             </a:r>
           </a:p>
           <a:p>
@@ -16316,122 +17109,52 @@
           </a:prstGeom>
         </p:spPr>
       </p:pic>
-    </p:spTree>
-    <p:extLst>
-      <p:ext uri="{BB962C8B-B14F-4D97-AF65-F5344CB8AC3E}">
-        <p14:creationId xmlns:p14="http://schemas.microsoft.com/office/powerpoint/2010/main" val="3423380441"/>
-      </p:ext>
-    </p:extLst>
-  </p:cSld>
-  <p:clrMapOvr>
-    <a:masterClrMapping/>
-  </p:clrMapOvr>
-</p:sld>
-</file>
-
-<file path=ppt/slides/slide29.xml><?xml version="1.0" encoding="utf-8"?>
-<p:sld xmlns:a="http://schemas.openxmlformats.org/drawingml/2006/main" xmlns:r="http://schemas.openxmlformats.org/officeDocument/2006/relationships" xmlns:p="http://schemas.openxmlformats.org/presentationml/2006/main">
-  <p:cSld>
-    <p:spTree>
-      <p:nvGrpSpPr>
-        <p:cNvPr id="1" name=""/>
-        <p:cNvGrpSpPr/>
-        <p:nvPr/>
-      </p:nvGrpSpPr>
-      <p:grpSpPr>
-        <a:xfrm>
-          <a:off x="0" y="0"/>
-          <a:ext cx="0" cy="0"/>
-          <a:chOff x="0" y="0"/>
-          <a:chExt cx="0" cy="0"/>
-        </a:xfrm>
-      </p:grpSpPr>
-      <p:sp>
-        <p:nvSpPr>
-          <p:cNvPr id="4" name="Title 5">
+      <p:sp>
+        <p:nvSpPr>
+          <p:cNvPr id="6" name="TextBox 5">
             <a:extLst>
               <a:ext uri="{FF2B5EF4-FFF2-40B4-BE49-F238E27FC236}">
-                <a16:creationId xmlns:a16="http://schemas.microsoft.com/office/drawing/2014/main" id="{A84E2FEF-74EA-9C4A-B7F8-D5AF9CC85439}"/>
+                <a16:creationId xmlns:a16="http://schemas.microsoft.com/office/drawing/2014/main" id="{B6C6A441-B436-2144-B175-F493B12B60CC}"/>
               </a:ext>
             </a:extLst>
           </p:cNvPr>
-          <p:cNvSpPr>
-            <a:spLocks noGrp="1"/>
-          </p:cNvSpPr>
-          <p:nvPr>
-            <p:ph type="title"/>
-          </p:nvPr>
+          <p:cNvSpPr txBox="1"/>
+          <p:nvPr/>
         </p:nvSpPr>
         <p:spPr>
           <a:xfrm>
-            <a:off x="175260" y="279643"/>
-            <a:ext cx="11841480" cy="1325563"/>
-          </a:xfrm>
-        </p:spPr>
-        <p:txBody>
-          <a:bodyPr>
-            <a:noAutofit/>
-          </a:bodyPr>
-          <a:lstStyle/>
-          <a:p>
-            <a:r>
-              <a:rPr lang="en-IL" sz="4800" dirty="0"/>
-              <a:t>Let’s summarise…but let’s take a break before…</a:t>
-            </a:r>
-          </a:p>
-        </p:txBody>
-      </p:sp>
-      <p:pic>
-        <p:nvPicPr>
-          <p:cNvPr id="14338" name="Picture 2">
-            <a:extLst>
-              <a:ext uri="{FF2B5EF4-FFF2-40B4-BE49-F238E27FC236}">
-                <a16:creationId xmlns:a16="http://schemas.microsoft.com/office/drawing/2014/main" id="{E17F2E80-C716-B040-BBEE-5CD18CA4EA47}"/>
-              </a:ext>
-            </a:extLst>
-          </p:cNvPr>
-          <p:cNvPicPr>
-            <a:picLocks noChangeAspect="1" noChangeArrowheads="1"/>
-          </p:cNvPicPr>
-          <p:nvPr/>
-        </p:nvPicPr>
-        <p:blipFill>
-          <a:blip r:embed="rId3">
-            <a:extLst>
-              <a:ext uri="{28A0092B-C50C-407E-A947-70E740481C1C}">
-                <a14:useLocalDpi xmlns:a14="http://schemas.microsoft.com/office/drawing/2010/main" val="0"/>
-              </a:ext>
-            </a:extLst>
-          </a:blip>
-          <a:srcRect/>
-          <a:stretch>
-            <a:fillRect/>
-          </a:stretch>
-        </p:blipFill>
-        <p:spPr bwMode="auto">
-          <a:xfrm>
-            <a:off x="692150" y="1605206"/>
-            <a:ext cx="10807700" cy="4559300"/>
+            <a:off x="2497372" y="4876800"/>
+            <a:ext cx="868680" cy="365760"/>
           </a:xfrm>
           <a:prstGeom prst="rect">
             <a:avLst/>
           </a:prstGeom>
           <a:noFill/>
-          <a:extLst>
-            <a:ext uri="{909E8E84-426E-40DD-AFC4-6F175D3DCCD1}">
-              <a14:hiddenFill xmlns:a14="http://schemas.microsoft.com/office/drawing/2010/main">
-                <a:solidFill>
-                  <a:srgbClr val="FFFFFF"/>
-                </a:solidFill>
-              </a14:hiddenFill>
-            </a:ext>
-          </a:extLst>
         </p:spPr>
-      </p:pic>
+        <p:txBody>
+          <a:bodyPr wrap="square" rtlCol="0">
+            <a:spAutoFit/>
+          </a:bodyPr>
+          <a:lstStyle/>
+          <a:p>
+            <a:r>
+              <a:rPr lang="en-IL" dirty="0">
+                <a:solidFill>
+                  <a:schemeClr val="bg1"/>
+                </a:solidFill>
+                <a:highlight>
+                  <a:srgbClr val="C0C0C0"/>
+                </a:highlight>
+              </a:rPr>
+              <a:t>HS</a:t>
+            </a:r>
+          </a:p>
+        </p:txBody>
+      </p:sp>
     </p:spTree>
     <p:extLst>
       <p:ext uri="{BB962C8B-B14F-4D97-AF65-F5344CB8AC3E}">
-        <p14:creationId xmlns:p14="http://schemas.microsoft.com/office/powerpoint/2010/main" val="2376791396"/>
+        <p14:creationId xmlns:p14="http://schemas.microsoft.com/office/powerpoint/2010/main" val="3423380441"/>
       </p:ext>
     </p:extLst>
   </p:cSld>
@@ -17072,6 +17795,118 @@
         </p:nvSpPr>
         <p:spPr>
           <a:xfrm>
+            <a:off x="175260" y="279643"/>
+            <a:ext cx="11841480" cy="1325563"/>
+          </a:xfrm>
+        </p:spPr>
+        <p:txBody>
+          <a:bodyPr>
+            <a:noAutofit/>
+          </a:bodyPr>
+          <a:lstStyle/>
+          <a:p>
+            <a:r>
+              <a:rPr lang="en-IL" sz="4800" dirty="0"/>
+              <a:t>Let’s summarise…but let’s take a break before…</a:t>
+            </a:r>
+          </a:p>
+        </p:txBody>
+      </p:sp>
+      <p:pic>
+        <p:nvPicPr>
+          <p:cNvPr id="14338" name="Picture 2">
+            <a:extLst>
+              <a:ext uri="{FF2B5EF4-FFF2-40B4-BE49-F238E27FC236}">
+                <a16:creationId xmlns:a16="http://schemas.microsoft.com/office/drawing/2014/main" id="{E17F2E80-C716-B040-BBEE-5CD18CA4EA47}"/>
+              </a:ext>
+            </a:extLst>
+          </p:cNvPr>
+          <p:cNvPicPr>
+            <a:picLocks noChangeAspect="1" noChangeArrowheads="1"/>
+          </p:cNvPicPr>
+          <p:nvPr/>
+        </p:nvPicPr>
+        <p:blipFill>
+          <a:blip r:embed="rId3">
+            <a:extLst>
+              <a:ext uri="{28A0092B-C50C-407E-A947-70E740481C1C}">
+                <a14:useLocalDpi xmlns:a14="http://schemas.microsoft.com/office/drawing/2010/main" val="0"/>
+              </a:ext>
+            </a:extLst>
+          </a:blip>
+          <a:srcRect/>
+          <a:stretch>
+            <a:fillRect/>
+          </a:stretch>
+        </p:blipFill>
+        <p:spPr bwMode="auto">
+          <a:xfrm>
+            <a:off x="692150" y="1605206"/>
+            <a:ext cx="10807700" cy="4559300"/>
+          </a:xfrm>
+          <a:prstGeom prst="rect">
+            <a:avLst/>
+          </a:prstGeom>
+          <a:noFill/>
+          <a:extLst>
+            <a:ext uri="{909E8E84-426E-40DD-AFC4-6F175D3DCCD1}">
+              <a14:hiddenFill xmlns:a14="http://schemas.microsoft.com/office/drawing/2010/main">
+                <a:solidFill>
+                  <a:srgbClr val="FFFFFF"/>
+                </a:solidFill>
+              </a14:hiddenFill>
+            </a:ext>
+          </a:extLst>
+        </p:spPr>
+      </p:pic>
+    </p:spTree>
+    <p:extLst>
+      <p:ext uri="{BB962C8B-B14F-4D97-AF65-F5344CB8AC3E}">
+        <p14:creationId xmlns:p14="http://schemas.microsoft.com/office/powerpoint/2010/main" val="2376791396"/>
+      </p:ext>
+    </p:extLst>
+  </p:cSld>
+  <p:clrMapOvr>
+    <a:masterClrMapping/>
+  </p:clrMapOvr>
+</p:sld>
+</file>
+
+<file path=ppt/slides/slide31.xml><?xml version="1.0" encoding="utf-8"?>
+<p:sld xmlns:a="http://schemas.openxmlformats.org/drawingml/2006/main" xmlns:r="http://schemas.openxmlformats.org/officeDocument/2006/relationships" xmlns:p="http://schemas.openxmlformats.org/presentationml/2006/main">
+  <p:cSld>
+    <p:spTree>
+      <p:nvGrpSpPr>
+        <p:cNvPr id="1" name=""/>
+        <p:cNvGrpSpPr/>
+        <p:nvPr/>
+      </p:nvGrpSpPr>
+      <p:grpSpPr>
+        <a:xfrm>
+          <a:off x="0" y="0"/>
+          <a:ext cx="0" cy="0"/>
+          <a:chOff x="0" y="0"/>
+          <a:chExt cx="0" cy="0"/>
+        </a:xfrm>
+      </p:grpSpPr>
+      <p:sp>
+        <p:nvSpPr>
+          <p:cNvPr id="4" name="Title 5">
+            <a:extLst>
+              <a:ext uri="{FF2B5EF4-FFF2-40B4-BE49-F238E27FC236}">
+                <a16:creationId xmlns:a16="http://schemas.microsoft.com/office/drawing/2014/main" id="{A84E2FEF-74EA-9C4A-B7F8-D5AF9CC85439}"/>
+              </a:ext>
+            </a:extLst>
+          </p:cNvPr>
+          <p:cNvSpPr>
+            <a:spLocks noGrp="1"/>
+          </p:cNvSpPr>
+          <p:nvPr>
+            <p:ph type="title"/>
+          </p:nvPr>
+        </p:nvSpPr>
+        <p:spPr>
+          <a:xfrm>
             <a:off x="350520" y="174706"/>
             <a:ext cx="10515600" cy="1325563"/>
           </a:xfrm>
@@ -17301,7 +18136,7 @@
 </p:sld>
 </file>
 
-<file path=ppt/slides/slide31.xml><?xml version="1.0" encoding="utf-8"?>
+<file path=ppt/slides/slide32.xml><?xml version="1.0" encoding="utf-8"?>
 <p:sld xmlns:a="http://schemas.openxmlformats.org/drawingml/2006/main" xmlns:r="http://schemas.openxmlformats.org/officeDocument/2006/relationships" xmlns:p="http://schemas.openxmlformats.org/presentationml/2006/main">
   <p:cSld>
     <p:spTree>
@@ -17421,7 +18256,7 @@
 </p:sld>
 </file>
 
-<file path=ppt/slides/slide32.xml><?xml version="1.0" encoding="utf-8"?>
+<file path=ppt/slides/slide33.xml><?xml version="1.0" encoding="utf-8"?>
 <p:sld xmlns:a="http://schemas.openxmlformats.org/drawingml/2006/main" xmlns:r="http://schemas.openxmlformats.org/officeDocument/2006/relationships" xmlns:p="http://schemas.openxmlformats.org/presentationml/2006/main">
   <p:cSld>
     <p:spTree>
@@ -17594,7 +18429,7 @@
 </p:sld>
 </file>
 
-<file path=ppt/slides/slide33.xml><?xml version="1.0" encoding="utf-8"?>
+<file path=ppt/slides/slide34.xml><?xml version="1.0" encoding="utf-8"?>
 <p:sld xmlns:a="http://schemas.openxmlformats.org/drawingml/2006/main" xmlns:r="http://schemas.openxmlformats.org/officeDocument/2006/relationships" xmlns:p="http://schemas.openxmlformats.org/presentationml/2006/main">
   <p:cSld>
     <p:spTree>
@@ -17787,7 +18622,7 @@
 </p:sld>
 </file>
 
-<file path=ppt/slides/slide34.xml><?xml version="1.0" encoding="utf-8"?>
+<file path=ppt/slides/slide35.xml><?xml version="1.0" encoding="utf-8"?>
 <p:sld xmlns:a="http://schemas.openxmlformats.org/drawingml/2006/main" xmlns:r="http://schemas.openxmlformats.org/officeDocument/2006/relationships" xmlns:p="http://schemas.openxmlformats.org/presentationml/2006/main">
   <p:cSld>
     <p:spTree>
@@ -17876,7 +18711,7 @@
 </p:sld>
 </file>
 
-<file path=ppt/slides/slide35.xml><?xml version="1.0" encoding="utf-8"?>
+<file path=ppt/slides/slide36.xml><?xml version="1.0" encoding="utf-8"?>
 <p:sld xmlns:a="http://schemas.openxmlformats.org/drawingml/2006/main" xmlns:r="http://schemas.openxmlformats.org/officeDocument/2006/relationships" xmlns:p="http://schemas.openxmlformats.org/presentationml/2006/main">
   <p:cSld>
     <p:spTree>
@@ -17953,7 +18788,7 @@
 </p:sld>
 </file>
 
-<file path=ppt/slides/slide36.xml><?xml version="1.0" encoding="utf-8"?>
+<file path=ppt/slides/slide37.xml><?xml version="1.0" encoding="utf-8"?>
 <p:sld xmlns:a="http://schemas.openxmlformats.org/drawingml/2006/main" xmlns:r="http://schemas.openxmlformats.org/officeDocument/2006/relationships" xmlns:p="http://schemas.openxmlformats.org/presentationml/2006/main">
   <p:cSld>
     <p:bg>
@@ -18179,7 +19014,7 @@
 </p:sld>
 </file>
 
-<file path=ppt/slides/slide37.xml><?xml version="1.0" encoding="utf-8"?>
+<file path=ppt/slides/slide38.xml><?xml version="1.0" encoding="utf-8"?>
 <p:sld xmlns:a="http://schemas.openxmlformats.org/drawingml/2006/main" xmlns:r="http://schemas.openxmlformats.org/officeDocument/2006/relationships" xmlns:p="http://schemas.openxmlformats.org/presentationml/2006/main">
   <p:cSld>
     <p:bg>
@@ -20064,7 +20899,7 @@
 </p:sld>
 </file>
 
-<file path=ppt/slides/slide38.xml><?xml version="1.0" encoding="utf-8"?>
+<file path=ppt/slides/slide39.xml><?xml version="1.0" encoding="utf-8"?>
 <p:sld xmlns:a="http://schemas.openxmlformats.org/drawingml/2006/main" xmlns:r="http://schemas.openxmlformats.org/officeDocument/2006/relationships" xmlns:p="http://schemas.openxmlformats.org/presentationml/2006/main">
   <p:cSld>
     <p:bg>
